--- a/Courses/Software-Sciences/Module-3-Databases-New/03-Intro-to-MS-SQL-Server/03-Intro-to-MS-SQL-Server.pptx
+++ b/Courses/Software-Sciences/Module-3-Databases-New/03-Intro-to-MS-SQL-Server/03-Intro-to-MS-SQL-Server.pptx
@@ -138,7 +138,7 @@
   </p:defaultTextStyle>
   <p:extLst>
     <p:ext uri="{521415D9-36F7-43E2-AB2F-B90AF26B5E84}">
-      <p14:sectionLst xmlns:p14="http://schemas.microsoft.com/office/powerpoint/2010/main">
+      <p14:sectionLst xmlns:p14="http://schemas.microsoft.com/office/powerpoint/2010/main" xmlns="">
         <p14:section name="Въведение" id="{68214D1A-5628-4F9A-98CD-87D12966DB07}">
           <p14:sldIdLst>
             <p14:sldId id="1176"/>
@@ -197,7 +197,7 @@
       </p14:sectionLst>
     </p:ext>
     <p:ext uri="{EFAFB233-063F-42B5-8137-9DF3F51BA10A}">
-      <p15:sldGuideLst xmlns:p15="http://schemas.microsoft.com/office/powerpoint/2012/main">
+      <p15:sldGuideLst xmlns:p15="http://schemas.microsoft.com/office/powerpoint/2012/main" xmlns="">
         <p15:guide id="1" orient="horz" pos="2184" userDrawn="1">
           <p15:clr>
             <a:srgbClr val="A4A3A4"/>
@@ -211,7 +211,7 @@
       </p15:sldGuideLst>
     </p:ext>
     <p:ext uri="{2D200454-40CA-4A62-9FC3-DE9A4176ACB9}">
-      <p15:notesGuideLst xmlns:p15="http://schemas.microsoft.com/office/powerpoint/2012/main"/>
+      <p15:notesGuideLst xmlns:p15="http://schemas.microsoft.com/office/powerpoint/2012/main" xmlns=""/>
     </p:ext>
   </p:extLst>
 </p:presentation>
@@ -316,7 +316,7 @@
           <p:cNvPr id="2" name="Header Placeholder 1">
             <a:extLst>
               <a:ext uri="{FF2B5EF4-FFF2-40B4-BE49-F238E27FC236}">
-                <a16:creationId xmlns:a16="http://schemas.microsoft.com/office/drawing/2014/main" id="{56F20103-83CC-4A54-8FDE-9D37FC2629C0}"/>
+                <a16:creationId xmlns:a16="http://schemas.microsoft.com/office/drawing/2014/main" xmlns="" id="{56F20103-83CC-4A54-8FDE-9D37FC2629C0}"/>
               </a:ext>
             </a:extLst>
           </p:cNvPr>
@@ -353,7 +353,7 @@
           <p:cNvPr id="3" name="Date Placeholder 2">
             <a:extLst>
               <a:ext uri="{FF2B5EF4-FFF2-40B4-BE49-F238E27FC236}">
-                <a16:creationId xmlns:a16="http://schemas.microsoft.com/office/drawing/2014/main" id="{27A53962-26EF-44E4-9E69-61B1727AB1C2}"/>
+                <a16:creationId xmlns:a16="http://schemas.microsoft.com/office/drawing/2014/main" xmlns="" id="{27A53962-26EF-44E4-9E69-61B1727AB1C2}"/>
               </a:ext>
             </a:extLst>
           </p:cNvPr>
@@ -384,7 +384,7 @@
             <a:fld id="{4E087215-0C8F-4762-A664-737A353EC9A4}" type="datetimeFigureOut">
               <a:rPr lang="bg-BG" smtClean="0"/>
               <a:pPr/>
-              <a:t>7.08.23 г.</a:t>
+              <a:t>8.8.2023 г.</a:t>
             </a:fld>
             <a:endParaRPr lang="bg-BG"/>
           </a:p>
@@ -395,7 +395,7 @@
           <p:cNvPr id="4" name="Footer Placeholder 3">
             <a:extLst>
               <a:ext uri="{FF2B5EF4-FFF2-40B4-BE49-F238E27FC236}">
-                <a16:creationId xmlns:a16="http://schemas.microsoft.com/office/drawing/2014/main" id="{28A6967E-448F-4887-8FCB-34482EFBCC74}"/>
+                <a16:creationId xmlns:a16="http://schemas.microsoft.com/office/drawing/2014/main" xmlns="" id="{28A6967E-448F-4887-8FCB-34482EFBCC74}"/>
               </a:ext>
             </a:extLst>
           </p:cNvPr>
@@ -445,7 +445,7 @@
           <p:cNvPr id="5" name="Slide Number Placeholder 4">
             <a:extLst>
               <a:ext uri="{FF2B5EF4-FFF2-40B4-BE49-F238E27FC236}">
-                <a16:creationId xmlns:a16="http://schemas.microsoft.com/office/drawing/2014/main" id="{8B6554C2-DDBA-40E2-9536-53A07EC50274}"/>
+                <a16:creationId xmlns:a16="http://schemas.microsoft.com/office/drawing/2014/main" xmlns="" id="{8B6554C2-DDBA-40E2-9536-53A07EC50274}"/>
               </a:ext>
             </a:extLst>
           </p:cNvPr>
@@ -485,7 +485,7 @@
     </p:spTree>
     <p:extLst>
       <p:ext uri="{BB962C8B-B14F-4D97-AF65-F5344CB8AC3E}">
-        <p14:creationId xmlns:p14="http://schemas.microsoft.com/office/powerpoint/2010/main" val="4150602968"/>
+        <p14:creationId xmlns:p14="http://schemas.microsoft.com/office/powerpoint/2010/main" xmlns="" val="4150602968"/>
       </p:ext>
     </p:extLst>
   </p:cSld>
@@ -577,7 +577,7 @@
             <a:fld id="{72D84649-876A-46C9-8472-14CB09C070D8}" type="datetimeFigureOut">
               <a:rPr lang="en-US" smtClean="0"/>
               <a:pPr/>
-              <a:t>8/7/23</a:t>
+              <a:t>8/8/2023</a:t>
             </a:fld>
             <a:endParaRPr lang="en-US"/>
           </a:p>
@@ -716,7 +716,7 @@
           <p:cNvPr id="8" name="Footer Placeholder 7">
             <a:extLst>
               <a:ext uri="{FF2B5EF4-FFF2-40B4-BE49-F238E27FC236}">
-                <a16:creationId xmlns:a16="http://schemas.microsoft.com/office/drawing/2014/main" id="{CAC3A49B-3196-44DF-AC28-085C72EFBFF0}"/>
+                <a16:creationId xmlns:a16="http://schemas.microsoft.com/office/drawing/2014/main" xmlns="" id="{CAC3A49B-3196-44DF-AC28-085C72EFBFF0}"/>
               </a:ext>
             </a:extLst>
           </p:cNvPr>
@@ -764,7 +764,7 @@
     </p:spTree>
     <p:extLst>
       <p:ext uri="{BB962C8B-B14F-4D97-AF65-F5344CB8AC3E}">
-        <p14:creationId xmlns:p14="http://schemas.microsoft.com/office/powerpoint/2010/main" val="1530847692"/>
+        <p14:creationId xmlns:p14="http://schemas.microsoft.com/office/powerpoint/2010/main" xmlns="" val="1530847692"/>
       </p:ext>
     </p:extLst>
   </p:cSld>
@@ -942,7 +942,7 @@
           <p:cNvPr id="7" name="Footer Placeholder 7">
             <a:extLst>
               <a:ext uri="{FF2B5EF4-FFF2-40B4-BE49-F238E27FC236}">
-                <a16:creationId xmlns:a16="http://schemas.microsoft.com/office/drawing/2014/main" id="{D6D14794-F06A-4611-8F78-8DFF4B7B281D}"/>
+                <a16:creationId xmlns:a16="http://schemas.microsoft.com/office/drawing/2014/main" xmlns="" id="{D6D14794-F06A-4611-8F78-8DFF4B7B281D}"/>
               </a:ext>
             </a:extLst>
           </p:cNvPr>
@@ -990,7 +990,7 @@
     </p:spTree>
     <p:extLst>
       <p:ext uri="{BB962C8B-B14F-4D97-AF65-F5344CB8AC3E}">
-        <p14:creationId xmlns:p14="http://schemas.microsoft.com/office/powerpoint/2010/main" val="3017256844"/>
+        <p14:creationId xmlns:p14="http://schemas.microsoft.com/office/powerpoint/2010/main" xmlns="" val="3017256844"/>
       </p:ext>
     </p:extLst>
   </p:cSld>
@@ -1053,7 +1053,7 @@
           <p:cNvPr id="7" name="Slide Number Placeholder 5">
             <a:extLst>
               <a:ext uri="{FF2B5EF4-FFF2-40B4-BE49-F238E27FC236}">
-                <a16:creationId xmlns:a16="http://schemas.microsoft.com/office/drawing/2014/main" id="{5049B984-F964-47FF-8179-0A3007CE21CD}"/>
+                <a16:creationId xmlns:a16="http://schemas.microsoft.com/office/drawing/2014/main" xmlns="" id="{5049B984-F964-47FF-8179-0A3007CE21CD}"/>
               </a:ext>
             </a:extLst>
           </p:cNvPr>
@@ -1183,7 +1183,7 @@
           <p:cNvPr id="6" name="Footer Placeholder 7">
             <a:extLst>
               <a:ext uri="{FF2B5EF4-FFF2-40B4-BE49-F238E27FC236}">
-                <a16:creationId xmlns:a16="http://schemas.microsoft.com/office/drawing/2014/main" id="{416ADEDD-4350-4E19-A49B-53FE4B1FF764}"/>
+                <a16:creationId xmlns:a16="http://schemas.microsoft.com/office/drawing/2014/main" xmlns="" id="{416ADEDD-4350-4E19-A49B-53FE4B1FF764}"/>
               </a:ext>
             </a:extLst>
           </p:cNvPr>
@@ -1231,7 +1231,7 @@
     </p:spTree>
     <p:extLst>
       <p:ext uri="{BB962C8B-B14F-4D97-AF65-F5344CB8AC3E}">
-        <p14:creationId xmlns:p14="http://schemas.microsoft.com/office/powerpoint/2010/main" val="535779941"/>
+        <p14:creationId xmlns:p14="http://schemas.microsoft.com/office/powerpoint/2010/main" xmlns="" val="535779941"/>
       </p:ext>
     </p:extLst>
   </p:cSld>
@@ -1294,7 +1294,7 @@
           <p:cNvPr id="6" name="Slide Number Placeholder 5">
             <a:extLst>
               <a:ext uri="{FF2B5EF4-FFF2-40B4-BE49-F238E27FC236}">
-                <a16:creationId xmlns:a16="http://schemas.microsoft.com/office/drawing/2014/main" id="{6627548A-4D3C-449B-81A5-FA4BE4628490}"/>
+                <a16:creationId xmlns:a16="http://schemas.microsoft.com/office/drawing/2014/main" xmlns="" id="{6627548A-4D3C-449B-81A5-FA4BE4628490}"/>
               </a:ext>
             </a:extLst>
           </p:cNvPr>
@@ -1424,7 +1424,7 @@
           <p:cNvPr id="4" name="Footer Placeholder 3">
             <a:extLst>
               <a:ext uri="{FF2B5EF4-FFF2-40B4-BE49-F238E27FC236}">
-                <a16:creationId xmlns:a16="http://schemas.microsoft.com/office/drawing/2014/main" id="{D2472CE7-61C1-4B7B-B0C8-5A45F0178717}"/>
+                <a16:creationId xmlns:a16="http://schemas.microsoft.com/office/drawing/2014/main" xmlns="" id="{D2472CE7-61C1-4B7B-B0C8-5A45F0178717}"/>
               </a:ext>
             </a:extLst>
           </p:cNvPr>
@@ -1460,7 +1460,7 @@
     </p:spTree>
     <p:extLst>
       <p:ext uri="{BB962C8B-B14F-4D97-AF65-F5344CB8AC3E}">
-        <p14:creationId xmlns:p14="http://schemas.microsoft.com/office/powerpoint/2010/main" val="729041308"/>
+        <p14:creationId xmlns:p14="http://schemas.microsoft.com/office/powerpoint/2010/main" xmlns="" val="729041308"/>
       </p:ext>
     </p:extLst>
   </p:cSld>
@@ -1549,7 +1549,7 @@
           <p:cNvPr id="6" name="Footer Placeholder 7">
             <a:extLst>
               <a:ext uri="{FF2B5EF4-FFF2-40B4-BE49-F238E27FC236}">
-                <a16:creationId xmlns:a16="http://schemas.microsoft.com/office/drawing/2014/main" id="{C16FB4C5-7FC9-4A20-9F90-120D35515436}"/>
+                <a16:creationId xmlns:a16="http://schemas.microsoft.com/office/drawing/2014/main" xmlns="" id="{C16FB4C5-7FC9-4A20-9F90-120D35515436}"/>
               </a:ext>
             </a:extLst>
           </p:cNvPr>
@@ -1597,7 +1597,7 @@
     </p:spTree>
     <p:extLst>
       <p:ext uri="{BB962C8B-B14F-4D97-AF65-F5344CB8AC3E}">
-        <p14:creationId xmlns:p14="http://schemas.microsoft.com/office/powerpoint/2010/main" val="3363101878"/>
+        <p14:creationId xmlns:p14="http://schemas.microsoft.com/office/powerpoint/2010/main" xmlns="" val="3363101878"/>
       </p:ext>
     </p:extLst>
   </p:cSld>
@@ -1684,7 +1684,7 @@
           <p:cNvPr id="6" name="Footer Placeholder 7">
             <a:extLst>
               <a:ext uri="{FF2B5EF4-FFF2-40B4-BE49-F238E27FC236}">
-                <a16:creationId xmlns:a16="http://schemas.microsoft.com/office/drawing/2014/main" id="{D76114A6-817E-407B-8102-418FB0986E51}"/>
+                <a16:creationId xmlns:a16="http://schemas.microsoft.com/office/drawing/2014/main" xmlns="" id="{D76114A6-817E-407B-8102-418FB0986E51}"/>
               </a:ext>
             </a:extLst>
           </p:cNvPr>
@@ -1732,7 +1732,7 @@
     </p:spTree>
     <p:extLst>
       <p:ext uri="{BB962C8B-B14F-4D97-AF65-F5344CB8AC3E}">
-        <p14:creationId xmlns:p14="http://schemas.microsoft.com/office/powerpoint/2010/main" val="2189420943"/>
+        <p14:creationId xmlns:p14="http://schemas.microsoft.com/office/powerpoint/2010/main" xmlns="" val="2189420943"/>
       </p:ext>
     </p:extLst>
   </p:cSld>
@@ -1901,7 +1901,7 @@
           <a:bodyPr/>
           <a:lstStyle/>
           <a:p>
-            <a:endParaRPr lang="en-BG" dirty="0"/>
+            <a:endParaRPr lang="x-none" dirty="0"/>
           </a:p>
         </p:txBody>
       </p:sp>
@@ -1965,7 +1965,7 @@
     </p:spTree>
     <p:extLst>
       <p:ext uri="{BB962C8B-B14F-4D97-AF65-F5344CB8AC3E}">
-        <p14:creationId xmlns:p14="http://schemas.microsoft.com/office/powerpoint/2010/main" val="3154213015"/>
+        <p14:creationId xmlns:p14="http://schemas.microsoft.com/office/powerpoint/2010/main" xmlns="" val="3154213015"/>
       </p:ext>
     </p:extLst>
   </p:cSld>
@@ -2019,7 +2019,7 @@
           <a:bodyPr/>
           <a:lstStyle/>
           <a:p>
-            <a:endParaRPr lang="en-BG" dirty="0"/>
+            <a:endParaRPr lang="x-none" dirty="0"/>
           </a:p>
         </p:txBody>
       </p:sp>
@@ -2083,7 +2083,7 @@
     </p:spTree>
     <p:extLst>
       <p:ext uri="{BB962C8B-B14F-4D97-AF65-F5344CB8AC3E}">
-        <p14:creationId xmlns:p14="http://schemas.microsoft.com/office/powerpoint/2010/main" val="1326463654"/>
+        <p14:creationId xmlns:p14="http://schemas.microsoft.com/office/powerpoint/2010/main" xmlns="" val="1326463654"/>
       </p:ext>
     </p:extLst>
   </p:cSld>
@@ -2137,7 +2137,7 @@
           <a:bodyPr/>
           <a:lstStyle/>
           <a:p>
-            <a:endParaRPr lang="en-BG" dirty="0"/>
+            <a:endParaRPr lang="x-none" dirty="0"/>
           </a:p>
         </p:txBody>
       </p:sp>
@@ -2201,7 +2201,7 @@
     </p:spTree>
     <p:extLst>
       <p:ext uri="{BB962C8B-B14F-4D97-AF65-F5344CB8AC3E}">
-        <p14:creationId xmlns:p14="http://schemas.microsoft.com/office/powerpoint/2010/main" val="3662000058"/>
+        <p14:creationId xmlns:p14="http://schemas.microsoft.com/office/powerpoint/2010/main" xmlns="" val="3662000058"/>
       </p:ext>
     </p:extLst>
   </p:cSld>
@@ -2462,7 +2462,7 @@
           <p:cNvPr id="6" name="Footer Placeholder 7">
             <a:extLst>
               <a:ext uri="{FF2B5EF4-FFF2-40B4-BE49-F238E27FC236}">
-                <a16:creationId xmlns:a16="http://schemas.microsoft.com/office/drawing/2014/main" id="{26905AE6-D8A3-45B6-928E-F3E2E637ADB7}"/>
+                <a16:creationId xmlns:a16="http://schemas.microsoft.com/office/drawing/2014/main" xmlns="" id="{26905AE6-D8A3-45B6-928E-F3E2E637ADB7}"/>
               </a:ext>
             </a:extLst>
           </p:cNvPr>
@@ -2510,7 +2510,7 @@
     </p:spTree>
     <p:extLst>
       <p:ext uri="{BB962C8B-B14F-4D97-AF65-F5344CB8AC3E}">
-        <p14:creationId xmlns:p14="http://schemas.microsoft.com/office/powerpoint/2010/main" val="2285141229"/>
+        <p14:creationId xmlns:p14="http://schemas.microsoft.com/office/powerpoint/2010/main" xmlns="" val="2285141229"/>
       </p:ext>
     </p:extLst>
   </p:cSld>
@@ -2542,7 +2542,7 @@
           <p:cNvPr id="16" name="Rectangle Bottom">
             <a:extLst>
               <a:ext uri="{FF2B5EF4-FFF2-40B4-BE49-F238E27FC236}">
-                <a16:creationId xmlns:a16="http://schemas.microsoft.com/office/drawing/2014/main" id="{6854D183-0374-4B3E-B2CE-32F308A81591}"/>
+                <a16:creationId xmlns:a16="http://schemas.microsoft.com/office/drawing/2014/main" xmlns="" id="{6854D183-0374-4B3E-B2CE-32F308A81591}"/>
               </a:ext>
             </a:extLst>
           </p:cNvPr>
@@ -2623,7 +2623,7 @@
           <p:cNvPr id="14" name="Picture Logo SoftUni" descr="SoftUni logo">
             <a:extLst>
               <a:ext uri="{FF2B5EF4-FFF2-40B4-BE49-F238E27FC236}">
-                <a16:creationId xmlns:a16="http://schemas.microsoft.com/office/drawing/2014/main" id="{C4D6B2A2-DFF0-4712-BFEC-6676BEC99FEC}"/>
+                <a16:creationId xmlns:a16="http://schemas.microsoft.com/office/drawing/2014/main" xmlns="" id="{C4D6B2A2-DFF0-4712-BFEC-6676BEC99FEC}"/>
               </a:ext>
             </a:extLst>
           </p:cNvPr>
@@ -2646,7 +2646,7 @@
             </a:clrChange>
             <a:extLst>
               <a:ext uri="{28A0092B-C50C-407E-A947-70E740481C1C}">
-                <a14:useLocalDpi xmlns:a14="http://schemas.microsoft.com/office/drawing/2010/main" val="0"/>
+                <a14:useLocalDpi xmlns:a14="http://schemas.microsoft.com/office/drawing/2010/main" xmlns="" val="0"/>
               </a:ext>
             </a:extLst>
           </a:blip>
@@ -2669,7 +2669,7 @@
           <p:cNvPr id="31" name="Text Placeholder Company Site">
             <a:extLst>
               <a:ext uri="{FF2B5EF4-FFF2-40B4-BE49-F238E27FC236}">
-                <a16:creationId xmlns:a16="http://schemas.microsoft.com/office/drawing/2014/main" id="{3E6B87B7-9D33-4EBB-BD4F-C0436BA3FD72}"/>
+                <a16:creationId xmlns:a16="http://schemas.microsoft.com/office/drawing/2014/main" xmlns="" id="{3E6B87B7-9D33-4EBB-BD4F-C0436BA3FD72}"/>
               </a:ext>
             </a:extLst>
           </p:cNvPr>
@@ -2731,7 +2731,7 @@
           <p:cNvPr id="30" name="Text Placeholder Company Name">
             <a:extLst>
               <a:ext uri="{FF2B5EF4-FFF2-40B4-BE49-F238E27FC236}">
-                <a16:creationId xmlns:a16="http://schemas.microsoft.com/office/drawing/2014/main" id="{2EA92DCA-4DB5-4D03-ACD3-A6A296592D0C}"/>
+                <a16:creationId xmlns:a16="http://schemas.microsoft.com/office/drawing/2014/main" xmlns="" id="{2EA92DCA-4DB5-4D03-ACD3-A6A296592D0C}"/>
               </a:ext>
             </a:extLst>
           </p:cNvPr>
@@ -2793,7 +2793,7 @@
           <p:cNvPr id="35" name="Picture SoftUni Mascot" descr="SoftUni mascot">
             <a:extLst>
               <a:ext uri="{FF2B5EF4-FFF2-40B4-BE49-F238E27FC236}">
-                <a16:creationId xmlns:a16="http://schemas.microsoft.com/office/drawing/2014/main" id="{951E7DA9-C5F0-43D9-B013-3BDF9EEF029D}"/>
+                <a16:creationId xmlns:a16="http://schemas.microsoft.com/office/drawing/2014/main" xmlns="" id="{951E7DA9-C5F0-43D9-B013-3BDF9EEF029D}"/>
               </a:ext>
             </a:extLst>
           </p:cNvPr>
@@ -2806,7 +2806,7 @@
           <a:blip r:embed="rId3" cstate="print">
             <a:extLst>
               <a:ext uri="{28A0092B-C50C-407E-A947-70E740481C1C}">
-                <a14:useLocalDpi xmlns:a14="http://schemas.microsoft.com/office/drawing/2010/main" val="0"/>
+                <a14:useLocalDpi xmlns:a14="http://schemas.microsoft.com/office/drawing/2010/main" xmlns="" val="0"/>
               </a:ext>
             </a:extLst>
           </a:blip>
@@ -2829,7 +2829,7 @@
             <a:hlinkClick r:id="rId4"/>
             <a:extLst>
               <a:ext uri="{FF2B5EF4-FFF2-40B4-BE49-F238E27FC236}">
-                <a16:creationId xmlns:a16="http://schemas.microsoft.com/office/drawing/2014/main" id="{F2315EB3-3FE4-4D3B-921E-5F209CEC13CB}"/>
+                <a16:creationId xmlns:a16="http://schemas.microsoft.com/office/drawing/2014/main" xmlns="" id="{F2315EB3-3FE4-4D3B-921E-5F209CEC13CB}"/>
               </a:ext>
             </a:extLst>
           </p:cNvPr>
@@ -2852,7 +2852,7 @@
             </a:clrChange>
             <a:extLst>
               <a:ext uri="{28A0092B-C50C-407E-A947-70E740481C1C}">
-                <a14:useLocalDpi xmlns:a14="http://schemas.microsoft.com/office/drawing/2010/main" val="0"/>
+                <a14:useLocalDpi xmlns:a14="http://schemas.microsoft.com/office/drawing/2010/main" xmlns="" val="0"/>
               </a:ext>
             </a:extLst>
           </a:blip>
@@ -2875,7 +2875,7 @@
           <p:cNvPr id="40" name="Text Placeholder Author Position">
             <a:extLst>
               <a:ext uri="{FF2B5EF4-FFF2-40B4-BE49-F238E27FC236}">
-                <a16:creationId xmlns:a16="http://schemas.microsoft.com/office/drawing/2014/main" id="{CD940256-851E-46C8-8BFB-A5ECA6C7DA07}"/>
+                <a16:creationId xmlns:a16="http://schemas.microsoft.com/office/drawing/2014/main" xmlns="" id="{CD940256-851E-46C8-8BFB-A5ECA6C7DA07}"/>
               </a:ext>
             </a:extLst>
           </p:cNvPr>
@@ -2935,7 +2935,7 @@
           <p:cNvPr id="36" name="Text Placeholder Author Name">
             <a:extLst>
               <a:ext uri="{FF2B5EF4-FFF2-40B4-BE49-F238E27FC236}">
-                <a16:creationId xmlns:a16="http://schemas.microsoft.com/office/drawing/2014/main" id="{3B21F47B-DE1F-442D-A2B7-6866F8786704}"/>
+                <a16:creationId xmlns:a16="http://schemas.microsoft.com/office/drawing/2014/main" xmlns="" id="{3B21F47B-DE1F-442D-A2B7-6866F8786704}"/>
               </a:ext>
             </a:extLst>
           </p:cNvPr>
@@ -2995,7 +2995,7 @@
           <p:cNvPr id="33" name="Picture Placeholder Title Image">
             <a:extLst>
               <a:ext uri="{FF2B5EF4-FFF2-40B4-BE49-F238E27FC236}">
-                <a16:creationId xmlns:a16="http://schemas.microsoft.com/office/drawing/2014/main" id="{A04D819A-89E2-4714-8C56-1838BF467EF7}"/>
+                <a16:creationId xmlns:a16="http://schemas.microsoft.com/office/drawing/2014/main" xmlns="" id="{A04D819A-89E2-4714-8C56-1838BF467EF7}"/>
               </a:ext>
             </a:extLst>
           </p:cNvPr>
@@ -3037,7 +3037,7 @@
           <p:cNvPr id="43" name="Presentation Subtitle">
             <a:extLst>
               <a:ext uri="{FF2B5EF4-FFF2-40B4-BE49-F238E27FC236}">
-                <a16:creationId xmlns:a16="http://schemas.microsoft.com/office/drawing/2014/main" id="{37BDB812-1395-4B02-ABCF-6A331EEE23E5}"/>
+                <a16:creationId xmlns:a16="http://schemas.microsoft.com/office/drawing/2014/main" xmlns="" id="{37BDB812-1395-4B02-ABCF-6A331EEE23E5}"/>
               </a:ext>
             </a:extLst>
           </p:cNvPr>
@@ -3081,7 +3081,7 @@
           <p:cNvPr id="2" name="Presentation Title">
             <a:extLst>
               <a:ext uri="{FF2B5EF4-FFF2-40B4-BE49-F238E27FC236}">
-                <a16:creationId xmlns:a16="http://schemas.microsoft.com/office/drawing/2014/main" id="{A4DF3AB8-E6E3-4FCE-8A4A-ECD147720A5D}"/>
+                <a16:creationId xmlns:a16="http://schemas.microsoft.com/office/drawing/2014/main" xmlns="" id="{A4DF3AB8-E6E3-4FCE-8A4A-ECD147720A5D}"/>
               </a:ext>
             </a:extLst>
           </p:cNvPr>
@@ -3116,24 +3116,24 @@
     </p:spTree>
     <p:extLst>
       <p:ext uri="{BB962C8B-B14F-4D97-AF65-F5344CB8AC3E}">
-        <p14:creationId xmlns:p14="http://schemas.microsoft.com/office/powerpoint/2010/main" val="970179299"/>
+        <p14:creationId xmlns:p14="http://schemas.microsoft.com/office/powerpoint/2010/main" xmlns="" val="970179299"/>
       </p:ext>
     </p:extLst>
   </p:cSld>
   <p:clrMapOvr>
     <a:masterClrMapping/>
   </p:clrMapOvr>
-  <mc:AlternateContent xmlns:mc="http://schemas.openxmlformats.org/markup-compatibility/2006" xmlns:p14="http://schemas.microsoft.com/office/powerpoint/2010/main">
-    <mc:Choice Requires="p14">
+  <mc:AlternateContent xmlns:mc="http://schemas.openxmlformats.org/markup-compatibility/2006">
+    <mc:Choice xmlns:p14="http://schemas.microsoft.com/office/powerpoint/2010/main" xmlns="" Requires="p14">
       <p:transition spd="slow" p14:dur="2000" advClick="0" advTm="5000"/>
     </mc:Choice>
-    <mc:Fallback xmlns="">
+    <mc:Fallback>
       <p:transition spd="slow" advClick="0" advTm="5000"/>
     </mc:Fallback>
   </mc:AlternateContent>
   <p:extLst>
     <p:ext uri="{DCECCB84-F9BA-43D5-87BE-67443E8EF086}">
-      <p15:sldGuideLst xmlns:p15="http://schemas.microsoft.com/office/powerpoint/2012/main">
+      <p15:sldGuideLst xmlns:p15="http://schemas.microsoft.com/office/powerpoint/2012/main" xmlns="">
         <p15:guide id="1" orient="horz" pos="2160">
           <p15:clr>
             <a:srgbClr val="FBAE40"/>
@@ -3172,7 +3172,7 @@
           <p:cNvPr id="15" name="Slide Number">
             <a:extLst>
               <a:ext uri="{FF2B5EF4-FFF2-40B4-BE49-F238E27FC236}">
-                <a16:creationId xmlns:a16="http://schemas.microsoft.com/office/drawing/2014/main" id="{F888EE71-82B3-40F1-A63F-7417422FB4A4}"/>
+                <a16:creationId xmlns:a16="http://schemas.microsoft.com/office/drawing/2014/main" xmlns="" id="{F888EE71-82B3-40F1-A63F-7417422FB4A4}"/>
               </a:ext>
             </a:extLst>
           </p:cNvPr>
@@ -3214,7 +3214,7 @@
           <p:cNvPr id="14" name="Text Placeholder Body">
             <a:extLst>
               <a:ext uri="{FF2B5EF4-FFF2-40B4-BE49-F238E27FC236}">
-                <a16:creationId xmlns:a16="http://schemas.microsoft.com/office/drawing/2014/main" id="{A2ABE920-240F-4CF6-AD45-23ED489FAD6E}"/>
+                <a16:creationId xmlns:a16="http://schemas.microsoft.com/office/drawing/2014/main" xmlns="" id="{A2ABE920-240F-4CF6-AD45-23ED489FAD6E}"/>
               </a:ext>
             </a:extLst>
           </p:cNvPr>
@@ -3520,7 +3520,7 @@
           <p:cNvPr id="10" name="Rectangle Down">
             <a:extLst>
               <a:ext uri="{FF2B5EF4-FFF2-40B4-BE49-F238E27FC236}">
-                <a16:creationId xmlns:a16="http://schemas.microsoft.com/office/drawing/2014/main" id="{E9B994EC-35A8-4A11-98CB-25DC28852F94}"/>
+                <a16:creationId xmlns:a16="http://schemas.microsoft.com/office/drawing/2014/main" xmlns="" id="{E9B994EC-35A8-4A11-98CB-25DC28852F94}"/>
               </a:ext>
             </a:extLst>
           </p:cNvPr>
@@ -3601,7 +3601,7 @@
           <p:cNvPr id="11" name="Rectangle Top">
             <a:extLst>
               <a:ext uri="{FF2B5EF4-FFF2-40B4-BE49-F238E27FC236}">
-                <a16:creationId xmlns:a16="http://schemas.microsoft.com/office/drawing/2014/main" id="{274B8F05-DFCE-47BD-BAFD-DF93E1A63BDD}"/>
+                <a16:creationId xmlns:a16="http://schemas.microsoft.com/office/drawing/2014/main" xmlns="" id="{274B8F05-DFCE-47BD-BAFD-DF93E1A63BDD}"/>
               </a:ext>
             </a:extLst>
           </p:cNvPr>
@@ -3682,7 +3682,7 @@
           <p:cNvPr id="12" name="Logo Software University" descr="Software University logo">
             <a:extLst>
               <a:ext uri="{FF2B5EF4-FFF2-40B4-BE49-F238E27FC236}">
-                <a16:creationId xmlns:a16="http://schemas.microsoft.com/office/drawing/2014/main" id="{233CBB95-791E-4630-B3D9-FADFCE7BCF52}"/>
+                <a16:creationId xmlns:a16="http://schemas.microsoft.com/office/drawing/2014/main" xmlns="" id="{233CBB95-791E-4630-B3D9-FADFCE7BCF52}"/>
               </a:ext>
             </a:extLst>
           </p:cNvPr>
@@ -3695,7 +3695,7 @@
           <a:blip r:embed="rId2" cstate="print">
             <a:extLst>
               <a:ext uri="{28A0092B-C50C-407E-A947-70E740481C1C}">
-                <a14:useLocalDpi xmlns:a14="http://schemas.microsoft.com/office/drawing/2010/main" val="0"/>
+                <a14:useLocalDpi xmlns:a14="http://schemas.microsoft.com/office/drawing/2010/main" xmlns="" val="0"/>
               </a:ext>
             </a:extLst>
           </a:blip>
@@ -3718,7 +3718,7 @@
           <p:cNvPr id="13" name="Slide Title">
             <a:extLst>
               <a:ext uri="{FF2B5EF4-FFF2-40B4-BE49-F238E27FC236}">
-                <a16:creationId xmlns:a16="http://schemas.microsoft.com/office/drawing/2014/main" id="{3F218E34-55D7-4290-BFE4-80F31F941551}"/>
+                <a16:creationId xmlns:a16="http://schemas.microsoft.com/office/drawing/2014/main" xmlns="" id="{3F218E34-55D7-4290-BFE4-80F31F941551}"/>
               </a:ext>
             </a:extLst>
           </p:cNvPr>
@@ -3757,18 +3757,18 @@
     </p:spTree>
     <p:extLst>
       <p:ext uri="{BB962C8B-B14F-4D97-AF65-F5344CB8AC3E}">
-        <p14:creationId xmlns:p14="http://schemas.microsoft.com/office/powerpoint/2010/main" val="3774019400"/>
+        <p14:creationId xmlns:p14="http://schemas.microsoft.com/office/powerpoint/2010/main" xmlns="" val="3774019400"/>
       </p:ext>
     </p:extLst>
   </p:cSld>
   <p:clrMapOvr>
     <a:masterClrMapping/>
   </p:clrMapOvr>
-  <mc:AlternateContent xmlns:mc="http://schemas.openxmlformats.org/markup-compatibility/2006" xmlns:p14="http://schemas.microsoft.com/office/powerpoint/2010/main">
-    <mc:Choice Requires="p14">
+  <mc:AlternateContent xmlns:mc="http://schemas.openxmlformats.org/markup-compatibility/2006">
+    <mc:Choice xmlns:p14="http://schemas.microsoft.com/office/powerpoint/2010/main" xmlns="" Requires="p14">
       <p:transition spd="slow" p14:dur="2000" advClick="0" advTm="5000"/>
     </mc:Choice>
-    <mc:Fallback xmlns="">
+    <mc:Fallback>
       <p:transition spd="slow" advClick="0" advTm="5000"/>
     </mc:Fallback>
   </mc:AlternateContent>
@@ -3805,7 +3805,7 @@
           <p:cNvPr id="35" name="Rectangle Bottom">
             <a:extLst>
               <a:ext uri="{FF2B5EF4-FFF2-40B4-BE49-F238E27FC236}">
-                <a16:creationId xmlns:a16="http://schemas.microsoft.com/office/drawing/2014/main" id="{550A59F9-9A9D-4956-95B4-F78CC0DB1D59}"/>
+                <a16:creationId xmlns:a16="http://schemas.microsoft.com/office/drawing/2014/main" xmlns="" id="{550A59F9-9A9D-4956-95B4-F78CC0DB1D59}"/>
               </a:ext>
             </a:extLst>
           </p:cNvPr>
@@ -3886,7 +3886,7 @@
           <p:cNvPr id="53" name="Rectangle Bottom Copyright">
             <a:extLst>
               <a:ext uri="{FF2B5EF4-FFF2-40B4-BE49-F238E27FC236}">
-                <a16:creationId xmlns:a16="http://schemas.microsoft.com/office/drawing/2014/main" id="{B07FB7FB-DA6C-4F5D-B068-357F0FCE27D8}"/>
+                <a16:creationId xmlns:a16="http://schemas.microsoft.com/office/drawing/2014/main" xmlns="" id="{B07FB7FB-DA6C-4F5D-B068-357F0FCE27D8}"/>
               </a:ext>
             </a:extLst>
           </p:cNvPr>
@@ -3979,7 +3979,7 @@
           <p:cNvPr id="26" name="Picture SoftUni Mascot" descr="SoftUni mascot with open hand">
             <a:extLst>
               <a:ext uri="{FF2B5EF4-FFF2-40B4-BE49-F238E27FC236}">
-                <a16:creationId xmlns:a16="http://schemas.microsoft.com/office/drawing/2014/main" id="{247CFF3C-C4FA-493D-8505-DF469F4D36A4}"/>
+                <a16:creationId xmlns:a16="http://schemas.microsoft.com/office/drawing/2014/main" xmlns="" id="{247CFF3C-C4FA-493D-8505-DF469F4D36A4}"/>
               </a:ext>
             </a:extLst>
           </p:cNvPr>
@@ -3992,7 +3992,7 @@
           <a:blip r:embed="rId3" cstate="print">
             <a:extLst>
               <a:ext uri="{28A0092B-C50C-407E-A947-70E740481C1C}">
-                <a14:useLocalDpi xmlns:a14="http://schemas.microsoft.com/office/drawing/2010/main" val="0"/>
+                <a14:useLocalDpi xmlns:a14="http://schemas.microsoft.com/office/drawing/2010/main" xmlns="" val="0"/>
               </a:ext>
             </a:extLst>
           </a:blip>
@@ -4015,7 +4015,7 @@
           <p:cNvPr id="2" name="Group SoftUni Brands">
             <a:extLst>
               <a:ext uri="{FF2B5EF4-FFF2-40B4-BE49-F238E27FC236}">
-                <a16:creationId xmlns:a16="http://schemas.microsoft.com/office/drawing/2014/main" id="{418FAE34-C1F8-46C7-A4AE-F270D1E70F25}"/>
+                <a16:creationId xmlns:a16="http://schemas.microsoft.com/office/drawing/2014/main" xmlns="" id="{418FAE34-C1F8-46C7-A4AE-F270D1E70F25}"/>
               </a:ext>
             </a:extLst>
           </p:cNvPr>
@@ -4035,7 +4035,7 @@
             <p:cNvPr id="24" name="Picture SoftUni Kids Logo" descr="SoftUni Kids logo">
               <a:extLst>
                 <a:ext uri="{FF2B5EF4-FFF2-40B4-BE49-F238E27FC236}">
-                  <a16:creationId xmlns:a16="http://schemas.microsoft.com/office/drawing/2014/main" id="{B0812936-74B6-4265-8C08-AEDC8C798702}"/>
+                  <a16:creationId xmlns:a16="http://schemas.microsoft.com/office/drawing/2014/main" xmlns="" id="{B0812936-74B6-4265-8C08-AEDC8C798702}"/>
                 </a:ext>
               </a:extLst>
             </p:cNvPr>
@@ -4048,7 +4048,7 @@
             <a:blip r:embed="rId4" cstate="print">
               <a:extLst>
                 <a:ext uri="{28A0092B-C50C-407E-A947-70E740481C1C}">
-                  <a14:useLocalDpi xmlns:a14="http://schemas.microsoft.com/office/drawing/2010/main" val="0"/>
+                  <a14:useLocalDpi xmlns:a14="http://schemas.microsoft.com/office/drawing/2010/main" xmlns="" val="0"/>
                 </a:ext>
               </a:extLst>
             </a:blip>
@@ -4071,7 +4071,7 @@
             <p:cNvPr id="23" name="Picture SoftUni Foundation Logo" descr="SoftUni Foundation logo">
               <a:extLst>
                 <a:ext uri="{FF2B5EF4-FFF2-40B4-BE49-F238E27FC236}">
-                  <a16:creationId xmlns:a16="http://schemas.microsoft.com/office/drawing/2014/main" id="{6643F71A-2013-433A-8322-FBAAED3162D8}"/>
+                  <a16:creationId xmlns:a16="http://schemas.microsoft.com/office/drawing/2014/main" xmlns="" id="{6643F71A-2013-433A-8322-FBAAED3162D8}"/>
                 </a:ext>
               </a:extLst>
             </p:cNvPr>
@@ -4084,7 +4084,7 @@
             <a:blip r:embed="rId5" cstate="print">
               <a:extLst>
                 <a:ext uri="{28A0092B-C50C-407E-A947-70E740481C1C}">
-                  <a14:useLocalDpi xmlns:a14="http://schemas.microsoft.com/office/drawing/2010/main" val="0"/>
+                  <a14:useLocalDpi xmlns:a14="http://schemas.microsoft.com/office/drawing/2010/main" xmlns="" val="0"/>
                 </a:ext>
               </a:extLst>
             </a:blip>
@@ -4107,7 +4107,7 @@
             <p:cNvPr id="22" name="Picture SoftUni Digital Logo" descr="SoftUni Digital logo">
               <a:extLst>
                 <a:ext uri="{FF2B5EF4-FFF2-40B4-BE49-F238E27FC236}">
-                  <a16:creationId xmlns:a16="http://schemas.microsoft.com/office/drawing/2014/main" id="{0A83D66F-855B-463B-920B-BF239B01A206}"/>
+                  <a16:creationId xmlns:a16="http://schemas.microsoft.com/office/drawing/2014/main" xmlns="" id="{0A83D66F-855B-463B-920B-BF239B01A206}"/>
                 </a:ext>
               </a:extLst>
             </p:cNvPr>
@@ -4120,7 +4120,7 @@
             <a:blip r:embed="rId6" cstate="print">
               <a:extLst>
                 <a:ext uri="{28A0092B-C50C-407E-A947-70E740481C1C}">
-                  <a14:useLocalDpi xmlns:a14="http://schemas.microsoft.com/office/drawing/2010/main" val="0"/>
+                  <a14:useLocalDpi xmlns:a14="http://schemas.microsoft.com/office/drawing/2010/main" xmlns="" val="0"/>
                 </a:ext>
               </a:extLst>
             </a:blip>
@@ -4143,7 +4143,7 @@
             <p:cNvPr id="21" name="Picture SoftUni Creative Logo" descr="SoftUni Creative logo">
               <a:extLst>
                 <a:ext uri="{FF2B5EF4-FFF2-40B4-BE49-F238E27FC236}">
-                  <a16:creationId xmlns:a16="http://schemas.microsoft.com/office/drawing/2014/main" id="{EA755AAE-BA08-481C-9224-0061170EE4B8}"/>
+                  <a16:creationId xmlns:a16="http://schemas.microsoft.com/office/drawing/2014/main" xmlns="" id="{EA755AAE-BA08-481C-9224-0061170EE4B8}"/>
                 </a:ext>
               </a:extLst>
             </p:cNvPr>
@@ -4156,7 +4156,7 @@
             <a:blip r:embed="rId7" cstate="print">
               <a:extLst>
                 <a:ext uri="{28A0092B-C50C-407E-A947-70E740481C1C}">
-                  <a14:useLocalDpi xmlns:a14="http://schemas.microsoft.com/office/drawing/2010/main" val="0"/>
+                  <a14:useLocalDpi xmlns:a14="http://schemas.microsoft.com/office/drawing/2010/main" xmlns="" val="0"/>
                 </a:ext>
               </a:extLst>
             </a:blip>
@@ -4179,7 +4179,7 @@
             <p:cNvPr id="20" name="Picture SoftUni Svetlina Logo" descr="SoftUni Svetlina logo">
               <a:extLst>
                 <a:ext uri="{FF2B5EF4-FFF2-40B4-BE49-F238E27FC236}">
-                  <a16:creationId xmlns:a16="http://schemas.microsoft.com/office/drawing/2014/main" id="{827D15FD-4C66-4B85-98E6-7826AA8F61C6}"/>
+                  <a16:creationId xmlns:a16="http://schemas.microsoft.com/office/drawing/2014/main" xmlns="" id="{827D15FD-4C66-4B85-98E6-7826AA8F61C6}"/>
                 </a:ext>
               </a:extLst>
             </p:cNvPr>
@@ -4192,7 +4192,7 @@
             <a:blip r:embed="rId8" cstate="print">
               <a:extLst>
                 <a:ext uri="{28A0092B-C50C-407E-A947-70E740481C1C}">
-                  <a14:useLocalDpi xmlns:a14="http://schemas.microsoft.com/office/drawing/2010/main" val="0"/>
+                  <a14:useLocalDpi xmlns:a14="http://schemas.microsoft.com/office/drawing/2010/main" xmlns="" val="0"/>
                 </a:ext>
               </a:extLst>
             </a:blip>
@@ -4215,7 +4215,7 @@
             <p:cNvPr id="25" name="Picture Software University Logo" descr="Software University logo">
               <a:extLst>
                 <a:ext uri="{FF2B5EF4-FFF2-40B4-BE49-F238E27FC236}">
-                  <a16:creationId xmlns:a16="http://schemas.microsoft.com/office/drawing/2014/main" id="{C74C190C-5856-41B9-8819-AE8DE0E10980}"/>
+                  <a16:creationId xmlns:a16="http://schemas.microsoft.com/office/drawing/2014/main" xmlns="" id="{C74C190C-5856-41B9-8819-AE8DE0E10980}"/>
                 </a:ext>
               </a:extLst>
             </p:cNvPr>
@@ -4228,7 +4228,7 @@
             <a:blip r:embed="rId9" cstate="print">
               <a:extLst>
                 <a:ext uri="{28A0092B-C50C-407E-A947-70E740481C1C}">
-                  <a14:useLocalDpi xmlns:a14="http://schemas.microsoft.com/office/drawing/2010/main" val="0"/>
+                  <a14:useLocalDpi xmlns:a14="http://schemas.microsoft.com/office/drawing/2010/main" xmlns="" val="0"/>
                 </a:ext>
               </a:extLst>
             </a:blip>
@@ -4251,7 +4251,7 @@
             <p:cNvPr id="33" name="Straight Connector 6">
               <a:extLst>
                 <a:ext uri="{FF2B5EF4-FFF2-40B4-BE49-F238E27FC236}">
-                  <a16:creationId xmlns:a16="http://schemas.microsoft.com/office/drawing/2014/main" id="{5C63D1E8-4A92-4691-8A24-A2FC7E8008E5}"/>
+                  <a16:creationId xmlns:a16="http://schemas.microsoft.com/office/drawing/2014/main" xmlns="" id="{5C63D1E8-4A92-4691-8A24-A2FC7E8008E5}"/>
                 </a:ext>
               </a:extLst>
             </p:cNvPr>
@@ -4290,7 +4290,7 @@
             <p:cNvPr id="32" name="Straight Connector 5">
               <a:extLst>
                 <a:ext uri="{FF2B5EF4-FFF2-40B4-BE49-F238E27FC236}">
-                  <a16:creationId xmlns:a16="http://schemas.microsoft.com/office/drawing/2014/main" id="{6E91D320-3732-40B8-864D-142D0A277ED1}"/>
+                  <a16:creationId xmlns:a16="http://schemas.microsoft.com/office/drawing/2014/main" xmlns="" id="{6E91D320-3732-40B8-864D-142D0A277ED1}"/>
                 </a:ext>
               </a:extLst>
             </p:cNvPr>
@@ -4329,7 +4329,7 @@
             <p:cNvPr id="31" name="Straight Connector 4">
               <a:extLst>
                 <a:ext uri="{FF2B5EF4-FFF2-40B4-BE49-F238E27FC236}">
-                  <a16:creationId xmlns:a16="http://schemas.microsoft.com/office/drawing/2014/main" id="{299ABE09-E33C-46B7-A80D-7BF4A6956211}"/>
+                  <a16:creationId xmlns:a16="http://schemas.microsoft.com/office/drawing/2014/main" xmlns="" id="{299ABE09-E33C-46B7-A80D-7BF4A6956211}"/>
                 </a:ext>
               </a:extLst>
             </p:cNvPr>
@@ -4366,7 +4366,7 @@
             <p:cNvPr id="30" name="Straight Connector 3">
               <a:extLst>
                 <a:ext uri="{FF2B5EF4-FFF2-40B4-BE49-F238E27FC236}">
-                  <a16:creationId xmlns:a16="http://schemas.microsoft.com/office/drawing/2014/main" id="{93DDBF37-0764-47AA-94E3-9A44F3ED8FB5}"/>
+                  <a16:creationId xmlns:a16="http://schemas.microsoft.com/office/drawing/2014/main" xmlns="" id="{93DDBF37-0764-47AA-94E3-9A44F3ED8FB5}"/>
                 </a:ext>
               </a:extLst>
             </p:cNvPr>
@@ -4403,7 +4403,7 @@
             <p:cNvPr id="29" name="Straight Connector 2">
               <a:extLst>
                 <a:ext uri="{FF2B5EF4-FFF2-40B4-BE49-F238E27FC236}">
-                  <a16:creationId xmlns:a16="http://schemas.microsoft.com/office/drawing/2014/main" id="{72BFE2F3-0845-4E5B-9375-E9D4027DD675}"/>
+                  <a16:creationId xmlns:a16="http://schemas.microsoft.com/office/drawing/2014/main" xmlns="" id="{72BFE2F3-0845-4E5B-9375-E9D4027DD675}"/>
                 </a:ext>
               </a:extLst>
             </p:cNvPr>
@@ -4440,7 +4440,7 @@
             <p:cNvPr id="28" name="Straight Connector 1">
               <a:extLst>
                 <a:ext uri="{FF2B5EF4-FFF2-40B4-BE49-F238E27FC236}">
-                  <a16:creationId xmlns:a16="http://schemas.microsoft.com/office/drawing/2014/main" id="{D4E5982E-3110-47E1-A5BB-91B7BECC3093}"/>
+                  <a16:creationId xmlns:a16="http://schemas.microsoft.com/office/drawing/2014/main" xmlns="" id="{D4E5982E-3110-47E1-A5BB-91B7BECC3093}"/>
                 </a:ext>
               </a:extLst>
             </p:cNvPr>
@@ -4477,7 +4477,7 @@
             <p:cNvPr id="27" name="Straight Connector Horizontal">
               <a:extLst>
                 <a:ext uri="{FF2B5EF4-FFF2-40B4-BE49-F238E27FC236}">
-                  <a16:creationId xmlns:a16="http://schemas.microsoft.com/office/drawing/2014/main" id="{5F62FB7C-BD6E-4383-98C1-2CF30F34CAFD}"/>
+                  <a16:creationId xmlns:a16="http://schemas.microsoft.com/office/drawing/2014/main" xmlns="" id="{5F62FB7C-BD6E-4383-98C1-2CF30F34CAFD}"/>
                 </a:ext>
               </a:extLst>
             </p:cNvPr>
@@ -4516,7 +4516,7 @@
             <p:cNvPr id="34" name="Straight Connector 0">
               <a:extLst>
                 <a:ext uri="{FF2B5EF4-FFF2-40B4-BE49-F238E27FC236}">
-                  <a16:creationId xmlns:a16="http://schemas.microsoft.com/office/drawing/2014/main" id="{C84A0FE1-723D-4682-8682-77BAD950EE15}"/>
+                  <a16:creationId xmlns:a16="http://schemas.microsoft.com/office/drawing/2014/main" xmlns="" id="{C84A0FE1-723D-4682-8682-77BAD950EE15}"/>
                 </a:ext>
               </a:extLst>
             </p:cNvPr>
@@ -4553,7 +4553,7 @@
             <p:cNvPr id="18" name="Picture SoftUni Logo" descr="SoftUni logo">
               <a:extLst>
                 <a:ext uri="{FF2B5EF4-FFF2-40B4-BE49-F238E27FC236}">
-                  <a16:creationId xmlns:a16="http://schemas.microsoft.com/office/drawing/2014/main" id="{A0675455-B7FA-4569-A5FD-A3B0F20B2A26}"/>
+                  <a16:creationId xmlns:a16="http://schemas.microsoft.com/office/drawing/2014/main" xmlns="" id="{A0675455-B7FA-4569-A5FD-A3B0F20B2A26}"/>
                 </a:ext>
               </a:extLst>
             </p:cNvPr>
@@ -4566,7 +4566,7 @@
             <a:blip r:embed="rId10" cstate="print">
               <a:extLst>
                 <a:ext uri="{28A0092B-C50C-407E-A947-70E740481C1C}">
-                  <a14:useLocalDpi xmlns:a14="http://schemas.microsoft.com/office/drawing/2010/main" val="0"/>
+                  <a14:useLocalDpi xmlns:a14="http://schemas.microsoft.com/office/drawing/2010/main" xmlns="" val="0"/>
                 </a:ext>
               </a:extLst>
             </a:blip>
@@ -4590,7 +4590,7 @@
           <p:cNvPr id="19" name="Slide Title">
             <a:extLst>
               <a:ext uri="{FF2B5EF4-FFF2-40B4-BE49-F238E27FC236}">
-                <a16:creationId xmlns:a16="http://schemas.microsoft.com/office/drawing/2014/main" id="{7CFDBB16-985C-4CC7-B6DB-B81B36037922}"/>
+                <a16:creationId xmlns:a16="http://schemas.microsoft.com/office/drawing/2014/main" xmlns="" id="{7CFDBB16-985C-4CC7-B6DB-B81B36037922}"/>
               </a:ext>
             </a:extLst>
           </p:cNvPr>
@@ -4693,7 +4693,7 @@
           <p:cNvPr id="36" name="Logo Software University" descr="Software University logo">
             <a:extLst>
               <a:ext uri="{FF2B5EF4-FFF2-40B4-BE49-F238E27FC236}">
-                <a16:creationId xmlns:a16="http://schemas.microsoft.com/office/drawing/2014/main" id="{67FC4D2E-913D-432A-B658-F0D82839FA5E}"/>
+                <a16:creationId xmlns:a16="http://schemas.microsoft.com/office/drawing/2014/main" xmlns="" id="{67FC4D2E-913D-432A-B658-F0D82839FA5E}"/>
               </a:ext>
             </a:extLst>
           </p:cNvPr>
@@ -4716,7 +4716,7 @@
             </a:clrChange>
             <a:extLst>
               <a:ext uri="{28A0092B-C50C-407E-A947-70E740481C1C}">
-                <a14:useLocalDpi xmlns:a14="http://schemas.microsoft.com/office/drawing/2010/main" val="0"/>
+                <a14:useLocalDpi xmlns:a14="http://schemas.microsoft.com/office/drawing/2010/main" xmlns="" val="0"/>
               </a:ext>
             </a:extLst>
           </a:blip>
@@ -4737,24 +4737,24 @@
     </p:spTree>
     <p:extLst>
       <p:ext uri="{BB962C8B-B14F-4D97-AF65-F5344CB8AC3E}">
-        <p14:creationId xmlns:p14="http://schemas.microsoft.com/office/powerpoint/2010/main" val="4192061223"/>
+        <p14:creationId xmlns:p14="http://schemas.microsoft.com/office/powerpoint/2010/main" xmlns="" val="4192061223"/>
       </p:ext>
     </p:extLst>
   </p:cSld>
   <p:clrMapOvr>
     <a:masterClrMapping/>
   </p:clrMapOvr>
-  <mc:AlternateContent xmlns:mc="http://schemas.openxmlformats.org/markup-compatibility/2006" xmlns:p14="http://schemas.microsoft.com/office/powerpoint/2010/main">
-    <mc:Choice Requires="p14">
+  <mc:AlternateContent xmlns:mc="http://schemas.openxmlformats.org/markup-compatibility/2006">
+    <mc:Choice xmlns:p14="http://schemas.microsoft.com/office/powerpoint/2010/main" xmlns="" Requires="p14">
       <p:transition spd="slow" p14:dur="2000" advClick="0" advTm="5000"/>
     </mc:Choice>
-    <mc:Fallback xmlns="">
+    <mc:Fallback>
       <p:transition spd="slow" advClick="0" advTm="5000"/>
     </mc:Fallback>
   </mc:AlternateContent>
   <p:extLst>
     <p:ext uri="{DCECCB84-F9BA-43D5-87BE-67443E8EF086}">
-      <p15:sldGuideLst xmlns:p15="http://schemas.microsoft.com/office/powerpoint/2012/main">
+      <p15:sldGuideLst xmlns:p15="http://schemas.microsoft.com/office/powerpoint/2012/main" xmlns="">
         <p15:guide id="1" orient="horz" pos="2160">
           <p15:clr>
             <a:srgbClr val="FBAE40"/>
@@ -4793,7 +4793,7 @@
           <p:cNvPr id="13" name="Slide Number">
             <a:extLst>
               <a:ext uri="{FF2B5EF4-FFF2-40B4-BE49-F238E27FC236}">
-                <a16:creationId xmlns:a16="http://schemas.microsoft.com/office/drawing/2014/main" id="{5B8761D8-B42F-4A70-A0CE-682CEB2AE31B}"/>
+                <a16:creationId xmlns:a16="http://schemas.microsoft.com/office/drawing/2014/main" xmlns="" id="{5B8761D8-B42F-4A70-A0CE-682CEB2AE31B}"/>
               </a:ext>
             </a:extLst>
           </p:cNvPr>
@@ -4836,7 +4836,7 @@
             <a:hlinkClick r:id="rId2" tooltip="Software University Discussion Forum"/>
             <a:extLst>
               <a:ext uri="{FF2B5EF4-FFF2-40B4-BE49-F238E27FC236}">
-                <a16:creationId xmlns:a16="http://schemas.microsoft.com/office/drawing/2014/main" id="{98C579AD-FAF5-4B28-9B52-5457F1E90061}"/>
+                <a16:creationId xmlns:a16="http://schemas.microsoft.com/office/drawing/2014/main" xmlns="" id="{98C579AD-FAF5-4B28-9B52-5457F1E90061}"/>
               </a:ext>
             </a:extLst>
           </p:cNvPr>
@@ -4849,7 +4849,7 @@
           <a:blip r:embed="rId3" cstate="print">
             <a:extLst>
               <a:ext uri="{28A0092B-C50C-407E-A947-70E740481C1C}">
-                <a14:useLocalDpi xmlns:a14="http://schemas.microsoft.com/office/drawing/2010/main"/>
+                <a14:useLocalDpi xmlns:a14="http://schemas.microsoft.com/office/drawing/2010/main" xmlns=""/>
               </a:ext>
             </a:extLst>
           </a:blip>
@@ -4873,7 +4873,7 @@
             <a:hlinkClick r:id="rId4" tooltip="Software University @ Facebook"/>
             <a:extLst>
               <a:ext uri="{FF2B5EF4-FFF2-40B4-BE49-F238E27FC236}">
-                <a16:creationId xmlns:a16="http://schemas.microsoft.com/office/drawing/2014/main" id="{6B2C510E-5EF2-49F6-B926-2BD74CD3C7F8}"/>
+                <a16:creationId xmlns:a16="http://schemas.microsoft.com/office/drawing/2014/main" xmlns="" id="{6B2C510E-5EF2-49F6-B926-2BD74CD3C7F8}"/>
               </a:ext>
             </a:extLst>
           </p:cNvPr>
@@ -4886,7 +4886,7 @@
           <a:blip r:embed="rId5" cstate="print">
             <a:extLst>
               <a:ext uri="{28A0092B-C50C-407E-A947-70E740481C1C}">
-                <a14:useLocalDpi xmlns:a14="http://schemas.microsoft.com/office/drawing/2010/main"/>
+                <a14:useLocalDpi xmlns:a14="http://schemas.microsoft.com/office/drawing/2010/main" xmlns=""/>
               </a:ext>
             </a:extLst>
           </a:blip>
@@ -4904,7 +4904,7 @@
           <a:noFill/>
           <a:extLst>
             <a:ext uri="{909E8E84-426E-40DD-AFC4-6F175D3DCCD1}">
-              <a14:hiddenFill xmlns:a14="http://schemas.microsoft.com/office/drawing/2010/main">
+              <a14:hiddenFill xmlns:a14="http://schemas.microsoft.com/office/drawing/2010/main" xmlns="">
                 <a:solidFill>
                   <a:srgbClr val="FFFFFF"/>
                 </a:solidFill>
@@ -4919,7 +4919,7 @@
             <a:hlinkClick r:id="rId6"/>
             <a:extLst>
               <a:ext uri="{FF2B5EF4-FFF2-40B4-BE49-F238E27FC236}">
-                <a16:creationId xmlns:a16="http://schemas.microsoft.com/office/drawing/2014/main" id="{F4604840-E810-44B7-9FF1-3B28CD68B758}"/>
+                <a16:creationId xmlns:a16="http://schemas.microsoft.com/office/drawing/2014/main" xmlns="" id="{F4604840-E810-44B7-9FF1-3B28CD68B758}"/>
               </a:ext>
             </a:extLst>
           </p:cNvPr>
@@ -4932,7 +4932,7 @@
           <a:blip r:embed="rId7" cstate="print">
             <a:extLst>
               <a:ext uri="{28A0092B-C50C-407E-A947-70E740481C1C}">
-                <a14:useLocalDpi xmlns:a14="http://schemas.microsoft.com/office/drawing/2010/main" val="0"/>
+                <a14:useLocalDpi xmlns:a14="http://schemas.microsoft.com/office/drawing/2010/main" xmlns="" val="0"/>
               </a:ext>
             </a:extLst>
           </a:blip>
@@ -4956,7 +4956,7 @@
             <a:hlinkClick r:id="rId8"/>
             <a:extLst>
               <a:ext uri="{FF2B5EF4-FFF2-40B4-BE49-F238E27FC236}">
-                <a16:creationId xmlns:a16="http://schemas.microsoft.com/office/drawing/2014/main" id="{07C965FA-A87E-4824-AFA8-C67AF548A76A}"/>
+                <a16:creationId xmlns:a16="http://schemas.microsoft.com/office/drawing/2014/main" xmlns="" id="{07C965FA-A87E-4824-AFA8-C67AF548A76A}"/>
               </a:ext>
             </a:extLst>
           </p:cNvPr>
@@ -4969,7 +4969,7 @@
           <a:blip r:embed="rId9" cstate="print">
             <a:extLst>
               <a:ext uri="{28A0092B-C50C-407E-A947-70E740481C1C}">
-                <a14:useLocalDpi xmlns:a14="http://schemas.microsoft.com/office/drawing/2010/main" val="0"/>
+                <a14:useLocalDpi xmlns:a14="http://schemas.microsoft.com/office/drawing/2010/main" xmlns="" val="0"/>
               </a:ext>
             </a:extLst>
           </a:blip>
@@ -4991,7 +4991,7 @@
           <p:cNvPr id="12" name="Slide Body Text">
             <a:extLst>
               <a:ext uri="{FF2B5EF4-FFF2-40B4-BE49-F238E27FC236}">
-                <a16:creationId xmlns:a16="http://schemas.microsoft.com/office/drawing/2014/main" id="{0C1F9416-8B6E-46DE-973C-777785E27A26}"/>
+                <a16:creationId xmlns:a16="http://schemas.microsoft.com/office/drawing/2014/main" xmlns="" id="{0C1F9416-8B6E-46DE-973C-777785E27A26}"/>
               </a:ext>
             </a:extLst>
           </p:cNvPr>
@@ -5119,7 +5119,7 @@
           <p:cNvPr id="10" name="Rectangle Top">
             <a:extLst>
               <a:ext uri="{FF2B5EF4-FFF2-40B4-BE49-F238E27FC236}">
-                <a16:creationId xmlns:a16="http://schemas.microsoft.com/office/drawing/2014/main" id="{86646B95-5E3B-4DE8-9118-031C2C296D8C}"/>
+                <a16:creationId xmlns:a16="http://schemas.microsoft.com/office/drawing/2014/main" xmlns="" id="{86646B95-5E3B-4DE8-9118-031C2C296D8C}"/>
               </a:ext>
             </a:extLst>
           </p:cNvPr>
@@ -5200,7 +5200,7 @@
           <p:cNvPr id="11" name="Logo Software University" descr="Software University logo">
             <a:extLst>
               <a:ext uri="{FF2B5EF4-FFF2-40B4-BE49-F238E27FC236}">
-                <a16:creationId xmlns:a16="http://schemas.microsoft.com/office/drawing/2014/main" id="{58AB1944-B146-4E89-B2D9-426EB610F319}"/>
+                <a16:creationId xmlns:a16="http://schemas.microsoft.com/office/drawing/2014/main" xmlns="" id="{58AB1944-B146-4E89-B2D9-426EB610F319}"/>
               </a:ext>
             </a:extLst>
           </p:cNvPr>
@@ -5213,7 +5213,7 @@
           <a:blip r:embed="rId11" cstate="print">
             <a:extLst>
               <a:ext uri="{28A0092B-C50C-407E-A947-70E740481C1C}">
-                <a14:useLocalDpi xmlns:a14="http://schemas.microsoft.com/office/drawing/2010/main" val="0"/>
+                <a14:useLocalDpi xmlns:a14="http://schemas.microsoft.com/office/drawing/2010/main" xmlns="" val="0"/>
               </a:ext>
             </a:extLst>
           </a:blip>
@@ -5236,7 +5236,7 @@
           <p:cNvPr id="18" name="Slide Title">
             <a:extLst>
               <a:ext uri="{FF2B5EF4-FFF2-40B4-BE49-F238E27FC236}">
-                <a16:creationId xmlns:a16="http://schemas.microsoft.com/office/drawing/2014/main" id="{AE87ED9C-76E1-4D85-9B06-3AF44AABB668}"/>
+                <a16:creationId xmlns:a16="http://schemas.microsoft.com/office/drawing/2014/main" xmlns="" id="{AE87ED9C-76E1-4D85-9B06-3AF44AABB668}"/>
               </a:ext>
             </a:extLst>
           </p:cNvPr>
@@ -5275,18 +5275,18 @@
     </p:spTree>
     <p:extLst>
       <p:ext uri="{BB962C8B-B14F-4D97-AF65-F5344CB8AC3E}">
-        <p14:creationId xmlns:p14="http://schemas.microsoft.com/office/powerpoint/2010/main" val="2196466322"/>
+        <p14:creationId xmlns:p14="http://schemas.microsoft.com/office/powerpoint/2010/main" xmlns="" val="2196466322"/>
       </p:ext>
     </p:extLst>
   </p:cSld>
   <p:clrMapOvr>
     <a:masterClrMapping/>
   </p:clrMapOvr>
-  <mc:AlternateContent xmlns:mc="http://schemas.openxmlformats.org/markup-compatibility/2006" xmlns:p14="http://schemas.microsoft.com/office/powerpoint/2010/main">
-    <mc:Choice Requires="p14">
+  <mc:AlternateContent xmlns:mc="http://schemas.openxmlformats.org/markup-compatibility/2006">
+    <mc:Choice xmlns:p14="http://schemas.microsoft.com/office/powerpoint/2010/main" xmlns="" Requires="p14">
       <p:transition spd="slow" p14:dur="2000" advClick="0" advTm="5000"/>
     </mc:Choice>
-    <mc:Fallback xmlns="">
+    <mc:Fallback>
       <p:transition spd="slow" advClick="0" advTm="5000"/>
     </mc:Fallback>
   </mc:AlternateContent>
@@ -5479,18 +5479,18 @@
     </p:spTree>
     <p:extLst>
       <p:ext uri="{BB962C8B-B14F-4D97-AF65-F5344CB8AC3E}">
-        <p14:creationId xmlns:p14="http://schemas.microsoft.com/office/powerpoint/2010/main" val="3529216409"/>
+        <p14:creationId xmlns:p14="http://schemas.microsoft.com/office/powerpoint/2010/main" xmlns="" val="3529216409"/>
       </p:ext>
     </p:extLst>
   </p:cSld>
   <p:clrMapOvr>
     <a:masterClrMapping/>
   </p:clrMapOvr>
-  <mc:AlternateContent xmlns:mc="http://schemas.openxmlformats.org/markup-compatibility/2006" xmlns:p14="http://schemas.microsoft.com/office/powerpoint/2010/main">
-    <mc:Choice Requires="p14">
+  <mc:AlternateContent xmlns:mc="http://schemas.openxmlformats.org/markup-compatibility/2006">
+    <mc:Choice xmlns:p14="http://schemas.microsoft.com/office/powerpoint/2010/main" xmlns="" Requires="p14">
       <p:transition spd="slow" p14:dur="2000" advClick="0" advTm="5000"/>
     </mc:Choice>
-    <mc:Fallback xmlns="">
+    <mc:Fallback>
       <p:transition spd="slow" advClick="0" advTm="5000"/>
     </mc:Fallback>
   </mc:AlternateContent>
@@ -5519,7 +5519,7 @@
           <p:cNvPr id="7" name="Slide Number">
             <a:extLst>
               <a:ext uri="{FF2B5EF4-FFF2-40B4-BE49-F238E27FC236}">
-                <a16:creationId xmlns:a16="http://schemas.microsoft.com/office/drawing/2014/main" id="{C1780DB1-0AF0-4108-AFE1-9DA99F0DBCB8}"/>
+                <a16:creationId xmlns:a16="http://schemas.microsoft.com/office/drawing/2014/main" xmlns="" id="{C1780DB1-0AF0-4108-AFE1-9DA99F0DBCB8}"/>
               </a:ext>
             </a:extLst>
           </p:cNvPr>
@@ -5561,7 +5561,7 @@
           <p:cNvPr id="3" name="Slide Body Text">
             <a:extLst>
               <a:ext uri="{FF2B5EF4-FFF2-40B4-BE49-F238E27FC236}">
-                <a16:creationId xmlns:a16="http://schemas.microsoft.com/office/drawing/2014/main" id="{5A9D2960-6D42-439F-82E8-812822013A10}"/>
+                <a16:creationId xmlns:a16="http://schemas.microsoft.com/office/drawing/2014/main" xmlns="" id="{5A9D2960-6D42-439F-82E8-812822013A10}"/>
               </a:ext>
             </a:extLst>
           </p:cNvPr>
@@ -5639,7 +5639,7 @@
           <p:cNvPr id="13" name="Rectangle Top">
             <a:extLst>
               <a:ext uri="{FF2B5EF4-FFF2-40B4-BE49-F238E27FC236}">
-                <a16:creationId xmlns:a16="http://schemas.microsoft.com/office/drawing/2014/main" id="{391AFA4E-7870-4561-A1B8-AC956B0C8931}"/>
+                <a16:creationId xmlns:a16="http://schemas.microsoft.com/office/drawing/2014/main" xmlns="" id="{391AFA4E-7870-4561-A1B8-AC956B0C8931}"/>
               </a:ext>
             </a:extLst>
           </p:cNvPr>
@@ -5720,7 +5720,7 @@
           <p:cNvPr id="12" name="Logo Software University" descr="Software University logo">
             <a:extLst>
               <a:ext uri="{FF2B5EF4-FFF2-40B4-BE49-F238E27FC236}">
-                <a16:creationId xmlns:a16="http://schemas.microsoft.com/office/drawing/2014/main" id="{B1D3B425-B9BF-43ED-9DEC-C05002FBA22F}"/>
+                <a16:creationId xmlns:a16="http://schemas.microsoft.com/office/drawing/2014/main" xmlns="" id="{B1D3B425-B9BF-43ED-9DEC-C05002FBA22F}"/>
               </a:ext>
             </a:extLst>
           </p:cNvPr>
@@ -5733,7 +5733,7 @@
           <a:blip r:embed="rId2" cstate="print">
             <a:extLst>
               <a:ext uri="{28A0092B-C50C-407E-A947-70E740481C1C}">
-                <a14:useLocalDpi xmlns:a14="http://schemas.microsoft.com/office/drawing/2010/main" val="0"/>
+                <a14:useLocalDpi xmlns:a14="http://schemas.microsoft.com/office/drawing/2010/main" xmlns="" val="0"/>
               </a:ext>
             </a:extLst>
           </a:blip>
@@ -5756,7 +5756,7 @@
           <p:cNvPr id="6" name="Slide Title">
             <a:extLst>
               <a:ext uri="{FF2B5EF4-FFF2-40B4-BE49-F238E27FC236}">
-                <a16:creationId xmlns:a16="http://schemas.microsoft.com/office/drawing/2014/main" id="{19B5B676-7892-440F-8191-7109B2C59885}"/>
+                <a16:creationId xmlns:a16="http://schemas.microsoft.com/office/drawing/2014/main" xmlns="" id="{19B5B676-7892-440F-8191-7109B2C59885}"/>
               </a:ext>
             </a:extLst>
           </p:cNvPr>
@@ -5795,18 +5795,18 @@
     </p:spTree>
     <p:extLst>
       <p:ext uri="{BB962C8B-B14F-4D97-AF65-F5344CB8AC3E}">
-        <p14:creationId xmlns:p14="http://schemas.microsoft.com/office/powerpoint/2010/main" val="1102970716"/>
+        <p14:creationId xmlns:p14="http://schemas.microsoft.com/office/powerpoint/2010/main" xmlns="" val="1102970716"/>
       </p:ext>
     </p:extLst>
   </p:cSld>
   <p:clrMapOvr>
     <a:masterClrMapping/>
   </p:clrMapOvr>
-  <mc:AlternateContent xmlns:mc="http://schemas.openxmlformats.org/markup-compatibility/2006" xmlns:p14="http://schemas.microsoft.com/office/powerpoint/2010/main">
-    <mc:Choice Requires="p14">
+  <mc:AlternateContent xmlns:mc="http://schemas.openxmlformats.org/markup-compatibility/2006">
+    <mc:Choice xmlns:p14="http://schemas.microsoft.com/office/powerpoint/2010/main" xmlns="" Requires="p14">
       <p:transition spd="slow" p14:dur="2000" advClick="0" advTm="5000"/>
     </mc:Choice>
-    <mc:Fallback xmlns="">
+    <mc:Fallback>
       <p:transition spd="slow" advClick="0" advTm="5000"/>
     </mc:Fallback>
   </mc:AlternateContent>
@@ -5835,7 +5835,7 @@
           <p:cNvPr id="9" name="Slide Number">
             <a:extLst>
               <a:ext uri="{FF2B5EF4-FFF2-40B4-BE49-F238E27FC236}">
-                <a16:creationId xmlns:a16="http://schemas.microsoft.com/office/drawing/2014/main" id="{0020EB61-2079-41A3-B356-B1D8D48D786E}"/>
+                <a16:creationId xmlns:a16="http://schemas.microsoft.com/office/drawing/2014/main" xmlns="" id="{0020EB61-2079-41A3-B356-B1D8D48D786E}"/>
               </a:ext>
             </a:extLst>
           </p:cNvPr>
@@ -5952,7 +5952,7 @@
           <p:cNvPr id="7" name="Slide Body Text">
             <a:extLst>
               <a:ext uri="{FF2B5EF4-FFF2-40B4-BE49-F238E27FC236}">
-                <a16:creationId xmlns:a16="http://schemas.microsoft.com/office/drawing/2014/main" id="{CB4CB13C-66A1-466B-A6C1-B0BABF5CFEC1}"/>
+                <a16:creationId xmlns:a16="http://schemas.microsoft.com/office/drawing/2014/main" xmlns="" id="{CB4CB13C-66A1-466B-A6C1-B0BABF5CFEC1}"/>
               </a:ext>
             </a:extLst>
           </p:cNvPr>
@@ -6050,7 +6050,7 @@
           <p:cNvPr id="3" name="Logo Software University" descr="Software University logo">
             <a:extLst>
               <a:ext uri="{FF2B5EF4-FFF2-40B4-BE49-F238E27FC236}">
-                <a16:creationId xmlns:a16="http://schemas.microsoft.com/office/drawing/2014/main" id="{5573C101-930B-47AC-967A-A64513DFFDEE}"/>
+                <a16:creationId xmlns:a16="http://schemas.microsoft.com/office/drawing/2014/main" xmlns="" id="{5573C101-930B-47AC-967A-A64513DFFDEE}"/>
               </a:ext>
             </a:extLst>
           </p:cNvPr>
@@ -6073,7 +6073,7 @@
             </a:clrChange>
             <a:extLst>
               <a:ext uri="{28A0092B-C50C-407E-A947-70E740481C1C}">
-                <a14:useLocalDpi xmlns:a14="http://schemas.microsoft.com/office/drawing/2010/main" val="0"/>
+                <a14:useLocalDpi xmlns:a14="http://schemas.microsoft.com/office/drawing/2010/main" xmlns="" val="0"/>
               </a:ext>
             </a:extLst>
           </a:blip>
@@ -6096,7 +6096,7 @@
           <p:cNvPr id="8" name="Slide Title">
             <a:extLst>
               <a:ext uri="{FF2B5EF4-FFF2-40B4-BE49-F238E27FC236}">
-                <a16:creationId xmlns:a16="http://schemas.microsoft.com/office/drawing/2014/main" id="{E2DA9691-CDF5-499C-94BB-AAA61DAC1BFB}"/>
+                <a16:creationId xmlns:a16="http://schemas.microsoft.com/office/drawing/2014/main" xmlns="" id="{E2DA9691-CDF5-499C-94BB-AAA61DAC1BFB}"/>
               </a:ext>
             </a:extLst>
           </p:cNvPr>
@@ -6133,7 +6133,7 @@
           <p:cNvPr id="10" name="Group 9">
             <a:extLst>
               <a:ext uri="{FF2B5EF4-FFF2-40B4-BE49-F238E27FC236}">
-                <a16:creationId xmlns:a16="http://schemas.microsoft.com/office/drawing/2014/main" id="{43CDBCC2-1C96-44BC-B992-7B0C49C34904}"/>
+                <a16:creationId xmlns:a16="http://schemas.microsoft.com/office/drawing/2014/main" xmlns="" id="{43CDBCC2-1C96-44BC-B992-7B0C49C34904}"/>
               </a:ext>
             </a:extLst>
           </p:cNvPr>
@@ -6153,7 +6153,7 @@
             <p:cNvPr id="11" name="Group 10">
               <a:extLst>
                 <a:ext uri="{FF2B5EF4-FFF2-40B4-BE49-F238E27FC236}">
-                  <a16:creationId xmlns:a16="http://schemas.microsoft.com/office/drawing/2014/main" id="{7D71B3A8-4D39-42CF-9255-81EA3A622DD6}"/>
+                  <a16:creationId xmlns:a16="http://schemas.microsoft.com/office/drawing/2014/main" xmlns="" id="{7D71B3A8-4D39-42CF-9255-81EA3A622DD6}"/>
                 </a:ext>
               </a:extLst>
             </p:cNvPr>
@@ -6173,7 +6173,7 @@
               <p:cNvPr id="25" name="Oval 24">
                 <a:extLst>
                   <a:ext uri="{FF2B5EF4-FFF2-40B4-BE49-F238E27FC236}">
-                    <a16:creationId xmlns:a16="http://schemas.microsoft.com/office/drawing/2014/main" id="{B98059F9-1874-426D-8AF7-A12C21F37DD9}"/>
+                    <a16:creationId xmlns:a16="http://schemas.microsoft.com/office/drawing/2014/main" xmlns="" id="{B98059F9-1874-426D-8AF7-A12C21F37DD9}"/>
                   </a:ext>
                 </a:extLst>
               </p:cNvPr>
@@ -6225,7 +6225,7 @@
               <p:cNvPr id="26" name="Rectangle 5">
                 <a:extLst>
                   <a:ext uri="{FF2B5EF4-FFF2-40B4-BE49-F238E27FC236}">
-                    <a16:creationId xmlns:a16="http://schemas.microsoft.com/office/drawing/2014/main" id="{A3A1E077-DBDF-48F0-A924-604984B940A2}"/>
+                    <a16:creationId xmlns:a16="http://schemas.microsoft.com/office/drawing/2014/main" xmlns="" id="{A3A1E077-DBDF-48F0-A924-604984B940A2}"/>
                   </a:ext>
                 </a:extLst>
               </p:cNvPr>
@@ -6370,7 +6370,7 @@
               <p:cNvPr id="27" name="Rectangle 5">
                 <a:extLst>
                   <a:ext uri="{FF2B5EF4-FFF2-40B4-BE49-F238E27FC236}">
-                    <a16:creationId xmlns:a16="http://schemas.microsoft.com/office/drawing/2014/main" id="{798B1F51-1FA4-4199-81C7-62356C936CC9}"/>
+                    <a16:creationId xmlns:a16="http://schemas.microsoft.com/office/drawing/2014/main" xmlns="" id="{798B1F51-1FA4-4199-81C7-62356C936CC9}"/>
                   </a:ext>
                 </a:extLst>
               </p:cNvPr>
@@ -6515,7 +6515,7 @@
               <p:cNvPr id="28" name="Arc 27">
                 <a:extLst>
                   <a:ext uri="{FF2B5EF4-FFF2-40B4-BE49-F238E27FC236}">
-                    <a16:creationId xmlns:a16="http://schemas.microsoft.com/office/drawing/2014/main" id="{40A224C8-1233-40F7-96AB-BFF79AF6CDCB}"/>
+                    <a16:creationId xmlns:a16="http://schemas.microsoft.com/office/drawing/2014/main" xmlns="" id="{40A224C8-1233-40F7-96AB-BFF79AF6CDCB}"/>
                   </a:ext>
                 </a:extLst>
               </p:cNvPr>
@@ -6574,7 +6574,7 @@
               <p:cNvPr id="29" name="Arc 28">
                 <a:extLst>
                   <a:ext uri="{FF2B5EF4-FFF2-40B4-BE49-F238E27FC236}">
-                    <a16:creationId xmlns:a16="http://schemas.microsoft.com/office/drawing/2014/main" id="{B57C7CCC-E218-4321-8C7B-3F0C5753C7A1}"/>
+                    <a16:creationId xmlns:a16="http://schemas.microsoft.com/office/drawing/2014/main" xmlns="" id="{B57C7CCC-E218-4321-8C7B-3F0C5753C7A1}"/>
                   </a:ext>
                 </a:extLst>
               </p:cNvPr>
@@ -6634,7 +6634,7 @@
             <p:cNvPr id="13" name="Rectangle: Rounded Corners 12">
               <a:extLst>
                 <a:ext uri="{FF2B5EF4-FFF2-40B4-BE49-F238E27FC236}">
-                  <a16:creationId xmlns:a16="http://schemas.microsoft.com/office/drawing/2014/main" id="{6AF309CA-A56C-4ABC-B293-420F4EB1A9B4}"/>
+                  <a16:creationId xmlns:a16="http://schemas.microsoft.com/office/drawing/2014/main" xmlns="" id="{6AF309CA-A56C-4ABC-B293-420F4EB1A9B4}"/>
                 </a:ext>
               </a:extLst>
             </p:cNvPr>
@@ -6688,7 +6688,7 @@
             <p:cNvPr id="14" name="Rectangle: Rounded Corners 13">
               <a:extLst>
                 <a:ext uri="{FF2B5EF4-FFF2-40B4-BE49-F238E27FC236}">
-                  <a16:creationId xmlns:a16="http://schemas.microsoft.com/office/drawing/2014/main" id="{07955808-2AC7-44EB-8B6D-82B974E53A3C}"/>
+                  <a16:creationId xmlns:a16="http://schemas.microsoft.com/office/drawing/2014/main" xmlns="" id="{07955808-2AC7-44EB-8B6D-82B974E53A3C}"/>
                 </a:ext>
               </a:extLst>
             </p:cNvPr>
@@ -6749,7 +6749,7 @@
             <p:cNvPr id="15" name="Straight Connector 14">
               <a:extLst>
                 <a:ext uri="{FF2B5EF4-FFF2-40B4-BE49-F238E27FC236}">
-                  <a16:creationId xmlns:a16="http://schemas.microsoft.com/office/drawing/2014/main" id="{AC6420D7-AEAB-45EF-8D46-11EB06E4AFEA}"/>
+                  <a16:creationId xmlns:a16="http://schemas.microsoft.com/office/drawing/2014/main" xmlns="" id="{AC6420D7-AEAB-45EF-8D46-11EB06E4AFEA}"/>
                 </a:ext>
               </a:extLst>
             </p:cNvPr>
@@ -6795,7 +6795,7 @@
             <p:cNvPr id="16" name="Straight Connector 15">
               <a:extLst>
                 <a:ext uri="{FF2B5EF4-FFF2-40B4-BE49-F238E27FC236}">
-                  <a16:creationId xmlns:a16="http://schemas.microsoft.com/office/drawing/2014/main" id="{76C7FABC-6773-44F6-990B-3EB082BE9B35}"/>
+                  <a16:creationId xmlns:a16="http://schemas.microsoft.com/office/drawing/2014/main" xmlns="" id="{76C7FABC-6773-44F6-990B-3EB082BE9B35}"/>
                 </a:ext>
               </a:extLst>
             </p:cNvPr>
@@ -6841,7 +6841,7 @@
             <p:cNvPr id="17" name="Group 16">
               <a:extLst>
                 <a:ext uri="{FF2B5EF4-FFF2-40B4-BE49-F238E27FC236}">
-                  <a16:creationId xmlns:a16="http://schemas.microsoft.com/office/drawing/2014/main" id="{1FAD48E1-DC45-4B3D-9CE5-613250708496}"/>
+                  <a16:creationId xmlns:a16="http://schemas.microsoft.com/office/drawing/2014/main" xmlns="" id="{1FAD48E1-DC45-4B3D-9CE5-613250708496}"/>
                 </a:ext>
               </a:extLst>
             </p:cNvPr>
@@ -6864,7 +6864,7 @@
               <p:cNvPr id="23" name="Straight Connector 22">
                 <a:extLst>
                   <a:ext uri="{FF2B5EF4-FFF2-40B4-BE49-F238E27FC236}">
-                    <a16:creationId xmlns:a16="http://schemas.microsoft.com/office/drawing/2014/main" id="{B01FD1D1-046F-457B-AB63-2702CE3E906E}"/>
+                    <a16:creationId xmlns:a16="http://schemas.microsoft.com/office/drawing/2014/main" xmlns="" id="{B01FD1D1-046F-457B-AB63-2702CE3E906E}"/>
                   </a:ext>
                 </a:extLst>
               </p:cNvPr>
@@ -6908,7 +6908,7 @@
               <p:cNvPr id="24" name="Straight Connector 23">
                 <a:extLst>
                   <a:ext uri="{FF2B5EF4-FFF2-40B4-BE49-F238E27FC236}">
-                    <a16:creationId xmlns:a16="http://schemas.microsoft.com/office/drawing/2014/main" id="{895660C3-C72C-43EE-9C4A-170F85E5BE08}"/>
+                    <a16:creationId xmlns:a16="http://schemas.microsoft.com/office/drawing/2014/main" xmlns="" id="{895660C3-C72C-43EE-9C4A-170F85E5BE08}"/>
                   </a:ext>
                 </a:extLst>
               </p:cNvPr>
@@ -6953,7 +6953,7 @@
             <p:cNvPr id="19" name="Straight Connector 18">
               <a:extLst>
                 <a:ext uri="{FF2B5EF4-FFF2-40B4-BE49-F238E27FC236}">
-                  <a16:creationId xmlns:a16="http://schemas.microsoft.com/office/drawing/2014/main" id="{A74EE503-8FC0-42A6-8860-CA4EE42272E4}"/>
+                  <a16:creationId xmlns:a16="http://schemas.microsoft.com/office/drawing/2014/main" xmlns="" id="{A74EE503-8FC0-42A6-8860-CA4EE42272E4}"/>
                 </a:ext>
               </a:extLst>
             </p:cNvPr>
@@ -6999,7 +6999,7 @@
             <p:cNvPr id="12" name="Rectangle: Rounded Corners 11">
               <a:extLst>
                 <a:ext uri="{FF2B5EF4-FFF2-40B4-BE49-F238E27FC236}">
-                  <a16:creationId xmlns:a16="http://schemas.microsoft.com/office/drawing/2014/main" id="{F4189FDA-9FE8-490B-8A70-2E941811021F}"/>
+                  <a16:creationId xmlns:a16="http://schemas.microsoft.com/office/drawing/2014/main" xmlns="" id="{F4189FDA-9FE8-490B-8A70-2E941811021F}"/>
                 </a:ext>
               </a:extLst>
             </p:cNvPr>
@@ -7053,7 +7053,7 @@
             <p:cNvPr id="18" name="Group 17">
               <a:extLst>
                 <a:ext uri="{FF2B5EF4-FFF2-40B4-BE49-F238E27FC236}">
-                  <a16:creationId xmlns:a16="http://schemas.microsoft.com/office/drawing/2014/main" id="{FDA3EFCD-0DF8-419D-8533-D781521E597E}"/>
+                  <a16:creationId xmlns:a16="http://schemas.microsoft.com/office/drawing/2014/main" xmlns="" id="{FDA3EFCD-0DF8-419D-8533-D781521E597E}"/>
                 </a:ext>
               </a:extLst>
             </p:cNvPr>
@@ -7076,7 +7076,7 @@
               <p:cNvPr id="21" name="Straight Connector 20">
                 <a:extLst>
                   <a:ext uri="{FF2B5EF4-FFF2-40B4-BE49-F238E27FC236}">
-                    <a16:creationId xmlns:a16="http://schemas.microsoft.com/office/drawing/2014/main" id="{C3CC6A5A-182E-4A09-9C04-EB191881D789}"/>
+                    <a16:creationId xmlns:a16="http://schemas.microsoft.com/office/drawing/2014/main" xmlns="" id="{C3CC6A5A-182E-4A09-9C04-EB191881D789}"/>
                   </a:ext>
                 </a:extLst>
               </p:cNvPr>
@@ -7120,7 +7120,7 @@
               <p:cNvPr id="22" name="Straight Connector 21">
                 <a:extLst>
                   <a:ext uri="{FF2B5EF4-FFF2-40B4-BE49-F238E27FC236}">
-                    <a16:creationId xmlns:a16="http://schemas.microsoft.com/office/drawing/2014/main" id="{440C8953-0555-48CC-8255-78F17E053EE7}"/>
+                    <a16:creationId xmlns:a16="http://schemas.microsoft.com/office/drawing/2014/main" xmlns="" id="{440C8953-0555-48CC-8255-78F17E053EE7}"/>
                   </a:ext>
                 </a:extLst>
               </p:cNvPr>
@@ -7166,7 +7166,7 @@
           <p:cNvPr id="34" name="Straight Connector 33">
             <a:extLst>
               <a:ext uri="{FF2B5EF4-FFF2-40B4-BE49-F238E27FC236}">
-                <a16:creationId xmlns:a16="http://schemas.microsoft.com/office/drawing/2014/main" id="{29B538CA-8CCB-43FB-B5E5-5FC04EBC1F54}"/>
+                <a16:creationId xmlns:a16="http://schemas.microsoft.com/office/drawing/2014/main" xmlns="" id="{29B538CA-8CCB-43FB-B5E5-5FC04EBC1F54}"/>
               </a:ext>
             </a:extLst>
           </p:cNvPr>
@@ -7211,18 +7211,18 @@
     </p:spTree>
     <p:extLst>
       <p:ext uri="{BB962C8B-B14F-4D97-AF65-F5344CB8AC3E}">
-        <p14:creationId xmlns:p14="http://schemas.microsoft.com/office/powerpoint/2010/main" val="743545348"/>
+        <p14:creationId xmlns:p14="http://schemas.microsoft.com/office/powerpoint/2010/main" xmlns="" val="743545348"/>
       </p:ext>
     </p:extLst>
   </p:cSld>
   <p:clrMapOvr>
     <a:masterClrMapping/>
   </p:clrMapOvr>
-  <mc:AlternateContent xmlns:mc="http://schemas.openxmlformats.org/markup-compatibility/2006" xmlns:p14="http://schemas.microsoft.com/office/powerpoint/2010/main">
-    <mc:Choice Requires="p14">
+  <mc:AlternateContent xmlns:mc="http://schemas.openxmlformats.org/markup-compatibility/2006">
+    <mc:Choice xmlns:p14="http://schemas.microsoft.com/office/powerpoint/2010/main" xmlns="" Requires="p14">
       <p:transition spd="slow" p14:dur="2000" advClick="0" advTm="5000"/>
     </mc:Choice>
-    <mc:Fallback xmlns="">
+    <mc:Fallback>
       <p:transition spd="slow" advClick="0" advTm="5000"/>
     </mc:Fallback>
   </mc:AlternateContent>
@@ -7251,7 +7251,7 @@
           <p:cNvPr id="9" name="Slide Number">
             <a:extLst>
               <a:ext uri="{FF2B5EF4-FFF2-40B4-BE49-F238E27FC236}">
-                <a16:creationId xmlns:a16="http://schemas.microsoft.com/office/drawing/2014/main" id="{1865BF6B-7F07-4E9C-879F-80E36EEB3405}"/>
+                <a16:creationId xmlns:a16="http://schemas.microsoft.com/office/drawing/2014/main" xmlns="" id="{1865BF6B-7F07-4E9C-879F-80E36EEB3405}"/>
               </a:ext>
             </a:extLst>
           </p:cNvPr>
@@ -7293,7 +7293,7 @@
           <p:cNvPr id="12" name="Rectangle Left">
             <a:extLst>
               <a:ext uri="{FF2B5EF4-FFF2-40B4-BE49-F238E27FC236}">
-                <a16:creationId xmlns:a16="http://schemas.microsoft.com/office/drawing/2014/main" id="{345FB1C8-7F66-4D5C-ACCE-AE919936BCFD}"/>
+                <a16:creationId xmlns:a16="http://schemas.microsoft.com/office/drawing/2014/main" xmlns="" id="{345FB1C8-7F66-4D5C-ACCE-AE919936BCFD}"/>
               </a:ext>
             </a:extLst>
           </p:cNvPr>
@@ -7374,7 +7374,7 @@
           <p:cNvPr id="15" name="Slide Body Text">
             <a:extLst>
               <a:ext uri="{FF2B5EF4-FFF2-40B4-BE49-F238E27FC236}">
-                <a16:creationId xmlns:a16="http://schemas.microsoft.com/office/drawing/2014/main" id="{6157C8DE-E0AF-422B-BBB1-F0AF1264B5E9}"/>
+                <a16:creationId xmlns:a16="http://schemas.microsoft.com/office/drawing/2014/main" xmlns="" id="{6157C8DE-E0AF-422B-BBB1-F0AF1264B5E9}"/>
               </a:ext>
             </a:extLst>
           </p:cNvPr>
@@ -7472,7 +7472,7 @@
           <p:cNvPr id="16" name="Logo Software University" descr="Software University logo">
             <a:extLst>
               <a:ext uri="{FF2B5EF4-FFF2-40B4-BE49-F238E27FC236}">
-                <a16:creationId xmlns:a16="http://schemas.microsoft.com/office/drawing/2014/main" id="{EFEBB553-EACE-4B4F-8B4F-7629FDD910A4}"/>
+                <a16:creationId xmlns:a16="http://schemas.microsoft.com/office/drawing/2014/main" xmlns="" id="{EFEBB553-EACE-4B4F-8B4F-7629FDD910A4}"/>
               </a:ext>
             </a:extLst>
           </p:cNvPr>
@@ -7495,7 +7495,7 @@
             </a:clrChange>
             <a:extLst>
               <a:ext uri="{28A0092B-C50C-407E-A947-70E740481C1C}">
-                <a14:useLocalDpi xmlns:a14="http://schemas.microsoft.com/office/drawing/2010/main" val="0"/>
+                <a14:useLocalDpi xmlns:a14="http://schemas.microsoft.com/office/drawing/2010/main" xmlns="" val="0"/>
               </a:ext>
             </a:extLst>
           </a:blip>
@@ -7518,7 +7518,7 @@
           <p:cNvPr id="13" name="Slide Title">
             <a:extLst>
               <a:ext uri="{FF2B5EF4-FFF2-40B4-BE49-F238E27FC236}">
-                <a16:creationId xmlns:a16="http://schemas.microsoft.com/office/drawing/2014/main" id="{0D5CC956-5C4A-44BE-8F8B-327FAFA51E97}"/>
+                <a16:creationId xmlns:a16="http://schemas.microsoft.com/office/drawing/2014/main" xmlns="" id="{0D5CC956-5C4A-44BE-8F8B-327FAFA51E97}"/>
               </a:ext>
             </a:extLst>
           </p:cNvPr>
@@ -7555,7 +7555,7 @@
           <p:cNvPr id="33" name="Group 32">
             <a:extLst>
               <a:ext uri="{FF2B5EF4-FFF2-40B4-BE49-F238E27FC236}">
-                <a16:creationId xmlns:a16="http://schemas.microsoft.com/office/drawing/2014/main" id="{7CF60135-47AA-48F0-96BA-0E795668ABDB}"/>
+                <a16:creationId xmlns:a16="http://schemas.microsoft.com/office/drawing/2014/main" xmlns="" id="{7CF60135-47AA-48F0-96BA-0E795668ABDB}"/>
               </a:ext>
             </a:extLst>
           </p:cNvPr>
@@ -7575,7 +7575,7 @@
             <p:cNvPr id="34" name="Group 33">
               <a:extLst>
                 <a:ext uri="{FF2B5EF4-FFF2-40B4-BE49-F238E27FC236}">
-                  <a16:creationId xmlns:a16="http://schemas.microsoft.com/office/drawing/2014/main" id="{2823380E-3936-41AF-BDF7-DA54D75BBF6B}"/>
+                  <a16:creationId xmlns:a16="http://schemas.microsoft.com/office/drawing/2014/main" xmlns="" id="{2823380E-3936-41AF-BDF7-DA54D75BBF6B}"/>
                 </a:ext>
               </a:extLst>
             </p:cNvPr>
@@ -7595,7 +7595,7 @@
               <p:cNvPr id="47" name="Oval 46">
                 <a:extLst>
                   <a:ext uri="{FF2B5EF4-FFF2-40B4-BE49-F238E27FC236}">
-                    <a16:creationId xmlns:a16="http://schemas.microsoft.com/office/drawing/2014/main" id="{52B047D9-D8DD-45C7-9BC8-6D4F682F5182}"/>
+                    <a16:creationId xmlns:a16="http://schemas.microsoft.com/office/drawing/2014/main" xmlns="" id="{52B047D9-D8DD-45C7-9BC8-6D4F682F5182}"/>
                   </a:ext>
                 </a:extLst>
               </p:cNvPr>
@@ -7647,7 +7647,7 @@
               <p:cNvPr id="48" name="Rectangle 5">
                 <a:extLst>
                   <a:ext uri="{FF2B5EF4-FFF2-40B4-BE49-F238E27FC236}">
-                    <a16:creationId xmlns:a16="http://schemas.microsoft.com/office/drawing/2014/main" id="{4D84FE51-BD8E-47EA-9463-CE02FEA31766}"/>
+                    <a16:creationId xmlns:a16="http://schemas.microsoft.com/office/drawing/2014/main" xmlns="" id="{4D84FE51-BD8E-47EA-9463-CE02FEA31766}"/>
                   </a:ext>
                 </a:extLst>
               </p:cNvPr>
@@ -7792,7 +7792,7 @@
               <p:cNvPr id="49" name="Rectangle 5">
                 <a:extLst>
                   <a:ext uri="{FF2B5EF4-FFF2-40B4-BE49-F238E27FC236}">
-                    <a16:creationId xmlns:a16="http://schemas.microsoft.com/office/drawing/2014/main" id="{F5C8F037-C197-4219-AC87-3A81763512BC}"/>
+                    <a16:creationId xmlns:a16="http://schemas.microsoft.com/office/drawing/2014/main" xmlns="" id="{F5C8F037-C197-4219-AC87-3A81763512BC}"/>
                   </a:ext>
                 </a:extLst>
               </p:cNvPr>
@@ -7937,7 +7937,7 @@
               <p:cNvPr id="50" name="Arc 49">
                 <a:extLst>
                   <a:ext uri="{FF2B5EF4-FFF2-40B4-BE49-F238E27FC236}">
-                    <a16:creationId xmlns:a16="http://schemas.microsoft.com/office/drawing/2014/main" id="{786EE401-CF8E-439B-94A0-EE6F3A7D5798}"/>
+                    <a16:creationId xmlns:a16="http://schemas.microsoft.com/office/drawing/2014/main" xmlns="" id="{786EE401-CF8E-439B-94A0-EE6F3A7D5798}"/>
                   </a:ext>
                 </a:extLst>
               </p:cNvPr>
@@ -7996,7 +7996,7 @@
               <p:cNvPr id="51" name="Arc 50">
                 <a:extLst>
                   <a:ext uri="{FF2B5EF4-FFF2-40B4-BE49-F238E27FC236}">
-                    <a16:creationId xmlns:a16="http://schemas.microsoft.com/office/drawing/2014/main" id="{8D9ACD38-B3EB-4A63-9730-CBF0501BF235}"/>
+                    <a16:creationId xmlns:a16="http://schemas.microsoft.com/office/drawing/2014/main" xmlns="" id="{8D9ACD38-B3EB-4A63-9730-CBF0501BF235}"/>
                   </a:ext>
                 </a:extLst>
               </p:cNvPr>
@@ -8056,7 +8056,7 @@
             <p:cNvPr id="35" name="Rectangle: Rounded Corners 34">
               <a:extLst>
                 <a:ext uri="{FF2B5EF4-FFF2-40B4-BE49-F238E27FC236}">
-                  <a16:creationId xmlns:a16="http://schemas.microsoft.com/office/drawing/2014/main" id="{64EE493E-A353-4C75-A3B9-D48ABA2C57CC}"/>
+                  <a16:creationId xmlns:a16="http://schemas.microsoft.com/office/drawing/2014/main" xmlns="" id="{64EE493E-A353-4C75-A3B9-D48ABA2C57CC}"/>
                 </a:ext>
               </a:extLst>
             </p:cNvPr>
@@ -8110,7 +8110,7 @@
             <p:cNvPr id="36" name="Rectangle: Rounded Corners 35">
               <a:extLst>
                 <a:ext uri="{FF2B5EF4-FFF2-40B4-BE49-F238E27FC236}">
-                  <a16:creationId xmlns:a16="http://schemas.microsoft.com/office/drawing/2014/main" id="{718408B9-204E-42E3-9E79-33E047E869BC}"/>
+                  <a16:creationId xmlns:a16="http://schemas.microsoft.com/office/drawing/2014/main" xmlns="" id="{718408B9-204E-42E3-9E79-33E047E869BC}"/>
                 </a:ext>
               </a:extLst>
             </p:cNvPr>
@@ -8171,7 +8171,7 @@
             <p:cNvPr id="37" name="Straight Connector 36">
               <a:extLst>
                 <a:ext uri="{FF2B5EF4-FFF2-40B4-BE49-F238E27FC236}">
-                  <a16:creationId xmlns:a16="http://schemas.microsoft.com/office/drawing/2014/main" id="{0AB66D97-DF6F-4CD2-AF13-42B5C852F673}"/>
+                  <a16:creationId xmlns:a16="http://schemas.microsoft.com/office/drawing/2014/main" xmlns="" id="{0AB66D97-DF6F-4CD2-AF13-42B5C852F673}"/>
                 </a:ext>
               </a:extLst>
             </p:cNvPr>
@@ -8217,7 +8217,7 @@
             <p:cNvPr id="38" name="Straight Connector 37">
               <a:extLst>
                 <a:ext uri="{FF2B5EF4-FFF2-40B4-BE49-F238E27FC236}">
-                  <a16:creationId xmlns:a16="http://schemas.microsoft.com/office/drawing/2014/main" id="{F2AFBA69-C196-4703-8AAB-5F72A8EDCEB5}"/>
+                  <a16:creationId xmlns:a16="http://schemas.microsoft.com/office/drawing/2014/main" xmlns="" id="{F2AFBA69-C196-4703-8AAB-5F72A8EDCEB5}"/>
                 </a:ext>
               </a:extLst>
             </p:cNvPr>
@@ -8263,7 +8263,7 @@
             <p:cNvPr id="39" name="Group 38">
               <a:extLst>
                 <a:ext uri="{FF2B5EF4-FFF2-40B4-BE49-F238E27FC236}">
-                  <a16:creationId xmlns:a16="http://schemas.microsoft.com/office/drawing/2014/main" id="{9AFC66C1-0C1C-4332-9C4E-782574C896B8}"/>
+                  <a16:creationId xmlns:a16="http://schemas.microsoft.com/office/drawing/2014/main" xmlns="" id="{9AFC66C1-0C1C-4332-9C4E-782574C896B8}"/>
                 </a:ext>
               </a:extLst>
             </p:cNvPr>
@@ -8286,7 +8286,7 @@
               <p:cNvPr id="45" name="Straight Connector 44">
                 <a:extLst>
                   <a:ext uri="{FF2B5EF4-FFF2-40B4-BE49-F238E27FC236}">
-                    <a16:creationId xmlns:a16="http://schemas.microsoft.com/office/drawing/2014/main" id="{872CA8AD-EAF6-40BE-9DDE-ECDB4A980CA5}"/>
+                    <a16:creationId xmlns:a16="http://schemas.microsoft.com/office/drawing/2014/main" xmlns="" id="{872CA8AD-EAF6-40BE-9DDE-ECDB4A980CA5}"/>
                   </a:ext>
                 </a:extLst>
               </p:cNvPr>
@@ -8330,7 +8330,7 @@
               <p:cNvPr id="46" name="Straight Connector 45">
                 <a:extLst>
                   <a:ext uri="{FF2B5EF4-FFF2-40B4-BE49-F238E27FC236}">
-                    <a16:creationId xmlns:a16="http://schemas.microsoft.com/office/drawing/2014/main" id="{57DD3EC7-1A13-4AFE-BD6F-DA12C281FAFB}"/>
+                    <a16:creationId xmlns:a16="http://schemas.microsoft.com/office/drawing/2014/main" xmlns="" id="{57DD3EC7-1A13-4AFE-BD6F-DA12C281FAFB}"/>
                   </a:ext>
                 </a:extLst>
               </p:cNvPr>
@@ -8375,7 +8375,7 @@
             <p:cNvPr id="40" name="Straight Connector 39">
               <a:extLst>
                 <a:ext uri="{FF2B5EF4-FFF2-40B4-BE49-F238E27FC236}">
-                  <a16:creationId xmlns:a16="http://schemas.microsoft.com/office/drawing/2014/main" id="{E46151FA-19E9-4E84-A082-EDAC6F76EA9D}"/>
+                  <a16:creationId xmlns:a16="http://schemas.microsoft.com/office/drawing/2014/main" xmlns="" id="{E46151FA-19E9-4E84-A082-EDAC6F76EA9D}"/>
                 </a:ext>
               </a:extLst>
             </p:cNvPr>
@@ -8421,7 +8421,7 @@
             <p:cNvPr id="41" name="Rectangle: Rounded Corners 40">
               <a:extLst>
                 <a:ext uri="{FF2B5EF4-FFF2-40B4-BE49-F238E27FC236}">
-                  <a16:creationId xmlns:a16="http://schemas.microsoft.com/office/drawing/2014/main" id="{3423EEF0-5B70-4091-B2DA-0740D2609643}"/>
+                  <a16:creationId xmlns:a16="http://schemas.microsoft.com/office/drawing/2014/main" xmlns="" id="{3423EEF0-5B70-4091-B2DA-0740D2609643}"/>
                 </a:ext>
               </a:extLst>
             </p:cNvPr>
@@ -8475,7 +8475,7 @@
             <p:cNvPr id="42" name="Group 41">
               <a:extLst>
                 <a:ext uri="{FF2B5EF4-FFF2-40B4-BE49-F238E27FC236}">
-                  <a16:creationId xmlns:a16="http://schemas.microsoft.com/office/drawing/2014/main" id="{49A8AAA7-98E7-4224-B027-830FFCC285A3}"/>
+                  <a16:creationId xmlns:a16="http://schemas.microsoft.com/office/drawing/2014/main" xmlns="" id="{49A8AAA7-98E7-4224-B027-830FFCC285A3}"/>
                 </a:ext>
               </a:extLst>
             </p:cNvPr>
@@ -8498,7 +8498,7 @@
               <p:cNvPr id="43" name="Straight Connector 42">
                 <a:extLst>
                   <a:ext uri="{FF2B5EF4-FFF2-40B4-BE49-F238E27FC236}">
-                    <a16:creationId xmlns:a16="http://schemas.microsoft.com/office/drawing/2014/main" id="{2129EC38-471E-4685-973E-BA7A7F567C42}"/>
+                    <a16:creationId xmlns:a16="http://schemas.microsoft.com/office/drawing/2014/main" xmlns="" id="{2129EC38-471E-4685-973E-BA7A7F567C42}"/>
                   </a:ext>
                 </a:extLst>
               </p:cNvPr>
@@ -8542,7 +8542,7 @@
               <p:cNvPr id="44" name="Straight Connector 43">
                 <a:extLst>
                   <a:ext uri="{FF2B5EF4-FFF2-40B4-BE49-F238E27FC236}">
-                    <a16:creationId xmlns:a16="http://schemas.microsoft.com/office/drawing/2014/main" id="{678142BE-84C9-4834-B6CC-6623E401661C}"/>
+                    <a16:creationId xmlns:a16="http://schemas.microsoft.com/office/drawing/2014/main" xmlns="" id="{678142BE-84C9-4834-B6CC-6623E401661C}"/>
                   </a:ext>
                 </a:extLst>
               </p:cNvPr>
@@ -8586,18 +8586,18 @@
     </p:spTree>
     <p:extLst>
       <p:ext uri="{BB962C8B-B14F-4D97-AF65-F5344CB8AC3E}">
-        <p14:creationId xmlns:p14="http://schemas.microsoft.com/office/powerpoint/2010/main" val="1679651758"/>
+        <p14:creationId xmlns:p14="http://schemas.microsoft.com/office/powerpoint/2010/main" xmlns="" val="1679651758"/>
       </p:ext>
     </p:extLst>
   </p:cSld>
   <p:clrMapOvr>
     <a:masterClrMapping/>
   </p:clrMapOvr>
-  <mc:AlternateContent xmlns:mc="http://schemas.openxmlformats.org/markup-compatibility/2006" xmlns:p14="http://schemas.microsoft.com/office/powerpoint/2010/main">
-    <mc:Choice Requires="p14">
+  <mc:AlternateContent xmlns:mc="http://schemas.openxmlformats.org/markup-compatibility/2006">
+    <mc:Choice xmlns:p14="http://schemas.microsoft.com/office/powerpoint/2010/main" xmlns="" Requires="p14">
       <p:transition spd="slow" p14:dur="2000" advClick="0" advTm="5000"/>
     </mc:Choice>
-    <mc:Fallback xmlns="">
+    <mc:Fallback>
       <p:transition spd="slow" advClick="0" advTm="5000"/>
     </mc:Fallback>
   </mc:AlternateContent>
@@ -8626,7 +8626,7 @@
           <p:cNvPr id="5" name="Slide Number">
             <a:extLst>
               <a:ext uri="{FF2B5EF4-FFF2-40B4-BE49-F238E27FC236}">
-                <a16:creationId xmlns:a16="http://schemas.microsoft.com/office/drawing/2014/main" id="{F0B8C963-1813-4B69-AD27-6D02EBBBB569}"/>
+                <a16:creationId xmlns:a16="http://schemas.microsoft.com/office/drawing/2014/main" xmlns="" id="{F0B8C963-1813-4B69-AD27-6D02EBBBB569}"/>
               </a:ext>
             </a:extLst>
           </p:cNvPr>
@@ -8668,7 +8668,7 @@
           <p:cNvPr id="3" name="Rectangle Left">
             <a:extLst>
               <a:ext uri="{FF2B5EF4-FFF2-40B4-BE49-F238E27FC236}">
-                <a16:creationId xmlns:a16="http://schemas.microsoft.com/office/drawing/2014/main" id="{345FB1C8-7F66-4D5C-ACCE-AE919936BCFD}"/>
+                <a16:creationId xmlns:a16="http://schemas.microsoft.com/office/drawing/2014/main" xmlns="" id="{345FB1C8-7F66-4D5C-ACCE-AE919936BCFD}"/>
               </a:ext>
             </a:extLst>
           </p:cNvPr>
@@ -8749,7 +8749,7 @@
           <p:cNvPr id="7" name="Slide Body Text">
             <a:extLst>
               <a:ext uri="{FF2B5EF4-FFF2-40B4-BE49-F238E27FC236}">
-                <a16:creationId xmlns:a16="http://schemas.microsoft.com/office/drawing/2014/main" id="{7296EDA7-D37D-4B31-A888-371F0804124F}"/>
+                <a16:creationId xmlns:a16="http://schemas.microsoft.com/office/drawing/2014/main" xmlns="" id="{7296EDA7-D37D-4B31-A888-371F0804124F}"/>
               </a:ext>
             </a:extLst>
           </p:cNvPr>
@@ -8847,7 +8847,7 @@
           <p:cNvPr id="6" name="Slide Title">
             <a:extLst>
               <a:ext uri="{FF2B5EF4-FFF2-40B4-BE49-F238E27FC236}">
-                <a16:creationId xmlns:a16="http://schemas.microsoft.com/office/drawing/2014/main" id="{55A88B09-3557-48A3-BF27-42699C269215}"/>
+                <a16:creationId xmlns:a16="http://schemas.microsoft.com/office/drawing/2014/main" xmlns="" id="{55A88B09-3557-48A3-BF27-42699C269215}"/>
               </a:ext>
             </a:extLst>
           </p:cNvPr>
@@ -8884,7 +8884,7 @@
           <p:cNvPr id="28" name="Group 27">
             <a:extLst>
               <a:ext uri="{FF2B5EF4-FFF2-40B4-BE49-F238E27FC236}">
-                <a16:creationId xmlns:a16="http://schemas.microsoft.com/office/drawing/2014/main" id="{C4248838-4E67-439E-AE0A-0043D2CB04D6}"/>
+                <a16:creationId xmlns:a16="http://schemas.microsoft.com/office/drawing/2014/main" xmlns="" id="{C4248838-4E67-439E-AE0A-0043D2CB04D6}"/>
               </a:ext>
             </a:extLst>
           </p:cNvPr>
@@ -8904,7 +8904,7 @@
             <p:cNvPr id="29" name="Group 28">
               <a:extLst>
                 <a:ext uri="{FF2B5EF4-FFF2-40B4-BE49-F238E27FC236}">
-                  <a16:creationId xmlns:a16="http://schemas.microsoft.com/office/drawing/2014/main" id="{810CFD6A-2427-49D5-846A-5F93601D4184}"/>
+                  <a16:creationId xmlns:a16="http://schemas.microsoft.com/office/drawing/2014/main" xmlns="" id="{810CFD6A-2427-49D5-846A-5F93601D4184}"/>
                 </a:ext>
               </a:extLst>
             </p:cNvPr>
@@ -8924,7 +8924,7 @@
               <p:cNvPr id="42" name="Oval 41">
                 <a:extLst>
                   <a:ext uri="{FF2B5EF4-FFF2-40B4-BE49-F238E27FC236}">
-                    <a16:creationId xmlns:a16="http://schemas.microsoft.com/office/drawing/2014/main" id="{017B1AE5-5C36-4839-BA1F-B404EA44E701}"/>
+                    <a16:creationId xmlns:a16="http://schemas.microsoft.com/office/drawing/2014/main" xmlns="" id="{017B1AE5-5C36-4839-BA1F-B404EA44E701}"/>
                   </a:ext>
                 </a:extLst>
               </p:cNvPr>
@@ -8976,7 +8976,7 @@
               <p:cNvPr id="43" name="Rectangle 5">
                 <a:extLst>
                   <a:ext uri="{FF2B5EF4-FFF2-40B4-BE49-F238E27FC236}">
-                    <a16:creationId xmlns:a16="http://schemas.microsoft.com/office/drawing/2014/main" id="{FB963D79-BB49-4A1D-BA66-EA0670C79BAE}"/>
+                    <a16:creationId xmlns:a16="http://schemas.microsoft.com/office/drawing/2014/main" xmlns="" id="{FB963D79-BB49-4A1D-BA66-EA0670C79BAE}"/>
                   </a:ext>
                 </a:extLst>
               </p:cNvPr>
@@ -9121,7 +9121,7 @@
               <p:cNvPr id="44" name="Rectangle 5">
                 <a:extLst>
                   <a:ext uri="{FF2B5EF4-FFF2-40B4-BE49-F238E27FC236}">
-                    <a16:creationId xmlns:a16="http://schemas.microsoft.com/office/drawing/2014/main" id="{6D7746D8-B913-493B-AAE9-25BC6893D40E}"/>
+                    <a16:creationId xmlns:a16="http://schemas.microsoft.com/office/drawing/2014/main" xmlns="" id="{6D7746D8-B913-493B-AAE9-25BC6893D40E}"/>
                   </a:ext>
                 </a:extLst>
               </p:cNvPr>
@@ -9266,7 +9266,7 @@
               <p:cNvPr id="45" name="Arc 44">
                 <a:extLst>
                   <a:ext uri="{FF2B5EF4-FFF2-40B4-BE49-F238E27FC236}">
-                    <a16:creationId xmlns:a16="http://schemas.microsoft.com/office/drawing/2014/main" id="{29031C02-E965-417B-8799-96061B14F30D}"/>
+                    <a16:creationId xmlns:a16="http://schemas.microsoft.com/office/drawing/2014/main" xmlns="" id="{29031C02-E965-417B-8799-96061B14F30D}"/>
                   </a:ext>
                 </a:extLst>
               </p:cNvPr>
@@ -9325,7 +9325,7 @@
               <p:cNvPr id="46" name="Arc 45">
                 <a:extLst>
                   <a:ext uri="{FF2B5EF4-FFF2-40B4-BE49-F238E27FC236}">
-                    <a16:creationId xmlns:a16="http://schemas.microsoft.com/office/drawing/2014/main" id="{26BFD8A6-BC99-4B16-BA10-08A9E5C681C0}"/>
+                    <a16:creationId xmlns:a16="http://schemas.microsoft.com/office/drawing/2014/main" xmlns="" id="{26BFD8A6-BC99-4B16-BA10-08A9E5C681C0}"/>
                   </a:ext>
                 </a:extLst>
               </p:cNvPr>
@@ -9385,7 +9385,7 @@
             <p:cNvPr id="30" name="Rectangle: Rounded Corners 29">
               <a:extLst>
                 <a:ext uri="{FF2B5EF4-FFF2-40B4-BE49-F238E27FC236}">
-                  <a16:creationId xmlns:a16="http://schemas.microsoft.com/office/drawing/2014/main" id="{B310277F-A78E-4FB9-9EA9-88BE4F1D585B}"/>
+                  <a16:creationId xmlns:a16="http://schemas.microsoft.com/office/drawing/2014/main" xmlns="" id="{B310277F-A78E-4FB9-9EA9-88BE4F1D585B}"/>
                 </a:ext>
               </a:extLst>
             </p:cNvPr>
@@ -9439,7 +9439,7 @@
             <p:cNvPr id="31" name="Rectangle: Rounded Corners 30">
               <a:extLst>
                 <a:ext uri="{FF2B5EF4-FFF2-40B4-BE49-F238E27FC236}">
-                  <a16:creationId xmlns:a16="http://schemas.microsoft.com/office/drawing/2014/main" id="{A92CF92B-C212-4542-83AE-A0058B5BB5EA}"/>
+                  <a16:creationId xmlns:a16="http://schemas.microsoft.com/office/drawing/2014/main" xmlns="" id="{A92CF92B-C212-4542-83AE-A0058B5BB5EA}"/>
                 </a:ext>
               </a:extLst>
             </p:cNvPr>
@@ -9500,7 +9500,7 @@
             <p:cNvPr id="32" name="Straight Connector 31">
               <a:extLst>
                 <a:ext uri="{FF2B5EF4-FFF2-40B4-BE49-F238E27FC236}">
-                  <a16:creationId xmlns:a16="http://schemas.microsoft.com/office/drawing/2014/main" id="{563B4374-5C0D-461F-B3BD-78D99614D365}"/>
+                  <a16:creationId xmlns:a16="http://schemas.microsoft.com/office/drawing/2014/main" xmlns="" id="{563B4374-5C0D-461F-B3BD-78D99614D365}"/>
                 </a:ext>
               </a:extLst>
             </p:cNvPr>
@@ -9546,7 +9546,7 @@
             <p:cNvPr id="33" name="Straight Connector 32">
               <a:extLst>
                 <a:ext uri="{FF2B5EF4-FFF2-40B4-BE49-F238E27FC236}">
-                  <a16:creationId xmlns:a16="http://schemas.microsoft.com/office/drawing/2014/main" id="{FBC6FDE7-AEA1-4230-8433-4C088A0FF5F9}"/>
+                  <a16:creationId xmlns:a16="http://schemas.microsoft.com/office/drawing/2014/main" xmlns="" id="{FBC6FDE7-AEA1-4230-8433-4C088A0FF5F9}"/>
                 </a:ext>
               </a:extLst>
             </p:cNvPr>
@@ -9592,7 +9592,7 @@
             <p:cNvPr id="34" name="Group 33">
               <a:extLst>
                 <a:ext uri="{FF2B5EF4-FFF2-40B4-BE49-F238E27FC236}">
-                  <a16:creationId xmlns:a16="http://schemas.microsoft.com/office/drawing/2014/main" id="{C4D1021D-07C7-4331-8FF6-36980A30978B}"/>
+                  <a16:creationId xmlns:a16="http://schemas.microsoft.com/office/drawing/2014/main" xmlns="" id="{C4D1021D-07C7-4331-8FF6-36980A30978B}"/>
                 </a:ext>
               </a:extLst>
             </p:cNvPr>
@@ -9615,7 +9615,7 @@
               <p:cNvPr id="40" name="Straight Connector 39">
                 <a:extLst>
                   <a:ext uri="{FF2B5EF4-FFF2-40B4-BE49-F238E27FC236}">
-                    <a16:creationId xmlns:a16="http://schemas.microsoft.com/office/drawing/2014/main" id="{13B7FE99-95CF-45D5-966B-87A979B93431}"/>
+                    <a16:creationId xmlns:a16="http://schemas.microsoft.com/office/drawing/2014/main" xmlns="" id="{13B7FE99-95CF-45D5-966B-87A979B93431}"/>
                   </a:ext>
                 </a:extLst>
               </p:cNvPr>
@@ -9659,7 +9659,7 @@
               <p:cNvPr id="41" name="Straight Connector 40">
                 <a:extLst>
                   <a:ext uri="{FF2B5EF4-FFF2-40B4-BE49-F238E27FC236}">
-                    <a16:creationId xmlns:a16="http://schemas.microsoft.com/office/drawing/2014/main" id="{71BBA69B-19FF-4ADB-A739-AD8136A5F0A6}"/>
+                    <a16:creationId xmlns:a16="http://schemas.microsoft.com/office/drawing/2014/main" xmlns="" id="{71BBA69B-19FF-4ADB-A739-AD8136A5F0A6}"/>
                   </a:ext>
                 </a:extLst>
               </p:cNvPr>
@@ -9704,7 +9704,7 @@
             <p:cNvPr id="35" name="Straight Connector 34">
               <a:extLst>
                 <a:ext uri="{FF2B5EF4-FFF2-40B4-BE49-F238E27FC236}">
-                  <a16:creationId xmlns:a16="http://schemas.microsoft.com/office/drawing/2014/main" id="{BFD1D86B-562B-40B2-8E46-34233EFEE7FC}"/>
+                  <a16:creationId xmlns:a16="http://schemas.microsoft.com/office/drawing/2014/main" xmlns="" id="{BFD1D86B-562B-40B2-8E46-34233EFEE7FC}"/>
                 </a:ext>
               </a:extLst>
             </p:cNvPr>
@@ -9750,7 +9750,7 @@
             <p:cNvPr id="36" name="Rectangle: Rounded Corners 35">
               <a:extLst>
                 <a:ext uri="{FF2B5EF4-FFF2-40B4-BE49-F238E27FC236}">
-                  <a16:creationId xmlns:a16="http://schemas.microsoft.com/office/drawing/2014/main" id="{388C17BD-16A1-43C5-BFFA-2FF9174719E1}"/>
+                  <a16:creationId xmlns:a16="http://schemas.microsoft.com/office/drawing/2014/main" xmlns="" id="{388C17BD-16A1-43C5-BFFA-2FF9174719E1}"/>
                 </a:ext>
               </a:extLst>
             </p:cNvPr>
@@ -9804,7 +9804,7 @@
             <p:cNvPr id="37" name="Group 36">
               <a:extLst>
                 <a:ext uri="{FF2B5EF4-FFF2-40B4-BE49-F238E27FC236}">
-                  <a16:creationId xmlns:a16="http://schemas.microsoft.com/office/drawing/2014/main" id="{1B3B910E-ACFC-4F28-8E28-F02E1588B87E}"/>
+                  <a16:creationId xmlns:a16="http://schemas.microsoft.com/office/drawing/2014/main" xmlns="" id="{1B3B910E-ACFC-4F28-8E28-F02E1588B87E}"/>
                 </a:ext>
               </a:extLst>
             </p:cNvPr>
@@ -9827,7 +9827,7 @@
               <p:cNvPr id="38" name="Straight Connector 37">
                 <a:extLst>
                   <a:ext uri="{FF2B5EF4-FFF2-40B4-BE49-F238E27FC236}">
-                    <a16:creationId xmlns:a16="http://schemas.microsoft.com/office/drawing/2014/main" id="{F57772B6-06C0-4F54-AA94-D3F92DA4716A}"/>
+                    <a16:creationId xmlns:a16="http://schemas.microsoft.com/office/drawing/2014/main" xmlns="" id="{F57772B6-06C0-4F54-AA94-D3F92DA4716A}"/>
                   </a:ext>
                 </a:extLst>
               </p:cNvPr>
@@ -9871,7 +9871,7 @@
               <p:cNvPr id="39" name="Straight Connector 38">
                 <a:extLst>
                   <a:ext uri="{FF2B5EF4-FFF2-40B4-BE49-F238E27FC236}">
-                    <a16:creationId xmlns:a16="http://schemas.microsoft.com/office/drawing/2014/main" id="{23370C1F-7876-4278-AB20-78F6CAA385E2}"/>
+                    <a16:creationId xmlns:a16="http://schemas.microsoft.com/office/drawing/2014/main" xmlns="" id="{23370C1F-7876-4278-AB20-78F6CAA385E2}"/>
                   </a:ext>
                 </a:extLst>
               </p:cNvPr>
@@ -9915,18 +9915,18 @@
     </p:spTree>
     <p:extLst>
       <p:ext uri="{BB962C8B-B14F-4D97-AF65-F5344CB8AC3E}">
-        <p14:creationId xmlns:p14="http://schemas.microsoft.com/office/powerpoint/2010/main" val="3284562556"/>
+        <p14:creationId xmlns:p14="http://schemas.microsoft.com/office/powerpoint/2010/main" xmlns="" val="3284562556"/>
       </p:ext>
     </p:extLst>
   </p:cSld>
   <p:clrMapOvr>
     <a:masterClrMapping/>
   </p:clrMapOvr>
-  <mc:AlternateContent xmlns:mc="http://schemas.openxmlformats.org/markup-compatibility/2006" xmlns:p14="http://schemas.microsoft.com/office/powerpoint/2010/main">
-    <mc:Choice Requires="p14">
+  <mc:AlternateContent xmlns:mc="http://schemas.openxmlformats.org/markup-compatibility/2006">
+    <mc:Choice xmlns:p14="http://schemas.microsoft.com/office/powerpoint/2010/main" xmlns="" Requires="p14">
       <p:transition spd="slow" p14:dur="2000" advClick="0" advTm="5000"/>
     </mc:Choice>
-    <mc:Fallback xmlns="">
+    <mc:Fallback>
       <p:transition spd="slow" advClick="0" advTm="5000"/>
     </mc:Fallback>
   </mc:AlternateContent>
@@ -9955,7 +9955,7 @@
           <p:cNvPr id="8" name="Slide Number">
             <a:extLst>
               <a:ext uri="{FF2B5EF4-FFF2-40B4-BE49-F238E27FC236}">
-                <a16:creationId xmlns:a16="http://schemas.microsoft.com/office/drawing/2014/main" id="{509D954E-A844-4072-A556-DE584BEB9321}"/>
+                <a16:creationId xmlns:a16="http://schemas.microsoft.com/office/drawing/2014/main" xmlns="" id="{509D954E-A844-4072-A556-DE584BEB9321}"/>
               </a:ext>
             </a:extLst>
           </p:cNvPr>
@@ -9997,7 +9997,7 @@
           <p:cNvPr id="6" name="Code Box">
             <a:extLst>
               <a:ext uri="{FF2B5EF4-FFF2-40B4-BE49-F238E27FC236}">
-                <a16:creationId xmlns:a16="http://schemas.microsoft.com/office/drawing/2014/main" id="{3278A82F-5546-4977-9F75-2A933B415945}"/>
+                <a16:creationId xmlns:a16="http://schemas.microsoft.com/office/drawing/2014/main" xmlns="" id="{3278A82F-5546-4977-9F75-2A933B415945}"/>
               </a:ext>
             </a:extLst>
           </p:cNvPr>
@@ -10084,7 +10084,7 @@
           <p:cNvPr id="21" name="Slide Body Text">
             <a:extLst>
               <a:ext uri="{FF2B5EF4-FFF2-40B4-BE49-F238E27FC236}">
-                <a16:creationId xmlns:a16="http://schemas.microsoft.com/office/drawing/2014/main" id="{04F318BE-2BAD-4677-871C-D78A4BF0CBA6}"/>
+                <a16:creationId xmlns:a16="http://schemas.microsoft.com/office/drawing/2014/main" xmlns="" id="{04F318BE-2BAD-4677-871C-D78A4BF0CBA6}"/>
               </a:ext>
             </a:extLst>
           </p:cNvPr>
@@ -10131,7 +10131,7 @@
           <p:cNvPr id="9" name="Rectangle Top">
             <a:extLst>
               <a:ext uri="{FF2B5EF4-FFF2-40B4-BE49-F238E27FC236}">
-                <a16:creationId xmlns:a16="http://schemas.microsoft.com/office/drawing/2014/main" id="{A15CE03A-0933-4E5D-9EA1-718D4F802FFC}"/>
+                <a16:creationId xmlns:a16="http://schemas.microsoft.com/office/drawing/2014/main" xmlns="" id="{A15CE03A-0933-4E5D-9EA1-718D4F802FFC}"/>
               </a:ext>
             </a:extLst>
           </p:cNvPr>
@@ -10212,7 +10212,7 @@
           <p:cNvPr id="10" name="Logo Software University" descr="Software University logo">
             <a:extLst>
               <a:ext uri="{FF2B5EF4-FFF2-40B4-BE49-F238E27FC236}">
-                <a16:creationId xmlns:a16="http://schemas.microsoft.com/office/drawing/2014/main" id="{8C01D7AF-7CBD-46E1-99F3-8EB60E838D91}"/>
+                <a16:creationId xmlns:a16="http://schemas.microsoft.com/office/drawing/2014/main" xmlns="" id="{8C01D7AF-7CBD-46E1-99F3-8EB60E838D91}"/>
               </a:ext>
             </a:extLst>
           </p:cNvPr>
@@ -10225,7 +10225,7 @@
           <a:blip r:embed="rId2" cstate="print">
             <a:extLst>
               <a:ext uri="{28A0092B-C50C-407E-A947-70E740481C1C}">
-                <a14:useLocalDpi xmlns:a14="http://schemas.microsoft.com/office/drawing/2010/main" val="0"/>
+                <a14:useLocalDpi xmlns:a14="http://schemas.microsoft.com/office/drawing/2010/main" xmlns="" val="0"/>
               </a:ext>
             </a:extLst>
           </a:blip>
@@ -10248,7 +10248,7 @@
           <p:cNvPr id="11" name="Slide Title">
             <a:extLst>
               <a:ext uri="{FF2B5EF4-FFF2-40B4-BE49-F238E27FC236}">
-                <a16:creationId xmlns:a16="http://schemas.microsoft.com/office/drawing/2014/main" id="{47D60833-F0A9-4F29-8C06-A963A7C8BE93}"/>
+                <a16:creationId xmlns:a16="http://schemas.microsoft.com/office/drawing/2014/main" xmlns="" id="{47D60833-F0A9-4F29-8C06-A963A7C8BE93}"/>
               </a:ext>
             </a:extLst>
           </p:cNvPr>
@@ -10287,18 +10287,18 @@
     </p:spTree>
     <p:extLst>
       <p:ext uri="{BB962C8B-B14F-4D97-AF65-F5344CB8AC3E}">
-        <p14:creationId xmlns:p14="http://schemas.microsoft.com/office/powerpoint/2010/main" val="1000829826"/>
+        <p14:creationId xmlns:p14="http://schemas.microsoft.com/office/powerpoint/2010/main" xmlns="" val="1000829826"/>
       </p:ext>
     </p:extLst>
   </p:cSld>
   <p:clrMapOvr>
     <a:masterClrMapping/>
   </p:clrMapOvr>
-  <mc:AlternateContent xmlns:mc="http://schemas.openxmlformats.org/markup-compatibility/2006" xmlns:p14="http://schemas.microsoft.com/office/powerpoint/2010/main">
-    <mc:Choice Requires="p14">
+  <mc:AlternateContent xmlns:mc="http://schemas.openxmlformats.org/markup-compatibility/2006">
+    <mc:Choice xmlns:p14="http://schemas.microsoft.com/office/powerpoint/2010/main" xmlns="" Requires="p14">
       <p:transition spd="slow" p14:dur="2000" advClick="0" advTm="5000"/>
     </mc:Choice>
-    <mc:Fallback xmlns="">
+    <mc:Fallback>
       <p:transition spd="slow" advClick="0" advTm="5000"/>
     </mc:Fallback>
   </mc:AlternateContent>
@@ -10327,7 +10327,7 @@
           <p:cNvPr id="10" name="Slide Number">
             <a:extLst>
               <a:ext uri="{FF2B5EF4-FFF2-40B4-BE49-F238E27FC236}">
-                <a16:creationId xmlns:a16="http://schemas.microsoft.com/office/drawing/2014/main" id="{39DDE17E-5472-41F3-AF5F-54DFF10DC63C}"/>
+                <a16:creationId xmlns:a16="http://schemas.microsoft.com/office/drawing/2014/main" xmlns="" id="{39DDE17E-5472-41F3-AF5F-54DFF10DC63C}"/>
               </a:ext>
             </a:extLst>
           </p:cNvPr>
@@ -10369,7 +10369,7 @@
           <p:cNvPr id="9" name="Picture SoftUni Mascot" descr="SoftUni mascot with laptop">
             <a:extLst>
               <a:ext uri="{FF2B5EF4-FFF2-40B4-BE49-F238E27FC236}">
-                <a16:creationId xmlns:a16="http://schemas.microsoft.com/office/drawing/2014/main" id="{DC4365F6-D2C1-47B4-8477-38FD2C7711AA}"/>
+                <a16:creationId xmlns:a16="http://schemas.microsoft.com/office/drawing/2014/main" xmlns="" id="{DC4365F6-D2C1-47B4-8477-38FD2C7711AA}"/>
               </a:ext>
             </a:extLst>
           </p:cNvPr>
@@ -10382,7 +10382,7 @@
           <a:blip r:embed="rId2" cstate="print">
             <a:extLst>
               <a:ext uri="{28A0092B-C50C-407E-A947-70E740481C1C}">
-                <a14:useLocalDpi xmlns:a14="http://schemas.microsoft.com/office/drawing/2010/main" val="0"/>
+                <a14:useLocalDpi xmlns:a14="http://schemas.microsoft.com/office/drawing/2010/main" xmlns="" val="0"/>
               </a:ext>
             </a:extLst>
           </a:blip>
@@ -10405,7 +10405,7 @@
           <p:cNvPr id="23" name="Slide Body Text">
             <a:extLst>
               <a:ext uri="{FF2B5EF4-FFF2-40B4-BE49-F238E27FC236}">
-                <a16:creationId xmlns:a16="http://schemas.microsoft.com/office/drawing/2014/main" id="{889D93F4-ABFA-46BF-8E5D-FE6562ACB20F}"/>
+                <a16:creationId xmlns:a16="http://schemas.microsoft.com/office/drawing/2014/main" xmlns="" id="{889D93F4-ABFA-46BF-8E5D-FE6562ACB20F}"/>
               </a:ext>
             </a:extLst>
           </p:cNvPr>
@@ -10496,7 +10496,7 @@
           <p:cNvPr id="8" name="Rectangle Top">
             <a:extLst>
               <a:ext uri="{FF2B5EF4-FFF2-40B4-BE49-F238E27FC236}">
-                <a16:creationId xmlns:a16="http://schemas.microsoft.com/office/drawing/2014/main" id="{930E0800-9260-4369-8330-8264DD33C5CE}"/>
+                <a16:creationId xmlns:a16="http://schemas.microsoft.com/office/drawing/2014/main" xmlns="" id="{930E0800-9260-4369-8330-8264DD33C5CE}"/>
               </a:ext>
             </a:extLst>
           </p:cNvPr>
@@ -10577,7 +10577,7 @@
           <p:cNvPr id="11" name="Logo Software University" descr="Software University logo">
             <a:extLst>
               <a:ext uri="{FF2B5EF4-FFF2-40B4-BE49-F238E27FC236}">
-                <a16:creationId xmlns:a16="http://schemas.microsoft.com/office/drawing/2014/main" id="{14F779A7-4A91-448B-BEFA-956C70A1C22F}"/>
+                <a16:creationId xmlns:a16="http://schemas.microsoft.com/office/drawing/2014/main" xmlns="" id="{14F779A7-4A91-448B-BEFA-956C70A1C22F}"/>
               </a:ext>
             </a:extLst>
           </p:cNvPr>
@@ -10590,7 +10590,7 @@
           <a:blip r:embed="rId3" cstate="print">
             <a:extLst>
               <a:ext uri="{28A0092B-C50C-407E-A947-70E740481C1C}">
-                <a14:useLocalDpi xmlns:a14="http://schemas.microsoft.com/office/drawing/2010/main" val="0"/>
+                <a14:useLocalDpi xmlns:a14="http://schemas.microsoft.com/office/drawing/2010/main" xmlns="" val="0"/>
               </a:ext>
             </a:extLst>
           </a:blip>
@@ -10613,7 +10613,7 @@
           <p:cNvPr id="13" name="Slide Title">
             <a:extLst>
               <a:ext uri="{FF2B5EF4-FFF2-40B4-BE49-F238E27FC236}">
-                <a16:creationId xmlns:a16="http://schemas.microsoft.com/office/drawing/2014/main" id="{357D7BE1-6358-42CC-94F3-7BCDD91DCB6D}"/>
+                <a16:creationId xmlns:a16="http://schemas.microsoft.com/office/drawing/2014/main" xmlns="" id="{357D7BE1-6358-42CC-94F3-7BCDD91DCB6D}"/>
               </a:ext>
             </a:extLst>
           </p:cNvPr>
@@ -10652,18 +10652,18 @@
     </p:spTree>
     <p:extLst>
       <p:ext uri="{BB962C8B-B14F-4D97-AF65-F5344CB8AC3E}">
-        <p14:creationId xmlns:p14="http://schemas.microsoft.com/office/powerpoint/2010/main" val="1028724482"/>
+        <p14:creationId xmlns:p14="http://schemas.microsoft.com/office/powerpoint/2010/main" xmlns="" val="1028724482"/>
       </p:ext>
     </p:extLst>
   </p:cSld>
   <p:clrMapOvr>
     <a:masterClrMapping/>
   </p:clrMapOvr>
-  <mc:AlternateContent xmlns:mc="http://schemas.openxmlformats.org/markup-compatibility/2006" xmlns:p14="http://schemas.microsoft.com/office/powerpoint/2010/main">
-    <mc:Choice Requires="p14">
+  <mc:AlternateContent xmlns:mc="http://schemas.openxmlformats.org/markup-compatibility/2006">
+    <mc:Choice xmlns:p14="http://schemas.microsoft.com/office/powerpoint/2010/main" xmlns="" Requires="p14">
       <p:transition spd="slow" p14:dur="2000" advClick="0" advTm="5000"/>
     </mc:Choice>
-    <mc:Fallback xmlns="">
+    <mc:Fallback>
       <p:transition spd="slow" advClick="0" advTm="5000"/>
     </mc:Fallback>
   </mc:AlternateContent>
@@ -10772,7 +10772,7 @@
           <p:cNvPr id="11" name="Slide Number">
             <a:extLst>
               <a:ext uri="{FF2B5EF4-FFF2-40B4-BE49-F238E27FC236}">
-                <a16:creationId xmlns:a16="http://schemas.microsoft.com/office/drawing/2014/main" id="{6750ECE4-94E0-469B-B8E4-562792823B0F}"/>
+                <a16:creationId xmlns:a16="http://schemas.microsoft.com/office/drawing/2014/main" xmlns="" id="{6750ECE4-94E0-469B-B8E4-562792823B0F}"/>
               </a:ext>
             </a:extLst>
           </p:cNvPr>
@@ -10895,7 +10895,7 @@
           <p:cNvPr id="12" name="Logo Software University Down" descr="Software University logo">
             <a:extLst>
               <a:ext uri="{FF2B5EF4-FFF2-40B4-BE49-F238E27FC236}">
-                <a16:creationId xmlns:a16="http://schemas.microsoft.com/office/drawing/2014/main" id="{7028D2F0-1E67-414B-A93D-D3F8F131A132}"/>
+                <a16:creationId xmlns:a16="http://schemas.microsoft.com/office/drawing/2014/main" xmlns="" id="{7028D2F0-1E67-414B-A93D-D3F8F131A132}"/>
               </a:ext>
             </a:extLst>
           </p:cNvPr>
@@ -10908,7 +10908,7 @@
           <a:blip r:embed="rId2" cstate="print">
             <a:extLst>
               <a:ext uri="{28A0092B-C50C-407E-A947-70E740481C1C}">
-                <a14:useLocalDpi xmlns:a14="http://schemas.microsoft.com/office/drawing/2010/main" val="0"/>
+                <a14:useLocalDpi xmlns:a14="http://schemas.microsoft.com/office/drawing/2010/main" xmlns="" val="0"/>
               </a:ext>
             </a:extLst>
           </a:blip>
@@ -10931,7 +10931,7 @@
           <p:cNvPr id="10" name="Text Placeholder Right">
             <a:extLst>
               <a:ext uri="{FF2B5EF4-FFF2-40B4-BE49-F238E27FC236}">
-                <a16:creationId xmlns:a16="http://schemas.microsoft.com/office/drawing/2014/main" id="{AF69A59F-C564-4A04-B1CC-31C261499991}"/>
+                <a16:creationId xmlns:a16="http://schemas.microsoft.com/office/drawing/2014/main" xmlns="" id="{AF69A59F-C564-4A04-B1CC-31C261499991}"/>
               </a:ext>
             </a:extLst>
           </p:cNvPr>
@@ -11009,7 +11009,7 @@
           <p:cNvPr id="9" name="Text Placeholder Left">
             <a:extLst>
               <a:ext uri="{FF2B5EF4-FFF2-40B4-BE49-F238E27FC236}">
-                <a16:creationId xmlns:a16="http://schemas.microsoft.com/office/drawing/2014/main" id="{C8A626D2-456B-41EF-9818-EA8DD7E314DA}"/>
+                <a16:creationId xmlns:a16="http://schemas.microsoft.com/office/drawing/2014/main" xmlns="" id="{C8A626D2-456B-41EF-9818-EA8DD7E314DA}"/>
               </a:ext>
             </a:extLst>
           </p:cNvPr>
@@ -11087,7 +11087,7 @@
           <p:cNvPr id="13" name="Rectangle Top">
             <a:extLst>
               <a:ext uri="{FF2B5EF4-FFF2-40B4-BE49-F238E27FC236}">
-                <a16:creationId xmlns:a16="http://schemas.microsoft.com/office/drawing/2014/main" id="{E03301DA-D0AF-46FD-8740-2F761250203A}"/>
+                <a16:creationId xmlns:a16="http://schemas.microsoft.com/office/drawing/2014/main" xmlns="" id="{E03301DA-D0AF-46FD-8740-2F761250203A}"/>
               </a:ext>
             </a:extLst>
           </p:cNvPr>
@@ -11168,7 +11168,7 @@
           <p:cNvPr id="14" name="Logo Software University" descr="Software University logo">
             <a:extLst>
               <a:ext uri="{FF2B5EF4-FFF2-40B4-BE49-F238E27FC236}">
-                <a16:creationId xmlns:a16="http://schemas.microsoft.com/office/drawing/2014/main" id="{19A67BB9-D880-4EAD-B90E-89C4219BFC0B}"/>
+                <a16:creationId xmlns:a16="http://schemas.microsoft.com/office/drawing/2014/main" xmlns="" id="{19A67BB9-D880-4EAD-B90E-89C4219BFC0B}"/>
               </a:ext>
             </a:extLst>
           </p:cNvPr>
@@ -11181,7 +11181,7 @@
           <a:blip r:embed="rId3" cstate="print">
             <a:extLst>
               <a:ext uri="{28A0092B-C50C-407E-A947-70E740481C1C}">
-                <a14:useLocalDpi xmlns:a14="http://schemas.microsoft.com/office/drawing/2010/main" val="0"/>
+                <a14:useLocalDpi xmlns:a14="http://schemas.microsoft.com/office/drawing/2010/main" xmlns="" val="0"/>
               </a:ext>
             </a:extLst>
           </a:blip>
@@ -11204,7 +11204,7 @@
           <p:cNvPr id="15" name="Slide Title">
             <a:extLst>
               <a:ext uri="{FF2B5EF4-FFF2-40B4-BE49-F238E27FC236}">
-                <a16:creationId xmlns:a16="http://schemas.microsoft.com/office/drawing/2014/main" id="{EA9A94D1-F9F6-4D7B-85E3-896A987B6A4D}"/>
+                <a16:creationId xmlns:a16="http://schemas.microsoft.com/office/drawing/2014/main" xmlns="" id="{EA9A94D1-F9F6-4D7B-85E3-896A987B6A4D}"/>
               </a:ext>
             </a:extLst>
           </p:cNvPr>
@@ -11243,24 +11243,24 @@
     </p:spTree>
     <p:extLst>
       <p:ext uri="{BB962C8B-B14F-4D97-AF65-F5344CB8AC3E}">
-        <p14:creationId xmlns:p14="http://schemas.microsoft.com/office/powerpoint/2010/main" val="3044033461"/>
+        <p14:creationId xmlns:p14="http://schemas.microsoft.com/office/powerpoint/2010/main" xmlns="" val="3044033461"/>
       </p:ext>
     </p:extLst>
   </p:cSld>
   <p:clrMapOvr>
     <a:masterClrMapping/>
   </p:clrMapOvr>
-  <mc:AlternateContent xmlns:mc="http://schemas.openxmlformats.org/markup-compatibility/2006" xmlns:p14="http://schemas.microsoft.com/office/powerpoint/2010/main">
-    <mc:Choice Requires="p14">
+  <mc:AlternateContent xmlns:mc="http://schemas.openxmlformats.org/markup-compatibility/2006">
+    <mc:Choice xmlns:p14="http://schemas.microsoft.com/office/powerpoint/2010/main" xmlns="" Requires="p14">
       <p:transition spd="slow" p14:dur="2000" advClick="0" advTm="5000"/>
     </mc:Choice>
-    <mc:Fallback xmlns="">
+    <mc:Fallback>
       <p:transition spd="slow" advClick="0" advTm="5000"/>
     </mc:Fallback>
   </mc:AlternateContent>
   <p:extLst>
     <p:ext uri="{DCECCB84-F9BA-43D5-87BE-67443E8EF086}">
-      <p15:sldGuideLst xmlns:p15="http://schemas.microsoft.com/office/powerpoint/2012/main">
+      <p15:sldGuideLst xmlns:p15="http://schemas.microsoft.com/office/powerpoint/2012/main" xmlns="">
         <p15:guide id="1" orient="horz" pos="2160">
           <p15:clr>
             <a:srgbClr val="FBAE40"/>
@@ -11307,7 +11307,7 @@
           <p:cNvPr id="4" name="Picture Background" descr="SoftUni Background">
             <a:extLst>
               <a:ext uri="{FF2B5EF4-FFF2-40B4-BE49-F238E27FC236}">
-                <a16:creationId xmlns:a16="http://schemas.microsoft.com/office/drawing/2014/main" id="{5BE90A63-DDD9-4B3B-A234-DF69B9BC812F}"/>
+                <a16:creationId xmlns:a16="http://schemas.microsoft.com/office/drawing/2014/main" xmlns="" id="{5BE90A63-DDD9-4B3B-A234-DF69B9BC812F}"/>
               </a:ext>
             </a:extLst>
           </p:cNvPr>
@@ -11336,7 +11336,7 @@
           <p:cNvPr id="11" name="Slide Body Text">
             <a:extLst>
               <a:ext uri="{FF2B5EF4-FFF2-40B4-BE49-F238E27FC236}">
-                <a16:creationId xmlns:a16="http://schemas.microsoft.com/office/drawing/2014/main" id="{90CBFB32-9F46-4F2F-8A54-9EE8BED27855}"/>
+                <a16:creationId xmlns:a16="http://schemas.microsoft.com/office/drawing/2014/main" xmlns="" id="{90CBFB32-9F46-4F2F-8A54-9EE8BED27855}"/>
               </a:ext>
             </a:extLst>
           </p:cNvPr>
@@ -11404,7 +11404,7 @@
           <p:cNvPr id="10" name="Slide Title">
             <a:extLst>
               <a:ext uri="{FF2B5EF4-FFF2-40B4-BE49-F238E27FC236}">
-                <a16:creationId xmlns:a16="http://schemas.microsoft.com/office/drawing/2014/main" id="{B770C392-3003-4C35-9625-BB041F8257BA}"/>
+                <a16:creationId xmlns:a16="http://schemas.microsoft.com/office/drawing/2014/main" xmlns="" id="{B770C392-3003-4C35-9625-BB041F8257BA}"/>
               </a:ext>
             </a:extLst>
           </p:cNvPr>
@@ -11441,7 +11441,7 @@
     </p:spTree>
     <p:extLst>
       <p:ext uri="{BB962C8B-B14F-4D97-AF65-F5344CB8AC3E}">
-        <p14:creationId xmlns:p14="http://schemas.microsoft.com/office/powerpoint/2010/main" val="156789181"/>
+        <p14:creationId xmlns:p14="http://schemas.microsoft.com/office/powerpoint/2010/main" xmlns="" val="156789181"/>
       </p:ext>
     </p:extLst>
   </p:cSld>
@@ -11460,11 +11460,11 @@
     <p:sldLayoutId id="2147483686" r:id="rId11"/>
     <p:sldLayoutId id="2147483687" r:id="rId12"/>
   </p:sldLayoutIdLst>
-  <mc:AlternateContent xmlns:mc="http://schemas.openxmlformats.org/markup-compatibility/2006" xmlns:p14="http://schemas.microsoft.com/office/powerpoint/2010/main">
-    <mc:Choice Requires="p14">
+  <mc:AlternateContent xmlns:mc="http://schemas.openxmlformats.org/markup-compatibility/2006">
+    <mc:Choice xmlns:p14="http://schemas.microsoft.com/office/powerpoint/2010/main" xmlns="" Requires="p14">
       <p:transition spd="slow" p14:dur="2000" advClick="0" advTm="5000"/>
     </mc:Choice>
-    <mc:Fallback xmlns="">
+    <mc:Fallback>
       <p:transition spd="slow" advClick="0" advTm="5000"/>
     </mc:Fallback>
   </mc:AlternateContent>
@@ -11751,7 +11751,7 @@
   </p:txStyles>
   <p:extLst>
     <p:ext uri="{27BBF7A9-308A-43DC-89C8-2F10F3537804}">
-      <p15:sldGuideLst xmlns:p15="http://schemas.microsoft.com/office/powerpoint/2012/main">
+      <p15:sldGuideLst xmlns:p15="http://schemas.microsoft.com/office/powerpoint/2012/main" xmlns="">
         <p15:guide id="1" orient="horz" pos="2160">
           <p15:clr>
             <a:srgbClr val="F26B43"/>
@@ -11967,7 +11967,7 @@
           <p:cNvPr id="12290" name="Picture 2" descr="Ð ÐµÐ·ÑÐ»ÑÐ°Ñ Ñ Ð¸Ð·Ð¾Ð±ÑÐ°Ð¶ÐµÐ½Ð¸Ðµ Ð·Ð° database png">
             <a:extLst>
               <a:ext uri="{FF2B5EF4-FFF2-40B4-BE49-F238E27FC236}">
-                <a16:creationId xmlns:a16="http://schemas.microsoft.com/office/drawing/2014/main" id="{52FF2604-C568-4D2F-97DB-BF2345736281}"/>
+                <a16:creationId xmlns:a16="http://schemas.microsoft.com/office/drawing/2014/main" xmlns="" id="{52FF2604-C568-4D2F-97DB-BF2345736281}"/>
               </a:ext>
             </a:extLst>
           </p:cNvPr>
@@ -11980,7 +11980,7 @@
           <a:blip r:embed="rId4" cstate="print">
             <a:extLst>
               <a:ext uri="{28A0092B-C50C-407E-A947-70E740481C1C}">
-                <a14:useLocalDpi xmlns:a14="http://schemas.microsoft.com/office/drawing/2010/main" val="0"/>
+                <a14:useLocalDpi xmlns:a14="http://schemas.microsoft.com/office/drawing/2010/main" xmlns="" val="0"/>
               </a:ext>
             </a:extLst>
           </a:blip>
@@ -12000,7 +12000,7 @@
           <a:noFill/>
           <a:extLst>
             <a:ext uri="{909E8E84-426E-40DD-AFC4-6F175D3DCCD1}">
-              <a14:hiddenFill xmlns:a14="http://schemas.microsoft.com/office/drawing/2010/main">
+              <a14:hiddenFill xmlns:a14="http://schemas.microsoft.com/office/drawing/2010/main" xmlns="">
                 <a:solidFill>
                   <a:srgbClr val="FFFFFF"/>
                 </a:solidFill>
@@ -12012,18 +12012,18 @@
     </p:spTree>
     <p:extLst>
       <p:ext uri="{BB962C8B-B14F-4D97-AF65-F5344CB8AC3E}">
-        <p14:creationId xmlns:p14="http://schemas.microsoft.com/office/powerpoint/2010/main" val="1251141439"/>
+        <p14:creationId xmlns:p14="http://schemas.microsoft.com/office/powerpoint/2010/main" xmlns="" val="1251141439"/>
       </p:ext>
     </p:extLst>
   </p:cSld>
   <p:clrMapOvr>
     <a:masterClrMapping/>
   </p:clrMapOvr>
-  <mc:AlternateContent xmlns:mc="http://schemas.openxmlformats.org/markup-compatibility/2006" xmlns:p14="http://schemas.microsoft.com/office/powerpoint/2010/main">
-    <mc:Choice Requires="p14">
+  <mc:AlternateContent xmlns:mc="http://schemas.openxmlformats.org/markup-compatibility/2006">
+    <mc:Choice xmlns:p14="http://schemas.microsoft.com/office/powerpoint/2010/main" xmlns="" Requires="p14">
       <p:transition spd="slow" p14:dur="2000" advClick="0" advTm="5000"/>
     </mc:Choice>
-    <mc:Fallback xmlns="">
+    <mc:Fallback>
       <p:transition spd="slow" advClick="0" advTm="5000"/>
     </mc:Fallback>
   </mc:AlternateContent>
@@ -12149,6 +12149,10 @@
               <a:rPr lang="bg-BG" sz="3200" dirty="0"/>
               <a:t>настройки за конфигурация</a:t>
             </a:r>
+            <a:r>
+              <a:rPr lang="ru-RU" sz="3200" dirty="0"/>
+              <a:t/>
+            </a:r>
             <a:br>
               <a:rPr lang="ru-RU" sz="3200" dirty="0"/>
             </a:br>
@@ -12284,6 +12288,10 @@
               </a:rPr>
               <a:t>малки проекти</a:t>
             </a:r>
+            <a:r>
+              <a:rPr lang="ru-RU" sz="3200" dirty="0"/>
+              <a:t/>
+            </a:r>
             <a:br>
               <a:rPr lang="ru-RU" sz="3200" dirty="0"/>
             </a:br>
@@ -12336,11 +12344,11 @@
   <p:clrMapOvr>
     <a:masterClrMapping/>
   </p:clrMapOvr>
-  <mc:AlternateContent xmlns:mc="http://schemas.openxmlformats.org/markup-compatibility/2006" xmlns:p14="http://schemas.microsoft.com/office/powerpoint/2010/main">
-    <mc:Choice Requires="p14">
+  <mc:AlternateContent xmlns:mc="http://schemas.openxmlformats.org/markup-compatibility/2006">
+    <mc:Choice xmlns:p14="http://schemas.microsoft.com/office/powerpoint/2010/main" xmlns="" Requires="p14">
       <p:transition spd="slow" p14:dur="2000" advClick="0" advTm="5000"/>
     </mc:Choice>
-    <mc:Fallback xmlns="">
+    <mc:Fallback>
       <p:transition spd="slow" advClick="0" advTm="5000"/>
     </mc:Fallback>
   </mc:AlternateContent>
@@ -12738,7 +12746,7 @@
             </a:duotone>
             <a:extLst>
               <a:ext uri="{BEBA8EAE-BF5A-486C-A8C5-ECC9F3942E4B}">
-                <a14:imgProps xmlns:a14="http://schemas.microsoft.com/office/drawing/2010/main">
+                <a14:imgProps xmlns:a14="http://schemas.microsoft.com/office/drawing/2010/main" xmlns="">
                   <a14:imgLayer r:embed="rId3">
                     <a14:imgEffect>
                       <a14:brightnessContrast bright="100000"/>
@@ -12769,11 +12777,11 @@
   <p:clrMapOvr>
     <a:masterClrMapping/>
   </p:clrMapOvr>
-  <mc:AlternateContent xmlns:mc="http://schemas.openxmlformats.org/markup-compatibility/2006" xmlns:p14="http://schemas.microsoft.com/office/powerpoint/2010/main">
-    <mc:Choice Requires="p14">
+  <mc:AlternateContent xmlns:mc="http://schemas.openxmlformats.org/markup-compatibility/2006">
+    <mc:Choice xmlns:p14="http://schemas.microsoft.com/office/powerpoint/2010/main" xmlns="" Requires="p14">
       <p:transition spd="slow" p14:dur="2000" advClick="0" advTm="5000"/>
     </mc:Choice>
-    <mc:Fallback xmlns="">
+    <mc:Fallback>
       <p:transition spd="slow" advClick="0" advTm="5000"/>
     </mc:Fallback>
   </mc:AlternateContent>
@@ -12909,7 +12917,7 @@
       </p:sp>
       <p:pic>
         <p:nvPicPr>
-          <p:cNvPr id="50178" name="Picture 2"/>
+          <p:cNvPr id="1026" name="Picture 2"/>
           <p:cNvPicPr>
             <a:picLocks noChangeAspect="1" noChangeArrowheads="1"/>
           </p:cNvPicPr>
@@ -12924,126 +12932,35 @@
         </p:blipFill>
         <p:spPr bwMode="auto">
           <a:xfrm>
-            <a:off x="3711000" y="2439000"/>
-            <a:ext cx="4433747" cy="2907249"/>
+            <a:off x="3641288" y="2349000"/>
+            <a:ext cx="4909425" cy="3004506"/>
           </a:xfrm>
           <a:prstGeom prst="rect">
             <a:avLst/>
           </a:prstGeom>
           <a:noFill/>
           <a:ln w="9525">
-            <a:noFill/>
+            <a:solidFill>
+              <a:schemeClr val="bg2">
+                <a:lumMod val="75000"/>
+              </a:schemeClr>
+            </a:solidFill>
             <a:miter lim="800000"/>
             <a:headEnd/>
             <a:tailEnd/>
           </a:ln>
         </p:spPr>
       </p:pic>
-      <p:sp>
-        <p:nvSpPr>
-          <p:cNvPr id="5" name="Rounded Rectangular Callout 4">
-            <a:extLst>
-              <a:ext uri="{FF2B5EF4-FFF2-40B4-BE49-F238E27FC236}">
-                <a16:creationId xmlns:a16="http://schemas.microsoft.com/office/drawing/2014/main" id="{48C8EDD2-2D06-6AF5-BAD7-68899290C8F2}"/>
-              </a:ext>
-            </a:extLst>
-          </p:cNvPr>
-          <p:cNvSpPr/>
-          <p:nvPr/>
-        </p:nvSpPr>
-        <p:spPr bwMode="auto">
-          <a:xfrm>
-            <a:off x="7319283" y="2124000"/>
-            <a:ext cx="4433747" cy="2070000"/>
-          </a:xfrm>
-          <a:prstGeom prst="wedgeRoundRectCallout">
-            <a:avLst>
-              <a:gd name="adj1" fmla="val -21853"/>
-              <a:gd name="adj2" fmla="val 50419"/>
-              <a:gd name="adj3" fmla="val 16667"/>
-            </a:avLst>
-          </a:prstGeom>
-          <a:ln/>
-        </p:spPr>
-        <p:style>
-          <a:lnRef idx="2">
-            <a:schemeClr val="accent2"/>
-          </a:lnRef>
-          <a:fillRef idx="1">
-            <a:schemeClr val="lt1"/>
-          </a:fillRef>
-          <a:effectRef idx="0">
-            <a:schemeClr val="accent2"/>
-          </a:effectRef>
-          <a:fontRef idx="minor">
-            <a:schemeClr val="dk1"/>
-          </a:fontRef>
-        </p:style>
-        <p:txBody>
-          <a:bodyPr rot="0" spcFirstLastPara="0" vertOverflow="overflow" horzOverflow="overflow" vert="horz" wrap="square" lIns="91440" tIns="45720" rIns="91440" bIns="45720" numCol="1" spcCol="0" rtlCol="0" fromWordArt="0" anchor="ctr" anchorCtr="0" forceAA="0" compatLnSpc="1">
-            <a:prstTxWarp prst="textNoShape">
-              <a:avLst/>
-            </a:prstTxWarp>
-            <a:noAutofit/>
-          </a:bodyPr>
-          <a:lstStyle/>
-          <a:p>
-            <a:pPr algn="ctr"/>
-            <a:r>
-              <a:rPr lang="en-BG" sz="3600" b="1" dirty="0">
-                <a:solidFill>
-                  <a:srgbClr val="FFFFFF"/>
-                </a:solidFill>
-                <a:effectLst>
-                  <a:outerShdw blurRad="38100" dist="38100" dir="2700000" algn="tl">
-                    <a:srgbClr val="000000">
-                      <a:alpha val="43137"/>
-                    </a:srgbClr>
-                  </a:outerShdw>
-                </a:effectLst>
-              </a:rPr>
-              <a:t>TODO: </a:t>
-            </a:r>
-            <a:r>
-              <a:rPr lang="bg-BG" sz="3600" b="1" dirty="0">
-                <a:solidFill>
-                  <a:srgbClr val="FFFFFF"/>
-                </a:solidFill>
-                <a:effectLst>
-                  <a:outerShdw blurRad="38100" dist="38100" dir="2700000" algn="tl">
-                    <a:srgbClr val="000000">
-                      <a:alpha val="43137"/>
-                    </a:srgbClr>
-                  </a:outerShdw>
-                </a:effectLst>
-              </a:rPr>
-              <a:t>да се направи наново скрийншот</a:t>
-            </a:r>
-            <a:endParaRPr lang="en-BG" sz="3600" b="1" dirty="0">
-              <a:solidFill>
-                <a:srgbClr val="FFFFFF"/>
-              </a:solidFill>
-              <a:effectLst>
-                <a:outerShdw blurRad="38100" dist="38100" dir="2700000" algn="tl">
-                  <a:srgbClr val="000000">
-                    <a:alpha val="43137"/>
-                  </a:srgbClr>
-                </a:outerShdw>
-              </a:effectLst>
-            </a:endParaRPr>
-          </a:p>
-        </p:txBody>
-      </p:sp>
     </p:spTree>
   </p:cSld>
   <p:clrMapOvr>
     <a:masterClrMapping/>
   </p:clrMapOvr>
-  <mc:AlternateContent xmlns:mc="http://schemas.openxmlformats.org/markup-compatibility/2006" xmlns:p14="http://schemas.microsoft.com/office/powerpoint/2010/main">
-    <mc:Choice Requires="p14">
+  <mc:AlternateContent xmlns:mc="http://schemas.openxmlformats.org/markup-compatibility/2006">
+    <mc:Choice xmlns:p14="http://schemas.microsoft.com/office/powerpoint/2010/main" xmlns="" Requires="p14">
       <p:transition spd="slow" p14:dur="2000" advClick="0" advTm="5000"/>
     </mc:Choice>
-    <mc:Fallback xmlns="">
+    <mc:Fallback>
       <p:transition spd="slow" advClick="0" advTm="5000"/>
     </mc:Fallback>
   </mc:AlternateContent>
@@ -13076,51 +12993,6 @@
                                     <p:set>
                                       <p:cBhvr>
                                         <p:cTn id="6" dur="1" fill="hold">
-                                          <p:stCondLst>
-                                            <p:cond delay="0"/>
-                                          </p:stCondLst>
-                                        </p:cTn>
-                                        <p:tgtEl>
-                                          <p:spTgt spid="50178"/>
-                                        </p:tgtEl>
-                                        <p:attrNameLst>
-                                          <p:attrName>style.visibility</p:attrName>
-                                        </p:attrNameLst>
-                                      </p:cBhvr>
-                                      <p:to>
-                                        <p:strVal val="visible"/>
-                                      </p:to>
-                                    </p:set>
-                                  </p:childTnLst>
-                                </p:cTn>
-                              </p:par>
-                            </p:childTnLst>
-                          </p:cTn>
-                        </p:par>
-                      </p:childTnLst>
-                    </p:cTn>
-                  </p:par>
-                  <p:par>
-                    <p:cTn id="7" fill="hold">
-                      <p:stCondLst>
-                        <p:cond delay="indefinite"/>
-                      </p:stCondLst>
-                      <p:childTnLst>
-                        <p:par>
-                          <p:cTn id="8" fill="hold">
-                            <p:stCondLst>
-                              <p:cond delay="0"/>
-                            </p:stCondLst>
-                            <p:childTnLst>
-                              <p:par>
-                                <p:cTn id="9" presetID="1" presetClass="entr" presetSubtype="0" fill="hold" nodeType="clickEffect">
-                                  <p:stCondLst>
-                                    <p:cond delay="0"/>
-                                  </p:stCondLst>
-                                  <p:childTnLst>
-                                    <p:set>
-                                      <p:cBhvr>
-                                        <p:cTn id="10" dur="1" fill="hold">
                                           <p:stCondLst>
                                             <p:cond delay="0"/>
                                           </p:stCondLst>
@@ -13196,7 +13068,7 @@
           <p:cNvPr id="4100" name="Picture 4" descr="Ð ÐµÐ·ÑÐ»ÑÐ°Ñ Ñ Ð¸Ð·Ð¾Ð±ÑÐ°Ð¶ÐµÐ½Ð¸Ðµ Ð·Ð° query png">
             <a:extLst>
               <a:ext uri="{FF2B5EF4-FFF2-40B4-BE49-F238E27FC236}">
-                <a16:creationId xmlns:a16="http://schemas.microsoft.com/office/drawing/2014/main" id="{B4F84FFF-E90B-499C-8241-2AEA2FA77185}"/>
+                <a16:creationId xmlns:a16="http://schemas.microsoft.com/office/drawing/2014/main" xmlns="" id="{B4F84FFF-E90B-499C-8241-2AEA2FA77185}"/>
               </a:ext>
             </a:extLst>
           </p:cNvPr>
@@ -13210,7 +13082,7 @@
             <a:biLevel thresh="25000"/>
             <a:extLst>
               <a:ext uri="{28A0092B-C50C-407E-A947-70E740481C1C}">
-                <a14:useLocalDpi xmlns:a14="http://schemas.microsoft.com/office/drawing/2010/main" val="0"/>
+                <a14:useLocalDpi xmlns:a14="http://schemas.microsoft.com/office/drawing/2010/main" xmlns="" val="0"/>
               </a:ext>
             </a:extLst>
           </a:blip>
@@ -13230,7 +13102,7 @@
           <a:noFill/>
           <a:extLst>
             <a:ext uri="{909E8E84-426E-40DD-AFC4-6F175D3DCCD1}">
-              <a14:hiddenFill xmlns:a14="http://schemas.microsoft.com/office/drawing/2010/main">
+              <a14:hiddenFill xmlns:a14="http://schemas.microsoft.com/office/drawing/2010/main" xmlns="">
                 <a:solidFill>
                   <a:srgbClr val="FFFFFF"/>
                 </a:solidFill>
@@ -13244,7 +13116,7 @@
           <p:cNvPr id="5" name="Title 4">
             <a:extLst>
               <a:ext uri="{FF2B5EF4-FFF2-40B4-BE49-F238E27FC236}">
-                <a16:creationId xmlns:a16="http://schemas.microsoft.com/office/drawing/2014/main" id="{F55169BB-81B7-4A40-8E47-6EC715298905}"/>
+                <a16:creationId xmlns:a16="http://schemas.microsoft.com/office/drawing/2014/main" xmlns="" id="{F55169BB-81B7-4A40-8E47-6EC715298905}"/>
               </a:ext>
             </a:extLst>
           </p:cNvPr>
@@ -13277,7 +13149,7 @@
           <p:cNvPr id="7" name="Subtitle 6">
             <a:extLst>
               <a:ext uri="{FF2B5EF4-FFF2-40B4-BE49-F238E27FC236}">
-                <a16:creationId xmlns:a16="http://schemas.microsoft.com/office/drawing/2014/main" id="{FF132F71-5B68-4B9B-80B0-159A83D8782B}"/>
+                <a16:creationId xmlns:a16="http://schemas.microsoft.com/office/drawing/2014/main" xmlns="" id="{FF132F71-5B68-4B9B-80B0-159A83D8782B}"/>
               </a:ext>
             </a:extLst>
           </p:cNvPr>
@@ -13307,18 +13179,18 @@
     </p:spTree>
     <p:extLst>
       <p:ext uri="{BB962C8B-B14F-4D97-AF65-F5344CB8AC3E}">
-        <p14:creationId xmlns:p14="http://schemas.microsoft.com/office/powerpoint/2010/main" val="1408268322"/>
+        <p14:creationId xmlns:p14="http://schemas.microsoft.com/office/powerpoint/2010/main" xmlns="" val="1408268322"/>
       </p:ext>
     </p:extLst>
   </p:cSld>
   <p:clrMapOvr>
     <a:masterClrMapping/>
   </p:clrMapOvr>
-  <mc:AlternateContent xmlns:mc="http://schemas.openxmlformats.org/markup-compatibility/2006" xmlns:p14="http://schemas.microsoft.com/office/powerpoint/2010/main">
-    <mc:Choice Requires="p14">
+  <mc:AlternateContent xmlns:mc="http://schemas.openxmlformats.org/markup-compatibility/2006">
+    <mc:Choice xmlns:p14="http://schemas.microsoft.com/office/powerpoint/2010/main" xmlns="" Requires="p14">
       <p:transition spd="slow" p14:dur="2000" advClick="0" advTm="5000"/>
     </mc:Choice>
-    <mc:Fallback xmlns="">
+    <mc:Fallback>
       <p:transition spd="slow" advClick="0" advTm="5000"/>
     </mc:Fallback>
   </mc:AlternateContent>
@@ -13551,7 +13423,7 @@
           <p:cNvPr id="9" name="Slide Number">
             <a:extLst>
               <a:ext uri="{FF2B5EF4-FFF2-40B4-BE49-F238E27FC236}">
-                <a16:creationId xmlns:a16="http://schemas.microsoft.com/office/drawing/2014/main" id="{07901521-E17C-4BE7-B37A-E62F9A58F453}"/>
+                <a16:creationId xmlns:a16="http://schemas.microsoft.com/office/drawing/2014/main" xmlns="" id="{07901521-E17C-4BE7-B37A-E62F9A58F453}"/>
               </a:ext>
             </a:extLst>
           </p:cNvPr>
@@ -13591,18 +13463,18 @@
     </p:spTree>
     <p:extLst>
       <p:ext uri="{BB962C8B-B14F-4D97-AF65-F5344CB8AC3E}">
-        <p14:creationId xmlns:p14="http://schemas.microsoft.com/office/powerpoint/2010/main" val="3954003357"/>
+        <p14:creationId xmlns:p14="http://schemas.microsoft.com/office/powerpoint/2010/main" xmlns="" val="3954003357"/>
       </p:ext>
     </p:extLst>
   </p:cSld>
   <p:clrMapOvr>
     <a:masterClrMapping/>
   </p:clrMapOvr>
-  <mc:AlternateContent xmlns:mc="http://schemas.openxmlformats.org/markup-compatibility/2006" xmlns:p14="http://schemas.microsoft.com/office/powerpoint/2010/main">
-    <mc:Choice Requires="p14">
+  <mc:AlternateContent xmlns:mc="http://schemas.openxmlformats.org/markup-compatibility/2006">
+    <mc:Choice xmlns:p14="http://schemas.microsoft.com/office/powerpoint/2010/main" xmlns="" Requires="p14">
       <p:transition spd="slow" p14:dur="2000" advClick="0" advTm="5000"/>
     </mc:Choice>
-    <mc:Fallback xmlns="">
+    <mc:Fallback>
       <p:transition spd="slow" advClick="0" advTm="5000"/>
     </mc:Fallback>
   </mc:AlternateContent>
@@ -14482,7 +14354,7 @@
           <p:cNvPr id="22" name="Rectangle: Rounded Corners 12">
             <a:extLst>
               <a:ext uri="{FF2B5EF4-FFF2-40B4-BE49-F238E27FC236}">
-                <a16:creationId xmlns:a16="http://schemas.microsoft.com/office/drawing/2014/main" id="{78DEEA80-B426-444B-98F3-3964F9E4607C}"/>
+                <a16:creationId xmlns:a16="http://schemas.microsoft.com/office/drawing/2014/main" xmlns="" id="{78DEEA80-B426-444B-98F3-3964F9E4607C}"/>
               </a:ext>
             </a:extLst>
           </p:cNvPr>
@@ -14549,7 +14421,7 @@
           <p:cNvPr id="23" name="Rectangle: Rounded Corners 12">
             <a:extLst>
               <a:ext uri="{FF2B5EF4-FFF2-40B4-BE49-F238E27FC236}">
-                <a16:creationId xmlns:a16="http://schemas.microsoft.com/office/drawing/2014/main" id="{F9297EF3-D174-4ED7-B594-2C3D41A29471}"/>
+                <a16:creationId xmlns:a16="http://schemas.microsoft.com/office/drawing/2014/main" xmlns="" id="{F9297EF3-D174-4ED7-B594-2C3D41A29471}"/>
               </a:ext>
             </a:extLst>
           </p:cNvPr>
@@ -14616,7 +14488,7 @@
           <p:cNvPr id="24" name="Rectangle: Rounded Corners 12">
             <a:extLst>
               <a:ext uri="{FF2B5EF4-FFF2-40B4-BE49-F238E27FC236}">
-                <a16:creationId xmlns:a16="http://schemas.microsoft.com/office/drawing/2014/main" id="{9DA28A83-547E-448D-9FBA-384C606E5B39}"/>
+                <a16:creationId xmlns:a16="http://schemas.microsoft.com/office/drawing/2014/main" xmlns="" id="{9DA28A83-547E-448D-9FBA-384C606E5B39}"/>
               </a:ext>
             </a:extLst>
           </p:cNvPr>
@@ -14761,7 +14633,7 @@
           <p:cNvPr id="15" name="Slide Number">
             <a:extLst>
               <a:ext uri="{FF2B5EF4-FFF2-40B4-BE49-F238E27FC236}">
-                <a16:creationId xmlns:a16="http://schemas.microsoft.com/office/drawing/2014/main" id="{989F78BD-E7AB-41D9-B2B6-EE0FBF080A8F}"/>
+                <a16:creationId xmlns:a16="http://schemas.microsoft.com/office/drawing/2014/main" xmlns="" id="{989F78BD-E7AB-41D9-B2B6-EE0FBF080A8F}"/>
               </a:ext>
             </a:extLst>
           </p:cNvPr>
@@ -14803,7 +14675,7 @@
           <p:cNvPr id="8" name="Rectangle 7">
             <a:extLst>
               <a:ext uri="{FF2B5EF4-FFF2-40B4-BE49-F238E27FC236}">
-                <a16:creationId xmlns:a16="http://schemas.microsoft.com/office/drawing/2014/main" id="{8231D351-B874-2BE3-6985-3984F7417DE5}"/>
+                <a16:creationId xmlns:a16="http://schemas.microsoft.com/office/drawing/2014/main" xmlns="" id="{8231D351-B874-2BE3-6985-3984F7417DE5}"/>
               </a:ext>
             </a:extLst>
           </p:cNvPr>
@@ -14902,7 +14774,7 @@
           <p:cNvPr id="9" name="AutoShape 5">
             <a:extLst>
               <a:ext uri="{FF2B5EF4-FFF2-40B4-BE49-F238E27FC236}">
-                <a16:creationId xmlns:a16="http://schemas.microsoft.com/office/drawing/2014/main" id="{2503F5C9-77A2-4B60-D17B-A68499A06AA2}"/>
+                <a16:creationId xmlns:a16="http://schemas.microsoft.com/office/drawing/2014/main" xmlns="" id="{2503F5C9-77A2-4B60-D17B-A68499A06AA2}"/>
               </a:ext>
             </a:extLst>
           </p:cNvPr>
@@ -14986,7 +14858,7 @@
           <p:cNvPr id="28" name="Text Placeholder 6">
             <a:extLst>
               <a:ext uri="{FF2B5EF4-FFF2-40B4-BE49-F238E27FC236}">
-                <a16:creationId xmlns:a16="http://schemas.microsoft.com/office/drawing/2014/main" id="{65201562-F222-9774-CDA5-EAAA43FBEE5F}"/>
+                <a16:creationId xmlns:a16="http://schemas.microsoft.com/office/drawing/2014/main" xmlns="" id="{65201562-F222-9774-CDA5-EAAA43FBEE5F}"/>
               </a:ext>
             </a:extLst>
           </p:cNvPr>
@@ -15032,18 +14904,18 @@
     </p:spTree>
     <p:extLst>
       <p:ext uri="{BB962C8B-B14F-4D97-AF65-F5344CB8AC3E}">
-        <p14:creationId xmlns:p14="http://schemas.microsoft.com/office/powerpoint/2010/main" val="2413307070"/>
+        <p14:creationId xmlns:p14="http://schemas.microsoft.com/office/powerpoint/2010/main" xmlns="" val="2413307070"/>
       </p:ext>
     </p:extLst>
   </p:cSld>
   <p:clrMapOvr>
     <a:masterClrMapping/>
   </p:clrMapOvr>
-  <mc:AlternateContent xmlns:mc="http://schemas.openxmlformats.org/markup-compatibility/2006" xmlns:p14="http://schemas.microsoft.com/office/powerpoint/2010/main">
-    <mc:Choice Requires="p14">
+  <mc:AlternateContent xmlns:mc="http://schemas.openxmlformats.org/markup-compatibility/2006">
+    <mc:Choice xmlns:p14="http://schemas.microsoft.com/office/powerpoint/2010/main" xmlns="" Requires="p14">
       <p:transition spd="slow" p14:dur="2000" advClick="0" advTm="5000"/>
     </mc:Choice>
-    <mc:Fallback xmlns="">
+    <mc:Fallback>
       <p:transition spd="slow" advClick="0" advTm="5000"/>
     </mc:Fallback>
   </mc:AlternateContent>
@@ -15742,7 +15614,7 @@
           <p:cNvPr id="10242" name="Picture 2" descr="Ð¡Ð²ÑÑÐ·Ð°Ð½Ð¾ Ð¸Ð·Ð¾Ð±ÑÐ°Ð¶ÐµÐ½Ð¸Ðµ">
             <a:extLst>
               <a:ext uri="{FF2B5EF4-FFF2-40B4-BE49-F238E27FC236}">
-                <a16:creationId xmlns:a16="http://schemas.microsoft.com/office/drawing/2014/main" id="{46988513-1D55-4D43-8BD2-8B974E29494B}"/>
+                <a16:creationId xmlns:a16="http://schemas.microsoft.com/office/drawing/2014/main" xmlns="" id="{46988513-1D55-4D43-8BD2-8B974E29494B}"/>
               </a:ext>
             </a:extLst>
           </p:cNvPr>
@@ -15755,7 +15627,7 @@
           <a:blip r:embed="rId2" cstate="print">
             <a:extLst>
               <a:ext uri="{28A0092B-C50C-407E-A947-70E740481C1C}">
-                <a14:useLocalDpi xmlns:a14="http://schemas.microsoft.com/office/drawing/2010/main" val="0"/>
+                <a14:useLocalDpi xmlns:a14="http://schemas.microsoft.com/office/drawing/2010/main" xmlns="" val="0"/>
               </a:ext>
             </a:extLst>
           </a:blip>
@@ -15775,7 +15647,7 @@
           <a:noFill/>
           <a:extLst>
             <a:ext uri="{909E8E84-426E-40DD-AFC4-6F175D3DCCD1}">
-              <a14:hiddenFill xmlns:a14="http://schemas.microsoft.com/office/drawing/2010/main">
+              <a14:hiddenFill xmlns:a14="http://schemas.microsoft.com/office/drawing/2010/main" xmlns="">
                 <a:solidFill>
                   <a:srgbClr val="FFFFFF"/>
                 </a:solidFill>
@@ -15789,7 +15661,7 @@
           <p:cNvPr id="5" name="Title 4">
             <a:extLst>
               <a:ext uri="{FF2B5EF4-FFF2-40B4-BE49-F238E27FC236}">
-                <a16:creationId xmlns:a16="http://schemas.microsoft.com/office/drawing/2014/main" id="{46AEA62F-CFEC-4232-B6B2-968EF676780A}"/>
+                <a16:creationId xmlns:a16="http://schemas.microsoft.com/office/drawing/2014/main" xmlns="" id="{46AEA62F-CFEC-4232-B6B2-968EF676780A}"/>
               </a:ext>
             </a:extLst>
           </p:cNvPr>
@@ -15823,7 +15695,7 @@
           <p:cNvPr id="7" name="Subtitle 6">
             <a:extLst>
               <a:ext uri="{FF2B5EF4-FFF2-40B4-BE49-F238E27FC236}">
-                <a16:creationId xmlns:a16="http://schemas.microsoft.com/office/drawing/2014/main" id="{EC52006B-A48A-4292-BEF3-1B4B5563FBF0}"/>
+                <a16:creationId xmlns:a16="http://schemas.microsoft.com/office/drawing/2014/main" xmlns="" id="{EC52006B-A48A-4292-BEF3-1B4B5563FBF0}"/>
               </a:ext>
             </a:extLst>
           </p:cNvPr>
@@ -15859,18 +15731,18 @@
     </p:spTree>
     <p:extLst>
       <p:ext uri="{BB962C8B-B14F-4D97-AF65-F5344CB8AC3E}">
-        <p14:creationId xmlns:p14="http://schemas.microsoft.com/office/powerpoint/2010/main" val="2362600368"/>
+        <p14:creationId xmlns:p14="http://schemas.microsoft.com/office/powerpoint/2010/main" xmlns="" val="2362600368"/>
       </p:ext>
     </p:extLst>
   </p:cSld>
   <p:clrMapOvr>
     <a:masterClrMapping/>
   </p:clrMapOvr>
-  <mc:AlternateContent xmlns:mc="http://schemas.openxmlformats.org/markup-compatibility/2006" xmlns:p14="http://schemas.microsoft.com/office/powerpoint/2010/main">
-    <mc:Choice Requires="p14">
+  <mc:AlternateContent xmlns:mc="http://schemas.openxmlformats.org/markup-compatibility/2006">
+    <mc:Choice xmlns:p14="http://schemas.microsoft.com/office/powerpoint/2010/main" xmlns="" Requires="p14">
       <p:transition spd="slow" p14:dur="2000" advClick="0" advTm="5000"/>
     </mc:Choice>
-    <mc:Fallback xmlns="">
+    <mc:Fallback>
       <p:transition spd="slow" advClick="0" advTm="5000"/>
     </mc:Fallback>
   </mc:AlternateContent>
@@ -16226,7 +16098,7 @@
           <p:cNvPr id="11" name="Slide Number">
             <a:extLst>
               <a:ext uri="{FF2B5EF4-FFF2-40B4-BE49-F238E27FC236}">
-                <a16:creationId xmlns:a16="http://schemas.microsoft.com/office/drawing/2014/main" id="{58CA8A08-B2C0-470E-9C5C-ECC002C61BDB}"/>
+                <a16:creationId xmlns:a16="http://schemas.microsoft.com/office/drawing/2014/main" xmlns="" id="{58CA8A08-B2C0-470E-9C5C-ECC002C61BDB}"/>
               </a:ext>
             </a:extLst>
           </p:cNvPr>
@@ -16266,18 +16138,18 @@
     </p:spTree>
     <p:extLst>
       <p:ext uri="{BB962C8B-B14F-4D97-AF65-F5344CB8AC3E}">
-        <p14:creationId xmlns:p14="http://schemas.microsoft.com/office/powerpoint/2010/main" val="2750156806"/>
+        <p14:creationId xmlns:p14="http://schemas.microsoft.com/office/powerpoint/2010/main" xmlns="" val="2750156806"/>
       </p:ext>
     </p:extLst>
   </p:cSld>
   <p:clrMapOvr>
     <a:masterClrMapping/>
   </p:clrMapOvr>
-  <mc:AlternateContent xmlns:mc="http://schemas.openxmlformats.org/markup-compatibility/2006" xmlns:p14="http://schemas.microsoft.com/office/powerpoint/2010/main">
-    <mc:Choice Requires="p14">
+  <mc:AlternateContent xmlns:mc="http://schemas.openxmlformats.org/markup-compatibility/2006">
+    <mc:Choice xmlns:p14="http://schemas.microsoft.com/office/powerpoint/2010/main" xmlns="" Requires="p14">
       <p:transition spd="slow" p14:dur="2000" advClick="0" advTm="5000"/>
     </mc:Choice>
-    <mc:Fallback xmlns="">
+    <mc:Fallback>
       <p:transition spd="slow" advClick="0" advTm="5000"/>
     </mc:Fallback>
   </mc:AlternateContent>
@@ -16792,7 +16664,7 @@
           <p:cNvPr id="10" name="Slide Number">
             <a:extLst>
               <a:ext uri="{FF2B5EF4-FFF2-40B4-BE49-F238E27FC236}">
-                <a16:creationId xmlns:a16="http://schemas.microsoft.com/office/drawing/2014/main" id="{5090CA83-A26B-45E9-B47D-162128C93A0C}"/>
+                <a16:creationId xmlns:a16="http://schemas.microsoft.com/office/drawing/2014/main" xmlns="" id="{5090CA83-A26B-45E9-B47D-162128C93A0C}"/>
               </a:ext>
             </a:extLst>
           </p:cNvPr>
@@ -16832,18 +16704,18 @@
     </p:spTree>
     <p:extLst>
       <p:ext uri="{BB962C8B-B14F-4D97-AF65-F5344CB8AC3E}">
-        <p14:creationId xmlns:p14="http://schemas.microsoft.com/office/powerpoint/2010/main" val="551184865"/>
+        <p14:creationId xmlns:p14="http://schemas.microsoft.com/office/powerpoint/2010/main" xmlns="" val="551184865"/>
       </p:ext>
     </p:extLst>
   </p:cSld>
   <p:clrMapOvr>
     <a:masterClrMapping/>
   </p:clrMapOvr>
-  <mc:AlternateContent xmlns:mc="http://schemas.openxmlformats.org/markup-compatibility/2006" xmlns:p14="http://schemas.microsoft.com/office/powerpoint/2010/main">
-    <mc:Choice Requires="p14">
+  <mc:AlternateContent xmlns:mc="http://schemas.openxmlformats.org/markup-compatibility/2006">
+    <mc:Choice xmlns:p14="http://schemas.microsoft.com/office/powerpoint/2010/main" xmlns="" Requires="p14">
       <p:transition spd="slow" p14:dur="2000" advClick="0" advTm="5000"/>
     </mc:Choice>
-    <mc:Fallback xmlns="">
+    <mc:Fallback>
       <p:transition spd="slow" advClick="0" advTm="5000"/>
     </mc:Fallback>
   </mc:AlternateContent>
@@ -17389,7 +17261,7 @@
           <p:cNvPr id="11" name="Slide Number">
             <a:extLst>
               <a:ext uri="{FF2B5EF4-FFF2-40B4-BE49-F238E27FC236}">
-                <a16:creationId xmlns:a16="http://schemas.microsoft.com/office/drawing/2014/main" id="{B79B5F41-6D28-4ACC-9DAE-E6C35783741C}"/>
+                <a16:creationId xmlns:a16="http://schemas.microsoft.com/office/drawing/2014/main" xmlns="" id="{B79B5F41-6D28-4ACC-9DAE-E6C35783741C}"/>
               </a:ext>
             </a:extLst>
           </p:cNvPr>
@@ -17429,18 +17301,18 @@
     </p:spTree>
     <p:extLst>
       <p:ext uri="{BB962C8B-B14F-4D97-AF65-F5344CB8AC3E}">
-        <p14:creationId xmlns:p14="http://schemas.microsoft.com/office/powerpoint/2010/main" val="384246707"/>
+        <p14:creationId xmlns:p14="http://schemas.microsoft.com/office/powerpoint/2010/main" xmlns="" val="384246707"/>
       </p:ext>
     </p:extLst>
   </p:cSld>
   <p:clrMapOvr>
     <a:masterClrMapping/>
   </p:clrMapOvr>
-  <mc:AlternateContent xmlns:mc="http://schemas.openxmlformats.org/markup-compatibility/2006" xmlns:p14="http://schemas.microsoft.com/office/powerpoint/2010/main">
-    <mc:Choice Requires="p14">
+  <mc:AlternateContent xmlns:mc="http://schemas.openxmlformats.org/markup-compatibility/2006">
+    <mc:Choice xmlns:p14="http://schemas.microsoft.com/office/powerpoint/2010/main" xmlns="" Requires="p14">
       <p:transition spd="slow" p14:dur="2000" advClick="0" advTm="5000"/>
     </mc:Choice>
-    <mc:Fallback xmlns="">
+    <mc:Fallback>
       <p:transition spd="slow" advClick="0" advTm="5000"/>
     </mc:Fallback>
   </mc:AlternateContent>
@@ -17778,7 +17650,7 @@
           <p:cNvPr id="5" name="Slide Number">
             <a:extLst>
               <a:ext uri="{FF2B5EF4-FFF2-40B4-BE49-F238E27FC236}">
-                <a16:creationId xmlns:a16="http://schemas.microsoft.com/office/drawing/2014/main" id="{FF1E3A17-8C5A-4422-AF5B-95FA4E4E5574}"/>
+                <a16:creationId xmlns:a16="http://schemas.microsoft.com/office/drawing/2014/main" xmlns="" id="{FF1E3A17-8C5A-4422-AF5B-95FA4E4E5574}"/>
               </a:ext>
             </a:extLst>
           </p:cNvPr>
@@ -17906,18 +17778,18 @@
     </p:spTree>
     <p:extLst>
       <p:ext uri="{BB962C8B-B14F-4D97-AF65-F5344CB8AC3E}">
-        <p14:creationId xmlns:p14="http://schemas.microsoft.com/office/powerpoint/2010/main" val="3598650340"/>
+        <p14:creationId xmlns:p14="http://schemas.microsoft.com/office/powerpoint/2010/main" xmlns="" val="3598650340"/>
       </p:ext>
     </p:extLst>
   </p:cSld>
   <p:clrMapOvr>
     <a:masterClrMapping/>
   </p:clrMapOvr>
-  <mc:AlternateContent xmlns:mc="http://schemas.openxmlformats.org/markup-compatibility/2006" xmlns:p14="http://schemas.microsoft.com/office/powerpoint/2010/main">
-    <mc:Choice Requires="p14">
+  <mc:AlternateContent xmlns:mc="http://schemas.openxmlformats.org/markup-compatibility/2006">
+    <mc:Choice xmlns:p14="http://schemas.microsoft.com/office/powerpoint/2010/main" xmlns="" Requires="p14">
       <p:transition spd="slow" p14:dur="2000" advClick="0" advTm="5000"/>
     </mc:Choice>
-    <mc:Fallback xmlns="">
+    <mc:Fallback>
       <p:transition spd="slow" advClick="0" advTm="5000"/>
     </mc:Fallback>
   </mc:AlternateContent>
@@ -18172,7 +18044,7 @@
           <p:cNvPr id="5" name="Title 4">
             <a:extLst>
               <a:ext uri="{FF2B5EF4-FFF2-40B4-BE49-F238E27FC236}">
-                <a16:creationId xmlns:a16="http://schemas.microsoft.com/office/drawing/2014/main" id="{46AEA62F-CFEC-4232-B6B2-968EF676780A}"/>
+                <a16:creationId xmlns:a16="http://schemas.microsoft.com/office/drawing/2014/main" xmlns="" id="{46AEA62F-CFEC-4232-B6B2-968EF676780A}"/>
               </a:ext>
             </a:extLst>
           </p:cNvPr>
@@ -18214,7 +18086,7 @@
           <p:cNvPr id="7" name="Subtitle 6">
             <a:extLst>
               <a:ext uri="{FF2B5EF4-FFF2-40B4-BE49-F238E27FC236}">
-                <a16:creationId xmlns:a16="http://schemas.microsoft.com/office/drawing/2014/main" id="{EC52006B-A48A-4292-BEF3-1B4B5563FBF0}"/>
+                <a16:creationId xmlns:a16="http://schemas.microsoft.com/office/drawing/2014/main" xmlns="" id="{EC52006B-A48A-4292-BEF3-1B4B5563FBF0}"/>
               </a:ext>
             </a:extLst>
           </p:cNvPr>
@@ -18272,18 +18144,18 @@
     </p:spTree>
     <p:extLst>
       <p:ext uri="{BB962C8B-B14F-4D97-AF65-F5344CB8AC3E}">
-        <p14:creationId xmlns:p14="http://schemas.microsoft.com/office/powerpoint/2010/main" val="2362600368"/>
+        <p14:creationId xmlns:p14="http://schemas.microsoft.com/office/powerpoint/2010/main" xmlns="" val="2362600368"/>
       </p:ext>
     </p:extLst>
   </p:cSld>
   <p:clrMapOvr>
     <a:masterClrMapping/>
   </p:clrMapOvr>
-  <mc:AlternateContent xmlns:mc="http://schemas.openxmlformats.org/markup-compatibility/2006" xmlns:p14="http://schemas.microsoft.com/office/powerpoint/2010/main">
-    <mc:Choice Requires="p14">
+  <mc:AlternateContent xmlns:mc="http://schemas.openxmlformats.org/markup-compatibility/2006">
+    <mc:Choice xmlns:p14="http://schemas.microsoft.com/office/powerpoint/2010/main" xmlns="" Requires="p14">
       <p:transition spd="slow" p14:dur="2000" advClick="0" advTm="5000"/>
     </mc:Choice>
-    <mc:Fallback xmlns="">
+    <mc:Fallback>
       <p:transition spd="slow" advClick="0" advTm="5000"/>
     </mc:Fallback>
   </mc:AlternateContent>
@@ -18598,7 +18470,7 @@
           <p:cNvPr id="24" name="Rectangle: Rounded Corners 12">
             <a:extLst>
               <a:ext uri="{FF2B5EF4-FFF2-40B4-BE49-F238E27FC236}">
-                <a16:creationId xmlns:a16="http://schemas.microsoft.com/office/drawing/2014/main" id="{9DA28A83-547E-448D-9FBA-384C606E5B39}"/>
+                <a16:creationId xmlns:a16="http://schemas.microsoft.com/office/drawing/2014/main" xmlns="" id="{9DA28A83-547E-448D-9FBA-384C606E5B39}"/>
               </a:ext>
             </a:extLst>
           </p:cNvPr>
@@ -18743,7 +18615,7 @@
           <p:cNvPr id="15" name="Slide Number">
             <a:extLst>
               <a:ext uri="{FF2B5EF4-FFF2-40B4-BE49-F238E27FC236}">
-                <a16:creationId xmlns:a16="http://schemas.microsoft.com/office/drawing/2014/main" id="{989F78BD-E7AB-41D9-B2B6-EE0FBF080A8F}"/>
+                <a16:creationId xmlns:a16="http://schemas.microsoft.com/office/drawing/2014/main" xmlns="" id="{989F78BD-E7AB-41D9-B2B6-EE0FBF080A8F}"/>
               </a:ext>
             </a:extLst>
           </p:cNvPr>
@@ -18783,18 +18655,18 @@
     </p:spTree>
     <p:extLst>
       <p:ext uri="{BB962C8B-B14F-4D97-AF65-F5344CB8AC3E}">
-        <p14:creationId xmlns:p14="http://schemas.microsoft.com/office/powerpoint/2010/main" val="2413307070"/>
+        <p14:creationId xmlns:p14="http://schemas.microsoft.com/office/powerpoint/2010/main" xmlns="" val="2413307070"/>
       </p:ext>
     </p:extLst>
   </p:cSld>
   <p:clrMapOvr>
     <a:masterClrMapping/>
   </p:clrMapOvr>
-  <mc:AlternateContent xmlns:mc="http://schemas.openxmlformats.org/markup-compatibility/2006" xmlns:p14="http://schemas.microsoft.com/office/powerpoint/2010/main">
-    <mc:Choice Requires="p14">
+  <mc:AlternateContent xmlns:mc="http://schemas.openxmlformats.org/markup-compatibility/2006">
+    <mc:Choice xmlns:p14="http://schemas.microsoft.com/office/powerpoint/2010/main" xmlns="" Requires="p14">
       <p:transition spd="slow" p14:dur="2000" advClick="0" advTm="5000"/>
     </mc:Choice>
-    <mc:Fallback xmlns="">
+    <mc:Fallback>
       <p:transition spd="slow" advClick="0" advTm="5000"/>
     </mc:Fallback>
   </mc:AlternateContent>
@@ -19469,7 +19341,7 @@
           <p:cNvPr id="24" name="Rectangle: Rounded Corners 12">
             <a:extLst>
               <a:ext uri="{FF2B5EF4-FFF2-40B4-BE49-F238E27FC236}">
-                <a16:creationId xmlns:a16="http://schemas.microsoft.com/office/drawing/2014/main" id="{9DA28A83-547E-448D-9FBA-384C606E5B39}"/>
+                <a16:creationId xmlns:a16="http://schemas.microsoft.com/office/drawing/2014/main" xmlns="" id="{9DA28A83-547E-448D-9FBA-384C606E5B39}"/>
               </a:ext>
             </a:extLst>
           </p:cNvPr>
@@ -19614,7 +19486,7 @@
           <p:cNvPr id="15" name="Slide Number">
             <a:extLst>
               <a:ext uri="{FF2B5EF4-FFF2-40B4-BE49-F238E27FC236}">
-                <a16:creationId xmlns:a16="http://schemas.microsoft.com/office/drawing/2014/main" id="{989F78BD-E7AB-41D9-B2B6-EE0FBF080A8F}"/>
+                <a16:creationId xmlns:a16="http://schemas.microsoft.com/office/drawing/2014/main" xmlns="" id="{989F78BD-E7AB-41D9-B2B6-EE0FBF080A8F}"/>
               </a:ext>
             </a:extLst>
           </p:cNvPr>
@@ -19654,18 +19526,18 @@
     </p:spTree>
     <p:extLst>
       <p:ext uri="{BB962C8B-B14F-4D97-AF65-F5344CB8AC3E}">
-        <p14:creationId xmlns:p14="http://schemas.microsoft.com/office/powerpoint/2010/main" val="2413307070"/>
+        <p14:creationId xmlns:p14="http://schemas.microsoft.com/office/powerpoint/2010/main" xmlns="" val="2413307070"/>
       </p:ext>
     </p:extLst>
   </p:cSld>
   <p:clrMapOvr>
     <a:masterClrMapping/>
   </p:clrMapOvr>
-  <mc:AlternateContent xmlns:mc="http://schemas.openxmlformats.org/markup-compatibility/2006" xmlns:p14="http://schemas.microsoft.com/office/powerpoint/2010/main">
-    <mc:Choice Requires="p14">
+  <mc:AlternateContent xmlns:mc="http://schemas.openxmlformats.org/markup-compatibility/2006">
+    <mc:Choice xmlns:p14="http://schemas.microsoft.com/office/powerpoint/2010/main" xmlns="" Requires="p14">
       <p:transition spd="slow" p14:dur="2000" advClick="0" advTm="5000"/>
     </mc:Choice>
-    <mc:Fallback xmlns="">
+    <mc:Fallback>
       <p:transition spd="slow" advClick="0" advTm="5000"/>
     </mc:Fallback>
   </mc:AlternateContent>
@@ -20180,6 +20052,10 @@
               </a:rPr>
               <a:t>ред в таблицата</a:t>
             </a:r>
+            <a:r>
+              <a:rPr lang="ru-RU" dirty="0"/>
+              <a:t/>
+            </a:r>
             <a:br>
               <a:rPr lang="ru-RU" dirty="0"/>
             </a:br>
@@ -20218,11 +20094,11 @@
   <p:clrMapOvr>
     <a:masterClrMapping/>
   </p:clrMapOvr>
-  <mc:AlternateContent xmlns:mc="http://schemas.openxmlformats.org/markup-compatibility/2006" xmlns:p14="http://schemas.microsoft.com/office/powerpoint/2010/main">
-    <mc:Choice Requires="p14">
+  <mc:AlternateContent xmlns:mc="http://schemas.openxmlformats.org/markup-compatibility/2006">
+    <mc:Choice xmlns:p14="http://schemas.microsoft.com/office/powerpoint/2010/main" xmlns="" Requires="p14">
       <p:transition spd="slow" p14:dur="2000" advClick="0" advTm="5000"/>
     </mc:Choice>
-    <mc:Fallback xmlns="">
+    <mc:Fallback>
       <p:transition spd="slow" advClick="0" advTm="5000"/>
     </mc:Fallback>
   </mc:AlternateContent>
@@ -20564,6 +20440,10 @@
               </a:rPr>
               <a:t>People</a:t>
             </a:r>
+            <a:r>
+              <a:rPr lang="ru-RU" dirty="0"/>
+              <a:t/>
+            </a:r>
             <a:br>
               <a:rPr lang="ru-RU" dirty="0"/>
             </a:br>
@@ -20731,11 +20611,11 @@
   <p:clrMapOvr>
     <a:masterClrMapping/>
   </p:clrMapOvr>
-  <mc:AlternateContent xmlns:mc="http://schemas.openxmlformats.org/markup-compatibility/2006" xmlns:p14="http://schemas.microsoft.com/office/powerpoint/2010/main">
-    <mc:Choice Requires="p14">
+  <mc:AlternateContent xmlns:mc="http://schemas.openxmlformats.org/markup-compatibility/2006">
+    <mc:Choice xmlns:p14="http://schemas.microsoft.com/office/powerpoint/2010/main" xmlns="" Requires="p14">
       <p:transition spd="slow" p14:dur="2000" advClick="0" advTm="5000"/>
     </mc:Choice>
-    <mc:Fallback xmlns="">
+    <mc:Fallback>
       <p:transition spd="slow" advClick="0" advTm="5000"/>
     </mc:Fallback>
   </mc:AlternateContent>
@@ -20843,7 +20723,7 @@
           <p:cNvPr id="14" name="Text Placeholder 4">
             <a:extLst>
               <a:ext uri="{FF2B5EF4-FFF2-40B4-BE49-F238E27FC236}">
-                <a16:creationId xmlns:a16="http://schemas.microsoft.com/office/drawing/2014/main" id="{0E49D336-45B6-44D3-97C4-E28F8DEA2022}"/>
+                <a16:creationId xmlns:a16="http://schemas.microsoft.com/office/drawing/2014/main" xmlns="" id="{0E49D336-45B6-44D3-97C4-E28F8DEA2022}"/>
               </a:ext>
             </a:extLst>
           </p:cNvPr>
@@ -20968,7 +20848,7 @@
           <p:cNvPr id="9" name="Group 8">
             <a:extLst>
               <a:ext uri="{FF2B5EF4-FFF2-40B4-BE49-F238E27FC236}">
-                <a16:creationId xmlns:a16="http://schemas.microsoft.com/office/drawing/2014/main" id="{EBAFE522-EB7D-4931-A015-9A7E8A98517D}"/>
+                <a16:creationId xmlns:a16="http://schemas.microsoft.com/office/drawing/2014/main" xmlns="" id="{EBAFE522-EB7D-4931-A015-9A7E8A98517D}"/>
               </a:ext>
             </a:extLst>
           </p:cNvPr>
@@ -20988,7 +20868,7 @@
             <p:cNvPr id="10" name="Rounded Rectangle 10">
               <a:extLst>
                 <a:ext uri="{FF2B5EF4-FFF2-40B4-BE49-F238E27FC236}">
-                  <a16:creationId xmlns:a16="http://schemas.microsoft.com/office/drawing/2014/main" id="{18F78F23-3D09-4B63-8DF9-D49CFBB145EE}"/>
+                  <a16:creationId xmlns:a16="http://schemas.microsoft.com/office/drawing/2014/main" xmlns="" id="{18F78F23-3D09-4B63-8DF9-D49CFBB145EE}"/>
                 </a:ext>
               </a:extLst>
             </p:cNvPr>
@@ -21071,7 +20951,7 @@
             <p:cNvPr id="11" name="Rounded Rectangle 16">
               <a:extLst>
                 <a:ext uri="{FF2B5EF4-FFF2-40B4-BE49-F238E27FC236}">
-                  <a16:creationId xmlns:a16="http://schemas.microsoft.com/office/drawing/2014/main" id="{F12C06CE-2BBE-46C2-B718-813794C58DF9}"/>
+                  <a16:creationId xmlns:a16="http://schemas.microsoft.com/office/drawing/2014/main" xmlns="" id="{F12C06CE-2BBE-46C2-B718-813794C58DF9}"/>
                 </a:ext>
               </a:extLst>
             </p:cNvPr>
@@ -21156,7 +21036,7 @@
             <p:cNvPr id="12" name="Half Frame 11">
               <a:extLst>
                 <a:ext uri="{FF2B5EF4-FFF2-40B4-BE49-F238E27FC236}">
-                  <a16:creationId xmlns:a16="http://schemas.microsoft.com/office/drawing/2014/main" id="{66CDBB1E-AF3C-43FC-9F34-2DD691F81726}"/>
+                  <a16:creationId xmlns:a16="http://schemas.microsoft.com/office/drawing/2014/main" xmlns="" id="{66CDBB1E-AF3C-43FC-9F34-2DD691F81726}"/>
                 </a:ext>
               </a:extLst>
             </p:cNvPr>
@@ -21243,7 +21123,7 @@
           <p:cNvPr id="13" name="Picture 12">
             <a:extLst>
               <a:ext uri="{FF2B5EF4-FFF2-40B4-BE49-F238E27FC236}">
-                <a16:creationId xmlns:a16="http://schemas.microsoft.com/office/drawing/2014/main" id="{CCC3A316-993C-4741-8826-E104F27650A3}"/>
+                <a16:creationId xmlns:a16="http://schemas.microsoft.com/office/drawing/2014/main" xmlns="" id="{CCC3A316-993C-4741-8826-E104F27650A3}"/>
               </a:ext>
             </a:extLst>
           </p:cNvPr>
@@ -21256,7 +21136,7 @@
           <a:blip r:embed="rId3" cstate="print">
             <a:extLst>
               <a:ext uri="{28A0092B-C50C-407E-A947-70E740481C1C}">
-                <a14:useLocalDpi xmlns:a14="http://schemas.microsoft.com/office/drawing/2010/main" val="0"/>
+                <a14:useLocalDpi xmlns:a14="http://schemas.microsoft.com/office/drawing/2010/main" xmlns="" val="0"/>
               </a:ext>
             </a:extLst>
           </a:blip>
@@ -21278,7 +21158,7 @@
           <p:cNvPr id="15" name="Content Placeholder 4">
             <a:extLst>
               <a:ext uri="{FF2B5EF4-FFF2-40B4-BE49-F238E27FC236}">
-                <a16:creationId xmlns:a16="http://schemas.microsoft.com/office/drawing/2014/main" id="{B96A0DF8-27E7-4DC8-BBE3-7238AAAEB845}"/>
+                <a16:creationId xmlns:a16="http://schemas.microsoft.com/office/drawing/2014/main" xmlns="" id="{B96A0DF8-27E7-4DC8-BBE3-7238AAAEB845}"/>
               </a:ext>
             </a:extLst>
           </p:cNvPr>
@@ -21773,7 +21653,7 @@
           <p:cNvPr id="16" name="Slide Number">
             <a:extLst>
               <a:ext uri="{FF2B5EF4-FFF2-40B4-BE49-F238E27FC236}">
-                <a16:creationId xmlns:a16="http://schemas.microsoft.com/office/drawing/2014/main" id="{49334D44-7518-4233-8A43-DB57B354A99C}"/>
+                <a16:creationId xmlns:a16="http://schemas.microsoft.com/office/drawing/2014/main" xmlns="" id="{49334D44-7518-4233-8A43-DB57B354A99C}"/>
               </a:ext>
             </a:extLst>
           </p:cNvPr>
@@ -21813,18 +21693,18 @@
     </p:spTree>
     <p:extLst>
       <p:ext uri="{BB962C8B-B14F-4D97-AF65-F5344CB8AC3E}">
-        <p14:creationId xmlns:p14="http://schemas.microsoft.com/office/powerpoint/2010/main" val="4124786151"/>
+        <p14:creationId xmlns:p14="http://schemas.microsoft.com/office/powerpoint/2010/main" xmlns="" val="4124786151"/>
       </p:ext>
     </p:extLst>
   </p:cSld>
   <p:clrMapOvr>
     <a:masterClrMapping/>
   </p:clrMapOvr>
-  <mc:AlternateContent xmlns:mc="http://schemas.openxmlformats.org/markup-compatibility/2006" xmlns:p14="http://schemas.microsoft.com/office/powerpoint/2010/main">
-    <mc:Choice Requires="p14">
+  <mc:AlternateContent xmlns:mc="http://schemas.openxmlformats.org/markup-compatibility/2006">
+    <mc:Choice xmlns:p14="http://schemas.microsoft.com/office/powerpoint/2010/main" xmlns="" Requires="p14">
       <p:transition spd="slow" p14:dur="2000" advClick="0" advTm="5000"/>
     </mc:Choice>
-    <mc:Fallback xmlns="">
+    <mc:Fallback>
       <p:transition spd="slow" advClick="0" advTm="5000"/>
     </mc:Fallback>
   </mc:AlternateContent>
@@ -21981,7 +21861,7 @@
           <p:cNvPr id="5" name="Slide Title">
             <a:extLst>
               <a:ext uri="{FF2B5EF4-FFF2-40B4-BE49-F238E27FC236}">
-                <a16:creationId xmlns:a16="http://schemas.microsoft.com/office/drawing/2014/main" id="{FA0703FC-0F8F-4C80-A615-E4B381EC0E0C}"/>
+                <a16:creationId xmlns:a16="http://schemas.microsoft.com/office/drawing/2014/main" xmlns="" id="{FA0703FC-0F8F-4C80-A615-E4B381EC0E0C}"/>
               </a:ext>
             </a:extLst>
           </p:cNvPr>
@@ -22020,18 +21900,18 @@
     </p:spTree>
     <p:extLst>
       <p:ext uri="{BB962C8B-B14F-4D97-AF65-F5344CB8AC3E}">
-        <p14:creationId xmlns:p14="http://schemas.microsoft.com/office/powerpoint/2010/main" val="2715899688"/>
+        <p14:creationId xmlns:p14="http://schemas.microsoft.com/office/powerpoint/2010/main" xmlns="" val="2715899688"/>
       </p:ext>
     </p:extLst>
   </p:cSld>
   <p:clrMapOvr>
     <a:masterClrMapping/>
   </p:clrMapOvr>
-  <mc:AlternateContent xmlns:mc="http://schemas.openxmlformats.org/markup-compatibility/2006" xmlns:p14="http://schemas.microsoft.com/office/powerpoint/2010/main">
-    <mc:Choice Requires="p14">
+  <mc:AlternateContent xmlns:mc="http://schemas.openxmlformats.org/markup-compatibility/2006">
+    <mc:Choice xmlns:p14="http://schemas.microsoft.com/office/powerpoint/2010/main" xmlns="" Requires="p14">
       <p:transition spd="slow" p14:dur="2000" advClick="0" advTm="5000"/>
     </mc:Choice>
-    <mc:Fallback xmlns="">
+    <mc:Fallback>
       <p:transition spd="slow" advClick="0" advTm="5000"/>
     </mc:Fallback>
   </mc:AlternateContent>
@@ -22060,7 +21940,7 @@
           <p:cNvPr id="5" name="Slide Number">
             <a:extLst>
               <a:ext uri="{FF2B5EF4-FFF2-40B4-BE49-F238E27FC236}">
-                <a16:creationId xmlns:a16="http://schemas.microsoft.com/office/drawing/2014/main" id="{F48C3C93-90A1-4D31-BEA6-B54D1106CE31}"/>
+                <a16:creationId xmlns:a16="http://schemas.microsoft.com/office/drawing/2014/main" xmlns="" id="{F48C3C93-90A1-4D31-BEA6-B54D1106CE31}"/>
               </a:ext>
             </a:extLst>
           </p:cNvPr>
@@ -22102,7 +21982,7 @@
           <p:cNvPr id="2" name="Slide Body">
             <a:extLst>
               <a:ext uri="{FF2B5EF4-FFF2-40B4-BE49-F238E27FC236}">
-                <a16:creationId xmlns:a16="http://schemas.microsoft.com/office/drawing/2014/main" id="{980F49B1-E4BE-4389-A747-7AB9B71AD920}"/>
+                <a16:creationId xmlns:a16="http://schemas.microsoft.com/office/drawing/2014/main" xmlns="" id="{980F49B1-E4BE-4389-A747-7AB9B71AD920}"/>
               </a:ext>
             </a:extLst>
           </p:cNvPr>
@@ -22236,7 +22116,7 @@
           <p:cNvPr id="6" name="Picture License" descr="License">
             <a:extLst>
               <a:ext uri="{FF2B5EF4-FFF2-40B4-BE49-F238E27FC236}">
-                <a16:creationId xmlns:a16="http://schemas.microsoft.com/office/drawing/2014/main" id="{A10A2585-858C-4B1E-8846-27CF1C15729E}"/>
+                <a16:creationId xmlns:a16="http://schemas.microsoft.com/office/drawing/2014/main" xmlns="" id="{A10A2585-858C-4B1E-8846-27CF1C15729E}"/>
               </a:ext>
             </a:extLst>
           </p:cNvPr>
@@ -22277,7 +22157,7 @@
           <p:cNvPr id="3" name="Slide Title">
             <a:extLst>
               <a:ext uri="{FF2B5EF4-FFF2-40B4-BE49-F238E27FC236}">
-                <a16:creationId xmlns:a16="http://schemas.microsoft.com/office/drawing/2014/main" id="{E5F1FB41-80C3-4816-BC47-CCC50632E6E8}"/>
+                <a16:creationId xmlns:a16="http://schemas.microsoft.com/office/drawing/2014/main" xmlns="" id="{E5F1FB41-80C3-4816-BC47-CCC50632E6E8}"/>
               </a:ext>
             </a:extLst>
           </p:cNvPr>
@@ -22303,18 +22183,18 @@
     </p:spTree>
     <p:extLst>
       <p:ext uri="{BB962C8B-B14F-4D97-AF65-F5344CB8AC3E}">
-        <p14:creationId xmlns:p14="http://schemas.microsoft.com/office/powerpoint/2010/main" val="3506533871"/>
+        <p14:creationId xmlns:p14="http://schemas.microsoft.com/office/powerpoint/2010/main" xmlns="" val="3506533871"/>
       </p:ext>
     </p:extLst>
   </p:cSld>
   <p:clrMapOvr>
     <a:masterClrMapping/>
   </p:clrMapOvr>
-  <mc:AlternateContent xmlns:mc="http://schemas.openxmlformats.org/markup-compatibility/2006" xmlns:p14="http://schemas.microsoft.com/office/powerpoint/2010/main">
-    <mc:Choice Requires="p14">
+  <mc:AlternateContent xmlns:mc="http://schemas.openxmlformats.org/markup-compatibility/2006">
+    <mc:Choice xmlns:p14="http://schemas.microsoft.com/office/powerpoint/2010/main" xmlns="" Requires="p14">
       <p:transition spd="slow" p14:dur="2000" advClick="0" advTm="5000"/>
     </mc:Choice>
-    <mc:Fallback xmlns="">
+    <mc:Fallback>
       <p:transition spd="slow" advClick="0" advTm="5000"/>
     </mc:Fallback>
   </mc:AlternateContent>
@@ -22343,7 +22223,7 @@
           <p:cNvPr id="3" name="Subtitle 2">
             <a:extLst>
               <a:ext uri="{FF2B5EF4-FFF2-40B4-BE49-F238E27FC236}">
-                <a16:creationId xmlns:a16="http://schemas.microsoft.com/office/drawing/2014/main" id="{E0EE4983-76F6-E52B-3E62-5F9BC9E1F013}"/>
+                <a16:creationId xmlns:a16="http://schemas.microsoft.com/office/drawing/2014/main" xmlns="" id="{E0EE4983-76F6-E52B-3E62-5F9BC9E1F013}"/>
               </a:ext>
             </a:extLst>
           </p:cNvPr>
@@ -22363,7 +22243,7 @@
               <a:rPr lang="bg-BG" dirty="0"/>
               <a:t>Същност и архитектура</a:t>
             </a:r>
-            <a:endParaRPr lang="en-BG" dirty="0"/>
+            <a:endParaRPr lang="x-none" dirty="0"/>
           </a:p>
         </p:txBody>
       </p:sp>
@@ -22372,7 +22252,7 @@
           <p:cNvPr id="4" name="Title 3">
             <a:extLst>
               <a:ext uri="{FF2B5EF4-FFF2-40B4-BE49-F238E27FC236}">
-                <a16:creationId xmlns:a16="http://schemas.microsoft.com/office/drawing/2014/main" id="{E4F3E9F4-6ACF-4AA0-BDD8-04B1E4F9E23C}"/>
+                <a16:creationId xmlns:a16="http://schemas.microsoft.com/office/drawing/2014/main" xmlns="" id="{E4F3E9F4-6ACF-4AA0-BDD8-04B1E4F9E23C}"/>
               </a:ext>
             </a:extLst>
           </p:cNvPr>
@@ -22410,7 +22290,7 @@
           <p:cNvPr id="6" name="Picture 4" descr="Ð ÐµÐ·ÑÐ»ÑÐ°Ñ Ñ Ð¸Ð·Ð¾Ð±ÑÐ°Ð¶ÐµÐ½Ð¸Ðµ Ð·Ð° sql server express png">
             <a:extLst>
               <a:ext uri="{FF2B5EF4-FFF2-40B4-BE49-F238E27FC236}">
-                <a16:creationId xmlns:a16="http://schemas.microsoft.com/office/drawing/2014/main" id="{ABA81264-79EA-4C61-B859-F609E78C6876}"/>
+                <a16:creationId xmlns:a16="http://schemas.microsoft.com/office/drawing/2014/main" xmlns="" id="{ABA81264-79EA-4C61-B859-F609E78C6876}"/>
               </a:ext>
             </a:extLst>
           </p:cNvPr>
@@ -22423,7 +22303,7 @@
           <a:blip r:embed="rId2" cstate="print">
             <a:extLst>
               <a:ext uri="{28A0092B-C50C-407E-A947-70E740481C1C}">
-                <a14:useLocalDpi xmlns:a14="http://schemas.microsoft.com/office/drawing/2010/main" val="0"/>
+                <a14:useLocalDpi xmlns:a14="http://schemas.microsoft.com/office/drawing/2010/main" xmlns="" val="0"/>
               </a:ext>
             </a:extLst>
           </a:blip>
@@ -22443,7 +22323,7 @@
           <a:noFill/>
           <a:extLst>
             <a:ext uri="{909E8E84-426E-40DD-AFC4-6F175D3DCCD1}">
-              <a14:hiddenFill xmlns:a14="http://schemas.microsoft.com/office/drawing/2010/main">
+              <a14:hiddenFill xmlns:a14="http://schemas.microsoft.com/office/drawing/2010/main" xmlns="">
                 <a:solidFill>
                   <a:srgbClr val="FFFFFF"/>
                 </a:solidFill>
@@ -22455,18 +22335,18 @@
     </p:spTree>
     <p:extLst>
       <p:ext uri="{BB962C8B-B14F-4D97-AF65-F5344CB8AC3E}">
-        <p14:creationId xmlns:p14="http://schemas.microsoft.com/office/powerpoint/2010/main" val="1168179714"/>
+        <p14:creationId xmlns:p14="http://schemas.microsoft.com/office/powerpoint/2010/main" xmlns="" val="1168179714"/>
       </p:ext>
     </p:extLst>
   </p:cSld>
   <p:clrMapOvr>
     <a:masterClrMapping/>
   </p:clrMapOvr>
-  <mc:AlternateContent xmlns:mc="http://schemas.openxmlformats.org/markup-compatibility/2006" xmlns:p14="http://schemas.microsoft.com/office/powerpoint/2010/main">
-    <mc:Choice Requires="p14">
+  <mc:AlternateContent xmlns:mc="http://schemas.openxmlformats.org/markup-compatibility/2006">
+    <mc:Choice xmlns:p14="http://schemas.microsoft.com/office/powerpoint/2010/main" xmlns="" Requires="p14">
       <p:transition spd="slow" p14:dur="2000" advClick="0" advTm="5000"/>
     </mc:Choice>
-    <mc:Fallback xmlns="">
+    <mc:Fallback>
       <p:transition spd="slow" advClick="0" advTm="5000"/>
     </mc:Fallback>
   </mc:AlternateContent>
@@ -22643,6 +22523,10 @@
               <a:rPr lang="bg-BG" sz="3400" dirty="0"/>
               <a:t> </a:t>
             </a:r>
+            <a:r>
+              <a:rPr lang="ru-RU" dirty="0"/>
+              <a:t/>
+            </a:r>
             <a:br>
               <a:rPr lang="ru-RU" dirty="0"/>
             </a:br>
@@ -22677,7 +22561,7 @@
           <p:cNvPr id="5" name="Picture 4" descr="Ð ÐµÐ·ÑÐ»ÑÐ°Ñ Ñ Ð¸Ð·Ð¾Ð±ÑÐ°Ð¶ÐµÐ½Ð¸Ðµ Ð·Ð° sql server express png">
             <a:extLst>
               <a:ext uri="{FF2B5EF4-FFF2-40B4-BE49-F238E27FC236}">
-                <a16:creationId xmlns:a16="http://schemas.microsoft.com/office/drawing/2014/main" id="{ABA81264-79EA-4C61-B859-F609E78C6876}"/>
+                <a16:creationId xmlns:a16="http://schemas.microsoft.com/office/drawing/2014/main" xmlns="" id="{ABA81264-79EA-4C61-B859-F609E78C6876}"/>
               </a:ext>
             </a:extLst>
           </p:cNvPr>
@@ -22690,7 +22574,7 @@
           <a:blip r:embed="rId2" cstate="print">
             <a:extLst>
               <a:ext uri="{28A0092B-C50C-407E-A947-70E740481C1C}">
-                <a14:useLocalDpi xmlns:a14="http://schemas.microsoft.com/office/drawing/2010/main" val="0"/>
+                <a14:useLocalDpi xmlns:a14="http://schemas.microsoft.com/office/drawing/2010/main" xmlns="" val="0"/>
               </a:ext>
             </a:extLst>
           </a:blip>
@@ -22710,7 +22594,7 @@
           <a:noFill/>
           <a:extLst>
             <a:ext uri="{909E8E84-426E-40DD-AFC4-6F175D3DCCD1}">
-              <a14:hiddenFill xmlns:a14="http://schemas.microsoft.com/office/drawing/2010/main">
+              <a14:hiddenFill xmlns:a14="http://schemas.microsoft.com/office/drawing/2010/main" xmlns="">
                 <a:solidFill>
                   <a:srgbClr val="FFFFFF"/>
                 </a:solidFill>
@@ -22724,11 +22608,11 @@
   <p:clrMapOvr>
     <a:masterClrMapping/>
   </p:clrMapOvr>
-  <mc:AlternateContent xmlns:mc="http://schemas.openxmlformats.org/markup-compatibility/2006" xmlns:p14="http://schemas.microsoft.com/office/powerpoint/2010/main">
-    <mc:Choice Requires="p14">
+  <mc:AlternateContent xmlns:mc="http://schemas.openxmlformats.org/markup-compatibility/2006">
+    <mc:Choice xmlns:p14="http://schemas.microsoft.com/office/powerpoint/2010/main" xmlns="" Requires="p14">
       <p:transition spd="slow" p14:dur="2000" advClick="0" advTm="5000"/>
     </mc:Choice>
-    <mc:Fallback xmlns="">
+    <mc:Fallback>
       <p:transition spd="slow" advClick="0" advTm="5000"/>
     </mc:Fallback>
   </mc:AlternateContent>
@@ -23624,7 +23508,7 @@
               </a:duotone>
               <a:extLst>
                 <a:ext uri="{28A0092B-C50C-407E-A947-70E740481C1C}">
-                  <a14:useLocalDpi xmlns:a14="http://schemas.microsoft.com/office/drawing/2010/main" val="0"/>
+                  <a14:useLocalDpi xmlns:a14="http://schemas.microsoft.com/office/drawing/2010/main" xmlns="" val="0"/>
                 </a:ext>
               </a:extLst>
             </a:blip>
@@ -23892,7 +23776,7 @@
           <p:cNvPr id="3" name="Group 6">
             <a:extLst>
               <a:ext uri="{FF2B5EF4-FFF2-40B4-BE49-F238E27FC236}">
-                <a16:creationId xmlns:a16="http://schemas.microsoft.com/office/drawing/2014/main" id="{447E87EA-BCFB-41EF-B5B2-6BB6109E767F}"/>
+                <a16:creationId xmlns:a16="http://schemas.microsoft.com/office/drawing/2014/main" xmlns="" id="{447E87EA-BCFB-41EF-B5B2-6BB6109E767F}"/>
               </a:ext>
             </a:extLst>
           </p:cNvPr>
@@ -24321,7 +24205,7 @@
           <p:cNvPr id="16" name="Group 2">
             <a:extLst>
               <a:ext uri="{FF2B5EF4-FFF2-40B4-BE49-F238E27FC236}">
-                <a16:creationId xmlns:a16="http://schemas.microsoft.com/office/drawing/2014/main" id="{C5DCFAD8-0451-4DFD-BC3E-C11FC2EDAC46}"/>
+                <a16:creationId xmlns:a16="http://schemas.microsoft.com/office/drawing/2014/main" xmlns="" id="{C5DCFAD8-0451-4DFD-BC3E-C11FC2EDAC46}"/>
               </a:ext>
             </a:extLst>
           </p:cNvPr>
@@ -24750,7 +24634,7 @@
           <p:cNvPr id="48" name="Slide Number">
             <a:extLst>
               <a:ext uri="{FF2B5EF4-FFF2-40B4-BE49-F238E27FC236}">
-                <a16:creationId xmlns:a16="http://schemas.microsoft.com/office/drawing/2014/main" id="{F76F4279-450A-4D1F-9420-6E7F359392ED}"/>
+                <a16:creationId xmlns:a16="http://schemas.microsoft.com/office/drawing/2014/main" xmlns="" id="{F76F4279-450A-4D1F-9420-6E7F359392ED}"/>
               </a:ext>
             </a:extLst>
           </p:cNvPr>
@@ -24790,18 +24674,18 @@
     </p:spTree>
     <p:extLst>
       <p:ext uri="{BB962C8B-B14F-4D97-AF65-F5344CB8AC3E}">
-        <p14:creationId xmlns:p14="http://schemas.microsoft.com/office/powerpoint/2010/main" val="1923419082"/>
+        <p14:creationId xmlns:p14="http://schemas.microsoft.com/office/powerpoint/2010/main" xmlns="" val="1923419082"/>
       </p:ext>
     </p:extLst>
   </p:cSld>
   <p:clrMapOvr>
     <a:masterClrMapping/>
   </p:clrMapOvr>
-  <mc:AlternateContent xmlns:mc="http://schemas.openxmlformats.org/markup-compatibility/2006" xmlns:p14="http://schemas.microsoft.com/office/powerpoint/2010/main">
-    <mc:Choice Requires="p14">
+  <mc:AlternateContent xmlns:mc="http://schemas.openxmlformats.org/markup-compatibility/2006">
+    <mc:Choice xmlns:p14="http://schemas.microsoft.com/office/powerpoint/2010/main" xmlns="" Requires="p14">
       <p:transition spd="slow" p14:dur="2000" advClick="0" advTm="5000"/>
     </mc:Choice>
-    <mc:Fallback xmlns="">
+    <mc:Fallback>
       <p:transition spd="slow" advClick="0" advTm="5000"/>
     </mc:Fallback>
   </mc:AlternateContent>
@@ -25883,7 +25767,7 @@
           <p:cNvPr id="9" name="Rectangle 8">
             <a:extLst>
               <a:ext uri="{FF2B5EF4-FFF2-40B4-BE49-F238E27FC236}">
-                <a16:creationId xmlns:a16="http://schemas.microsoft.com/office/drawing/2014/main" id="{97CE8279-8978-43DA-A6D8-EB1EE60D5BC8}"/>
+                <a16:creationId xmlns:a16="http://schemas.microsoft.com/office/drawing/2014/main" xmlns="" id="{97CE8279-8978-43DA-A6D8-EB1EE60D5BC8}"/>
               </a:ext>
             </a:extLst>
           </p:cNvPr>
@@ -25963,7 +25847,7 @@
           <p:cNvPr id="2050" name="Picture 2" descr="Ð¡Ð²ÑÑÐ·Ð°Ð½Ð¾ Ð¸Ð·Ð¾Ð±ÑÐ°Ð¶ÐµÐ½Ð¸Ðµ">
             <a:extLst>
               <a:ext uri="{FF2B5EF4-FFF2-40B4-BE49-F238E27FC236}">
-                <a16:creationId xmlns:a16="http://schemas.microsoft.com/office/drawing/2014/main" id="{4A5589C9-8CEE-4CF9-8B7F-961360A123F1}"/>
+                <a16:creationId xmlns:a16="http://schemas.microsoft.com/office/drawing/2014/main" xmlns="" id="{4A5589C9-8CEE-4CF9-8B7F-961360A123F1}"/>
               </a:ext>
             </a:extLst>
           </p:cNvPr>
@@ -25976,7 +25860,7 @@
           <a:blip r:embed="rId4" cstate="print">
             <a:extLst>
               <a:ext uri="{28A0092B-C50C-407E-A947-70E740481C1C}">
-                <a14:useLocalDpi xmlns:a14="http://schemas.microsoft.com/office/drawing/2010/main" val="0"/>
+                <a14:useLocalDpi xmlns:a14="http://schemas.microsoft.com/office/drawing/2010/main" xmlns="" val="0"/>
               </a:ext>
             </a:extLst>
           </a:blip>
@@ -25996,7 +25880,7 @@
           <a:noFill/>
           <a:extLst>
             <a:ext uri="{909E8E84-426E-40DD-AFC4-6F175D3DCCD1}">
-              <a14:hiddenFill xmlns:a14="http://schemas.microsoft.com/office/drawing/2010/main">
+              <a14:hiddenFill xmlns:a14="http://schemas.microsoft.com/office/drawing/2010/main" xmlns="">
                 <a:solidFill>
                   <a:srgbClr val="FFFFFF"/>
                 </a:solidFill>
@@ -26010,7 +25894,7 @@
           <p:cNvPr id="2052" name="Picture 4" descr="Ð ÐµÐ·ÑÐ»ÑÐ°Ñ Ñ Ð¸Ð·Ð¾Ð±ÑÐ°Ð¶ÐµÐ½Ð¸Ðµ Ð·Ð° sql server express png">
             <a:extLst>
               <a:ext uri="{FF2B5EF4-FFF2-40B4-BE49-F238E27FC236}">
-                <a16:creationId xmlns:a16="http://schemas.microsoft.com/office/drawing/2014/main" id="{ABA81264-79EA-4C61-B859-F609E78C6876}"/>
+                <a16:creationId xmlns:a16="http://schemas.microsoft.com/office/drawing/2014/main" xmlns="" id="{ABA81264-79EA-4C61-B859-F609E78C6876}"/>
               </a:ext>
             </a:extLst>
           </p:cNvPr>
@@ -26023,7 +25907,7 @@
           <a:blip r:embed="rId5" cstate="print">
             <a:extLst>
               <a:ext uri="{28A0092B-C50C-407E-A947-70E740481C1C}">
-                <a14:useLocalDpi xmlns:a14="http://schemas.microsoft.com/office/drawing/2010/main" val="0"/>
+                <a14:useLocalDpi xmlns:a14="http://schemas.microsoft.com/office/drawing/2010/main" xmlns="" val="0"/>
               </a:ext>
             </a:extLst>
           </a:blip>
@@ -26043,7 +25927,7 @@
           <a:noFill/>
           <a:extLst>
             <a:ext uri="{909E8E84-426E-40DD-AFC4-6F175D3DCCD1}">
-              <a14:hiddenFill xmlns:a14="http://schemas.microsoft.com/office/drawing/2010/main">
+              <a14:hiddenFill xmlns:a14="http://schemas.microsoft.com/office/drawing/2010/main" xmlns="">
                 <a:solidFill>
                   <a:srgbClr val="FFFFFF"/>
                 </a:solidFill>
@@ -26057,7 +25941,7 @@
           <p:cNvPr id="11" name="Slide Number">
             <a:extLst>
               <a:ext uri="{FF2B5EF4-FFF2-40B4-BE49-F238E27FC236}">
-                <a16:creationId xmlns:a16="http://schemas.microsoft.com/office/drawing/2014/main" id="{9120B65B-9FAF-44C8-BB79-128A556DF58A}"/>
+                <a16:creationId xmlns:a16="http://schemas.microsoft.com/office/drawing/2014/main" xmlns="" id="{9120B65B-9FAF-44C8-BB79-128A556DF58A}"/>
               </a:ext>
             </a:extLst>
           </p:cNvPr>
@@ -26097,7 +25981,7 @@
     </p:spTree>
     <p:extLst>
       <p:ext uri="{BB962C8B-B14F-4D97-AF65-F5344CB8AC3E}">
-        <p14:creationId xmlns:p14="http://schemas.microsoft.com/office/powerpoint/2010/main" val="3786857649"/>
+        <p14:creationId xmlns:p14="http://schemas.microsoft.com/office/powerpoint/2010/main" xmlns="" val="3786857649"/>
       </p:ext>
     </p:extLst>
   </p:cSld>
@@ -26354,6 +26238,10 @@
             </a:r>
           </a:p>
           <a:p>
+            <a:r>
+              <a:rPr lang="ru-RU" sz="3200" dirty="0"/>
+              <a:t/>
+            </a:r>
             <a:br>
               <a:rPr lang="ru-RU" sz="3200" dirty="0"/>
             </a:br>
@@ -26488,11 +26376,11 @@
   <p:clrMapOvr>
     <a:masterClrMapping/>
   </p:clrMapOvr>
-  <mc:AlternateContent xmlns:mc="http://schemas.openxmlformats.org/markup-compatibility/2006" xmlns:p14="http://schemas.microsoft.com/office/powerpoint/2010/main">
-    <mc:Choice Requires="p14">
+  <mc:AlternateContent xmlns:mc="http://schemas.openxmlformats.org/markup-compatibility/2006">
+    <mc:Choice xmlns:p14="http://schemas.microsoft.com/office/powerpoint/2010/main" xmlns="" Requires="p14">
       <p:transition spd="slow" p14:dur="2000" advClick="0" advTm="5000"/>
     </mc:Choice>
-    <mc:Fallback xmlns="">
+    <mc:Fallback>
       <p:transition spd="slow" advClick="0" advTm="5000"/>
     </mc:Fallback>
   </mc:AlternateContent>
@@ -26897,34 +26785,41 @@
             </a:pPr>
             <a:r>
               <a:rPr lang="bg-BG" sz="3600" dirty="0"/>
-              <a:t>Работи в процес с приложението и </a:t>
-            </a:r>
-            <a:r>
-              <a:rPr lang="bg-BG" sz="3600" dirty="0">
-                <a:highlight>
-                  <a:srgbClr val="FFFF00"/>
-                </a:highlight>
+              <a:t>Работи в процес с </a:t>
+            </a:r>
+            <a:r>
+              <a:rPr lang="bg-BG" sz="3600" dirty="0" smtClean="0"/>
+              <a:t>приложението</a:t>
+            </a:r>
+          </a:p>
+          <a:p>
+            <a:pPr>
+              <a:lnSpc>
+                <a:spcPct val="125000"/>
+              </a:lnSpc>
+              <a:buClr>
+                <a:schemeClr val="tx1"/>
+              </a:buClr>
+            </a:pPr>
+            <a:r>
+              <a:rPr lang="ru-RU" sz="3600" dirty="0" smtClean="0"/>
+              <a:t>Функционира практически без </a:t>
+            </a:r>
+            <a:r>
+              <a:rPr lang="bg-BG" sz="3600" b="1" dirty="0" smtClean="0">
+                <a:solidFill>
+                  <a:schemeClr val="bg1"/>
+                </a:solidFill>
               </a:rPr>
-              <a:t>изисква </a:t>
-            </a:r>
-            <a:r>
-              <a:rPr lang="bg-BG" sz="3600" b="1" dirty="0">
-                <a:solidFill>
-                  <a:schemeClr val="bg1"/>
-                </a:solidFill>
-                <a:highlight>
-                  <a:srgbClr val="FFFF00"/>
-                </a:highlight>
-              </a:rPr>
-              <a:t>минимална </a:t>
-            </a:r>
-            <a:r>
-              <a:rPr lang="bg-BG" sz="3600" dirty="0">
-                <a:highlight>
-                  <a:srgbClr val="FFFF00"/>
-                </a:highlight>
-              </a:rPr>
-              <a:t>настройка и конфигурация</a:t>
+              <a:t>допълнителни </a:t>
+            </a:r>
+            <a:r>
+              <a:rPr lang="ru-RU" sz="3600" dirty="0" smtClean="0"/>
+              <a:t>настройки </a:t>
+            </a:r>
+            <a:r>
+              <a:rPr lang="ru-RU" sz="3600" dirty="0" smtClean="0"/>
+              <a:t>и конфигурации</a:t>
             </a:r>
             <a:endParaRPr lang="en-US" sz="3600" dirty="0">
               <a:highlight>
@@ -26956,111 +26851,16 @@
           </a:p>
         </p:txBody>
       </p:sp>
-      <p:sp>
-        <p:nvSpPr>
-          <p:cNvPr id="7" name="Rounded Rectangular Callout 6">
-            <a:extLst>
-              <a:ext uri="{FF2B5EF4-FFF2-40B4-BE49-F238E27FC236}">
-                <a16:creationId xmlns:a16="http://schemas.microsoft.com/office/drawing/2014/main" id="{D47A98DB-89C8-A7EB-B631-C8223EDE4AFA}"/>
-              </a:ext>
-            </a:extLst>
-          </p:cNvPr>
-          <p:cNvSpPr/>
-          <p:nvPr/>
-        </p:nvSpPr>
-        <p:spPr bwMode="auto">
-          <a:xfrm>
-            <a:off x="6996000" y="4787276"/>
-            <a:ext cx="4433747" cy="2070000"/>
-          </a:xfrm>
-          <a:prstGeom prst="wedgeRoundRectCallout">
-            <a:avLst>
-              <a:gd name="adj1" fmla="val -21853"/>
-              <a:gd name="adj2" fmla="val 50419"/>
-              <a:gd name="adj3" fmla="val 16667"/>
-            </a:avLst>
-          </a:prstGeom>
-          <a:ln/>
-        </p:spPr>
-        <p:style>
-          <a:lnRef idx="2">
-            <a:schemeClr val="accent2"/>
-          </a:lnRef>
-          <a:fillRef idx="1">
-            <a:schemeClr val="lt1"/>
-          </a:fillRef>
-          <a:effectRef idx="0">
-            <a:schemeClr val="accent2"/>
-          </a:effectRef>
-          <a:fontRef idx="minor">
-            <a:schemeClr val="dk1"/>
-          </a:fontRef>
-        </p:style>
-        <p:txBody>
-          <a:bodyPr rot="0" spcFirstLastPara="0" vertOverflow="overflow" horzOverflow="overflow" vert="horz" wrap="square" lIns="91440" tIns="45720" rIns="91440" bIns="45720" numCol="1" spcCol="0" rtlCol="0" fromWordArt="0" anchor="ctr" anchorCtr="0" forceAA="0" compatLnSpc="1">
-            <a:prstTxWarp prst="textNoShape">
-              <a:avLst/>
-            </a:prstTxWarp>
-            <a:noAutofit/>
-          </a:bodyPr>
-          <a:lstStyle/>
-          <a:p>
-            <a:pPr algn="ctr"/>
-            <a:r>
-              <a:rPr lang="en-BG" sz="3600" b="1" dirty="0">
-                <a:solidFill>
-                  <a:srgbClr val="FFFFFF"/>
-                </a:solidFill>
-                <a:effectLst>
-                  <a:outerShdw blurRad="38100" dist="38100" dir="2700000" algn="tl">
-                    <a:srgbClr val="000000">
-                      <a:alpha val="43137"/>
-                    </a:srgbClr>
-                  </a:outerShdw>
-                </a:effectLst>
-              </a:rPr>
-              <a:t>TODO: </a:t>
-            </a:r>
-            <a:r>
-              <a:rPr lang="bg-BG" sz="3600" b="1" dirty="0">
-                <a:solidFill>
-                  <a:srgbClr val="FFFFFF"/>
-                </a:solidFill>
-                <a:effectLst>
-                  <a:outerShdw blurRad="38100" dist="38100" dir="2700000" algn="tl">
-                    <a:srgbClr val="000000">
-                      <a:alpha val="43137"/>
-                    </a:srgbClr>
-                  </a:outerShdw>
-                </a:effectLst>
-              </a:rPr>
-              <a:t>да се смени инфото</a:t>
-            </a:r>
-            <a:endParaRPr lang="en-BG" sz="3600" b="1" dirty="0">
-              <a:solidFill>
-                <a:srgbClr val="FFFFFF"/>
-              </a:solidFill>
-              <a:effectLst>
-                <a:outerShdw blurRad="38100" dist="38100" dir="2700000" algn="tl">
-                  <a:srgbClr val="000000">
-                    <a:alpha val="43137"/>
-                  </a:srgbClr>
-                </a:outerShdw>
-              </a:effectLst>
-            </a:endParaRPr>
-          </a:p>
-        </p:txBody>
-      </p:sp>
     </p:spTree>
   </p:cSld>
   <p:clrMapOvr>
     <a:masterClrMapping/>
   </p:clrMapOvr>
-  <mc:AlternateContent xmlns:mc="http://schemas.openxmlformats.org/markup-compatibility/2006" xmlns:p14="http://schemas.microsoft.com/office/powerpoint/2010/main">
-    <mc:Choice Requires="p14">
+  <mc:AlternateContent xmlns:mc="http://schemas.openxmlformats.org/markup-compatibility/2006">
+    <mc:Choice xmlns:p14="http://schemas.microsoft.com/office/powerpoint/2010/main" xmlns="" Requires="p14">
       <p:transition spd="slow" p14:dur="2000" advClick="0" advTm="5000"/>
     </mc:Choice>
-    <mc:Fallback xmlns="">
+    <mc:Fallback>
       <p:transition spd="slow" advClick="0" advTm="5000"/>
     </mc:Fallback>
   </mc:AlternateContent>
@@ -27170,6 +26970,55 @@
                       </p:childTnLst>
                     </p:cTn>
                   </p:par>
+                  <p:par>
+                    <p:cTn id="11" fill="hold">
+                      <p:stCondLst>
+                        <p:cond delay="indefinite"/>
+                      </p:stCondLst>
+                      <p:childTnLst>
+                        <p:par>
+                          <p:cTn id="12" fill="hold">
+                            <p:stCondLst>
+                              <p:cond delay="0"/>
+                            </p:stCondLst>
+                            <p:childTnLst>
+                              <p:par>
+                                <p:cTn id="13" presetID="1" presetClass="entr" presetSubtype="0" fill="hold" nodeType="clickEffect">
+                                  <p:stCondLst>
+                                    <p:cond delay="0"/>
+                                  </p:stCondLst>
+                                  <p:childTnLst>
+                                    <p:set>
+                                      <p:cBhvr>
+                                        <p:cTn id="14" dur="1" fill="hold">
+                                          <p:stCondLst>
+                                            <p:cond delay="0"/>
+                                          </p:stCondLst>
+                                        </p:cTn>
+                                        <p:tgtEl>
+                                          <p:spTgt spid="3">
+                                            <p:txEl>
+                                              <p:pRg st="3" end="3"/>
+                                            </p:txEl>
+                                          </p:spTgt>
+                                        </p:tgtEl>
+                                        <p:attrNameLst>
+                                          <p:attrName>style.visibility</p:attrName>
+                                        </p:attrNameLst>
+                                      </p:cBhvr>
+                                      <p:to>
+                                        <p:strVal val="visible"/>
+                                      </p:to>
+                                    </p:set>
+                                  </p:childTnLst>
+                                </p:cTn>
+                              </p:par>
+                            </p:childTnLst>
+                          </p:cTn>
+                        </p:par>
+                      </p:childTnLst>
+                    </p:cTn>
+                  </p:par>
                 </p:childTnLst>
               </p:cTn>
               <p:prevCondLst>
@@ -27375,7 +27224,7 @@
           <p:cNvPr id="8" name="Picture 7" descr="A logo of a microsoft server&#10;&#10;Description automatically generated">
             <a:extLst>
               <a:ext uri="{FF2B5EF4-FFF2-40B4-BE49-F238E27FC236}">
-                <a16:creationId xmlns:a16="http://schemas.microsoft.com/office/drawing/2014/main" id="{29A739F8-A4A2-5D98-12DD-2FF1864EB54F}"/>
+                <a16:creationId xmlns:a16="http://schemas.microsoft.com/office/drawing/2014/main" xmlns="" id="{29A739F8-A4A2-5D98-12DD-2FF1864EB54F}"/>
               </a:ext>
             </a:extLst>
           </p:cNvPr>
@@ -27385,10 +27234,10 @@
           <p:nvPr/>
         </p:nvPicPr>
         <p:blipFill>
-          <a:blip r:embed="rId5">
+          <a:blip r:embed="rId5" cstate="print">
             <a:extLst>
               <a:ext uri="{28A0092B-C50C-407E-A947-70E740481C1C}">
-                <a14:useLocalDpi xmlns:a14="http://schemas.microsoft.com/office/drawing/2010/main" val="0"/>
+                <a14:useLocalDpi xmlns:a14="http://schemas.microsoft.com/office/drawing/2010/main" xmlns="" val="0"/>
               </a:ext>
             </a:extLst>
           </a:blip>
@@ -27411,11 +27260,11 @@
   <p:clrMapOvr>
     <a:masterClrMapping/>
   </p:clrMapOvr>
-  <mc:AlternateContent xmlns:mc="http://schemas.openxmlformats.org/markup-compatibility/2006" xmlns:p14="http://schemas.microsoft.com/office/powerpoint/2010/main">
-    <mc:Choice Requires="p14">
+  <mc:AlternateContent xmlns:mc="http://schemas.openxmlformats.org/markup-compatibility/2006">
+    <mc:Choice xmlns:p14="http://schemas.microsoft.com/office/powerpoint/2010/main" xmlns="" Requires="p14">
       <p:transition spd="slow" p14:dur="2000" advClick="0" advTm="5000"/>
     </mc:Choice>
-    <mc:Fallback xmlns="">
+    <mc:Fallback>
       <p:transition spd="slow" advClick="0" advTm="5000"/>
     </mc:Fallback>
   </mc:AlternateContent>
@@ -27738,7 +27587,7 @@
   <a:extraClrSchemeLst/>
   <a:extLst>
     <a:ext uri="{05A4C25C-085E-4340-85A3-A5531E510DB2}">
-      <thm15:themeFamily xmlns:thm15="http://schemas.microsoft.com/office/thememl/2012/main" name="SoftUni" id="{D61FAD9B-6E74-4E03-BFE4-B363D484F1DA}" vid="{7089C1A3-635B-4B03-A017-DAF10A3A396B}"/>
+      <thm15:themeFamily xmlns:thm15="http://schemas.microsoft.com/office/thememl/2012/main" xmlns="" name="SoftUni" id="{D61FAD9B-6E74-4E03-BFE4-B363D484F1DA}" vid="{7089C1A3-635B-4B03-A017-DAF10A3A396B}"/>
     </a:ext>
   </a:extLst>
 </a:theme>
@@ -28033,7 +27882,7 @@
   <a:extraClrSchemeLst/>
   <a:extLst>
     <a:ext uri="{05A4C25C-085E-4340-85A3-A5531E510DB2}">
-      <thm15:themeFamily xmlns:thm15="http://schemas.microsoft.com/office/thememl/2012/main" name="Office Theme" id="{62F939B6-93AF-4DB8-9C6B-D6C7DFDC589F}" vid="{4A3C46E8-61CC-4603-A589-7422A47A8E4A}"/>
+      <thm15:themeFamily xmlns:thm15="http://schemas.microsoft.com/office/thememl/2012/main" xmlns="" name="Office Theme" id="{62F939B6-93AF-4DB8-9C6B-D6C7DFDC589F}" vid="{4A3C46E8-61CC-4603-A589-7422A47A8E4A}"/>
     </a:ext>
   </a:extLst>
 </a:theme>
@@ -28328,7 +28177,7 @@
   <a:extraClrSchemeLst/>
   <a:extLst>
     <a:ext uri="{05A4C25C-085E-4340-85A3-A5531E510DB2}">
-      <thm15:themeFamily xmlns:thm15="http://schemas.microsoft.com/office/thememl/2012/main" name="Office Theme" id="{62F939B6-93AF-4DB8-9C6B-D6C7DFDC589F}" vid="{4A3C46E8-61CC-4603-A589-7422A47A8E4A}"/>
+      <thm15:themeFamily xmlns:thm15="http://schemas.microsoft.com/office/thememl/2012/main" xmlns="" name="Office Theme" id="{62F939B6-93AF-4DB8-9C6B-D6C7DFDC589F}" vid="{4A3C46E8-61CC-4603-A589-7422A47A8E4A}"/>
     </a:ext>
   </a:extLst>
 </a:theme>

--- a/Courses/Software-Sciences/Module-3-Databases-New/03-Intro-to-MS-SQL-Server/03-Intro-to-MS-SQL-Server.pptx
+++ b/Courses/Software-Sciences/Module-3-Databases-New/03-Intro-to-MS-SQL-Server/03-Intro-to-MS-SQL-Server.pptx
@@ -220,7 +220,7 @@
 <file path=ppt/revisionInfo.xml><?xml version="1.0" encoding="utf-8"?>
 <p1510:revInfo xmlns:a="http://schemas.openxmlformats.org/drawingml/2006/main" xmlns:r="http://schemas.openxmlformats.org/officeDocument/2006/relationships" xmlns:p1510="http://schemas.microsoft.com/office/powerpoint/2015/10/main">
   <p1510:revLst>
-    <p1510:client id="{9DD71B42-9D69-4E97-A625-7A3C7C8239AD}" v="5" dt="2023-10-05T17:25:17.452"/>
+    <p1510:client id="{9DD71B42-9D69-4E97-A625-7A3C7C8239AD}" v="8" dt="2023-10-05T17:32:22.955"/>
   </p1510:revLst>
 </p1510:revInfo>
 </file>

--- a/Courses/Software-Sciences/Module-3-Databases-New/03-Intro-to-MS-SQL-Server/03-Intro-to-MS-SQL-Server.pptx
+++ b/Courses/Software-Sciences/Module-3-Databases-New/03-Intro-to-MS-SQL-Server/03-Intro-to-MS-SQL-Server.pptx
@@ -395,7 +395,7 @@
           <a:p>
             <a:fld id="{4E087215-0C8F-4762-A664-737A353EC9A4}" type="datetimeFigureOut">
               <a:rPr lang="bg-BG" smtClean="0"/>
-              <a:t>5.10.2023 г.</a:t>
+              <a:t>16.10.2023 г.</a:t>
             </a:fld>
             <a:endParaRPr lang="bg-BG"/>
           </a:p>
@@ -591,7 +591,7 @@
           <a:p>
             <a:fld id="{72D84649-876A-46C9-8472-14CB09C070D8}" type="datetimeFigureOut">
               <a:rPr lang="en-US" smtClean="0"/>
-              <a:t>10/5/2023</a:t>
+              <a:t>16-Oct-23</a:t>
             </a:fld>
             <a:endParaRPr lang="en-US"/>
           </a:p>
@@ -9046,6 +9046,205 @@
           </a:p>
         </p:txBody>
       </p:sp>
+      <p:sp>
+        <p:nvSpPr>
+          <p:cNvPr id="2" name="Rectangle: Rounded Corners 1">
+            <a:extLst>
+              <a:ext uri="{FF2B5EF4-FFF2-40B4-BE49-F238E27FC236}">
+                <a16:creationId xmlns:a16="http://schemas.microsoft.com/office/drawing/2014/main" id="{C4E944A5-0F38-534D-88AF-336CD50FD598}"/>
+              </a:ext>
+            </a:extLst>
+          </p:cNvPr>
+          <p:cNvSpPr/>
+          <p:nvPr/>
+        </p:nvSpPr>
+        <p:spPr bwMode="auto">
+          <a:xfrm>
+            <a:off x="5248039" y="1467798"/>
+            <a:ext cx="6816432" cy="3288561"/>
+          </a:xfrm>
+          <a:prstGeom prst="roundRect">
+            <a:avLst/>
+          </a:prstGeom>
+          <a:solidFill>
+            <a:schemeClr val="dk2">
+              <a:alpha val="80000"/>
+            </a:schemeClr>
+          </a:solidFill>
+          <a:ln w="19050">
+            <a:solidFill>
+              <a:schemeClr val="tx1">
+                <a:lumMod val="75000"/>
+                <a:alpha val="80000"/>
+              </a:schemeClr>
+            </a:solidFill>
+          </a:ln>
+          <a:effectLst/>
+        </p:spPr>
+        <p:style>
+          <a:lnRef idx="2">
+            <a:schemeClr val="accent1">
+              <a:shade val="50000"/>
+            </a:schemeClr>
+          </a:lnRef>
+          <a:fillRef idx="1001">
+            <a:schemeClr val="dk2"/>
+          </a:fillRef>
+          <a:effectRef idx="0">
+            <a:schemeClr val="accent1"/>
+          </a:effectRef>
+          <a:fontRef idx="minor">
+            <a:schemeClr val="lt1"/>
+          </a:fontRef>
+        </p:style>
+        <p:txBody>
+          <a:bodyPr rot="0" spcFirstLastPara="0" vertOverflow="overflow" horzOverflow="overflow" vert="horz" wrap="square" lIns="91440" tIns="45720" rIns="91440" bIns="45720" numCol="1" spcCol="0" rtlCol="0" fromWordArt="0" anchor="ctr" anchorCtr="0" forceAA="0" compatLnSpc="1">
+            <a:prstTxWarp prst="textNoShape">
+              <a:avLst/>
+            </a:prstTxWarp>
+            <a:noAutofit/>
+          </a:bodyPr>
+          <a:lstStyle/>
+          <a:p>
+            <a:pPr algn="ctr"/>
+            <a:r>
+              <a:rPr lang="bg-BG" sz="2800" b="1" dirty="0">
+                <a:solidFill>
+                  <a:srgbClr val="FFFFFF"/>
+                </a:solidFill>
+                <a:effectLst>
+                  <a:outerShdw blurRad="38100" dist="38100" dir="2700000" algn="tl">
+                    <a:srgbClr val="000000">
+                      <a:alpha val="43137"/>
+                    </a:srgbClr>
+                  </a:outerShdw>
+                </a:effectLst>
+              </a:rPr>
+              <a:t>Да се покаже връзка с </a:t>
+            </a:r>
+            <a:r>
+              <a:rPr lang="en-US" sz="2800" b="1" dirty="0" err="1">
+                <a:solidFill>
+                  <a:srgbClr val="FFFFFF"/>
+                </a:solidFill>
+                <a:effectLst>
+                  <a:outerShdw blurRad="38100" dist="38100" dir="2700000" algn="tl">
+                    <a:srgbClr val="000000">
+                      <a:alpha val="43137"/>
+                    </a:srgbClr>
+                  </a:outerShdw>
+                </a:effectLst>
+              </a:rPr>
+              <a:t>LocalDB</a:t>
+            </a:r>
+            <a:r>
+              <a:rPr lang="en-US" sz="2800" b="1" dirty="0">
+                <a:solidFill>
+                  <a:srgbClr val="FFFFFF"/>
+                </a:solidFill>
+                <a:effectLst>
+                  <a:outerShdw blurRad="38100" dist="38100" dir="2700000" algn="tl">
+                    <a:srgbClr val="000000">
+                      <a:alpha val="43137"/>
+                    </a:srgbClr>
+                  </a:outerShdw>
+                </a:effectLst>
+              </a:rPr>
+              <a:t>:</a:t>
+            </a:r>
+          </a:p>
+          <a:p>
+            <a:pPr algn="ctr"/>
+            <a:endParaRPr lang="en-US" sz="2800" b="1" dirty="0">
+              <a:solidFill>
+                <a:srgbClr val="FFFFFF"/>
+              </a:solidFill>
+              <a:effectLst>
+                <a:outerShdw blurRad="38100" dist="38100" dir="2700000" algn="tl">
+                  <a:srgbClr val="000000">
+                    <a:alpha val="43137"/>
+                  </a:srgbClr>
+                </a:outerShdw>
+              </a:effectLst>
+            </a:endParaRPr>
+          </a:p>
+          <a:p>
+            <a:pPr algn="ctr"/>
+            <a:r>
+              <a:rPr lang="en-US" sz="4000" b="1" dirty="0">
+                <a:solidFill>
+                  <a:srgbClr val="FFFFFF"/>
+                </a:solidFill>
+                <a:effectLst>
+                  <a:outerShdw blurRad="38100" dist="38100" dir="2700000" algn="tl">
+                    <a:srgbClr val="000000">
+                      <a:alpha val="43137"/>
+                    </a:srgbClr>
+                  </a:outerShdw>
+                </a:effectLst>
+              </a:rPr>
+              <a:t>(</a:t>
+            </a:r>
+            <a:r>
+              <a:rPr lang="en-US" sz="4000" b="1" dirty="0" err="1">
+                <a:solidFill>
+                  <a:srgbClr val="FFFFFF"/>
+                </a:solidFill>
+                <a:effectLst>
+                  <a:outerShdw blurRad="38100" dist="38100" dir="2700000" algn="tl">
+                    <a:srgbClr val="000000">
+                      <a:alpha val="43137"/>
+                    </a:srgbClr>
+                  </a:outerShdw>
+                </a:effectLst>
+              </a:rPr>
+              <a:t>localdb</a:t>
+            </a:r>
+            <a:r>
+              <a:rPr lang="en-US" sz="4000" b="1" dirty="0">
+                <a:solidFill>
+                  <a:srgbClr val="FFFFFF"/>
+                </a:solidFill>
+                <a:effectLst>
+                  <a:outerShdw blurRad="38100" dist="38100" dir="2700000" algn="tl">
+                    <a:srgbClr val="000000">
+                      <a:alpha val="43137"/>
+                    </a:srgbClr>
+                  </a:outerShdw>
+                </a:effectLst>
+              </a:rPr>
+              <a:t>)\</a:t>
+            </a:r>
+            <a:r>
+              <a:rPr lang="en-US" sz="4000" b="1" dirty="0" err="1">
+                <a:solidFill>
+                  <a:srgbClr val="FFFFFF"/>
+                </a:solidFill>
+                <a:effectLst>
+                  <a:outerShdw blurRad="38100" dist="38100" dir="2700000" algn="tl">
+                    <a:srgbClr val="000000">
+                      <a:alpha val="43137"/>
+                    </a:srgbClr>
+                  </a:outerShdw>
+                </a:effectLst>
+              </a:rPr>
+              <a:t>MSSQLLocalDB</a:t>
+            </a:r>
+            <a:endParaRPr lang="en-US" sz="4000" b="1" dirty="0">
+              <a:solidFill>
+                <a:srgbClr val="FFFFFF"/>
+              </a:solidFill>
+              <a:effectLst>
+                <a:outerShdw blurRad="38100" dist="38100" dir="2700000" algn="tl">
+                  <a:srgbClr val="000000">
+                    <a:alpha val="43137"/>
+                  </a:srgbClr>
+                </a:outerShdw>
+              </a:effectLst>
+            </a:endParaRPr>
+          </a:p>
+        </p:txBody>
+      </p:sp>
     </p:spTree>
     <p:extLst>
       <p:ext uri="{BB962C8B-B14F-4D97-AF65-F5344CB8AC3E}">
@@ -9506,7 +9705,7 @@
             </a:r>
             <a:r>
               <a:rPr lang="bg-BG" dirty="0"/>
-              <a:t>Заявки</a:t>
+              <a:t>заявки</a:t>
             </a:r>
           </a:p>
         </p:txBody>
@@ -11765,16 +11964,20 @@
             <p:ph type="title" sz="quarter" idx="10"/>
           </p:nvPr>
         </p:nvSpPr>
-        <p:spPr/>
+        <p:spPr>
+          <a:xfrm>
+            <a:off x="336001" y="4704825"/>
+            <a:ext cx="11520000" cy="768084"/>
+          </a:xfrm>
+        </p:spPr>
         <p:txBody>
           <a:bodyPr/>
           <a:lstStyle/>
           <a:p>
             <a:r>
-              <a:rPr lang="ru-RU"/>
+              <a:rPr lang="bg-BG" sz="4800" dirty="0"/>
               <a:t>Разглеждане и редактиране на данни</a:t>
             </a:r>
-            <a:endParaRPr lang="bg-BG"/>
           </a:p>
         </p:txBody>
       </p:sp>
@@ -11800,10 +12003,22 @@
           <a:lstStyle/>
           <a:p>
             <a:r>
-              <a:rPr lang="ru-RU"/>
-              <a:t>Работа с данни в MS SQL Server</a:t>
-            </a:r>
-            <a:endParaRPr lang="bg-BG"/>
+              <a:rPr lang="ru-RU" dirty="0"/>
+              <a:t>Работа с </a:t>
+            </a:r>
+            <a:r>
+              <a:rPr lang="bg-BG" dirty="0"/>
+              <a:t>таблици и </a:t>
+            </a:r>
+            <a:r>
+              <a:rPr lang="ru-RU" dirty="0" err="1"/>
+              <a:t>данни</a:t>
+            </a:r>
+            <a:r>
+              <a:rPr lang="ru-RU" dirty="0"/>
+              <a:t> в MS SQL Server</a:t>
+            </a:r>
+            <a:endParaRPr lang="bg-BG" dirty="0"/>
           </a:p>
         </p:txBody>
       </p:sp>
@@ -22393,6 +22608,338 @@
               <a:t>6</a:t>
             </a:fld>
             <a:endParaRPr lang="en-US" noProof="0" dirty="0"/>
+          </a:p>
+        </p:txBody>
+      </p:sp>
+      <p:sp>
+        <p:nvSpPr>
+          <p:cNvPr id="3" name="Rectangle: Rounded Corners 2">
+            <a:extLst>
+              <a:ext uri="{FF2B5EF4-FFF2-40B4-BE49-F238E27FC236}">
+                <a16:creationId xmlns:a16="http://schemas.microsoft.com/office/drawing/2014/main" id="{36CD10B2-F883-EB59-6174-7D73895B5E11}"/>
+              </a:ext>
+            </a:extLst>
+          </p:cNvPr>
+          <p:cNvSpPr/>
+          <p:nvPr/>
+        </p:nvSpPr>
+        <p:spPr bwMode="auto">
+          <a:xfrm>
+            <a:off x="4936598" y="2064945"/>
+            <a:ext cx="7065000" cy="4530912"/>
+          </a:xfrm>
+          <a:prstGeom prst="roundRect">
+            <a:avLst/>
+          </a:prstGeom>
+          <a:solidFill>
+            <a:schemeClr val="dk2">
+              <a:alpha val="80000"/>
+            </a:schemeClr>
+          </a:solidFill>
+          <a:ln w="19050">
+            <a:solidFill>
+              <a:schemeClr val="tx1">
+                <a:lumMod val="75000"/>
+                <a:alpha val="80000"/>
+              </a:schemeClr>
+            </a:solidFill>
+          </a:ln>
+          <a:effectLst/>
+        </p:spPr>
+        <p:style>
+          <a:lnRef idx="2">
+            <a:schemeClr val="accent1">
+              <a:shade val="50000"/>
+            </a:schemeClr>
+          </a:lnRef>
+          <a:fillRef idx="1001">
+            <a:schemeClr val="dk2"/>
+          </a:fillRef>
+          <a:effectRef idx="0">
+            <a:schemeClr val="accent1"/>
+          </a:effectRef>
+          <a:fontRef idx="minor">
+            <a:schemeClr val="lt1"/>
+          </a:fontRef>
+        </p:style>
+        <p:txBody>
+          <a:bodyPr rot="0" spcFirstLastPara="0" vertOverflow="overflow" horzOverflow="overflow" vert="horz" wrap="square" lIns="91440" tIns="45720" rIns="91440" bIns="45720" numCol="1" spcCol="0" rtlCol="0" fromWordArt="0" anchor="ctr" anchorCtr="0" forceAA="0" compatLnSpc="1">
+            <a:prstTxWarp prst="textNoShape">
+              <a:avLst/>
+            </a:prstTxWarp>
+            <a:noAutofit/>
+          </a:bodyPr>
+          <a:lstStyle/>
+          <a:p>
+            <a:pPr algn="ctr"/>
+            <a:r>
+              <a:rPr lang="bg-BG" sz="2800" b="1" dirty="0">
+                <a:solidFill>
+                  <a:srgbClr val="FFFFFF"/>
+                </a:solidFill>
+                <a:effectLst>
+                  <a:outerShdw blurRad="38100" dist="38100" dir="2700000" algn="tl">
+                    <a:srgbClr val="000000">
+                      <a:alpha val="43137"/>
+                    </a:srgbClr>
+                  </a:outerShdw>
+                </a:effectLst>
+              </a:rPr>
+              <a:t>Предлагам това да отпадне и да им се показва единствено </a:t>
+            </a:r>
+            <a:r>
+              <a:rPr lang="en-US" sz="2800" b="1" dirty="0">
+                <a:solidFill>
+                  <a:srgbClr val="FFFFFF"/>
+                </a:solidFill>
+                <a:effectLst>
+                  <a:outerShdw blurRad="38100" dist="38100" dir="2700000" algn="tl">
+                    <a:srgbClr val="000000">
+                      <a:alpha val="43137"/>
+                    </a:srgbClr>
+                  </a:outerShdw>
+                </a:effectLst>
+              </a:rPr>
+              <a:t>SQL Server </a:t>
+            </a:r>
+            <a:r>
+              <a:rPr lang="en-US" sz="2800" b="1" dirty="0" err="1">
+                <a:solidFill>
+                  <a:srgbClr val="FFFFFF"/>
+                </a:solidFill>
+                <a:effectLst>
+                  <a:outerShdw blurRad="38100" dist="38100" dir="2700000" algn="tl">
+                    <a:srgbClr val="000000">
+                      <a:alpha val="43137"/>
+                    </a:srgbClr>
+                  </a:outerShdw>
+                </a:effectLst>
+              </a:rPr>
+              <a:t>LocalDB</a:t>
+            </a:r>
+            <a:r>
+              <a:rPr lang="en-US" sz="2800" b="1" dirty="0">
+                <a:solidFill>
+                  <a:srgbClr val="FFFFFF"/>
+                </a:solidFill>
+                <a:effectLst>
+                  <a:outerShdw blurRad="38100" dist="38100" dir="2700000" algn="tl">
+                    <a:srgbClr val="000000">
+                      <a:alpha val="43137"/>
+                    </a:srgbClr>
+                  </a:outerShdw>
+                </a:effectLst>
+              </a:rPr>
+              <a:t>.</a:t>
+            </a:r>
+            <a:r>
+              <a:rPr lang="bg-BG" sz="2800" b="1" dirty="0">
+                <a:solidFill>
+                  <a:srgbClr val="FFFFFF"/>
+                </a:solidFill>
+                <a:effectLst>
+                  <a:outerShdw blurRad="38100" dist="38100" dir="2700000" algn="tl">
+                    <a:srgbClr val="000000">
+                      <a:alpha val="43137"/>
+                    </a:srgbClr>
+                  </a:outerShdw>
+                </a:effectLst>
+              </a:rPr>
+              <a:t> Той е по-лесен за работа за начинаещи.</a:t>
+            </a:r>
+            <a:endParaRPr lang="en-US" sz="2800" b="1" dirty="0">
+              <a:solidFill>
+                <a:srgbClr val="FFFFFF"/>
+              </a:solidFill>
+              <a:effectLst>
+                <a:outerShdw blurRad="38100" dist="38100" dir="2700000" algn="tl">
+                  <a:srgbClr val="000000">
+                    <a:alpha val="43137"/>
+                  </a:srgbClr>
+                </a:outerShdw>
+              </a:effectLst>
+            </a:endParaRPr>
+          </a:p>
+          <a:p>
+            <a:pPr algn="ctr"/>
+            <a:endParaRPr lang="en-US" sz="2800" b="1" dirty="0">
+              <a:solidFill>
+                <a:srgbClr val="FFFFFF"/>
+              </a:solidFill>
+              <a:effectLst>
+                <a:outerShdw blurRad="38100" dist="38100" dir="2700000" algn="tl">
+                  <a:srgbClr val="000000">
+                    <a:alpha val="43137"/>
+                  </a:srgbClr>
+                </a:outerShdw>
+              </a:effectLst>
+            </a:endParaRPr>
+          </a:p>
+          <a:p>
+            <a:pPr algn="ctr"/>
+            <a:r>
+              <a:rPr lang="bg-BG" sz="2800" b="1" dirty="0">
+                <a:solidFill>
+                  <a:srgbClr val="FFFFFF"/>
+                </a:solidFill>
+                <a:effectLst>
+                  <a:outerShdw blurRad="38100" dist="38100" dir="2700000" algn="tl">
+                    <a:srgbClr val="000000">
+                      <a:alpha val="43137"/>
+                    </a:srgbClr>
+                  </a:outerShdw>
+                </a:effectLst>
+              </a:rPr>
+              <a:t>Ще се объркат с тези двете версии: </a:t>
+            </a:r>
+            <a:r>
+              <a:rPr lang="en-US" sz="2800" b="1" dirty="0">
+                <a:solidFill>
+                  <a:srgbClr val="FFFFFF"/>
+                </a:solidFill>
+                <a:effectLst>
+                  <a:outerShdw blurRad="38100" dist="38100" dir="2700000" algn="tl">
+                    <a:srgbClr val="000000">
+                      <a:alpha val="43137"/>
+                    </a:srgbClr>
+                  </a:outerShdw>
+                </a:effectLst>
+              </a:rPr>
+              <a:t>SQL Express </a:t>
+            </a:r>
+            <a:r>
+              <a:rPr lang="bg-BG" sz="2800" b="1" dirty="0">
+                <a:solidFill>
+                  <a:srgbClr val="FFFFFF"/>
+                </a:solidFill>
+                <a:effectLst>
+                  <a:outerShdw blurRad="38100" dist="38100" dir="2700000" algn="tl">
+                    <a:srgbClr val="000000">
+                      <a:alpha val="43137"/>
+                    </a:srgbClr>
+                  </a:outerShdw>
+                </a:effectLst>
+              </a:rPr>
+              <a:t>и </a:t>
+            </a:r>
+            <a:r>
+              <a:rPr lang="en-US" sz="2800" b="1" dirty="0">
+                <a:solidFill>
+                  <a:srgbClr val="FFFFFF"/>
+                </a:solidFill>
+                <a:effectLst>
+                  <a:outerShdw blurRad="38100" dist="38100" dir="2700000" algn="tl">
+                    <a:srgbClr val="000000">
+                      <a:alpha val="43137"/>
+                    </a:srgbClr>
+                  </a:outerShdw>
+                </a:effectLst>
+              </a:rPr>
+              <a:t>SQL </a:t>
+            </a:r>
+            <a:r>
+              <a:rPr lang="en-US" sz="2800" b="1" dirty="0" err="1">
+                <a:solidFill>
+                  <a:srgbClr val="FFFFFF"/>
+                </a:solidFill>
+                <a:effectLst>
+                  <a:outerShdw blurRad="38100" dist="38100" dir="2700000" algn="tl">
+                    <a:srgbClr val="000000">
+                      <a:alpha val="43137"/>
+                    </a:srgbClr>
+                  </a:outerShdw>
+                </a:effectLst>
+              </a:rPr>
+              <a:t>LocalDB</a:t>
+            </a:r>
+            <a:r>
+              <a:rPr lang="en-US" sz="2800" b="1" dirty="0">
+                <a:solidFill>
+                  <a:srgbClr val="FFFFFF"/>
+                </a:solidFill>
+                <a:effectLst>
+                  <a:outerShdw blurRad="38100" dist="38100" dir="2700000" algn="tl">
+                    <a:srgbClr val="000000">
+                      <a:alpha val="43137"/>
+                    </a:srgbClr>
+                  </a:outerShdw>
+                </a:effectLst>
+              </a:rPr>
+              <a:t>.</a:t>
+            </a:r>
+            <a:br>
+              <a:rPr lang="en-US" sz="2800" b="1" dirty="0">
+                <a:solidFill>
+                  <a:srgbClr val="FFFFFF"/>
+                </a:solidFill>
+                <a:effectLst>
+                  <a:outerShdw blurRad="38100" dist="38100" dir="2700000" algn="tl">
+                    <a:srgbClr val="000000">
+                      <a:alpha val="43137"/>
+                    </a:srgbClr>
+                  </a:outerShdw>
+                </a:effectLst>
+              </a:rPr>
+            </a:br>
+            <a:br>
+              <a:rPr lang="en-US" sz="2800" b="1" dirty="0">
+                <a:solidFill>
+                  <a:srgbClr val="FFFFFF"/>
+                </a:solidFill>
+                <a:effectLst>
+                  <a:outerShdw blurRad="38100" dist="38100" dir="2700000" algn="tl">
+                    <a:srgbClr val="000000">
+                      <a:alpha val="43137"/>
+                    </a:srgbClr>
+                  </a:outerShdw>
+                </a:effectLst>
+              </a:rPr>
+            </a:br>
+            <a:r>
+              <a:rPr lang="bg-BG" sz="2800" b="1" dirty="0">
+                <a:solidFill>
+                  <a:srgbClr val="FFFFFF"/>
+                </a:solidFill>
+                <a:effectLst>
+                  <a:outerShdw blurRad="38100" dist="38100" dir="2700000" algn="tl">
+                    <a:srgbClr val="000000">
+                      <a:alpha val="43137"/>
+                    </a:srgbClr>
+                  </a:outerShdw>
+                </a:effectLst>
+              </a:rPr>
+              <a:t>Само </a:t>
+            </a:r>
+            <a:r>
+              <a:rPr lang="en-US" sz="2800" b="1" dirty="0" err="1">
+                <a:solidFill>
+                  <a:srgbClr val="FFFFFF"/>
+                </a:solidFill>
+                <a:effectLst>
+                  <a:outerShdw blurRad="38100" dist="38100" dir="2700000" algn="tl">
+                    <a:srgbClr val="000000">
+                      <a:alpha val="43137"/>
+                    </a:srgbClr>
+                  </a:outerShdw>
+                </a:effectLst>
+              </a:rPr>
+              <a:t>LocalDB</a:t>
+            </a:r>
+            <a:r>
+              <a:rPr lang="en-US" sz="2800" b="1" dirty="0">
+                <a:solidFill>
+                  <a:srgbClr val="FFFFFF"/>
+                </a:solidFill>
+                <a:effectLst>
+                  <a:outerShdw blurRad="38100" dist="38100" dir="2700000" algn="tl">
+                    <a:srgbClr val="000000">
+                      <a:alpha val="43137"/>
+                    </a:srgbClr>
+                  </a:outerShdw>
+                </a:effectLst>
+              </a:rPr>
+              <a:t>.</a:t>
+            </a:r>
           </a:p>
         </p:txBody>
       </p:sp>

--- a/Courses/Software-Sciences/Module-3-Databases-New/03-Intro-to-MS-SQL-Server/03-Intro-to-MS-SQL-Server.pptx
+++ b/Courses/Software-Sciences/Module-3-Databases-New/03-Intro-to-MS-SQL-Server/03-Intro-to-MS-SQL-Server.pptx
@@ -5,10 +5,10 @@
     <p:sldMasterId id="2147483675" r:id="rId1"/>
   </p:sldMasterIdLst>
   <p:notesMasterIdLst>
-    <p:notesMasterId r:id="rId29"/>
+    <p:notesMasterId r:id="rId34"/>
   </p:notesMasterIdLst>
   <p:handoutMasterIdLst>
-    <p:handoutMasterId r:id="rId30"/>
+    <p:handoutMasterId r:id="rId35"/>
   </p:handoutMasterIdLst>
   <p:sldIdLst>
     <p:sldId id="1176" r:id="rId2"/>
@@ -17,27 +17,32 @@
     <p:sldId id="1214" r:id="rId5"/>
     <p:sldId id="1181" r:id="rId6"/>
     <p:sldId id="1180" r:id="rId7"/>
-    <p:sldId id="1215" r:id="rId8"/>
-    <p:sldId id="1213" r:id="rId9"/>
-    <p:sldId id="1188" r:id="rId10"/>
-    <p:sldId id="1216" r:id="rId11"/>
-    <p:sldId id="1211" r:id="rId12"/>
-    <p:sldId id="1212" r:id="rId13"/>
-    <p:sldId id="1189" r:id="rId14"/>
-    <p:sldId id="1191" r:id="rId15"/>
-    <p:sldId id="1192" r:id="rId16"/>
-    <p:sldId id="1193" r:id="rId17"/>
-    <p:sldId id="1199" r:id="rId18"/>
-    <p:sldId id="1200" r:id="rId19"/>
-    <p:sldId id="1201" r:id="rId20"/>
-    <p:sldId id="1205" r:id="rId21"/>
-    <p:sldId id="1208" r:id="rId22"/>
-    <p:sldId id="1206" r:id="rId23"/>
-    <p:sldId id="1207" r:id="rId24"/>
-    <p:sldId id="1209" r:id="rId25"/>
-    <p:sldId id="1127" r:id="rId26"/>
-    <p:sldId id="504" r:id="rId27"/>
-    <p:sldId id="505" r:id="rId28"/>
+    <p:sldId id="1217" r:id="rId8"/>
+    <p:sldId id="1218" r:id="rId9"/>
+    <p:sldId id="1219" r:id="rId10"/>
+    <p:sldId id="1221" r:id="rId11"/>
+    <p:sldId id="1222" r:id="rId12"/>
+    <p:sldId id="1215" r:id="rId13"/>
+    <p:sldId id="1213" r:id="rId14"/>
+    <p:sldId id="1188" r:id="rId15"/>
+    <p:sldId id="1216" r:id="rId16"/>
+    <p:sldId id="1211" r:id="rId17"/>
+    <p:sldId id="1212" r:id="rId18"/>
+    <p:sldId id="1189" r:id="rId19"/>
+    <p:sldId id="1191" r:id="rId20"/>
+    <p:sldId id="1192" r:id="rId21"/>
+    <p:sldId id="1193" r:id="rId22"/>
+    <p:sldId id="1199" r:id="rId23"/>
+    <p:sldId id="1200" r:id="rId24"/>
+    <p:sldId id="1201" r:id="rId25"/>
+    <p:sldId id="1205" r:id="rId26"/>
+    <p:sldId id="1208" r:id="rId27"/>
+    <p:sldId id="1206" r:id="rId28"/>
+    <p:sldId id="1207" r:id="rId29"/>
+    <p:sldId id="1209" r:id="rId30"/>
+    <p:sldId id="1127" r:id="rId31"/>
+    <p:sldId id="504" r:id="rId32"/>
+    <p:sldId id="505" r:id="rId33"/>
   </p:sldIdLst>
   <p:sldSz cx="12192000" cy="6858000"/>
   <p:notesSz cx="6858000" cy="9144000"/>
@@ -151,6 +156,11 @@
             <p14:sldId id="1214"/>
             <p14:sldId id="1181"/>
             <p14:sldId id="1180"/>
+            <p14:sldId id="1217"/>
+            <p14:sldId id="1218"/>
+            <p14:sldId id="1219"/>
+            <p14:sldId id="1221"/>
+            <p14:sldId id="1222"/>
             <p14:sldId id="1215"/>
             <p14:sldId id="1213"/>
             <p14:sldId id="1188"/>
@@ -395,7 +405,7 @@
           <a:p>
             <a:fld id="{4E087215-0C8F-4762-A664-737A353EC9A4}" type="datetimeFigureOut">
               <a:rPr lang="bg-BG" smtClean="0"/>
-              <a:t>16.10.2023 г.</a:t>
+              <a:t>23.10.2023 г.</a:t>
             </a:fld>
             <a:endParaRPr lang="bg-BG"/>
           </a:p>
@@ -591,7 +601,7 @@
           <a:p>
             <a:fld id="{72D84649-876A-46C9-8472-14CB09C070D8}" type="datetimeFigureOut">
               <a:rPr lang="en-US" smtClean="0"/>
-              <a:t>16-Oct-23</a:t>
+              <a:t>10/23/2023</a:t>
             </a:fld>
             <a:endParaRPr lang="en-US"/>
           </a:p>
@@ -1073,140 +1083,93 @@
       </p:sp>
       <p:sp>
         <p:nvSpPr>
-          <p:cNvPr id="7" name="Slide Number Placeholder 5">
-            <a:extLst>
-              <a:ext uri="{FF2B5EF4-FFF2-40B4-BE49-F238E27FC236}">
-                <a16:creationId xmlns:a16="http://schemas.microsoft.com/office/drawing/2014/main" id="{5049B984-F964-47FF-8179-0A3007CE21CD}"/>
-              </a:ext>
-            </a:extLst>
-          </p:cNvPr>
-          <p:cNvSpPr txBox="1">
-            <a:spLocks/>
+          <p:cNvPr id="5" name="Slide Number Placeholder 4"/>
+          <p:cNvSpPr>
+            <a:spLocks noGrp="1"/>
           </p:cNvSpPr>
-          <p:nvPr/>
+          <p:nvPr>
+            <p:ph type="sldNum" sz="quarter" idx="11"/>
+          </p:nvPr>
         </p:nvSpPr>
-        <p:spPr>
-          <a:xfrm>
-            <a:off x="6488999" y="8847000"/>
-            <a:ext cx="367414" cy="297000"/>
-          </a:xfrm>
-          <a:prstGeom prst="rect">
-            <a:avLst/>
-          </a:prstGeom>
-        </p:spPr>
+        <p:spPr/>
         <p:txBody>
-          <a:bodyPr vert="horz" lIns="91440" tIns="45720" rIns="91440" bIns="45720" rtlCol="0" anchor="b"/>
-          <a:lstStyle>
-            <a:defPPr>
-              <a:defRPr lang="en-US"/>
-            </a:defPPr>
-            <a:lvl1pPr marL="0" algn="r" defTabSz="914400" rtl="0" eaLnBrk="1" latinLnBrk="0" hangingPunct="1">
-              <a:defRPr sz="1200" kern="1200">
-                <a:solidFill>
-                  <a:schemeClr val="tx1"/>
-                </a:solidFill>
-                <a:latin typeface="+mn-lt"/>
+          <a:bodyPr/>
+          <a:lstStyle/>
+          <a:p>
+            <a:pPr marL="0" marR="0" lvl="0" indent="0" algn="r" defTabSz="914400" rtl="0" eaLnBrk="1" fontAlgn="auto" latinLnBrk="0" hangingPunct="1">
+              <a:lnSpc>
+                <a:spcPct val="100000"/>
+              </a:lnSpc>
+              <a:spcBef>
+                <a:spcPts val="0"/>
+              </a:spcBef>
+              <a:spcAft>
+                <a:spcPts val="0"/>
+              </a:spcAft>
+              <a:buClrTx/>
+              <a:buSzTx/>
+              <a:buFontTx/>
+              <a:buNone/>
+              <a:tabLst/>
+              <a:defRPr/>
+            </a:pPr>
+            <a:fld id="{3EBA5BD7-F043-4D1B-AA17-CD412FC534DE}" type="slidenum">
+              <a:rPr kumimoji="0" lang="en-US" sz="1200" b="0" i="0" u="none" strike="noStrike" kern="1200" cap="none" spc="0" normalizeH="0" baseline="0" noProof="0" smtClean="0">
+                <a:ln>
+                  <a:noFill/>
+                </a:ln>
+                <a:solidFill>
+                  <a:prstClr val="black"/>
+                </a:solidFill>
+                <a:effectLst/>
+                <a:uLnTx/>
+                <a:uFillTx/>
+                <a:latin typeface="Calibri" panose="020F0502020204030204"/>
                 <a:ea typeface="+mn-ea"/>
                 <a:cs typeface="+mn-cs"/>
-              </a:defRPr>
-            </a:lvl1pPr>
-            <a:lvl2pPr marL="457200" algn="l" defTabSz="914400" rtl="0" eaLnBrk="1" latinLnBrk="0" hangingPunct="1">
-              <a:defRPr sz="1800" kern="1200">
-                <a:solidFill>
-                  <a:schemeClr val="tx1"/>
-                </a:solidFill>
-                <a:latin typeface="+mn-lt"/>
-                <a:ea typeface="+mn-ea"/>
-                <a:cs typeface="+mn-cs"/>
-              </a:defRPr>
-            </a:lvl2pPr>
-            <a:lvl3pPr marL="914400" algn="l" defTabSz="914400" rtl="0" eaLnBrk="1" latinLnBrk="0" hangingPunct="1">
-              <a:defRPr sz="1800" kern="1200">
-                <a:solidFill>
-                  <a:schemeClr val="tx1"/>
-                </a:solidFill>
-                <a:latin typeface="+mn-lt"/>
-                <a:ea typeface="+mn-ea"/>
-                <a:cs typeface="+mn-cs"/>
-              </a:defRPr>
-            </a:lvl3pPr>
-            <a:lvl4pPr marL="1371600" algn="l" defTabSz="914400" rtl="0" eaLnBrk="1" latinLnBrk="0" hangingPunct="1">
-              <a:defRPr sz="1800" kern="1200">
-                <a:solidFill>
-                  <a:schemeClr val="tx1"/>
-                </a:solidFill>
-                <a:latin typeface="+mn-lt"/>
-                <a:ea typeface="+mn-ea"/>
-                <a:cs typeface="+mn-cs"/>
-              </a:defRPr>
-            </a:lvl4pPr>
-            <a:lvl5pPr marL="1828800" algn="l" defTabSz="914400" rtl="0" eaLnBrk="1" latinLnBrk="0" hangingPunct="1">
-              <a:defRPr sz="1800" kern="1200">
-                <a:solidFill>
-                  <a:schemeClr val="tx1"/>
-                </a:solidFill>
-                <a:latin typeface="+mn-lt"/>
-                <a:ea typeface="+mn-ea"/>
-                <a:cs typeface="+mn-cs"/>
-              </a:defRPr>
-            </a:lvl5pPr>
-            <a:lvl6pPr marL="2286000" algn="l" defTabSz="914400" rtl="0" eaLnBrk="1" latinLnBrk="0" hangingPunct="1">
-              <a:defRPr sz="1800" kern="1200">
-                <a:solidFill>
-                  <a:schemeClr val="tx1"/>
-                </a:solidFill>
-                <a:latin typeface="+mn-lt"/>
-                <a:ea typeface="+mn-ea"/>
-                <a:cs typeface="+mn-cs"/>
-              </a:defRPr>
-            </a:lvl6pPr>
-            <a:lvl7pPr marL="2743200" algn="l" defTabSz="914400" rtl="0" eaLnBrk="1" latinLnBrk="0" hangingPunct="1">
-              <a:defRPr sz="1800" kern="1200">
-                <a:solidFill>
-                  <a:schemeClr val="tx1"/>
-                </a:solidFill>
-                <a:latin typeface="+mn-lt"/>
-                <a:ea typeface="+mn-ea"/>
-                <a:cs typeface="+mn-cs"/>
-              </a:defRPr>
-            </a:lvl7pPr>
-            <a:lvl8pPr marL="3200400" algn="l" defTabSz="914400" rtl="0" eaLnBrk="1" latinLnBrk="0" hangingPunct="1">
-              <a:defRPr sz="1800" kern="1200">
-                <a:solidFill>
-                  <a:schemeClr val="tx1"/>
-                </a:solidFill>
-                <a:latin typeface="+mn-lt"/>
-                <a:ea typeface="+mn-ea"/>
-                <a:cs typeface="+mn-cs"/>
-              </a:defRPr>
-            </a:lvl8pPr>
-            <a:lvl9pPr marL="3657600" algn="l" defTabSz="914400" rtl="0" eaLnBrk="1" latinLnBrk="0" hangingPunct="1">
-              <a:defRPr sz="1800" kern="1200">
-                <a:solidFill>
-                  <a:schemeClr val="tx1"/>
-                </a:solidFill>
-                <a:latin typeface="+mn-lt"/>
-                <a:ea typeface="+mn-ea"/>
-                <a:cs typeface="+mn-cs"/>
-              </a:defRPr>
-            </a:lvl9pPr>
-          </a:lstStyle>
-          <a:p>
-            <a:fld id="{3EBA5BD7-F043-4D1B-AA17-CD412FC534DE}" type="slidenum">
-              <a:rPr lang="en-US" smtClean="0"/>
-              <a:pPr/>
-              <a:t>26</a:t>
+              </a:rPr>
+              <a:pPr marL="0" marR="0" lvl="0" indent="0" algn="r" defTabSz="914400" rtl="0" eaLnBrk="1" fontAlgn="auto" latinLnBrk="0" hangingPunct="1">
+                <a:lnSpc>
+                  <a:spcPct val="100000"/>
+                </a:lnSpc>
+                <a:spcBef>
+                  <a:spcPts val="0"/>
+                </a:spcBef>
+                <a:spcAft>
+                  <a:spcPts val="0"/>
+                </a:spcAft>
+                <a:buClrTx/>
+                <a:buSzTx/>
+                <a:buFontTx/>
+                <a:buNone/>
+                <a:tabLst/>
+                <a:defRPr/>
+              </a:pPr>
+              <a:t>30</a:t>
             </a:fld>
-            <a:endParaRPr lang="en-US" dirty="0"/>
+            <a:endParaRPr kumimoji="0" lang="en-US" sz="1200" b="0" i="0" u="none" strike="noStrike" kern="1200" cap="none" spc="0" normalizeH="0" baseline="0" noProof="0" dirty="0">
+              <a:ln>
+                <a:noFill/>
+              </a:ln>
+              <a:solidFill>
+                <a:prstClr val="black"/>
+              </a:solidFill>
+              <a:effectLst/>
+              <a:uLnTx/>
+              <a:uFillTx/>
+              <a:latin typeface="Calibri" panose="020F0502020204030204"/>
+              <a:ea typeface="+mn-ea"/>
+              <a:cs typeface="+mn-cs"/>
+            </a:endParaRPr>
           </a:p>
         </p:txBody>
       </p:sp>
       <p:sp>
         <p:nvSpPr>
-          <p:cNvPr id="5" name="Footer Placeholder 7">
+          <p:cNvPr id="4" name="Footer Placeholder 7">
             <a:extLst>
               <a:ext uri="{FF2B5EF4-FFF2-40B4-BE49-F238E27FC236}">
-                <a16:creationId xmlns:a16="http://schemas.microsoft.com/office/drawing/2014/main" id="{53BF3A64-C1CC-0123-3F1A-73764E2490F0}"/>
+                <a16:creationId xmlns:a16="http://schemas.microsoft.com/office/drawing/2014/main" id="{5FCFC7B7-1C24-6ED3-2477-34E7AF4BC0C3}"/>
               </a:ext>
             </a:extLst>
           </p:cNvPr>
@@ -1259,7 +1222,7 @@
     </p:spTree>
     <p:extLst>
       <p:ext uri="{BB962C8B-B14F-4D97-AF65-F5344CB8AC3E}">
-        <p14:creationId xmlns:p14="http://schemas.microsoft.com/office/powerpoint/2010/main" val="1440974784"/>
+        <p14:creationId xmlns:p14="http://schemas.microsoft.com/office/powerpoint/2010/main" val="1949888808"/>
       </p:ext>
     </p:extLst>
   </p:cSld>
@@ -1313,6 +1276,252 @@
           <a:bodyPr/>
           <a:lstStyle/>
           <a:p>
+            <a:endParaRPr lang="en-US" dirty="0"/>
+          </a:p>
+        </p:txBody>
+      </p:sp>
+      <p:sp>
+        <p:nvSpPr>
+          <p:cNvPr id="7" name="Slide Number Placeholder 5">
+            <a:extLst>
+              <a:ext uri="{FF2B5EF4-FFF2-40B4-BE49-F238E27FC236}">
+                <a16:creationId xmlns:a16="http://schemas.microsoft.com/office/drawing/2014/main" id="{5049B984-F964-47FF-8179-0A3007CE21CD}"/>
+              </a:ext>
+            </a:extLst>
+          </p:cNvPr>
+          <p:cNvSpPr txBox="1">
+            <a:spLocks/>
+          </p:cNvSpPr>
+          <p:nvPr/>
+        </p:nvSpPr>
+        <p:spPr>
+          <a:xfrm>
+            <a:off x="6488999" y="8847000"/>
+            <a:ext cx="367414" cy="297000"/>
+          </a:xfrm>
+          <a:prstGeom prst="rect">
+            <a:avLst/>
+          </a:prstGeom>
+        </p:spPr>
+        <p:txBody>
+          <a:bodyPr vert="horz" lIns="91440" tIns="45720" rIns="91440" bIns="45720" rtlCol="0" anchor="b"/>
+          <a:lstStyle>
+            <a:defPPr>
+              <a:defRPr lang="en-US"/>
+            </a:defPPr>
+            <a:lvl1pPr marL="0" algn="r" defTabSz="914400" rtl="0" eaLnBrk="1" latinLnBrk="0" hangingPunct="1">
+              <a:defRPr sz="1200" kern="1200">
+                <a:solidFill>
+                  <a:schemeClr val="tx1"/>
+                </a:solidFill>
+                <a:latin typeface="+mn-lt"/>
+                <a:ea typeface="+mn-ea"/>
+                <a:cs typeface="+mn-cs"/>
+              </a:defRPr>
+            </a:lvl1pPr>
+            <a:lvl2pPr marL="457200" algn="l" defTabSz="914400" rtl="0" eaLnBrk="1" latinLnBrk="0" hangingPunct="1">
+              <a:defRPr sz="1800" kern="1200">
+                <a:solidFill>
+                  <a:schemeClr val="tx1"/>
+                </a:solidFill>
+                <a:latin typeface="+mn-lt"/>
+                <a:ea typeface="+mn-ea"/>
+                <a:cs typeface="+mn-cs"/>
+              </a:defRPr>
+            </a:lvl2pPr>
+            <a:lvl3pPr marL="914400" algn="l" defTabSz="914400" rtl="0" eaLnBrk="1" latinLnBrk="0" hangingPunct="1">
+              <a:defRPr sz="1800" kern="1200">
+                <a:solidFill>
+                  <a:schemeClr val="tx1"/>
+                </a:solidFill>
+                <a:latin typeface="+mn-lt"/>
+                <a:ea typeface="+mn-ea"/>
+                <a:cs typeface="+mn-cs"/>
+              </a:defRPr>
+            </a:lvl3pPr>
+            <a:lvl4pPr marL="1371600" algn="l" defTabSz="914400" rtl="0" eaLnBrk="1" latinLnBrk="0" hangingPunct="1">
+              <a:defRPr sz="1800" kern="1200">
+                <a:solidFill>
+                  <a:schemeClr val="tx1"/>
+                </a:solidFill>
+                <a:latin typeface="+mn-lt"/>
+                <a:ea typeface="+mn-ea"/>
+                <a:cs typeface="+mn-cs"/>
+              </a:defRPr>
+            </a:lvl4pPr>
+            <a:lvl5pPr marL="1828800" algn="l" defTabSz="914400" rtl="0" eaLnBrk="1" latinLnBrk="0" hangingPunct="1">
+              <a:defRPr sz="1800" kern="1200">
+                <a:solidFill>
+                  <a:schemeClr val="tx1"/>
+                </a:solidFill>
+                <a:latin typeface="+mn-lt"/>
+                <a:ea typeface="+mn-ea"/>
+                <a:cs typeface="+mn-cs"/>
+              </a:defRPr>
+            </a:lvl5pPr>
+            <a:lvl6pPr marL="2286000" algn="l" defTabSz="914400" rtl="0" eaLnBrk="1" latinLnBrk="0" hangingPunct="1">
+              <a:defRPr sz="1800" kern="1200">
+                <a:solidFill>
+                  <a:schemeClr val="tx1"/>
+                </a:solidFill>
+                <a:latin typeface="+mn-lt"/>
+                <a:ea typeface="+mn-ea"/>
+                <a:cs typeface="+mn-cs"/>
+              </a:defRPr>
+            </a:lvl6pPr>
+            <a:lvl7pPr marL="2743200" algn="l" defTabSz="914400" rtl="0" eaLnBrk="1" latinLnBrk="0" hangingPunct="1">
+              <a:defRPr sz="1800" kern="1200">
+                <a:solidFill>
+                  <a:schemeClr val="tx1"/>
+                </a:solidFill>
+                <a:latin typeface="+mn-lt"/>
+                <a:ea typeface="+mn-ea"/>
+                <a:cs typeface="+mn-cs"/>
+              </a:defRPr>
+            </a:lvl7pPr>
+            <a:lvl8pPr marL="3200400" algn="l" defTabSz="914400" rtl="0" eaLnBrk="1" latinLnBrk="0" hangingPunct="1">
+              <a:defRPr sz="1800" kern="1200">
+                <a:solidFill>
+                  <a:schemeClr val="tx1"/>
+                </a:solidFill>
+                <a:latin typeface="+mn-lt"/>
+                <a:ea typeface="+mn-ea"/>
+                <a:cs typeface="+mn-cs"/>
+              </a:defRPr>
+            </a:lvl8pPr>
+            <a:lvl9pPr marL="3657600" algn="l" defTabSz="914400" rtl="0" eaLnBrk="1" latinLnBrk="0" hangingPunct="1">
+              <a:defRPr sz="1800" kern="1200">
+                <a:solidFill>
+                  <a:schemeClr val="tx1"/>
+                </a:solidFill>
+                <a:latin typeface="+mn-lt"/>
+                <a:ea typeface="+mn-ea"/>
+                <a:cs typeface="+mn-cs"/>
+              </a:defRPr>
+            </a:lvl9pPr>
+          </a:lstStyle>
+          <a:p>
+            <a:fld id="{3EBA5BD7-F043-4D1B-AA17-CD412FC534DE}" type="slidenum">
+              <a:rPr lang="en-US" smtClean="0"/>
+              <a:pPr/>
+              <a:t>31</a:t>
+            </a:fld>
+            <a:endParaRPr lang="en-US" dirty="0"/>
+          </a:p>
+        </p:txBody>
+      </p:sp>
+      <p:sp>
+        <p:nvSpPr>
+          <p:cNvPr id="5" name="Footer Placeholder 7">
+            <a:extLst>
+              <a:ext uri="{FF2B5EF4-FFF2-40B4-BE49-F238E27FC236}">
+                <a16:creationId xmlns:a16="http://schemas.microsoft.com/office/drawing/2014/main" id="{53BF3A64-C1CC-0123-3F1A-73764E2490F0}"/>
+              </a:ext>
+            </a:extLst>
+          </p:cNvPr>
+          <p:cNvSpPr>
+            <a:spLocks noGrp="1"/>
+          </p:cNvSpPr>
+          <p:nvPr>
+            <p:ph type="ftr" sz="quarter" idx="4"/>
+          </p:nvPr>
+        </p:nvSpPr>
+        <p:spPr>
+          <a:xfrm>
+            <a:off x="-1" y="8892000"/>
+            <a:ext cx="6488999" cy="252000"/>
+          </a:xfrm>
+          <a:prstGeom prst="rect">
+            <a:avLst/>
+          </a:prstGeom>
+        </p:spPr>
+        <p:txBody>
+          <a:bodyPr vert="horz" lIns="91440" tIns="45720" rIns="91440" bIns="45720" rtlCol="0" anchor="b"/>
+          <a:lstStyle>
+            <a:lvl1pPr algn="l">
+              <a:defRPr sz="1100"/>
+            </a:lvl1pPr>
+          </a:lstStyle>
+          <a:p>
+            <a:r>
+              <a:rPr lang="bg-BG" sz="1100" dirty="0"/>
+              <a:t>Работна група </a:t>
+            </a:r>
+            <a:r>
+              <a:rPr lang="bg-BG" dirty="0"/>
+              <a:t>"Образование по програмиране и ИТ"</a:t>
+            </a:r>
+            <a:r>
+              <a:rPr lang="bg-BG" sz="1100" dirty="0"/>
+              <a:t>, с подкрепата на </a:t>
+            </a:r>
+            <a:r>
+              <a:rPr lang="en-US" sz="1100" dirty="0">
+                <a:hlinkClick r:id="rId3"/>
+              </a:rPr>
+              <a:t>SoftUni</a:t>
+            </a:r>
+            <a:endParaRPr lang="en-US" sz="1100" dirty="0"/>
+          </a:p>
+        </p:txBody>
+      </p:sp>
+    </p:spTree>
+    <p:extLst>
+      <p:ext uri="{BB962C8B-B14F-4D97-AF65-F5344CB8AC3E}">
+        <p14:creationId xmlns:p14="http://schemas.microsoft.com/office/powerpoint/2010/main" val="1440974784"/>
+      </p:ext>
+    </p:extLst>
+  </p:cSld>
+  <p:clrMapOvr>
+    <a:masterClrMapping/>
+  </p:clrMapOvr>
+</p:notes>
+</file>
+
+<file path=ppt/notesSlides/notesSlide12.xml><?xml version="1.0" encoding="utf-8"?>
+<p:notes xmlns:a="http://schemas.openxmlformats.org/drawingml/2006/main" xmlns:r="http://schemas.openxmlformats.org/officeDocument/2006/relationships" xmlns:p="http://schemas.openxmlformats.org/presentationml/2006/main">
+  <p:cSld>
+    <p:spTree>
+      <p:nvGrpSpPr>
+        <p:cNvPr id="1" name=""/>
+        <p:cNvGrpSpPr/>
+        <p:nvPr/>
+      </p:nvGrpSpPr>
+      <p:grpSpPr>
+        <a:xfrm>
+          <a:off x="0" y="0"/>
+          <a:ext cx="0" cy="0"/>
+          <a:chOff x="0" y="0"/>
+          <a:chExt cx="0" cy="0"/>
+        </a:xfrm>
+      </p:grpSpPr>
+      <p:sp>
+        <p:nvSpPr>
+          <p:cNvPr id="2" name="Slide Image Placeholder 1"/>
+          <p:cNvSpPr>
+            <a:spLocks noGrp="1" noRot="1" noChangeAspect="1"/>
+          </p:cNvSpPr>
+          <p:nvPr>
+            <p:ph type="sldImg"/>
+          </p:nvPr>
+        </p:nvSpPr>
+        <p:spPr/>
+      </p:sp>
+      <p:sp>
+        <p:nvSpPr>
+          <p:cNvPr id="3" name="Notes Placeholder 2"/>
+          <p:cNvSpPr>
+            <a:spLocks noGrp="1"/>
+          </p:cNvSpPr>
+          <p:nvPr>
+            <p:ph type="body" idx="1"/>
+          </p:nvPr>
+        </p:nvSpPr>
+        <p:spPr/>
+        <p:txBody>
+          <a:bodyPr/>
+          <a:lstStyle/>
+          <a:p>
             <a:endParaRPr lang="en-US"/>
           </a:p>
         </p:txBody>
@@ -1441,7 +1650,7 @@
             <a:fld id="{3EBA5BD7-F043-4D1B-AA17-CD412FC534DE}" type="slidenum">
               <a:rPr lang="en-US" smtClean="0"/>
               <a:pPr/>
-              <a:t>27</a:t>
+              <a:t>32</a:t>
             </a:fld>
             <a:endParaRPr lang="en-US" dirty="0"/>
           </a:p>
@@ -1838,9 +2047,7 @@
         </p:nvSpPr>
         <p:spPr/>
         <p:txBody>
-          <a:bodyPr>
-            <a:normAutofit/>
-          </a:bodyPr>
+          <a:bodyPr/>
           <a:lstStyle/>
           <a:p>
             <a:endParaRPr lang="en-US" dirty="0"/>
@@ -1854,7 +2061,7 @@
             <a:spLocks noGrp="1"/>
           </p:cNvSpPr>
           <p:nvPr>
-            <p:ph type="sldNum" sz="quarter" idx="10"/>
+            <p:ph type="sldNum" sz="quarter" idx="5"/>
           </p:nvPr>
         </p:nvSpPr>
         <p:spPr/>
@@ -1864,8 +2071,7 @@
           <a:p>
             <a:fld id="{2BF067CD-8E6B-4360-9AA8-C5DF2A48A6D1}" type="slidenum">
               <a:rPr lang="en-US" smtClean="0"/>
-              <a:pPr/>
-              <a:t>8</a:t>
+              <a:t>11</a:t>
             </a:fld>
             <a:endParaRPr lang="en-US" dirty="0"/>
           </a:p>
@@ -1873,13 +2079,7 @@
       </p:sp>
       <p:sp>
         <p:nvSpPr>
-          <p:cNvPr id="6" name="Footer Placeholder 7">
-            <a:extLst>
-              <a:ext uri="{FF2B5EF4-FFF2-40B4-BE49-F238E27FC236}">
-                <a16:creationId xmlns:a16="http://schemas.microsoft.com/office/drawing/2014/main" id="{E43E1290-EB1E-FE94-8E9C-B94191A5D31D}"/>
-              </a:ext>
-            </a:extLst>
-          </p:cNvPr>
+          <p:cNvPr id="5" name="Footer Placeholder 4"/>
           <p:cNvSpPr>
             <a:spLocks noGrp="1"/>
           </p:cNvSpPr>
@@ -1887,37 +2087,25 @@
             <p:ph type="ftr" sz="quarter" idx="4"/>
           </p:nvPr>
         </p:nvSpPr>
-        <p:spPr>
-          <a:xfrm>
-            <a:off x="-1" y="8892000"/>
-            <a:ext cx="6488999" cy="252000"/>
-          </a:xfrm>
-          <a:prstGeom prst="rect">
-            <a:avLst/>
-          </a:prstGeom>
-        </p:spPr>
+        <p:spPr/>
         <p:txBody>
-          <a:bodyPr vert="horz" lIns="91440" tIns="45720" rIns="91440" bIns="45720" rtlCol="0" anchor="b"/>
-          <a:lstStyle>
-            <a:lvl1pPr algn="l">
-              <a:defRPr sz="1100"/>
-            </a:lvl1pPr>
-          </a:lstStyle>
-          <a:p>
-            <a:r>
-              <a:rPr lang="bg-BG" sz="1100" dirty="0"/>
+          <a:bodyPr/>
+          <a:lstStyle/>
+          <a:p>
+            <a:r>
+              <a:rPr lang="bg-BG" sz="1100"/>
               <a:t>Работна група </a:t>
             </a:r>
             <a:r>
-              <a:rPr lang="bg-BG" dirty="0"/>
+              <a:rPr lang="bg-BG"/>
               <a:t>"Образование по програмиране и ИТ"</a:t>
             </a:r>
             <a:r>
-              <a:rPr lang="bg-BG" sz="1100" dirty="0"/>
+              <a:rPr lang="bg-BG" sz="1100"/>
               <a:t>, с подкрепата на </a:t>
             </a:r>
             <a:r>
-              <a:rPr lang="en-US" sz="1100" dirty="0">
+              <a:rPr lang="en-US" sz="1100">
                 <a:hlinkClick r:id="rId3"/>
               </a:rPr>
               <a:t>SoftUni</a:t>
@@ -1929,7 +2117,7 @@
     </p:spTree>
     <p:extLst>
       <p:ext uri="{BB962C8B-B14F-4D97-AF65-F5344CB8AC3E}">
-        <p14:creationId xmlns:p14="http://schemas.microsoft.com/office/powerpoint/2010/main" val="1587504618"/>
+        <p14:creationId xmlns:p14="http://schemas.microsoft.com/office/powerpoint/2010/main" val="850161042"/>
       </p:ext>
     </p:extLst>
   </p:cSld>
@@ -1980,10 +2168,12 @@
         </p:nvSpPr>
         <p:spPr/>
         <p:txBody>
-          <a:bodyPr/>
+          <a:bodyPr>
+            <a:normAutofit/>
+          </a:bodyPr>
           <a:lstStyle/>
           <a:p>
-            <a:endParaRPr lang="x-none" dirty="0"/>
+            <a:endParaRPr lang="en-US" dirty="0"/>
           </a:p>
         </p:txBody>
       </p:sp>
@@ -1994,7 +2184,7 @@
             <a:spLocks noGrp="1"/>
           </p:cNvSpPr>
           <p:nvPr>
-            <p:ph type="sldNum" sz="quarter" idx="5"/>
+            <p:ph type="sldNum" sz="quarter" idx="10"/>
           </p:nvPr>
         </p:nvSpPr>
         <p:spPr/>
@@ -2005,7 +2195,7 @@
             <a:fld id="{2BF067CD-8E6B-4360-9AA8-C5DF2A48A6D1}" type="slidenum">
               <a:rPr lang="en-US" smtClean="0"/>
               <a:pPr/>
-              <a:t>9</a:t>
+              <a:t>13</a:t>
             </a:fld>
             <a:endParaRPr lang="en-US" dirty="0"/>
           </a:p>
@@ -2016,7 +2206,7 @@
           <p:cNvPr id="6" name="Footer Placeholder 7">
             <a:extLst>
               <a:ext uri="{FF2B5EF4-FFF2-40B4-BE49-F238E27FC236}">
-                <a16:creationId xmlns:a16="http://schemas.microsoft.com/office/drawing/2014/main" id="{22BABE53-C212-BB8B-1A2C-9599DBA06341}"/>
+                <a16:creationId xmlns:a16="http://schemas.microsoft.com/office/drawing/2014/main" id="{E43E1290-EB1E-FE94-8E9C-B94191A5D31D}"/>
               </a:ext>
             </a:extLst>
           </p:cNvPr>
@@ -2069,7 +2259,7 @@
     </p:spTree>
     <p:extLst>
       <p:ext uri="{BB962C8B-B14F-4D97-AF65-F5344CB8AC3E}">
-        <p14:creationId xmlns:p14="http://schemas.microsoft.com/office/powerpoint/2010/main" val="2431899254"/>
+        <p14:creationId xmlns:p14="http://schemas.microsoft.com/office/powerpoint/2010/main" val="1587504618"/>
       </p:ext>
     </p:extLst>
   </p:cSld>
@@ -2145,7 +2335,7 @@
             <a:fld id="{2BF067CD-8E6B-4360-9AA8-C5DF2A48A6D1}" type="slidenum">
               <a:rPr lang="en-US" smtClean="0"/>
               <a:pPr/>
-              <a:t>13</a:t>
+              <a:t>14</a:t>
             </a:fld>
             <a:endParaRPr lang="en-US" dirty="0"/>
           </a:p>
@@ -2156,7 +2346,7 @@
           <p:cNvPr id="6" name="Footer Placeholder 7">
             <a:extLst>
               <a:ext uri="{FF2B5EF4-FFF2-40B4-BE49-F238E27FC236}">
-                <a16:creationId xmlns:a16="http://schemas.microsoft.com/office/drawing/2014/main" id="{66C5E3CE-FBF8-4A8F-7F58-3BFF30C87526}"/>
+                <a16:creationId xmlns:a16="http://schemas.microsoft.com/office/drawing/2014/main" id="{22BABE53-C212-BB8B-1A2C-9599DBA06341}"/>
               </a:ext>
             </a:extLst>
           </p:cNvPr>
@@ -2209,7 +2399,7 @@
     </p:spTree>
     <p:extLst>
       <p:ext uri="{BB962C8B-B14F-4D97-AF65-F5344CB8AC3E}">
-        <p14:creationId xmlns:p14="http://schemas.microsoft.com/office/powerpoint/2010/main" val="2578528294"/>
+        <p14:creationId xmlns:p14="http://schemas.microsoft.com/office/powerpoint/2010/main" val="2431899254"/>
       </p:ext>
     </p:extLst>
   </p:cSld>
@@ -2285,7 +2475,7 @@
             <a:fld id="{2BF067CD-8E6B-4360-9AA8-C5DF2A48A6D1}" type="slidenum">
               <a:rPr lang="en-US" smtClean="0"/>
               <a:pPr/>
-              <a:t>15</a:t>
+              <a:t>18</a:t>
             </a:fld>
             <a:endParaRPr lang="en-US" dirty="0"/>
           </a:p>
@@ -2296,7 +2486,7 @@
           <p:cNvPr id="6" name="Footer Placeholder 7">
             <a:extLst>
               <a:ext uri="{FF2B5EF4-FFF2-40B4-BE49-F238E27FC236}">
-                <a16:creationId xmlns:a16="http://schemas.microsoft.com/office/drawing/2014/main" id="{728847A1-DB5B-FA49-DCDC-C43B39A3B724}"/>
+                <a16:creationId xmlns:a16="http://schemas.microsoft.com/office/drawing/2014/main" id="{66C5E3CE-FBF8-4A8F-7F58-3BFF30C87526}"/>
               </a:ext>
             </a:extLst>
           </p:cNvPr>
@@ -2349,7 +2539,7 @@
     </p:spTree>
     <p:extLst>
       <p:ext uri="{BB962C8B-B14F-4D97-AF65-F5344CB8AC3E}">
-        <p14:creationId xmlns:p14="http://schemas.microsoft.com/office/powerpoint/2010/main" val="3259131797"/>
+        <p14:creationId xmlns:p14="http://schemas.microsoft.com/office/powerpoint/2010/main" val="2578528294"/>
       </p:ext>
     </p:extLst>
   </p:cSld>
@@ -2400,12 +2590,10 @@
         </p:nvSpPr>
         <p:spPr/>
         <p:txBody>
-          <a:bodyPr>
-            <a:normAutofit/>
-          </a:bodyPr>
+          <a:bodyPr/>
           <a:lstStyle/>
           <a:p>
-            <a:endParaRPr lang="en-US" dirty="0"/>
+            <a:endParaRPr lang="x-none" dirty="0"/>
           </a:p>
         </p:txBody>
       </p:sp>
@@ -2416,7 +2604,7 @@
             <a:spLocks noGrp="1"/>
           </p:cNvSpPr>
           <p:nvPr>
-            <p:ph type="sldNum" sz="quarter" idx="10"/>
+            <p:ph type="sldNum" sz="quarter" idx="5"/>
           </p:nvPr>
         </p:nvSpPr>
         <p:spPr/>
@@ -2427,7 +2615,7 @@
             <a:fld id="{2BF067CD-8E6B-4360-9AA8-C5DF2A48A6D1}" type="slidenum">
               <a:rPr lang="en-US" smtClean="0"/>
               <a:pPr/>
-              <a:t>24</a:t>
+              <a:t>20</a:t>
             </a:fld>
             <a:endParaRPr lang="en-US" dirty="0"/>
           </a:p>
@@ -2438,7 +2626,7 @@
           <p:cNvPr id="6" name="Footer Placeholder 7">
             <a:extLst>
               <a:ext uri="{FF2B5EF4-FFF2-40B4-BE49-F238E27FC236}">
-                <a16:creationId xmlns:a16="http://schemas.microsoft.com/office/drawing/2014/main" id="{F78D82EE-0FE6-AAC9-2B93-1693CD587F12}"/>
+                <a16:creationId xmlns:a16="http://schemas.microsoft.com/office/drawing/2014/main" id="{728847A1-DB5B-FA49-DCDC-C43B39A3B724}"/>
               </a:ext>
             </a:extLst>
           </p:cNvPr>
@@ -2491,7 +2679,7 @@
     </p:spTree>
     <p:extLst>
       <p:ext uri="{BB962C8B-B14F-4D97-AF65-F5344CB8AC3E}">
-        <p14:creationId xmlns:p14="http://schemas.microsoft.com/office/powerpoint/2010/main" val="2466887280"/>
+        <p14:creationId xmlns:p14="http://schemas.microsoft.com/office/powerpoint/2010/main" val="3259131797"/>
       </p:ext>
     </p:extLst>
   </p:cSld>
@@ -2542,7 +2730,9 @@
         </p:nvSpPr>
         <p:spPr/>
         <p:txBody>
-          <a:bodyPr/>
+          <a:bodyPr>
+            <a:normAutofit/>
+          </a:bodyPr>
           <a:lstStyle/>
           <a:p>
             <a:endParaRPr lang="en-US" dirty="0"/>
@@ -2551,12 +2741,12 @@
       </p:sp>
       <p:sp>
         <p:nvSpPr>
-          <p:cNvPr id="5" name="Slide Number Placeholder 4"/>
+          <p:cNvPr id="4" name="Slide Number Placeholder 3"/>
           <p:cNvSpPr>
             <a:spLocks noGrp="1"/>
           </p:cNvSpPr>
           <p:nvPr>
-            <p:ph type="sldNum" sz="quarter" idx="11"/>
+            <p:ph type="sldNum" sz="quarter" idx="10"/>
           </p:nvPr>
         </p:nvSpPr>
         <p:spPr/>
@@ -2564,80 +2754,21 @@
           <a:bodyPr/>
           <a:lstStyle/>
           <a:p>
-            <a:pPr marL="0" marR="0" lvl="0" indent="0" algn="r" defTabSz="914400" rtl="0" eaLnBrk="1" fontAlgn="auto" latinLnBrk="0" hangingPunct="1">
-              <a:lnSpc>
-                <a:spcPct val="100000"/>
-              </a:lnSpc>
-              <a:spcBef>
-                <a:spcPts val="0"/>
-              </a:spcBef>
-              <a:spcAft>
-                <a:spcPts val="0"/>
-              </a:spcAft>
-              <a:buClrTx/>
-              <a:buSzTx/>
-              <a:buFontTx/>
-              <a:buNone/>
-              <a:tabLst/>
-              <a:defRPr/>
-            </a:pPr>
-            <a:fld id="{3EBA5BD7-F043-4D1B-AA17-CD412FC534DE}" type="slidenum">
-              <a:rPr kumimoji="0" lang="en-US" sz="1200" b="0" i="0" u="none" strike="noStrike" kern="1200" cap="none" spc="0" normalizeH="0" baseline="0" noProof="0" smtClean="0">
-                <a:ln>
-                  <a:noFill/>
-                </a:ln>
-                <a:solidFill>
-                  <a:prstClr val="black"/>
-                </a:solidFill>
-                <a:effectLst/>
-                <a:uLnTx/>
-                <a:uFillTx/>
-                <a:latin typeface="Calibri" panose="020F0502020204030204"/>
-                <a:ea typeface="+mn-ea"/>
-                <a:cs typeface="+mn-cs"/>
-              </a:rPr>
-              <a:pPr marL="0" marR="0" lvl="0" indent="0" algn="r" defTabSz="914400" rtl="0" eaLnBrk="1" fontAlgn="auto" latinLnBrk="0" hangingPunct="1">
-                <a:lnSpc>
-                  <a:spcPct val="100000"/>
-                </a:lnSpc>
-                <a:spcBef>
-                  <a:spcPts val="0"/>
-                </a:spcBef>
-                <a:spcAft>
-                  <a:spcPts val="0"/>
-                </a:spcAft>
-                <a:buClrTx/>
-                <a:buSzTx/>
-                <a:buFontTx/>
-                <a:buNone/>
-                <a:tabLst/>
-                <a:defRPr/>
-              </a:pPr>
-              <a:t>25</a:t>
+            <a:fld id="{2BF067CD-8E6B-4360-9AA8-C5DF2A48A6D1}" type="slidenum">
+              <a:rPr lang="en-US" smtClean="0"/>
+              <a:pPr/>
+              <a:t>29</a:t>
             </a:fld>
-            <a:endParaRPr kumimoji="0" lang="en-US" sz="1200" b="0" i="0" u="none" strike="noStrike" kern="1200" cap="none" spc="0" normalizeH="0" baseline="0" noProof="0" dirty="0">
-              <a:ln>
-                <a:noFill/>
-              </a:ln>
-              <a:solidFill>
-                <a:prstClr val="black"/>
-              </a:solidFill>
-              <a:effectLst/>
-              <a:uLnTx/>
-              <a:uFillTx/>
-              <a:latin typeface="Calibri" panose="020F0502020204030204"/>
-              <a:ea typeface="+mn-ea"/>
-              <a:cs typeface="+mn-cs"/>
-            </a:endParaRPr>
+            <a:endParaRPr lang="en-US" dirty="0"/>
           </a:p>
         </p:txBody>
       </p:sp>
       <p:sp>
         <p:nvSpPr>
-          <p:cNvPr id="4" name="Footer Placeholder 7">
+          <p:cNvPr id="6" name="Footer Placeholder 7">
             <a:extLst>
               <a:ext uri="{FF2B5EF4-FFF2-40B4-BE49-F238E27FC236}">
-                <a16:creationId xmlns:a16="http://schemas.microsoft.com/office/drawing/2014/main" id="{5FCFC7B7-1C24-6ED3-2477-34E7AF4BC0C3}"/>
+                <a16:creationId xmlns:a16="http://schemas.microsoft.com/office/drawing/2014/main" id="{F78D82EE-0FE6-AAC9-2B93-1693CD587F12}"/>
               </a:ext>
             </a:extLst>
           </p:cNvPr>
@@ -2690,7 +2821,7 @@
     </p:spTree>
     <p:extLst>
       <p:ext uri="{BB962C8B-B14F-4D97-AF65-F5344CB8AC3E}">
-        <p14:creationId xmlns:p14="http://schemas.microsoft.com/office/powerpoint/2010/main" val="1949888808"/>
+        <p14:creationId xmlns:p14="http://schemas.microsoft.com/office/powerpoint/2010/main" val="2466887280"/>
       </p:ext>
     </p:extLst>
   </p:cSld>
@@ -8016,6 +8147,1739 @@
       </p:grpSpPr>
       <p:sp>
         <p:nvSpPr>
+          <p:cNvPr id="2" name="Slide Number Placeholder 1">
+            <a:extLst>
+              <a:ext uri="{FF2B5EF4-FFF2-40B4-BE49-F238E27FC236}">
+                <a16:creationId xmlns:a16="http://schemas.microsoft.com/office/drawing/2014/main" id="{88B9A2A4-397D-52B2-42FA-37085238409F}"/>
+              </a:ext>
+            </a:extLst>
+          </p:cNvPr>
+          <p:cNvSpPr>
+            <a:spLocks noGrp="1"/>
+          </p:cNvSpPr>
+          <p:nvPr>
+            <p:ph type="sldNum" sz="quarter" idx="5"/>
+          </p:nvPr>
+        </p:nvSpPr>
+        <p:spPr/>
+        <p:txBody>
+          <a:bodyPr/>
+          <a:lstStyle/>
+          <a:p>
+            <a:fld id="{2BF067CD-8E6B-4360-9AA8-C5DF2A48A6D1}" type="slidenum">
+              <a:rPr lang="en-US" noProof="0" smtClean="0"/>
+              <a:pPr/>
+              <a:t>10</a:t>
+            </a:fld>
+            <a:endParaRPr lang="en-US" noProof="0" dirty="0"/>
+          </a:p>
+        </p:txBody>
+      </p:sp>
+      <p:sp>
+        <p:nvSpPr>
+          <p:cNvPr id="3" name="Text Placeholder 2">
+            <a:extLst>
+              <a:ext uri="{FF2B5EF4-FFF2-40B4-BE49-F238E27FC236}">
+                <a16:creationId xmlns:a16="http://schemas.microsoft.com/office/drawing/2014/main" id="{E859F384-14D2-418E-A867-6E174A97B515}"/>
+              </a:ext>
+            </a:extLst>
+          </p:cNvPr>
+          <p:cNvSpPr>
+            <a:spLocks noGrp="1"/>
+          </p:cNvSpPr>
+          <p:nvPr>
+            <p:ph type="body" sz="quarter" idx="10"/>
+          </p:nvPr>
+        </p:nvSpPr>
+        <p:spPr/>
+        <p:txBody>
+          <a:bodyPr/>
+          <a:lstStyle/>
+          <a:p>
+            <a:pPr>
+              <a:buClr>
+                <a:schemeClr val="tx1"/>
+              </a:buClr>
+            </a:pPr>
+            <a:r>
+              <a:rPr lang="ru-RU" dirty="0"/>
+              <a:t>Ще трябва да приемете лицензионно споразумение и след това на </a:t>
+            </a:r>
+            <a:r>
+              <a:rPr lang="ru-RU" b="1" dirty="0">
+                <a:solidFill>
+                  <a:schemeClr val="bg1"/>
+                </a:solidFill>
+              </a:rPr>
+              <a:t>следващия екран </a:t>
+            </a:r>
+            <a:r>
+              <a:rPr lang="ru-RU" dirty="0"/>
+              <a:t>натиснете </a:t>
+            </a:r>
+            <a:r>
+              <a:rPr lang="en-US" dirty="0">
+                <a:latin typeface="Consolas" panose="020B0609020204030204" pitchFamily="49" charset="0"/>
+              </a:rPr>
+              <a:t>[</a:t>
+            </a:r>
+            <a:r>
+              <a:rPr lang="en-US" b="1" dirty="0">
+                <a:solidFill>
+                  <a:schemeClr val="bg1"/>
+                </a:solidFill>
+                <a:latin typeface="Consolas" panose="020B0609020204030204" pitchFamily="49" charset="0"/>
+              </a:rPr>
+              <a:t>Install</a:t>
+            </a:r>
+            <a:r>
+              <a:rPr lang="en-US" dirty="0">
+                <a:latin typeface="Consolas" panose="020B0609020204030204" pitchFamily="49" charset="0"/>
+              </a:rPr>
+              <a:t>]</a:t>
+            </a:r>
+            <a:r>
+              <a:rPr lang="ru-RU" dirty="0"/>
+              <a:t>:</a:t>
+            </a:r>
+            <a:endParaRPr lang="en-US" dirty="0"/>
+          </a:p>
+        </p:txBody>
+      </p:sp>
+      <p:sp>
+        <p:nvSpPr>
+          <p:cNvPr id="4" name="Title 3">
+            <a:extLst>
+              <a:ext uri="{FF2B5EF4-FFF2-40B4-BE49-F238E27FC236}">
+                <a16:creationId xmlns:a16="http://schemas.microsoft.com/office/drawing/2014/main" id="{81723B9E-72D3-FC99-2F89-33AEAF20CA22}"/>
+              </a:ext>
+            </a:extLst>
+          </p:cNvPr>
+          <p:cNvSpPr>
+            <a:spLocks noGrp="1"/>
+          </p:cNvSpPr>
+          <p:nvPr>
+            <p:ph type="title"/>
+          </p:nvPr>
+        </p:nvSpPr>
+        <p:spPr/>
+        <p:txBody>
+          <a:bodyPr/>
+          <a:lstStyle/>
+          <a:p>
+            <a:r>
+              <a:rPr lang="bg-BG" dirty="0"/>
+              <a:t>Изтегляне на </a:t>
+            </a:r>
+            <a:r>
+              <a:rPr lang="en-US" dirty="0"/>
+              <a:t>SQL Server Express LocalDB (</a:t>
+            </a:r>
+            <a:r>
+              <a:rPr lang="bg-BG" dirty="0"/>
+              <a:t>5</a:t>
+            </a:r>
+            <a:r>
+              <a:rPr lang="en-US" dirty="0"/>
+              <a:t>)</a:t>
+            </a:r>
+          </a:p>
+        </p:txBody>
+      </p:sp>
+      <p:pic>
+        <p:nvPicPr>
+          <p:cNvPr id="5122" name="Picture 2" descr="SqlLocalDB installer">
+            <a:extLst>
+              <a:ext uri="{FF2B5EF4-FFF2-40B4-BE49-F238E27FC236}">
+                <a16:creationId xmlns:a16="http://schemas.microsoft.com/office/drawing/2014/main" id="{581E1F8C-2AA9-AD92-C995-A2E72E343D1B}"/>
+              </a:ext>
+            </a:extLst>
+          </p:cNvPr>
+          <p:cNvPicPr>
+            <a:picLocks noChangeAspect="1" noChangeArrowheads="1"/>
+          </p:cNvPicPr>
+          <p:nvPr/>
+        </p:nvPicPr>
+        <p:blipFill>
+          <a:blip r:embed="rId2">
+            <a:extLst>
+              <a:ext uri="{28A0092B-C50C-407E-A947-70E740481C1C}">
+                <a14:useLocalDpi xmlns:a14="http://schemas.microsoft.com/office/drawing/2010/main" val="0"/>
+              </a:ext>
+            </a:extLst>
+          </a:blip>
+          <a:srcRect/>
+          <a:stretch>
+            <a:fillRect/>
+          </a:stretch>
+        </p:blipFill>
+        <p:spPr bwMode="auto">
+          <a:xfrm>
+            <a:off x="3368291" y="2439000"/>
+            <a:ext cx="5455419" cy="4140000"/>
+          </a:xfrm>
+          <a:prstGeom prst="rect">
+            <a:avLst/>
+          </a:prstGeom>
+          <a:noFill/>
+          <a:extLst>
+            <a:ext uri="{909E8E84-426E-40DD-AFC4-6F175D3DCCD1}">
+              <a14:hiddenFill xmlns:a14="http://schemas.microsoft.com/office/drawing/2010/main">
+                <a:solidFill>
+                  <a:srgbClr val="FFFFFF"/>
+                </a:solidFill>
+              </a14:hiddenFill>
+            </a:ext>
+          </a:extLst>
+        </p:spPr>
+      </p:pic>
+    </p:spTree>
+    <p:extLst>
+      <p:ext uri="{BB962C8B-B14F-4D97-AF65-F5344CB8AC3E}">
+        <p14:creationId xmlns:p14="http://schemas.microsoft.com/office/powerpoint/2010/main" val="662868465"/>
+      </p:ext>
+    </p:extLst>
+  </p:cSld>
+  <p:clrMapOvr>
+    <a:masterClrMapping/>
+  </p:clrMapOvr>
+  <mc:AlternateContent xmlns:mc="http://schemas.openxmlformats.org/markup-compatibility/2006" xmlns:p14="http://schemas.microsoft.com/office/powerpoint/2010/main">
+    <mc:Choice Requires="p14">
+      <p:transition spd="slow" p14:dur="2000" advClick="0" advTm="5000"/>
+    </mc:Choice>
+    <mc:Fallback xmlns="">
+      <p:transition spd="slow" advClick="0" advTm="5000"/>
+    </mc:Fallback>
+  </mc:AlternateContent>
+</p:sld>
+</file>
+
+<file path=ppt/slides/slide11.xml><?xml version="1.0" encoding="utf-8"?>
+<p:sld xmlns:a="http://schemas.openxmlformats.org/drawingml/2006/main" xmlns:r="http://schemas.openxmlformats.org/officeDocument/2006/relationships" xmlns:p="http://schemas.openxmlformats.org/presentationml/2006/main">
+  <p:cSld>
+    <p:spTree>
+      <p:nvGrpSpPr>
+        <p:cNvPr id="1" name=""/>
+        <p:cNvGrpSpPr/>
+        <p:nvPr/>
+      </p:nvGrpSpPr>
+      <p:grpSpPr>
+        <a:xfrm>
+          <a:off x="0" y="0"/>
+          <a:ext cx="0" cy="0"/>
+          <a:chOff x="0" y="0"/>
+          <a:chExt cx="0" cy="0"/>
+        </a:xfrm>
+      </p:grpSpPr>
+      <p:sp>
+        <p:nvSpPr>
+          <p:cNvPr id="2" name="Slide Number Placeholder 1">
+            <a:extLst>
+              <a:ext uri="{FF2B5EF4-FFF2-40B4-BE49-F238E27FC236}">
+                <a16:creationId xmlns:a16="http://schemas.microsoft.com/office/drawing/2014/main" id="{88B9A2A4-397D-52B2-42FA-37085238409F}"/>
+              </a:ext>
+            </a:extLst>
+          </p:cNvPr>
+          <p:cNvSpPr>
+            <a:spLocks noGrp="1"/>
+          </p:cNvSpPr>
+          <p:nvPr>
+            <p:ph type="sldNum" sz="quarter" idx="5"/>
+          </p:nvPr>
+        </p:nvSpPr>
+        <p:spPr/>
+        <p:txBody>
+          <a:bodyPr/>
+          <a:lstStyle/>
+          <a:p>
+            <a:fld id="{2BF067CD-8E6B-4360-9AA8-C5DF2A48A6D1}" type="slidenum">
+              <a:rPr lang="en-US" noProof="0" smtClean="0"/>
+              <a:pPr/>
+              <a:t>11</a:t>
+            </a:fld>
+            <a:endParaRPr lang="en-US" noProof="0" dirty="0"/>
+          </a:p>
+        </p:txBody>
+      </p:sp>
+      <p:sp>
+        <p:nvSpPr>
+          <p:cNvPr id="3" name="Text Placeholder 2">
+            <a:extLst>
+              <a:ext uri="{FF2B5EF4-FFF2-40B4-BE49-F238E27FC236}">
+                <a16:creationId xmlns:a16="http://schemas.microsoft.com/office/drawing/2014/main" id="{E859F384-14D2-418E-A867-6E174A97B515}"/>
+              </a:ext>
+            </a:extLst>
+          </p:cNvPr>
+          <p:cNvSpPr>
+            <a:spLocks noGrp="1"/>
+          </p:cNvSpPr>
+          <p:nvPr>
+            <p:ph type="body" sz="quarter" idx="10"/>
+          </p:nvPr>
+        </p:nvSpPr>
+        <p:spPr/>
+        <p:txBody>
+          <a:bodyPr/>
+          <a:lstStyle/>
+          <a:p>
+            <a:pPr>
+              <a:buClr>
+                <a:schemeClr val="tx1"/>
+              </a:buClr>
+            </a:pPr>
+            <a:r>
+              <a:rPr lang="bg-BG" dirty="0"/>
+              <a:t>Инсталацията е </a:t>
+            </a:r>
+            <a:r>
+              <a:rPr lang="bg-BG" b="1" dirty="0">
+                <a:solidFill>
+                  <a:schemeClr val="bg1"/>
+                </a:solidFill>
+              </a:rPr>
+              <a:t>завършена</a:t>
+            </a:r>
+            <a:r>
+              <a:rPr lang="en-US" dirty="0"/>
+              <a:t>:</a:t>
+            </a:r>
+          </a:p>
+        </p:txBody>
+      </p:sp>
+      <p:sp>
+        <p:nvSpPr>
+          <p:cNvPr id="4" name="Title 3">
+            <a:extLst>
+              <a:ext uri="{FF2B5EF4-FFF2-40B4-BE49-F238E27FC236}">
+                <a16:creationId xmlns:a16="http://schemas.microsoft.com/office/drawing/2014/main" id="{81723B9E-72D3-FC99-2F89-33AEAF20CA22}"/>
+              </a:ext>
+            </a:extLst>
+          </p:cNvPr>
+          <p:cNvSpPr>
+            <a:spLocks noGrp="1"/>
+          </p:cNvSpPr>
+          <p:nvPr>
+            <p:ph type="title"/>
+          </p:nvPr>
+        </p:nvSpPr>
+        <p:spPr/>
+        <p:txBody>
+          <a:bodyPr/>
+          <a:lstStyle/>
+          <a:p>
+            <a:r>
+              <a:rPr lang="bg-BG" dirty="0"/>
+              <a:t>Изтегляне на </a:t>
+            </a:r>
+            <a:r>
+              <a:rPr lang="en-US" dirty="0"/>
+              <a:t>SQL Server Express LocalDB (6)</a:t>
+            </a:r>
+          </a:p>
+        </p:txBody>
+      </p:sp>
+      <p:pic>
+        <p:nvPicPr>
+          <p:cNvPr id="6146" name="Picture 2" descr="SqlLocalDb installer - complete">
+            <a:extLst>
+              <a:ext uri="{FF2B5EF4-FFF2-40B4-BE49-F238E27FC236}">
+                <a16:creationId xmlns:a16="http://schemas.microsoft.com/office/drawing/2014/main" id="{157D38BE-517B-3D83-B9DE-D7A2763BBD5A}"/>
+              </a:ext>
+            </a:extLst>
+          </p:cNvPr>
+          <p:cNvPicPr>
+            <a:picLocks noChangeAspect="1" noChangeArrowheads="1"/>
+          </p:cNvPicPr>
+          <p:nvPr/>
+        </p:nvPicPr>
+        <p:blipFill>
+          <a:blip r:embed="rId3">
+            <a:extLst>
+              <a:ext uri="{28A0092B-C50C-407E-A947-70E740481C1C}">
+                <a14:useLocalDpi xmlns:a14="http://schemas.microsoft.com/office/drawing/2010/main" val="0"/>
+              </a:ext>
+            </a:extLst>
+          </a:blip>
+          <a:srcRect/>
+          <a:stretch>
+            <a:fillRect/>
+          </a:stretch>
+        </p:blipFill>
+        <p:spPr bwMode="auto">
+          <a:xfrm>
+            <a:off x="3173718" y="2034000"/>
+            <a:ext cx="5844564" cy="4428000"/>
+          </a:xfrm>
+          <a:prstGeom prst="rect">
+            <a:avLst/>
+          </a:prstGeom>
+          <a:noFill/>
+          <a:extLst>
+            <a:ext uri="{909E8E84-426E-40DD-AFC4-6F175D3DCCD1}">
+              <a14:hiddenFill xmlns:a14="http://schemas.microsoft.com/office/drawing/2010/main">
+                <a:solidFill>
+                  <a:srgbClr val="FFFFFF"/>
+                </a:solidFill>
+              </a14:hiddenFill>
+            </a:ext>
+          </a:extLst>
+        </p:spPr>
+      </p:pic>
+    </p:spTree>
+    <p:extLst>
+      <p:ext uri="{BB962C8B-B14F-4D97-AF65-F5344CB8AC3E}">
+        <p14:creationId xmlns:p14="http://schemas.microsoft.com/office/powerpoint/2010/main" val="4028937558"/>
+      </p:ext>
+    </p:extLst>
+  </p:cSld>
+  <p:clrMapOvr>
+    <a:masterClrMapping/>
+  </p:clrMapOvr>
+  <mc:AlternateContent xmlns:mc="http://schemas.openxmlformats.org/markup-compatibility/2006" xmlns:p14="http://schemas.microsoft.com/office/powerpoint/2010/main">
+    <mc:Choice Requires="p14">
+      <p:transition spd="slow" p14:dur="2000" advClick="0" advTm="5000"/>
+    </mc:Choice>
+    <mc:Fallback xmlns="">
+      <p:transition spd="slow" advClick="0" advTm="5000"/>
+    </mc:Fallback>
+  </mc:AlternateContent>
+</p:sld>
+</file>
+
+<file path=ppt/slides/slide12.xml><?xml version="1.0" encoding="utf-8"?>
+<p:sld xmlns:a="http://schemas.openxmlformats.org/drawingml/2006/main" xmlns:r="http://schemas.openxmlformats.org/officeDocument/2006/relationships" xmlns:p="http://schemas.openxmlformats.org/presentationml/2006/main">
+  <p:cSld>
+    <p:spTree>
+      <p:nvGrpSpPr>
+        <p:cNvPr id="1" name=""/>
+        <p:cNvGrpSpPr/>
+        <p:nvPr/>
+      </p:nvGrpSpPr>
+      <p:grpSpPr>
+        <a:xfrm>
+          <a:off x="0" y="0"/>
+          <a:ext cx="0" cy="0"/>
+          <a:chOff x="0" y="0"/>
+          <a:chExt cx="0" cy="0"/>
+        </a:xfrm>
+      </p:grpSpPr>
+      <p:sp>
+        <p:nvSpPr>
+          <p:cNvPr id="3" name="Text Placeholder 2"/>
+          <p:cNvSpPr>
+            <a:spLocks noGrp="1"/>
+          </p:cNvSpPr>
+          <p:nvPr>
+            <p:ph type="body" sz="quarter" idx="11"/>
+          </p:nvPr>
+        </p:nvSpPr>
+        <p:spPr/>
+        <p:txBody>
+          <a:bodyPr>
+            <a:noAutofit/>
+          </a:bodyPr>
+          <a:lstStyle/>
+          <a:p>
+            <a:r>
+              <a:rPr lang="bg-BG" sz="3200" dirty="0"/>
+              <a:t>Изисква </a:t>
+            </a:r>
+            <a:r>
+              <a:rPr lang="bg-BG" sz="3200" b="1" dirty="0">
+                <a:solidFill>
+                  <a:schemeClr val="bg1"/>
+                </a:solidFill>
+              </a:rPr>
+              <a:t>повече</a:t>
+            </a:r>
+            <a:r>
+              <a:rPr lang="bg-BG" sz="3200" dirty="0"/>
+              <a:t> </a:t>
+            </a:r>
+            <a:r>
+              <a:rPr lang="bg-BG" sz="3200" b="1" dirty="0">
+                <a:solidFill>
+                  <a:schemeClr val="bg1"/>
+                </a:solidFill>
+              </a:rPr>
+              <a:t>ресурси</a:t>
+            </a:r>
+            <a:r>
+              <a:rPr lang="bg-BG" sz="3200" dirty="0"/>
+              <a:t>, защото е богат на функции</a:t>
+            </a:r>
+          </a:p>
+          <a:p>
+            <a:r>
+              <a:rPr lang="bg-BG" sz="3200" dirty="0"/>
+              <a:t>Изисква </a:t>
+            </a:r>
+            <a:r>
+              <a:rPr lang="bg-BG" sz="3200" b="1" dirty="0">
+                <a:solidFill>
+                  <a:schemeClr val="bg1"/>
+                </a:solidFill>
+              </a:rPr>
+              <a:t>внедряване </a:t>
+            </a:r>
+            <a:r>
+              <a:rPr lang="bg-BG" sz="3200" dirty="0"/>
+              <a:t>и </a:t>
+            </a:r>
+            <a:r>
+              <a:rPr lang="bg-BG" sz="3200" b="1" dirty="0">
+                <a:solidFill>
+                  <a:schemeClr val="bg1"/>
+                </a:solidFill>
+              </a:rPr>
+              <a:t>администриране </a:t>
+            </a:r>
+            <a:r>
+              <a:rPr lang="bg-BG" sz="3200" dirty="0"/>
+              <a:t>на специален сървър.</a:t>
+            </a:r>
+          </a:p>
+          <a:p>
+            <a:pPr>
+              <a:buClr>
+                <a:schemeClr val="tx1"/>
+              </a:buClr>
+            </a:pPr>
+            <a:r>
+              <a:rPr lang="ru-RU" sz="3200" b="1" dirty="0">
+                <a:solidFill>
+                  <a:schemeClr val="bg1"/>
+                </a:solidFill>
+              </a:rPr>
+              <a:t>Разходи за лицензиране </a:t>
+            </a:r>
+            <a:r>
+              <a:rPr lang="ru-RU" sz="3200" dirty="0"/>
+              <a:t>за определени издания.</a:t>
+            </a:r>
+          </a:p>
+          <a:p>
+            <a:br>
+              <a:rPr lang="ru-RU" sz="3200" dirty="0"/>
+            </a:br>
+            <a:endParaRPr lang="en-US" sz="3200" dirty="0"/>
+          </a:p>
+        </p:txBody>
+      </p:sp>
+      <p:sp>
+        <p:nvSpPr>
+          <p:cNvPr id="4" name="Text Placeholder 3"/>
+          <p:cNvSpPr>
+            <a:spLocks noGrp="1"/>
+          </p:cNvSpPr>
+          <p:nvPr>
+            <p:ph type="body" sz="quarter" idx="10"/>
+          </p:nvPr>
+        </p:nvSpPr>
+        <p:spPr/>
+        <p:txBody>
+          <a:bodyPr>
+            <a:noAutofit/>
+          </a:bodyPr>
+          <a:lstStyle/>
+          <a:p>
+            <a:r>
+              <a:rPr lang="ru-RU" sz="3200" dirty="0"/>
+              <a:t>Добър и мащабируем за приложения на </a:t>
+            </a:r>
+            <a:r>
+              <a:rPr lang="bg-BG" sz="3200" b="1" dirty="0">
+                <a:solidFill>
+                  <a:schemeClr val="bg1"/>
+                </a:solidFill>
+              </a:rPr>
+              <a:t>корпоративно </a:t>
+            </a:r>
+            <a:r>
+              <a:rPr lang="ru-RU" sz="3200" b="1" dirty="0">
+                <a:solidFill>
+                  <a:schemeClr val="bg1"/>
+                </a:solidFill>
+              </a:rPr>
+              <a:t>ниво</a:t>
+            </a:r>
+          </a:p>
+          <a:p>
+            <a:pPr>
+              <a:buClr>
+                <a:schemeClr val="tx2"/>
+              </a:buClr>
+            </a:pPr>
+            <a:r>
+              <a:rPr lang="bg-BG" sz="3200" b="1" dirty="0">
+                <a:solidFill>
+                  <a:schemeClr val="bg1"/>
+                </a:solidFill>
+              </a:rPr>
+              <a:t>Инструменти </a:t>
+            </a:r>
+            <a:r>
+              <a:rPr lang="ru-RU" sz="3200" dirty="0"/>
+              <a:t>за бизнес разузнаване, анализ на данни и докладване</a:t>
+            </a:r>
+          </a:p>
+          <a:p>
+            <a:r>
+              <a:rPr lang="ru-RU" sz="3200" dirty="0"/>
+              <a:t>Подходящ за </a:t>
+            </a:r>
+            <a:r>
+              <a:rPr lang="bg-BG" sz="3200" b="1" dirty="0">
+                <a:solidFill>
+                  <a:schemeClr val="bg1"/>
+                </a:solidFill>
+              </a:rPr>
+              <a:t>сложни </a:t>
+            </a:r>
+            <a:r>
+              <a:rPr lang="ru-RU" sz="3200" b="1" dirty="0">
+                <a:solidFill>
+                  <a:schemeClr val="bg1"/>
+                </a:solidFill>
+              </a:rPr>
+              <a:t>сценарии</a:t>
+            </a:r>
+            <a:r>
+              <a:rPr lang="ru-RU" sz="3200" dirty="0"/>
+              <a:t> при съхранение на данни</a:t>
+            </a:r>
+            <a:br>
+              <a:rPr lang="ru-RU" sz="3200" dirty="0"/>
+            </a:br>
+            <a:r>
+              <a:rPr lang="ru-RU" sz="3200" dirty="0"/>
+              <a:t> </a:t>
+            </a:r>
+            <a:br>
+              <a:rPr lang="ru-RU" sz="3200" dirty="0"/>
+            </a:br>
+            <a:endParaRPr lang="ru-RU" sz="3200" dirty="0"/>
+          </a:p>
+          <a:p>
+            <a:endParaRPr lang="en-US" sz="3200" dirty="0"/>
+          </a:p>
+        </p:txBody>
+      </p:sp>
+      <p:sp>
+        <p:nvSpPr>
+          <p:cNvPr id="5" name="Title 4"/>
+          <p:cNvSpPr>
+            <a:spLocks noGrp="1"/>
+          </p:cNvSpPr>
+          <p:nvPr>
+            <p:ph type="title"/>
+          </p:nvPr>
+        </p:nvSpPr>
+        <p:spPr/>
+        <p:txBody>
+          <a:bodyPr/>
+          <a:lstStyle/>
+          <a:p>
+            <a:r>
+              <a:rPr lang="bg-BG" dirty="0"/>
+              <a:t>Предимства и недостатъци</a:t>
+            </a:r>
+            <a:endParaRPr lang="en-US" dirty="0"/>
+          </a:p>
+        </p:txBody>
+      </p:sp>
+      <p:sp>
+        <p:nvSpPr>
+          <p:cNvPr id="6" name="Slide Number">
+            <a:extLst>
+              <a:ext uri="{FF2B5EF4-FFF2-40B4-BE49-F238E27FC236}">
+                <a16:creationId xmlns:a16="http://schemas.microsoft.com/office/drawing/2014/main" id="{491921FC-C9C8-4E33-9434-0E6260A4C2C1}"/>
+              </a:ext>
+            </a:extLst>
+          </p:cNvPr>
+          <p:cNvSpPr txBox="1">
+            <a:spLocks/>
+          </p:cNvSpPr>
+          <p:nvPr/>
+        </p:nvSpPr>
+        <p:spPr>
+          <a:xfrm>
+            <a:off x="11753030" y="6507000"/>
+            <a:ext cx="367414" cy="297000"/>
+          </a:xfrm>
+          <a:prstGeom prst="rect">
+            <a:avLst/>
+          </a:prstGeom>
+        </p:spPr>
+        <p:txBody>
+          <a:bodyPr vert="horz" lIns="91440" tIns="45720" rIns="91440" bIns="45720" rtlCol="0" anchor="b"/>
+          <a:lstStyle>
+            <a:defPPr>
+              <a:defRPr lang="en-US"/>
+            </a:defPPr>
+            <a:lvl1pPr marL="0" algn="r" defTabSz="914400" rtl="0" eaLnBrk="1" latinLnBrk="0" hangingPunct="1">
+              <a:defRPr sz="1000" kern="1200">
+                <a:solidFill>
+                  <a:schemeClr val="tx1"/>
+                </a:solidFill>
+                <a:latin typeface="+mn-lt"/>
+                <a:ea typeface="+mn-ea"/>
+                <a:cs typeface="+mn-cs"/>
+              </a:defRPr>
+            </a:lvl1pPr>
+            <a:lvl2pPr marL="457200" algn="l" defTabSz="914400" rtl="0" eaLnBrk="1" latinLnBrk="0" hangingPunct="1">
+              <a:defRPr sz="1800" kern="1200">
+                <a:solidFill>
+                  <a:schemeClr val="tx1"/>
+                </a:solidFill>
+                <a:latin typeface="+mn-lt"/>
+                <a:ea typeface="+mn-ea"/>
+                <a:cs typeface="+mn-cs"/>
+              </a:defRPr>
+            </a:lvl2pPr>
+            <a:lvl3pPr marL="914400" algn="l" defTabSz="914400" rtl="0" eaLnBrk="1" latinLnBrk="0" hangingPunct="1">
+              <a:defRPr sz="1800" kern="1200">
+                <a:solidFill>
+                  <a:schemeClr val="tx1"/>
+                </a:solidFill>
+                <a:latin typeface="+mn-lt"/>
+                <a:ea typeface="+mn-ea"/>
+                <a:cs typeface="+mn-cs"/>
+              </a:defRPr>
+            </a:lvl3pPr>
+            <a:lvl4pPr marL="1371600" algn="l" defTabSz="914400" rtl="0" eaLnBrk="1" latinLnBrk="0" hangingPunct="1">
+              <a:defRPr sz="1800" kern="1200">
+                <a:solidFill>
+                  <a:schemeClr val="tx1"/>
+                </a:solidFill>
+                <a:latin typeface="+mn-lt"/>
+                <a:ea typeface="+mn-ea"/>
+                <a:cs typeface="+mn-cs"/>
+              </a:defRPr>
+            </a:lvl4pPr>
+            <a:lvl5pPr marL="1828800" algn="l" defTabSz="914400" rtl="0" eaLnBrk="1" latinLnBrk="0" hangingPunct="1">
+              <a:defRPr sz="1800" kern="1200">
+                <a:solidFill>
+                  <a:schemeClr val="tx1"/>
+                </a:solidFill>
+                <a:latin typeface="+mn-lt"/>
+                <a:ea typeface="+mn-ea"/>
+                <a:cs typeface="+mn-cs"/>
+              </a:defRPr>
+            </a:lvl5pPr>
+            <a:lvl6pPr marL="2286000" algn="l" defTabSz="914400" rtl="0" eaLnBrk="1" latinLnBrk="0" hangingPunct="1">
+              <a:defRPr sz="1800" kern="1200">
+                <a:solidFill>
+                  <a:schemeClr val="tx1"/>
+                </a:solidFill>
+                <a:latin typeface="+mn-lt"/>
+                <a:ea typeface="+mn-ea"/>
+                <a:cs typeface="+mn-cs"/>
+              </a:defRPr>
+            </a:lvl6pPr>
+            <a:lvl7pPr marL="2743200" algn="l" defTabSz="914400" rtl="0" eaLnBrk="1" latinLnBrk="0" hangingPunct="1">
+              <a:defRPr sz="1800" kern="1200">
+                <a:solidFill>
+                  <a:schemeClr val="tx1"/>
+                </a:solidFill>
+                <a:latin typeface="+mn-lt"/>
+                <a:ea typeface="+mn-ea"/>
+                <a:cs typeface="+mn-cs"/>
+              </a:defRPr>
+            </a:lvl7pPr>
+            <a:lvl8pPr marL="3200400" algn="l" defTabSz="914400" rtl="0" eaLnBrk="1" latinLnBrk="0" hangingPunct="1">
+              <a:defRPr sz="1800" kern="1200">
+                <a:solidFill>
+                  <a:schemeClr val="tx1"/>
+                </a:solidFill>
+                <a:latin typeface="+mn-lt"/>
+                <a:ea typeface="+mn-ea"/>
+                <a:cs typeface="+mn-cs"/>
+              </a:defRPr>
+            </a:lvl8pPr>
+            <a:lvl9pPr marL="3657600" algn="l" defTabSz="914400" rtl="0" eaLnBrk="1" latinLnBrk="0" hangingPunct="1">
+              <a:defRPr sz="1800" kern="1200">
+                <a:solidFill>
+                  <a:schemeClr val="tx1"/>
+                </a:solidFill>
+                <a:latin typeface="+mn-lt"/>
+                <a:ea typeface="+mn-ea"/>
+                <a:cs typeface="+mn-cs"/>
+              </a:defRPr>
+            </a:lvl9pPr>
+          </a:lstStyle>
+          <a:p>
+            <a:fld id="{2BF067CD-8E6B-4360-9AA8-C5DF2A48A6D1}" type="slidenum">
+              <a:rPr lang="en-US" smtClean="0"/>
+              <a:pPr/>
+              <a:t>12</a:t>
+            </a:fld>
+            <a:endParaRPr lang="en-US" dirty="0"/>
+          </a:p>
+        </p:txBody>
+      </p:sp>
+    </p:spTree>
+    <p:extLst>
+      <p:ext uri="{BB962C8B-B14F-4D97-AF65-F5344CB8AC3E}">
+        <p14:creationId xmlns:p14="http://schemas.microsoft.com/office/powerpoint/2010/main" val="524106649"/>
+      </p:ext>
+    </p:extLst>
+  </p:cSld>
+  <p:clrMapOvr>
+    <a:masterClrMapping/>
+  </p:clrMapOvr>
+  <mc:AlternateContent xmlns:mc="http://schemas.openxmlformats.org/markup-compatibility/2006" xmlns:p14="http://schemas.microsoft.com/office/powerpoint/2010/main">
+    <mc:Choice Requires="p14">
+      <p:transition spd="slow" p14:dur="2000" advClick="0" advTm="5000"/>
+    </mc:Choice>
+    <mc:Fallback xmlns="">
+      <p:transition spd="slow" advClick="0" advTm="5000"/>
+    </mc:Fallback>
+  </mc:AlternateContent>
+  <p:timing>
+    <p:tnLst>
+      <p:par>
+        <p:cTn id="1" dur="indefinite" restart="never" nodeType="tmRoot">
+          <p:childTnLst>
+            <p:seq concurrent="1" nextAc="seek">
+              <p:cTn id="2" dur="indefinite" nodeType="mainSeq">
+                <p:childTnLst>
+                  <p:par>
+                    <p:cTn id="3" fill="hold">
+                      <p:stCondLst>
+                        <p:cond delay="indefinite"/>
+                      </p:stCondLst>
+                      <p:childTnLst>
+                        <p:par>
+                          <p:cTn id="4" fill="hold">
+                            <p:stCondLst>
+                              <p:cond delay="0"/>
+                            </p:stCondLst>
+                            <p:childTnLst>
+                              <p:par>
+                                <p:cTn id="5" presetID="1" presetClass="entr" presetSubtype="0" fill="hold" nodeType="clickEffect">
+                                  <p:stCondLst>
+                                    <p:cond delay="0"/>
+                                  </p:stCondLst>
+                                  <p:childTnLst>
+                                    <p:set>
+                                      <p:cBhvr>
+                                        <p:cTn id="6" dur="1" fill="hold">
+                                          <p:stCondLst>
+                                            <p:cond delay="0"/>
+                                          </p:stCondLst>
+                                        </p:cTn>
+                                        <p:tgtEl>
+                                          <p:spTgt spid="4">
+                                            <p:txEl>
+                                              <p:pRg st="1" end="1"/>
+                                            </p:txEl>
+                                          </p:spTgt>
+                                        </p:tgtEl>
+                                        <p:attrNameLst>
+                                          <p:attrName>style.visibility</p:attrName>
+                                        </p:attrNameLst>
+                                      </p:cBhvr>
+                                      <p:to>
+                                        <p:strVal val="visible"/>
+                                      </p:to>
+                                    </p:set>
+                                  </p:childTnLst>
+                                </p:cTn>
+                              </p:par>
+                            </p:childTnLst>
+                          </p:cTn>
+                        </p:par>
+                      </p:childTnLst>
+                    </p:cTn>
+                  </p:par>
+                  <p:par>
+                    <p:cTn id="7" fill="hold">
+                      <p:stCondLst>
+                        <p:cond delay="indefinite"/>
+                      </p:stCondLst>
+                      <p:childTnLst>
+                        <p:par>
+                          <p:cTn id="8" fill="hold">
+                            <p:stCondLst>
+                              <p:cond delay="0"/>
+                            </p:stCondLst>
+                            <p:childTnLst>
+                              <p:par>
+                                <p:cTn id="9" presetID="1" presetClass="entr" presetSubtype="0" fill="hold" nodeType="clickEffect">
+                                  <p:stCondLst>
+                                    <p:cond delay="0"/>
+                                  </p:stCondLst>
+                                  <p:childTnLst>
+                                    <p:set>
+                                      <p:cBhvr>
+                                        <p:cTn id="10" dur="1" fill="hold">
+                                          <p:stCondLst>
+                                            <p:cond delay="0"/>
+                                          </p:stCondLst>
+                                        </p:cTn>
+                                        <p:tgtEl>
+                                          <p:spTgt spid="4">
+                                            <p:txEl>
+                                              <p:pRg st="2" end="2"/>
+                                            </p:txEl>
+                                          </p:spTgt>
+                                        </p:tgtEl>
+                                        <p:attrNameLst>
+                                          <p:attrName>style.visibility</p:attrName>
+                                        </p:attrNameLst>
+                                      </p:cBhvr>
+                                      <p:to>
+                                        <p:strVal val="visible"/>
+                                      </p:to>
+                                    </p:set>
+                                  </p:childTnLst>
+                                </p:cTn>
+                              </p:par>
+                            </p:childTnLst>
+                          </p:cTn>
+                        </p:par>
+                      </p:childTnLst>
+                    </p:cTn>
+                  </p:par>
+                  <p:par>
+                    <p:cTn id="11" fill="hold">
+                      <p:stCondLst>
+                        <p:cond delay="indefinite"/>
+                      </p:stCondLst>
+                      <p:childTnLst>
+                        <p:par>
+                          <p:cTn id="12" fill="hold">
+                            <p:stCondLst>
+                              <p:cond delay="0"/>
+                            </p:stCondLst>
+                            <p:childTnLst>
+                              <p:par>
+                                <p:cTn id="13" presetID="1" presetClass="entr" presetSubtype="0" fill="hold" nodeType="clickEffect">
+                                  <p:stCondLst>
+                                    <p:cond delay="0"/>
+                                  </p:stCondLst>
+                                  <p:childTnLst>
+                                    <p:set>
+                                      <p:cBhvr>
+                                        <p:cTn id="14" dur="1" fill="hold">
+                                          <p:stCondLst>
+                                            <p:cond delay="0"/>
+                                          </p:stCondLst>
+                                        </p:cTn>
+                                        <p:tgtEl>
+                                          <p:spTgt spid="3">
+                                            <p:txEl>
+                                              <p:pRg st="0" end="0"/>
+                                            </p:txEl>
+                                          </p:spTgt>
+                                        </p:tgtEl>
+                                        <p:attrNameLst>
+                                          <p:attrName>style.visibility</p:attrName>
+                                        </p:attrNameLst>
+                                      </p:cBhvr>
+                                      <p:to>
+                                        <p:strVal val="visible"/>
+                                      </p:to>
+                                    </p:set>
+                                  </p:childTnLst>
+                                </p:cTn>
+                              </p:par>
+                            </p:childTnLst>
+                          </p:cTn>
+                        </p:par>
+                      </p:childTnLst>
+                    </p:cTn>
+                  </p:par>
+                  <p:par>
+                    <p:cTn id="15" fill="hold">
+                      <p:stCondLst>
+                        <p:cond delay="indefinite"/>
+                      </p:stCondLst>
+                      <p:childTnLst>
+                        <p:par>
+                          <p:cTn id="16" fill="hold">
+                            <p:stCondLst>
+                              <p:cond delay="0"/>
+                            </p:stCondLst>
+                            <p:childTnLst>
+                              <p:par>
+                                <p:cTn id="17" presetID="1" presetClass="entr" presetSubtype="0" fill="hold" nodeType="clickEffect">
+                                  <p:stCondLst>
+                                    <p:cond delay="0"/>
+                                  </p:stCondLst>
+                                  <p:childTnLst>
+                                    <p:set>
+                                      <p:cBhvr>
+                                        <p:cTn id="18" dur="1" fill="hold">
+                                          <p:stCondLst>
+                                            <p:cond delay="0"/>
+                                          </p:stCondLst>
+                                        </p:cTn>
+                                        <p:tgtEl>
+                                          <p:spTgt spid="3">
+                                            <p:txEl>
+                                              <p:pRg st="1" end="1"/>
+                                            </p:txEl>
+                                          </p:spTgt>
+                                        </p:tgtEl>
+                                        <p:attrNameLst>
+                                          <p:attrName>style.visibility</p:attrName>
+                                        </p:attrNameLst>
+                                      </p:cBhvr>
+                                      <p:to>
+                                        <p:strVal val="visible"/>
+                                      </p:to>
+                                    </p:set>
+                                  </p:childTnLst>
+                                </p:cTn>
+                              </p:par>
+                            </p:childTnLst>
+                          </p:cTn>
+                        </p:par>
+                      </p:childTnLst>
+                    </p:cTn>
+                  </p:par>
+                  <p:par>
+                    <p:cTn id="19" fill="hold">
+                      <p:stCondLst>
+                        <p:cond delay="indefinite"/>
+                      </p:stCondLst>
+                      <p:childTnLst>
+                        <p:par>
+                          <p:cTn id="20" fill="hold">
+                            <p:stCondLst>
+                              <p:cond delay="0"/>
+                            </p:stCondLst>
+                            <p:childTnLst>
+                              <p:par>
+                                <p:cTn id="21" presetID="1" presetClass="entr" presetSubtype="0" fill="hold" nodeType="clickEffect">
+                                  <p:stCondLst>
+                                    <p:cond delay="0"/>
+                                  </p:stCondLst>
+                                  <p:childTnLst>
+                                    <p:set>
+                                      <p:cBhvr>
+                                        <p:cTn id="22" dur="1" fill="hold">
+                                          <p:stCondLst>
+                                            <p:cond delay="0"/>
+                                          </p:stCondLst>
+                                        </p:cTn>
+                                        <p:tgtEl>
+                                          <p:spTgt spid="3">
+                                            <p:txEl>
+                                              <p:pRg st="2" end="2"/>
+                                            </p:txEl>
+                                          </p:spTgt>
+                                        </p:tgtEl>
+                                        <p:attrNameLst>
+                                          <p:attrName>style.visibility</p:attrName>
+                                        </p:attrNameLst>
+                                      </p:cBhvr>
+                                      <p:to>
+                                        <p:strVal val="visible"/>
+                                      </p:to>
+                                    </p:set>
+                                  </p:childTnLst>
+                                </p:cTn>
+                              </p:par>
+                            </p:childTnLst>
+                          </p:cTn>
+                        </p:par>
+                      </p:childTnLst>
+                    </p:cTn>
+                  </p:par>
+                </p:childTnLst>
+              </p:cTn>
+              <p:prevCondLst>
+                <p:cond evt="onPrev" delay="0">
+                  <p:tgtEl>
+                    <p:sldTgt/>
+                  </p:tgtEl>
+                </p:cond>
+              </p:prevCondLst>
+              <p:nextCondLst>
+                <p:cond evt="onNext" delay="0">
+                  <p:tgtEl>
+                    <p:sldTgt/>
+                  </p:tgtEl>
+                </p:cond>
+              </p:nextCondLst>
+            </p:seq>
+          </p:childTnLst>
+        </p:cTn>
+      </p:par>
+    </p:tnLst>
+  </p:timing>
+</p:sld>
+</file>
+
+<file path=ppt/slides/slide13.xml><?xml version="1.0" encoding="utf-8"?>
+<p:sld xmlns:a="http://schemas.openxmlformats.org/drawingml/2006/main" xmlns:r="http://schemas.openxmlformats.org/officeDocument/2006/relationships" xmlns:p="http://schemas.openxmlformats.org/presentationml/2006/main">
+  <p:cSld>
+    <p:spTree>
+      <p:nvGrpSpPr>
+        <p:cNvPr id="1" name=""/>
+        <p:cNvGrpSpPr/>
+        <p:nvPr/>
+      </p:nvGrpSpPr>
+      <p:grpSpPr>
+        <a:xfrm>
+          <a:off x="0" y="0"/>
+          <a:ext cx="0" cy="0"/>
+          <a:chOff x="0" y="0"/>
+          <a:chExt cx="0" cy="0"/>
+        </a:xfrm>
+      </p:grpSpPr>
+      <p:sp>
+        <p:nvSpPr>
+          <p:cNvPr id="3" name="Text Placeholder 2"/>
+          <p:cNvSpPr>
+            <a:spLocks noGrp="1"/>
+          </p:cNvSpPr>
+          <p:nvPr>
+            <p:ph type="body" sz="quarter" idx="10"/>
+          </p:nvPr>
+        </p:nvSpPr>
+        <p:spPr/>
+        <p:txBody>
+          <a:bodyPr/>
+          <a:lstStyle/>
+          <a:p>
+            <a:pPr>
+              <a:lnSpc>
+                <a:spcPct val="125000"/>
+              </a:lnSpc>
+              <a:buClr>
+                <a:schemeClr val="tx1"/>
+              </a:buClr>
+            </a:pPr>
+            <a:r>
+              <a:rPr lang="en-US" sz="3600" b="1" dirty="0">
+                <a:solidFill>
+                  <a:schemeClr val="bg1"/>
+                </a:solidFill>
+              </a:rPr>
+              <a:t>SQL Server Express LocalDB </a:t>
+            </a:r>
+            <a:r>
+              <a:rPr lang="bg-BG" sz="3600" b="1" dirty="0">
+                <a:solidFill>
+                  <a:schemeClr val="bg1"/>
+                </a:solidFill>
+              </a:rPr>
+              <a:t>==</a:t>
+            </a:r>
+            <a:r>
+              <a:rPr lang="bg-BG" sz="3600" dirty="0"/>
+              <a:t> лека, опростена версия на Microsoft SQL Server</a:t>
+            </a:r>
+            <a:endParaRPr lang="en-US" sz="3600" dirty="0"/>
+          </a:p>
+          <a:p>
+            <a:pPr>
+              <a:lnSpc>
+                <a:spcPct val="125000"/>
+              </a:lnSpc>
+              <a:buClr>
+                <a:schemeClr val="tx1"/>
+              </a:buClr>
+            </a:pPr>
+            <a:r>
+              <a:rPr lang="bg-BG" sz="3600" dirty="0"/>
+              <a:t>Използва се от потребители, които се нуждаят от </a:t>
+            </a:r>
+            <a:r>
+              <a:rPr lang="bg-BG" sz="3600" b="1" dirty="0">
+                <a:solidFill>
+                  <a:schemeClr val="bg1"/>
+                </a:solidFill>
+              </a:rPr>
+              <a:t>локална база данни </a:t>
+            </a:r>
+            <a:r>
+              <a:rPr lang="bg-BG" sz="3600" dirty="0"/>
+              <a:t>на SQL Server</a:t>
+            </a:r>
+          </a:p>
+          <a:p>
+            <a:pPr>
+              <a:lnSpc>
+                <a:spcPct val="125000"/>
+              </a:lnSpc>
+              <a:buClr>
+                <a:schemeClr val="tx1"/>
+              </a:buClr>
+            </a:pPr>
+            <a:r>
+              <a:rPr lang="bg-BG" sz="3600" dirty="0"/>
+              <a:t>Работи в процес с приложението</a:t>
+            </a:r>
+          </a:p>
+          <a:p>
+            <a:pPr>
+              <a:lnSpc>
+                <a:spcPct val="125000"/>
+              </a:lnSpc>
+              <a:buClr>
+                <a:schemeClr val="tx1"/>
+              </a:buClr>
+            </a:pPr>
+            <a:r>
+              <a:rPr lang="ru-RU" sz="3600" dirty="0"/>
+              <a:t>Функционира практически без </a:t>
+            </a:r>
+            <a:r>
+              <a:rPr lang="bg-BG" sz="3600" b="1" dirty="0">
+                <a:solidFill>
+                  <a:schemeClr val="bg1"/>
+                </a:solidFill>
+              </a:rPr>
+              <a:t>допълнителни </a:t>
+            </a:r>
+            <a:r>
+              <a:rPr lang="ru-RU" sz="3600" dirty="0"/>
+              <a:t>настройки и конфигурации</a:t>
+            </a:r>
+            <a:endParaRPr lang="en-US" sz="3600" dirty="0">
+              <a:highlight>
+                <a:srgbClr val="FFFF00"/>
+              </a:highlight>
+            </a:endParaRPr>
+          </a:p>
+        </p:txBody>
+      </p:sp>
+      <p:sp>
+        <p:nvSpPr>
+          <p:cNvPr id="4" name="Title 3"/>
+          <p:cNvSpPr>
+            <a:spLocks noGrp="1"/>
+          </p:cNvSpPr>
+          <p:nvPr>
+            <p:ph type="title"/>
+          </p:nvPr>
+        </p:nvSpPr>
+        <p:spPr/>
+        <p:txBody>
+          <a:bodyPr/>
+          <a:lstStyle/>
+          <a:p>
+            <a:r>
+              <a:rPr lang="en-US" dirty="0"/>
+              <a:t>SQL Server Express LocalDB</a:t>
+            </a:r>
+          </a:p>
+        </p:txBody>
+      </p:sp>
+      <p:sp>
+        <p:nvSpPr>
+          <p:cNvPr id="5" name="Slide Number">
+            <a:extLst>
+              <a:ext uri="{FF2B5EF4-FFF2-40B4-BE49-F238E27FC236}">
+                <a16:creationId xmlns:a16="http://schemas.microsoft.com/office/drawing/2014/main" id="{291E09F3-4B9C-A988-BCE7-E7A3424A5335}"/>
+              </a:ext>
+            </a:extLst>
+          </p:cNvPr>
+          <p:cNvSpPr>
+            <a:spLocks noGrp="1"/>
+          </p:cNvSpPr>
+          <p:nvPr>
+            <p:ph type="sldNum" sz="quarter" idx="5"/>
+          </p:nvPr>
+        </p:nvSpPr>
+        <p:spPr>
+          <a:xfrm>
+            <a:off x="11753030" y="6507000"/>
+            <a:ext cx="367414" cy="297000"/>
+          </a:xfrm>
+          <a:prstGeom prst="rect">
+            <a:avLst/>
+          </a:prstGeom>
+        </p:spPr>
+        <p:txBody>
+          <a:bodyPr vert="horz" lIns="91440" tIns="45720" rIns="91440" bIns="45720" rtlCol="0" anchor="b"/>
+          <a:lstStyle>
+            <a:lvl1pPr algn="r">
+              <a:defRPr sz="1000"/>
+            </a:lvl1pPr>
+          </a:lstStyle>
+          <a:p>
+            <a:fld id="{2BF067CD-8E6B-4360-9AA8-C5DF2A48A6D1}" type="slidenum">
+              <a:rPr lang="en-US" noProof="0" smtClean="0"/>
+              <a:pPr/>
+              <a:t>13</a:t>
+            </a:fld>
+            <a:endParaRPr lang="en-US" noProof="0" dirty="0"/>
+          </a:p>
+        </p:txBody>
+      </p:sp>
+    </p:spTree>
+    <p:extLst>
+      <p:ext uri="{BB962C8B-B14F-4D97-AF65-F5344CB8AC3E}">
+        <p14:creationId xmlns:p14="http://schemas.microsoft.com/office/powerpoint/2010/main" val="2255928008"/>
+      </p:ext>
+    </p:extLst>
+  </p:cSld>
+  <p:clrMapOvr>
+    <a:masterClrMapping/>
+  </p:clrMapOvr>
+  <mc:AlternateContent xmlns:mc="http://schemas.openxmlformats.org/markup-compatibility/2006" xmlns:p14="http://schemas.microsoft.com/office/powerpoint/2010/main">
+    <mc:Choice Requires="p14">
+      <p:transition spd="slow" p14:dur="2000" advClick="0" advTm="5000"/>
+    </mc:Choice>
+    <mc:Fallback xmlns="">
+      <p:transition spd="slow" advClick="0" advTm="5000"/>
+    </mc:Fallback>
+  </mc:AlternateContent>
+  <p:timing>
+    <p:tnLst>
+      <p:par>
+        <p:cTn id="1" dur="indefinite" restart="never" nodeType="tmRoot">
+          <p:childTnLst>
+            <p:seq concurrent="1" nextAc="seek">
+              <p:cTn id="2" dur="indefinite" nodeType="mainSeq">
+                <p:childTnLst>
+                  <p:par>
+                    <p:cTn id="3" fill="hold">
+                      <p:stCondLst>
+                        <p:cond delay="indefinite"/>
+                      </p:stCondLst>
+                      <p:childTnLst>
+                        <p:par>
+                          <p:cTn id="4" fill="hold">
+                            <p:stCondLst>
+                              <p:cond delay="0"/>
+                            </p:stCondLst>
+                            <p:childTnLst>
+                              <p:par>
+                                <p:cTn id="5" presetID="1" presetClass="entr" presetSubtype="0" fill="hold" nodeType="clickEffect">
+                                  <p:stCondLst>
+                                    <p:cond delay="0"/>
+                                  </p:stCondLst>
+                                  <p:childTnLst>
+                                    <p:set>
+                                      <p:cBhvr>
+                                        <p:cTn id="6" dur="1" fill="hold">
+                                          <p:stCondLst>
+                                            <p:cond delay="0"/>
+                                          </p:stCondLst>
+                                        </p:cTn>
+                                        <p:tgtEl>
+                                          <p:spTgt spid="3">
+                                            <p:txEl>
+                                              <p:pRg st="1" end="1"/>
+                                            </p:txEl>
+                                          </p:spTgt>
+                                        </p:tgtEl>
+                                        <p:attrNameLst>
+                                          <p:attrName>style.visibility</p:attrName>
+                                        </p:attrNameLst>
+                                      </p:cBhvr>
+                                      <p:to>
+                                        <p:strVal val="visible"/>
+                                      </p:to>
+                                    </p:set>
+                                  </p:childTnLst>
+                                </p:cTn>
+                              </p:par>
+                            </p:childTnLst>
+                          </p:cTn>
+                        </p:par>
+                      </p:childTnLst>
+                    </p:cTn>
+                  </p:par>
+                  <p:par>
+                    <p:cTn id="7" fill="hold">
+                      <p:stCondLst>
+                        <p:cond delay="indefinite"/>
+                      </p:stCondLst>
+                      <p:childTnLst>
+                        <p:par>
+                          <p:cTn id="8" fill="hold">
+                            <p:stCondLst>
+                              <p:cond delay="0"/>
+                            </p:stCondLst>
+                            <p:childTnLst>
+                              <p:par>
+                                <p:cTn id="9" presetID="1" presetClass="entr" presetSubtype="0" fill="hold" nodeType="clickEffect">
+                                  <p:stCondLst>
+                                    <p:cond delay="0"/>
+                                  </p:stCondLst>
+                                  <p:childTnLst>
+                                    <p:set>
+                                      <p:cBhvr>
+                                        <p:cTn id="10" dur="1" fill="hold">
+                                          <p:stCondLst>
+                                            <p:cond delay="0"/>
+                                          </p:stCondLst>
+                                        </p:cTn>
+                                        <p:tgtEl>
+                                          <p:spTgt spid="3">
+                                            <p:txEl>
+                                              <p:pRg st="2" end="2"/>
+                                            </p:txEl>
+                                          </p:spTgt>
+                                        </p:tgtEl>
+                                        <p:attrNameLst>
+                                          <p:attrName>style.visibility</p:attrName>
+                                        </p:attrNameLst>
+                                      </p:cBhvr>
+                                      <p:to>
+                                        <p:strVal val="visible"/>
+                                      </p:to>
+                                    </p:set>
+                                  </p:childTnLst>
+                                </p:cTn>
+                              </p:par>
+                            </p:childTnLst>
+                          </p:cTn>
+                        </p:par>
+                      </p:childTnLst>
+                    </p:cTn>
+                  </p:par>
+                  <p:par>
+                    <p:cTn id="11" fill="hold">
+                      <p:stCondLst>
+                        <p:cond delay="indefinite"/>
+                      </p:stCondLst>
+                      <p:childTnLst>
+                        <p:par>
+                          <p:cTn id="12" fill="hold">
+                            <p:stCondLst>
+                              <p:cond delay="0"/>
+                            </p:stCondLst>
+                            <p:childTnLst>
+                              <p:par>
+                                <p:cTn id="13" presetID="1" presetClass="entr" presetSubtype="0" fill="hold" nodeType="clickEffect">
+                                  <p:stCondLst>
+                                    <p:cond delay="0"/>
+                                  </p:stCondLst>
+                                  <p:childTnLst>
+                                    <p:set>
+                                      <p:cBhvr>
+                                        <p:cTn id="14" dur="1" fill="hold">
+                                          <p:stCondLst>
+                                            <p:cond delay="0"/>
+                                          </p:stCondLst>
+                                        </p:cTn>
+                                        <p:tgtEl>
+                                          <p:spTgt spid="3">
+                                            <p:txEl>
+                                              <p:pRg st="3" end="3"/>
+                                            </p:txEl>
+                                          </p:spTgt>
+                                        </p:tgtEl>
+                                        <p:attrNameLst>
+                                          <p:attrName>style.visibility</p:attrName>
+                                        </p:attrNameLst>
+                                      </p:cBhvr>
+                                      <p:to>
+                                        <p:strVal val="visible"/>
+                                      </p:to>
+                                    </p:set>
+                                  </p:childTnLst>
+                                </p:cTn>
+                              </p:par>
+                            </p:childTnLst>
+                          </p:cTn>
+                        </p:par>
+                      </p:childTnLst>
+                    </p:cTn>
+                  </p:par>
+                </p:childTnLst>
+              </p:cTn>
+              <p:prevCondLst>
+                <p:cond evt="onPrev" delay="0">
+                  <p:tgtEl>
+                    <p:sldTgt/>
+                  </p:tgtEl>
+                </p:cond>
+              </p:prevCondLst>
+              <p:nextCondLst>
+                <p:cond evt="onNext" delay="0">
+                  <p:tgtEl>
+                    <p:sldTgt/>
+                  </p:tgtEl>
+                </p:cond>
+              </p:nextCondLst>
+            </p:seq>
+          </p:childTnLst>
+        </p:cTn>
+      </p:par>
+    </p:tnLst>
+  </p:timing>
+</p:sld>
+</file>
+
+<file path=ppt/slides/slide14.xml><?xml version="1.0" encoding="utf-8"?>
+<p:sld xmlns:a="http://schemas.openxmlformats.org/drawingml/2006/main" xmlns:r="http://schemas.openxmlformats.org/officeDocument/2006/relationships" xmlns:p="http://schemas.openxmlformats.org/presentationml/2006/main">
+  <p:cSld>
+    <p:spTree>
+      <p:nvGrpSpPr>
+        <p:cNvPr id="1" name=""/>
+        <p:cNvGrpSpPr/>
+        <p:nvPr/>
+      </p:nvGrpSpPr>
+      <p:grpSpPr>
+        <a:xfrm>
+          <a:off x="0" y="0"/>
+          <a:ext cx="0" cy="0"/>
+          <a:chOff x="0" y="0"/>
+          <a:chExt cx="0" cy="0"/>
+        </a:xfrm>
+      </p:grpSpPr>
+      <p:sp>
+        <p:nvSpPr>
+          <p:cNvPr id="3" name="Text Placeholder 2"/>
+          <p:cNvSpPr>
+            <a:spLocks noGrp="1"/>
+          </p:cNvSpPr>
+          <p:nvPr>
+            <p:ph type="body" sz="quarter" idx="10"/>
+          </p:nvPr>
+        </p:nvSpPr>
+        <p:spPr/>
+        <p:txBody>
+          <a:bodyPr/>
+          <a:lstStyle/>
+          <a:p>
+            <a:r>
+              <a:rPr lang="bg-BG" dirty="0"/>
+              <a:t>Свалете </a:t>
+            </a:r>
+            <a:r>
+              <a:rPr lang="en-US" b="1" dirty="0">
+                <a:solidFill>
+                  <a:schemeClr val="bg1"/>
+                </a:solidFill>
+              </a:rPr>
+              <a:t>Server</a:t>
+            </a:r>
+            <a:r>
+              <a:rPr lang="en-US" dirty="0">
+                <a:solidFill>
+                  <a:schemeClr val="accent1"/>
+                </a:solidFill>
+              </a:rPr>
+              <a:t> </a:t>
+            </a:r>
+            <a:r>
+              <a:rPr lang="en-US" b="1" dirty="0">
+                <a:solidFill>
+                  <a:schemeClr val="bg1"/>
+                </a:solidFill>
+              </a:rPr>
+              <a:t>LocalDB</a:t>
+            </a:r>
+            <a:endParaRPr lang="en-US" dirty="0"/>
+          </a:p>
+        </p:txBody>
+      </p:sp>
+      <p:sp>
+        <p:nvSpPr>
+          <p:cNvPr id="4" name="Title 3"/>
+          <p:cNvSpPr>
+            <a:spLocks noGrp="1"/>
+          </p:cNvSpPr>
+          <p:nvPr>
+            <p:ph type="title"/>
+          </p:nvPr>
+        </p:nvSpPr>
+        <p:spPr/>
+        <p:txBody>
+          <a:bodyPr/>
+          <a:lstStyle/>
+          <a:p>
+            <a:r>
+              <a:rPr lang="bg-BG" dirty="0"/>
+              <a:t>Изтегляне на </a:t>
+            </a:r>
+            <a:r>
+              <a:rPr lang="en-US" dirty="0"/>
+              <a:t>SQL Server LocalDB</a:t>
+            </a:r>
+          </a:p>
+        </p:txBody>
+      </p:sp>
+      <p:sp>
+        <p:nvSpPr>
+          <p:cNvPr id="5" name="Rectangle 4">
+            <a:hlinkClick r:id="rId3"/>
+          </p:cNvPr>
+          <p:cNvSpPr>
+            <a:spLocks noChangeArrowheads="1"/>
+          </p:cNvSpPr>
+          <p:nvPr/>
+        </p:nvSpPr>
+        <p:spPr bwMode="auto">
+          <a:xfrm>
+            <a:off x="620111" y="1967582"/>
+            <a:ext cx="10993820" cy="978345"/>
+          </a:xfrm>
+          <a:prstGeom prst="rect">
+            <a:avLst/>
+          </a:prstGeom>
+          <a:solidFill>
+            <a:schemeClr val="accent5">
+              <a:lumMod val="40000"/>
+              <a:lumOff val="60000"/>
+              <a:alpha val="20000"/>
+            </a:schemeClr>
+          </a:solidFill>
+          <a:ln w="12700">
+            <a:solidFill>
+              <a:schemeClr val="accent5">
+                <a:lumMod val="60000"/>
+                <a:lumOff val="40000"/>
+              </a:schemeClr>
+            </a:solidFill>
+          </a:ln>
+        </p:spPr>
+        <p:txBody>
+          <a:bodyPr wrap="square">
+            <a:spAutoFit/>
+          </a:bodyPr>
+          <a:lstStyle/>
+          <a:p>
+            <a:pPr algn="ctr">
+              <a:lnSpc>
+                <a:spcPct val="105000"/>
+              </a:lnSpc>
+            </a:pPr>
+            <a:r>
+              <a:rPr lang="en-US" sz="2800" b="1" u="sng" dirty="0">
+                <a:hlinkClick r:id="rId4"/>
+              </a:rPr>
+              <a:t>https://learn.microsoft.com/sql/database-engine/configure-windows/sql-server-express-localdb</a:t>
+            </a:r>
+            <a:endParaRPr lang="en-US" sz="2800" b="1" u="sng" noProof="1">
+              <a:solidFill>
+                <a:schemeClr val="bg1"/>
+              </a:solidFill>
+              <a:latin typeface="Consolas" panose="020B0609020204030204" pitchFamily="49" charset="0"/>
+              <a:cs typeface="Arial" panose="020B0604020202020204" pitchFamily="34" charset="0"/>
+            </a:endParaRPr>
+          </a:p>
+        </p:txBody>
+      </p:sp>
+      <p:pic>
+        <p:nvPicPr>
+          <p:cNvPr id="8" name="Picture 7" descr="A logo of a microsoft server&#10;&#10;Description automatically generated">
+            <a:extLst>
+              <a:ext uri="{FF2B5EF4-FFF2-40B4-BE49-F238E27FC236}">
+                <a16:creationId xmlns:a16="http://schemas.microsoft.com/office/drawing/2014/main" id="{29A739F8-A4A2-5D98-12DD-2FF1864EB54F}"/>
+              </a:ext>
+            </a:extLst>
+          </p:cNvPr>
+          <p:cNvPicPr>
+            <a:picLocks noChangeAspect="1"/>
+          </p:cNvPicPr>
+          <p:nvPr/>
+        </p:nvPicPr>
+        <p:blipFill>
+          <a:blip r:embed="rId5" cstate="print">
+            <a:extLst>
+              <a:ext uri="{28A0092B-C50C-407E-A947-70E740481C1C}">
+                <a14:useLocalDpi xmlns:a14="http://schemas.microsoft.com/office/drawing/2010/main" val="0"/>
+              </a:ext>
+            </a:extLst>
+          </a:blip>
+          <a:stretch>
+            <a:fillRect/>
+          </a:stretch>
+        </p:blipFill>
+        <p:spPr>
+          <a:xfrm>
+            <a:off x="2321955" y="2529000"/>
+            <a:ext cx="7548089" cy="4705612"/>
+          </a:xfrm>
+          <a:prstGeom prst="rect">
+            <a:avLst/>
+          </a:prstGeom>
+        </p:spPr>
+      </p:pic>
+      <p:sp>
+        <p:nvSpPr>
+          <p:cNvPr id="6" name="Slide Number">
+            <a:extLst>
+              <a:ext uri="{FF2B5EF4-FFF2-40B4-BE49-F238E27FC236}">
+                <a16:creationId xmlns:a16="http://schemas.microsoft.com/office/drawing/2014/main" id="{0EE4B5D0-2B1F-152B-5F54-2D851BE595D3}"/>
+              </a:ext>
+            </a:extLst>
+          </p:cNvPr>
+          <p:cNvSpPr>
+            <a:spLocks noGrp="1"/>
+          </p:cNvSpPr>
+          <p:nvPr>
+            <p:ph type="sldNum" sz="quarter" idx="5"/>
+          </p:nvPr>
+        </p:nvSpPr>
+        <p:spPr>
+          <a:xfrm>
+            <a:off x="11753030" y="6507000"/>
+            <a:ext cx="367414" cy="297000"/>
+          </a:xfrm>
+          <a:prstGeom prst="rect">
+            <a:avLst/>
+          </a:prstGeom>
+        </p:spPr>
+        <p:txBody>
+          <a:bodyPr vert="horz" lIns="91440" tIns="45720" rIns="91440" bIns="45720" rtlCol="0" anchor="b"/>
+          <a:lstStyle>
+            <a:lvl1pPr algn="r">
+              <a:defRPr sz="1000"/>
+            </a:lvl1pPr>
+          </a:lstStyle>
+          <a:p>
+            <a:fld id="{2BF067CD-8E6B-4360-9AA8-C5DF2A48A6D1}" type="slidenum">
+              <a:rPr lang="en-US" noProof="0" smtClean="0"/>
+              <a:pPr/>
+              <a:t>14</a:t>
+            </a:fld>
+            <a:endParaRPr lang="en-US" noProof="0" dirty="0"/>
+          </a:p>
+        </p:txBody>
+      </p:sp>
+    </p:spTree>
+    <p:extLst>
+      <p:ext uri="{BB962C8B-B14F-4D97-AF65-F5344CB8AC3E}">
+        <p14:creationId xmlns:p14="http://schemas.microsoft.com/office/powerpoint/2010/main" val="3866316717"/>
+      </p:ext>
+    </p:extLst>
+  </p:cSld>
+  <p:clrMapOvr>
+    <a:masterClrMapping/>
+  </p:clrMapOvr>
+  <mc:AlternateContent xmlns:mc="http://schemas.openxmlformats.org/markup-compatibility/2006" xmlns:p14="http://schemas.microsoft.com/office/powerpoint/2010/main">
+    <mc:Choice Requires="p14">
+      <p:transition spd="slow" p14:dur="2000" advClick="0" advTm="5000"/>
+    </mc:Choice>
+    <mc:Fallback xmlns="">
+      <p:transition spd="slow" advClick="0" advTm="5000"/>
+    </mc:Fallback>
+  </mc:AlternateContent>
+</p:sld>
+</file>
+
+<file path=ppt/slides/slide15.xml><?xml version="1.0" encoding="utf-8"?>
+<p:sld xmlns:a="http://schemas.openxmlformats.org/drawingml/2006/main" xmlns:r="http://schemas.openxmlformats.org/officeDocument/2006/relationships" xmlns:p="http://schemas.openxmlformats.org/presentationml/2006/main">
+  <p:cSld>
+    <p:spTree>
+      <p:nvGrpSpPr>
+        <p:cNvPr id="1" name=""/>
+        <p:cNvGrpSpPr/>
+        <p:nvPr/>
+      </p:nvGrpSpPr>
+      <p:grpSpPr>
+        <a:xfrm>
+          <a:off x="0" y="0"/>
+          <a:ext cx="0" cy="0"/>
+          <a:chOff x="0" y="0"/>
+          <a:chExt cx="0" cy="0"/>
+        </a:xfrm>
+      </p:grpSpPr>
+      <p:sp>
+        <p:nvSpPr>
           <p:cNvPr id="3" name="Text Placeholder 2"/>
           <p:cNvSpPr>
             <a:spLocks noGrp="1"/>
@@ -8398,7 +10262,7 @@
             <a:fld id="{2BF067CD-8E6B-4360-9AA8-C5DF2A48A6D1}" type="slidenum">
               <a:rPr lang="en-US" smtClean="0"/>
               <a:pPr/>
-              <a:t>10</a:t>
+              <a:t>15</a:t>
             </a:fld>
             <a:endParaRPr lang="en-US" dirty="0"/>
           </a:p>
@@ -8749,7 +10613,7 @@
 </p:sld>
 </file>
 
-<file path=ppt/slides/slide11.xml><?xml version="1.0" encoding="utf-8"?>
+<file path=ppt/slides/slide16.xml><?xml version="1.0" encoding="utf-8"?>
 <p:sld xmlns:a="http://schemas.openxmlformats.org/drawingml/2006/main" xmlns:r="http://schemas.openxmlformats.org/officeDocument/2006/relationships" xmlns:p="http://schemas.openxmlformats.org/presentationml/2006/main">
   <p:cSld>
     <p:spTree>
@@ -8865,7 +10729,7 @@
 </p:sld>
 </file>
 
-<file path=ppt/slides/slide12.xml><?xml version="1.0" encoding="utf-8"?>
+<file path=ppt/slides/slide17.xml><?xml version="1.0" encoding="utf-8"?>
 <p:sld xmlns:a="http://schemas.openxmlformats.org/drawingml/2006/main" xmlns:r="http://schemas.openxmlformats.org/officeDocument/2006/relationships" xmlns:p="http://schemas.openxmlformats.org/presentationml/2006/main">
   <p:cSld>
     <p:spTree>
@@ -9040,7 +10904,7 @@
             <a:fld id="{2BF067CD-8E6B-4360-9AA8-C5DF2A48A6D1}" type="slidenum">
               <a:rPr lang="en-US" noProof="0" smtClean="0"/>
               <a:pPr/>
-              <a:t>12</a:t>
+              <a:t>17</a:t>
             </a:fld>
             <a:endParaRPr lang="en-US" noProof="0" dirty="0"/>
           </a:p>
@@ -9123,7 +10987,7 @@
               <a:t>Да се покаже връзка с </a:t>
             </a:r>
             <a:r>
-              <a:rPr lang="en-US" sz="2800" b="1" dirty="0" err="1">
+              <a:rPr lang="en-US" sz="2800" b="1" dirty="0">
                 <a:solidFill>
                   <a:srgbClr val="FFFFFF"/>
                 </a:solidFill>
@@ -9135,22 +10999,7 @@
                   </a:outerShdw>
                 </a:effectLst>
               </a:rPr>
-              <a:t>LocalDB</a:t>
-            </a:r>
-            <a:r>
-              <a:rPr lang="en-US" sz="2800" b="1" dirty="0">
-                <a:solidFill>
-                  <a:srgbClr val="FFFFFF"/>
-                </a:solidFill>
-                <a:effectLst>
-                  <a:outerShdw blurRad="38100" dist="38100" dir="2700000" algn="tl">
-                    <a:srgbClr val="000000">
-                      <a:alpha val="43137"/>
-                    </a:srgbClr>
-                  </a:outerShdw>
-                </a:effectLst>
-              </a:rPr>
-              <a:t>:</a:t>
+              <a:t>LocalDB:</a:t>
             </a:r>
           </a:p>
           <a:p>
@@ -9345,7 +11194,7 @@
 </p:sld>
 </file>
 
-<file path=ppt/slides/slide13.xml><?xml version="1.0" encoding="utf-8"?>
+<file path=ppt/slides/slide18.xml><?xml version="1.0" encoding="utf-8"?>
 <p:sld xmlns:a="http://schemas.openxmlformats.org/drawingml/2006/main" xmlns:r="http://schemas.openxmlformats.org/officeDocument/2006/relationships" xmlns:p="http://schemas.openxmlformats.org/presentationml/2006/main">
   <p:cSld>
     <p:spTree>
@@ -9489,7 +11338,7 @@
 </p:sld>
 </file>
 
-<file path=ppt/slides/slide14.xml><?xml version="1.0" encoding="utf-8"?>
+<file path=ppt/slides/slide19.xml><?xml version="1.0" encoding="utf-8"?>
 <p:sld xmlns:a="http://schemas.openxmlformats.org/drawingml/2006/main" xmlns:r="http://schemas.openxmlformats.org/officeDocument/2006/relationships" xmlns:p="http://schemas.openxmlformats.org/presentationml/2006/main">
   <p:cSld>
     <p:spTree>
@@ -9746,7 +11595,7 @@
             <a:fld id="{2BF067CD-8E6B-4360-9AA8-C5DF2A48A6D1}" type="slidenum">
               <a:rPr lang="en-US" noProof="0" smtClean="0"/>
               <a:pPr/>
-              <a:t>14</a:t>
+              <a:t>19</a:t>
             </a:fld>
             <a:endParaRPr lang="en-US" noProof="0" dirty="0"/>
           </a:p>
@@ -9950,7 +11799,483 @@
 </p:sld>
 </file>
 
-<file path=ppt/slides/slide15.xml><?xml version="1.0" encoding="utf-8"?>
+<file path=ppt/slides/slide2.xml><?xml version="1.0" encoding="utf-8"?>
+<p:sld xmlns:a="http://schemas.openxmlformats.org/drawingml/2006/main" xmlns:r="http://schemas.openxmlformats.org/officeDocument/2006/relationships" xmlns:p="http://schemas.openxmlformats.org/presentationml/2006/main">
+  <p:cSld>
+    <p:spTree>
+      <p:nvGrpSpPr>
+        <p:cNvPr id="1" name=""/>
+        <p:cNvGrpSpPr/>
+        <p:nvPr/>
+      </p:nvGrpSpPr>
+      <p:grpSpPr>
+        <a:xfrm>
+          <a:off x="0" y="0"/>
+          <a:ext cx="0" cy="0"/>
+          <a:chOff x="0" y="0"/>
+          <a:chExt cx="0" cy="0"/>
+        </a:xfrm>
+      </p:grpSpPr>
+      <p:sp>
+        <p:nvSpPr>
+          <p:cNvPr id="444419" name="Rectangle 3"/>
+          <p:cNvSpPr>
+            <a:spLocks noGrp="1" noChangeArrowheads="1"/>
+          </p:cNvSpPr>
+          <p:nvPr>
+            <p:ph type="body" sz="quarter" idx="13"/>
+          </p:nvPr>
+        </p:nvSpPr>
+        <p:spPr/>
+        <p:txBody>
+          <a:bodyPr>
+            <a:normAutofit/>
+          </a:bodyPr>
+          <a:lstStyle/>
+          <a:p>
+            <a:r>
+              <a:rPr lang="ru-RU" dirty="0"/>
+              <a:t>Запознаване с MS SQL Server</a:t>
+            </a:r>
+            <a:endParaRPr lang="en-US" dirty="0"/>
+          </a:p>
+          <a:p>
+            <a:r>
+              <a:rPr lang="en-US" dirty="0"/>
+              <a:t>MS SQL Server </a:t>
+            </a:r>
+            <a:r>
+              <a:rPr lang="bg-BG" dirty="0"/>
+              <a:t>и </a:t>
+            </a:r>
+            <a:r>
+              <a:rPr lang="en-US" dirty="0"/>
+              <a:t>SQL Server Express LocalDB</a:t>
+            </a:r>
+            <a:endParaRPr lang="bg-BG" dirty="0"/>
+          </a:p>
+          <a:p>
+            <a:r>
+              <a:rPr lang="ru-RU" dirty="0"/>
+              <a:t>Импортиране на база данни от SQL скрипт</a:t>
+            </a:r>
+          </a:p>
+          <a:p>
+            <a:r>
+              <a:rPr lang="ru-RU" dirty="0"/>
+              <a:t>Разглеждане и редактиране на данни в таблица</a:t>
+            </a:r>
+          </a:p>
+          <a:p>
+            <a:r>
+              <a:rPr lang="ru-RU" dirty="0"/>
+              <a:t>Изпълнение на заявки (предварително написани)</a:t>
+            </a:r>
+          </a:p>
+        </p:txBody>
+      </p:sp>
+      <p:sp>
+        <p:nvSpPr>
+          <p:cNvPr id="444418" name="Rectangle 2"/>
+          <p:cNvSpPr>
+            <a:spLocks noGrp="1" noChangeArrowheads="1"/>
+          </p:cNvSpPr>
+          <p:nvPr>
+            <p:ph type="title"/>
+          </p:nvPr>
+        </p:nvSpPr>
+        <p:spPr/>
+        <p:txBody>
+          <a:bodyPr>
+            <a:normAutofit/>
+          </a:bodyPr>
+          <a:lstStyle/>
+          <a:p>
+            <a:r>
+              <a:rPr lang="bg-BG" dirty="0"/>
+              <a:t>Съдържание</a:t>
+            </a:r>
+          </a:p>
+        </p:txBody>
+      </p:sp>
+      <p:sp>
+        <p:nvSpPr>
+          <p:cNvPr id="2" name="Slide Number">
+            <a:extLst>
+              <a:ext uri="{FF2B5EF4-FFF2-40B4-BE49-F238E27FC236}">
+                <a16:creationId xmlns:a16="http://schemas.microsoft.com/office/drawing/2014/main" id="{E45D3E73-7E11-81BF-A754-044E874C548D}"/>
+              </a:ext>
+            </a:extLst>
+          </p:cNvPr>
+          <p:cNvSpPr txBox="1">
+            <a:spLocks/>
+          </p:cNvSpPr>
+          <p:nvPr/>
+        </p:nvSpPr>
+        <p:spPr>
+          <a:xfrm>
+            <a:off x="11753030" y="6507000"/>
+            <a:ext cx="367414" cy="297000"/>
+          </a:xfrm>
+          <a:prstGeom prst="rect">
+            <a:avLst/>
+          </a:prstGeom>
+        </p:spPr>
+        <p:txBody>
+          <a:bodyPr vert="horz" lIns="91440" tIns="45720" rIns="91440" bIns="45720" rtlCol="0" anchor="b"/>
+          <a:lstStyle>
+            <a:defPPr>
+              <a:defRPr lang="en-US"/>
+            </a:defPPr>
+            <a:lvl1pPr marL="0" algn="r" defTabSz="914400" rtl="0" eaLnBrk="1" latinLnBrk="0" hangingPunct="1">
+              <a:defRPr sz="1000" kern="1200">
+                <a:solidFill>
+                  <a:schemeClr val="tx1"/>
+                </a:solidFill>
+                <a:latin typeface="+mn-lt"/>
+                <a:ea typeface="+mn-ea"/>
+                <a:cs typeface="+mn-cs"/>
+              </a:defRPr>
+            </a:lvl1pPr>
+            <a:lvl2pPr marL="457200" algn="l" defTabSz="914400" rtl="0" eaLnBrk="1" latinLnBrk="0" hangingPunct="1">
+              <a:defRPr sz="1800" kern="1200">
+                <a:solidFill>
+                  <a:schemeClr val="tx1"/>
+                </a:solidFill>
+                <a:latin typeface="+mn-lt"/>
+                <a:ea typeface="+mn-ea"/>
+                <a:cs typeface="+mn-cs"/>
+              </a:defRPr>
+            </a:lvl2pPr>
+            <a:lvl3pPr marL="914400" algn="l" defTabSz="914400" rtl="0" eaLnBrk="1" latinLnBrk="0" hangingPunct="1">
+              <a:defRPr sz="1800" kern="1200">
+                <a:solidFill>
+                  <a:schemeClr val="tx1"/>
+                </a:solidFill>
+                <a:latin typeface="+mn-lt"/>
+                <a:ea typeface="+mn-ea"/>
+                <a:cs typeface="+mn-cs"/>
+              </a:defRPr>
+            </a:lvl3pPr>
+            <a:lvl4pPr marL="1371600" algn="l" defTabSz="914400" rtl="0" eaLnBrk="1" latinLnBrk="0" hangingPunct="1">
+              <a:defRPr sz="1800" kern="1200">
+                <a:solidFill>
+                  <a:schemeClr val="tx1"/>
+                </a:solidFill>
+                <a:latin typeface="+mn-lt"/>
+                <a:ea typeface="+mn-ea"/>
+                <a:cs typeface="+mn-cs"/>
+              </a:defRPr>
+            </a:lvl4pPr>
+            <a:lvl5pPr marL="1828800" algn="l" defTabSz="914400" rtl="0" eaLnBrk="1" latinLnBrk="0" hangingPunct="1">
+              <a:defRPr sz="1800" kern="1200">
+                <a:solidFill>
+                  <a:schemeClr val="tx1"/>
+                </a:solidFill>
+                <a:latin typeface="+mn-lt"/>
+                <a:ea typeface="+mn-ea"/>
+                <a:cs typeface="+mn-cs"/>
+              </a:defRPr>
+            </a:lvl5pPr>
+            <a:lvl6pPr marL="2286000" algn="l" defTabSz="914400" rtl="0" eaLnBrk="1" latinLnBrk="0" hangingPunct="1">
+              <a:defRPr sz="1800" kern="1200">
+                <a:solidFill>
+                  <a:schemeClr val="tx1"/>
+                </a:solidFill>
+                <a:latin typeface="+mn-lt"/>
+                <a:ea typeface="+mn-ea"/>
+                <a:cs typeface="+mn-cs"/>
+              </a:defRPr>
+            </a:lvl6pPr>
+            <a:lvl7pPr marL="2743200" algn="l" defTabSz="914400" rtl="0" eaLnBrk="1" latinLnBrk="0" hangingPunct="1">
+              <a:defRPr sz="1800" kern="1200">
+                <a:solidFill>
+                  <a:schemeClr val="tx1"/>
+                </a:solidFill>
+                <a:latin typeface="+mn-lt"/>
+                <a:ea typeface="+mn-ea"/>
+                <a:cs typeface="+mn-cs"/>
+              </a:defRPr>
+            </a:lvl7pPr>
+            <a:lvl8pPr marL="3200400" algn="l" defTabSz="914400" rtl="0" eaLnBrk="1" latinLnBrk="0" hangingPunct="1">
+              <a:defRPr sz="1800" kern="1200">
+                <a:solidFill>
+                  <a:schemeClr val="tx1"/>
+                </a:solidFill>
+                <a:latin typeface="+mn-lt"/>
+                <a:ea typeface="+mn-ea"/>
+                <a:cs typeface="+mn-cs"/>
+              </a:defRPr>
+            </a:lvl8pPr>
+            <a:lvl9pPr marL="3657600" algn="l" defTabSz="914400" rtl="0" eaLnBrk="1" latinLnBrk="0" hangingPunct="1">
+              <a:defRPr sz="1800" kern="1200">
+                <a:solidFill>
+                  <a:schemeClr val="tx1"/>
+                </a:solidFill>
+                <a:latin typeface="+mn-lt"/>
+                <a:ea typeface="+mn-ea"/>
+                <a:cs typeface="+mn-cs"/>
+              </a:defRPr>
+            </a:lvl9pPr>
+          </a:lstStyle>
+          <a:p>
+            <a:fld id="{2BF067CD-8E6B-4360-9AA8-C5DF2A48A6D1}" type="slidenum">
+              <a:rPr lang="en-US" smtClean="0"/>
+              <a:pPr/>
+              <a:t>2</a:t>
+            </a:fld>
+            <a:endParaRPr lang="en-US" dirty="0"/>
+          </a:p>
+        </p:txBody>
+      </p:sp>
+    </p:spTree>
+    <p:extLst>
+      <p:ext uri="{BB962C8B-B14F-4D97-AF65-F5344CB8AC3E}">
+        <p14:creationId xmlns:p14="http://schemas.microsoft.com/office/powerpoint/2010/main" val="4065060703"/>
+      </p:ext>
+    </p:extLst>
+  </p:cSld>
+  <p:clrMapOvr>
+    <a:masterClrMapping/>
+  </p:clrMapOvr>
+  <mc:AlternateContent xmlns:mc="http://schemas.openxmlformats.org/markup-compatibility/2006" xmlns:p14="http://schemas.microsoft.com/office/powerpoint/2010/main">
+    <mc:Choice Requires="p14">
+      <p:transition spd="slow" p14:dur="2000" advClick="0" advTm="5000"/>
+    </mc:Choice>
+    <mc:Fallback xmlns="">
+      <p:transition spd="slow" advClick="0" advTm="5000"/>
+    </mc:Fallback>
+  </mc:AlternateContent>
+  <p:timing>
+    <p:tnLst>
+      <p:par>
+        <p:cTn id="1" dur="indefinite" restart="never" nodeType="tmRoot">
+          <p:childTnLst>
+            <p:seq concurrent="1" nextAc="seek">
+              <p:cTn id="2" dur="indefinite" nodeType="mainSeq">
+                <p:childTnLst>
+                  <p:par>
+                    <p:cTn id="3" fill="hold">
+                      <p:stCondLst>
+                        <p:cond delay="indefinite"/>
+                      </p:stCondLst>
+                      <p:childTnLst>
+                        <p:par>
+                          <p:cTn id="4" fill="hold">
+                            <p:stCondLst>
+                              <p:cond delay="0"/>
+                            </p:stCondLst>
+                            <p:childTnLst>
+                              <p:par>
+                                <p:cTn id="5" presetID="1" presetClass="entr" presetSubtype="0" fill="hold" nodeType="clickEffect">
+                                  <p:stCondLst>
+                                    <p:cond delay="0"/>
+                                  </p:stCondLst>
+                                  <p:childTnLst>
+                                    <p:set>
+                                      <p:cBhvr>
+                                        <p:cTn id="6" dur="1" fill="hold">
+                                          <p:stCondLst>
+                                            <p:cond delay="0"/>
+                                          </p:stCondLst>
+                                        </p:cTn>
+                                        <p:tgtEl>
+                                          <p:spTgt spid="444419">
+                                            <p:txEl>
+                                              <p:pRg st="1" end="1"/>
+                                            </p:txEl>
+                                          </p:spTgt>
+                                        </p:tgtEl>
+                                        <p:attrNameLst>
+                                          <p:attrName>style.visibility</p:attrName>
+                                        </p:attrNameLst>
+                                      </p:cBhvr>
+                                      <p:to>
+                                        <p:strVal val="visible"/>
+                                      </p:to>
+                                    </p:set>
+                                  </p:childTnLst>
+                                </p:cTn>
+                              </p:par>
+                            </p:childTnLst>
+                          </p:cTn>
+                        </p:par>
+                      </p:childTnLst>
+                    </p:cTn>
+                  </p:par>
+                  <p:par>
+                    <p:cTn id="7" fill="hold">
+                      <p:stCondLst>
+                        <p:cond delay="indefinite"/>
+                      </p:stCondLst>
+                      <p:childTnLst>
+                        <p:par>
+                          <p:cTn id="8" fill="hold">
+                            <p:stCondLst>
+                              <p:cond delay="0"/>
+                            </p:stCondLst>
+                            <p:childTnLst>
+                              <p:par>
+                                <p:cTn id="9" presetID="1" presetClass="entr" presetSubtype="0" fill="hold" nodeType="clickEffect">
+                                  <p:stCondLst>
+                                    <p:cond delay="0"/>
+                                  </p:stCondLst>
+                                  <p:childTnLst>
+                                    <p:set>
+                                      <p:cBhvr>
+                                        <p:cTn id="10" dur="1" fill="hold">
+                                          <p:stCondLst>
+                                            <p:cond delay="0"/>
+                                          </p:stCondLst>
+                                        </p:cTn>
+                                        <p:tgtEl>
+                                          <p:spTgt spid="444419">
+                                            <p:txEl>
+                                              <p:pRg st="2" end="2"/>
+                                            </p:txEl>
+                                          </p:spTgt>
+                                        </p:tgtEl>
+                                        <p:attrNameLst>
+                                          <p:attrName>style.visibility</p:attrName>
+                                        </p:attrNameLst>
+                                      </p:cBhvr>
+                                      <p:to>
+                                        <p:strVal val="visible"/>
+                                      </p:to>
+                                    </p:set>
+                                  </p:childTnLst>
+                                </p:cTn>
+                              </p:par>
+                            </p:childTnLst>
+                          </p:cTn>
+                        </p:par>
+                      </p:childTnLst>
+                    </p:cTn>
+                  </p:par>
+                  <p:par>
+                    <p:cTn id="11" fill="hold">
+                      <p:stCondLst>
+                        <p:cond delay="indefinite"/>
+                      </p:stCondLst>
+                      <p:childTnLst>
+                        <p:par>
+                          <p:cTn id="12" fill="hold">
+                            <p:stCondLst>
+                              <p:cond delay="0"/>
+                            </p:stCondLst>
+                            <p:childTnLst>
+                              <p:par>
+                                <p:cTn id="13" presetID="1" presetClass="entr" presetSubtype="0" fill="hold" nodeType="clickEffect">
+                                  <p:stCondLst>
+                                    <p:cond delay="0"/>
+                                  </p:stCondLst>
+                                  <p:childTnLst>
+                                    <p:set>
+                                      <p:cBhvr>
+                                        <p:cTn id="14" dur="1" fill="hold">
+                                          <p:stCondLst>
+                                            <p:cond delay="0"/>
+                                          </p:stCondLst>
+                                        </p:cTn>
+                                        <p:tgtEl>
+                                          <p:spTgt spid="444419">
+                                            <p:txEl>
+                                              <p:pRg st="3" end="3"/>
+                                            </p:txEl>
+                                          </p:spTgt>
+                                        </p:tgtEl>
+                                        <p:attrNameLst>
+                                          <p:attrName>style.visibility</p:attrName>
+                                        </p:attrNameLst>
+                                      </p:cBhvr>
+                                      <p:to>
+                                        <p:strVal val="visible"/>
+                                      </p:to>
+                                    </p:set>
+                                  </p:childTnLst>
+                                </p:cTn>
+                              </p:par>
+                            </p:childTnLst>
+                          </p:cTn>
+                        </p:par>
+                      </p:childTnLst>
+                    </p:cTn>
+                  </p:par>
+                  <p:par>
+                    <p:cTn id="15" fill="hold">
+                      <p:stCondLst>
+                        <p:cond delay="indefinite"/>
+                      </p:stCondLst>
+                      <p:childTnLst>
+                        <p:par>
+                          <p:cTn id="16" fill="hold">
+                            <p:stCondLst>
+                              <p:cond delay="0"/>
+                            </p:stCondLst>
+                            <p:childTnLst>
+                              <p:par>
+                                <p:cTn id="17" presetID="1" presetClass="entr" presetSubtype="0" fill="hold" nodeType="clickEffect">
+                                  <p:stCondLst>
+                                    <p:cond delay="0"/>
+                                  </p:stCondLst>
+                                  <p:childTnLst>
+                                    <p:set>
+                                      <p:cBhvr>
+                                        <p:cTn id="18" dur="1" fill="hold">
+                                          <p:stCondLst>
+                                            <p:cond delay="0"/>
+                                          </p:stCondLst>
+                                        </p:cTn>
+                                        <p:tgtEl>
+                                          <p:spTgt spid="444419">
+                                            <p:txEl>
+                                              <p:pRg st="4" end="4"/>
+                                            </p:txEl>
+                                          </p:spTgt>
+                                        </p:tgtEl>
+                                        <p:attrNameLst>
+                                          <p:attrName>style.visibility</p:attrName>
+                                        </p:attrNameLst>
+                                      </p:cBhvr>
+                                      <p:to>
+                                        <p:strVal val="visible"/>
+                                      </p:to>
+                                    </p:set>
+                                  </p:childTnLst>
+                                </p:cTn>
+                              </p:par>
+                            </p:childTnLst>
+                          </p:cTn>
+                        </p:par>
+                      </p:childTnLst>
+                    </p:cTn>
+                  </p:par>
+                </p:childTnLst>
+              </p:cTn>
+              <p:prevCondLst>
+                <p:cond evt="onPrev" delay="0">
+                  <p:tgtEl>
+                    <p:sldTgt/>
+                  </p:tgtEl>
+                </p:cond>
+              </p:prevCondLst>
+              <p:nextCondLst>
+                <p:cond evt="onNext" delay="0">
+                  <p:tgtEl>
+                    <p:sldTgt/>
+                  </p:tgtEl>
+                </p:cond>
+              </p:nextCondLst>
+            </p:seq>
+          </p:childTnLst>
+        </p:cTn>
+      </p:par>
+    </p:tnLst>
+  </p:timing>
+</p:sld>
+</file>
+
+<file path=ppt/slides/slide20.xml><?xml version="1.0" encoding="utf-8"?>
 <p:sld xmlns:a="http://schemas.openxmlformats.org/drawingml/2006/main" xmlns:r="http://schemas.openxmlformats.org/officeDocument/2006/relationships" xmlns:p="http://schemas.openxmlformats.org/presentationml/2006/main">
   <p:cSld>
     <p:spTree>
@@ -11187,7 +13512,7 @@
             <a:fld id="{2BF067CD-8E6B-4360-9AA8-C5DF2A48A6D1}" type="slidenum">
               <a:rPr lang="en-US" noProof="0" smtClean="0"/>
               <a:pPr/>
-              <a:t>15</a:t>
+              <a:t>20</a:t>
             </a:fld>
             <a:endParaRPr lang="en-US" noProof="0" dirty="0"/>
           </a:p>
@@ -11884,7 +14209,7 @@
 </p:sld>
 </file>
 
-<file path=ppt/slides/slide16.xml><?xml version="1.0" encoding="utf-8"?>
+<file path=ppt/slides/slide21.xml><?xml version="1.0" encoding="utf-8"?>
 <p:sld xmlns:a="http://schemas.openxmlformats.org/drawingml/2006/main" xmlns:r="http://schemas.openxmlformats.org/officeDocument/2006/relationships" xmlns:p="http://schemas.openxmlformats.org/presentationml/2006/main">
   <p:cSld>
     <p:spTree>
@@ -12043,7 +14368,7 @@
 </p:sld>
 </file>
 
-<file path=ppt/slides/slide17.xml><?xml version="1.0" encoding="utf-8"?>
+<file path=ppt/slides/slide22.xml><?xml version="1.0" encoding="utf-8"?>
 <p:sld xmlns:a="http://schemas.openxmlformats.org/drawingml/2006/main" xmlns:r="http://schemas.openxmlformats.org/officeDocument/2006/relationships" xmlns:p="http://schemas.openxmlformats.org/presentationml/2006/main">
   <p:cSld>
     <p:spTree>
@@ -12423,7 +14748,7 @@
             <a:fld id="{2BF067CD-8E6B-4360-9AA8-C5DF2A48A6D1}" type="slidenum">
               <a:rPr lang="en-US" noProof="0" smtClean="0"/>
               <a:pPr/>
-              <a:t>17</a:t>
+              <a:t>22</a:t>
             </a:fld>
             <a:endParaRPr lang="en-US" noProof="0" dirty="0"/>
           </a:p>
@@ -12695,7 +15020,7 @@
 </p:sld>
 </file>
 
-<file path=ppt/slides/slide18.xml><?xml version="1.0" encoding="utf-8"?>
+<file path=ppt/slides/slide23.xml><?xml version="1.0" encoding="utf-8"?>
 <p:sld xmlns:a="http://schemas.openxmlformats.org/drawingml/2006/main" xmlns:r="http://schemas.openxmlformats.org/officeDocument/2006/relationships" xmlns:p="http://schemas.openxmlformats.org/presentationml/2006/main">
   <p:cSld>
     <p:spTree>
@@ -12989,7 +15314,7 @@
             <a:fld id="{2BF067CD-8E6B-4360-9AA8-C5DF2A48A6D1}" type="slidenum">
               <a:rPr lang="en-US" noProof="0" smtClean="0"/>
               <a:pPr/>
-              <a:t>18</a:t>
+              <a:t>23</a:t>
             </a:fld>
             <a:endParaRPr lang="en-US" noProof="0" dirty="0"/>
           </a:p>
@@ -13215,7 +15540,7 @@
 </p:sld>
 </file>
 
-<file path=ppt/slides/slide19.xml><?xml version="1.0" encoding="utf-8"?>
+<file path=ppt/slides/slide24.xml><?xml version="1.0" encoding="utf-8"?>
 <p:sld xmlns:a="http://schemas.openxmlformats.org/drawingml/2006/main" xmlns:r="http://schemas.openxmlformats.org/officeDocument/2006/relationships" xmlns:p="http://schemas.openxmlformats.org/presentationml/2006/main">
   <p:cSld>
     <p:spTree>
@@ -13586,7 +15911,7 @@
             <a:fld id="{2BF067CD-8E6B-4360-9AA8-C5DF2A48A6D1}" type="slidenum">
               <a:rPr lang="en-US" noProof="0" smtClean="0"/>
               <a:pPr/>
-              <a:t>19</a:t>
+              <a:t>24</a:t>
             </a:fld>
             <a:endParaRPr lang="en-US" noProof="0" dirty="0"/>
           </a:p>
@@ -13840,483 +16165,7 @@
 </p:sld>
 </file>
 
-<file path=ppt/slides/slide2.xml><?xml version="1.0" encoding="utf-8"?>
-<p:sld xmlns:a="http://schemas.openxmlformats.org/drawingml/2006/main" xmlns:r="http://schemas.openxmlformats.org/officeDocument/2006/relationships" xmlns:p="http://schemas.openxmlformats.org/presentationml/2006/main">
-  <p:cSld>
-    <p:spTree>
-      <p:nvGrpSpPr>
-        <p:cNvPr id="1" name=""/>
-        <p:cNvGrpSpPr/>
-        <p:nvPr/>
-      </p:nvGrpSpPr>
-      <p:grpSpPr>
-        <a:xfrm>
-          <a:off x="0" y="0"/>
-          <a:ext cx="0" cy="0"/>
-          <a:chOff x="0" y="0"/>
-          <a:chExt cx="0" cy="0"/>
-        </a:xfrm>
-      </p:grpSpPr>
-      <p:sp>
-        <p:nvSpPr>
-          <p:cNvPr id="444419" name="Rectangle 3"/>
-          <p:cNvSpPr>
-            <a:spLocks noGrp="1" noChangeArrowheads="1"/>
-          </p:cNvSpPr>
-          <p:nvPr>
-            <p:ph type="body" sz="quarter" idx="13"/>
-          </p:nvPr>
-        </p:nvSpPr>
-        <p:spPr/>
-        <p:txBody>
-          <a:bodyPr>
-            <a:normAutofit/>
-          </a:bodyPr>
-          <a:lstStyle/>
-          <a:p>
-            <a:r>
-              <a:rPr lang="ru-RU" dirty="0"/>
-              <a:t>Запознаване с MS SQL Server</a:t>
-            </a:r>
-            <a:endParaRPr lang="en-US" dirty="0"/>
-          </a:p>
-          <a:p>
-            <a:r>
-              <a:rPr lang="en-US" dirty="0"/>
-              <a:t>MS SQL Server </a:t>
-            </a:r>
-            <a:r>
-              <a:rPr lang="bg-BG" dirty="0"/>
-              <a:t>и </a:t>
-            </a:r>
-            <a:r>
-              <a:rPr lang="en-US" dirty="0"/>
-              <a:t>SQL Server Express LocalDB</a:t>
-            </a:r>
-            <a:endParaRPr lang="bg-BG" dirty="0"/>
-          </a:p>
-          <a:p>
-            <a:r>
-              <a:rPr lang="ru-RU" dirty="0"/>
-              <a:t>Импортиране на база данни от SQL скрипт</a:t>
-            </a:r>
-          </a:p>
-          <a:p>
-            <a:r>
-              <a:rPr lang="ru-RU" dirty="0"/>
-              <a:t>Разглеждане и редактиране на данни в таблица</a:t>
-            </a:r>
-          </a:p>
-          <a:p>
-            <a:r>
-              <a:rPr lang="ru-RU" dirty="0"/>
-              <a:t>Изпълнение на заявки (предварително написани)</a:t>
-            </a:r>
-          </a:p>
-        </p:txBody>
-      </p:sp>
-      <p:sp>
-        <p:nvSpPr>
-          <p:cNvPr id="444418" name="Rectangle 2"/>
-          <p:cNvSpPr>
-            <a:spLocks noGrp="1" noChangeArrowheads="1"/>
-          </p:cNvSpPr>
-          <p:nvPr>
-            <p:ph type="title"/>
-          </p:nvPr>
-        </p:nvSpPr>
-        <p:spPr/>
-        <p:txBody>
-          <a:bodyPr>
-            <a:normAutofit/>
-          </a:bodyPr>
-          <a:lstStyle/>
-          <a:p>
-            <a:r>
-              <a:rPr lang="bg-BG" dirty="0"/>
-              <a:t>Съдържание</a:t>
-            </a:r>
-          </a:p>
-        </p:txBody>
-      </p:sp>
-      <p:sp>
-        <p:nvSpPr>
-          <p:cNvPr id="2" name="Slide Number">
-            <a:extLst>
-              <a:ext uri="{FF2B5EF4-FFF2-40B4-BE49-F238E27FC236}">
-                <a16:creationId xmlns:a16="http://schemas.microsoft.com/office/drawing/2014/main" id="{E45D3E73-7E11-81BF-A754-044E874C548D}"/>
-              </a:ext>
-            </a:extLst>
-          </p:cNvPr>
-          <p:cNvSpPr txBox="1">
-            <a:spLocks/>
-          </p:cNvSpPr>
-          <p:nvPr/>
-        </p:nvSpPr>
-        <p:spPr>
-          <a:xfrm>
-            <a:off x="11753030" y="6507000"/>
-            <a:ext cx="367414" cy="297000"/>
-          </a:xfrm>
-          <a:prstGeom prst="rect">
-            <a:avLst/>
-          </a:prstGeom>
-        </p:spPr>
-        <p:txBody>
-          <a:bodyPr vert="horz" lIns="91440" tIns="45720" rIns="91440" bIns="45720" rtlCol="0" anchor="b"/>
-          <a:lstStyle>
-            <a:defPPr>
-              <a:defRPr lang="en-US"/>
-            </a:defPPr>
-            <a:lvl1pPr marL="0" algn="r" defTabSz="914400" rtl="0" eaLnBrk="1" latinLnBrk="0" hangingPunct="1">
-              <a:defRPr sz="1000" kern="1200">
-                <a:solidFill>
-                  <a:schemeClr val="tx1"/>
-                </a:solidFill>
-                <a:latin typeface="+mn-lt"/>
-                <a:ea typeface="+mn-ea"/>
-                <a:cs typeface="+mn-cs"/>
-              </a:defRPr>
-            </a:lvl1pPr>
-            <a:lvl2pPr marL="457200" algn="l" defTabSz="914400" rtl="0" eaLnBrk="1" latinLnBrk="0" hangingPunct="1">
-              <a:defRPr sz="1800" kern="1200">
-                <a:solidFill>
-                  <a:schemeClr val="tx1"/>
-                </a:solidFill>
-                <a:latin typeface="+mn-lt"/>
-                <a:ea typeface="+mn-ea"/>
-                <a:cs typeface="+mn-cs"/>
-              </a:defRPr>
-            </a:lvl2pPr>
-            <a:lvl3pPr marL="914400" algn="l" defTabSz="914400" rtl="0" eaLnBrk="1" latinLnBrk="0" hangingPunct="1">
-              <a:defRPr sz="1800" kern="1200">
-                <a:solidFill>
-                  <a:schemeClr val="tx1"/>
-                </a:solidFill>
-                <a:latin typeface="+mn-lt"/>
-                <a:ea typeface="+mn-ea"/>
-                <a:cs typeface="+mn-cs"/>
-              </a:defRPr>
-            </a:lvl3pPr>
-            <a:lvl4pPr marL="1371600" algn="l" defTabSz="914400" rtl="0" eaLnBrk="1" latinLnBrk="0" hangingPunct="1">
-              <a:defRPr sz="1800" kern="1200">
-                <a:solidFill>
-                  <a:schemeClr val="tx1"/>
-                </a:solidFill>
-                <a:latin typeface="+mn-lt"/>
-                <a:ea typeface="+mn-ea"/>
-                <a:cs typeface="+mn-cs"/>
-              </a:defRPr>
-            </a:lvl4pPr>
-            <a:lvl5pPr marL="1828800" algn="l" defTabSz="914400" rtl="0" eaLnBrk="1" latinLnBrk="0" hangingPunct="1">
-              <a:defRPr sz="1800" kern="1200">
-                <a:solidFill>
-                  <a:schemeClr val="tx1"/>
-                </a:solidFill>
-                <a:latin typeface="+mn-lt"/>
-                <a:ea typeface="+mn-ea"/>
-                <a:cs typeface="+mn-cs"/>
-              </a:defRPr>
-            </a:lvl5pPr>
-            <a:lvl6pPr marL="2286000" algn="l" defTabSz="914400" rtl="0" eaLnBrk="1" latinLnBrk="0" hangingPunct="1">
-              <a:defRPr sz="1800" kern="1200">
-                <a:solidFill>
-                  <a:schemeClr val="tx1"/>
-                </a:solidFill>
-                <a:latin typeface="+mn-lt"/>
-                <a:ea typeface="+mn-ea"/>
-                <a:cs typeface="+mn-cs"/>
-              </a:defRPr>
-            </a:lvl6pPr>
-            <a:lvl7pPr marL="2743200" algn="l" defTabSz="914400" rtl="0" eaLnBrk="1" latinLnBrk="0" hangingPunct="1">
-              <a:defRPr sz="1800" kern="1200">
-                <a:solidFill>
-                  <a:schemeClr val="tx1"/>
-                </a:solidFill>
-                <a:latin typeface="+mn-lt"/>
-                <a:ea typeface="+mn-ea"/>
-                <a:cs typeface="+mn-cs"/>
-              </a:defRPr>
-            </a:lvl7pPr>
-            <a:lvl8pPr marL="3200400" algn="l" defTabSz="914400" rtl="0" eaLnBrk="1" latinLnBrk="0" hangingPunct="1">
-              <a:defRPr sz="1800" kern="1200">
-                <a:solidFill>
-                  <a:schemeClr val="tx1"/>
-                </a:solidFill>
-                <a:latin typeface="+mn-lt"/>
-                <a:ea typeface="+mn-ea"/>
-                <a:cs typeface="+mn-cs"/>
-              </a:defRPr>
-            </a:lvl8pPr>
-            <a:lvl9pPr marL="3657600" algn="l" defTabSz="914400" rtl="0" eaLnBrk="1" latinLnBrk="0" hangingPunct="1">
-              <a:defRPr sz="1800" kern="1200">
-                <a:solidFill>
-                  <a:schemeClr val="tx1"/>
-                </a:solidFill>
-                <a:latin typeface="+mn-lt"/>
-                <a:ea typeface="+mn-ea"/>
-                <a:cs typeface="+mn-cs"/>
-              </a:defRPr>
-            </a:lvl9pPr>
-          </a:lstStyle>
-          <a:p>
-            <a:fld id="{2BF067CD-8E6B-4360-9AA8-C5DF2A48A6D1}" type="slidenum">
-              <a:rPr lang="en-US" smtClean="0"/>
-              <a:pPr/>
-              <a:t>2</a:t>
-            </a:fld>
-            <a:endParaRPr lang="en-US" dirty="0"/>
-          </a:p>
-        </p:txBody>
-      </p:sp>
-    </p:spTree>
-    <p:extLst>
-      <p:ext uri="{BB962C8B-B14F-4D97-AF65-F5344CB8AC3E}">
-        <p14:creationId xmlns:p14="http://schemas.microsoft.com/office/powerpoint/2010/main" val="4065060703"/>
-      </p:ext>
-    </p:extLst>
-  </p:cSld>
-  <p:clrMapOvr>
-    <a:masterClrMapping/>
-  </p:clrMapOvr>
-  <mc:AlternateContent xmlns:mc="http://schemas.openxmlformats.org/markup-compatibility/2006" xmlns:p14="http://schemas.microsoft.com/office/powerpoint/2010/main">
-    <mc:Choice Requires="p14">
-      <p:transition spd="slow" p14:dur="2000" advClick="0" advTm="5000"/>
-    </mc:Choice>
-    <mc:Fallback xmlns="">
-      <p:transition spd="slow" advClick="0" advTm="5000"/>
-    </mc:Fallback>
-  </mc:AlternateContent>
-  <p:timing>
-    <p:tnLst>
-      <p:par>
-        <p:cTn id="1" dur="indefinite" restart="never" nodeType="tmRoot">
-          <p:childTnLst>
-            <p:seq concurrent="1" nextAc="seek">
-              <p:cTn id="2" dur="indefinite" nodeType="mainSeq">
-                <p:childTnLst>
-                  <p:par>
-                    <p:cTn id="3" fill="hold">
-                      <p:stCondLst>
-                        <p:cond delay="indefinite"/>
-                      </p:stCondLst>
-                      <p:childTnLst>
-                        <p:par>
-                          <p:cTn id="4" fill="hold">
-                            <p:stCondLst>
-                              <p:cond delay="0"/>
-                            </p:stCondLst>
-                            <p:childTnLst>
-                              <p:par>
-                                <p:cTn id="5" presetID="1" presetClass="entr" presetSubtype="0" fill="hold" nodeType="clickEffect">
-                                  <p:stCondLst>
-                                    <p:cond delay="0"/>
-                                  </p:stCondLst>
-                                  <p:childTnLst>
-                                    <p:set>
-                                      <p:cBhvr>
-                                        <p:cTn id="6" dur="1" fill="hold">
-                                          <p:stCondLst>
-                                            <p:cond delay="0"/>
-                                          </p:stCondLst>
-                                        </p:cTn>
-                                        <p:tgtEl>
-                                          <p:spTgt spid="444419">
-                                            <p:txEl>
-                                              <p:pRg st="1" end="1"/>
-                                            </p:txEl>
-                                          </p:spTgt>
-                                        </p:tgtEl>
-                                        <p:attrNameLst>
-                                          <p:attrName>style.visibility</p:attrName>
-                                        </p:attrNameLst>
-                                      </p:cBhvr>
-                                      <p:to>
-                                        <p:strVal val="visible"/>
-                                      </p:to>
-                                    </p:set>
-                                  </p:childTnLst>
-                                </p:cTn>
-                              </p:par>
-                            </p:childTnLst>
-                          </p:cTn>
-                        </p:par>
-                      </p:childTnLst>
-                    </p:cTn>
-                  </p:par>
-                  <p:par>
-                    <p:cTn id="7" fill="hold">
-                      <p:stCondLst>
-                        <p:cond delay="indefinite"/>
-                      </p:stCondLst>
-                      <p:childTnLst>
-                        <p:par>
-                          <p:cTn id="8" fill="hold">
-                            <p:stCondLst>
-                              <p:cond delay="0"/>
-                            </p:stCondLst>
-                            <p:childTnLst>
-                              <p:par>
-                                <p:cTn id="9" presetID="1" presetClass="entr" presetSubtype="0" fill="hold" nodeType="clickEffect">
-                                  <p:stCondLst>
-                                    <p:cond delay="0"/>
-                                  </p:stCondLst>
-                                  <p:childTnLst>
-                                    <p:set>
-                                      <p:cBhvr>
-                                        <p:cTn id="10" dur="1" fill="hold">
-                                          <p:stCondLst>
-                                            <p:cond delay="0"/>
-                                          </p:stCondLst>
-                                        </p:cTn>
-                                        <p:tgtEl>
-                                          <p:spTgt spid="444419">
-                                            <p:txEl>
-                                              <p:pRg st="2" end="2"/>
-                                            </p:txEl>
-                                          </p:spTgt>
-                                        </p:tgtEl>
-                                        <p:attrNameLst>
-                                          <p:attrName>style.visibility</p:attrName>
-                                        </p:attrNameLst>
-                                      </p:cBhvr>
-                                      <p:to>
-                                        <p:strVal val="visible"/>
-                                      </p:to>
-                                    </p:set>
-                                  </p:childTnLst>
-                                </p:cTn>
-                              </p:par>
-                            </p:childTnLst>
-                          </p:cTn>
-                        </p:par>
-                      </p:childTnLst>
-                    </p:cTn>
-                  </p:par>
-                  <p:par>
-                    <p:cTn id="11" fill="hold">
-                      <p:stCondLst>
-                        <p:cond delay="indefinite"/>
-                      </p:stCondLst>
-                      <p:childTnLst>
-                        <p:par>
-                          <p:cTn id="12" fill="hold">
-                            <p:stCondLst>
-                              <p:cond delay="0"/>
-                            </p:stCondLst>
-                            <p:childTnLst>
-                              <p:par>
-                                <p:cTn id="13" presetID="1" presetClass="entr" presetSubtype="0" fill="hold" nodeType="clickEffect">
-                                  <p:stCondLst>
-                                    <p:cond delay="0"/>
-                                  </p:stCondLst>
-                                  <p:childTnLst>
-                                    <p:set>
-                                      <p:cBhvr>
-                                        <p:cTn id="14" dur="1" fill="hold">
-                                          <p:stCondLst>
-                                            <p:cond delay="0"/>
-                                          </p:stCondLst>
-                                        </p:cTn>
-                                        <p:tgtEl>
-                                          <p:spTgt spid="444419">
-                                            <p:txEl>
-                                              <p:pRg st="3" end="3"/>
-                                            </p:txEl>
-                                          </p:spTgt>
-                                        </p:tgtEl>
-                                        <p:attrNameLst>
-                                          <p:attrName>style.visibility</p:attrName>
-                                        </p:attrNameLst>
-                                      </p:cBhvr>
-                                      <p:to>
-                                        <p:strVal val="visible"/>
-                                      </p:to>
-                                    </p:set>
-                                  </p:childTnLst>
-                                </p:cTn>
-                              </p:par>
-                            </p:childTnLst>
-                          </p:cTn>
-                        </p:par>
-                      </p:childTnLst>
-                    </p:cTn>
-                  </p:par>
-                  <p:par>
-                    <p:cTn id="15" fill="hold">
-                      <p:stCondLst>
-                        <p:cond delay="indefinite"/>
-                      </p:stCondLst>
-                      <p:childTnLst>
-                        <p:par>
-                          <p:cTn id="16" fill="hold">
-                            <p:stCondLst>
-                              <p:cond delay="0"/>
-                            </p:stCondLst>
-                            <p:childTnLst>
-                              <p:par>
-                                <p:cTn id="17" presetID="1" presetClass="entr" presetSubtype="0" fill="hold" nodeType="clickEffect">
-                                  <p:stCondLst>
-                                    <p:cond delay="0"/>
-                                  </p:stCondLst>
-                                  <p:childTnLst>
-                                    <p:set>
-                                      <p:cBhvr>
-                                        <p:cTn id="18" dur="1" fill="hold">
-                                          <p:stCondLst>
-                                            <p:cond delay="0"/>
-                                          </p:stCondLst>
-                                        </p:cTn>
-                                        <p:tgtEl>
-                                          <p:spTgt spid="444419">
-                                            <p:txEl>
-                                              <p:pRg st="4" end="4"/>
-                                            </p:txEl>
-                                          </p:spTgt>
-                                        </p:tgtEl>
-                                        <p:attrNameLst>
-                                          <p:attrName>style.visibility</p:attrName>
-                                        </p:attrNameLst>
-                                      </p:cBhvr>
-                                      <p:to>
-                                        <p:strVal val="visible"/>
-                                      </p:to>
-                                    </p:set>
-                                  </p:childTnLst>
-                                </p:cTn>
-                              </p:par>
-                            </p:childTnLst>
-                          </p:cTn>
-                        </p:par>
-                      </p:childTnLst>
-                    </p:cTn>
-                  </p:par>
-                </p:childTnLst>
-              </p:cTn>
-              <p:prevCondLst>
-                <p:cond evt="onPrev" delay="0">
-                  <p:tgtEl>
-                    <p:sldTgt/>
-                  </p:tgtEl>
-                </p:cond>
-              </p:prevCondLst>
-              <p:nextCondLst>
-                <p:cond evt="onNext" delay="0">
-                  <p:tgtEl>
-                    <p:sldTgt/>
-                  </p:tgtEl>
-                </p:cond>
-              </p:nextCondLst>
-            </p:seq>
-          </p:childTnLst>
-        </p:cTn>
-      </p:par>
-    </p:tnLst>
-  </p:timing>
-</p:sld>
-</file>
-
-<file path=ppt/slides/slide20.xml><?xml version="1.0" encoding="utf-8"?>
+<file path=ppt/slides/slide25.xml><?xml version="1.0" encoding="utf-8"?>
 <p:sld xmlns:a="http://schemas.openxmlformats.org/drawingml/2006/main" xmlns:r="http://schemas.openxmlformats.org/officeDocument/2006/relationships" xmlns:p="http://schemas.openxmlformats.org/presentationml/2006/main">
   <p:cSld>
     <p:spTree>
@@ -14445,7 +16294,7 @@
 </p:sld>
 </file>
 
-<file path=ppt/slides/slide21.xml><?xml version="1.0" encoding="utf-8"?>
+<file path=ppt/slides/slide26.xml><?xml version="1.0" encoding="utf-8"?>
 <p:sld xmlns:a="http://schemas.openxmlformats.org/drawingml/2006/main" xmlns:r="http://schemas.openxmlformats.org/officeDocument/2006/relationships" xmlns:p="http://schemas.openxmlformats.org/presentationml/2006/main">
   <p:cSld>
     <p:spTree>
@@ -14929,7 +16778,7 @@
             <a:fld id="{2BF067CD-8E6B-4360-9AA8-C5DF2A48A6D1}" type="slidenum">
               <a:rPr lang="en-US" noProof="0" smtClean="0"/>
               <a:pPr/>
-              <a:t>21</a:t>
+              <a:t>26</a:t>
             </a:fld>
             <a:endParaRPr lang="en-US" noProof="0" dirty="0"/>
           </a:p>
@@ -15209,7 +17058,7 @@
 </p:sld>
 </file>
 
-<file path=ppt/slides/slide22.xml><?xml version="1.0" encoding="utf-8"?>
+<file path=ppt/slides/slide27.xml><?xml version="1.0" encoding="utf-8"?>
 <p:sld xmlns:a="http://schemas.openxmlformats.org/drawingml/2006/main" xmlns:r="http://schemas.openxmlformats.org/officeDocument/2006/relationships" xmlns:p="http://schemas.openxmlformats.org/presentationml/2006/main">
   <p:cSld>
     <p:spTree>
@@ -15800,7 +17649,7 @@
             <a:fld id="{2BF067CD-8E6B-4360-9AA8-C5DF2A48A6D1}" type="slidenum">
               <a:rPr lang="en-US" noProof="0" smtClean="0"/>
               <a:pPr/>
-              <a:t>22</a:t>
+              <a:t>27</a:t>
             </a:fld>
             <a:endParaRPr lang="en-US" noProof="0" dirty="0"/>
           </a:p>
@@ -16167,7 +18016,7 @@
 </p:sld>
 </file>
 
-<file path=ppt/slides/slide23.xml><?xml version="1.0" encoding="utf-8"?>
+<file path=ppt/slides/slide28.xml><?xml version="1.0" encoding="utf-8"?>
 <p:sld xmlns:a="http://schemas.openxmlformats.org/drawingml/2006/main" xmlns:r="http://schemas.openxmlformats.org/officeDocument/2006/relationships" xmlns:p="http://schemas.openxmlformats.org/presentationml/2006/main">
   <p:cSld>
     <p:spTree>
@@ -16380,7 +18229,7 @@
             <a:fld id="{2BF067CD-8E6B-4360-9AA8-C5DF2A48A6D1}" type="slidenum">
               <a:rPr lang="en-US" noProof="0" smtClean="0"/>
               <a:pPr/>
-              <a:t>23</a:t>
+              <a:t>28</a:t>
             </a:fld>
             <a:endParaRPr lang="en-US" noProof="0" dirty="0"/>
           </a:p>
@@ -16584,7 +18433,7 @@
 </p:sld>
 </file>
 
-<file path=ppt/slides/slide24.xml><?xml version="1.0" encoding="utf-8"?>
+<file path=ppt/slides/slide29.xml><?xml version="1.0" encoding="utf-8"?>
 <p:sld xmlns:a="http://schemas.openxmlformats.org/drawingml/2006/main" xmlns:r="http://schemas.openxmlformats.org/officeDocument/2006/relationships" xmlns:p="http://schemas.openxmlformats.org/presentationml/2006/main">
   <p:cSld>
     <p:spTree>
@@ -16916,7 +18765,7 @@
             <a:fld id="{2BF067CD-8E6B-4360-9AA8-C5DF2A48A6D1}" type="slidenum">
               <a:rPr lang="en-US" noProof="0" smtClean="0"/>
               <a:pPr/>
-              <a:t>24</a:t>
+              <a:t>29</a:t>
             </a:fld>
             <a:endParaRPr lang="en-US" noProof="0" dirty="0"/>
           </a:p>
@@ -17022,7 +18871,153 @@
 </p:sld>
 </file>
 
-<file path=ppt/slides/slide25.xml><?xml version="1.0" encoding="utf-8"?>
+<file path=ppt/slides/slide3.xml><?xml version="1.0" encoding="utf-8"?>
+<p:sld xmlns:a="http://schemas.openxmlformats.org/drawingml/2006/main" xmlns:r="http://schemas.openxmlformats.org/officeDocument/2006/relationships" xmlns:p="http://schemas.openxmlformats.org/presentationml/2006/main">
+  <p:cSld>
+    <p:spTree>
+      <p:nvGrpSpPr>
+        <p:cNvPr id="1" name=""/>
+        <p:cNvGrpSpPr/>
+        <p:nvPr/>
+      </p:nvGrpSpPr>
+      <p:grpSpPr>
+        <a:xfrm>
+          <a:off x="0" y="0"/>
+          <a:ext cx="0" cy="0"/>
+          <a:chOff x="0" y="0"/>
+          <a:chExt cx="0" cy="0"/>
+        </a:xfrm>
+      </p:grpSpPr>
+      <p:pic>
+        <p:nvPicPr>
+          <p:cNvPr id="6" name="Picture 4" descr="Ð ÐµÐ·ÑÐ»ÑÐ°Ñ Ñ Ð¸Ð·Ð¾Ð±ÑÐ°Ð¶ÐµÐ½Ð¸Ðµ Ð·Ð° sql server express png">
+            <a:extLst>
+              <a:ext uri="{FF2B5EF4-FFF2-40B4-BE49-F238E27FC236}">
+                <a16:creationId xmlns:a16="http://schemas.microsoft.com/office/drawing/2014/main" id="{ABA81264-79EA-4C61-B859-F609E78C6876}"/>
+              </a:ext>
+            </a:extLst>
+          </p:cNvPr>
+          <p:cNvPicPr>
+            <a:picLocks noChangeAspect="1" noChangeArrowheads="1"/>
+          </p:cNvPicPr>
+          <p:nvPr/>
+        </p:nvPicPr>
+        <p:blipFill>
+          <a:blip r:embed="rId2" cstate="print">
+            <a:extLst>
+              <a:ext uri="{28A0092B-C50C-407E-A947-70E740481C1C}">
+                <a14:useLocalDpi xmlns:a14="http://schemas.microsoft.com/office/drawing/2010/main" val="0"/>
+              </a:ext>
+            </a:extLst>
+          </a:blip>
+          <a:srcRect/>
+          <a:stretch>
+            <a:fillRect/>
+          </a:stretch>
+        </p:blipFill>
+        <p:spPr bwMode="auto">
+          <a:xfrm>
+            <a:off x="4675658" y="1384495"/>
+            <a:ext cx="2840683" cy="2305483"/>
+          </a:xfrm>
+          <a:prstGeom prst="rect">
+            <a:avLst/>
+          </a:prstGeom>
+          <a:noFill/>
+          <a:extLst>
+            <a:ext uri="{909E8E84-426E-40DD-AFC4-6F175D3DCCD1}">
+              <a14:hiddenFill xmlns:a14="http://schemas.microsoft.com/office/drawing/2010/main">
+                <a:solidFill>
+                  <a:srgbClr val="FFFFFF"/>
+                </a:solidFill>
+              </a14:hiddenFill>
+            </a:ext>
+          </a:extLst>
+        </p:spPr>
+      </p:pic>
+      <p:sp>
+        <p:nvSpPr>
+          <p:cNvPr id="5" name="Подзаглавие 4">
+            <a:extLst>
+              <a:ext uri="{FF2B5EF4-FFF2-40B4-BE49-F238E27FC236}">
+                <a16:creationId xmlns:a16="http://schemas.microsoft.com/office/drawing/2014/main" id="{8AE6A1FD-951B-BB4F-EC39-C1D0F100F2CE}"/>
+              </a:ext>
+            </a:extLst>
+          </p:cNvPr>
+          <p:cNvSpPr>
+            <a:spLocks noGrp="1"/>
+          </p:cNvSpPr>
+          <p:nvPr>
+            <p:ph type="subTitle" sz="quarter" idx="11"/>
+          </p:nvPr>
+        </p:nvSpPr>
+        <p:spPr/>
+        <p:txBody>
+          <a:bodyPr/>
+          <a:lstStyle/>
+          <a:p>
+            <a:r>
+              <a:rPr lang="bg-BG"/>
+              <a:t>Запознаване с </a:t>
+            </a:r>
+            <a:r>
+              <a:rPr lang="en-US"/>
+              <a:t>SQL Server </a:t>
+            </a:r>
+            <a:endParaRPr lang="bg-BG"/>
+          </a:p>
+        </p:txBody>
+      </p:sp>
+      <p:sp>
+        <p:nvSpPr>
+          <p:cNvPr id="8" name="Заглавие 7">
+            <a:extLst>
+              <a:ext uri="{FF2B5EF4-FFF2-40B4-BE49-F238E27FC236}">
+                <a16:creationId xmlns:a16="http://schemas.microsoft.com/office/drawing/2014/main" id="{28CC101B-D563-EFCE-ADE9-2241D6CCD10D}"/>
+              </a:ext>
+            </a:extLst>
+          </p:cNvPr>
+          <p:cNvSpPr>
+            <a:spLocks noGrp="1"/>
+          </p:cNvSpPr>
+          <p:nvPr>
+            <p:ph type="title" sz="quarter" idx="10"/>
+          </p:nvPr>
+        </p:nvSpPr>
+        <p:spPr/>
+        <p:txBody>
+          <a:bodyPr/>
+          <a:lstStyle/>
+          <a:p>
+            <a:r>
+              <a:rPr lang="bg-BG"/>
+              <a:t>Същност и архитектура</a:t>
+            </a:r>
+          </a:p>
+        </p:txBody>
+      </p:sp>
+    </p:spTree>
+    <p:extLst>
+      <p:ext uri="{BB962C8B-B14F-4D97-AF65-F5344CB8AC3E}">
+        <p14:creationId xmlns:p14="http://schemas.microsoft.com/office/powerpoint/2010/main" val="1198903873"/>
+      </p:ext>
+    </p:extLst>
+  </p:cSld>
+  <p:clrMapOvr>
+    <a:masterClrMapping/>
+  </p:clrMapOvr>
+  <mc:AlternateContent xmlns:mc="http://schemas.openxmlformats.org/markup-compatibility/2006" xmlns:p14="http://schemas.microsoft.com/office/powerpoint/2010/main">
+    <mc:Choice Requires="p14">
+      <p:transition spd="slow" p14:dur="2000" advClick="0" advTm="5000"/>
+    </mc:Choice>
+    <mc:Fallback xmlns="">
+      <p:transition spd="slow" advClick="0" advTm="5000"/>
+    </mc:Fallback>
+  </mc:AlternateContent>
+</p:sld>
+</file>
+
+<file path=ppt/slides/slide30.xml><?xml version="1.0" encoding="utf-8"?>
 <p:sld xmlns:a="http://schemas.openxmlformats.org/drawingml/2006/main" xmlns:r="http://schemas.openxmlformats.org/officeDocument/2006/relationships" xmlns:p="http://schemas.openxmlformats.org/presentationml/2006/main">
   <p:cSld>
     <p:spTree>
@@ -18005,7 +20000,7 @@
             <a:fld id="{2BF067CD-8E6B-4360-9AA8-C5DF2A48A6D1}" type="slidenum">
               <a:rPr lang="en-US" noProof="0" smtClean="0"/>
               <a:pPr/>
-              <a:t>25</a:t>
+              <a:t>30</a:t>
             </a:fld>
             <a:endParaRPr lang="en-US" noProof="0" dirty="0"/>
           </a:p>
@@ -18160,7 +20155,7 @@
 </p:sld>
 </file>
 
-<file path=ppt/slides/slide26.xml><?xml version="1.0" encoding="utf-8"?>
+<file path=ppt/slides/slide31.xml><?xml version="1.0" encoding="utf-8"?>
 <p:sld xmlns:a="http://schemas.openxmlformats.org/drawingml/2006/main" xmlns:r="http://schemas.openxmlformats.org/officeDocument/2006/relationships" xmlns:p="http://schemas.openxmlformats.org/presentationml/2006/main">
   <p:cSld>
     <p:spTree>
@@ -18350,7 +20345,7 @@
 </p:sld>
 </file>
 
-<file path=ppt/slides/slide27.xml><?xml version="1.0" encoding="utf-8"?>
+<file path=ppt/slides/slide32.xml><?xml version="1.0" encoding="utf-8"?>
 <p:sld xmlns:a="http://schemas.openxmlformats.org/drawingml/2006/main" xmlns:r="http://schemas.openxmlformats.org/officeDocument/2006/relationships" xmlns:p="http://schemas.openxmlformats.org/presentationml/2006/main">
   <p:cSld>
     <p:spTree>
@@ -18706,7 +20701,7 @@
             <a:fld id="{2BF067CD-8E6B-4360-9AA8-C5DF2A48A6D1}" type="slidenum">
               <a:rPr lang="en-US" noProof="0" smtClean="0"/>
               <a:pPr/>
-              <a:t>27</a:t>
+              <a:t>32</a:t>
             </a:fld>
             <a:endParaRPr lang="en-US" noProof="0" dirty="0"/>
           </a:p>
@@ -18716,152 +20711,6 @@
     <p:extLst>
       <p:ext uri="{BB962C8B-B14F-4D97-AF65-F5344CB8AC3E}">
         <p14:creationId xmlns:p14="http://schemas.microsoft.com/office/powerpoint/2010/main" val="1219563496"/>
-      </p:ext>
-    </p:extLst>
-  </p:cSld>
-  <p:clrMapOvr>
-    <a:masterClrMapping/>
-  </p:clrMapOvr>
-  <mc:AlternateContent xmlns:mc="http://schemas.openxmlformats.org/markup-compatibility/2006" xmlns:p14="http://schemas.microsoft.com/office/powerpoint/2010/main">
-    <mc:Choice Requires="p14">
-      <p:transition spd="slow" p14:dur="2000" advClick="0" advTm="5000"/>
-    </mc:Choice>
-    <mc:Fallback xmlns="">
-      <p:transition spd="slow" advClick="0" advTm="5000"/>
-    </mc:Fallback>
-  </mc:AlternateContent>
-</p:sld>
-</file>
-
-<file path=ppt/slides/slide3.xml><?xml version="1.0" encoding="utf-8"?>
-<p:sld xmlns:a="http://schemas.openxmlformats.org/drawingml/2006/main" xmlns:r="http://schemas.openxmlformats.org/officeDocument/2006/relationships" xmlns:p="http://schemas.openxmlformats.org/presentationml/2006/main">
-  <p:cSld>
-    <p:spTree>
-      <p:nvGrpSpPr>
-        <p:cNvPr id="1" name=""/>
-        <p:cNvGrpSpPr/>
-        <p:nvPr/>
-      </p:nvGrpSpPr>
-      <p:grpSpPr>
-        <a:xfrm>
-          <a:off x="0" y="0"/>
-          <a:ext cx="0" cy="0"/>
-          <a:chOff x="0" y="0"/>
-          <a:chExt cx="0" cy="0"/>
-        </a:xfrm>
-      </p:grpSpPr>
-      <p:pic>
-        <p:nvPicPr>
-          <p:cNvPr id="6" name="Picture 4" descr="Ð ÐµÐ·ÑÐ»ÑÐ°Ñ Ñ Ð¸Ð·Ð¾Ð±ÑÐ°Ð¶ÐµÐ½Ð¸Ðµ Ð·Ð° sql server express png">
-            <a:extLst>
-              <a:ext uri="{FF2B5EF4-FFF2-40B4-BE49-F238E27FC236}">
-                <a16:creationId xmlns:a16="http://schemas.microsoft.com/office/drawing/2014/main" id="{ABA81264-79EA-4C61-B859-F609E78C6876}"/>
-              </a:ext>
-            </a:extLst>
-          </p:cNvPr>
-          <p:cNvPicPr>
-            <a:picLocks noChangeAspect="1" noChangeArrowheads="1"/>
-          </p:cNvPicPr>
-          <p:nvPr/>
-        </p:nvPicPr>
-        <p:blipFill>
-          <a:blip r:embed="rId2" cstate="print">
-            <a:extLst>
-              <a:ext uri="{28A0092B-C50C-407E-A947-70E740481C1C}">
-                <a14:useLocalDpi xmlns:a14="http://schemas.microsoft.com/office/drawing/2010/main" val="0"/>
-              </a:ext>
-            </a:extLst>
-          </a:blip>
-          <a:srcRect/>
-          <a:stretch>
-            <a:fillRect/>
-          </a:stretch>
-        </p:blipFill>
-        <p:spPr bwMode="auto">
-          <a:xfrm>
-            <a:off x="4675658" y="1384495"/>
-            <a:ext cx="2840683" cy="2305483"/>
-          </a:xfrm>
-          <a:prstGeom prst="rect">
-            <a:avLst/>
-          </a:prstGeom>
-          <a:noFill/>
-          <a:extLst>
-            <a:ext uri="{909E8E84-426E-40DD-AFC4-6F175D3DCCD1}">
-              <a14:hiddenFill xmlns:a14="http://schemas.microsoft.com/office/drawing/2010/main">
-                <a:solidFill>
-                  <a:srgbClr val="FFFFFF"/>
-                </a:solidFill>
-              </a14:hiddenFill>
-            </a:ext>
-          </a:extLst>
-        </p:spPr>
-      </p:pic>
-      <p:sp>
-        <p:nvSpPr>
-          <p:cNvPr id="5" name="Подзаглавие 4">
-            <a:extLst>
-              <a:ext uri="{FF2B5EF4-FFF2-40B4-BE49-F238E27FC236}">
-                <a16:creationId xmlns:a16="http://schemas.microsoft.com/office/drawing/2014/main" id="{8AE6A1FD-951B-BB4F-EC39-C1D0F100F2CE}"/>
-              </a:ext>
-            </a:extLst>
-          </p:cNvPr>
-          <p:cNvSpPr>
-            <a:spLocks noGrp="1"/>
-          </p:cNvSpPr>
-          <p:nvPr>
-            <p:ph type="subTitle" sz="quarter" idx="11"/>
-          </p:nvPr>
-        </p:nvSpPr>
-        <p:spPr/>
-        <p:txBody>
-          <a:bodyPr/>
-          <a:lstStyle/>
-          <a:p>
-            <a:r>
-              <a:rPr lang="bg-BG"/>
-              <a:t>Запознаване с </a:t>
-            </a:r>
-            <a:r>
-              <a:rPr lang="en-US"/>
-              <a:t>SQL Server </a:t>
-            </a:r>
-            <a:endParaRPr lang="bg-BG"/>
-          </a:p>
-        </p:txBody>
-      </p:sp>
-      <p:sp>
-        <p:nvSpPr>
-          <p:cNvPr id="8" name="Заглавие 7">
-            <a:extLst>
-              <a:ext uri="{FF2B5EF4-FFF2-40B4-BE49-F238E27FC236}">
-                <a16:creationId xmlns:a16="http://schemas.microsoft.com/office/drawing/2014/main" id="{28CC101B-D563-EFCE-ADE9-2241D6CCD10D}"/>
-              </a:ext>
-            </a:extLst>
-          </p:cNvPr>
-          <p:cNvSpPr>
-            <a:spLocks noGrp="1"/>
-          </p:cNvSpPr>
-          <p:nvPr>
-            <p:ph type="title" sz="quarter" idx="10"/>
-          </p:nvPr>
-        </p:nvSpPr>
-        <p:spPr/>
-        <p:txBody>
-          <a:bodyPr/>
-          <a:lstStyle/>
-          <a:p>
-            <a:r>
-              <a:rPr lang="bg-BG"/>
-              <a:t>Същност и архитектура</a:t>
-            </a:r>
-          </a:p>
-        </p:txBody>
-      </p:sp>
-    </p:spTree>
-    <p:extLst>
-      <p:ext uri="{BB962C8B-B14F-4D97-AF65-F5344CB8AC3E}">
-        <p14:creationId xmlns:p14="http://schemas.microsoft.com/office/powerpoint/2010/main" val="1198903873"/>
       </p:ext>
     </p:extLst>
   </p:cSld>
@@ -22140,148 +23989,24 @@
           <a:lstStyle/>
           <a:p>
             <a:r>
-              <a:rPr lang="bg-BG" dirty="0"/>
-              <a:t>Свалете </a:t>
-            </a:r>
-            <a:r>
-              <a:rPr lang="en-US" b="1" dirty="0">
-                <a:solidFill>
-                  <a:schemeClr val="bg1"/>
-                </a:solidFill>
-              </a:rPr>
-              <a:t>SQL</a:t>
-            </a:r>
-            <a:r>
-              <a:rPr lang="en-US" dirty="0">
-                <a:solidFill>
-                  <a:schemeClr val="accent1"/>
-                </a:solidFill>
-              </a:rPr>
-              <a:t> </a:t>
-            </a:r>
-            <a:r>
-              <a:rPr lang="en-US" b="1" dirty="0">
-                <a:solidFill>
-                  <a:schemeClr val="bg1"/>
-                </a:solidFill>
-              </a:rPr>
-              <a:t>Server</a:t>
-            </a:r>
-            <a:r>
-              <a:rPr lang="en-US" dirty="0">
-                <a:solidFill>
-                  <a:schemeClr val="accent1"/>
-                </a:solidFill>
-              </a:rPr>
-              <a:t> </a:t>
-            </a:r>
-            <a:r>
-              <a:rPr lang="en-US" b="1" dirty="0">
-                <a:solidFill>
-                  <a:schemeClr val="bg1"/>
-                </a:solidFill>
-              </a:rPr>
-              <a:t>Express</a:t>
-            </a:r>
-            <a:r>
-              <a:rPr lang="en-US" dirty="0">
-                <a:solidFill>
-                  <a:schemeClr val="accent1"/>
-                </a:solidFill>
-              </a:rPr>
-              <a:t> </a:t>
-            </a:r>
-            <a:r>
-              <a:rPr lang="en-US" b="1" dirty="0">
-                <a:solidFill>
-                  <a:schemeClr val="bg1"/>
-                </a:solidFill>
-              </a:rPr>
-              <a:t>Edition</a:t>
-            </a:r>
-            <a:r>
-              <a:rPr lang="en-US" dirty="0"/>
-              <a:t> </a:t>
-            </a:r>
-            <a:r>
-              <a:rPr lang="bg-BG" dirty="0"/>
-              <a:t>от </a:t>
-            </a:r>
-            <a:r>
-              <a:rPr lang="en-US" dirty="0"/>
-              <a:t>Microsoft</a:t>
+              <a:rPr lang="bg-BG" sz="3200" dirty="0"/>
+              <a:t>При инсталацията изберете опцията </a:t>
+            </a:r>
+            <a:r>
+              <a:rPr lang="en-US" sz="3200" dirty="0"/>
+              <a:t>“</a:t>
+            </a:r>
+            <a:r>
+              <a:rPr lang="en-US" b="1" dirty="0"/>
+              <a:t>Download Media</a:t>
+            </a:r>
+            <a:r>
+              <a:rPr lang="en-US" sz="3200" dirty="0"/>
+              <a:t>”</a:t>
             </a:r>
           </a:p>
           <a:p>
             <a:endParaRPr lang="en-US" sz="3200" dirty="0"/>
-          </a:p>
-          <a:p>
-            <a:r>
-              <a:rPr lang="bg-BG" sz="3200" dirty="0"/>
-              <a:t>Свалете </a:t>
-            </a:r>
-            <a:r>
-              <a:rPr lang="en-US" sz="3200" dirty="0"/>
-              <a:t>SQL Server </a:t>
-            </a:r>
-            <a:r>
-              <a:rPr lang="en-US" sz="3200" b="1" dirty="0">
-                <a:solidFill>
-                  <a:schemeClr val="bg1"/>
-                </a:solidFill>
-              </a:rPr>
-              <a:t>Management</a:t>
-            </a:r>
-            <a:r>
-              <a:rPr lang="en-US" sz="3200" dirty="0">
-                <a:solidFill>
-                  <a:schemeClr val="accent1"/>
-                </a:solidFill>
-              </a:rPr>
-              <a:t> </a:t>
-            </a:r>
-            <a:r>
-              <a:rPr lang="en-US" sz="3200" b="1" dirty="0">
-                <a:solidFill>
-                  <a:schemeClr val="bg1"/>
-                </a:solidFill>
-              </a:rPr>
-              <a:t>Studio</a:t>
-            </a:r>
-            <a:r>
-              <a:rPr lang="en-US" sz="3200" dirty="0">
-                <a:solidFill>
-                  <a:schemeClr val="accent1"/>
-                </a:solidFill>
-              </a:rPr>
-              <a:t> </a:t>
-            </a:r>
-            <a:r>
-              <a:rPr lang="bg-BG" sz="3200" dirty="0"/>
-              <a:t>отделно</a:t>
-            </a:r>
-            <a:endParaRPr lang="en-US" sz="3200" dirty="0"/>
-          </a:p>
-          <a:p>
-            <a:endParaRPr lang="en-US" sz="3200" dirty="0">
-              <a:solidFill>
-                <a:schemeClr val="accent1"/>
-              </a:solidFill>
-            </a:endParaRPr>
-          </a:p>
-          <a:p>
-            <a:endParaRPr lang="en-US" sz="3200" dirty="0">
-              <a:solidFill>
-                <a:schemeClr val="accent1"/>
-              </a:solidFill>
-            </a:endParaRPr>
-          </a:p>
-          <a:p>
-            <a:endParaRPr lang="en-US" sz="3200" dirty="0">
-              <a:solidFill>
-                <a:schemeClr val="accent1"/>
-              </a:solidFill>
-            </a:endParaRPr>
           </a:p>
           <a:p>
             <a:endParaRPr lang="bg-BG" dirty="0"/>
@@ -22300,275 +24025,23 @@
         </p:nvSpPr>
         <p:spPr/>
         <p:txBody>
-          <a:bodyPr/>
+          <a:bodyPr>
+            <a:normAutofit/>
+          </a:bodyPr>
           <a:lstStyle/>
           <a:p>
             <a:r>
               <a:rPr lang="bg-BG" dirty="0"/>
-              <a:t>Изтегляне на клиент</a:t>
+              <a:t>Изтегляне на </a:t>
             </a:r>
             <a:r>
               <a:rPr lang="en-US" dirty="0"/>
-              <a:t> </a:t>
-            </a:r>
-            <a:r>
-              <a:rPr lang="bg-BG" dirty="0"/>
-              <a:t>и</a:t>
-            </a:r>
-            <a:r>
-              <a:rPr lang="en-US" dirty="0"/>
-              <a:t> </a:t>
-            </a:r>
-            <a:r>
-              <a:rPr lang="bg-BG" dirty="0"/>
-              <a:t>сървър</a:t>
-            </a:r>
+              <a:t>SQL Server Express LocalDB (1)</a:t>
+            </a:r>
+            <a:endParaRPr lang="bg-BG" dirty="0"/>
           </a:p>
         </p:txBody>
       </p:sp>
-      <p:sp>
-        <p:nvSpPr>
-          <p:cNvPr id="15" name="Rectangle 14">
-            <a:hlinkClick r:id="rId2"/>
-          </p:cNvPr>
-          <p:cNvSpPr>
-            <a:spLocks noChangeArrowheads="1"/>
-          </p:cNvSpPr>
-          <p:nvPr/>
-        </p:nvSpPr>
-        <p:spPr bwMode="auto">
-          <a:xfrm>
-            <a:off x="620111" y="1967582"/>
-            <a:ext cx="10993820" cy="544765"/>
-          </a:xfrm>
-          <a:prstGeom prst="rect">
-            <a:avLst/>
-          </a:prstGeom>
-          <a:solidFill>
-            <a:schemeClr val="accent5">
-              <a:lumMod val="40000"/>
-              <a:lumOff val="60000"/>
-              <a:alpha val="20000"/>
-            </a:schemeClr>
-          </a:solidFill>
-          <a:ln w="12700">
-            <a:solidFill>
-              <a:schemeClr val="accent5">
-                <a:lumMod val="60000"/>
-                <a:lumOff val="40000"/>
-              </a:schemeClr>
-            </a:solidFill>
-          </a:ln>
-        </p:spPr>
-        <p:txBody>
-          <a:bodyPr wrap="square">
-            <a:spAutoFit/>
-          </a:bodyPr>
-          <a:lstStyle/>
-          <a:p>
-            <a:pPr algn="ctr">
-              <a:lnSpc>
-                <a:spcPct val="105000"/>
-              </a:lnSpc>
-            </a:pPr>
-            <a:r>
-              <a:rPr lang="en-US" sz="2800" b="1" noProof="1">
-                <a:solidFill>
-                  <a:schemeClr val="bg1"/>
-                </a:solidFill>
-                <a:latin typeface="Consolas" panose="020B0609020204030204" pitchFamily="49" charset="0"/>
-                <a:cs typeface="Arial" panose="020B0604020202020204" pitchFamily="34" charset="0"/>
-                <a:hlinkClick r:id="rId2"/>
-              </a:rPr>
-              <a:t>go.microsoft.com/fwlink</a:t>
-            </a:r>
-            <a:r>
-              <a:rPr lang="en-US" sz="2800" b="1" u="sng" noProof="1">
-                <a:solidFill>
-                  <a:schemeClr val="bg1"/>
-                </a:solidFill>
-                <a:latin typeface="Consolas" panose="020B0609020204030204" pitchFamily="49" charset="0"/>
-                <a:cs typeface="Arial" panose="020B0604020202020204" pitchFamily="34" charset="0"/>
-              </a:rPr>
-              <a:t>/?linkid=866662</a:t>
-            </a:r>
-          </a:p>
-        </p:txBody>
-      </p:sp>
-      <p:sp>
-        <p:nvSpPr>
-          <p:cNvPr id="9" name="Rectangle 8">
-            <a:extLst>
-              <a:ext uri="{FF2B5EF4-FFF2-40B4-BE49-F238E27FC236}">
-                <a16:creationId xmlns:a16="http://schemas.microsoft.com/office/drawing/2014/main" id="{97CE8279-8978-43DA-A6D8-EB1EE60D5BC8}"/>
-              </a:ext>
-            </a:extLst>
-          </p:cNvPr>
-          <p:cNvSpPr>
-            <a:spLocks noChangeArrowheads="1"/>
-          </p:cNvSpPr>
-          <p:nvPr/>
-        </p:nvSpPr>
-        <p:spPr bwMode="auto">
-          <a:xfrm>
-            <a:off x="2392933" y="3251893"/>
-            <a:ext cx="6956322" cy="544765"/>
-          </a:xfrm>
-          <a:prstGeom prst="rect">
-            <a:avLst/>
-          </a:prstGeom>
-          <a:solidFill>
-            <a:schemeClr val="accent5">
-              <a:lumMod val="40000"/>
-              <a:lumOff val="60000"/>
-              <a:alpha val="20000"/>
-            </a:schemeClr>
-          </a:solidFill>
-          <a:ln w="12700">
-            <a:solidFill>
-              <a:schemeClr val="accent5">
-                <a:lumMod val="60000"/>
-                <a:lumOff val="40000"/>
-              </a:schemeClr>
-            </a:solidFill>
-          </a:ln>
-        </p:spPr>
-        <p:txBody>
-          <a:bodyPr wrap="square">
-            <a:spAutoFit/>
-          </a:bodyPr>
-          <a:lstStyle/>
-          <a:p>
-            <a:pPr algn="ctr">
-              <a:lnSpc>
-                <a:spcPct val="105000"/>
-              </a:lnSpc>
-            </a:pPr>
-            <a:r>
-              <a:rPr lang="en-US" sz="2800" b="1" noProof="1">
-                <a:solidFill>
-                  <a:schemeClr val="bg1"/>
-                </a:solidFill>
-                <a:latin typeface="Consolas" panose="020B0609020204030204" pitchFamily="49" charset="0"/>
-                <a:cs typeface="Arial" panose="020B0604020202020204" pitchFamily="34" charset="0"/>
-              </a:rPr>
-              <a:t>https://</a:t>
-            </a:r>
-            <a:r>
-              <a:rPr lang="en-US" sz="2800" b="1" noProof="1">
-                <a:solidFill>
-                  <a:schemeClr val="bg1"/>
-                </a:solidFill>
-                <a:latin typeface="Consolas" panose="020B0609020204030204" pitchFamily="49" charset="0"/>
-                <a:cs typeface="Arial" panose="020B0604020202020204" pitchFamily="34" charset="0"/>
-                <a:hlinkClick r:id="rId3"/>
-              </a:rPr>
-              <a:t>aka.ms/ssmsfullsetup</a:t>
-            </a:r>
-            <a:endParaRPr lang="en-US" sz="2800" b="1" noProof="1">
-              <a:solidFill>
-                <a:schemeClr val="bg1"/>
-              </a:solidFill>
-              <a:latin typeface="Consolas" panose="020B0609020204030204" pitchFamily="49" charset="0"/>
-              <a:cs typeface="Arial" panose="020B0604020202020204" pitchFamily="34" charset="0"/>
-            </a:endParaRPr>
-          </a:p>
-        </p:txBody>
-      </p:sp>
-      <p:pic>
-        <p:nvPicPr>
-          <p:cNvPr id="2050" name="Picture 2" descr="Ð¡Ð²ÑÑÐ·Ð°Ð½Ð¾ Ð¸Ð·Ð¾Ð±ÑÐ°Ð¶ÐµÐ½Ð¸Ðµ">
-            <a:extLst>
-              <a:ext uri="{FF2B5EF4-FFF2-40B4-BE49-F238E27FC236}">
-                <a16:creationId xmlns:a16="http://schemas.microsoft.com/office/drawing/2014/main" id="{4A5589C9-8CEE-4CF9-8B7F-961360A123F1}"/>
-              </a:ext>
-            </a:extLst>
-          </p:cNvPr>
-          <p:cNvPicPr>
-            <a:picLocks noChangeAspect="1" noChangeArrowheads="1"/>
-          </p:cNvPicPr>
-          <p:nvPr/>
-        </p:nvPicPr>
-        <p:blipFill>
-          <a:blip r:embed="rId4" cstate="print">
-            <a:extLst>
-              <a:ext uri="{28A0092B-C50C-407E-A947-70E740481C1C}">
-                <a14:useLocalDpi xmlns:a14="http://schemas.microsoft.com/office/drawing/2010/main" val="0"/>
-              </a:ext>
-            </a:extLst>
-          </a:blip>
-          <a:srcRect/>
-          <a:stretch>
-            <a:fillRect/>
-          </a:stretch>
-        </p:blipFill>
-        <p:spPr bwMode="auto">
-          <a:xfrm>
-            <a:off x="7187341" y="3958791"/>
-            <a:ext cx="2438400" cy="2438400"/>
-          </a:xfrm>
-          <a:prstGeom prst="rect">
-            <a:avLst/>
-          </a:prstGeom>
-          <a:noFill/>
-          <a:extLst>
-            <a:ext uri="{909E8E84-426E-40DD-AFC4-6F175D3DCCD1}">
-              <a14:hiddenFill xmlns:a14="http://schemas.microsoft.com/office/drawing/2010/main">
-                <a:solidFill>
-                  <a:srgbClr val="FFFFFF"/>
-                </a:solidFill>
-              </a14:hiddenFill>
-            </a:ext>
-          </a:extLst>
-        </p:spPr>
-      </p:pic>
-      <p:pic>
-        <p:nvPicPr>
-          <p:cNvPr id="2052" name="Picture 4" descr="Ð ÐµÐ·ÑÐ»ÑÐ°Ñ Ñ Ð¸Ð·Ð¾Ð±ÑÐ°Ð¶ÐµÐ½Ð¸Ðµ Ð·Ð° sql server express png">
-            <a:extLst>
-              <a:ext uri="{FF2B5EF4-FFF2-40B4-BE49-F238E27FC236}">
-                <a16:creationId xmlns:a16="http://schemas.microsoft.com/office/drawing/2014/main" id="{ABA81264-79EA-4C61-B859-F609E78C6876}"/>
-              </a:ext>
-            </a:extLst>
-          </p:cNvPr>
-          <p:cNvPicPr>
-            <a:picLocks noChangeAspect="1" noChangeArrowheads="1"/>
-          </p:cNvPicPr>
-          <p:nvPr/>
-        </p:nvPicPr>
-        <p:blipFill>
-          <a:blip r:embed="rId5" cstate="print">
-            <a:extLst>
-              <a:ext uri="{28A0092B-C50C-407E-A947-70E740481C1C}">
-                <a14:useLocalDpi xmlns:a14="http://schemas.microsoft.com/office/drawing/2010/main" val="0"/>
-              </a:ext>
-            </a:extLst>
-          </a:blip>
-          <a:srcRect/>
-          <a:stretch>
-            <a:fillRect/>
-          </a:stretch>
-        </p:blipFill>
-        <p:spPr bwMode="auto">
-          <a:xfrm>
-            <a:off x="2108531" y="4046708"/>
-            <a:ext cx="2896130" cy="2350483"/>
-          </a:xfrm>
-          <a:prstGeom prst="rect">
-            <a:avLst/>
-          </a:prstGeom>
-          <a:noFill/>
-          <a:extLst>
-            <a:ext uri="{909E8E84-426E-40DD-AFC4-6F175D3DCCD1}">
-              <a14:hiddenFill xmlns:a14="http://schemas.microsoft.com/office/drawing/2010/main">
-                <a:solidFill>
-                  <a:srgbClr val="FFFFFF"/>
-                </a:solidFill>
-              </a14:hiddenFill>
-            </a:ext>
-          </a:extLst>
-        </p:spPr>
-      </p:pic>
       <p:sp>
         <p:nvSpPr>
           <p:cNvPr id="2" name="Slide Number">
@@ -22611,338 +24084,60 @@
           </a:p>
         </p:txBody>
       </p:sp>
-      <p:sp>
-        <p:nvSpPr>
-          <p:cNvPr id="3" name="Rectangle: Rounded Corners 2">
+      <p:pic>
+        <p:nvPicPr>
+          <p:cNvPr id="1028" name="Picture 4" descr="Express Edition installer">
             <a:extLst>
               <a:ext uri="{FF2B5EF4-FFF2-40B4-BE49-F238E27FC236}">
-                <a16:creationId xmlns:a16="http://schemas.microsoft.com/office/drawing/2014/main" id="{36CD10B2-F883-EB59-6174-7D73895B5E11}"/>
+                <a16:creationId xmlns:a16="http://schemas.microsoft.com/office/drawing/2014/main" id="{DCD925C5-EB92-A552-8D7B-3F53159F2A3B}"/>
               </a:ext>
             </a:extLst>
           </p:cNvPr>
-          <p:cNvSpPr/>
+          <p:cNvPicPr>
+            <a:picLocks noChangeAspect="1" noChangeArrowheads="1"/>
+          </p:cNvPicPr>
           <p:nvPr/>
-        </p:nvSpPr>
+        </p:nvPicPr>
+        <p:blipFill>
+          <a:blip r:embed="rId2">
+            <a:extLst>
+              <a:ext uri="{28A0092B-C50C-407E-A947-70E740481C1C}">
+                <a14:useLocalDpi xmlns:a14="http://schemas.microsoft.com/office/drawing/2010/main" val="0"/>
+              </a:ext>
+            </a:extLst>
+          </a:blip>
+          <a:srcRect/>
+          <a:stretch>
+            <a:fillRect/>
+          </a:stretch>
+        </p:blipFill>
         <p:spPr bwMode="auto">
           <a:xfrm>
-            <a:off x="4936598" y="2064945"/>
-            <a:ext cx="7065000" cy="4530912"/>
+            <a:off x="3149109" y="1913088"/>
+            <a:ext cx="5893783" cy="4665912"/>
           </a:xfrm>
-          <a:prstGeom prst="roundRect">
+          <a:prstGeom prst="rect">
             <a:avLst/>
           </a:prstGeom>
-          <a:solidFill>
-            <a:schemeClr val="dk2">
-              <a:alpha val="80000"/>
-            </a:schemeClr>
-          </a:solidFill>
-          <a:ln w="19050">
+          <a:noFill/>
+          <a:ln>
             <a:solidFill>
-              <a:schemeClr val="tx1">
-                <a:lumMod val="75000"/>
-                <a:alpha val="80000"/>
+              <a:schemeClr val="bg2">
+                <a:lumMod val="85000"/>
               </a:schemeClr>
             </a:solidFill>
           </a:ln>
-          <a:effectLst/>
+          <a:extLst>
+            <a:ext uri="{909E8E84-426E-40DD-AFC4-6F175D3DCCD1}">
+              <a14:hiddenFill xmlns:a14="http://schemas.microsoft.com/office/drawing/2010/main">
+                <a:solidFill>
+                  <a:srgbClr val="FFFFFF"/>
+                </a:solidFill>
+              </a14:hiddenFill>
+            </a:ext>
+          </a:extLst>
         </p:spPr>
-        <p:style>
-          <a:lnRef idx="2">
-            <a:schemeClr val="accent1">
-              <a:shade val="50000"/>
-            </a:schemeClr>
-          </a:lnRef>
-          <a:fillRef idx="1001">
-            <a:schemeClr val="dk2"/>
-          </a:fillRef>
-          <a:effectRef idx="0">
-            <a:schemeClr val="accent1"/>
-          </a:effectRef>
-          <a:fontRef idx="minor">
-            <a:schemeClr val="lt1"/>
-          </a:fontRef>
-        </p:style>
-        <p:txBody>
-          <a:bodyPr rot="0" spcFirstLastPara="0" vertOverflow="overflow" horzOverflow="overflow" vert="horz" wrap="square" lIns="91440" tIns="45720" rIns="91440" bIns="45720" numCol="1" spcCol="0" rtlCol="0" fromWordArt="0" anchor="ctr" anchorCtr="0" forceAA="0" compatLnSpc="1">
-            <a:prstTxWarp prst="textNoShape">
-              <a:avLst/>
-            </a:prstTxWarp>
-            <a:noAutofit/>
-          </a:bodyPr>
-          <a:lstStyle/>
-          <a:p>
-            <a:pPr algn="ctr"/>
-            <a:r>
-              <a:rPr lang="bg-BG" sz="2800" b="1" dirty="0">
-                <a:solidFill>
-                  <a:srgbClr val="FFFFFF"/>
-                </a:solidFill>
-                <a:effectLst>
-                  <a:outerShdw blurRad="38100" dist="38100" dir="2700000" algn="tl">
-                    <a:srgbClr val="000000">
-                      <a:alpha val="43137"/>
-                    </a:srgbClr>
-                  </a:outerShdw>
-                </a:effectLst>
-              </a:rPr>
-              <a:t>Предлагам това да отпадне и да им се показва единствено </a:t>
-            </a:r>
-            <a:r>
-              <a:rPr lang="en-US" sz="2800" b="1" dirty="0">
-                <a:solidFill>
-                  <a:srgbClr val="FFFFFF"/>
-                </a:solidFill>
-                <a:effectLst>
-                  <a:outerShdw blurRad="38100" dist="38100" dir="2700000" algn="tl">
-                    <a:srgbClr val="000000">
-                      <a:alpha val="43137"/>
-                    </a:srgbClr>
-                  </a:outerShdw>
-                </a:effectLst>
-              </a:rPr>
-              <a:t>SQL Server </a:t>
-            </a:r>
-            <a:r>
-              <a:rPr lang="en-US" sz="2800" b="1" dirty="0" err="1">
-                <a:solidFill>
-                  <a:srgbClr val="FFFFFF"/>
-                </a:solidFill>
-                <a:effectLst>
-                  <a:outerShdw blurRad="38100" dist="38100" dir="2700000" algn="tl">
-                    <a:srgbClr val="000000">
-                      <a:alpha val="43137"/>
-                    </a:srgbClr>
-                  </a:outerShdw>
-                </a:effectLst>
-              </a:rPr>
-              <a:t>LocalDB</a:t>
-            </a:r>
-            <a:r>
-              <a:rPr lang="en-US" sz="2800" b="1" dirty="0">
-                <a:solidFill>
-                  <a:srgbClr val="FFFFFF"/>
-                </a:solidFill>
-                <a:effectLst>
-                  <a:outerShdw blurRad="38100" dist="38100" dir="2700000" algn="tl">
-                    <a:srgbClr val="000000">
-                      <a:alpha val="43137"/>
-                    </a:srgbClr>
-                  </a:outerShdw>
-                </a:effectLst>
-              </a:rPr>
-              <a:t>.</a:t>
-            </a:r>
-            <a:r>
-              <a:rPr lang="bg-BG" sz="2800" b="1" dirty="0">
-                <a:solidFill>
-                  <a:srgbClr val="FFFFFF"/>
-                </a:solidFill>
-                <a:effectLst>
-                  <a:outerShdw blurRad="38100" dist="38100" dir="2700000" algn="tl">
-                    <a:srgbClr val="000000">
-                      <a:alpha val="43137"/>
-                    </a:srgbClr>
-                  </a:outerShdw>
-                </a:effectLst>
-              </a:rPr>
-              <a:t> Той е по-лесен за работа за начинаещи.</a:t>
-            </a:r>
-            <a:endParaRPr lang="en-US" sz="2800" b="1" dirty="0">
-              <a:solidFill>
-                <a:srgbClr val="FFFFFF"/>
-              </a:solidFill>
-              <a:effectLst>
-                <a:outerShdw blurRad="38100" dist="38100" dir="2700000" algn="tl">
-                  <a:srgbClr val="000000">
-                    <a:alpha val="43137"/>
-                  </a:srgbClr>
-                </a:outerShdw>
-              </a:effectLst>
-            </a:endParaRPr>
-          </a:p>
-          <a:p>
-            <a:pPr algn="ctr"/>
-            <a:endParaRPr lang="en-US" sz="2800" b="1" dirty="0">
-              <a:solidFill>
-                <a:srgbClr val="FFFFFF"/>
-              </a:solidFill>
-              <a:effectLst>
-                <a:outerShdw blurRad="38100" dist="38100" dir="2700000" algn="tl">
-                  <a:srgbClr val="000000">
-                    <a:alpha val="43137"/>
-                  </a:srgbClr>
-                </a:outerShdw>
-              </a:effectLst>
-            </a:endParaRPr>
-          </a:p>
-          <a:p>
-            <a:pPr algn="ctr"/>
-            <a:r>
-              <a:rPr lang="bg-BG" sz="2800" b="1" dirty="0">
-                <a:solidFill>
-                  <a:srgbClr val="FFFFFF"/>
-                </a:solidFill>
-                <a:effectLst>
-                  <a:outerShdw blurRad="38100" dist="38100" dir="2700000" algn="tl">
-                    <a:srgbClr val="000000">
-                      <a:alpha val="43137"/>
-                    </a:srgbClr>
-                  </a:outerShdw>
-                </a:effectLst>
-              </a:rPr>
-              <a:t>Ще се объркат с тези двете версии: </a:t>
-            </a:r>
-            <a:r>
-              <a:rPr lang="en-US" sz="2800" b="1" dirty="0">
-                <a:solidFill>
-                  <a:srgbClr val="FFFFFF"/>
-                </a:solidFill>
-                <a:effectLst>
-                  <a:outerShdw blurRad="38100" dist="38100" dir="2700000" algn="tl">
-                    <a:srgbClr val="000000">
-                      <a:alpha val="43137"/>
-                    </a:srgbClr>
-                  </a:outerShdw>
-                </a:effectLst>
-              </a:rPr>
-              <a:t>SQL Express </a:t>
-            </a:r>
-            <a:r>
-              <a:rPr lang="bg-BG" sz="2800" b="1" dirty="0">
-                <a:solidFill>
-                  <a:srgbClr val="FFFFFF"/>
-                </a:solidFill>
-                <a:effectLst>
-                  <a:outerShdw blurRad="38100" dist="38100" dir="2700000" algn="tl">
-                    <a:srgbClr val="000000">
-                      <a:alpha val="43137"/>
-                    </a:srgbClr>
-                  </a:outerShdw>
-                </a:effectLst>
-              </a:rPr>
-              <a:t>и </a:t>
-            </a:r>
-            <a:r>
-              <a:rPr lang="en-US" sz="2800" b="1" dirty="0">
-                <a:solidFill>
-                  <a:srgbClr val="FFFFFF"/>
-                </a:solidFill>
-                <a:effectLst>
-                  <a:outerShdw blurRad="38100" dist="38100" dir="2700000" algn="tl">
-                    <a:srgbClr val="000000">
-                      <a:alpha val="43137"/>
-                    </a:srgbClr>
-                  </a:outerShdw>
-                </a:effectLst>
-              </a:rPr>
-              <a:t>SQL </a:t>
-            </a:r>
-            <a:r>
-              <a:rPr lang="en-US" sz="2800" b="1" dirty="0" err="1">
-                <a:solidFill>
-                  <a:srgbClr val="FFFFFF"/>
-                </a:solidFill>
-                <a:effectLst>
-                  <a:outerShdw blurRad="38100" dist="38100" dir="2700000" algn="tl">
-                    <a:srgbClr val="000000">
-                      <a:alpha val="43137"/>
-                    </a:srgbClr>
-                  </a:outerShdw>
-                </a:effectLst>
-              </a:rPr>
-              <a:t>LocalDB</a:t>
-            </a:r>
-            <a:r>
-              <a:rPr lang="en-US" sz="2800" b="1" dirty="0">
-                <a:solidFill>
-                  <a:srgbClr val="FFFFFF"/>
-                </a:solidFill>
-                <a:effectLst>
-                  <a:outerShdw blurRad="38100" dist="38100" dir="2700000" algn="tl">
-                    <a:srgbClr val="000000">
-                      <a:alpha val="43137"/>
-                    </a:srgbClr>
-                  </a:outerShdw>
-                </a:effectLst>
-              </a:rPr>
-              <a:t>.</a:t>
-            </a:r>
-            <a:br>
-              <a:rPr lang="en-US" sz="2800" b="1" dirty="0">
-                <a:solidFill>
-                  <a:srgbClr val="FFFFFF"/>
-                </a:solidFill>
-                <a:effectLst>
-                  <a:outerShdw blurRad="38100" dist="38100" dir="2700000" algn="tl">
-                    <a:srgbClr val="000000">
-                      <a:alpha val="43137"/>
-                    </a:srgbClr>
-                  </a:outerShdw>
-                </a:effectLst>
-              </a:rPr>
-            </a:br>
-            <a:br>
-              <a:rPr lang="en-US" sz="2800" b="1" dirty="0">
-                <a:solidFill>
-                  <a:srgbClr val="FFFFFF"/>
-                </a:solidFill>
-                <a:effectLst>
-                  <a:outerShdw blurRad="38100" dist="38100" dir="2700000" algn="tl">
-                    <a:srgbClr val="000000">
-                      <a:alpha val="43137"/>
-                    </a:srgbClr>
-                  </a:outerShdw>
-                </a:effectLst>
-              </a:rPr>
-            </a:br>
-            <a:r>
-              <a:rPr lang="bg-BG" sz="2800" b="1" dirty="0">
-                <a:solidFill>
-                  <a:srgbClr val="FFFFFF"/>
-                </a:solidFill>
-                <a:effectLst>
-                  <a:outerShdw blurRad="38100" dist="38100" dir="2700000" algn="tl">
-                    <a:srgbClr val="000000">
-                      <a:alpha val="43137"/>
-                    </a:srgbClr>
-                  </a:outerShdw>
-                </a:effectLst>
-              </a:rPr>
-              <a:t>Само </a:t>
-            </a:r>
-            <a:r>
-              <a:rPr lang="en-US" sz="2800" b="1" dirty="0" err="1">
-                <a:solidFill>
-                  <a:srgbClr val="FFFFFF"/>
-                </a:solidFill>
-                <a:effectLst>
-                  <a:outerShdw blurRad="38100" dist="38100" dir="2700000" algn="tl">
-                    <a:srgbClr val="000000">
-                      <a:alpha val="43137"/>
-                    </a:srgbClr>
-                  </a:outerShdw>
-                </a:effectLst>
-              </a:rPr>
-              <a:t>LocalDB</a:t>
-            </a:r>
-            <a:r>
-              <a:rPr lang="en-US" sz="2800" b="1" dirty="0">
-                <a:solidFill>
-                  <a:srgbClr val="FFFFFF"/>
-                </a:solidFill>
-                <a:effectLst>
-                  <a:outerShdw blurRad="38100" dist="38100" dir="2700000" algn="tl">
-                    <a:srgbClr val="000000">
-                      <a:alpha val="43137"/>
-                    </a:srgbClr>
-                  </a:outerShdw>
-                </a:effectLst>
-              </a:rPr>
-              <a:t>.</a:t>
-            </a:r>
-          </a:p>
-        </p:txBody>
-      </p:sp>
+      </p:pic>
     </p:spTree>
     <p:extLst>
       <p:ext uri="{BB962C8B-B14F-4D97-AF65-F5344CB8AC3E}">
@@ -22954,115 +24149,6 @@
     <a:masterClrMapping/>
   </p:clrMapOvr>
   <p:transition/>
-  <p:timing>
-    <p:tnLst>
-      <p:par>
-        <p:cTn id="1" dur="indefinite" restart="never" nodeType="tmRoot">
-          <p:childTnLst>
-            <p:seq concurrent="1" nextAc="seek">
-              <p:cTn id="2" dur="indefinite" nodeType="mainSeq">
-                <p:childTnLst>
-                  <p:par>
-                    <p:cTn id="3" fill="hold">
-                      <p:stCondLst>
-                        <p:cond delay="indefinite"/>
-                      </p:stCondLst>
-                      <p:childTnLst>
-                        <p:par>
-                          <p:cTn id="4" fill="hold">
-                            <p:stCondLst>
-                              <p:cond delay="0"/>
-                            </p:stCondLst>
-                            <p:childTnLst>
-                              <p:par>
-                                <p:cTn id="5" presetID="1" presetClass="entr" presetSubtype="0" fill="hold" nodeType="clickEffect">
-                                  <p:stCondLst>
-                                    <p:cond delay="0"/>
-                                  </p:stCondLst>
-                                  <p:childTnLst>
-                                    <p:set>
-                                      <p:cBhvr>
-                                        <p:cTn id="6" dur="1" fill="hold">
-                                          <p:stCondLst>
-                                            <p:cond delay="0"/>
-                                          </p:stCondLst>
-                                        </p:cTn>
-                                        <p:tgtEl>
-                                          <p:spTgt spid="4">
-                                            <p:txEl>
-                                              <p:pRg st="2" end="2"/>
-                                            </p:txEl>
-                                          </p:spTgt>
-                                        </p:tgtEl>
-                                        <p:attrNameLst>
-                                          <p:attrName>style.visibility</p:attrName>
-                                        </p:attrNameLst>
-                                      </p:cBhvr>
-                                      <p:to>
-                                        <p:strVal val="visible"/>
-                                      </p:to>
-                                    </p:set>
-                                  </p:childTnLst>
-                                </p:cTn>
-                              </p:par>
-                              <p:par>
-                                <p:cTn id="7" presetID="1" presetClass="entr" presetSubtype="0" fill="hold" grpId="0" nodeType="withEffect">
-                                  <p:stCondLst>
-                                    <p:cond delay="0"/>
-                                  </p:stCondLst>
-                                  <p:childTnLst>
-                                    <p:set>
-                                      <p:cBhvr>
-                                        <p:cTn id="8" dur="1" fill="hold">
-                                          <p:stCondLst>
-                                            <p:cond delay="0"/>
-                                          </p:stCondLst>
-                                        </p:cTn>
-                                        <p:tgtEl>
-                                          <p:spTgt spid="9"/>
-                                        </p:tgtEl>
-                                        <p:attrNameLst>
-                                          <p:attrName>style.visibility</p:attrName>
-                                        </p:attrNameLst>
-                                      </p:cBhvr>
-                                      <p:to>
-                                        <p:strVal val="visible"/>
-                                      </p:to>
-                                    </p:set>
-                                  </p:childTnLst>
-                                </p:cTn>
-                              </p:par>
-                            </p:childTnLst>
-                          </p:cTn>
-                        </p:par>
-                      </p:childTnLst>
-                    </p:cTn>
-                  </p:par>
-                </p:childTnLst>
-              </p:cTn>
-              <p:prevCondLst>
-                <p:cond evt="onPrev" delay="0">
-                  <p:tgtEl>
-                    <p:sldTgt/>
-                  </p:tgtEl>
-                </p:cond>
-              </p:prevCondLst>
-              <p:nextCondLst>
-                <p:cond evt="onNext" delay="0">
-                  <p:tgtEl>
-                    <p:sldTgt/>
-                  </p:tgtEl>
-                </p:cond>
-              </p:nextCondLst>
-            </p:seq>
-          </p:childTnLst>
-        </p:cTn>
-      </p:par>
-    </p:tnLst>
-    <p:bldLst>
-      <p:bldP spid="9" grpId="0" animBg="1"/>
-    </p:bldLst>
-  </p:timing>
 </p:sld>
 </file>
 
@@ -23085,110 +24171,43 @@
       </p:grpSpPr>
       <p:sp>
         <p:nvSpPr>
-          <p:cNvPr id="3" name="Text Placeholder 2"/>
+          <p:cNvPr id="2" name="Slide Number Placeholder 1">
+            <a:extLst>
+              <a:ext uri="{FF2B5EF4-FFF2-40B4-BE49-F238E27FC236}">
+                <a16:creationId xmlns:a16="http://schemas.microsoft.com/office/drawing/2014/main" id="{88B9A2A4-397D-52B2-42FA-37085238409F}"/>
+              </a:ext>
+            </a:extLst>
+          </p:cNvPr>
           <p:cNvSpPr>
             <a:spLocks noGrp="1"/>
           </p:cNvSpPr>
           <p:nvPr>
-            <p:ph type="body" sz="quarter" idx="11"/>
+            <p:ph type="sldNum" sz="quarter" idx="5"/>
           </p:nvPr>
         </p:nvSpPr>
         <p:spPr/>
         <p:txBody>
-          <a:bodyPr>
-            <a:noAutofit/>
-          </a:bodyPr>
+          <a:bodyPr/>
           <a:lstStyle/>
           <a:p>
-            <a:r>
-              <a:rPr lang="bg-BG" sz="3200" dirty="0"/>
-              <a:t>Изисква </a:t>
-            </a:r>
-            <a:r>
-              <a:rPr lang="bg-BG" sz="3200" b="1" dirty="0">
-                <a:solidFill>
-                  <a:schemeClr val="bg1"/>
-                </a:solidFill>
-              </a:rPr>
-              <a:t>повече</a:t>
-            </a:r>
-            <a:r>
-              <a:rPr lang="bg-BG" sz="3200" dirty="0"/>
-              <a:t> </a:t>
-            </a:r>
-            <a:r>
-              <a:rPr lang="bg-BG" sz="3200" b="1" dirty="0">
-                <a:solidFill>
-                  <a:schemeClr val="bg1"/>
-                </a:solidFill>
-              </a:rPr>
-              <a:t>ресурси</a:t>
-            </a:r>
-            <a:r>
-              <a:rPr lang="bg-BG" sz="3200" dirty="0"/>
-              <a:t>, защото е богат на функции</a:t>
-            </a:r>
-          </a:p>
-          <a:p>
-            <a:r>
-              <a:rPr lang="bg-BG" sz="3200" dirty="0"/>
-              <a:t>Изисква </a:t>
-            </a:r>
-            <a:r>
-              <a:rPr lang="bg-BG" sz="3200" b="1" dirty="0">
-                <a:solidFill>
-                  <a:schemeClr val="bg1"/>
-                </a:solidFill>
-              </a:rPr>
-              <a:t>внедряване </a:t>
-            </a:r>
-            <a:r>
-              <a:rPr lang="bg-BG" sz="3200" dirty="0"/>
-              <a:t>и </a:t>
-            </a:r>
-            <a:r>
-              <a:rPr lang="bg-BG" sz="3200" b="1" dirty="0">
-                <a:solidFill>
-                  <a:schemeClr val="bg1"/>
-                </a:solidFill>
-              </a:rPr>
-              <a:t>администриране </a:t>
-            </a:r>
-            <a:r>
-              <a:rPr lang="bg-BG" sz="3200" dirty="0"/>
-              <a:t>на специален сървър.</a:t>
-            </a:r>
-          </a:p>
-          <a:p>
-            <a:pPr>
-              <a:buClr>
-                <a:schemeClr val="tx1"/>
-              </a:buClr>
-            </a:pPr>
-            <a:r>
-              <a:rPr lang="ru-RU" sz="3200" b="1" dirty="0">
-                <a:solidFill>
-                  <a:schemeClr val="bg1"/>
-                </a:solidFill>
-              </a:rPr>
-              <a:t>Разходи за лицензиране </a:t>
-            </a:r>
-            <a:r>
-              <a:rPr lang="ru-RU" sz="3200" dirty="0"/>
-              <a:t>за определени издания.</a:t>
-            </a:r>
-          </a:p>
-          <a:p>
-            <a:br>
-              <a:rPr lang="ru-RU" sz="3200" dirty="0"/>
-            </a:br>
-            <a:endParaRPr lang="en-US" sz="3200" dirty="0"/>
+            <a:fld id="{2BF067CD-8E6B-4360-9AA8-C5DF2A48A6D1}" type="slidenum">
+              <a:rPr lang="en-US" noProof="0" smtClean="0"/>
+              <a:pPr/>
+              <a:t>7</a:t>
+            </a:fld>
+            <a:endParaRPr lang="en-US" noProof="0" dirty="0"/>
           </a:p>
         </p:txBody>
       </p:sp>
       <p:sp>
         <p:nvSpPr>
-          <p:cNvPr id="4" name="Text Placeholder 3"/>
+          <p:cNvPr id="3" name="Text Placeholder 2">
+            <a:extLst>
+              <a:ext uri="{FF2B5EF4-FFF2-40B4-BE49-F238E27FC236}">
+                <a16:creationId xmlns:a16="http://schemas.microsoft.com/office/drawing/2014/main" id="{E859F384-14D2-418E-A867-6E174A97B515}"/>
+              </a:ext>
+            </a:extLst>
+          </p:cNvPr>
           <p:cNvSpPr>
             <a:spLocks noGrp="1"/>
           </p:cNvSpPr>
@@ -23198,96 +24217,83 @@
         </p:nvSpPr>
         <p:spPr/>
         <p:txBody>
-          <a:bodyPr>
-            <a:noAutofit/>
-          </a:bodyPr>
+          <a:bodyPr/>
           <a:lstStyle/>
           <a:p>
             <a:r>
-              <a:rPr lang="ru-RU" sz="3200" dirty="0"/>
-              <a:t>Добър и мащабируем за приложения на </a:t>
-            </a:r>
-            <a:r>
-              <a:rPr lang="bg-BG" sz="3200" b="1" dirty="0">
+              <a:rPr lang="ru-RU" sz="3600" dirty="0"/>
+              <a:t>Изберете </a:t>
+            </a:r>
+            <a:r>
+              <a:rPr lang="ru-RU" sz="3600" b="1" dirty="0">
                 <a:solidFill>
                   <a:schemeClr val="bg1"/>
                 </a:solidFill>
               </a:rPr>
-              <a:t>корпоративно </a:t>
-            </a:r>
-            <a:r>
-              <a:rPr lang="ru-RU" sz="3200" b="1" dirty="0">
+              <a:t>език</a:t>
+            </a:r>
+            <a:r>
+              <a:rPr lang="ru-RU" sz="3600" dirty="0"/>
+              <a:t> и изберете опцията </a:t>
+            </a:r>
+            <a:r>
+              <a:rPr lang="ru-RU" sz="3600" b="1" dirty="0">
                 <a:solidFill>
                   <a:schemeClr val="bg1"/>
                 </a:solidFill>
               </a:rPr>
-              <a:t>ниво</a:t>
-            </a:r>
-          </a:p>
-          <a:p>
-            <a:pPr>
-              <a:buClr>
-                <a:schemeClr val="tx2"/>
-              </a:buClr>
-            </a:pPr>
-            <a:r>
-              <a:rPr lang="bg-BG" sz="3200" b="1" dirty="0">
+              <a:t>LocalDB</a:t>
+            </a:r>
+            <a:r>
+              <a:rPr lang="ru-RU" sz="3600" dirty="0"/>
+              <a:t> </a:t>
+            </a:r>
+          </a:p>
+          <a:p>
+            <a:r>
+              <a:rPr lang="ru-RU" sz="3600" dirty="0"/>
+              <a:t>Посочете </a:t>
+            </a:r>
+            <a:r>
+              <a:rPr lang="ru-RU" sz="3600" b="1" dirty="0">
                 <a:solidFill>
                   <a:schemeClr val="bg1"/>
                 </a:solidFill>
               </a:rPr>
-              <a:t>Инструменти </a:t>
-            </a:r>
-            <a:r>
-              <a:rPr lang="ru-RU" sz="3200" dirty="0"/>
-              <a:t>за бизнес разузнаване, анализ на данни и докладване</a:t>
-            </a:r>
-          </a:p>
-          <a:p>
-            <a:r>
-              <a:rPr lang="ru-RU" sz="3200" dirty="0"/>
-              <a:t>Подходящ за </a:t>
-            </a:r>
-            <a:r>
-              <a:rPr lang="bg-BG" sz="3200" b="1" dirty="0">
+              <a:t>местоположение</a:t>
+            </a:r>
+            <a:r>
+              <a:rPr lang="ru-RU" sz="3600" dirty="0"/>
+              <a:t> за </a:t>
+            </a:r>
+            <a:r>
+              <a:rPr lang="ru-RU" sz="3600" b="1" dirty="0">
                 <a:solidFill>
                   <a:schemeClr val="bg1"/>
                 </a:solidFill>
               </a:rPr>
-              <a:t>сложни </a:t>
-            </a:r>
-            <a:r>
-              <a:rPr lang="ru-RU" sz="3200" b="1" dirty="0">
-                <a:solidFill>
-                  <a:schemeClr val="bg1"/>
-                </a:solidFill>
-              </a:rPr>
-              <a:t>сценарии</a:t>
-            </a:r>
-            <a:r>
-              <a:rPr lang="ru-RU" sz="3200" dirty="0"/>
-              <a:t> при съхранение на данни</a:t>
-            </a:r>
-            <a:br>
-              <a:rPr lang="ru-RU" sz="3200" dirty="0"/>
-            </a:br>
-            <a:r>
-              <a:rPr lang="ru-RU" sz="3200" dirty="0"/>
-              <a:t> </a:t>
-            </a:r>
-            <a:br>
-              <a:rPr lang="ru-RU" sz="3200" dirty="0"/>
-            </a:br>
-            <a:endParaRPr lang="ru-RU" sz="3200" dirty="0"/>
-          </a:p>
-          <a:p>
-            <a:endParaRPr lang="en-US" sz="3200" dirty="0"/>
+              <a:t>изтегляне</a:t>
+            </a:r>
+            <a:endParaRPr lang="en-US" sz="3600" b="1" dirty="0">
+              <a:solidFill>
+                <a:schemeClr val="bg1"/>
+              </a:solidFill>
+            </a:endParaRPr>
+          </a:p>
+          <a:p>
+            <a:endParaRPr lang="en-US" dirty="0"/>
           </a:p>
         </p:txBody>
       </p:sp>
       <p:sp>
         <p:nvSpPr>
-          <p:cNvPr id="5" name="Title 4"/>
+          <p:cNvPr id="4" name="Title 3">
+            <a:extLst>
+              <a:ext uri="{FF2B5EF4-FFF2-40B4-BE49-F238E27FC236}">
+                <a16:creationId xmlns:a16="http://schemas.microsoft.com/office/drawing/2014/main" id="{81723B9E-72D3-FC99-2F89-33AEAF20CA22}"/>
+              </a:ext>
+            </a:extLst>
+          </p:cNvPr>
           <p:cNvSpPr>
             <a:spLocks noGrp="1"/>
           </p:cNvSpPr>
@@ -23302,641 +24308,66 @@
           <a:p>
             <a:r>
               <a:rPr lang="bg-BG" dirty="0"/>
-              <a:t>Предимства и недостатъци</a:t>
-            </a:r>
-            <a:endParaRPr lang="en-US" dirty="0"/>
+              <a:t>Изтегляне на </a:t>
+            </a:r>
+            <a:r>
+              <a:rPr lang="en-US" dirty="0"/>
+              <a:t>SQL Server Express LocalDB (2)</a:t>
+            </a:r>
           </a:p>
         </p:txBody>
       </p:sp>
-      <p:sp>
-        <p:nvSpPr>
-          <p:cNvPr id="6" name="Slide Number">
+      <p:pic>
+        <p:nvPicPr>
+          <p:cNvPr id="2052" name="Picture 4" descr="Express Edition installer - download option">
             <a:extLst>
               <a:ext uri="{FF2B5EF4-FFF2-40B4-BE49-F238E27FC236}">
-                <a16:creationId xmlns:a16="http://schemas.microsoft.com/office/drawing/2014/main" id="{491921FC-C9C8-4E33-9434-0E6260A4C2C1}"/>
+                <a16:creationId xmlns:a16="http://schemas.microsoft.com/office/drawing/2014/main" id="{3A854023-6502-8AB0-FCDF-4F4FA348515D}"/>
               </a:ext>
             </a:extLst>
           </p:cNvPr>
-          <p:cNvSpPr txBox="1">
-            <a:spLocks/>
-          </p:cNvSpPr>
+          <p:cNvPicPr>
+            <a:picLocks noChangeAspect="1" noChangeArrowheads="1"/>
+          </p:cNvPicPr>
           <p:nvPr/>
-        </p:nvSpPr>
-        <p:spPr>
+        </p:nvPicPr>
+        <p:blipFill>
+          <a:blip r:embed="rId2">
+            <a:extLst>
+              <a:ext uri="{28A0092B-C50C-407E-A947-70E740481C1C}">
+                <a14:useLocalDpi xmlns:a14="http://schemas.microsoft.com/office/drawing/2010/main" val="0"/>
+              </a:ext>
+            </a:extLst>
+          </a:blip>
+          <a:srcRect/>
+          <a:stretch>
+            <a:fillRect/>
+          </a:stretch>
+        </p:blipFill>
+        <p:spPr bwMode="auto">
           <a:xfrm>
-            <a:off x="11753030" y="6507000"/>
-            <a:ext cx="367414" cy="297000"/>
+            <a:off x="3576054" y="2618999"/>
+            <a:ext cx="5039892" cy="3989915"/>
           </a:xfrm>
           <a:prstGeom prst="rect">
             <a:avLst/>
           </a:prstGeom>
+          <a:noFill/>
+          <a:extLst>
+            <a:ext uri="{909E8E84-426E-40DD-AFC4-6F175D3DCCD1}">
+              <a14:hiddenFill xmlns:a14="http://schemas.microsoft.com/office/drawing/2010/main">
+                <a:solidFill>
+                  <a:srgbClr val="FFFFFF"/>
+                </a:solidFill>
+              </a14:hiddenFill>
+            </a:ext>
+          </a:extLst>
         </p:spPr>
-        <p:txBody>
-          <a:bodyPr vert="horz" lIns="91440" tIns="45720" rIns="91440" bIns="45720" rtlCol="0" anchor="b"/>
-          <a:lstStyle>
-            <a:defPPr>
-              <a:defRPr lang="en-US"/>
-            </a:defPPr>
-            <a:lvl1pPr marL="0" algn="r" defTabSz="914400" rtl="0" eaLnBrk="1" latinLnBrk="0" hangingPunct="1">
-              <a:defRPr sz="1000" kern="1200">
-                <a:solidFill>
-                  <a:schemeClr val="tx1"/>
-                </a:solidFill>
-                <a:latin typeface="+mn-lt"/>
-                <a:ea typeface="+mn-ea"/>
-                <a:cs typeface="+mn-cs"/>
-              </a:defRPr>
-            </a:lvl1pPr>
-            <a:lvl2pPr marL="457200" algn="l" defTabSz="914400" rtl="0" eaLnBrk="1" latinLnBrk="0" hangingPunct="1">
-              <a:defRPr sz="1800" kern="1200">
-                <a:solidFill>
-                  <a:schemeClr val="tx1"/>
-                </a:solidFill>
-                <a:latin typeface="+mn-lt"/>
-                <a:ea typeface="+mn-ea"/>
-                <a:cs typeface="+mn-cs"/>
-              </a:defRPr>
-            </a:lvl2pPr>
-            <a:lvl3pPr marL="914400" algn="l" defTabSz="914400" rtl="0" eaLnBrk="1" latinLnBrk="0" hangingPunct="1">
-              <a:defRPr sz="1800" kern="1200">
-                <a:solidFill>
-                  <a:schemeClr val="tx1"/>
-                </a:solidFill>
-                <a:latin typeface="+mn-lt"/>
-                <a:ea typeface="+mn-ea"/>
-                <a:cs typeface="+mn-cs"/>
-              </a:defRPr>
-            </a:lvl3pPr>
-            <a:lvl4pPr marL="1371600" algn="l" defTabSz="914400" rtl="0" eaLnBrk="1" latinLnBrk="0" hangingPunct="1">
-              <a:defRPr sz="1800" kern="1200">
-                <a:solidFill>
-                  <a:schemeClr val="tx1"/>
-                </a:solidFill>
-                <a:latin typeface="+mn-lt"/>
-                <a:ea typeface="+mn-ea"/>
-                <a:cs typeface="+mn-cs"/>
-              </a:defRPr>
-            </a:lvl4pPr>
-            <a:lvl5pPr marL="1828800" algn="l" defTabSz="914400" rtl="0" eaLnBrk="1" latinLnBrk="0" hangingPunct="1">
-              <a:defRPr sz="1800" kern="1200">
-                <a:solidFill>
-                  <a:schemeClr val="tx1"/>
-                </a:solidFill>
-                <a:latin typeface="+mn-lt"/>
-                <a:ea typeface="+mn-ea"/>
-                <a:cs typeface="+mn-cs"/>
-              </a:defRPr>
-            </a:lvl5pPr>
-            <a:lvl6pPr marL="2286000" algn="l" defTabSz="914400" rtl="0" eaLnBrk="1" latinLnBrk="0" hangingPunct="1">
-              <a:defRPr sz="1800" kern="1200">
-                <a:solidFill>
-                  <a:schemeClr val="tx1"/>
-                </a:solidFill>
-                <a:latin typeface="+mn-lt"/>
-                <a:ea typeface="+mn-ea"/>
-                <a:cs typeface="+mn-cs"/>
-              </a:defRPr>
-            </a:lvl6pPr>
-            <a:lvl7pPr marL="2743200" algn="l" defTabSz="914400" rtl="0" eaLnBrk="1" latinLnBrk="0" hangingPunct="1">
-              <a:defRPr sz="1800" kern="1200">
-                <a:solidFill>
-                  <a:schemeClr val="tx1"/>
-                </a:solidFill>
-                <a:latin typeface="+mn-lt"/>
-                <a:ea typeface="+mn-ea"/>
-                <a:cs typeface="+mn-cs"/>
-              </a:defRPr>
-            </a:lvl7pPr>
-            <a:lvl8pPr marL="3200400" algn="l" defTabSz="914400" rtl="0" eaLnBrk="1" latinLnBrk="0" hangingPunct="1">
-              <a:defRPr sz="1800" kern="1200">
-                <a:solidFill>
-                  <a:schemeClr val="tx1"/>
-                </a:solidFill>
-                <a:latin typeface="+mn-lt"/>
-                <a:ea typeface="+mn-ea"/>
-                <a:cs typeface="+mn-cs"/>
-              </a:defRPr>
-            </a:lvl8pPr>
-            <a:lvl9pPr marL="3657600" algn="l" defTabSz="914400" rtl="0" eaLnBrk="1" latinLnBrk="0" hangingPunct="1">
-              <a:defRPr sz="1800" kern="1200">
-                <a:solidFill>
-                  <a:schemeClr val="tx1"/>
-                </a:solidFill>
-                <a:latin typeface="+mn-lt"/>
-                <a:ea typeface="+mn-ea"/>
-                <a:cs typeface="+mn-cs"/>
-              </a:defRPr>
-            </a:lvl9pPr>
-          </a:lstStyle>
-          <a:p>
-            <a:fld id="{2BF067CD-8E6B-4360-9AA8-C5DF2A48A6D1}" type="slidenum">
-              <a:rPr lang="en-US" smtClean="0"/>
-              <a:pPr/>
-              <a:t>7</a:t>
-            </a:fld>
-            <a:endParaRPr lang="en-US" dirty="0"/>
-          </a:p>
-        </p:txBody>
-      </p:sp>
+      </p:pic>
     </p:spTree>
     <p:extLst>
       <p:ext uri="{BB962C8B-B14F-4D97-AF65-F5344CB8AC3E}">
-        <p14:creationId xmlns:p14="http://schemas.microsoft.com/office/powerpoint/2010/main" val="524106649"/>
-      </p:ext>
-    </p:extLst>
-  </p:cSld>
-  <p:clrMapOvr>
-    <a:masterClrMapping/>
-  </p:clrMapOvr>
-  <mc:AlternateContent xmlns:mc="http://schemas.openxmlformats.org/markup-compatibility/2006" xmlns:p14="http://schemas.microsoft.com/office/powerpoint/2010/main">
-    <mc:Choice Requires="p14">
-      <p:transition spd="slow" p14:dur="2000" advClick="0" advTm="5000"/>
-    </mc:Choice>
-    <mc:Fallback xmlns="">
-      <p:transition spd="slow" advClick="0" advTm="5000"/>
-    </mc:Fallback>
-  </mc:AlternateContent>
-  <p:timing>
-    <p:tnLst>
-      <p:par>
-        <p:cTn id="1" dur="indefinite" restart="never" nodeType="tmRoot">
-          <p:childTnLst>
-            <p:seq concurrent="1" nextAc="seek">
-              <p:cTn id="2" dur="indefinite" nodeType="mainSeq">
-                <p:childTnLst>
-                  <p:par>
-                    <p:cTn id="3" fill="hold">
-                      <p:stCondLst>
-                        <p:cond delay="indefinite"/>
-                      </p:stCondLst>
-                      <p:childTnLst>
-                        <p:par>
-                          <p:cTn id="4" fill="hold">
-                            <p:stCondLst>
-                              <p:cond delay="0"/>
-                            </p:stCondLst>
-                            <p:childTnLst>
-                              <p:par>
-                                <p:cTn id="5" presetID="1" presetClass="entr" presetSubtype="0" fill="hold" nodeType="clickEffect">
-                                  <p:stCondLst>
-                                    <p:cond delay="0"/>
-                                  </p:stCondLst>
-                                  <p:childTnLst>
-                                    <p:set>
-                                      <p:cBhvr>
-                                        <p:cTn id="6" dur="1" fill="hold">
-                                          <p:stCondLst>
-                                            <p:cond delay="0"/>
-                                          </p:stCondLst>
-                                        </p:cTn>
-                                        <p:tgtEl>
-                                          <p:spTgt spid="4">
-                                            <p:txEl>
-                                              <p:pRg st="1" end="1"/>
-                                            </p:txEl>
-                                          </p:spTgt>
-                                        </p:tgtEl>
-                                        <p:attrNameLst>
-                                          <p:attrName>style.visibility</p:attrName>
-                                        </p:attrNameLst>
-                                      </p:cBhvr>
-                                      <p:to>
-                                        <p:strVal val="visible"/>
-                                      </p:to>
-                                    </p:set>
-                                  </p:childTnLst>
-                                </p:cTn>
-                              </p:par>
-                            </p:childTnLst>
-                          </p:cTn>
-                        </p:par>
-                      </p:childTnLst>
-                    </p:cTn>
-                  </p:par>
-                  <p:par>
-                    <p:cTn id="7" fill="hold">
-                      <p:stCondLst>
-                        <p:cond delay="indefinite"/>
-                      </p:stCondLst>
-                      <p:childTnLst>
-                        <p:par>
-                          <p:cTn id="8" fill="hold">
-                            <p:stCondLst>
-                              <p:cond delay="0"/>
-                            </p:stCondLst>
-                            <p:childTnLst>
-                              <p:par>
-                                <p:cTn id="9" presetID="1" presetClass="entr" presetSubtype="0" fill="hold" nodeType="clickEffect">
-                                  <p:stCondLst>
-                                    <p:cond delay="0"/>
-                                  </p:stCondLst>
-                                  <p:childTnLst>
-                                    <p:set>
-                                      <p:cBhvr>
-                                        <p:cTn id="10" dur="1" fill="hold">
-                                          <p:stCondLst>
-                                            <p:cond delay="0"/>
-                                          </p:stCondLst>
-                                        </p:cTn>
-                                        <p:tgtEl>
-                                          <p:spTgt spid="4">
-                                            <p:txEl>
-                                              <p:pRg st="2" end="2"/>
-                                            </p:txEl>
-                                          </p:spTgt>
-                                        </p:tgtEl>
-                                        <p:attrNameLst>
-                                          <p:attrName>style.visibility</p:attrName>
-                                        </p:attrNameLst>
-                                      </p:cBhvr>
-                                      <p:to>
-                                        <p:strVal val="visible"/>
-                                      </p:to>
-                                    </p:set>
-                                  </p:childTnLst>
-                                </p:cTn>
-                              </p:par>
-                            </p:childTnLst>
-                          </p:cTn>
-                        </p:par>
-                      </p:childTnLst>
-                    </p:cTn>
-                  </p:par>
-                  <p:par>
-                    <p:cTn id="11" fill="hold">
-                      <p:stCondLst>
-                        <p:cond delay="indefinite"/>
-                      </p:stCondLst>
-                      <p:childTnLst>
-                        <p:par>
-                          <p:cTn id="12" fill="hold">
-                            <p:stCondLst>
-                              <p:cond delay="0"/>
-                            </p:stCondLst>
-                            <p:childTnLst>
-                              <p:par>
-                                <p:cTn id="13" presetID="1" presetClass="entr" presetSubtype="0" fill="hold" nodeType="clickEffect">
-                                  <p:stCondLst>
-                                    <p:cond delay="0"/>
-                                  </p:stCondLst>
-                                  <p:childTnLst>
-                                    <p:set>
-                                      <p:cBhvr>
-                                        <p:cTn id="14" dur="1" fill="hold">
-                                          <p:stCondLst>
-                                            <p:cond delay="0"/>
-                                          </p:stCondLst>
-                                        </p:cTn>
-                                        <p:tgtEl>
-                                          <p:spTgt spid="3">
-                                            <p:txEl>
-                                              <p:pRg st="0" end="0"/>
-                                            </p:txEl>
-                                          </p:spTgt>
-                                        </p:tgtEl>
-                                        <p:attrNameLst>
-                                          <p:attrName>style.visibility</p:attrName>
-                                        </p:attrNameLst>
-                                      </p:cBhvr>
-                                      <p:to>
-                                        <p:strVal val="visible"/>
-                                      </p:to>
-                                    </p:set>
-                                  </p:childTnLst>
-                                </p:cTn>
-                              </p:par>
-                            </p:childTnLst>
-                          </p:cTn>
-                        </p:par>
-                      </p:childTnLst>
-                    </p:cTn>
-                  </p:par>
-                  <p:par>
-                    <p:cTn id="15" fill="hold">
-                      <p:stCondLst>
-                        <p:cond delay="indefinite"/>
-                      </p:stCondLst>
-                      <p:childTnLst>
-                        <p:par>
-                          <p:cTn id="16" fill="hold">
-                            <p:stCondLst>
-                              <p:cond delay="0"/>
-                            </p:stCondLst>
-                            <p:childTnLst>
-                              <p:par>
-                                <p:cTn id="17" presetID="1" presetClass="entr" presetSubtype="0" fill="hold" nodeType="clickEffect">
-                                  <p:stCondLst>
-                                    <p:cond delay="0"/>
-                                  </p:stCondLst>
-                                  <p:childTnLst>
-                                    <p:set>
-                                      <p:cBhvr>
-                                        <p:cTn id="18" dur="1" fill="hold">
-                                          <p:stCondLst>
-                                            <p:cond delay="0"/>
-                                          </p:stCondLst>
-                                        </p:cTn>
-                                        <p:tgtEl>
-                                          <p:spTgt spid="3">
-                                            <p:txEl>
-                                              <p:pRg st="1" end="1"/>
-                                            </p:txEl>
-                                          </p:spTgt>
-                                        </p:tgtEl>
-                                        <p:attrNameLst>
-                                          <p:attrName>style.visibility</p:attrName>
-                                        </p:attrNameLst>
-                                      </p:cBhvr>
-                                      <p:to>
-                                        <p:strVal val="visible"/>
-                                      </p:to>
-                                    </p:set>
-                                  </p:childTnLst>
-                                </p:cTn>
-                              </p:par>
-                            </p:childTnLst>
-                          </p:cTn>
-                        </p:par>
-                      </p:childTnLst>
-                    </p:cTn>
-                  </p:par>
-                  <p:par>
-                    <p:cTn id="19" fill="hold">
-                      <p:stCondLst>
-                        <p:cond delay="indefinite"/>
-                      </p:stCondLst>
-                      <p:childTnLst>
-                        <p:par>
-                          <p:cTn id="20" fill="hold">
-                            <p:stCondLst>
-                              <p:cond delay="0"/>
-                            </p:stCondLst>
-                            <p:childTnLst>
-                              <p:par>
-                                <p:cTn id="21" presetID="1" presetClass="entr" presetSubtype="0" fill="hold" nodeType="clickEffect">
-                                  <p:stCondLst>
-                                    <p:cond delay="0"/>
-                                  </p:stCondLst>
-                                  <p:childTnLst>
-                                    <p:set>
-                                      <p:cBhvr>
-                                        <p:cTn id="22" dur="1" fill="hold">
-                                          <p:stCondLst>
-                                            <p:cond delay="0"/>
-                                          </p:stCondLst>
-                                        </p:cTn>
-                                        <p:tgtEl>
-                                          <p:spTgt spid="3">
-                                            <p:txEl>
-                                              <p:pRg st="2" end="2"/>
-                                            </p:txEl>
-                                          </p:spTgt>
-                                        </p:tgtEl>
-                                        <p:attrNameLst>
-                                          <p:attrName>style.visibility</p:attrName>
-                                        </p:attrNameLst>
-                                      </p:cBhvr>
-                                      <p:to>
-                                        <p:strVal val="visible"/>
-                                      </p:to>
-                                    </p:set>
-                                  </p:childTnLst>
-                                </p:cTn>
-                              </p:par>
-                            </p:childTnLst>
-                          </p:cTn>
-                        </p:par>
-                      </p:childTnLst>
-                    </p:cTn>
-                  </p:par>
-                </p:childTnLst>
-              </p:cTn>
-              <p:prevCondLst>
-                <p:cond evt="onPrev" delay="0">
-                  <p:tgtEl>
-                    <p:sldTgt/>
-                  </p:tgtEl>
-                </p:cond>
-              </p:prevCondLst>
-              <p:nextCondLst>
-                <p:cond evt="onNext" delay="0">
-                  <p:tgtEl>
-                    <p:sldTgt/>
-                  </p:tgtEl>
-                </p:cond>
-              </p:nextCondLst>
-            </p:seq>
-          </p:childTnLst>
-        </p:cTn>
-      </p:par>
-    </p:tnLst>
-  </p:timing>
-</p:sld>
-</file>
-
-<file path=ppt/slides/slide8.xml><?xml version="1.0" encoding="utf-8"?>
-<p:sld xmlns:a="http://schemas.openxmlformats.org/drawingml/2006/main" xmlns:r="http://schemas.openxmlformats.org/officeDocument/2006/relationships" xmlns:p="http://schemas.openxmlformats.org/presentationml/2006/main">
-  <p:cSld>
-    <p:spTree>
-      <p:nvGrpSpPr>
-        <p:cNvPr id="1" name=""/>
-        <p:cNvGrpSpPr/>
-        <p:nvPr/>
-      </p:nvGrpSpPr>
-      <p:grpSpPr>
-        <a:xfrm>
-          <a:off x="0" y="0"/>
-          <a:ext cx="0" cy="0"/>
-          <a:chOff x="0" y="0"/>
-          <a:chExt cx="0" cy="0"/>
-        </a:xfrm>
-      </p:grpSpPr>
-      <p:sp>
-        <p:nvSpPr>
-          <p:cNvPr id="3" name="Text Placeholder 2"/>
-          <p:cNvSpPr>
-            <a:spLocks noGrp="1"/>
-          </p:cNvSpPr>
-          <p:nvPr>
-            <p:ph type="body" sz="quarter" idx="10"/>
-          </p:nvPr>
-        </p:nvSpPr>
-        <p:spPr/>
-        <p:txBody>
-          <a:bodyPr/>
-          <a:lstStyle/>
-          <a:p>
-            <a:pPr>
-              <a:lnSpc>
-                <a:spcPct val="125000"/>
-              </a:lnSpc>
-              <a:buClr>
-                <a:schemeClr val="tx1"/>
-              </a:buClr>
-            </a:pPr>
-            <a:r>
-              <a:rPr lang="en-US" sz="3600" b="1" dirty="0">
-                <a:solidFill>
-                  <a:schemeClr val="bg1"/>
-                </a:solidFill>
-              </a:rPr>
-              <a:t>SQL Server Express LocalDB </a:t>
-            </a:r>
-            <a:r>
-              <a:rPr lang="bg-BG" sz="3600" b="1" dirty="0">
-                <a:solidFill>
-                  <a:schemeClr val="bg1"/>
-                </a:solidFill>
-              </a:rPr>
-              <a:t>==</a:t>
-            </a:r>
-            <a:r>
-              <a:rPr lang="bg-BG" sz="3600" dirty="0"/>
-              <a:t> лека, опростена версия на Microsoft SQL Server</a:t>
-            </a:r>
-            <a:endParaRPr lang="en-US" sz="3600" dirty="0"/>
-          </a:p>
-          <a:p>
-            <a:pPr>
-              <a:lnSpc>
-                <a:spcPct val="125000"/>
-              </a:lnSpc>
-              <a:buClr>
-                <a:schemeClr val="tx1"/>
-              </a:buClr>
-            </a:pPr>
-            <a:r>
-              <a:rPr lang="bg-BG" sz="3600" dirty="0"/>
-              <a:t>Използва се от потребители, които се нуждаят от </a:t>
-            </a:r>
-            <a:r>
-              <a:rPr lang="bg-BG" sz="3600" b="1" dirty="0">
-                <a:solidFill>
-                  <a:schemeClr val="bg1"/>
-                </a:solidFill>
-              </a:rPr>
-              <a:t>локална база данни </a:t>
-            </a:r>
-            <a:r>
-              <a:rPr lang="bg-BG" sz="3600" dirty="0"/>
-              <a:t>на SQL Server</a:t>
-            </a:r>
-          </a:p>
-          <a:p>
-            <a:pPr>
-              <a:lnSpc>
-                <a:spcPct val="125000"/>
-              </a:lnSpc>
-              <a:buClr>
-                <a:schemeClr val="tx1"/>
-              </a:buClr>
-            </a:pPr>
-            <a:r>
-              <a:rPr lang="bg-BG" sz="3600" dirty="0"/>
-              <a:t>Работи в процес с приложението</a:t>
-            </a:r>
-          </a:p>
-          <a:p>
-            <a:pPr>
-              <a:lnSpc>
-                <a:spcPct val="125000"/>
-              </a:lnSpc>
-              <a:buClr>
-                <a:schemeClr val="tx1"/>
-              </a:buClr>
-            </a:pPr>
-            <a:r>
-              <a:rPr lang="ru-RU" sz="3600" dirty="0"/>
-              <a:t>Функционира практически без </a:t>
-            </a:r>
-            <a:r>
-              <a:rPr lang="bg-BG" sz="3600" b="1" dirty="0">
-                <a:solidFill>
-                  <a:schemeClr val="bg1"/>
-                </a:solidFill>
-              </a:rPr>
-              <a:t>допълнителни </a:t>
-            </a:r>
-            <a:r>
-              <a:rPr lang="ru-RU" sz="3600" dirty="0"/>
-              <a:t>настройки и конфигурации</a:t>
-            </a:r>
-            <a:endParaRPr lang="en-US" sz="3600" dirty="0">
-              <a:highlight>
-                <a:srgbClr val="FFFF00"/>
-              </a:highlight>
-            </a:endParaRPr>
-          </a:p>
-        </p:txBody>
-      </p:sp>
-      <p:sp>
-        <p:nvSpPr>
-          <p:cNvPr id="4" name="Title 3"/>
-          <p:cNvSpPr>
-            <a:spLocks noGrp="1"/>
-          </p:cNvSpPr>
-          <p:nvPr>
-            <p:ph type="title"/>
-          </p:nvPr>
-        </p:nvSpPr>
-        <p:spPr/>
-        <p:txBody>
-          <a:bodyPr/>
-          <a:lstStyle/>
-          <a:p>
-            <a:r>
-              <a:rPr lang="en-US" dirty="0"/>
-              <a:t>SQL Server Express LocalDB</a:t>
-            </a:r>
-          </a:p>
-        </p:txBody>
-      </p:sp>
-      <p:sp>
-        <p:nvSpPr>
-          <p:cNvPr id="5" name="Slide Number">
-            <a:extLst>
-              <a:ext uri="{FF2B5EF4-FFF2-40B4-BE49-F238E27FC236}">
-                <a16:creationId xmlns:a16="http://schemas.microsoft.com/office/drawing/2014/main" id="{291E09F3-4B9C-A988-BCE7-E7A3424A5335}"/>
-              </a:ext>
-            </a:extLst>
-          </p:cNvPr>
-          <p:cNvSpPr>
-            <a:spLocks noGrp="1"/>
-          </p:cNvSpPr>
-          <p:nvPr>
-            <p:ph type="sldNum" sz="quarter" idx="5"/>
-          </p:nvPr>
-        </p:nvSpPr>
-        <p:spPr>
-          <a:xfrm>
-            <a:off x="11753030" y="6507000"/>
-            <a:ext cx="367414" cy="297000"/>
-          </a:xfrm>
-          <a:prstGeom prst="rect">
-            <a:avLst/>
-          </a:prstGeom>
-        </p:spPr>
-        <p:txBody>
-          <a:bodyPr vert="horz" lIns="91440" tIns="45720" rIns="91440" bIns="45720" rtlCol="0" anchor="b"/>
-          <a:lstStyle>
-            <a:lvl1pPr algn="r">
-              <a:defRPr sz="1000"/>
-            </a:lvl1pPr>
-          </a:lstStyle>
-          <a:p>
-            <a:fld id="{2BF067CD-8E6B-4360-9AA8-C5DF2A48A6D1}" type="slidenum">
-              <a:rPr lang="en-US" noProof="0" smtClean="0"/>
-              <a:pPr/>
-              <a:t>8</a:t>
-            </a:fld>
-            <a:endParaRPr lang="en-US" noProof="0" dirty="0"/>
-          </a:p>
-        </p:txBody>
-      </p:sp>
-    </p:spTree>
-    <p:extLst>
-      <p:ext uri="{BB962C8B-B14F-4D97-AF65-F5344CB8AC3E}">
-        <p14:creationId xmlns:p14="http://schemas.microsoft.com/office/powerpoint/2010/main" val="2255928008"/>
+        <p14:creationId xmlns:p14="http://schemas.microsoft.com/office/powerpoint/2010/main" val="3517685339"/>
       </p:ext>
     </p:extLst>
   </p:cSld>
@@ -24002,43 +24433,21 @@
                                   </p:childTnLst>
                                 </p:cTn>
                               </p:par>
-                            </p:childTnLst>
-                          </p:cTn>
-                        </p:par>
-                      </p:childTnLst>
-                    </p:cTn>
-                  </p:par>
-                  <p:par>
-                    <p:cTn id="7" fill="hold">
-                      <p:stCondLst>
-                        <p:cond delay="indefinite"/>
-                      </p:stCondLst>
-                      <p:childTnLst>
-                        <p:par>
-                          <p:cTn id="8" fill="hold">
-                            <p:stCondLst>
-                              <p:cond delay="0"/>
-                            </p:stCondLst>
-                            <p:childTnLst>
                               <p:par>
-                                <p:cTn id="9" presetID="1" presetClass="entr" presetSubtype="0" fill="hold" nodeType="clickEffect">
+                                <p:cTn id="7" presetID="1" presetClass="entr" presetSubtype="0" fill="hold" nodeType="withEffect">
                                   <p:stCondLst>
                                     <p:cond delay="0"/>
                                   </p:stCondLst>
                                   <p:childTnLst>
                                     <p:set>
                                       <p:cBhvr>
-                                        <p:cTn id="10" dur="1" fill="hold">
+                                        <p:cTn id="8" dur="1" fill="hold">
                                           <p:stCondLst>
                                             <p:cond delay="0"/>
                                           </p:stCondLst>
                                         </p:cTn>
                                         <p:tgtEl>
-                                          <p:spTgt spid="3">
-                                            <p:txEl>
-                                              <p:pRg st="2" end="2"/>
-                                            </p:txEl>
-                                          </p:spTgt>
+                                          <p:spTgt spid="2052"/>
                                         </p:tgtEl>
                                         <p:attrNameLst>
                                           <p:attrName>style.visibility</p:attrName>
@@ -24057,27 +24466,279 @@
                       </p:childTnLst>
                     </p:cTn>
                   </p:par>
+                </p:childTnLst>
+              </p:cTn>
+              <p:prevCondLst>
+                <p:cond evt="onPrev" delay="0">
+                  <p:tgtEl>
+                    <p:sldTgt/>
+                  </p:tgtEl>
+                </p:cond>
+              </p:prevCondLst>
+              <p:nextCondLst>
+                <p:cond evt="onNext" delay="0">
+                  <p:tgtEl>
+                    <p:sldTgt/>
+                  </p:tgtEl>
+                </p:cond>
+              </p:nextCondLst>
+            </p:seq>
+          </p:childTnLst>
+        </p:cTn>
+      </p:par>
+    </p:tnLst>
+  </p:timing>
+</p:sld>
+</file>
+
+<file path=ppt/slides/slide8.xml><?xml version="1.0" encoding="utf-8"?>
+<p:sld xmlns:a="http://schemas.openxmlformats.org/drawingml/2006/main" xmlns:r="http://schemas.openxmlformats.org/officeDocument/2006/relationships" xmlns:p="http://schemas.openxmlformats.org/presentationml/2006/main">
+  <p:cSld>
+    <p:spTree>
+      <p:nvGrpSpPr>
+        <p:cNvPr id="1" name=""/>
+        <p:cNvGrpSpPr/>
+        <p:nvPr/>
+      </p:nvGrpSpPr>
+      <p:grpSpPr>
+        <a:xfrm>
+          <a:off x="0" y="0"/>
+          <a:ext cx="0" cy="0"/>
+          <a:chOff x="0" y="0"/>
+          <a:chExt cx="0" cy="0"/>
+        </a:xfrm>
+      </p:grpSpPr>
+      <p:sp>
+        <p:nvSpPr>
+          <p:cNvPr id="2" name="Slide Number Placeholder 1">
+            <a:extLst>
+              <a:ext uri="{FF2B5EF4-FFF2-40B4-BE49-F238E27FC236}">
+                <a16:creationId xmlns:a16="http://schemas.microsoft.com/office/drawing/2014/main" id="{88B9A2A4-397D-52B2-42FA-37085238409F}"/>
+              </a:ext>
+            </a:extLst>
+          </p:cNvPr>
+          <p:cNvSpPr>
+            <a:spLocks noGrp="1"/>
+          </p:cNvSpPr>
+          <p:nvPr>
+            <p:ph type="sldNum" sz="quarter" idx="5"/>
+          </p:nvPr>
+        </p:nvSpPr>
+        <p:spPr/>
+        <p:txBody>
+          <a:bodyPr/>
+          <a:lstStyle/>
+          <a:p>
+            <a:fld id="{2BF067CD-8E6B-4360-9AA8-C5DF2A48A6D1}" type="slidenum">
+              <a:rPr lang="en-US" noProof="0" smtClean="0"/>
+              <a:pPr/>
+              <a:t>8</a:t>
+            </a:fld>
+            <a:endParaRPr lang="en-US" noProof="0" dirty="0"/>
+          </a:p>
+        </p:txBody>
+      </p:sp>
+      <p:sp>
+        <p:nvSpPr>
+          <p:cNvPr id="3" name="Text Placeholder 2">
+            <a:extLst>
+              <a:ext uri="{FF2B5EF4-FFF2-40B4-BE49-F238E27FC236}">
+                <a16:creationId xmlns:a16="http://schemas.microsoft.com/office/drawing/2014/main" id="{E859F384-14D2-418E-A867-6E174A97B515}"/>
+              </a:ext>
+            </a:extLst>
+          </p:cNvPr>
+          <p:cNvSpPr>
+            <a:spLocks noGrp="1"/>
+          </p:cNvSpPr>
+          <p:nvPr>
+            <p:ph type="body" sz="quarter" idx="10"/>
+          </p:nvPr>
+        </p:nvSpPr>
+        <p:spPr/>
+        <p:txBody>
+          <a:bodyPr/>
+          <a:lstStyle/>
+          <a:p>
+            <a:r>
+              <a:rPr lang="ru-RU" sz="3600" dirty="0"/>
+              <a:t>След това ще получите диалогов прозорец, индикиращ успешно изтегляне</a:t>
+            </a:r>
+          </a:p>
+          <a:p>
+            <a:r>
+              <a:rPr lang="ru-RU" sz="3600" dirty="0"/>
+              <a:t>Изберете опцията </a:t>
+            </a:r>
+            <a:r>
+              <a:rPr lang="en-US" sz="3600" dirty="0">
+                <a:latin typeface="Consolas" panose="020B0609020204030204" pitchFamily="49" charset="0"/>
+              </a:rPr>
+              <a:t>[</a:t>
+            </a:r>
+            <a:r>
+              <a:rPr lang="en-US" sz="3600" b="1" dirty="0">
+                <a:solidFill>
+                  <a:schemeClr val="bg1"/>
+                </a:solidFill>
+                <a:latin typeface="Consolas" panose="020B0609020204030204" pitchFamily="49" charset="0"/>
+              </a:rPr>
+              <a:t>Open Folder</a:t>
+            </a:r>
+            <a:r>
+              <a:rPr lang="en-US" sz="3600" dirty="0">
+                <a:latin typeface="Consolas" panose="020B0609020204030204" pitchFamily="49" charset="0"/>
+              </a:rPr>
+              <a:t>]</a:t>
+            </a:r>
+            <a:r>
+              <a:rPr lang="ru-RU" sz="3600" dirty="0"/>
+              <a:t>:</a:t>
+            </a:r>
+            <a:endParaRPr lang="en-US" dirty="0"/>
+          </a:p>
+        </p:txBody>
+      </p:sp>
+      <p:sp>
+        <p:nvSpPr>
+          <p:cNvPr id="4" name="Title 3">
+            <a:extLst>
+              <a:ext uri="{FF2B5EF4-FFF2-40B4-BE49-F238E27FC236}">
+                <a16:creationId xmlns:a16="http://schemas.microsoft.com/office/drawing/2014/main" id="{81723B9E-72D3-FC99-2F89-33AEAF20CA22}"/>
+              </a:ext>
+            </a:extLst>
+          </p:cNvPr>
+          <p:cNvSpPr>
+            <a:spLocks noGrp="1"/>
+          </p:cNvSpPr>
+          <p:nvPr>
+            <p:ph type="title"/>
+          </p:nvPr>
+        </p:nvSpPr>
+        <p:spPr/>
+        <p:txBody>
+          <a:bodyPr/>
+          <a:lstStyle/>
+          <a:p>
+            <a:r>
+              <a:rPr lang="bg-BG" dirty="0"/>
+              <a:t>Изтегляне на </a:t>
+            </a:r>
+            <a:r>
+              <a:rPr lang="en-US" dirty="0"/>
+              <a:t>SQL Server Express LocalDB (</a:t>
+            </a:r>
+            <a:r>
+              <a:rPr lang="bg-BG" dirty="0"/>
+              <a:t>3</a:t>
+            </a:r>
+            <a:r>
+              <a:rPr lang="en-US" dirty="0"/>
+              <a:t>)</a:t>
+            </a:r>
+          </a:p>
+        </p:txBody>
+      </p:sp>
+      <p:pic>
+        <p:nvPicPr>
+          <p:cNvPr id="3074" name="Picture 2" descr="Express Edition download - success">
+            <a:extLst>
+              <a:ext uri="{FF2B5EF4-FFF2-40B4-BE49-F238E27FC236}">
+                <a16:creationId xmlns:a16="http://schemas.microsoft.com/office/drawing/2014/main" id="{AF8DE7F6-1735-8D39-4623-B7DA35ECFDD3}"/>
+              </a:ext>
+            </a:extLst>
+          </p:cNvPr>
+          <p:cNvPicPr>
+            <a:picLocks noChangeAspect="1" noChangeArrowheads="1"/>
+          </p:cNvPicPr>
+          <p:nvPr/>
+        </p:nvPicPr>
+        <p:blipFill>
+          <a:blip r:embed="rId2">
+            <a:extLst>
+              <a:ext uri="{28A0092B-C50C-407E-A947-70E740481C1C}">
+                <a14:useLocalDpi xmlns:a14="http://schemas.microsoft.com/office/drawing/2010/main" val="0"/>
+              </a:ext>
+            </a:extLst>
+          </a:blip>
+          <a:srcRect/>
+          <a:stretch>
+            <a:fillRect/>
+          </a:stretch>
+        </p:blipFill>
+        <p:spPr bwMode="auto">
+          <a:xfrm>
+            <a:off x="3931500" y="3219015"/>
+            <a:ext cx="4329000" cy="3427125"/>
+          </a:xfrm>
+          <a:prstGeom prst="rect">
+            <a:avLst/>
+          </a:prstGeom>
+          <a:noFill/>
+          <a:ln>
+            <a:solidFill>
+              <a:schemeClr val="bg2">
+                <a:lumMod val="85000"/>
+              </a:schemeClr>
+            </a:solidFill>
+          </a:ln>
+          <a:extLst>
+            <a:ext uri="{909E8E84-426E-40DD-AFC4-6F175D3DCCD1}">
+              <a14:hiddenFill xmlns:a14="http://schemas.microsoft.com/office/drawing/2010/main">
+                <a:solidFill>
+                  <a:srgbClr val="FFFFFF"/>
+                </a:solidFill>
+              </a14:hiddenFill>
+            </a:ext>
+          </a:extLst>
+        </p:spPr>
+      </p:pic>
+    </p:spTree>
+    <p:extLst>
+      <p:ext uri="{BB962C8B-B14F-4D97-AF65-F5344CB8AC3E}">
+        <p14:creationId xmlns:p14="http://schemas.microsoft.com/office/powerpoint/2010/main" val="2687536809"/>
+      </p:ext>
+    </p:extLst>
+  </p:cSld>
+  <p:clrMapOvr>
+    <a:masterClrMapping/>
+  </p:clrMapOvr>
+  <mc:AlternateContent xmlns:mc="http://schemas.openxmlformats.org/markup-compatibility/2006" xmlns:p14="http://schemas.microsoft.com/office/powerpoint/2010/main">
+    <mc:Choice Requires="p14">
+      <p:transition spd="slow" p14:dur="2000" advClick="0" advTm="5000"/>
+    </mc:Choice>
+    <mc:Fallback xmlns="">
+      <p:transition spd="slow" advClick="0" advTm="5000"/>
+    </mc:Fallback>
+  </mc:AlternateContent>
+  <p:timing>
+    <p:tnLst>
+      <p:par>
+        <p:cTn id="1" dur="indefinite" restart="never" nodeType="tmRoot">
+          <p:childTnLst>
+            <p:seq concurrent="1" nextAc="seek">
+              <p:cTn id="2" dur="indefinite" nodeType="mainSeq">
+                <p:childTnLst>
                   <p:par>
-                    <p:cTn id="11" fill="hold">
+                    <p:cTn id="3" fill="hold">
                       <p:stCondLst>
                         <p:cond delay="indefinite"/>
                       </p:stCondLst>
                       <p:childTnLst>
                         <p:par>
-                          <p:cTn id="12" fill="hold">
+                          <p:cTn id="4" fill="hold">
                             <p:stCondLst>
                               <p:cond delay="0"/>
                             </p:stCondLst>
                             <p:childTnLst>
                               <p:par>
-                                <p:cTn id="13" presetID="1" presetClass="entr" presetSubtype="0" fill="hold" nodeType="clickEffect">
+                                <p:cTn id="5" presetID="1" presetClass="entr" presetSubtype="0" fill="hold" nodeType="clickEffect">
                                   <p:stCondLst>
                                     <p:cond delay="0"/>
                                   </p:stCondLst>
                                   <p:childTnLst>
                                     <p:set>
                                       <p:cBhvr>
-                                        <p:cTn id="14" dur="1" fill="hold">
+                                        <p:cTn id="6" dur="1" fill="hold">
                                           <p:stCondLst>
                                             <p:cond delay="0"/>
                                           </p:stCondLst>
@@ -24085,9 +24746,36 @@
                                         <p:tgtEl>
                                           <p:spTgt spid="3">
                                             <p:txEl>
-                                              <p:pRg st="3" end="3"/>
+                                              <p:pRg st="1" end="1"/>
                                             </p:txEl>
                                           </p:spTgt>
+                                        </p:tgtEl>
+                                        <p:attrNameLst>
+                                          <p:attrName>style.visibility</p:attrName>
+                                        </p:attrNameLst>
+                                      </p:cBhvr>
+                                      <p:to>
+                                        <p:strVal val="visible"/>
+                                      </p:to>
+                                    </p:set>
+                                  </p:childTnLst>
+                                </p:cTn>
+                              </p:par>
+                              <p:par>
+                                <p:cTn id="7" presetID="1" presetClass="entr" presetSubtype="0" fill="hold" nodeType="withEffect">
+                                  <p:stCondLst>
+                                    <p:cond delay="0"/>
+                                  </p:stCondLst>
+                                  <p:childTnLst>
+                                    <p:set>
+                                      <p:cBhvr>
+                                        <p:cTn id="8" dur="1" fill="hold">
+                                          <p:stCondLst>
+                                            <p:cond delay="0"/>
+                                          </p:stCondLst>
+                                        </p:cTn>
+                                        <p:tgtEl>
+                                          <p:spTgt spid="3074"/>
                                         </p:tgtEl>
                                         <p:attrNameLst>
                                           <p:attrName>style.visibility</p:attrName>
@@ -24150,7 +24838,43 @@
       </p:grpSpPr>
       <p:sp>
         <p:nvSpPr>
-          <p:cNvPr id="3" name="Text Placeholder 2"/>
+          <p:cNvPr id="2" name="Slide Number Placeholder 1">
+            <a:extLst>
+              <a:ext uri="{FF2B5EF4-FFF2-40B4-BE49-F238E27FC236}">
+                <a16:creationId xmlns:a16="http://schemas.microsoft.com/office/drawing/2014/main" id="{88B9A2A4-397D-52B2-42FA-37085238409F}"/>
+              </a:ext>
+            </a:extLst>
+          </p:cNvPr>
+          <p:cNvSpPr>
+            <a:spLocks noGrp="1"/>
+          </p:cNvSpPr>
+          <p:nvPr>
+            <p:ph type="sldNum" sz="quarter" idx="5"/>
+          </p:nvPr>
+        </p:nvSpPr>
+        <p:spPr/>
+        <p:txBody>
+          <a:bodyPr/>
+          <a:lstStyle/>
+          <a:p>
+            <a:fld id="{2BF067CD-8E6B-4360-9AA8-C5DF2A48A6D1}" type="slidenum">
+              <a:rPr lang="en-US" noProof="0" smtClean="0"/>
+              <a:pPr/>
+              <a:t>9</a:t>
+            </a:fld>
+            <a:endParaRPr lang="en-US" noProof="0" dirty="0"/>
+          </a:p>
+        </p:txBody>
+      </p:sp>
+      <p:sp>
+        <p:nvSpPr>
+          <p:cNvPr id="3" name="Text Placeholder 2">
+            <a:extLst>
+              <a:ext uri="{FF2B5EF4-FFF2-40B4-BE49-F238E27FC236}">
+                <a16:creationId xmlns:a16="http://schemas.microsoft.com/office/drawing/2014/main" id="{E859F384-14D2-418E-A867-6E174A97B515}"/>
+              </a:ext>
+            </a:extLst>
+          </p:cNvPr>
           <p:cNvSpPr>
             <a:spLocks noGrp="1"/>
           </p:cNvSpPr>
@@ -24164,32 +24888,63 @@
           <a:lstStyle/>
           <a:p>
             <a:r>
+              <a:rPr lang="ru-RU" dirty="0"/>
+              <a:t>Папката ще се отвори и ще видите </a:t>
+            </a:r>
+            <a:r>
+              <a:rPr lang="ru-RU" b="1" dirty="0">
+                <a:solidFill>
+                  <a:schemeClr val="bg1"/>
+                </a:solidFill>
+              </a:rPr>
+              <a:t>SqlLocalDB.</a:t>
+            </a:r>
+            <a:r>
+              <a:rPr lang="en-US" b="1" dirty="0">
+                <a:solidFill>
+                  <a:schemeClr val="bg1"/>
+                </a:solidFill>
+              </a:rPr>
+              <a:t>msi</a:t>
+            </a:r>
+          </a:p>
+          <a:p>
+            <a:pPr lvl="1">
+              <a:buClr>
+                <a:schemeClr val="tx1"/>
+              </a:buClr>
+            </a:pPr>
+            <a:r>
+              <a:rPr lang="ru-RU" b="1" dirty="0">
+                <a:solidFill>
+                  <a:schemeClr val="bg1"/>
+                </a:solidFill>
+              </a:rPr>
+              <a:t>Стартирайте</a:t>
+            </a:r>
+            <a:r>
+              <a:rPr lang="ru-RU" dirty="0"/>
+              <a:t> този изпълним файл, за да </a:t>
+            </a:r>
+            <a:r>
               <a:rPr lang="bg-BG" dirty="0"/>
-              <a:t>Свалете </a:t>
-            </a:r>
-            <a:r>
-              <a:rPr lang="en-US" b="1" dirty="0">
+              <a:t>отворите</a:t>
+            </a:r>
+            <a:r>
+              <a:rPr lang="ru-RU" dirty="0"/>
+              <a:t> </a:t>
+            </a:r>
+            <a:r>
+              <a:rPr lang="ru-RU" b="1" dirty="0">
                 <a:solidFill>
                   <a:schemeClr val="bg1"/>
                 </a:solidFill>
               </a:rPr>
-              <a:t>Server</a:t>
-            </a:r>
-            <a:r>
-              <a:rPr lang="en-US" dirty="0">
-                <a:solidFill>
-                  <a:schemeClr val="accent1"/>
-                </a:solidFill>
-              </a:rPr>
-              <a:t> </a:t>
-            </a:r>
-            <a:r>
-              <a:rPr lang="en-US" b="1" dirty="0">
-                <a:solidFill>
-                  <a:schemeClr val="bg1"/>
-                </a:solidFill>
-              </a:rPr>
-              <a:t>LocalDB</a:t>
+              <a:t>съветника</a:t>
+            </a:r>
+            <a:r>
+              <a:rPr lang="ru-RU" dirty="0"/>
+              <a:t>:</a:t>
             </a:r>
             <a:endParaRPr lang="en-US" dirty="0"/>
           </a:p>
@@ -24197,7 +24952,13 @@
       </p:sp>
       <p:sp>
         <p:nvSpPr>
-          <p:cNvPr id="4" name="Title 3"/>
+          <p:cNvPr id="4" name="Title 3">
+            <a:extLst>
+              <a:ext uri="{FF2B5EF4-FFF2-40B4-BE49-F238E27FC236}">
+                <a16:creationId xmlns:a16="http://schemas.microsoft.com/office/drawing/2014/main" id="{81723B9E-72D3-FC99-2F89-33AEAF20CA22}"/>
+              </a:ext>
+            </a:extLst>
+          </p:cNvPr>
           <p:cNvSpPr>
             <a:spLocks noGrp="1"/>
           </p:cNvSpPr>
@@ -24216,154 +24977,62 @@
             </a:r>
             <a:r>
               <a:rPr lang="en-US" dirty="0"/>
-              <a:t>SQL Server LocalDB</a:t>
-            </a:r>
-          </a:p>
-        </p:txBody>
-      </p:sp>
-      <p:sp>
-        <p:nvSpPr>
-          <p:cNvPr id="5" name="Rectangle 4">
-            <a:hlinkClick r:id="rId3"/>
-          </p:cNvPr>
-          <p:cNvSpPr>
-            <a:spLocks noChangeArrowheads="1"/>
-          </p:cNvSpPr>
-          <p:nvPr/>
-        </p:nvSpPr>
-        <p:spPr bwMode="auto">
-          <a:xfrm>
-            <a:off x="620111" y="1967582"/>
-            <a:ext cx="10993820" cy="978345"/>
-          </a:xfrm>
-          <a:prstGeom prst="rect">
-            <a:avLst/>
-          </a:prstGeom>
-          <a:solidFill>
-            <a:schemeClr val="accent5">
-              <a:lumMod val="40000"/>
-              <a:lumOff val="60000"/>
-              <a:alpha val="20000"/>
-            </a:schemeClr>
-          </a:solidFill>
-          <a:ln w="12700">
-            <a:solidFill>
-              <a:schemeClr val="accent5">
-                <a:lumMod val="60000"/>
-                <a:lumOff val="40000"/>
-              </a:schemeClr>
-            </a:solidFill>
-          </a:ln>
-        </p:spPr>
-        <p:txBody>
-          <a:bodyPr wrap="square">
-            <a:spAutoFit/>
-          </a:bodyPr>
-          <a:lstStyle/>
-          <a:p>
-            <a:pPr algn="ctr">
-              <a:lnSpc>
-                <a:spcPct val="105000"/>
-              </a:lnSpc>
-            </a:pPr>
-            <a:r>
-              <a:rPr lang="en-US" sz="2800" b="1" u="sng" dirty="0">
-                <a:hlinkClick r:id="rId4"/>
-              </a:rPr>
-              <a:t>https://learn.microsoft.com/sql/database-engine/configure-windows/sql-server-express-localdb</a:t>
-            </a:r>
-            <a:endParaRPr lang="en-US" sz="2800" b="1" u="sng" noProof="1">
-              <a:solidFill>
-                <a:schemeClr val="bg1"/>
-              </a:solidFill>
-              <a:latin typeface="Consolas" panose="020B0609020204030204" pitchFamily="49" charset="0"/>
-              <a:cs typeface="Arial" panose="020B0604020202020204" pitchFamily="34" charset="0"/>
-            </a:endParaRPr>
+              <a:t>SQL Server Express LocalDB (4)</a:t>
+            </a:r>
           </a:p>
         </p:txBody>
       </p:sp>
       <p:pic>
         <p:nvPicPr>
-          <p:cNvPr id="8" name="Picture 7" descr="A logo of a microsoft server&#10;&#10;Description automatically generated">
+          <p:cNvPr id="4098" name="Picture 2" descr="SqlLocalDB installer">
             <a:extLst>
               <a:ext uri="{FF2B5EF4-FFF2-40B4-BE49-F238E27FC236}">
-                <a16:creationId xmlns:a16="http://schemas.microsoft.com/office/drawing/2014/main" id="{29A739F8-A4A2-5D98-12DD-2FF1864EB54F}"/>
+                <a16:creationId xmlns:a16="http://schemas.microsoft.com/office/drawing/2014/main" id="{9A9E67DF-B831-E4C4-F7D0-BA098301D8E9}"/>
               </a:ext>
             </a:extLst>
           </p:cNvPr>
           <p:cNvPicPr>
-            <a:picLocks noChangeAspect="1"/>
+            <a:picLocks noChangeAspect="1" noChangeArrowheads="1"/>
           </p:cNvPicPr>
           <p:nvPr/>
         </p:nvPicPr>
         <p:blipFill>
-          <a:blip r:embed="rId5" cstate="print">
+          <a:blip r:embed="rId2">
             <a:extLst>
               <a:ext uri="{28A0092B-C50C-407E-A947-70E740481C1C}">
                 <a14:useLocalDpi xmlns:a14="http://schemas.microsoft.com/office/drawing/2010/main" val="0"/>
               </a:ext>
             </a:extLst>
           </a:blip>
+          <a:srcRect/>
           <a:stretch>
             <a:fillRect/>
           </a:stretch>
         </p:blipFill>
-        <p:spPr>
+        <p:spPr bwMode="auto">
           <a:xfrm>
-            <a:off x="2321955" y="2529000"/>
-            <a:ext cx="7548089" cy="4705612"/>
+            <a:off x="3482152" y="2649756"/>
+            <a:ext cx="5227696" cy="3962456"/>
           </a:xfrm>
           <a:prstGeom prst="rect">
             <a:avLst/>
           </a:prstGeom>
+          <a:noFill/>
+          <a:extLst>
+            <a:ext uri="{909E8E84-426E-40DD-AFC4-6F175D3DCCD1}">
+              <a14:hiddenFill xmlns:a14="http://schemas.microsoft.com/office/drawing/2010/main">
+                <a:solidFill>
+                  <a:srgbClr val="FFFFFF"/>
+                </a:solidFill>
+              </a14:hiddenFill>
+            </a:ext>
+          </a:extLst>
         </p:spPr>
       </p:pic>
-      <p:sp>
-        <p:nvSpPr>
-          <p:cNvPr id="6" name="Slide Number">
-            <a:extLst>
-              <a:ext uri="{FF2B5EF4-FFF2-40B4-BE49-F238E27FC236}">
-                <a16:creationId xmlns:a16="http://schemas.microsoft.com/office/drawing/2014/main" id="{0EE4B5D0-2B1F-152B-5F54-2D851BE595D3}"/>
-              </a:ext>
-            </a:extLst>
-          </p:cNvPr>
-          <p:cNvSpPr>
-            <a:spLocks noGrp="1"/>
-          </p:cNvSpPr>
-          <p:nvPr>
-            <p:ph type="sldNum" sz="quarter" idx="5"/>
-          </p:nvPr>
-        </p:nvSpPr>
-        <p:spPr>
-          <a:xfrm>
-            <a:off x="11753030" y="6507000"/>
-            <a:ext cx="367414" cy="297000"/>
-          </a:xfrm>
-          <a:prstGeom prst="rect">
-            <a:avLst/>
-          </a:prstGeom>
-        </p:spPr>
-        <p:txBody>
-          <a:bodyPr vert="horz" lIns="91440" tIns="45720" rIns="91440" bIns="45720" rtlCol="0" anchor="b"/>
-          <a:lstStyle>
-            <a:lvl1pPr algn="r">
-              <a:defRPr sz="1000"/>
-            </a:lvl1pPr>
-          </a:lstStyle>
-          <a:p>
-            <a:fld id="{2BF067CD-8E6B-4360-9AA8-C5DF2A48A6D1}" type="slidenum">
-              <a:rPr lang="en-US" noProof="0" smtClean="0"/>
-              <a:pPr/>
-              <a:t>9</a:t>
-            </a:fld>
-            <a:endParaRPr lang="en-US" noProof="0" dirty="0"/>
-          </a:p>
-        </p:txBody>
-      </p:sp>
     </p:spTree>
     <p:extLst>
       <p:ext uri="{BB962C8B-B14F-4D97-AF65-F5344CB8AC3E}">
-        <p14:creationId xmlns:p14="http://schemas.microsoft.com/office/powerpoint/2010/main" val="3866316717"/>
+        <p14:creationId xmlns:p14="http://schemas.microsoft.com/office/powerpoint/2010/main" val="34226306"/>
       </p:ext>
     </p:extLst>
   </p:cSld>
@@ -24378,6 +25047,81 @@
       <p:transition spd="slow" advClick="0" advTm="5000"/>
     </mc:Fallback>
   </mc:AlternateContent>
+  <p:timing>
+    <p:tnLst>
+      <p:par>
+        <p:cTn id="1" dur="indefinite" restart="never" nodeType="tmRoot">
+          <p:childTnLst>
+            <p:seq concurrent="1" nextAc="seek">
+              <p:cTn id="2" dur="indefinite" nodeType="mainSeq">
+                <p:childTnLst>
+                  <p:par>
+                    <p:cTn id="3" fill="hold">
+                      <p:stCondLst>
+                        <p:cond delay="indefinite"/>
+                      </p:stCondLst>
+                      <p:childTnLst>
+                        <p:par>
+                          <p:cTn id="4" fill="hold">
+                            <p:stCondLst>
+                              <p:cond delay="0"/>
+                            </p:stCondLst>
+                            <p:childTnLst>
+                              <p:par>
+                                <p:cTn id="5" presetID="1" presetClass="entr" presetSubtype="0" fill="hold" nodeType="clickEffect">
+                                  <p:stCondLst>
+                                    <p:cond delay="0"/>
+                                  </p:stCondLst>
+                                  <p:childTnLst>
+                                    <p:set>
+                                      <p:cBhvr>
+                                        <p:cTn id="6" dur="1" fill="hold">
+                                          <p:stCondLst>
+                                            <p:cond delay="0"/>
+                                          </p:stCondLst>
+                                        </p:cTn>
+                                        <p:tgtEl>
+                                          <p:spTgt spid="4098"/>
+                                        </p:tgtEl>
+                                        <p:attrNameLst>
+                                          <p:attrName>style.visibility</p:attrName>
+                                        </p:attrNameLst>
+                                      </p:cBhvr>
+                                      <p:to>
+                                        <p:strVal val="visible"/>
+                                      </p:to>
+                                    </p:set>
+                                  </p:childTnLst>
+                                </p:cTn>
+                              </p:par>
+                            </p:childTnLst>
+                          </p:cTn>
+                        </p:par>
+                      </p:childTnLst>
+                    </p:cTn>
+                  </p:par>
+                </p:childTnLst>
+              </p:cTn>
+              <p:prevCondLst>
+                <p:cond evt="onPrev" delay="0">
+                  <p:tgtEl>
+                    <p:sldTgt/>
+                  </p:tgtEl>
+                </p:cond>
+              </p:prevCondLst>
+              <p:nextCondLst>
+                <p:cond evt="onNext" delay="0">
+                  <p:tgtEl>
+                    <p:sldTgt/>
+                  </p:tgtEl>
+                </p:cond>
+              </p:nextCondLst>
+            </p:seq>
+          </p:childTnLst>
+        </p:cTn>
+      </p:par>
+    </p:tnLst>
+  </p:timing>
 </p:sld>
 </file>
 

--- a/Courses/Software-Sciences/Module-3-Databases-New/03-Intro-to-MS-SQL-Server/03-Intro-to-MS-SQL-Server.pptx
+++ b/Courses/Software-Sciences/Module-3-Databases-New/03-Intro-to-MS-SQL-Server/03-Intro-to-MS-SQL-Server.pptx
@@ -10832,42 +10832,6 @@
           </a:p>
         </p:txBody>
       </p:sp>
-      <p:pic>
-        <p:nvPicPr>
-          <p:cNvPr id="1026" name="Picture 2"/>
-          <p:cNvPicPr>
-            <a:picLocks noChangeAspect="1" noChangeArrowheads="1"/>
-          </p:cNvPicPr>
-          <p:nvPr/>
-        </p:nvPicPr>
-        <p:blipFill>
-          <a:blip r:embed="rId2" cstate="print"/>
-          <a:srcRect/>
-          <a:stretch>
-            <a:fillRect/>
-          </a:stretch>
-        </p:blipFill>
-        <p:spPr bwMode="auto">
-          <a:xfrm>
-            <a:off x="3641288" y="2349000"/>
-            <a:ext cx="4909425" cy="3004506"/>
-          </a:xfrm>
-          <a:prstGeom prst="rect">
-            <a:avLst/>
-          </a:prstGeom>
-          <a:noFill/>
-          <a:ln w="9525">
-            <a:solidFill>
-              <a:schemeClr val="bg2">
-                <a:lumMod val="75000"/>
-              </a:schemeClr>
-            </a:solidFill>
-            <a:miter lim="800000"/>
-            <a:headEnd/>
-            <a:tailEnd/>
-          </a:ln>
-        </p:spPr>
-      </p:pic>
       <p:sp>
         <p:nvSpPr>
           <p:cNvPr id="5" name="Slide Number">
@@ -10910,190 +10874,43 @@
           </a:p>
         </p:txBody>
       </p:sp>
-      <p:sp>
-        <p:nvSpPr>
-          <p:cNvPr id="2" name="Rectangle: Rounded Corners 1">
+      <p:pic>
+        <p:nvPicPr>
+          <p:cNvPr id="7" name="Picture 6">
             <a:extLst>
               <a:ext uri="{FF2B5EF4-FFF2-40B4-BE49-F238E27FC236}">
-                <a16:creationId xmlns:a16="http://schemas.microsoft.com/office/drawing/2014/main" id="{C4E944A5-0F38-534D-88AF-336CD50FD598}"/>
+                <a16:creationId xmlns:a16="http://schemas.microsoft.com/office/drawing/2014/main" id="{5857B70E-5A76-2915-0460-5158B602FCCD}"/>
               </a:ext>
             </a:extLst>
           </p:cNvPr>
-          <p:cNvSpPr/>
+          <p:cNvPicPr>
+            <a:picLocks noChangeAspect="1"/>
+          </p:cNvPicPr>
           <p:nvPr/>
-        </p:nvSpPr>
-        <p:spPr bwMode="auto">
+        </p:nvPicPr>
+        <p:blipFill>
+          <a:blip r:embed="rId2"/>
+          <a:stretch>
+            <a:fillRect/>
+          </a:stretch>
+        </p:blipFill>
+        <p:spPr>
           <a:xfrm>
-            <a:off x="5248039" y="1467798"/>
-            <a:ext cx="6816432" cy="3288561"/>
+            <a:off x="3665999" y="2349000"/>
+            <a:ext cx="4912181" cy="3195000"/>
           </a:xfrm>
-          <a:prstGeom prst="roundRect">
+          <a:prstGeom prst="rect">
             <a:avLst/>
           </a:prstGeom>
-          <a:solidFill>
-            <a:schemeClr val="dk2">
-              <a:alpha val="80000"/>
-            </a:schemeClr>
-          </a:solidFill>
-          <a:ln w="19050">
+          <a:ln>
             <a:solidFill>
-              <a:schemeClr val="tx1">
-                <a:lumMod val="75000"/>
-                <a:alpha val="80000"/>
+              <a:schemeClr val="bg2">
+                <a:lumMod val="85000"/>
               </a:schemeClr>
             </a:solidFill>
           </a:ln>
-          <a:effectLst/>
         </p:spPr>
-        <p:style>
-          <a:lnRef idx="2">
-            <a:schemeClr val="accent1">
-              <a:shade val="50000"/>
-            </a:schemeClr>
-          </a:lnRef>
-          <a:fillRef idx="1001">
-            <a:schemeClr val="dk2"/>
-          </a:fillRef>
-          <a:effectRef idx="0">
-            <a:schemeClr val="accent1"/>
-          </a:effectRef>
-          <a:fontRef idx="minor">
-            <a:schemeClr val="lt1"/>
-          </a:fontRef>
-        </p:style>
-        <p:txBody>
-          <a:bodyPr rot="0" spcFirstLastPara="0" vertOverflow="overflow" horzOverflow="overflow" vert="horz" wrap="square" lIns="91440" tIns="45720" rIns="91440" bIns="45720" numCol="1" spcCol="0" rtlCol="0" fromWordArt="0" anchor="ctr" anchorCtr="0" forceAA="0" compatLnSpc="1">
-            <a:prstTxWarp prst="textNoShape">
-              <a:avLst/>
-            </a:prstTxWarp>
-            <a:noAutofit/>
-          </a:bodyPr>
-          <a:lstStyle/>
-          <a:p>
-            <a:pPr algn="ctr"/>
-            <a:r>
-              <a:rPr lang="bg-BG" sz="2800" b="1" dirty="0">
-                <a:solidFill>
-                  <a:srgbClr val="FFFFFF"/>
-                </a:solidFill>
-                <a:effectLst>
-                  <a:outerShdw blurRad="38100" dist="38100" dir="2700000" algn="tl">
-                    <a:srgbClr val="000000">
-                      <a:alpha val="43137"/>
-                    </a:srgbClr>
-                  </a:outerShdw>
-                </a:effectLst>
-              </a:rPr>
-              <a:t>Да се покаже връзка с </a:t>
-            </a:r>
-            <a:r>
-              <a:rPr lang="en-US" sz="2800" b="1" dirty="0">
-                <a:solidFill>
-                  <a:srgbClr val="FFFFFF"/>
-                </a:solidFill>
-                <a:effectLst>
-                  <a:outerShdw blurRad="38100" dist="38100" dir="2700000" algn="tl">
-                    <a:srgbClr val="000000">
-                      <a:alpha val="43137"/>
-                    </a:srgbClr>
-                  </a:outerShdw>
-                </a:effectLst>
-              </a:rPr>
-              <a:t>LocalDB:</a:t>
-            </a:r>
-          </a:p>
-          <a:p>
-            <a:pPr algn="ctr"/>
-            <a:endParaRPr lang="en-US" sz="2800" b="1" dirty="0">
-              <a:solidFill>
-                <a:srgbClr val="FFFFFF"/>
-              </a:solidFill>
-              <a:effectLst>
-                <a:outerShdw blurRad="38100" dist="38100" dir="2700000" algn="tl">
-                  <a:srgbClr val="000000">
-                    <a:alpha val="43137"/>
-                  </a:srgbClr>
-                </a:outerShdw>
-              </a:effectLst>
-            </a:endParaRPr>
-          </a:p>
-          <a:p>
-            <a:pPr algn="ctr"/>
-            <a:r>
-              <a:rPr lang="en-US" sz="4000" b="1" dirty="0">
-                <a:solidFill>
-                  <a:srgbClr val="FFFFFF"/>
-                </a:solidFill>
-                <a:effectLst>
-                  <a:outerShdw blurRad="38100" dist="38100" dir="2700000" algn="tl">
-                    <a:srgbClr val="000000">
-                      <a:alpha val="43137"/>
-                    </a:srgbClr>
-                  </a:outerShdw>
-                </a:effectLst>
-              </a:rPr>
-              <a:t>(</a:t>
-            </a:r>
-            <a:r>
-              <a:rPr lang="en-US" sz="4000" b="1" dirty="0" err="1">
-                <a:solidFill>
-                  <a:srgbClr val="FFFFFF"/>
-                </a:solidFill>
-                <a:effectLst>
-                  <a:outerShdw blurRad="38100" dist="38100" dir="2700000" algn="tl">
-                    <a:srgbClr val="000000">
-                      <a:alpha val="43137"/>
-                    </a:srgbClr>
-                  </a:outerShdw>
-                </a:effectLst>
-              </a:rPr>
-              <a:t>localdb</a:t>
-            </a:r>
-            <a:r>
-              <a:rPr lang="en-US" sz="4000" b="1" dirty="0">
-                <a:solidFill>
-                  <a:srgbClr val="FFFFFF"/>
-                </a:solidFill>
-                <a:effectLst>
-                  <a:outerShdw blurRad="38100" dist="38100" dir="2700000" algn="tl">
-                    <a:srgbClr val="000000">
-                      <a:alpha val="43137"/>
-                    </a:srgbClr>
-                  </a:outerShdw>
-                </a:effectLst>
-              </a:rPr>
-              <a:t>)\</a:t>
-            </a:r>
-            <a:r>
-              <a:rPr lang="en-US" sz="4000" b="1" dirty="0" err="1">
-                <a:solidFill>
-                  <a:srgbClr val="FFFFFF"/>
-                </a:solidFill>
-                <a:effectLst>
-                  <a:outerShdw blurRad="38100" dist="38100" dir="2700000" algn="tl">
-                    <a:srgbClr val="000000">
-                      <a:alpha val="43137"/>
-                    </a:srgbClr>
-                  </a:outerShdw>
-                </a:effectLst>
-              </a:rPr>
-              <a:t>MSSQLLocalDB</a:t>
-            </a:r>
-            <a:endParaRPr lang="en-US" sz="4000" b="1" dirty="0">
-              <a:solidFill>
-                <a:srgbClr val="FFFFFF"/>
-              </a:solidFill>
-              <a:effectLst>
-                <a:outerShdw blurRad="38100" dist="38100" dir="2700000" algn="tl">
-                  <a:srgbClr val="000000">
-                    <a:alpha val="43137"/>
-                  </a:srgbClr>
-                </a:outerShdw>
-              </a:effectLst>
-            </a:endParaRPr>
-          </a:p>
-        </p:txBody>
-      </p:sp>
+      </p:pic>
     </p:spTree>
     <p:extLst>
       <p:ext uri="{BB962C8B-B14F-4D97-AF65-F5344CB8AC3E}">

--- a/Courses/Software-Sciences/Module-3-Databases-New/03-Intro-to-MS-SQL-Server/03-Intro-to-MS-SQL-Server.pptx
+++ b/Courses/Software-Sciences/Module-3-Databases-New/03-Intro-to-MS-SQL-Server/03-Intro-to-MS-SQL-Server.pptx
@@ -405,7 +405,7 @@
           <a:p>
             <a:fld id="{4E087215-0C8F-4762-A664-737A353EC9A4}" type="datetimeFigureOut">
               <a:rPr lang="bg-BG" smtClean="0"/>
-              <a:t>23.10.2023 г.</a:t>
+              <a:t>25.11.2023 г.</a:t>
             </a:fld>
             <a:endParaRPr lang="bg-BG"/>
           </a:p>
@@ -601,7 +601,7 @@
           <a:p>
             <a:fld id="{72D84649-876A-46C9-8472-14CB09C070D8}" type="datetimeFigureOut">
               <a:rPr lang="en-US" smtClean="0"/>
-              <a:t>10/23/2023</a:t>
+              <a:t>11/25/2023</a:t>
             </a:fld>
             <a:endParaRPr lang="en-US"/>
           </a:p>
@@ -18991,7 +18991,7 @@
         <p:grpSpPr>
           <a:xfrm>
             <a:off x="191942" y="1419750"/>
-            <a:ext cx="8632995" cy="5300339"/>
+            <a:ext cx="9302704" cy="5300339"/>
             <a:chOff x="472011" y="1508786"/>
             <a:chExt cx="3799787" cy="4865561"/>
           </a:xfrm>
@@ -19278,8 +19278,8 @@
         </p:blipFill>
         <p:spPr>
           <a:xfrm flipH="1">
-            <a:off x="8824937" y="3276641"/>
-            <a:ext cx="2882677" cy="3119781"/>
+            <a:off x="9634833" y="4105075"/>
+            <a:ext cx="2118197" cy="2292422"/>
           </a:xfrm>
           <a:prstGeom prst="rect">
             <a:avLst/>
@@ -19525,8 +19525,8 @@
         </p:nvSpPr>
         <p:spPr>
           <a:xfrm>
-            <a:off x="699284" y="1559724"/>
-            <a:ext cx="8000490" cy="5694444"/>
+            <a:off x="561000" y="1719000"/>
+            <a:ext cx="8795363" cy="4689425"/>
           </a:xfrm>
           <a:prstGeom prst="rect">
             <a:avLst/>
@@ -19552,8 +19552,8 @@
               <a:rPr lang="bg-BG" sz="3400" b="1" dirty="0">
                 <a:solidFill>
                   <a:schemeClr val="bg1">
-                    <a:lumMod val="60000"/>
-                    <a:lumOff val="40000"/>
+                    <a:lumMod val="40000"/>
+                    <a:lumOff val="60000"/>
                   </a:schemeClr>
                 </a:solidFill>
               </a:rPr>
@@ -19563,8 +19563,8 @@
               <a:rPr lang="en-US" sz="3400" b="1" dirty="0">
                 <a:solidFill>
                   <a:schemeClr val="bg1">
-                    <a:lumMod val="60000"/>
-                    <a:lumOff val="40000"/>
+                    <a:lumMod val="40000"/>
+                    <a:lumOff val="60000"/>
                   </a:schemeClr>
                 </a:solidFill>
               </a:rPr>
@@ -19574,36 +19574,20 @@
               <a:rPr lang="en-US" sz="3400" dirty="0">
                 <a:solidFill>
                   <a:schemeClr val="bg1">
-                    <a:lumMod val="60000"/>
-                    <a:lumOff val="40000"/>
+                    <a:lumMod val="40000"/>
+                    <a:lumOff val="60000"/>
                   </a:schemeClr>
                 </a:solidFill>
               </a:rPr>
-              <a:t> ==</a:t>
-            </a:r>
-            <a:r>
-              <a:rPr lang="en-US" sz="3400" dirty="0">
+              <a:t> == </a:t>
+            </a:r>
+            <a:r>
+              <a:rPr lang="bg-BG" sz="3400" dirty="0">
                 <a:solidFill>
                   <a:schemeClr val="bg2"/>
                 </a:solidFill>
               </a:rPr>
-              <a:t> </a:t>
-            </a:r>
-            <a:r>
-              <a:rPr lang="bg-BG" sz="3400" dirty="0">
-                <a:solidFill>
-                  <a:schemeClr val="bg2"/>
-                </a:solidFill>
-              </a:rPr>
-              <a:t>система </a:t>
-            </a:r>
-            <a:r>
-              <a:rPr lang="bg-BG" sz="3600" dirty="0">
-                <a:solidFill>
-                  <a:schemeClr val="bg2"/>
-                </a:solidFill>
-              </a:rPr>
-              <a:t>за управление на големи обеми от данни</a:t>
+              <a:t>система за управление на големи обеми от данни</a:t>
             </a:r>
           </a:p>
           <a:p>
@@ -19618,40 +19602,35 @@
               <a:buChar char="§"/>
             </a:pPr>
             <a:r>
-              <a:rPr lang="en-US" sz="3200" b="1" dirty="0">
+              <a:rPr lang="en-US" sz="3400" b="1" dirty="0">
                 <a:solidFill>
                   <a:schemeClr val="bg1">
-                    <a:lumMod val="60000"/>
-                    <a:lumOff val="40000"/>
+                    <a:lumMod val="40000"/>
+                    <a:lumOff val="60000"/>
                   </a:schemeClr>
                 </a:solidFill>
               </a:rPr>
               <a:t>SQL Server Express LocalDB</a:t>
             </a:r>
             <a:r>
-              <a:rPr lang="bg-BG" sz="3200" b="1" dirty="0">
+              <a:rPr lang="bg-BG" sz="3400" b="1" dirty="0">
                 <a:solidFill>
                   <a:schemeClr val="bg1">
-                    <a:lumMod val="60000"/>
-                    <a:lumOff val="40000"/>
+                    <a:lumMod val="40000"/>
+                    <a:lumOff val="60000"/>
                   </a:schemeClr>
                 </a:solidFill>
               </a:rPr>
-              <a:t> ==</a:t>
-            </a:r>
-            <a:r>
-              <a:rPr lang="bg-BG" sz="3200" dirty="0">
+              <a:t> == </a:t>
+            </a:r>
+            <a:r>
+              <a:rPr lang="bg-BG" sz="3400" dirty="0">
                 <a:solidFill>
                   <a:schemeClr val="bg2"/>
                 </a:solidFill>
               </a:rPr>
-              <a:t> опростена версия на Microsoft SQL Server</a:t>
-            </a:r>
-            <a:endParaRPr lang="bg-BG" sz="3400" dirty="0">
-              <a:solidFill>
-                <a:schemeClr val="bg2"/>
-              </a:solidFill>
-            </a:endParaRPr>
+              <a:t>опростена версия на Microsoft SQL Server</a:t>
+            </a:r>
           </a:p>
           <a:p>
             <a:pPr marL="457200" indent="-457200">
@@ -19692,8 +19671,8 @@
               <a:rPr lang="bg-BG" sz="3400" b="1" dirty="0">
                 <a:solidFill>
                   <a:schemeClr val="bg1">
-                    <a:lumMod val="60000"/>
-                    <a:lumOff val="40000"/>
+                    <a:lumMod val="40000"/>
+                    <a:lumOff val="60000"/>
                   </a:schemeClr>
                 </a:solidFill>
               </a:rPr>
@@ -19711,8 +19690,8 @@
               <a:rPr lang="bg-BG" sz="3400" b="1" dirty="0">
                 <a:solidFill>
                   <a:schemeClr val="bg1">
-                    <a:lumMod val="60000"/>
-                    <a:lumOff val="40000"/>
+                    <a:lumMod val="40000"/>
+                    <a:lumOff val="60000"/>
                   </a:schemeClr>
                 </a:solidFill>
               </a:rPr>
@@ -19730,8 +19709,8 @@
               <a:rPr lang="bg-BG" sz="3400" b="1" dirty="0">
                 <a:solidFill>
                   <a:schemeClr val="bg1">
-                    <a:lumMod val="60000"/>
-                    <a:lumOff val="40000"/>
+                    <a:lumMod val="40000"/>
+                    <a:lumOff val="60000"/>
                   </a:schemeClr>
                 </a:solidFill>
               </a:rPr>
@@ -19759,7 +19738,7 @@
               <a:buFont typeface="Wingdings" panose="05000000000000000000" pitchFamily="2" charset="2"/>
               <a:buChar char="§"/>
             </a:pPr>
-            <a:endParaRPr lang="en-US" sz="3200" dirty="0">
+            <a:endParaRPr lang="en-US" sz="3400" dirty="0">
               <a:solidFill>
                 <a:schemeClr val="bg2"/>
               </a:solidFill>
@@ -19773,7 +19752,7 @@
               <a:buFont typeface="Wingdings" panose="05000000000000000000" pitchFamily="2" charset="2"/>
               <a:buChar char="§"/>
             </a:pPr>
-            <a:endParaRPr lang="en-US" sz="3200" b="1" dirty="0">
+            <a:endParaRPr lang="en-US" sz="3400" b="1" dirty="0">
               <a:solidFill>
                 <a:schemeClr val="bg2"/>
               </a:solidFill>

--- a/Courses/Software-Sciences/Module-3-Databases-New/03-Intro-to-MS-SQL-Server/03-Intro-to-MS-SQL-Server.pptx
+++ b/Courses/Software-Sciences/Module-3-Databases-New/03-Intro-to-MS-SQL-Server/03-Intro-to-MS-SQL-Server.pptx
@@ -405,7 +405,7 @@
           <a:p>
             <a:fld id="{4E087215-0C8F-4762-A664-737A353EC9A4}" type="datetimeFigureOut">
               <a:rPr lang="bg-BG" smtClean="0"/>
-              <a:t>25.11.2023 г.</a:t>
+              <a:t>28.11.2023 г.</a:t>
             </a:fld>
             <a:endParaRPr lang="bg-BG"/>
           </a:p>
@@ -601,7 +601,7 @@
           <a:p>
             <a:fld id="{72D84649-876A-46C9-8472-14CB09C070D8}" type="datetimeFigureOut">
               <a:rPr lang="en-US" smtClean="0"/>
-              <a:t>11/25/2023</a:t>
+              <a:t>11/28/2023</a:t>
             </a:fld>
             <a:endParaRPr lang="en-US"/>
           </a:p>
@@ -24436,56 +24436,39 @@
       </p:sp>
       <p:pic>
         <p:nvPicPr>
-          <p:cNvPr id="3074" name="Picture 2" descr="Express Edition download - success">
+          <p:cNvPr id="6" name="Picture 5">
             <a:extLst>
               <a:ext uri="{FF2B5EF4-FFF2-40B4-BE49-F238E27FC236}">
-                <a16:creationId xmlns:a16="http://schemas.microsoft.com/office/drawing/2014/main" id="{AF8DE7F6-1735-8D39-4623-B7DA35ECFDD3}"/>
+                <a16:creationId xmlns:a16="http://schemas.microsoft.com/office/drawing/2014/main" id="{BABA3E35-F2A1-B98C-1D02-E38E316675F7}"/>
               </a:ext>
             </a:extLst>
           </p:cNvPr>
           <p:cNvPicPr>
-            <a:picLocks noChangeAspect="1" noChangeArrowheads="1"/>
+            <a:picLocks noChangeAspect="1"/>
           </p:cNvPicPr>
           <p:nvPr/>
         </p:nvPicPr>
         <p:blipFill>
-          <a:blip r:embed="rId2">
-            <a:extLst>
-              <a:ext uri="{28A0092B-C50C-407E-A947-70E740481C1C}">
-                <a14:useLocalDpi xmlns:a14="http://schemas.microsoft.com/office/drawing/2010/main" val="0"/>
-              </a:ext>
-            </a:extLst>
-          </a:blip>
-          <a:srcRect/>
+          <a:blip r:embed="rId2"/>
           <a:stretch>
             <a:fillRect/>
           </a:stretch>
         </p:blipFill>
-        <p:spPr bwMode="auto">
+        <p:spPr>
           <a:xfrm>
-            <a:off x="3931500" y="3219015"/>
-            <a:ext cx="4329000" cy="3427125"/>
+            <a:off x="3128548" y="3744000"/>
+            <a:ext cx="5934903" cy="2286319"/>
           </a:xfrm>
           <a:prstGeom prst="rect">
             <a:avLst/>
           </a:prstGeom>
-          <a:noFill/>
           <a:ln>
             <a:solidFill>
               <a:schemeClr val="bg2">
-                <a:lumMod val="85000"/>
+                <a:lumMod val="75000"/>
               </a:schemeClr>
             </a:solidFill>
           </a:ln>
-          <a:extLst>
-            <a:ext uri="{909E8E84-426E-40DD-AFC4-6F175D3DCCD1}">
-              <a14:hiddenFill xmlns:a14="http://schemas.microsoft.com/office/drawing/2010/main">
-                <a:solidFill>
-                  <a:srgbClr val="FFFFFF"/>
-                </a:solidFill>
-              </a14:hiddenFill>
-            </a:ext>
-          </a:extLst>
         </p:spPr>
       </p:pic>
     </p:spTree>
@@ -24545,33 +24528,6 @@
                                               <p:pRg st="1" end="1"/>
                                             </p:txEl>
                                           </p:spTgt>
-                                        </p:tgtEl>
-                                        <p:attrNameLst>
-                                          <p:attrName>style.visibility</p:attrName>
-                                        </p:attrNameLst>
-                                      </p:cBhvr>
-                                      <p:to>
-                                        <p:strVal val="visible"/>
-                                      </p:to>
-                                    </p:set>
-                                  </p:childTnLst>
-                                </p:cTn>
-                              </p:par>
-                              <p:par>
-                                <p:cTn id="7" presetID="1" presetClass="entr" presetSubtype="0" fill="hold" nodeType="withEffect">
-                                  <p:stCondLst>
-                                    <p:cond delay="0"/>
-                                  </p:stCondLst>
-                                  <p:childTnLst>
-                                    <p:set>
-                                      <p:cBhvr>
-                                        <p:cTn id="8" dur="1" fill="hold">
-                                          <p:stCondLst>
-                                            <p:cond delay="0"/>
-                                          </p:stCondLst>
-                                        </p:cTn>
-                                        <p:tgtEl>
-                                          <p:spTgt spid="3074"/>
                                         </p:tgtEl>
                                         <p:attrNameLst>
                                           <p:attrName>style.visibility</p:attrName>

--- a/Courses/Software-Sciences/Module-3-Databases-New/03-Intro-to-MS-SQL-Server/03-Intro-to-MS-SQL-Server.pptx
+++ b/Courses/Software-Sciences/Module-3-Databases-New/03-Intro-to-MS-SQL-Server/03-Intro-to-MS-SQL-Server.pptx
@@ -5,10 +5,10 @@
     <p:sldMasterId id="2147483675" r:id="rId1"/>
   </p:sldMasterIdLst>
   <p:notesMasterIdLst>
-    <p:notesMasterId r:id="rId34"/>
+    <p:notesMasterId r:id="rId35"/>
   </p:notesMasterIdLst>
   <p:handoutMasterIdLst>
-    <p:handoutMasterId r:id="rId35"/>
+    <p:handoutMasterId r:id="rId36"/>
   </p:handoutMasterIdLst>
   <p:sldIdLst>
     <p:sldId id="1176" r:id="rId2"/>
@@ -35,14 +35,15 @@
     <p:sldId id="1199" r:id="rId23"/>
     <p:sldId id="1200" r:id="rId24"/>
     <p:sldId id="1201" r:id="rId25"/>
-    <p:sldId id="1205" r:id="rId26"/>
-    <p:sldId id="1208" r:id="rId27"/>
-    <p:sldId id="1206" r:id="rId28"/>
-    <p:sldId id="1207" r:id="rId29"/>
-    <p:sldId id="1209" r:id="rId30"/>
-    <p:sldId id="1127" r:id="rId31"/>
-    <p:sldId id="504" r:id="rId32"/>
-    <p:sldId id="505" r:id="rId33"/>
+    <p:sldId id="1223" r:id="rId26"/>
+    <p:sldId id="1205" r:id="rId27"/>
+    <p:sldId id="1208" r:id="rId28"/>
+    <p:sldId id="1206" r:id="rId29"/>
+    <p:sldId id="1207" r:id="rId30"/>
+    <p:sldId id="1209" r:id="rId31"/>
+    <p:sldId id="1127" r:id="rId32"/>
+    <p:sldId id="504" r:id="rId33"/>
+    <p:sldId id="505" r:id="rId34"/>
   </p:sldIdLst>
   <p:sldSz cx="12192000" cy="6858000"/>
   <p:notesSz cx="6858000" cy="9144000"/>
@@ -186,6 +187,7 @@
             <p14:sldId id="1199"/>
             <p14:sldId id="1200"/>
             <p14:sldId id="1201"/>
+            <p14:sldId id="1223"/>
           </p14:sldIdLst>
         </p14:section>
         <p14:section name="Изпълнение на SQL заявки" id="{494F2331-F217-4B29-9E1F-E939E8D45303}">
@@ -405,7 +407,7 @@
           <a:p>
             <a:fld id="{4E087215-0C8F-4762-A664-737A353EC9A4}" type="datetimeFigureOut">
               <a:rPr lang="bg-BG" smtClean="0"/>
-              <a:t>28.11.2023 г.</a:t>
+              <a:t>25.2.2024 г.</a:t>
             </a:fld>
             <a:endParaRPr lang="bg-BG"/>
           </a:p>
@@ -601,7 +603,7 @@
           <a:p>
             <a:fld id="{72D84649-876A-46C9-8472-14CB09C070D8}" type="datetimeFigureOut">
               <a:rPr lang="en-US" smtClean="0"/>
-              <a:t>11/28/2023</a:t>
+              <a:t>2/25/2024</a:t>
             </a:fld>
             <a:endParaRPr lang="en-US"/>
           </a:p>
@@ -1145,7 +1147,7 @@
                 <a:tabLst/>
                 <a:defRPr/>
               </a:pPr>
-              <a:t>30</a:t>
+              <a:t>31</a:t>
             </a:fld>
             <a:endParaRPr kumimoji="0" lang="en-US" sz="1200" b="0" i="0" u="none" strike="noStrike" kern="1200" cap="none" spc="0" normalizeH="0" baseline="0" noProof="0" dirty="0">
               <a:ln>
@@ -1404,7 +1406,7 @@
             <a:fld id="{3EBA5BD7-F043-4D1B-AA17-CD412FC534DE}" type="slidenum">
               <a:rPr lang="en-US" smtClean="0"/>
               <a:pPr/>
-              <a:t>31</a:t>
+              <a:t>32</a:t>
             </a:fld>
             <a:endParaRPr lang="en-US" dirty="0"/>
           </a:p>
@@ -1650,7 +1652,7 @@
             <a:fld id="{3EBA5BD7-F043-4D1B-AA17-CD412FC534DE}" type="slidenum">
               <a:rPr lang="en-US" smtClean="0"/>
               <a:pPr/>
-              <a:t>32</a:t>
+              <a:t>33</a:t>
             </a:fld>
             <a:endParaRPr lang="en-US" dirty="0"/>
           </a:p>
@@ -2757,7 +2759,7 @@
             <a:fld id="{2BF067CD-8E6B-4360-9AA8-C5DF2A48A6D1}" type="slidenum">
               <a:rPr lang="en-US" smtClean="0"/>
               <a:pPr/>
-              <a:t>29</a:t>
+              <a:t>30</a:t>
             </a:fld>
             <a:endParaRPr lang="en-US" dirty="0"/>
           </a:p>
@@ -14271,7 +14273,15 @@
             </a:r>
             <a:r>
               <a:rPr lang="bg-BG" dirty="0"/>
-              <a:t>записи чрез</a:t>
+              <a:t>записи</a:t>
+            </a:r>
+            <a:r>
+              <a:rPr lang="en-US" dirty="0"/>
+              <a:t> </a:t>
+            </a:r>
+            <a:r>
+              <a:rPr lang="bg-BG" dirty="0"/>
+              <a:t>(кортежи) чрез</a:t>
             </a:r>
             <a:r>
               <a:rPr lang="en-US" dirty="0"/>
@@ -15002,8 +15012,8 @@
         </p:blipFill>
         <p:spPr>
           <a:xfrm>
-            <a:off x="784271" y="2261901"/>
-            <a:ext cx="3645590" cy="3026350"/>
+            <a:off x="1101000" y="2441901"/>
+            <a:ext cx="3194761" cy="2652099"/>
           </a:xfrm>
           <a:prstGeom prst="rect">
             <a:avLst/>
@@ -15025,8 +15035,8 @@
         </p:nvSpPr>
         <p:spPr>
           <a:xfrm>
-            <a:off x="4548702" y="3567114"/>
-            <a:ext cx="668643" cy="526584"/>
+            <a:off x="4865431" y="3747114"/>
+            <a:ext cx="571361" cy="461464"/>
           </a:xfrm>
           <a:prstGeom prst="rightArrow">
             <a:avLst/>
@@ -15080,8 +15090,8 @@
         </p:blipFill>
         <p:spPr>
           <a:xfrm>
-            <a:off x="5336187" y="2261901"/>
-            <a:ext cx="6155366" cy="3026350"/>
+            <a:off x="5652916" y="2441901"/>
+            <a:ext cx="5394168" cy="2652099"/>
           </a:xfrm>
           <a:prstGeom prst="rect">
             <a:avLst/>
@@ -15134,6 +15144,174 @@
               <a:t>23</a:t>
             </a:fld>
             <a:endParaRPr lang="en-US" noProof="0" dirty="0"/>
+          </a:p>
+        </p:txBody>
+      </p:sp>
+      <p:sp>
+        <p:nvSpPr>
+          <p:cNvPr id="3" name="AutoShape 5">
+            <a:extLst>
+              <a:ext uri="{FF2B5EF4-FFF2-40B4-BE49-F238E27FC236}">
+                <a16:creationId xmlns:a16="http://schemas.microsoft.com/office/drawing/2014/main" id="{E8D96921-8577-4EA1-2F1C-9111D3A4C7F6}"/>
+              </a:ext>
+            </a:extLst>
+          </p:cNvPr>
+          <p:cNvSpPr>
+            <a:spLocks noChangeArrowheads="1"/>
+          </p:cNvSpPr>
+          <p:nvPr/>
+        </p:nvSpPr>
+        <p:spPr bwMode="auto">
+          <a:xfrm>
+            <a:off x="4746000" y="1682949"/>
+            <a:ext cx="3032298" cy="546231"/>
+          </a:xfrm>
+          <a:prstGeom prst="wedgeRoundRectCallout">
+            <a:avLst>
+              <a:gd name="adj1" fmla="val 36301"/>
+              <a:gd name="adj2" fmla="val 91122"/>
+              <a:gd name="adj3" fmla="val 16667"/>
+            </a:avLst>
+          </a:prstGeom>
+          <a:solidFill>
+            <a:schemeClr val="tx1">
+              <a:alpha val="80000"/>
+            </a:schemeClr>
+          </a:solidFill>
+          <a:ln w="19050">
+            <a:solidFill>
+              <a:schemeClr val="tx1">
+                <a:alpha val="80000"/>
+              </a:schemeClr>
+            </a:solidFill>
+          </a:ln>
+          <a:effectLst/>
+        </p:spPr>
+        <p:style>
+          <a:lnRef idx="2">
+            <a:schemeClr val="accent1">
+              <a:shade val="50000"/>
+            </a:schemeClr>
+          </a:lnRef>
+          <a:fillRef idx="1001">
+            <a:schemeClr val="dk2"/>
+          </a:fillRef>
+          <a:effectRef idx="0">
+            <a:schemeClr val="accent1"/>
+          </a:effectRef>
+          <a:fontRef idx="minor">
+            <a:schemeClr val="lt1"/>
+          </a:fontRef>
+        </p:style>
+        <p:txBody>
+          <a:bodyPr rot="0" spcFirstLastPara="0" vertOverflow="overflow" horzOverflow="overflow" vert="horz" wrap="square" lIns="91440" tIns="45720" rIns="91440" bIns="45720" numCol="1" spcCol="0" rtlCol="0" fromWordArt="0" anchor="ctr" anchorCtr="0" forceAA="0" compatLnSpc="1">
+            <a:prstTxWarp prst="textNoShape">
+              <a:avLst/>
+            </a:prstTxWarp>
+            <a:noAutofit/>
+          </a:bodyPr>
+          <a:lstStyle/>
+          <a:p>
+            <a:pPr algn="ctr"/>
+            <a:r>
+              <a:rPr lang="bg-BG" sz="2400" b="1" dirty="0">
+                <a:solidFill>
+                  <a:srgbClr val="FFFFFF"/>
+                </a:solidFill>
+                <a:effectLst>
+                  <a:outerShdw blurRad="38100" dist="38100" dir="2700000" algn="tl">
+                    <a:srgbClr val="000000">
+                      <a:alpha val="43137"/>
+                    </a:srgbClr>
+                  </a:outerShdw>
+                </a:effectLst>
+              </a:rPr>
+              <a:t>Домейн на атрибут</a:t>
+            </a:r>
+          </a:p>
+        </p:txBody>
+      </p:sp>
+      <p:sp>
+        <p:nvSpPr>
+          <p:cNvPr id="9" name="AutoShape 5">
+            <a:extLst>
+              <a:ext uri="{FF2B5EF4-FFF2-40B4-BE49-F238E27FC236}">
+                <a16:creationId xmlns:a16="http://schemas.microsoft.com/office/drawing/2014/main" id="{D9A96FD2-6885-9B4E-4DC3-D42B576665A3}"/>
+              </a:ext>
+            </a:extLst>
+          </p:cNvPr>
+          <p:cNvSpPr>
+            <a:spLocks noChangeArrowheads="1"/>
+          </p:cNvSpPr>
+          <p:nvPr/>
+        </p:nvSpPr>
+        <p:spPr bwMode="auto">
+          <a:xfrm>
+            <a:off x="3531000" y="5192949"/>
+            <a:ext cx="4320000" cy="441051"/>
+          </a:xfrm>
+          <a:prstGeom prst="wedgeRoundRectCallout">
+            <a:avLst>
+              <a:gd name="adj1" fmla="val 7270"/>
+              <a:gd name="adj2" fmla="val -80557"/>
+              <a:gd name="adj3" fmla="val 16667"/>
+            </a:avLst>
+          </a:prstGeom>
+          <a:solidFill>
+            <a:schemeClr val="tx1">
+              <a:alpha val="80000"/>
+            </a:schemeClr>
+          </a:solidFill>
+          <a:ln w="19050">
+            <a:solidFill>
+              <a:schemeClr val="tx1">
+                <a:alpha val="80000"/>
+              </a:schemeClr>
+            </a:solidFill>
+          </a:ln>
+          <a:effectLst/>
+        </p:spPr>
+        <p:style>
+          <a:lnRef idx="2">
+            <a:schemeClr val="accent1">
+              <a:shade val="50000"/>
+            </a:schemeClr>
+          </a:lnRef>
+          <a:fillRef idx="1001">
+            <a:schemeClr val="dk2"/>
+          </a:fillRef>
+          <a:effectRef idx="0">
+            <a:schemeClr val="accent1"/>
+          </a:effectRef>
+          <a:fontRef idx="minor">
+            <a:schemeClr val="lt1"/>
+          </a:fontRef>
+        </p:style>
+        <p:txBody>
+          <a:bodyPr rot="0" spcFirstLastPara="0" vertOverflow="overflow" horzOverflow="overflow" vert="horz" wrap="square" lIns="91440" tIns="45720" rIns="91440" bIns="45720" numCol="1" spcCol="0" rtlCol="0" fromWordArt="0" anchor="ctr" anchorCtr="0" forceAA="0" compatLnSpc="1">
+            <a:prstTxWarp prst="textNoShape">
+              <a:avLst/>
+            </a:prstTxWarp>
+            <a:noAutofit/>
+          </a:bodyPr>
+          <a:lstStyle/>
+          <a:p>
+            <a:pPr algn="ctr"/>
+            <a:r>
+              <a:rPr lang="bg-BG" sz="2400" b="1" dirty="0">
+                <a:solidFill>
+                  <a:srgbClr val="FFFFFF"/>
+                </a:solidFill>
+                <a:effectLst>
+                  <a:outerShdw blurRad="38100" dist="38100" dir="2700000" algn="tl">
+                    <a:srgbClr val="000000">
+                      <a:alpha val="43137"/>
+                    </a:srgbClr>
+                  </a:outerShdw>
+                </a:effectLst>
+              </a:rPr>
+              <a:t>Мощност (броя на кортежите)</a:t>
+            </a:r>
           </a:p>
         </p:txBody>
       </p:sp>
@@ -15293,7 +15471,7 @@
                             </p:stCondLst>
                             <p:childTnLst>
                               <p:par>
-                                <p:cTn id="15" presetID="1" presetClass="entr" presetSubtype="0" fill="hold" nodeType="clickEffect">
+                                <p:cTn id="15" presetID="1" presetClass="entr" presetSubtype="0" fill="hold" grpId="0" nodeType="clickEffect">
                                   <p:stCondLst>
                                     <p:cond delay="0"/>
                                   </p:stCondLst>
@@ -15301,6 +15479,96 @@
                                     <p:set>
                                       <p:cBhvr>
                                         <p:cTn id="16" dur="1" fill="hold">
+                                          <p:stCondLst>
+                                            <p:cond delay="0"/>
+                                          </p:stCondLst>
+                                        </p:cTn>
+                                        <p:tgtEl>
+                                          <p:spTgt spid="3"/>
+                                        </p:tgtEl>
+                                        <p:attrNameLst>
+                                          <p:attrName>style.visibility</p:attrName>
+                                        </p:attrNameLst>
+                                      </p:cBhvr>
+                                      <p:to>
+                                        <p:strVal val="visible"/>
+                                      </p:to>
+                                    </p:set>
+                                  </p:childTnLst>
+                                </p:cTn>
+                              </p:par>
+                            </p:childTnLst>
+                          </p:cTn>
+                        </p:par>
+                      </p:childTnLst>
+                    </p:cTn>
+                  </p:par>
+                  <p:par>
+                    <p:cTn id="17" fill="hold">
+                      <p:stCondLst>
+                        <p:cond delay="indefinite"/>
+                      </p:stCondLst>
+                      <p:childTnLst>
+                        <p:par>
+                          <p:cTn id="18" fill="hold">
+                            <p:stCondLst>
+                              <p:cond delay="0"/>
+                            </p:stCondLst>
+                            <p:childTnLst>
+                              <p:par>
+                                <p:cTn id="19" presetID="1" presetClass="entr" presetSubtype="0" fill="hold" grpId="0" nodeType="clickEffect">
+                                  <p:stCondLst>
+                                    <p:cond delay="0"/>
+                                  </p:stCondLst>
+                                  <p:childTnLst>
+                                    <p:set>
+                                      <p:cBhvr>
+                                        <p:cTn id="20" dur="1" fill="hold">
+                                          <p:stCondLst>
+                                            <p:cond delay="0"/>
+                                          </p:stCondLst>
+                                        </p:cTn>
+                                        <p:tgtEl>
+                                          <p:spTgt spid="9"/>
+                                        </p:tgtEl>
+                                        <p:attrNameLst>
+                                          <p:attrName>style.visibility</p:attrName>
+                                        </p:attrNameLst>
+                                      </p:cBhvr>
+                                      <p:to>
+                                        <p:strVal val="visible"/>
+                                      </p:to>
+                                    </p:set>
+                                  </p:childTnLst>
+                                </p:cTn>
+                              </p:par>
+                            </p:childTnLst>
+                          </p:cTn>
+                        </p:par>
+                      </p:childTnLst>
+                    </p:cTn>
+                  </p:par>
+                  <p:par>
+                    <p:cTn id="21" fill="hold">
+                      <p:stCondLst>
+                        <p:cond delay="indefinite"/>
+                      </p:stCondLst>
+                      <p:childTnLst>
+                        <p:par>
+                          <p:cTn id="22" fill="hold">
+                            <p:stCondLst>
+                              <p:cond delay="0"/>
+                            </p:stCondLst>
+                            <p:childTnLst>
+                              <p:par>
+                                <p:cTn id="23" presetID="1" presetClass="entr" presetSubtype="0" fill="hold" nodeType="clickEffect">
+                                  <p:stCondLst>
+                                    <p:cond delay="0"/>
+                                  </p:stCondLst>
+                                  <p:childTnLst>
+                                    <p:set>
+                                      <p:cBhvr>
+                                        <p:cTn id="24" dur="1" fill="hold">
                                           <p:stCondLst>
                                             <p:cond delay="0"/>
                                           </p:stCondLst>
@@ -15352,6 +15620,8 @@
     </p:tnLst>
     <p:bldLst>
       <p:bldP spid="6" grpId="0" animBg="1"/>
+      <p:bldP spid="3" grpId="0" animBg="1"/>
+      <p:bldP spid="9" grpId="0" animBg="1"/>
     </p:bldLst>
   </p:timing>
 </p:sld>
@@ -15999,6 +16269,914 @@
           <a:chExt cx="0" cy="0"/>
         </a:xfrm>
       </p:grpSpPr>
+      <p:sp>
+        <p:nvSpPr>
+          <p:cNvPr id="2" name="Slide Number Placeholder 1">
+            <a:extLst>
+              <a:ext uri="{FF2B5EF4-FFF2-40B4-BE49-F238E27FC236}">
+                <a16:creationId xmlns:a16="http://schemas.microsoft.com/office/drawing/2014/main" id="{8366C95C-6E33-3A5F-9974-C2292926D43C}"/>
+              </a:ext>
+            </a:extLst>
+          </p:cNvPr>
+          <p:cNvSpPr>
+            <a:spLocks noGrp="1"/>
+          </p:cNvSpPr>
+          <p:nvPr>
+            <p:ph type="sldNum" sz="quarter" idx="5"/>
+          </p:nvPr>
+        </p:nvSpPr>
+        <p:spPr/>
+        <p:txBody>
+          <a:bodyPr/>
+          <a:lstStyle/>
+          <a:p>
+            <a:fld id="{2BF067CD-8E6B-4360-9AA8-C5DF2A48A6D1}" type="slidenum">
+              <a:rPr lang="en-US" noProof="0" smtClean="0"/>
+              <a:pPr/>
+              <a:t>25</a:t>
+            </a:fld>
+            <a:endParaRPr lang="en-US" noProof="0" dirty="0"/>
+          </a:p>
+        </p:txBody>
+      </p:sp>
+      <p:sp>
+        <p:nvSpPr>
+          <p:cNvPr id="3" name="Text Placeholder 2">
+            <a:extLst>
+              <a:ext uri="{FF2B5EF4-FFF2-40B4-BE49-F238E27FC236}">
+                <a16:creationId xmlns:a16="http://schemas.microsoft.com/office/drawing/2014/main" id="{C0BFA449-0363-9E19-6C87-E4BEE71DB229}"/>
+              </a:ext>
+            </a:extLst>
+          </p:cNvPr>
+          <p:cNvSpPr>
+            <a:spLocks noGrp="1"/>
+          </p:cNvSpPr>
+          <p:nvPr>
+            <p:ph type="body" sz="quarter" idx="10"/>
+          </p:nvPr>
+        </p:nvSpPr>
+        <p:spPr/>
+        <p:txBody>
+          <a:bodyPr/>
+          <a:lstStyle/>
+          <a:p>
+            <a:pPr>
+              <a:buClr>
+                <a:schemeClr val="tx1"/>
+              </a:buClr>
+            </a:pPr>
+            <a:r>
+              <a:rPr lang="ru-RU" b="1" dirty="0">
+                <a:solidFill>
+                  <a:schemeClr val="bg1"/>
+                </a:solidFill>
+              </a:rPr>
+              <a:t>Броя</a:t>
+            </a:r>
+            <a:r>
+              <a:rPr lang="ru-RU" dirty="0"/>
+              <a:t> на атрибутите (или </a:t>
+            </a:r>
+            <a:r>
+              <a:rPr lang="ru-RU" b="1" dirty="0">
+                <a:solidFill>
+                  <a:schemeClr val="bg1"/>
+                </a:solidFill>
+              </a:rPr>
+              <a:t>колоните</a:t>
+            </a:r>
+            <a:r>
+              <a:rPr lang="ru-RU" dirty="0"/>
+              <a:t>) в таблицата</a:t>
+            </a:r>
+            <a:endParaRPr lang="en-US" dirty="0"/>
+          </a:p>
+        </p:txBody>
+      </p:sp>
+      <p:sp>
+        <p:nvSpPr>
+          <p:cNvPr id="4" name="Title 3">
+            <a:extLst>
+              <a:ext uri="{FF2B5EF4-FFF2-40B4-BE49-F238E27FC236}">
+                <a16:creationId xmlns:a16="http://schemas.microsoft.com/office/drawing/2014/main" id="{50D3A186-E82E-E742-C8BB-43AD4CABFEF4}"/>
+              </a:ext>
+            </a:extLst>
+          </p:cNvPr>
+          <p:cNvSpPr>
+            <a:spLocks noGrp="1"/>
+          </p:cNvSpPr>
+          <p:nvPr>
+            <p:ph type="title"/>
+          </p:nvPr>
+        </p:nvSpPr>
+        <p:spPr/>
+        <p:txBody>
+          <a:bodyPr/>
+          <a:lstStyle/>
+          <a:p>
+            <a:r>
+              <a:rPr lang="bg-BG" dirty="0"/>
+              <a:t>Степен на отношение</a:t>
+            </a:r>
+            <a:endParaRPr lang="en-US" dirty="0"/>
+          </a:p>
+        </p:txBody>
+      </p:sp>
+      <p:pic>
+        <p:nvPicPr>
+          <p:cNvPr id="5" name="Picture 4">
+            <a:extLst>
+              <a:ext uri="{FF2B5EF4-FFF2-40B4-BE49-F238E27FC236}">
+                <a16:creationId xmlns:a16="http://schemas.microsoft.com/office/drawing/2014/main" id="{427722D6-68B6-3C95-10C0-B1059B9FDC52}"/>
+              </a:ext>
+            </a:extLst>
+          </p:cNvPr>
+          <p:cNvPicPr>
+            <a:picLocks noChangeAspect="1"/>
+          </p:cNvPicPr>
+          <p:nvPr/>
+        </p:nvPicPr>
+        <p:blipFill rotWithShape="1">
+          <a:blip r:embed="rId2" cstate="print"/>
+          <a:srcRect r="36628"/>
+          <a:stretch/>
+        </p:blipFill>
+        <p:spPr>
+          <a:xfrm>
+            <a:off x="2764982" y="2664000"/>
+            <a:ext cx="6662035" cy="3275459"/>
+          </a:xfrm>
+          <a:prstGeom prst="rect">
+            <a:avLst/>
+          </a:prstGeom>
+          <a:ln>
+            <a:solidFill>
+              <a:schemeClr val="bg2">
+                <a:lumMod val="75000"/>
+              </a:schemeClr>
+            </a:solidFill>
+          </a:ln>
+        </p:spPr>
+      </p:pic>
+      <p:sp>
+        <p:nvSpPr>
+          <p:cNvPr id="6" name="AutoShape 5">
+            <a:extLst>
+              <a:ext uri="{FF2B5EF4-FFF2-40B4-BE49-F238E27FC236}">
+                <a16:creationId xmlns:a16="http://schemas.microsoft.com/office/drawing/2014/main" id="{6641D2A8-C0C8-D355-2D59-327FA54B9D85}"/>
+              </a:ext>
+            </a:extLst>
+          </p:cNvPr>
+          <p:cNvSpPr>
+            <a:spLocks noChangeArrowheads="1"/>
+          </p:cNvSpPr>
+          <p:nvPr/>
+        </p:nvSpPr>
+        <p:spPr bwMode="auto">
+          <a:xfrm>
+            <a:off x="6754157" y="2027682"/>
+            <a:ext cx="5013321" cy="441051"/>
+          </a:xfrm>
+          <a:prstGeom prst="wedgeRoundRectCallout">
+            <a:avLst>
+              <a:gd name="adj1" fmla="val 3075"/>
+              <a:gd name="adj2" fmla="val 126766"/>
+              <a:gd name="adj3" fmla="val 16667"/>
+            </a:avLst>
+          </a:prstGeom>
+          <a:solidFill>
+            <a:schemeClr val="tx1">
+              <a:alpha val="80000"/>
+            </a:schemeClr>
+          </a:solidFill>
+          <a:ln w="19050">
+            <a:solidFill>
+              <a:schemeClr val="tx1">
+                <a:alpha val="80000"/>
+              </a:schemeClr>
+            </a:solidFill>
+          </a:ln>
+          <a:effectLst/>
+        </p:spPr>
+        <p:style>
+          <a:lnRef idx="2">
+            <a:schemeClr val="accent1">
+              <a:shade val="50000"/>
+            </a:schemeClr>
+          </a:lnRef>
+          <a:fillRef idx="1001">
+            <a:schemeClr val="dk2"/>
+          </a:fillRef>
+          <a:effectRef idx="0">
+            <a:schemeClr val="accent1"/>
+          </a:effectRef>
+          <a:fontRef idx="minor">
+            <a:schemeClr val="lt1"/>
+          </a:fontRef>
+        </p:style>
+        <p:txBody>
+          <a:bodyPr rot="0" spcFirstLastPara="0" vertOverflow="overflow" horzOverflow="overflow" vert="horz" wrap="square" lIns="91440" tIns="45720" rIns="91440" bIns="45720" numCol="1" spcCol="0" rtlCol="0" fromWordArt="0" anchor="ctr" anchorCtr="0" forceAA="0" compatLnSpc="1">
+            <a:prstTxWarp prst="textNoShape">
+              <a:avLst/>
+            </a:prstTxWarp>
+            <a:noAutofit/>
+          </a:bodyPr>
+          <a:lstStyle/>
+          <a:p>
+            <a:pPr algn="ctr"/>
+            <a:r>
+              <a:rPr lang="bg-BG" sz="2400" b="1" dirty="0">
+                <a:solidFill>
+                  <a:srgbClr val="FFFFFF"/>
+                </a:solidFill>
+                <a:effectLst>
+                  <a:outerShdw blurRad="38100" dist="38100" dir="2700000" algn="tl">
+                    <a:srgbClr val="000000">
+                      <a:alpha val="43137"/>
+                    </a:srgbClr>
+                  </a:outerShdw>
+                </a:effectLst>
+              </a:rPr>
+              <a:t>Степента на отношение в случая е </a:t>
+            </a:r>
+            <a:r>
+              <a:rPr lang="bg-BG" sz="2400" b="1" dirty="0">
+                <a:solidFill>
+                  <a:schemeClr val="bg1">
+                    <a:lumMod val="60000"/>
+                    <a:lumOff val="40000"/>
+                  </a:schemeClr>
+                </a:solidFill>
+                <a:effectLst>
+                  <a:outerShdw blurRad="38100" dist="38100" dir="2700000" algn="tl">
+                    <a:srgbClr val="000000">
+                      <a:alpha val="43137"/>
+                    </a:srgbClr>
+                  </a:outerShdw>
+                </a:effectLst>
+              </a:rPr>
+              <a:t>5</a:t>
+            </a:r>
+          </a:p>
+        </p:txBody>
+      </p:sp>
+      <p:sp>
+        <p:nvSpPr>
+          <p:cNvPr id="7" name="Rectangle: Rounded Corners 17">
+            <a:extLst>
+              <a:ext uri="{FF2B5EF4-FFF2-40B4-BE49-F238E27FC236}">
+                <a16:creationId xmlns:a16="http://schemas.microsoft.com/office/drawing/2014/main" id="{4D015DF9-A8D5-8D53-0CF5-057CDEB6D980}"/>
+              </a:ext>
+            </a:extLst>
+          </p:cNvPr>
+          <p:cNvSpPr/>
+          <p:nvPr/>
+        </p:nvSpPr>
+        <p:spPr>
+          <a:xfrm>
+            <a:off x="3306000" y="2681454"/>
+            <a:ext cx="668472" cy="252546"/>
+          </a:xfrm>
+          <a:prstGeom prst="roundRect">
+            <a:avLst>
+              <a:gd name="adj" fmla="val 5385"/>
+            </a:avLst>
+          </a:prstGeom>
+          <a:noFill/>
+          <a:ln w="57150">
+            <a:solidFill>
+              <a:schemeClr val="tx1"/>
+            </a:solidFill>
+            <a:prstDash val="solid"/>
+          </a:ln>
+        </p:spPr>
+        <p:style>
+          <a:lnRef idx="2">
+            <a:schemeClr val="accent1">
+              <a:shade val="50000"/>
+            </a:schemeClr>
+          </a:lnRef>
+          <a:fillRef idx="1">
+            <a:schemeClr val="accent1"/>
+          </a:fillRef>
+          <a:effectRef idx="0">
+            <a:schemeClr val="accent1"/>
+          </a:effectRef>
+          <a:fontRef idx="minor">
+            <a:schemeClr val="lt1"/>
+          </a:fontRef>
+        </p:style>
+        <p:txBody>
+          <a:bodyPr rtlCol="0" anchor="t"/>
+          <a:lstStyle/>
+          <a:p>
+            <a:pPr algn="ctr"/>
+            <a:endParaRPr lang="en-US" sz="2799" b="1" dirty="0">
+              <a:solidFill>
+                <a:srgbClr val="FBEEDC"/>
+              </a:solidFill>
+              <a:effectLst>
+                <a:outerShdw blurRad="38100" dist="38100" dir="2700000" algn="tl">
+                  <a:srgbClr val="000000">
+                    <a:alpha val="43137"/>
+                  </a:srgbClr>
+                </a:outerShdw>
+              </a:effectLst>
+              <a:latin typeface="Consolas" panose="020B0609020204030204" pitchFamily="49" charset="0"/>
+            </a:endParaRPr>
+          </a:p>
+        </p:txBody>
+      </p:sp>
+      <p:sp>
+        <p:nvSpPr>
+          <p:cNvPr id="8" name="Rectangle: Rounded Corners 17">
+            <a:extLst>
+              <a:ext uri="{FF2B5EF4-FFF2-40B4-BE49-F238E27FC236}">
+                <a16:creationId xmlns:a16="http://schemas.microsoft.com/office/drawing/2014/main" id="{E77A8F07-50B9-2229-2EDC-87CB0958531D}"/>
+              </a:ext>
+            </a:extLst>
+          </p:cNvPr>
+          <p:cNvSpPr/>
+          <p:nvPr/>
+        </p:nvSpPr>
+        <p:spPr>
+          <a:xfrm>
+            <a:off x="4071000" y="2681454"/>
+            <a:ext cx="810000" cy="252546"/>
+          </a:xfrm>
+          <a:prstGeom prst="roundRect">
+            <a:avLst>
+              <a:gd name="adj" fmla="val 5385"/>
+            </a:avLst>
+          </a:prstGeom>
+          <a:noFill/>
+          <a:ln w="57150">
+            <a:solidFill>
+              <a:schemeClr val="tx1"/>
+            </a:solidFill>
+            <a:prstDash val="solid"/>
+          </a:ln>
+        </p:spPr>
+        <p:style>
+          <a:lnRef idx="2">
+            <a:schemeClr val="accent1">
+              <a:shade val="50000"/>
+            </a:schemeClr>
+          </a:lnRef>
+          <a:fillRef idx="1">
+            <a:schemeClr val="accent1"/>
+          </a:fillRef>
+          <a:effectRef idx="0">
+            <a:schemeClr val="accent1"/>
+          </a:effectRef>
+          <a:fontRef idx="minor">
+            <a:schemeClr val="lt1"/>
+          </a:fontRef>
+        </p:style>
+        <p:txBody>
+          <a:bodyPr rtlCol="0" anchor="t"/>
+          <a:lstStyle/>
+          <a:p>
+            <a:pPr algn="ctr"/>
+            <a:endParaRPr lang="en-US" sz="2799" b="1" dirty="0">
+              <a:solidFill>
+                <a:srgbClr val="FBEEDC"/>
+              </a:solidFill>
+              <a:effectLst>
+                <a:outerShdw blurRad="38100" dist="38100" dir="2700000" algn="tl">
+                  <a:srgbClr val="000000">
+                    <a:alpha val="43137"/>
+                  </a:srgbClr>
+                </a:outerShdw>
+              </a:effectLst>
+              <a:latin typeface="Consolas" panose="020B0609020204030204" pitchFamily="49" charset="0"/>
+            </a:endParaRPr>
+          </a:p>
+        </p:txBody>
+      </p:sp>
+      <p:sp>
+        <p:nvSpPr>
+          <p:cNvPr id="9" name="Rectangle: Rounded Corners 17">
+            <a:extLst>
+              <a:ext uri="{FF2B5EF4-FFF2-40B4-BE49-F238E27FC236}">
+                <a16:creationId xmlns:a16="http://schemas.microsoft.com/office/drawing/2014/main" id="{EAF50803-F2A8-099B-678E-6A27CBE3AC57}"/>
+              </a:ext>
+            </a:extLst>
+          </p:cNvPr>
+          <p:cNvSpPr/>
+          <p:nvPr/>
+        </p:nvSpPr>
+        <p:spPr>
+          <a:xfrm>
+            <a:off x="4977528" y="2664000"/>
+            <a:ext cx="1658472" cy="270000"/>
+          </a:xfrm>
+          <a:prstGeom prst="roundRect">
+            <a:avLst>
+              <a:gd name="adj" fmla="val 5385"/>
+            </a:avLst>
+          </a:prstGeom>
+          <a:noFill/>
+          <a:ln w="57150">
+            <a:solidFill>
+              <a:schemeClr val="tx1"/>
+            </a:solidFill>
+            <a:prstDash val="solid"/>
+          </a:ln>
+        </p:spPr>
+        <p:style>
+          <a:lnRef idx="2">
+            <a:schemeClr val="accent1">
+              <a:shade val="50000"/>
+            </a:schemeClr>
+          </a:lnRef>
+          <a:fillRef idx="1">
+            <a:schemeClr val="accent1"/>
+          </a:fillRef>
+          <a:effectRef idx="0">
+            <a:schemeClr val="accent1"/>
+          </a:effectRef>
+          <a:fontRef idx="minor">
+            <a:schemeClr val="lt1"/>
+          </a:fontRef>
+        </p:style>
+        <p:txBody>
+          <a:bodyPr rtlCol="0" anchor="t"/>
+          <a:lstStyle/>
+          <a:p>
+            <a:pPr algn="ctr"/>
+            <a:endParaRPr lang="en-US" sz="2799" b="1" dirty="0">
+              <a:solidFill>
+                <a:srgbClr val="FBEEDC"/>
+              </a:solidFill>
+              <a:effectLst>
+                <a:outerShdw blurRad="38100" dist="38100" dir="2700000" algn="tl">
+                  <a:srgbClr val="000000">
+                    <a:alpha val="43137"/>
+                  </a:srgbClr>
+                </a:outerShdw>
+              </a:effectLst>
+              <a:latin typeface="Consolas" panose="020B0609020204030204" pitchFamily="49" charset="0"/>
+            </a:endParaRPr>
+          </a:p>
+        </p:txBody>
+      </p:sp>
+      <p:sp>
+        <p:nvSpPr>
+          <p:cNvPr id="10" name="Rectangle: Rounded Corners 17">
+            <a:extLst>
+              <a:ext uri="{FF2B5EF4-FFF2-40B4-BE49-F238E27FC236}">
+                <a16:creationId xmlns:a16="http://schemas.microsoft.com/office/drawing/2014/main" id="{E6A9D699-200E-C471-8BFB-6057F8C8D8C4}"/>
+              </a:ext>
+            </a:extLst>
+          </p:cNvPr>
+          <p:cNvSpPr/>
+          <p:nvPr/>
+        </p:nvSpPr>
+        <p:spPr>
+          <a:xfrm>
+            <a:off x="6732528" y="2664000"/>
+            <a:ext cx="1658472" cy="270000"/>
+          </a:xfrm>
+          <a:prstGeom prst="roundRect">
+            <a:avLst>
+              <a:gd name="adj" fmla="val 5385"/>
+            </a:avLst>
+          </a:prstGeom>
+          <a:noFill/>
+          <a:ln w="57150">
+            <a:solidFill>
+              <a:schemeClr val="tx1"/>
+            </a:solidFill>
+            <a:prstDash val="solid"/>
+          </a:ln>
+        </p:spPr>
+        <p:style>
+          <a:lnRef idx="2">
+            <a:schemeClr val="accent1">
+              <a:shade val="50000"/>
+            </a:schemeClr>
+          </a:lnRef>
+          <a:fillRef idx="1">
+            <a:schemeClr val="accent1"/>
+          </a:fillRef>
+          <a:effectRef idx="0">
+            <a:schemeClr val="accent1"/>
+          </a:effectRef>
+          <a:fontRef idx="minor">
+            <a:schemeClr val="lt1"/>
+          </a:fontRef>
+        </p:style>
+        <p:txBody>
+          <a:bodyPr rtlCol="0" anchor="t"/>
+          <a:lstStyle/>
+          <a:p>
+            <a:pPr algn="ctr"/>
+            <a:endParaRPr lang="en-US" sz="2799" b="1" dirty="0">
+              <a:solidFill>
+                <a:srgbClr val="FBEEDC"/>
+              </a:solidFill>
+              <a:effectLst>
+                <a:outerShdw blurRad="38100" dist="38100" dir="2700000" algn="tl">
+                  <a:srgbClr val="000000">
+                    <a:alpha val="43137"/>
+                  </a:srgbClr>
+                </a:outerShdw>
+              </a:effectLst>
+              <a:latin typeface="Consolas" panose="020B0609020204030204" pitchFamily="49" charset="0"/>
+            </a:endParaRPr>
+          </a:p>
+        </p:txBody>
+      </p:sp>
+      <p:sp>
+        <p:nvSpPr>
+          <p:cNvPr id="11" name="Rectangle: Rounded Corners 17">
+            <a:extLst>
+              <a:ext uri="{FF2B5EF4-FFF2-40B4-BE49-F238E27FC236}">
+                <a16:creationId xmlns:a16="http://schemas.microsoft.com/office/drawing/2014/main" id="{229704F4-BB54-4FDD-4D67-3EB2FD3A5C15}"/>
+              </a:ext>
+            </a:extLst>
+          </p:cNvPr>
+          <p:cNvSpPr/>
+          <p:nvPr/>
+        </p:nvSpPr>
+        <p:spPr>
+          <a:xfrm>
+            <a:off x="8499960" y="2681454"/>
+            <a:ext cx="836040" cy="252546"/>
+          </a:xfrm>
+          <a:prstGeom prst="roundRect">
+            <a:avLst>
+              <a:gd name="adj" fmla="val 5385"/>
+            </a:avLst>
+          </a:prstGeom>
+          <a:noFill/>
+          <a:ln w="57150">
+            <a:solidFill>
+              <a:schemeClr val="tx1"/>
+            </a:solidFill>
+            <a:prstDash val="solid"/>
+          </a:ln>
+        </p:spPr>
+        <p:style>
+          <a:lnRef idx="2">
+            <a:schemeClr val="accent1">
+              <a:shade val="50000"/>
+            </a:schemeClr>
+          </a:lnRef>
+          <a:fillRef idx="1">
+            <a:schemeClr val="accent1"/>
+          </a:fillRef>
+          <a:effectRef idx="0">
+            <a:schemeClr val="accent1"/>
+          </a:effectRef>
+          <a:fontRef idx="minor">
+            <a:schemeClr val="lt1"/>
+          </a:fontRef>
+        </p:style>
+        <p:txBody>
+          <a:bodyPr rtlCol="0" anchor="t"/>
+          <a:lstStyle/>
+          <a:p>
+            <a:pPr algn="ctr"/>
+            <a:endParaRPr lang="en-US" sz="2799" b="1" dirty="0">
+              <a:solidFill>
+                <a:srgbClr val="FBEEDC"/>
+              </a:solidFill>
+              <a:effectLst>
+                <a:outerShdw blurRad="38100" dist="38100" dir="2700000" algn="tl">
+                  <a:srgbClr val="000000">
+                    <a:alpha val="43137"/>
+                  </a:srgbClr>
+                </a:outerShdw>
+              </a:effectLst>
+              <a:latin typeface="Consolas" panose="020B0609020204030204" pitchFamily="49" charset="0"/>
+            </a:endParaRPr>
+          </a:p>
+        </p:txBody>
+      </p:sp>
+    </p:spTree>
+    <p:extLst>
+      <p:ext uri="{BB962C8B-B14F-4D97-AF65-F5344CB8AC3E}">
+        <p14:creationId xmlns:p14="http://schemas.microsoft.com/office/powerpoint/2010/main" val="1322271051"/>
+      </p:ext>
+    </p:extLst>
+  </p:cSld>
+  <p:clrMapOvr>
+    <a:masterClrMapping/>
+  </p:clrMapOvr>
+  <mc:AlternateContent xmlns:mc="http://schemas.openxmlformats.org/markup-compatibility/2006" xmlns:p14="http://schemas.microsoft.com/office/powerpoint/2010/main">
+    <mc:Choice Requires="p14">
+      <p:transition spd="slow" p14:dur="2000" advClick="0" advTm="5000"/>
+    </mc:Choice>
+    <mc:Fallback xmlns="">
+      <p:transition spd="slow" advClick="0" advTm="5000"/>
+    </mc:Fallback>
+  </mc:AlternateContent>
+  <p:timing>
+    <p:tnLst>
+      <p:par>
+        <p:cTn id="1" dur="indefinite" restart="never" nodeType="tmRoot">
+          <p:childTnLst>
+            <p:seq concurrent="1" nextAc="seek">
+              <p:cTn id="2" dur="indefinite" nodeType="mainSeq">
+                <p:childTnLst>
+                  <p:par>
+                    <p:cTn id="3" fill="hold">
+                      <p:stCondLst>
+                        <p:cond delay="indefinite"/>
+                        <p:cond evt="onBegin" delay="0">
+                          <p:tn val="2"/>
+                        </p:cond>
+                      </p:stCondLst>
+                      <p:childTnLst>
+                        <p:par>
+                          <p:cTn id="4" fill="hold">
+                            <p:stCondLst>
+                              <p:cond delay="0"/>
+                            </p:stCondLst>
+                            <p:childTnLst>
+                              <p:par>
+                                <p:cTn id="5" presetID="1" presetClass="entr" presetSubtype="0" fill="hold" nodeType="withEffect">
+                                  <p:stCondLst>
+                                    <p:cond delay="0"/>
+                                  </p:stCondLst>
+                                  <p:childTnLst>
+                                    <p:set>
+                                      <p:cBhvr>
+                                        <p:cTn id="6" dur="1" fill="hold">
+                                          <p:stCondLst>
+                                            <p:cond delay="0"/>
+                                          </p:stCondLst>
+                                        </p:cTn>
+                                        <p:tgtEl>
+                                          <p:spTgt spid="5"/>
+                                        </p:tgtEl>
+                                        <p:attrNameLst>
+                                          <p:attrName>style.visibility</p:attrName>
+                                        </p:attrNameLst>
+                                      </p:cBhvr>
+                                      <p:to>
+                                        <p:strVal val="visible"/>
+                                      </p:to>
+                                    </p:set>
+                                  </p:childTnLst>
+                                </p:cTn>
+                              </p:par>
+                            </p:childTnLst>
+                          </p:cTn>
+                        </p:par>
+                      </p:childTnLst>
+                    </p:cTn>
+                  </p:par>
+                  <p:par>
+                    <p:cTn id="7" fill="hold">
+                      <p:stCondLst>
+                        <p:cond delay="indefinite"/>
+                      </p:stCondLst>
+                      <p:childTnLst>
+                        <p:par>
+                          <p:cTn id="8" fill="hold">
+                            <p:stCondLst>
+                              <p:cond delay="0"/>
+                            </p:stCondLst>
+                            <p:childTnLst>
+                              <p:par>
+                                <p:cTn id="9" presetID="1" presetClass="entr" presetSubtype="0" fill="hold" grpId="0" nodeType="clickEffect">
+                                  <p:stCondLst>
+                                    <p:cond delay="0"/>
+                                  </p:stCondLst>
+                                  <p:childTnLst>
+                                    <p:set>
+                                      <p:cBhvr>
+                                        <p:cTn id="10" dur="1" fill="hold">
+                                          <p:stCondLst>
+                                            <p:cond delay="0"/>
+                                          </p:stCondLst>
+                                        </p:cTn>
+                                        <p:tgtEl>
+                                          <p:spTgt spid="7"/>
+                                        </p:tgtEl>
+                                        <p:attrNameLst>
+                                          <p:attrName>style.visibility</p:attrName>
+                                        </p:attrNameLst>
+                                      </p:cBhvr>
+                                      <p:to>
+                                        <p:strVal val="visible"/>
+                                      </p:to>
+                                    </p:set>
+                                  </p:childTnLst>
+                                </p:cTn>
+                              </p:par>
+                              <p:par>
+                                <p:cTn id="11" presetID="1" presetClass="entr" presetSubtype="0" fill="hold" grpId="0" nodeType="withEffect">
+                                  <p:stCondLst>
+                                    <p:cond delay="0"/>
+                                  </p:stCondLst>
+                                  <p:childTnLst>
+                                    <p:set>
+                                      <p:cBhvr>
+                                        <p:cTn id="12" dur="1" fill="hold">
+                                          <p:stCondLst>
+                                            <p:cond delay="0"/>
+                                          </p:stCondLst>
+                                        </p:cTn>
+                                        <p:tgtEl>
+                                          <p:spTgt spid="8"/>
+                                        </p:tgtEl>
+                                        <p:attrNameLst>
+                                          <p:attrName>style.visibility</p:attrName>
+                                        </p:attrNameLst>
+                                      </p:cBhvr>
+                                      <p:to>
+                                        <p:strVal val="visible"/>
+                                      </p:to>
+                                    </p:set>
+                                  </p:childTnLst>
+                                </p:cTn>
+                              </p:par>
+                              <p:par>
+                                <p:cTn id="13" presetID="1" presetClass="entr" presetSubtype="0" fill="hold" grpId="0" nodeType="withEffect">
+                                  <p:stCondLst>
+                                    <p:cond delay="0"/>
+                                  </p:stCondLst>
+                                  <p:childTnLst>
+                                    <p:set>
+                                      <p:cBhvr>
+                                        <p:cTn id="14" dur="1" fill="hold">
+                                          <p:stCondLst>
+                                            <p:cond delay="0"/>
+                                          </p:stCondLst>
+                                        </p:cTn>
+                                        <p:tgtEl>
+                                          <p:spTgt spid="9"/>
+                                        </p:tgtEl>
+                                        <p:attrNameLst>
+                                          <p:attrName>style.visibility</p:attrName>
+                                        </p:attrNameLst>
+                                      </p:cBhvr>
+                                      <p:to>
+                                        <p:strVal val="visible"/>
+                                      </p:to>
+                                    </p:set>
+                                  </p:childTnLst>
+                                </p:cTn>
+                              </p:par>
+                              <p:par>
+                                <p:cTn id="15" presetID="1" presetClass="entr" presetSubtype="0" fill="hold" grpId="0" nodeType="withEffect">
+                                  <p:stCondLst>
+                                    <p:cond delay="0"/>
+                                  </p:stCondLst>
+                                  <p:childTnLst>
+                                    <p:set>
+                                      <p:cBhvr>
+                                        <p:cTn id="16" dur="1" fill="hold">
+                                          <p:stCondLst>
+                                            <p:cond delay="0"/>
+                                          </p:stCondLst>
+                                        </p:cTn>
+                                        <p:tgtEl>
+                                          <p:spTgt spid="10"/>
+                                        </p:tgtEl>
+                                        <p:attrNameLst>
+                                          <p:attrName>style.visibility</p:attrName>
+                                        </p:attrNameLst>
+                                      </p:cBhvr>
+                                      <p:to>
+                                        <p:strVal val="visible"/>
+                                      </p:to>
+                                    </p:set>
+                                  </p:childTnLst>
+                                </p:cTn>
+                              </p:par>
+                              <p:par>
+                                <p:cTn id="17" presetID="1" presetClass="entr" presetSubtype="0" fill="hold" grpId="0" nodeType="withEffect">
+                                  <p:stCondLst>
+                                    <p:cond delay="0"/>
+                                  </p:stCondLst>
+                                  <p:childTnLst>
+                                    <p:set>
+                                      <p:cBhvr>
+                                        <p:cTn id="18" dur="1" fill="hold">
+                                          <p:stCondLst>
+                                            <p:cond delay="0"/>
+                                          </p:stCondLst>
+                                        </p:cTn>
+                                        <p:tgtEl>
+                                          <p:spTgt spid="11"/>
+                                        </p:tgtEl>
+                                        <p:attrNameLst>
+                                          <p:attrName>style.visibility</p:attrName>
+                                        </p:attrNameLst>
+                                      </p:cBhvr>
+                                      <p:to>
+                                        <p:strVal val="visible"/>
+                                      </p:to>
+                                    </p:set>
+                                  </p:childTnLst>
+                                </p:cTn>
+                              </p:par>
+                            </p:childTnLst>
+                          </p:cTn>
+                        </p:par>
+                      </p:childTnLst>
+                    </p:cTn>
+                  </p:par>
+                  <p:par>
+                    <p:cTn id="19" fill="hold">
+                      <p:stCondLst>
+                        <p:cond delay="indefinite"/>
+                      </p:stCondLst>
+                      <p:childTnLst>
+                        <p:par>
+                          <p:cTn id="20" fill="hold">
+                            <p:stCondLst>
+                              <p:cond delay="0"/>
+                            </p:stCondLst>
+                            <p:childTnLst>
+                              <p:par>
+                                <p:cTn id="21" presetID="1" presetClass="entr" presetSubtype="0" fill="hold" grpId="0" nodeType="clickEffect">
+                                  <p:stCondLst>
+                                    <p:cond delay="0"/>
+                                  </p:stCondLst>
+                                  <p:childTnLst>
+                                    <p:set>
+                                      <p:cBhvr>
+                                        <p:cTn id="22" dur="1" fill="hold">
+                                          <p:stCondLst>
+                                            <p:cond delay="0"/>
+                                          </p:stCondLst>
+                                        </p:cTn>
+                                        <p:tgtEl>
+                                          <p:spTgt spid="6"/>
+                                        </p:tgtEl>
+                                        <p:attrNameLst>
+                                          <p:attrName>style.visibility</p:attrName>
+                                        </p:attrNameLst>
+                                      </p:cBhvr>
+                                      <p:to>
+                                        <p:strVal val="visible"/>
+                                      </p:to>
+                                    </p:set>
+                                  </p:childTnLst>
+                                </p:cTn>
+                              </p:par>
+                            </p:childTnLst>
+                          </p:cTn>
+                        </p:par>
+                      </p:childTnLst>
+                    </p:cTn>
+                  </p:par>
+                </p:childTnLst>
+              </p:cTn>
+              <p:prevCondLst>
+                <p:cond evt="onPrev" delay="0">
+                  <p:tgtEl>
+                    <p:sldTgt/>
+                  </p:tgtEl>
+                </p:cond>
+              </p:prevCondLst>
+              <p:nextCondLst>
+                <p:cond evt="onNext" delay="0">
+                  <p:tgtEl>
+                    <p:sldTgt/>
+                  </p:tgtEl>
+                </p:cond>
+              </p:nextCondLst>
+            </p:seq>
+          </p:childTnLst>
+        </p:cTn>
+      </p:par>
+    </p:tnLst>
+    <p:bldLst>
+      <p:bldP spid="6" grpId="0" animBg="1"/>
+      <p:bldP spid="7" grpId="0" animBg="1"/>
+      <p:bldP spid="8" grpId="0" animBg="1"/>
+      <p:bldP spid="9" grpId="0" animBg="1"/>
+      <p:bldP spid="10" grpId="0" animBg="1"/>
+      <p:bldP spid="11" grpId="0" animBg="1"/>
+    </p:bldLst>
+  </p:timing>
+</p:sld>
+</file>
+
+<file path=ppt/slides/slide26.xml><?xml version="1.0" encoding="utf-8"?>
+<p:sld xmlns:a="http://schemas.openxmlformats.org/drawingml/2006/main" xmlns:r="http://schemas.openxmlformats.org/officeDocument/2006/relationships" xmlns:p="http://schemas.openxmlformats.org/presentationml/2006/main">
+  <p:cSld>
+    <p:spTree>
+      <p:nvGrpSpPr>
+        <p:cNvPr id="1" name=""/>
+        <p:cNvGrpSpPr/>
+        <p:nvPr/>
+      </p:nvGrpSpPr>
+      <p:grpSpPr>
+        <a:xfrm>
+          <a:off x="0" y="0"/>
+          <a:ext cx="0" cy="0"/>
+          <a:chOff x="0" y="0"/>
+          <a:chExt cx="0" cy="0"/>
+        </a:xfrm>
+      </p:grpSpPr>
       <p:pic>
         <p:nvPicPr>
           <p:cNvPr id="3074" name="Picture 2" descr="The Best Way to Learn SQL - Learn to code in 30 Days!"/>
@@ -16111,7 +17289,7 @@
 </p:sld>
 </file>
 
-<file path=ppt/slides/slide26.xml><?xml version="1.0" encoding="utf-8"?>
+<file path=ppt/slides/slide27.xml><?xml version="1.0" encoding="utf-8"?>
 <p:sld xmlns:a="http://schemas.openxmlformats.org/drawingml/2006/main" xmlns:r="http://schemas.openxmlformats.org/officeDocument/2006/relationships" xmlns:p="http://schemas.openxmlformats.org/presentationml/2006/main">
   <p:cSld>
     <p:spTree>
@@ -16595,7 +17773,7 @@
             <a:fld id="{2BF067CD-8E6B-4360-9AA8-C5DF2A48A6D1}" type="slidenum">
               <a:rPr lang="en-US" noProof="0" smtClean="0"/>
               <a:pPr/>
-              <a:t>26</a:t>
+              <a:t>27</a:t>
             </a:fld>
             <a:endParaRPr lang="en-US" noProof="0" dirty="0"/>
           </a:p>
@@ -16875,7 +18053,7 @@
 </p:sld>
 </file>
 
-<file path=ppt/slides/slide27.xml><?xml version="1.0" encoding="utf-8"?>
+<file path=ppt/slides/slide28.xml><?xml version="1.0" encoding="utf-8"?>
 <p:sld xmlns:a="http://schemas.openxmlformats.org/drawingml/2006/main" xmlns:r="http://schemas.openxmlformats.org/officeDocument/2006/relationships" xmlns:p="http://schemas.openxmlformats.org/presentationml/2006/main">
   <p:cSld>
     <p:spTree>
@@ -17466,7 +18644,7 @@
             <a:fld id="{2BF067CD-8E6B-4360-9AA8-C5DF2A48A6D1}" type="slidenum">
               <a:rPr lang="en-US" noProof="0" smtClean="0"/>
               <a:pPr/>
-              <a:t>27</a:t>
+              <a:t>28</a:t>
             </a:fld>
             <a:endParaRPr lang="en-US" noProof="0" dirty="0"/>
           </a:p>
@@ -17833,7 +19011,7 @@
 </p:sld>
 </file>
 
-<file path=ppt/slides/slide28.xml><?xml version="1.0" encoding="utf-8"?>
+<file path=ppt/slides/slide29.xml><?xml version="1.0" encoding="utf-8"?>
 <p:sld xmlns:a="http://schemas.openxmlformats.org/drawingml/2006/main" xmlns:r="http://schemas.openxmlformats.org/officeDocument/2006/relationships" xmlns:p="http://schemas.openxmlformats.org/presentationml/2006/main">
   <p:cSld>
     <p:spTree>
@@ -18046,7 +19224,7 @@
             <a:fld id="{2BF067CD-8E6B-4360-9AA8-C5DF2A48A6D1}" type="slidenum">
               <a:rPr lang="en-US" noProof="0" smtClean="0"/>
               <a:pPr/>
-              <a:t>28</a:t>
+              <a:t>29</a:t>
             </a:fld>
             <a:endParaRPr lang="en-US" noProof="0" dirty="0"/>
           </a:p>
@@ -18250,7 +19428,153 @@
 </p:sld>
 </file>
 
-<file path=ppt/slides/slide29.xml><?xml version="1.0" encoding="utf-8"?>
+<file path=ppt/slides/slide3.xml><?xml version="1.0" encoding="utf-8"?>
+<p:sld xmlns:a="http://schemas.openxmlformats.org/drawingml/2006/main" xmlns:r="http://schemas.openxmlformats.org/officeDocument/2006/relationships" xmlns:p="http://schemas.openxmlformats.org/presentationml/2006/main">
+  <p:cSld>
+    <p:spTree>
+      <p:nvGrpSpPr>
+        <p:cNvPr id="1" name=""/>
+        <p:cNvGrpSpPr/>
+        <p:nvPr/>
+      </p:nvGrpSpPr>
+      <p:grpSpPr>
+        <a:xfrm>
+          <a:off x="0" y="0"/>
+          <a:ext cx="0" cy="0"/>
+          <a:chOff x="0" y="0"/>
+          <a:chExt cx="0" cy="0"/>
+        </a:xfrm>
+      </p:grpSpPr>
+      <p:pic>
+        <p:nvPicPr>
+          <p:cNvPr id="6" name="Picture 4" descr="Ð ÐµÐ·ÑÐ»ÑÐ°Ñ Ñ Ð¸Ð·Ð¾Ð±ÑÐ°Ð¶ÐµÐ½Ð¸Ðµ Ð·Ð° sql server express png">
+            <a:extLst>
+              <a:ext uri="{FF2B5EF4-FFF2-40B4-BE49-F238E27FC236}">
+                <a16:creationId xmlns:a16="http://schemas.microsoft.com/office/drawing/2014/main" id="{ABA81264-79EA-4C61-B859-F609E78C6876}"/>
+              </a:ext>
+            </a:extLst>
+          </p:cNvPr>
+          <p:cNvPicPr>
+            <a:picLocks noChangeAspect="1" noChangeArrowheads="1"/>
+          </p:cNvPicPr>
+          <p:nvPr/>
+        </p:nvPicPr>
+        <p:blipFill>
+          <a:blip r:embed="rId2" cstate="print">
+            <a:extLst>
+              <a:ext uri="{28A0092B-C50C-407E-A947-70E740481C1C}">
+                <a14:useLocalDpi xmlns:a14="http://schemas.microsoft.com/office/drawing/2010/main" val="0"/>
+              </a:ext>
+            </a:extLst>
+          </a:blip>
+          <a:srcRect/>
+          <a:stretch>
+            <a:fillRect/>
+          </a:stretch>
+        </p:blipFill>
+        <p:spPr bwMode="auto">
+          <a:xfrm>
+            <a:off x="4675658" y="1384495"/>
+            <a:ext cx="2840683" cy="2305483"/>
+          </a:xfrm>
+          <a:prstGeom prst="rect">
+            <a:avLst/>
+          </a:prstGeom>
+          <a:noFill/>
+          <a:extLst>
+            <a:ext uri="{909E8E84-426E-40DD-AFC4-6F175D3DCCD1}">
+              <a14:hiddenFill xmlns:a14="http://schemas.microsoft.com/office/drawing/2010/main">
+                <a:solidFill>
+                  <a:srgbClr val="FFFFFF"/>
+                </a:solidFill>
+              </a14:hiddenFill>
+            </a:ext>
+          </a:extLst>
+        </p:spPr>
+      </p:pic>
+      <p:sp>
+        <p:nvSpPr>
+          <p:cNvPr id="5" name="Подзаглавие 4">
+            <a:extLst>
+              <a:ext uri="{FF2B5EF4-FFF2-40B4-BE49-F238E27FC236}">
+                <a16:creationId xmlns:a16="http://schemas.microsoft.com/office/drawing/2014/main" id="{8AE6A1FD-951B-BB4F-EC39-C1D0F100F2CE}"/>
+              </a:ext>
+            </a:extLst>
+          </p:cNvPr>
+          <p:cNvSpPr>
+            <a:spLocks noGrp="1"/>
+          </p:cNvSpPr>
+          <p:nvPr>
+            <p:ph type="subTitle" sz="quarter" idx="11"/>
+          </p:nvPr>
+        </p:nvSpPr>
+        <p:spPr/>
+        <p:txBody>
+          <a:bodyPr/>
+          <a:lstStyle/>
+          <a:p>
+            <a:r>
+              <a:rPr lang="bg-BG"/>
+              <a:t>Запознаване с </a:t>
+            </a:r>
+            <a:r>
+              <a:rPr lang="en-US"/>
+              <a:t>SQL Server </a:t>
+            </a:r>
+            <a:endParaRPr lang="bg-BG"/>
+          </a:p>
+        </p:txBody>
+      </p:sp>
+      <p:sp>
+        <p:nvSpPr>
+          <p:cNvPr id="8" name="Заглавие 7">
+            <a:extLst>
+              <a:ext uri="{FF2B5EF4-FFF2-40B4-BE49-F238E27FC236}">
+                <a16:creationId xmlns:a16="http://schemas.microsoft.com/office/drawing/2014/main" id="{28CC101B-D563-EFCE-ADE9-2241D6CCD10D}"/>
+              </a:ext>
+            </a:extLst>
+          </p:cNvPr>
+          <p:cNvSpPr>
+            <a:spLocks noGrp="1"/>
+          </p:cNvSpPr>
+          <p:nvPr>
+            <p:ph type="title" sz="quarter" idx="10"/>
+          </p:nvPr>
+        </p:nvSpPr>
+        <p:spPr/>
+        <p:txBody>
+          <a:bodyPr/>
+          <a:lstStyle/>
+          <a:p>
+            <a:r>
+              <a:rPr lang="bg-BG"/>
+              <a:t>Същност и архитектура</a:t>
+            </a:r>
+          </a:p>
+        </p:txBody>
+      </p:sp>
+    </p:spTree>
+    <p:extLst>
+      <p:ext uri="{BB962C8B-B14F-4D97-AF65-F5344CB8AC3E}">
+        <p14:creationId xmlns:p14="http://schemas.microsoft.com/office/powerpoint/2010/main" val="1198903873"/>
+      </p:ext>
+    </p:extLst>
+  </p:cSld>
+  <p:clrMapOvr>
+    <a:masterClrMapping/>
+  </p:clrMapOvr>
+  <mc:AlternateContent xmlns:mc="http://schemas.openxmlformats.org/markup-compatibility/2006" xmlns:p14="http://schemas.microsoft.com/office/powerpoint/2010/main">
+    <mc:Choice Requires="p14">
+      <p:transition spd="slow" p14:dur="2000" advClick="0" advTm="5000"/>
+    </mc:Choice>
+    <mc:Fallback xmlns="">
+      <p:transition spd="slow" advClick="0" advTm="5000"/>
+    </mc:Fallback>
+  </mc:AlternateContent>
+</p:sld>
+</file>
+
+<file path=ppt/slides/slide30.xml><?xml version="1.0" encoding="utf-8"?>
 <p:sld xmlns:a="http://schemas.openxmlformats.org/drawingml/2006/main" xmlns:r="http://schemas.openxmlformats.org/officeDocument/2006/relationships" xmlns:p="http://schemas.openxmlformats.org/presentationml/2006/main">
   <p:cSld>
     <p:spTree>
@@ -18582,7 +19906,7 @@
             <a:fld id="{2BF067CD-8E6B-4360-9AA8-C5DF2A48A6D1}" type="slidenum">
               <a:rPr lang="en-US" noProof="0" smtClean="0"/>
               <a:pPr/>
-              <a:t>29</a:t>
+              <a:t>30</a:t>
             </a:fld>
             <a:endParaRPr lang="en-US" noProof="0" dirty="0"/>
           </a:p>
@@ -18688,153 +20012,7 @@
 </p:sld>
 </file>
 
-<file path=ppt/slides/slide3.xml><?xml version="1.0" encoding="utf-8"?>
-<p:sld xmlns:a="http://schemas.openxmlformats.org/drawingml/2006/main" xmlns:r="http://schemas.openxmlformats.org/officeDocument/2006/relationships" xmlns:p="http://schemas.openxmlformats.org/presentationml/2006/main">
-  <p:cSld>
-    <p:spTree>
-      <p:nvGrpSpPr>
-        <p:cNvPr id="1" name=""/>
-        <p:cNvGrpSpPr/>
-        <p:nvPr/>
-      </p:nvGrpSpPr>
-      <p:grpSpPr>
-        <a:xfrm>
-          <a:off x="0" y="0"/>
-          <a:ext cx="0" cy="0"/>
-          <a:chOff x="0" y="0"/>
-          <a:chExt cx="0" cy="0"/>
-        </a:xfrm>
-      </p:grpSpPr>
-      <p:pic>
-        <p:nvPicPr>
-          <p:cNvPr id="6" name="Picture 4" descr="Ð ÐµÐ·ÑÐ»ÑÐ°Ñ Ñ Ð¸Ð·Ð¾Ð±ÑÐ°Ð¶ÐµÐ½Ð¸Ðµ Ð·Ð° sql server express png">
-            <a:extLst>
-              <a:ext uri="{FF2B5EF4-FFF2-40B4-BE49-F238E27FC236}">
-                <a16:creationId xmlns:a16="http://schemas.microsoft.com/office/drawing/2014/main" id="{ABA81264-79EA-4C61-B859-F609E78C6876}"/>
-              </a:ext>
-            </a:extLst>
-          </p:cNvPr>
-          <p:cNvPicPr>
-            <a:picLocks noChangeAspect="1" noChangeArrowheads="1"/>
-          </p:cNvPicPr>
-          <p:nvPr/>
-        </p:nvPicPr>
-        <p:blipFill>
-          <a:blip r:embed="rId2" cstate="print">
-            <a:extLst>
-              <a:ext uri="{28A0092B-C50C-407E-A947-70E740481C1C}">
-                <a14:useLocalDpi xmlns:a14="http://schemas.microsoft.com/office/drawing/2010/main" val="0"/>
-              </a:ext>
-            </a:extLst>
-          </a:blip>
-          <a:srcRect/>
-          <a:stretch>
-            <a:fillRect/>
-          </a:stretch>
-        </p:blipFill>
-        <p:spPr bwMode="auto">
-          <a:xfrm>
-            <a:off x="4675658" y="1384495"/>
-            <a:ext cx="2840683" cy="2305483"/>
-          </a:xfrm>
-          <a:prstGeom prst="rect">
-            <a:avLst/>
-          </a:prstGeom>
-          <a:noFill/>
-          <a:extLst>
-            <a:ext uri="{909E8E84-426E-40DD-AFC4-6F175D3DCCD1}">
-              <a14:hiddenFill xmlns:a14="http://schemas.microsoft.com/office/drawing/2010/main">
-                <a:solidFill>
-                  <a:srgbClr val="FFFFFF"/>
-                </a:solidFill>
-              </a14:hiddenFill>
-            </a:ext>
-          </a:extLst>
-        </p:spPr>
-      </p:pic>
-      <p:sp>
-        <p:nvSpPr>
-          <p:cNvPr id="5" name="Подзаглавие 4">
-            <a:extLst>
-              <a:ext uri="{FF2B5EF4-FFF2-40B4-BE49-F238E27FC236}">
-                <a16:creationId xmlns:a16="http://schemas.microsoft.com/office/drawing/2014/main" id="{8AE6A1FD-951B-BB4F-EC39-C1D0F100F2CE}"/>
-              </a:ext>
-            </a:extLst>
-          </p:cNvPr>
-          <p:cNvSpPr>
-            <a:spLocks noGrp="1"/>
-          </p:cNvSpPr>
-          <p:nvPr>
-            <p:ph type="subTitle" sz="quarter" idx="11"/>
-          </p:nvPr>
-        </p:nvSpPr>
-        <p:spPr/>
-        <p:txBody>
-          <a:bodyPr/>
-          <a:lstStyle/>
-          <a:p>
-            <a:r>
-              <a:rPr lang="bg-BG"/>
-              <a:t>Запознаване с </a:t>
-            </a:r>
-            <a:r>
-              <a:rPr lang="en-US"/>
-              <a:t>SQL Server </a:t>
-            </a:r>
-            <a:endParaRPr lang="bg-BG"/>
-          </a:p>
-        </p:txBody>
-      </p:sp>
-      <p:sp>
-        <p:nvSpPr>
-          <p:cNvPr id="8" name="Заглавие 7">
-            <a:extLst>
-              <a:ext uri="{FF2B5EF4-FFF2-40B4-BE49-F238E27FC236}">
-                <a16:creationId xmlns:a16="http://schemas.microsoft.com/office/drawing/2014/main" id="{28CC101B-D563-EFCE-ADE9-2241D6CCD10D}"/>
-              </a:ext>
-            </a:extLst>
-          </p:cNvPr>
-          <p:cNvSpPr>
-            <a:spLocks noGrp="1"/>
-          </p:cNvSpPr>
-          <p:nvPr>
-            <p:ph type="title" sz="quarter" idx="10"/>
-          </p:nvPr>
-        </p:nvSpPr>
-        <p:spPr/>
-        <p:txBody>
-          <a:bodyPr/>
-          <a:lstStyle/>
-          <a:p>
-            <a:r>
-              <a:rPr lang="bg-BG"/>
-              <a:t>Същност и архитектура</a:t>
-            </a:r>
-          </a:p>
-        </p:txBody>
-      </p:sp>
-    </p:spTree>
-    <p:extLst>
-      <p:ext uri="{BB962C8B-B14F-4D97-AF65-F5344CB8AC3E}">
-        <p14:creationId xmlns:p14="http://schemas.microsoft.com/office/powerpoint/2010/main" val="1198903873"/>
-      </p:ext>
-    </p:extLst>
-  </p:cSld>
-  <p:clrMapOvr>
-    <a:masterClrMapping/>
-  </p:clrMapOvr>
-  <mc:AlternateContent xmlns:mc="http://schemas.openxmlformats.org/markup-compatibility/2006" xmlns:p14="http://schemas.microsoft.com/office/powerpoint/2010/main">
-    <mc:Choice Requires="p14">
-      <p:transition spd="slow" p14:dur="2000" advClick="0" advTm="5000"/>
-    </mc:Choice>
-    <mc:Fallback xmlns="">
-      <p:transition spd="slow" advClick="0" advTm="5000"/>
-    </mc:Fallback>
-  </mc:AlternateContent>
-</p:sld>
-</file>
-
-<file path=ppt/slides/slide30.xml><?xml version="1.0" encoding="utf-8"?>
+<file path=ppt/slides/slide31.xml><?xml version="1.0" encoding="utf-8"?>
 <p:sld xmlns:a="http://schemas.openxmlformats.org/drawingml/2006/main" xmlns:r="http://schemas.openxmlformats.org/officeDocument/2006/relationships" xmlns:p="http://schemas.openxmlformats.org/presentationml/2006/main">
   <p:cSld>
     <p:spTree>
@@ -19796,7 +20974,7 @@
             <a:fld id="{2BF067CD-8E6B-4360-9AA8-C5DF2A48A6D1}" type="slidenum">
               <a:rPr lang="en-US" noProof="0" smtClean="0"/>
               <a:pPr/>
-              <a:t>30</a:t>
+              <a:t>31</a:t>
             </a:fld>
             <a:endParaRPr lang="en-US" noProof="0" dirty="0"/>
           </a:p>
@@ -19951,7 +21129,7 @@
 </p:sld>
 </file>
 
-<file path=ppt/slides/slide31.xml><?xml version="1.0" encoding="utf-8"?>
+<file path=ppt/slides/slide32.xml><?xml version="1.0" encoding="utf-8"?>
 <p:sld xmlns:a="http://schemas.openxmlformats.org/drawingml/2006/main" xmlns:r="http://schemas.openxmlformats.org/officeDocument/2006/relationships" xmlns:p="http://schemas.openxmlformats.org/presentationml/2006/main">
   <p:cSld>
     <p:spTree>
@@ -20141,7 +21319,7 @@
 </p:sld>
 </file>
 
-<file path=ppt/slides/slide32.xml><?xml version="1.0" encoding="utf-8"?>
+<file path=ppt/slides/slide33.xml><?xml version="1.0" encoding="utf-8"?>
 <p:sld xmlns:a="http://schemas.openxmlformats.org/drawingml/2006/main" xmlns:r="http://schemas.openxmlformats.org/officeDocument/2006/relationships" xmlns:p="http://schemas.openxmlformats.org/presentationml/2006/main">
   <p:cSld>
     <p:spTree>
@@ -20497,7 +21675,7 @@
             <a:fld id="{2BF067CD-8E6B-4360-9AA8-C5DF2A48A6D1}" type="slidenum">
               <a:rPr lang="en-US" noProof="0" smtClean="0"/>
               <a:pPr/>
-              <a:t>32</a:t>
+              <a:t>33</a:t>
             </a:fld>
             <a:endParaRPr lang="en-US" noProof="0" dirty="0"/>
           </a:p>

--- a/Courses/Software-Sciences/Module-3-Databases-New/03-Intro-to-MS-SQL-Server/03-Intro-to-MS-SQL-Server.pptx
+++ b/Courses/Software-Sciences/Module-3-Databases-New/03-Intro-to-MS-SQL-Server/03-Intro-to-MS-SQL-Server.pptx
@@ -407,7 +407,7 @@
           <a:p>
             <a:fld id="{4E087215-0C8F-4762-A664-737A353EC9A4}" type="datetimeFigureOut">
               <a:rPr lang="bg-BG" smtClean="0"/>
-              <a:t>25.2.2024 г.</a:t>
+              <a:t>12.07.24 г.</a:t>
             </a:fld>
             <a:endParaRPr lang="bg-BG"/>
           </a:p>
@@ -603,7 +603,7 @@
           <a:p>
             <a:fld id="{72D84649-876A-46C9-8472-14CB09C070D8}" type="datetimeFigureOut">
               <a:rPr lang="en-US" smtClean="0"/>
-              <a:t>2/25/2024</a:t>
+              <a:t>7/12/24</a:t>
             </a:fld>
             <a:endParaRPr lang="en-US"/>
           </a:p>
@@ -22233,7 +22233,7 @@
         <p:spPr/>
         <p:txBody>
           <a:bodyPr>
-            <a:normAutofit fontScale="92500" lnSpcReduction="10000"/>
+            <a:normAutofit lnSpcReduction="10000"/>
           </a:bodyPr>
           <a:lstStyle/>
           <a:p>
@@ -22286,16 +22286,7 @@
             <a:pPr lvl="1"/>
             <a:r>
               <a:rPr lang="bg-BG" dirty="0"/>
-              <a:t>Файлове с данни и </a:t>
-            </a:r>
-          </a:p>
-          <a:p>
-            <a:pPr lvl="1">
-              <a:buNone/>
-            </a:pPr>
-            <a:r>
-              <a:rPr lang="bg-BG" dirty="0"/>
-              <a:t>регистрационни файлове</a:t>
+              <a:t>Файлове с данни </a:t>
             </a:r>
             <a:endParaRPr lang="en-US" dirty="0"/>
           </a:p>
@@ -22304,6 +22295,21 @@
             <a:r>
               <a:rPr lang="bg-BG" dirty="0"/>
               <a:t>Страници с данни</a:t>
+            </a:r>
+            <a:r>
+              <a:rPr lang="en-US" dirty="0"/>
+              <a:t> </a:t>
+            </a:r>
+            <a:br>
+              <a:rPr lang="bg-BG" dirty="0"/>
+            </a:br>
+            <a:r>
+              <a:rPr lang="en-US" dirty="0"/>
+              <a:t>(</a:t>
+            </a:r>
+            <a:r>
+              <a:rPr lang="bg-BG" dirty="0"/>
+              <a:t>логове)</a:t>
             </a:r>
             <a:endParaRPr lang="en-US" dirty="0"/>
           </a:p>
@@ -24837,55 +24843,6 @@
                       </p:childTnLst>
                     </p:cTn>
                   </p:par>
-                  <p:par>
-                    <p:cTn id="55" fill="hold">
-                      <p:stCondLst>
-                        <p:cond delay="indefinite"/>
-                      </p:stCondLst>
-                      <p:childTnLst>
-                        <p:par>
-                          <p:cTn id="56" fill="hold">
-                            <p:stCondLst>
-                              <p:cond delay="0"/>
-                            </p:stCondLst>
-                            <p:childTnLst>
-                              <p:par>
-                                <p:cTn id="57" presetID="1" presetClass="entr" presetSubtype="0" fill="hold" nodeType="clickEffect">
-                                  <p:stCondLst>
-                                    <p:cond delay="0"/>
-                                  </p:stCondLst>
-                                  <p:childTnLst>
-                                    <p:set>
-                                      <p:cBhvr>
-                                        <p:cTn id="58" dur="1" fill="hold">
-                                          <p:stCondLst>
-                                            <p:cond delay="0"/>
-                                          </p:stCondLst>
-                                        </p:cTn>
-                                        <p:tgtEl>
-                                          <p:spTgt spid="5">
-                                            <p:txEl>
-                                              <p:pRg st="8" end="8"/>
-                                            </p:txEl>
-                                          </p:spTgt>
-                                        </p:tgtEl>
-                                        <p:attrNameLst>
-                                          <p:attrName>style.visibility</p:attrName>
-                                        </p:attrNameLst>
-                                      </p:cBhvr>
-                                      <p:to>
-                                        <p:strVal val="visible"/>
-                                      </p:to>
-                                    </p:set>
-                                  </p:childTnLst>
-                                </p:cTn>
-                              </p:par>
-                            </p:childTnLst>
-                          </p:cTn>
-                        </p:par>
-                      </p:childTnLst>
-                    </p:cTn>
-                  </p:par>
                 </p:childTnLst>
               </p:cTn>
               <p:prevCondLst>
@@ -24964,20 +24921,17 @@
           <a:p>
             <a:r>
               <a:rPr lang="bg-BG" sz="3200" dirty="0"/>
-              <a:t>При инсталацията изберете опцията </a:t>
-            </a:r>
-            <a:r>
-              <a:rPr lang="en-US" sz="3200" dirty="0"/>
-              <a:t>“</a:t>
-            </a:r>
-            <a:r>
-              <a:rPr lang="en-US" b="1" dirty="0"/>
+              <a:t>При инсталацията изберете опцията "</a:t>
+            </a:r>
+            <a:r>
+              <a:rPr lang="en-US" b="1"/>
               <a:t>Download Media</a:t>
             </a:r>
             <a:r>
-              <a:rPr lang="en-US" sz="3200" dirty="0"/>
-              <a:t>”</a:t>
-            </a:r>
+              <a:rPr lang="bg-BG" sz="3200"/>
+              <a:t>"</a:t>
+            </a:r>
+            <a:endParaRPr lang="en-US" sz="3200" dirty="0"/>
           </a:p>
           <a:p>
             <a:endParaRPr lang="en-US" sz="3200" dirty="0"/>

--- a/Courses/Software-Sciences/Module-3-Databases-New/03-Intro-to-MS-SQL-Server/03-Intro-to-MS-SQL-Server.pptx
+++ b/Courses/Software-Sciences/Module-3-Databases-New/03-Intro-to-MS-SQL-Server/03-Intro-to-MS-SQL-Server.pptx
@@ -407,7 +407,7 @@
           <a:p>
             <a:fld id="{4E087215-0C8F-4762-A664-737A353EC9A4}" type="datetimeFigureOut">
               <a:rPr lang="bg-BG" smtClean="0"/>
-              <a:t>12.07.24 г.</a:t>
+              <a:t>13.07.24 г.</a:t>
             </a:fld>
             <a:endParaRPr lang="bg-BG"/>
           </a:p>
@@ -603,7 +603,7 @@
           <a:p>
             <a:fld id="{72D84649-876A-46C9-8472-14CB09C070D8}" type="datetimeFigureOut">
               <a:rPr lang="en-US" smtClean="0"/>
-              <a:t>7/12/24</a:t>
+              <a:t>7/13/24</a:t>
             </a:fld>
             <a:endParaRPr lang="en-US"/>
           </a:p>
@@ -14155,12 +14155,8 @@
               <a:t>таблици и </a:t>
             </a:r>
             <a:r>
-              <a:rPr lang="ru-RU" dirty="0" err="1"/>
-              <a:t>данни</a:t>
-            </a:r>
-            <a:r>
               <a:rPr lang="ru-RU" dirty="0"/>
-              <a:t> в MS SQL Server</a:t>
+              <a:t>данни в MS SQL Server</a:t>
             </a:r>
             <a:endParaRPr lang="bg-BG" dirty="0"/>
           </a:p>
@@ -14876,8 +14872,8 @@
         </p:nvSpPr>
         <p:spPr>
           <a:xfrm>
-            <a:off x="190402" y="1196125"/>
-            <a:ext cx="12001598" cy="5528766"/>
+            <a:off x="190402" y="1196124"/>
+            <a:ext cx="12001598" cy="5967875"/>
           </a:xfrm>
         </p:spPr>
         <p:txBody>
@@ -14936,6 +14932,11 @@
             <a:endParaRPr lang="en-US" dirty="0"/>
           </a:p>
           <a:p>
+            <a:pPr>
+              <a:spcBef>
+                <a:spcPts val="2500"/>
+              </a:spcBef>
+            </a:pPr>
             <a:r>
               <a:rPr lang="bg-BG" sz="3700" dirty="0"/>
               <a:t>Получената информация може да бъде променена чрез</a:t>
@@ -15248,7 +15249,7 @@
         <p:spPr bwMode="auto">
           <a:xfrm>
             <a:off x="3531000" y="5192949"/>
-            <a:ext cx="4320000" cy="441051"/>
+            <a:ext cx="4320000" cy="546231"/>
           </a:xfrm>
           <a:prstGeom prst="wedgeRoundRectCallout">
             <a:avLst>
@@ -15849,7 +15850,7 @@
         </p:nvSpPr>
         <p:spPr bwMode="auto">
           <a:xfrm>
-            <a:off x="5286000" y="5814000"/>
+            <a:off x="5286000" y="5679000"/>
             <a:ext cx="6570000" cy="990000"/>
           </a:xfrm>
           <a:prstGeom prst="wedgeRoundRectCallout">
@@ -21320,7 +21321,7 @@
 </file>
 
 <file path=ppt/slides/slide33.xml><?xml version="1.0" encoding="utf-8"?>
-<p:sld xmlns:a="http://schemas.openxmlformats.org/drawingml/2006/main" xmlns:r="http://schemas.openxmlformats.org/officeDocument/2006/relationships" xmlns:p="http://schemas.openxmlformats.org/presentationml/2006/main">
+<p:sld xmlns:a="http://schemas.openxmlformats.org/drawingml/2006/main" xmlns:r="http://schemas.openxmlformats.org/officeDocument/2006/relationships" xmlns:p="http://schemas.openxmlformats.org/presentationml/2006/main" show="0">
   <p:cSld>
     <p:spTree>
       <p:nvGrpSpPr>
@@ -21691,11 +21692,11 @@
   <p:clrMapOvr>
     <a:masterClrMapping/>
   </p:clrMapOvr>
-  <mc:AlternateContent xmlns:mc="http://schemas.openxmlformats.org/markup-compatibility/2006" xmlns:p14="http://schemas.microsoft.com/office/powerpoint/2010/main">
-    <mc:Choice Requires="p14">
+  <mc:AlternateContent xmlns:mc="http://schemas.openxmlformats.org/markup-compatibility/2006">
+    <mc:Choice xmlns:p14="http://schemas.microsoft.com/office/powerpoint/2010/main" Requires="p14">
       <p:transition spd="slow" p14:dur="2000" advClick="0" advTm="5000"/>
     </mc:Choice>
-    <mc:Fallback xmlns="">
+    <mc:Fallback>
       <p:transition spd="slow" advClick="0" advTm="5000"/>
     </mc:Fallback>
   </mc:AlternateContent>

--- a/Courses/Software-Sciences/Module-3-Databases-New/03-Intro-to-MS-SQL-Server/03-Intro-to-MS-SQL-Server.pptx
+++ b/Courses/Software-Sciences/Module-3-Databases-New/03-Intro-to-MS-SQL-Server/03-Intro-to-MS-SQL-Server.pptx
@@ -5,10 +5,10 @@
     <p:sldMasterId id="2147483675" r:id="rId1"/>
   </p:sldMasterIdLst>
   <p:notesMasterIdLst>
-    <p:notesMasterId r:id="rId37"/>
+    <p:notesMasterId r:id="rId40"/>
   </p:notesMasterIdLst>
   <p:handoutMasterIdLst>
-    <p:handoutMasterId r:id="rId38"/>
+    <p:handoutMasterId r:id="rId41"/>
   </p:handoutMasterIdLst>
   <p:sldIdLst>
     <p:sldId id="1176" r:id="rId2"/>
@@ -28,24 +28,27 @@
     <p:sldId id="1211" r:id="rId16"/>
     <p:sldId id="1224" r:id="rId17"/>
     <p:sldId id="1225" r:id="rId18"/>
-    <p:sldId id="1212" r:id="rId19"/>
-    <p:sldId id="1193" r:id="rId20"/>
-    <p:sldId id="1226" r:id="rId21"/>
-    <p:sldId id="1227" r:id="rId22"/>
-    <p:sldId id="1199" r:id="rId23"/>
-    <p:sldId id="1200" r:id="rId24"/>
-    <p:sldId id="1201" r:id="rId25"/>
-    <p:sldId id="1223" r:id="rId26"/>
-    <p:sldId id="1205" r:id="rId27"/>
-    <p:sldId id="1191" r:id="rId28"/>
-    <p:sldId id="1192" r:id="rId29"/>
-    <p:sldId id="1208" r:id="rId30"/>
-    <p:sldId id="1206" r:id="rId31"/>
-    <p:sldId id="1207" r:id="rId32"/>
-    <p:sldId id="1209" r:id="rId33"/>
-    <p:sldId id="1127" r:id="rId34"/>
-    <p:sldId id="504" r:id="rId35"/>
-    <p:sldId id="505" r:id="rId36"/>
+    <p:sldId id="1228" r:id="rId19"/>
+    <p:sldId id="1212" r:id="rId20"/>
+    <p:sldId id="1193" r:id="rId21"/>
+    <p:sldId id="1226" r:id="rId22"/>
+    <p:sldId id="1229" r:id="rId23"/>
+    <p:sldId id="1227" r:id="rId24"/>
+    <p:sldId id="1230" r:id="rId25"/>
+    <p:sldId id="1199" r:id="rId26"/>
+    <p:sldId id="1200" r:id="rId27"/>
+    <p:sldId id="1201" r:id="rId28"/>
+    <p:sldId id="1223" r:id="rId29"/>
+    <p:sldId id="1205" r:id="rId30"/>
+    <p:sldId id="1191" r:id="rId31"/>
+    <p:sldId id="1192" r:id="rId32"/>
+    <p:sldId id="1208" r:id="rId33"/>
+    <p:sldId id="1206" r:id="rId34"/>
+    <p:sldId id="1207" r:id="rId35"/>
+    <p:sldId id="1209" r:id="rId36"/>
+    <p:sldId id="1127" r:id="rId37"/>
+    <p:sldId id="504" r:id="rId38"/>
+    <p:sldId id="505" r:id="rId39"/>
   </p:sldIdLst>
   <p:sldSz cx="12192000" cy="6858000"/>
   <p:notesSz cx="6858000" cy="9144000"/>
@@ -174,6 +177,7 @@
             <p14:sldId id="1211"/>
             <p14:sldId id="1224"/>
             <p14:sldId id="1225"/>
+            <p14:sldId id="1228"/>
             <p14:sldId id="1212"/>
           </p14:sldIdLst>
         </p14:section>
@@ -181,7 +185,9 @@
           <p14:sldIdLst>
             <p14:sldId id="1193"/>
             <p14:sldId id="1226"/>
+            <p14:sldId id="1229"/>
             <p14:sldId id="1227"/>
+            <p14:sldId id="1230"/>
             <p14:sldId id="1199"/>
             <p14:sldId id="1200"/>
             <p14:sldId id="1201"/>
@@ -407,7 +413,7 @@
           <a:p>
             <a:fld id="{4E087215-0C8F-4762-A664-737A353EC9A4}" type="datetimeFigureOut">
               <a:rPr lang="bg-BG" smtClean="0"/>
-              <a:t>13.07.24 г.</a:t>
+              <a:t>14.7.2024 г.</a:t>
             </a:fld>
             <a:endParaRPr lang="bg-BG"/>
           </a:p>
@@ -603,7 +609,7 @@
           <a:p>
             <a:fld id="{72D84649-876A-46C9-8472-14CB09C070D8}" type="datetimeFigureOut">
               <a:rPr lang="en-US" smtClean="0"/>
-              <a:t>7/13/24</a:t>
+              <a:t>7/14/2024</a:t>
             </a:fld>
             <a:endParaRPr lang="en-US"/>
           </a:p>
@@ -1076,7 +1082,9 @@
         </p:nvSpPr>
         <p:spPr/>
         <p:txBody>
-          <a:bodyPr/>
+          <a:bodyPr>
+            <a:normAutofit/>
+          </a:bodyPr>
           <a:lstStyle/>
           <a:p>
             <a:endParaRPr lang="en-US" dirty="0"/>
@@ -1085,129 +1093,23 @@
       </p:sp>
       <p:sp>
         <p:nvSpPr>
-          <p:cNvPr id="7" name="Slide Number Placeholder 5">
-            <a:extLst>
-              <a:ext uri="{FF2B5EF4-FFF2-40B4-BE49-F238E27FC236}">
-                <a16:creationId xmlns:a16="http://schemas.microsoft.com/office/drawing/2014/main" id="{5049B984-F964-47FF-8179-0A3007CE21CD}"/>
-              </a:ext>
-            </a:extLst>
-          </p:cNvPr>
-          <p:cNvSpPr txBox="1">
-            <a:spLocks/>
+          <p:cNvPr id="4" name="Slide Number Placeholder 3"/>
+          <p:cNvSpPr>
+            <a:spLocks noGrp="1"/>
           </p:cNvSpPr>
-          <p:nvPr/>
+          <p:nvPr>
+            <p:ph type="sldNum" sz="quarter" idx="10"/>
+          </p:nvPr>
         </p:nvSpPr>
-        <p:spPr>
-          <a:xfrm>
-            <a:off x="6488999" y="8847000"/>
-            <a:ext cx="367414" cy="297000"/>
-          </a:xfrm>
-          <a:prstGeom prst="rect">
-            <a:avLst/>
-          </a:prstGeom>
-        </p:spPr>
+        <p:spPr/>
         <p:txBody>
-          <a:bodyPr vert="horz" lIns="91440" tIns="45720" rIns="91440" bIns="45720" rtlCol="0" anchor="b"/>
-          <a:lstStyle>
-            <a:defPPr>
-              <a:defRPr lang="en-US"/>
-            </a:defPPr>
-            <a:lvl1pPr marL="0" algn="r" defTabSz="914400" rtl="0" eaLnBrk="1" latinLnBrk="0" hangingPunct="1">
-              <a:defRPr sz="1200" kern="1200">
-                <a:solidFill>
-                  <a:schemeClr val="tx1"/>
-                </a:solidFill>
-                <a:latin typeface="+mn-lt"/>
-                <a:ea typeface="+mn-ea"/>
-                <a:cs typeface="+mn-cs"/>
-              </a:defRPr>
-            </a:lvl1pPr>
-            <a:lvl2pPr marL="457200" algn="l" defTabSz="914400" rtl="0" eaLnBrk="1" latinLnBrk="0" hangingPunct="1">
-              <a:defRPr sz="1800" kern="1200">
-                <a:solidFill>
-                  <a:schemeClr val="tx1"/>
-                </a:solidFill>
-                <a:latin typeface="+mn-lt"/>
-                <a:ea typeface="+mn-ea"/>
-                <a:cs typeface="+mn-cs"/>
-              </a:defRPr>
-            </a:lvl2pPr>
-            <a:lvl3pPr marL="914400" algn="l" defTabSz="914400" rtl="0" eaLnBrk="1" latinLnBrk="0" hangingPunct="1">
-              <a:defRPr sz="1800" kern="1200">
-                <a:solidFill>
-                  <a:schemeClr val="tx1"/>
-                </a:solidFill>
-                <a:latin typeface="+mn-lt"/>
-                <a:ea typeface="+mn-ea"/>
-                <a:cs typeface="+mn-cs"/>
-              </a:defRPr>
-            </a:lvl3pPr>
-            <a:lvl4pPr marL="1371600" algn="l" defTabSz="914400" rtl="0" eaLnBrk="1" latinLnBrk="0" hangingPunct="1">
-              <a:defRPr sz="1800" kern="1200">
-                <a:solidFill>
-                  <a:schemeClr val="tx1"/>
-                </a:solidFill>
-                <a:latin typeface="+mn-lt"/>
-                <a:ea typeface="+mn-ea"/>
-                <a:cs typeface="+mn-cs"/>
-              </a:defRPr>
-            </a:lvl4pPr>
-            <a:lvl5pPr marL="1828800" algn="l" defTabSz="914400" rtl="0" eaLnBrk="1" latinLnBrk="0" hangingPunct="1">
-              <a:defRPr sz="1800" kern="1200">
-                <a:solidFill>
-                  <a:schemeClr val="tx1"/>
-                </a:solidFill>
-                <a:latin typeface="+mn-lt"/>
-                <a:ea typeface="+mn-ea"/>
-                <a:cs typeface="+mn-cs"/>
-              </a:defRPr>
-            </a:lvl5pPr>
-            <a:lvl6pPr marL="2286000" algn="l" defTabSz="914400" rtl="0" eaLnBrk="1" latinLnBrk="0" hangingPunct="1">
-              <a:defRPr sz="1800" kern="1200">
-                <a:solidFill>
-                  <a:schemeClr val="tx1"/>
-                </a:solidFill>
-                <a:latin typeface="+mn-lt"/>
-                <a:ea typeface="+mn-ea"/>
-                <a:cs typeface="+mn-cs"/>
-              </a:defRPr>
-            </a:lvl6pPr>
-            <a:lvl7pPr marL="2743200" algn="l" defTabSz="914400" rtl="0" eaLnBrk="1" latinLnBrk="0" hangingPunct="1">
-              <a:defRPr sz="1800" kern="1200">
-                <a:solidFill>
-                  <a:schemeClr val="tx1"/>
-                </a:solidFill>
-                <a:latin typeface="+mn-lt"/>
-                <a:ea typeface="+mn-ea"/>
-                <a:cs typeface="+mn-cs"/>
-              </a:defRPr>
-            </a:lvl7pPr>
-            <a:lvl8pPr marL="3200400" algn="l" defTabSz="914400" rtl="0" eaLnBrk="1" latinLnBrk="0" hangingPunct="1">
-              <a:defRPr sz="1800" kern="1200">
-                <a:solidFill>
-                  <a:schemeClr val="tx1"/>
-                </a:solidFill>
-                <a:latin typeface="+mn-lt"/>
-                <a:ea typeface="+mn-ea"/>
-                <a:cs typeface="+mn-cs"/>
-              </a:defRPr>
-            </a:lvl8pPr>
-            <a:lvl9pPr marL="3657600" algn="l" defTabSz="914400" rtl="0" eaLnBrk="1" latinLnBrk="0" hangingPunct="1">
-              <a:defRPr sz="1800" kern="1200">
-                <a:solidFill>
-                  <a:schemeClr val="tx1"/>
-                </a:solidFill>
-                <a:latin typeface="+mn-lt"/>
-                <a:ea typeface="+mn-ea"/>
-                <a:cs typeface="+mn-cs"/>
-              </a:defRPr>
-            </a:lvl9pPr>
-          </a:lstStyle>
-          <a:p>
-            <a:fld id="{3EBA5BD7-F043-4D1B-AA17-CD412FC534DE}" type="slidenum">
+          <a:bodyPr/>
+          <a:lstStyle/>
+          <a:p>
+            <a:fld id="{2BF067CD-8E6B-4360-9AA8-C5DF2A48A6D1}" type="slidenum">
               <a:rPr lang="en-US" smtClean="0"/>
               <a:pPr/>
-              <a:t>34</a:t>
+              <a:t>35</a:t>
             </a:fld>
             <a:endParaRPr lang="en-US" dirty="0"/>
           </a:p>
@@ -1215,10 +1117,10 @@
       </p:sp>
       <p:sp>
         <p:nvSpPr>
-          <p:cNvPr id="5" name="Footer Placeholder 7">
+          <p:cNvPr id="6" name="Footer Placeholder 7">
             <a:extLst>
               <a:ext uri="{FF2B5EF4-FFF2-40B4-BE49-F238E27FC236}">
-                <a16:creationId xmlns:a16="http://schemas.microsoft.com/office/drawing/2014/main" id="{53BF3A64-C1CC-0123-3F1A-73764E2490F0}"/>
+                <a16:creationId xmlns:a16="http://schemas.microsoft.com/office/drawing/2014/main" id="{F78D82EE-0FE6-AAC9-2B93-1693CD587F12}"/>
               </a:ext>
             </a:extLst>
           </p:cNvPr>
@@ -1271,7 +1173,7 @@
     </p:spTree>
     <p:extLst>
       <p:ext uri="{BB962C8B-B14F-4D97-AF65-F5344CB8AC3E}">
-        <p14:creationId xmlns:p14="http://schemas.microsoft.com/office/powerpoint/2010/main" val="1440974784"/>
+        <p14:creationId xmlns:p14="http://schemas.microsoft.com/office/powerpoint/2010/main" val="2466887280"/>
       </p:ext>
     </p:extLst>
   </p:cSld>
@@ -1325,6 +1227,451 @@
           <a:bodyPr/>
           <a:lstStyle/>
           <a:p>
+            <a:endParaRPr lang="en-US" dirty="0"/>
+          </a:p>
+        </p:txBody>
+      </p:sp>
+      <p:sp>
+        <p:nvSpPr>
+          <p:cNvPr id="5" name="Slide Number Placeholder 4"/>
+          <p:cNvSpPr>
+            <a:spLocks noGrp="1"/>
+          </p:cNvSpPr>
+          <p:nvPr>
+            <p:ph type="sldNum" sz="quarter" idx="11"/>
+          </p:nvPr>
+        </p:nvSpPr>
+        <p:spPr/>
+        <p:txBody>
+          <a:bodyPr/>
+          <a:lstStyle/>
+          <a:p>
+            <a:pPr marL="0" marR="0" lvl="0" indent="0" algn="r" defTabSz="914400" rtl="0" eaLnBrk="1" fontAlgn="auto" latinLnBrk="0" hangingPunct="1">
+              <a:lnSpc>
+                <a:spcPct val="100000"/>
+              </a:lnSpc>
+              <a:spcBef>
+                <a:spcPts val="0"/>
+              </a:spcBef>
+              <a:spcAft>
+                <a:spcPts val="0"/>
+              </a:spcAft>
+              <a:buClrTx/>
+              <a:buSzTx/>
+              <a:buFontTx/>
+              <a:buNone/>
+              <a:tabLst/>
+              <a:defRPr/>
+            </a:pPr>
+            <a:fld id="{3EBA5BD7-F043-4D1B-AA17-CD412FC534DE}" type="slidenum">
+              <a:rPr kumimoji="0" lang="en-US" sz="1200" b="0" i="0" u="none" strike="noStrike" kern="1200" cap="none" spc="0" normalizeH="0" baseline="0" noProof="0" smtClean="0">
+                <a:ln>
+                  <a:noFill/>
+                </a:ln>
+                <a:solidFill>
+                  <a:prstClr val="black"/>
+                </a:solidFill>
+                <a:effectLst/>
+                <a:uLnTx/>
+                <a:uFillTx/>
+                <a:latin typeface="Calibri" panose="020F0502020204030204"/>
+                <a:ea typeface="+mn-ea"/>
+                <a:cs typeface="+mn-cs"/>
+              </a:rPr>
+              <a:pPr marL="0" marR="0" lvl="0" indent="0" algn="r" defTabSz="914400" rtl="0" eaLnBrk="1" fontAlgn="auto" latinLnBrk="0" hangingPunct="1">
+                <a:lnSpc>
+                  <a:spcPct val="100000"/>
+                </a:lnSpc>
+                <a:spcBef>
+                  <a:spcPts val="0"/>
+                </a:spcBef>
+                <a:spcAft>
+                  <a:spcPts val="0"/>
+                </a:spcAft>
+                <a:buClrTx/>
+                <a:buSzTx/>
+                <a:buFontTx/>
+                <a:buNone/>
+                <a:tabLst/>
+                <a:defRPr/>
+              </a:pPr>
+              <a:t>36</a:t>
+            </a:fld>
+            <a:endParaRPr kumimoji="0" lang="en-US" sz="1200" b="0" i="0" u="none" strike="noStrike" kern="1200" cap="none" spc="0" normalizeH="0" baseline="0" noProof="0" dirty="0">
+              <a:ln>
+                <a:noFill/>
+              </a:ln>
+              <a:solidFill>
+                <a:prstClr val="black"/>
+              </a:solidFill>
+              <a:effectLst/>
+              <a:uLnTx/>
+              <a:uFillTx/>
+              <a:latin typeface="Calibri" panose="020F0502020204030204"/>
+              <a:ea typeface="+mn-ea"/>
+              <a:cs typeface="+mn-cs"/>
+            </a:endParaRPr>
+          </a:p>
+        </p:txBody>
+      </p:sp>
+      <p:sp>
+        <p:nvSpPr>
+          <p:cNvPr id="4" name="Footer Placeholder 7">
+            <a:extLst>
+              <a:ext uri="{FF2B5EF4-FFF2-40B4-BE49-F238E27FC236}">
+                <a16:creationId xmlns:a16="http://schemas.microsoft.com/office/drawing/2014/main" id="{5FCFC7B7-1C24-6ED3-2477-34E7AF4BC0C3}"/>
+              </a:ext>
+            </a:extLst>
+          </p:cNvPr>
+          <p:cNvSpPr>
+            <a:spLocks noGrp="1"/>
+          </p:cNvSpPr>
+          <p:nvPr>
+            <p:ph type="ftr" sz="quarter" idx="4"/>
+          </p:nvPr>
+        </p:nvSpPr>
+        <p:spPr>
+          <a:xfrm>
+            <a:off x="-1" y="8892000"/>
+            <a:ext cx="6488999" cy="252000"/>
+          </a:xfrm>
+          <a:prstGeom prst="rect">
+            <a:avLst/>
+          </a:prstGeom>
+        </p:spPr>
+        <p:txBody>
+          <a:bodyPr vert="horz" lIns="91440" tIns="45720" rIns="91440" bIns="45720" rtlCol="0" anchor="b"/>
+          <a:lstStyle>
+            <a:lvl1pPr algn="l">
+              <a:defRPr sz="1100"/>
+            </a:lvl1pPr>
+          </a:lstStyle>
+          <a:p>
+            <a:r>
+              <a:rPr lang="bg-BG" sz="1100" dirty="0"/>
+              <a:t>Работна група </a:t>
+            </a:r>
+            <a:r>
+              <a:rPr lang="bg-BG" dirty="0"/>
+              <a:t>"Образование по програмиране и ИТ"</a:t>
+            </a:r>
+            <a:r>
+              <a:rPr lang="bg-BG" sz="1100" dirty="0"/>
+              <a:t>, с подкрепата на </a:t>
+            </a:r>
+            <a:r>
+              <a:rPr lang="en-US" sz="1100" dirty="0">
+                <a:hlinkClick r:id="rId3"/>
+              </a:rPr>
+              <a:t>SoftUni</a:t>
+            </a:r>
+            <a:endParaRPr lang="en-US" sz="1100" dirty="0"/>
+          </a:p>
+        </p:txBody>
+      </p:sp>
+    </p:spTree>
+    <p:extLst>
+      <p:ext uri="{BB962C8B-B14F-4D97-AF65-F5344CB8AC3E}">
+        <p14:creationId xmlns:p14="http://schemas.microsoft.com/office/powerpoint/2010/main" val="1949888808"/>
+      </p:ext>
+    </p:extLst>
+  </p:cSld>
+  <p:clrMapOvr>
+    <a:masterClrMapping/>
+  </p:clrMapOvr>
+</p:notes>
+</file>
+
+<file path=ppt/notesSlides/notesSlide12.xml><?xml version="1.0" encoding="utf-8"?>
+<p:notes xmlns:a="http://schemas.openxmlformats.org/drawingml/2006/main" xmlns:r="http://schemas.openxmlformats.org/officeDocument/2006/relationships" xmlns:p="http://schemas.openxmlformats.org/presentationml/2006/main">
+  <p:cSld>
+    <p:spTree>
+      <p:nvGrpSpPr>
+        <p:cNvPr id="1" name=""/>
+        <p:cNvGrpSpPr/>
+        <p:nvPr/>
+      </p:nvGrpSpPr>
+      <p:grpSpPr>
+        <a:xfrm>
+          <a:off x="0" y="0"/>
+          <a:ext cx="0" cy="0"/>
+          <a:chOff x="0" y="0"/>
+          <a:chExt cx="0" cy="0"/>
+        </a:xfrm>
+      </p:grpSpPr>
+      <p:sp>
+        <p:nvSpPr>
+          <p:cNvPr id="2" name="Slide Image Placeholder 1"/>
+          <p:cNvSpPr>
+            <a:spLocks noGrp="1" noRot="1" noChangeAspect="1"/>
+          </p:cNvSpPr>
+          <p:nvPr>
+            <p:ph type="sldImg"/>
+          </p:nvPr>
+        </p:nvSpPr>
+        <p:spPr/>
+      </p:sp>
+      <p:sp>
+        <p:nvSpPr>
+          <p:cNvPr id="3" name="Notes Placeholder 2"/>
+          <p:cNvSpPr>
+            <a:spLocks noGrp="1"/>
+          </p:cNvSpPr>
+          <p:nvPr>
+            <p:ph type="body" idx="1"/>
+          </p:nvPr>
+        </p:nvSpPr>
+        <p:spPr/>
+        <p:txBody>
+          <a:bodyPr/>
+          <a:lstStyle/>
+          <a:p>
+            <a:endParaRPr lang="en-US" dirty="0"/>
+          </a:p>
+        </p:txBody>
+      </p:sp>
+      <p:sp>
+        <p:nvSpPr>
+          <p:cNvPr id="7" name="Slide Number Placeholder 5">
+            <a:extLst>
+              <a:ext uri="{FF2B5EF4-FFF2-40B4-BE49-F238E27FC236}">
+                <a16:creationId xmlns:a16="http://schemas.microsoft.com/office/drawing/2014/main" id="{5049B984-F964-47FF-8179-0A3007CE21CD}"/>
+              </a:ext>
+            </a:extLst>
+          </p:cNvPr>
+          <p:cNvSpPr txBox="1">
+            <a:spLocks/>
+          </p:cNvSpPr>
+          <p:nvPr/>
+        </p:nvSpPr>
+        <p:spPr>
+          <a:xfrm>
+            <a:off x="6488999" y="8847000"/>
+            <a:ext cx="367414" cy="297000"/>
+          </a:xfrm>
+          <a:prstGeom prst="rect">
+            <a:avLst/>
+          </a:prstGeom>
+        </p:spPr>
+        <p:txBody>
+          <a:bodyPr vert="horz" lIns="91440" tIns="45720" rIns="91440" bIns="45720" rtlCol="0" anchor="b"/>
+          <a:lstStyle>
+            <a:defPPr>
+              <a:defRPr lang="en-US"/>
+            </a:defPPr>
+            <a:lvl1pPr marL="0" algn="r" defTabSz="914400" rtl="0" eaLnBrk="1" latinLnBrk="0" hangingPunct="1">
+              <a:defRPr sz="1200" kern="1200">
+                <a:solidFill>
+                  <a:schemeClr val="tx1"/>
+                </a:solidFill>
+                <a:latin typeface="+mn-lt"/>
+                <a:ea typeface="+mn-ea"/>
+                <a:cs typeface="+mn-cs"/>
+              </a:defRPr>
+            </a:lvl1pPr>
+            <a:lvl2pPr marL="457200" algn="l" defTabSz="914400" rtl="0" eaLnBrk="1" latinLnBrk="0" hangingPunct="1">
+              <a:defRPr sz="1800" kern="1200">
+                <a:solidFill>
+                  <a:schemeClr val="tx1"/>
+                </a:solidFill>
+                <a:latin typeface="+mn-lt"/>
+                <a:ea typeface="+mn-ea"/>
+                <a:cs typeface="+mn-cs"/>
+              </a:defRPr>
+            </a:lvl2pPr>
+            <a:lvl3pPr marL="914400" algn="l" defTabSz="914400" rtl="0" eaLnBrk="1" latinLnBrk="0" hangingPunct="1">
+              <a:defRPr sz="1800" kern="1200">
+                <a:solidFill>
+                  <a:schemeClr val="tx1"/>
+                </a:solidFill>
+                <a:latin typeface="+mn-lt"/>
+                <a:ea typeface="+mn-ea"/>
+                <a:cs typeface="+mn-cs"/>
+              </a:defRPr>
+            </a:lvl3pPr>
+            <a:lvl4pPr marL="1371600" algn="l" defTabSz="914400" rtl="0" eaLnBrk="1" latinLnBrk="0" hangingPunct="1">
+              <a:defRPr sz="1800" kern="1200">
+                <a:solidFill>
+                  <a:schemeClr val="tx1"/>
+                </a:solidFill>
+                <a:latin typeface="+mn-lt"/>
+                <a:ea typeface="+mn-ea"/>
+                <a:cs typeface="+mn-cs"/>
+              </a:defRPr>
+            </a:lvl4pPr>
+            <a:lvl5pPr marL="1828800" algn="l" defTabSz="914400" rtl="0" eaLnBrk="1" latinLnBrk="0" hangingPunct="1">
+              <a:defRPr sz="1800" kern="1200">
+                <a:solidFill>
+                  <a:schemeClr val="tx1"/>
+                </a:solidFill>
+                <a:latin typeface="+mn-lt"/>
+                <a:ea typeface="+mn-ea"/>
+                <a:cs typeface="+mn-cs"/>
+              </a:defRPr>
+            </a:lvl5pPr>
+            <a:lvl6pPr marL="2286000" algn="l" defTabSz="914400" rtl="0" eaLnBrk="1" latinLnBrk="0" hangingPunct="1">
+              <a:defRPr sz="1800" kern="1200">
+                <a:solidFill>
+                  <a:schemeClr val="tx1"/>
+                </a:solidFill>
+                <a:latin typeface="+mn-lt"/>
+                <a:ea typeface="+mn-ea"/>
+                <a:cs typeface="+mn-cs"/>
+              </a:defRPr>
+            </a:lvl6pPr>
+            <a:lvl7pPr marL="2743200" algn="l" defTabSz="914400" rtl="0" eaLnBrk="1" latinLnBrk="0" hangingPunct="1">
+              <a:defRPr sz="1800" kern="1200">
+                <a:solidFill>
+                  <a:schemeClr val="tx1"/>
+                </a:solidFill>
+                <a:latin typeface="+mn-lt"/>
+                <a:ea typeface="+mn-ea"/>
+                <a:cs typeface="+mn-cs"/>
+              </a:defRPr>
+            </a:lvl7pPr>
+            <a:lvl8pPr marL="3200400" algn="l" defTabSz="914400" rtl="0" eaLnBrk="1" latinLnBrk="0" hangingPunct="1">
+              <a:defRPr sz="1800" kern="1200">
+                <a:solidFill>
+                  <a:schemeClr val="tx1"/>
+                </a:solidFill>
+                <a:latin typeface="+mn-lt"/>
+                <a:ea typeface="+mn-ea"/>
+                <a:cs typeface="+mn-cs"/>
+              </a:defRPr>
+            </a:lvl8pPr>
+            <a:lvl9pPr marL="3657600" algn="l" defTabSz="914400" rtl="0" eaLnBrk="1" latinLnBrk="0" hangingPunct="1">
+              <a:defRPr sz="1800" kern="1200">
+                <a:solidFill>
+                  <a:schemeClr val="tx1"/>
+                </a:solidFill>
+                <a:latin typeface="+mn-lt"/>
+                <a:ea typeface="+mn-ea"/>
+                <a:cs typeface="+mn-cs"/>
+              </a:defRPr>
+            </a:lvl9pPr>
+          </a:lstStyle>
+          <a:p>
+            <a:fld id="{3EBA5BD7-F043-4D1B-AA17-CD412FC534DE}" type="slidenum">
+              <a:rPr lang="en-US" smtClean="0"/>
+              <a:pPr/>
+              <a:t>37</a:t>
+            </a:fld>
+            <a:endParaRPr lang="en-US" dirty="0"/>
+          </a:p>
+        </p:txBody>
+      </p:sp>
+      <p:sp>
+        <p:nvSpPr>
+          <p:cNvPr id="5" name="Footer Placeholder 7">
+            <a:extLst>
+              <a:ext uri="{FF2B5EF4-FFF2-40B4-BE49-F238E27FC236}">
+                <a16:creationId xmlns:a16="http://schemas.microsoft.com/office/drawing/2014/main" id="{53BF3A64-C1CC-0123-3F1A-73764E2490F0}"/>
+              </a:ext>
+            </a:extLst>
+          </p:cNvPr>
+          <p:cNvSpPr>
+            <a:spLocks noGrp="1"/>
+          </p:cNvSpPr>
+          <p:nvPr>
+            <p:ph type="ftr" sz="quarter" idx="4"/>
+          </p:nvPr>
+        </p:nvSpPr>
+        <p:spPr>
+          <a:xfrm>
+            <a:off x="-1" y="8892000"/>
+            <a:ext cx="6488999" cy="252000"/>
+          </a:xfrm>
+          <a:prstGeom prst="rect">
+            <a:avLst/>
+          </a:prstGeom>
+        </p:spPr>
+        <p:txBody>
+          <a:bodyPr vert="horz" lIns="91440" tIns="45720" rIns="91440" bIns="45720" rtlCol="0" anchor="b"/>
+          <a:lstStyle>
+            <a:lvl1pPr algn="l">
+              <a:defRPr sz="1100"/>
+            </a:lvl1pPr>
+          </a:lstStyle>
+          <a:p>
+            <a:r>
+              <a:rPr lang="bg-BG" sz="1100" dirty="0"/>
+              <a:t>Работна група </a:t>
+            </a:r>
+            <a:r>
+              <a:rPr lang="bg-BG" dirty="0"/>
+              <a:t>"Образование по програмиране и ИТ"</a:t>
+            </a:r>
+            <a:r>
+              <a:rPr lang="bg-BG" sz="1100" dirty="0"/>
+              <a:t>, с подкрепата на </a:t>
+            </a:r>
+            <a:r>
+              <a:rPr lang="en-US" sz="1100" dirty="0">
+                <a:hlinkClick r:id="rId3"/>
+              </a:rPr>
+              <a:t>SoftUni</a:t>
+            </a:r>
+            <a:endParaRPr lang="en-US" sz="1100" dirty="0"/>
+          </a:p>
+        </p:txBody>
+      </p:sp>
+    </p:spTree>
+    <p:extLst>
+      <p:ext uri="{BB962C8B-B14F-4D97-AF65-F5344CB8AC3E}">
+        <p14:creationId xmlns:p14="http://schemas.microsoft.com/office/powerpoint/2010/main" val="1440974784"/>
+      </p:ext>
+    </p:extLst>
+  </p:cSld>
+  <p:clrMapOvr>
+    <a:masterClrMapping/>
+  </p:clrMapOvr>
+</p:notes>
+</file>
+
+<file path=ppt/notesSlides/notesSlide13.xml><?xml version="1.0" encoding="utf-8"?>
+<p:notes xmlns:a="http://schemas.openxmlformats.org/drawingml/2006/main" xmlns:r="http://schemas.openxmlformats.org/officeDocument/2006/relationships" xmlns:p="http://schemas.openxmlformats.org/presentationml/2006/main">
+  <p:cSld>
+    <p:spTree>
+      <p:nvGrpSpPr>
+        <p:cNvPr id="1" name=""/>
+        <p:cNvGrpSpPr/>
+        <p:nvPr/>
+      </p:nvGrpSpPr>
+      <p:grpSpPr>
+        <a:xfrm>
+          <a:off x="0" y="0"/>
+          <a:ext cx="0" cy="0"/>
+          <a:chOff x="0" y="0"/>
+          <a:chExt cx="0" cy="0"/>
+        </a:xfrm>
+      </p:grpSpPr>
+      <p:sp>
+        <p:nvSpPr>
+          <p:cNvPr id="2" name="Slide Image Placeholder 1"/>
+          <p:cNvSpPr>
+            <a:spLocks noGrp="1" noRot="1" noChangeAspect="1"/>
+          </p:cNvSpPr>
+          <p:nvPr>
+            <p:ph type="sldImg"/>
+          </p:nvPr>
+        </p:nvSpPr>
+        <p:spPr/>
+      </p:sp>
+      <p:sp>
+        <p:nvSpPr>
+          <p:cNvPr id="3" name="Notes Placeholder 2"/>
+          <p:cNvSpPr>
+            <a:spLocks noGrp="1"/>
+          </p:cNvSpPr>
+          <p:nvPr>
+            <p:ph type="body" idx="1"/>
+          </p:nvPr>
+        </p:nvSpPr>
+        <p:spPr/>
+        <p:txBody>
+          <a:bodyPr/>
+          <a:lstStyle/>
+          <a:p>
             <a:endParaRPr lang="en-US"/>
           </a:p>
         </p:txBody>
@@ -1453,7 +1800,7 @@
             <a:fld id="{3EBA5BD7-F043-4D1B-AA17-CD412FC534DE}" type="slidenum">
               <a:rPr lang="en-US" smtClean="0"/>
               <a:pPr/>
-              <a:t>35</a:t>
+              <a:t>38</a:t>
             </a:fld>
             <a:endParaRPr lang="en-US" dirty="0"/>
           </a:p>
@@ -2256,7 +2603,7 @@
           <a:bodyPr/>
           <a:lstStyle/>
           <a:p>
-            <a:endParaRPr lang="x-none" dirty="0"/>
+            <a:endParaRPr lang="en-US" dirty="0"/>
           </a:p>
         </p:txBody>
       </p:sp>
@@ -2277,8 +2624,7 @@
           <a:p>
             <a:fld id="{2BF067CD-8E6B-4360-9AA8-C5DF2A48A6D1}" type="slidenum">
               <a:rPr lang="en-US" smtClean="0"/>
-              <a:pPr/>
-              <a:t>28</a:t>
+              <a:t>18</a:t>
             </a:fld>
             <a:endParaRPr lang="en-US" dirty="0"/>
           </a:p>
@@ -2286,13 +2632,7 @@
       </p:sp>
       <p:sp>
         <p:nvSpPr>
-          <p:cNvPr id="6" name="Footer Placeholder 7">
-            <a:extLst>
-              <a:ext uri="{FF2B5EF4-FFF2-40B4-BE49-F238E27FC236}">
-                <a16:creationId xmlns:a16="http://schemas.microsoft.com/office/drawing/2014/main" id="{728847A1-DB5B-FA49-DCDC-C43B39A3B724}"/>
-              </a:ext>
-            </a:extLst>
-          </p:cNvPr>
+          <p:cNvPr id="5" name="Footer Placeholder 4"/>
           <p:cNvSpPr>
             <a:spLocks noGrp="1"/>
           </p:cNvSpPr>
@@ -2300,37 +2640,25 @@
             <p:ph type="ftr" sz="quarter" idx="4"/>
           </p:nvPr>
         </p:nvSpPr>
-        <p:spPr>
-          <a:xfrm>
-            <a:off x="-1" y="8892000"/>
-            <a:ext cx="6488999" cy="252000"/>
-          </a:xfrm>
-          <a:prstGeom prst="rect">
-            <a:avLst/>
-          </a:prstGeom>
-        </p:spPr>
+        <p:spPr/>
         <p:txBody>
-          <a:bodyPr vert="horz" lIns="91440" tIns="45720" rIns="91440" bIns="45720" rtlCol="0" anchor="b"/>
-          <a:lstStyle>
-            <a:lvl1pPr algn="l">
-              <a:defRPr sz="1100"/>
-            </a:lvl1pPr>
-          </a:lstStyle>
-          <a:p>
-            <a:r>
-              <a:rPr lang="bg-BG" sz="1100" dirty="0"/>
+          <a:bodyPr/>
+          <a:lstStyle/>
+          <a:p>
+            <a:r>
+              <a:rPr lang="bg-BG" sz="1100"/>
               <a:t>Работна група </a:t>
             </a:r>
             <a:r>
-              <a:rPr lang="bg-BG" dirty="0"/>
+              <a:rPr lang="bg-BG"/>
               <a:t>"Образование по програмиране и ИТ"</a:t>
             </a:r>
             <a:r>
-              <a:rPr lang="bg-BG" sz="1100" dirty="0"/>
+              <a:rPr lang="bg-BG" sz="1100"/>
               <a:t>, с подкрепата на </a:t>
             </a:r>
             <a:r>
-              <a:rPr lang="en-US" sz="1100" dirty="0">
+              <a:rPr lang="en-US" sz="1100">
                 <a:hlinkClick r:id="rId3"/>
               </a:rPr>
               <a:t>SoftUni</a:t>
@@ -2342,7 +2670,7 @@
     </p:spTree>
     <p:extLst>
       <p:ext uri="{BB962C8B-B14F-4D97-AF65-F5344CB8AC3E}">
-        <p14:creationId xmlns:p14="http://schemas.microsoft.com/office/powerpoint/2010/main" val="3259131797"/>
+        <p14:creationId xmlns:p14="http://schemas.microsoft.com/office/powerpoint/2010/main" val="3334265265"/>
       </p:ext>
     </p:extLst>
   </p:cSld>
@@ -2393,9 +2721,7 @@
         </p:nvSpPr>
         <p:spPr/>
         <p:txBody>
-          <a:bodyPr>
-            <a:normAutofit/>
-          </a:bodyPr>
+          <a:bodyPr/>
           <a:lstStyle/>
           <a:p>
             <a:endParaRPr lang="en-US" dirty="0"/>
@@ -2409,7 +2735,7 @@
             <a:spLocks noGrp="1"/>
           </p:cNvSpPr>
           <p:nvPr>
-            <p:ph type="sldNum" sz="quarter" idx="10"/>
+            <p:ph type="sldNum" sz="quarter" idx="5"/>
           </p:nvPr>
         </p:nvSpPr>
         <p:spPr/>
@@ -2419,8 +2745,7 @@
           <a:p>
             <a:fld id="{2BF067CD-8E6B-4360-9AA8-C5DF2A48A6D1}" type="slidenum">
               <a:rPr lang="en-US" smtClean="0"/>
-              <a:pPr/>
-              <a:t>32</a:t>
+              <a:t>21</a:t>
             </a:fld>
             <a:endParaRPr lang="en-US" dirty="0"/>
           </a:p>
@@ -2428,13 +2753,7 @@
       </p:sp>
       <p:sp>
         <p:nvSpPr>
-          <p:cNvPr id="6" name="Footer Placeholder 7">
-            <a:extLst>
-              <a:ext uri="{FF2B5EF4-FFF2-40B4-BE49-F238E27FC236}">
-                <a16:creationId xmlns:a16="http://schemas.microsoft.com/office/drawing/2014/main" id="{F78D82EE-0FE6-AAC9-2B93-1693CD587F12}"/>
-              </a:ext>
-            </a:extLst>
-          </p:cNvPr>
+          <p:cNvPr id="5" name="Footer Placeholder 4"/>
           <p:cNvSpPr>
             <a:spLocks noGrp="1"/>
           </p:cNvSpPr>
@@ -2442,37 +2761,25 @@
             <p:ph type="ftr" sz="quarter" idx="4"/>
           </p:nvPr>
         </p:nvSpPr>
-        <p:spPr>
-          <a:xfrm>
-            <a:off x="-1" y="8892000"/>
-            <a:ext cx="6488999" cy="252000"/>
-          </a:xfrm>
-          <a:prstGeom prst="rect">
-            <a:avLst/>
-          </a:prstGeom>
-        </p:spPr>
+        <p:spPr/>
         <p:txBody>
-          <a:bodyPr vert="horz" lIns="91440" tIns="45720" rIns="91440" bIns="45720" rtlCol="0" anchor="b"/>
-          <a:lstStyle>
-            <a:lvl1pPr algn="l">
-              <a:defRPr sz="1100"/>
-            </a:lvl1pPr>
-          </a:lstStyle>
-          <a:p>
-            <a:r>
-              <a:rPr lang="bg-BG" sz="1100" dirty="0"/>
+          <a:bodyPr/>
+          <a:lstStyle/>
+          <a:p>
+            <a:r>
+              <a:rPr lang="bg-BG" sz="1100"/>
               <a:t>Работна група </a:t>
             </a:r>
             <a:r>
-              <a:rPr lang="bg-BG" dirty="0"/>
+              <a:rPr lang="bg-BG"/>
               <a:t>"Образование по програмиране и ИТ"</a:t>
             </a:r>
             <a:r>
-              <a:rPr lang="bg-BG" sz="1100" dirty="0"/>
+              <a:rPr lang="bg-BG" sz="1100"/>
               <a:t>, с подкрепата на </a:t>
             </a:r>
             <a:r>
-              <a:rPr lang="en-US" sz="1100" dirty="0">
+              <a:rPr lang="en-US" sz="1100">
                 <a:hlinkClick r:id="rId3"/>
               </a:rPr>
               <a:t>SoftUni</a:t>
@@ -2484,7 +2791,7 @@
     </p:spTree>
     <p:extLst>
       <p:ext uri="{BB962C8B-B14F-4D97-AF65-F5344CB8AC3E}">
-        <p14:creationId xmlns:p14="http://schemas.microsoft.com/office/powerpoint/2010/main" val="2466887280"/>
+        <p14:creationId xmlns:p14="http://schemas.microsoft.com/office/powerpoint/2010/main" val="768005882"/>
       </p:ext>
     </p:extLst>
   </p:cSld>
@@ -2538,18 +2845,18 @@
           <a:bodyPr/>
           <a:lstStyle/>
           <a:p>
-            <a:endParaRPr lang="en-US" dirty="0"/>
+            <a:endParaRPr lang="x-none" dirty="0"/>
           </a:p>
         </p:txBody>
       </p:sp>
       <p:sp>
         <p:nvSpPr>
-          <p:cNvPr id="5" name="Slide Number Placeholder 4"/>
+          <p:cNvPr id="4" name="Slide Number Placeholder 3"/>
           <p:cNvSpPr>
             <a:spLocks noGrp="1"/>
           </p:cNvSpPr>
           <p:nvPr>
-            <p:ph type="sldNum" sz="quarter" idx="11"/>
+            <p:ph type="sldNum" sz="quarter" idx="5"/>
           </p:nvPr>
         </p:nvSpPr>
         <p:spPr/>
@@ -2557,80 +2864,21 @@
           <a:bodyPr/>
           <a:lstStyle/>
           <a:p>
-            <a:pPr marL="0" marR="0" lvl="0" indent="0" algn="r" defTabSz="914400" rtl="0" eaLnBrk="1" fontAlgn="auto" latinLnBrk="0" hangingPunct="1">
-              <a:lnSpc>
-                <a:spcPct val="100000"/>
-              </a:lnSpc>
-              <a:spcBef>
-                <a:spcPts val="0"/>
-              </a:spcBef>
-              <a:spcAft>
-                <a:spcPts val="0"/>
-              </a:spcAft>
-              <a:buClrTx/>
-              <a:buSzTx/>
-              <a:buFontTx/>
-              <a:buNone/>
-              <a:tabLst/>
-              <a:defRPr/>
-            </a:pPr>
-            <a:fld id="{3EBA5BD7-F043-4D1B-AA17-CD412FC534DE}" type="slidenum">
-              <a:rPr kumimoji="0" lang="en-US" sz="1200" b="0" i="0" u="none" strike="noStrike" kern="1200" cap="none" spc="0" normalizeH="0" baseline="0" noProof="0" smtClean="0">
-                <a:ln>
-                  <a:noFill/>
-                </a:ln>
-                <a:solidFill>
-                  <a:prstClr val="black"/>
-                </a:solidFill>
-                <a:effectLst/>
-                <a:uLnTx/>
-                <a:uFillTx/>
-                <a:latin typeface="Calibri" panose="020F0502020204030204"/>
-                <a:ea typeface="+mn-ea"/>
-                <a:cs typeface="+mn-cs"/>
-              </a:rPr>
-              <a:pPr marL="0" marR="0" lvl="0" indent="0" algn="r" defTabSz="914400" rtl="0" eaLnBrk="1" fontAlgn="auto" latinLnBrk="0" hangingPunct="1">
-                <a:lnSpc>
-                  <a:spcPct val="100000"/>
-                </a:lnSpc>
-                <a:spcBef>
-                  <a:spcPts val="0"/>
-                </a:spcBef>
-                <a:spcAft>
-                  <a:spcPts val="0"/>
-                </a:spcAft>
-                <a:buClrTx/>
-                <a:buSzTx/>
-                <a:buFontTx/>
-                <a:buNone/>
-                <a:tabLst/>
-                <a:defRPr/>
-              </a:pPr>
-              <a:t>33</a:t>
+            <a:fld id="{2BF067CD-8E6B-4360-9AA8-C5DF2A48A6D1}" type="slidenum">
+              <a:rPr lang="en-US" smtClean="0"/>
+              <a:pPr/>
+              <a:t>31</a:t>
             </a:fld>
-            <a:endParaRPr kumimoji="0" lang="en-US" sz="1200" b="0" i="0" u="none" strike="noStrike" kern="1200" cap="none" spc="0" normalizeH="0" baseline="0" noProof="0" dirty="0">
-              <a:ln>
-                <a:noFill/>
-              </a:ln>
-              <a:solidFill>
-                <a:prstClr val="black"/>
-              </a:solidFill>
-              <a:effectLst/>
-              <a:uLnTx/>
-              <a:uFillTx/>
-              <a:latin typeface="Calibri" panose="020F0502020204030204"/>
-              <a:ea typeface="+mn-ea"/>
-              <a:cs typeface="+mn-cs"/>
-            </a:endParaRPr>
+            <a:endParaRPr lang="en-US" dirty="0"/>
           </a:p>
         </p:txBody>
       </p:sp>
       <p:sp>
         <p:nvSpPr>
-          <p:cNvPr id="4" name="Footer Placeholder 7">
+          <p:cNvPr id="6" name="Footer Placeholder 7">
             <a:extLst>
               <a:ext uri="{FF2B5EF4-FFF2-40B4-BE49-F238E27FC236}">
-                <a16:creationId xmlns:a16="http://schemas.microsoft.com/office/drawing/2014/main" id="{5FCFC7B7-1C24-6ED3-2477-34E7AF4BC0C3}"/>
+                <a16:creationId xmlns:a16="http://schemas.microsoft.com/office/drawing/2014/main" id="{728847A1-DB5B-FA49-DCDC-C43B39A3B724}"/>
               </a:ext>
             </a:extLst>
           </p:cNvPr>
@@ -2683,7 +2931,7 @@
     </p:spTree>
     <p:extLst>
       <p:ext uri="{BB962C8B-B14F-4D97-AF65-F5344CB8AC3E}">
-        <p14:creationId xmlns:p14="http://schemas.microsoft.com/office/powerpoint/2010/main" val="1949888808"/>
+        <p14:creationId xmlns:p14="http://schemas.microsoft.com/office/powerpoint/2010/main" val="3259131797"/>
       </p:ext>
     </p:extLst>
   </p:cSld>
@@ -9475,7 +9723,263 @@
           <a:bodyPr/>
           <a:lstStyle/>
           <a:p>
-            <a:endParaRPr lang="bg-BG"/>
+            <a:r>
+              <a:rPr lang="ru-RU" b="1" dirty="0"/>
+              <a:t>SQL Server Management Studio </a:t>
+            </a:r>
+            <a:r>
+              <a:rPr lang="ru-RU" dirty="0"/>
+              <a:t>(</a:t>
+            </a:r>
+            <a:r>
+              <a:rPr lang="ru-RU" b="1" dirty="0">
+                <a:solidFill>
+                  <a:schemeClr val="bg1"/>
+                </a:solidFill>
+              </a:rPr>
+              <a:t>SSMS</a:t>
+            </a:r>
+            <a:r>
+              <a:rPr lang="ru-RU" dirty="0"/>
+              <a:t>) е интегрирана </a:t>
+            </a:r>
+            <a:r>
+              <a:rPr lang="ru-RU" b="1" dirty="0">
+                <a:solidFill>
+                  <a:schemeClr val="bg1"/>
+                </a:solidFill>
+              </a:rPr>
+              <a:t>среда</a:t>
+            </a:r>
+            <a:r>
+              <a:rPr lang="ru-RU" dirty="0"/>
+              <a:t> за </a:t>
+            </a:r>
+            <a:r>
+              <a:rPr lang="ru-RU" b="1" dirty="0">
+                <a:solidFill>
+                  <a:schemeClr val="bg1"/>
+                </a:solidFill>
+              </a:rPr>
+              <a:t>управление</a:t>
+            </a:r>
+            <a:r>
+              <a:rPr lang="ru-RU" dirty="0"/>
+              <a:t> на </a:t>
+            </a:r>
+            <a:r>
+              <a:rPr lang="ru-RU" b="1" dirty="0"/>
+              <a:t>Microsoft SQL Server </a:t>
+            </a:r>
+            <a:r>
+              <a:rPr lang="ru-RU" dirty="0"/>
+              <a:t>инфраструктурат</a:t>
+            </a:r>
+            <a:r>
+              <a:rPr lang="bg-BG" dirty="0"/>
+              <a:t>а</a:t>
+            </a:r>
+            <a:endParaRPr lang="en-US" dirty="0"/>
+          </a:p>
+          <a:p>
+            <a:r>
+              <a:rPr lang="ru-RU" dirty="0"/>
+              <a:t>Предоставя </a:t>
+            </a:r>
+            <a:r>
+              <a:rPr lang="ru-RU" b="1" dirty="0">
+                <a:solidFill>
+                  <a:schemeClr val="bg1"/>
+                </a:solidFill>
+              </a:rPr>
+              <a:t>инструменти</a:t>
+            </a:r>
+            <a:r>
+              <a:rPr lang="ru-RU" dirty="0"/>
+              <a:t> за </a:t>
+            </a:r>
+            <a:r>
+              <a:rPr lang="ru-RU" b="1" dirty="0">
+                <a:solidFill>
+                  <a:schemeClr val="bg1"/>
+                </a:solidFill>
+              </a:rPr>
+              <a:t>конфигуриране</a:t>
+            </a:r>
+            <a:r>
+              <a:rPr lang="ru-RU" dirty="0"/>
+              <a:t>, </a:t>
+            </a:r>
+            <a:r>
+              <a:rPr lang="ru-RU" b="1" dirty="0">
+                <a:solidFill>
+                  <a:schemeClr val="bg1"/>
+                </a:solidFill>
+              </a:rPr>
+              <a:t>управление</a:t>
+            </a:r>
+            <a:r>
+              <a:rPr lang="ru-RU" dirty="0"/>
+              <a:t> и </a:t>
+            </a:r>
+            <a:r>
+              <a:rPr lang="ru-RU" b="1" dirty="0">
+                <a:solidFill>
+                  <a:schemeClr val="bg1"/>
+                </a:solidFill>
+              </a:rPr>
+              <a:t>администриране</a:t>
+            </a:r>
+            <a:r>
+              <a:rPr lang="ru-RU" dirty="0"/>
+              <a:t> на всички компоненти в SQL Server</a:t>
+            </a:r>
+          </a:p>
+          <a:p>
+            <a:r>
+              <a:rPr lang="ru-RU" dirty="0"/>
+              <a:t>Може да се използва за </a:t>
+            </a:r>
+            <a:r>
+              <a:rPr lang="ru-RU" b="1" dirty="0"/>
+              <a:t>разполагане</a:t>
+            </a:r>
+            <a:r>
+              <a:rPr lang="ru-RU" dirty="0"/>
+              <a:t> и </a:t>
+            </a:r>
+            <a:r>
+              <a:rPr lang="ru-RU" b="1" dirty="0"/>
+              <a:t>управление</a:t>
+            </a:r>
+            <a:r>
+              <a:rPr lang="ru-RU" dirty="0"/>
+              <a:t> на </a:t>
+            </a:r>
+            <a:r>
+              <a:rPr lang="ru-RU" b="1" dirty="0"/>
+              <a:t>бази</a:t>
+            </a:r>
+            <a:r>
+              <a:rPr lang="ru-RU" dirty="0"/>
+              <a:t> </a:t>
+            </a:r>
+            <a:r>
+              <a:rPr lang="ru-RU" b="1" dirty="0"/>
+              <a:t>данни</a:t>
+            </a:r>
+            <a:r>
+              <a:rPr lang="ru-RU" dirty="0"/>
+              <a:t> както на </a:t>
+            </a:r>
+            <a:r>
+              <a:rPr lang="ru-RU" b="1" dirty="0">
+                <a:solidFill>
+                  <a:schemeClr val="bg1"/>
+                </a:solidFill>
+              </a:rPr>
+              <a:t>локални машини</a:t>
+            </a:r>
+            <a:r>
+              <a:rPr lang="ru-RU" dirty="0"/>
+              <a:t>, така и в </a:t>
+            </a:r>
+            <a:r>
+              <a:rPr lang="ru-RU" b="1" dirty="0">
+                <a:solidFill>
+                  <a:schemeClr val="bg1"/>
+                </a:solidFill>
+              </a:rPr>
+              <a:t>облака</a:t>
+            </a:r>
+          </a:p>
+          <a:p>
+            <a:pPr>
+              <a:buClr>
+                <a:schemeClr val="tx1"/>
+              </a:buClr>
+            </a:pPr>
+            <a:r>
+              <a:rPr lang="ru-RU" b="1" dirty="0">
+                <a:solidFill>
+                  <a:schemeClr val="bg1"/>
+                </a:solidFill>
+              </a:rPr>
+              <a:t>Създаване</a:t>
+            </a:r>
+            <a:r>
+              <a:rPr lang="ru-RU" dirty="0"/>
+              <a:t>, </a:t>
+            </a:r>
+            <a:r>
+              <a:rPr lang="ru-RU" b="1" dirty="0">
+                <a:solidFill>
+                  <a:schemeClr val="bg1"/>
+                </a:solidFill>
+              </a:rPr>
+              <a:t>промяна</a:t>
+            </a:r>
+            <a:r>
+              <a:rPr lang="ru-RU" dirty="0"/>
+              <a:t> и </a:t>
+            </a:r>
+            <a:r>
+              <a:rPr lang="ru-RU" b="1" dirty="0">
+                <a:solidFill>
+                  <a:schemeClr val="bg1"/>
+                </a:solidFill>
+              </a:rPr>
+              <a:t>управление</a:t>
+            </a:r>
+            <a:r>
+              <a:rPr lang="ru-RU" dirty="0"/>
+              <a:t> на </a:t>
+            </a:r>
+            <a:r>
+              <a:rPr lang="ru-RU" b="1" dirty="0"/>
+              <a:t>бази данни</a:t>
+            </a:r>
+            <a:r>
+              <a:rPr lang="ru-RU" dirty="0"/>
+              <a:t>, </a:t>
+            </a:r>
+            <a:r>
+              <a:rPr lang="ru-RU" b="1" dirty="0"/>
+              <a:t>таблици</a:t>
+            </a:r>
+            <a:r>
+              <a:rPr lang="ru-RU" dirty="0"/>
+              <a:t>, </a:t>
+            </a:r>
+            <a:r>
+              <a:rPr lang="ru-RU" b="1" dirty="0"/>
+              <a:t>изгледи</a:t>
+            </a:r>
+            <a:r>
+              <a:rPr lang="ru-RU" dirty="0"/>
+              <a:t>, </a:t>
+            </a:r>
+            <a:r>
+              <a:rPr lang="ru-RU" b="1" dirty="0"/>
+              <a:t>индекси</a:t>
+            </a:r>
+            <a:r>
+              <a:rPr lang="ru-RU" dirty="0"/>
+              <a:t> и </a:t>
+            </a:r>
+            <a:r>
+              <a:rPr lang="ru-RU" b="1" dirty="0"/>
+              <a:t>други</a:t>
+            </a:r>
+            <a:r>
+              <a:rPr lang="ru-RU" dirty="0"/>
+              <a:t> обекти</a:t>
+            </a:r>
+            <a:endParaRPr lang="ru-RU" b="1" dirty="0">
+              <a:solidFill>
+                <a:schemeClr val="bg1"/>
+              </a:solidFill>
+            </a:endParaRPr>
           </a:p>
         </p:txBody>
       </p:sp>
@@ -9501,18 +10005,10 @@
           <a:lstStyle/>
           <a:p>
             <a:r>
-              <a:rPr lang="en-US" dirty="0">
-                <a:highlight>
-                  <a:srgbClr val="FFFF00"/>
-                </a:highlight>
-              </a:rPr>
-              <a:t>General slide about SSMS</a:t>
-            </a:r>
-            <a:endParaRPr lang="bg-BG" dirty="0">
-              <a:highlight>
-                <a:srgbClr val="FFFF00"/>
-              </a:highlight>
-            </a:endParaRPr>
+              <a:rPr lang="en-US" dirty="0"/>
+              <a:t>SSMS</a:t>
+            </a:r>
+            <a:endParaRPr lang="bg-BG" dirty="0"/>
           </a:p>
         </p:txBody>
       </p:sp>
@@ -9534,6 +10030,183 @@
       <p:transition spd="slow" advClick="0" advTm="5000"/>
     </mc:Fallback>
   </mc:AlternateContent>
+  <p:timing>
+    <p:tnLst>
+      <p:par>
+        <p:cTn id="1" dur="indefinite" restart="never" nodeType="tmRoot">
+          <p:childTnLst>
+            <p:seq concurrent="1" nextAc="seek">
+              <p:cTn id="2" dur="indefinite" nodeType="mainSeq">
+                <p:childTnLst>
+                  <p:par>
+                    <p:cTn id="3" fill="hold">
+                      <p:stCondLst>
+                        <p:cond delay="indefinite"/>
+                      </p:stCondLst>
+                      <p:childTnLst>
+                        <p:par>
+                          <p:cTn id="4" fill="hold">
+                            <p:stCondLst>
+                              <p:cond delay="0"/>
+                            </p:stCondLst>
+                            <p:childTnLst>
+                              <p:par>
+                                <p:cTn id="5" presetID="1" presetClass="entr" presetSubtype="0" fill="hold" nodeType="clickEffect">
+                                  <p:stCondLst>
+                                    <p:cond delay="0"/>
+                                  </p:stCondLst>
+                                  <p:childTnLst>
+                                    <p:set>
+                                      <p:cBhvr>
+                                        <p:cTn id="6" dur="1" fill="hold">
+                                          <p:stCondLst>
+                                            <p:cond delay="0"/>
+                                          </p:stCondLst>
+                                        </p:cTn>
+                                        <p:tgtEl>
+                                          <p:spTgt spid="5">
+                                            <p:txEl>
+                                              <p:pRg st="1" end="1"/>
+                                            </p:txEl>
+                                          </p:spTgt>
+                                        </p:tgtEl>
+                                        <p:attrNameLst>
+                                          <p:attrName>style.visibility</p:attrName>
+                                        </p:attrNameLst>
+                                      </p:cBhvr>
+                                      <p:to>
+                                        <p:strVal val="visible"/>
+                                      </p:to>
+                                    </p:set>
+                                  </p:childTnLst>
+                                </p:cTn>
+                              </p:par>
+                            </p:childTnLst>
+                          </p:cTn>
+                        </p:par>
+                      </p:childTnLst>
+                    </p:cTn>
+                  </p:par>
+                  <p:par>
+                    <p:cTn id="7" fill="hold">
+                      <p:stCondLst>
+                        <p:cond delay="indefinite"/>
+                      </p:stCondLst>
+                      <p:childTnLst>
+                        <p:par>
+                          <p:cTn id="8" fill="hold">
+                            <p:stCondLst>
+                              <p:cond delay="0"/>
+                            </p:stCondLst>
+                            <p:childTnLst>
+                              <p:par>
+                                <p:cTn id="9" presetID="1" presetClass="entr" presetSubtype="0" fill="hold" nodeType="clickEffect">
+                                  <p:stCondLst>
+                                    <p:cond delay="0"/>
+                                  </p:stCondLst>
+                                  <p:childTnLst>
+                                    <p:set>
+                                      <p:cBhvr>
+                                        <p:cTn id="10" dur="1" fill="hold">
+                                          <p:stCondLst>
+                                            <p:cond delay="0"/>
+                                          </p:stCondLst>
+                                        </p:cTn>
+                                        <p:tgtEl>
+                                          <p:spTgt spid="5">
+                                            <p:txEl>
+                                              <p:pRg st="2" end="2"/>
+                                            </p:txEl>
+                                          </p:spTgt>
+                                        </p:tgtEl>
+                                        <p:attrNameLst>
+                                          <p:attrName>style.visibility</p:attrName>
+                                        </p:attrNameLst>
+                                      </p:cBhvr>
+                                      <p:to>
+                                        <p:strVal val="visible"/>
+                                      </p:to>
+                                    </p:set>
+                                  </p:childTnLst>
+                                </p:cTn>
+                              </p:par>
+                            </p:childTnLst>
+                          </p:cTn>
+                        </p:par>
+                      </p:childTnLst>
+                    </p:cTn>
+                  </p:par>
+                  <p:par>
+                    <p:cTn id="11" fill="hold">
+                      <p:stCondLst>
+                        <p:cond delay="indefinite"/>
+                      </p:stCondLst>
+                      <p:childTnLst>
+                        <p:par>
+                          <p:cTn id="12" fill="hold">
+                            <p:stCondLst>
+                              <p:cond delay="0"/>
+                            </p:stCondLst>
+                            <p:childTnLst>
+                              <p:par>
+                                <p:cTn id="13" presetID="1" presetClass="entr" presetSubtype="0" fill="hold" nodeType="clickEffect">
+                                  <p:stCondLst>
+                                    <p:cond delay="0"/>
+                                  </p:stCondLst>
+                                  <p:childTnLst>
+                                    <p:set>
+                                      <p:cBhvr>
+                                        <p:cTn id="14" dur="1" fill="hold">
+                                          <p:stCondLst>
+                                            <p:cond delay="0"/>
+                                          </p:stCondLst>
+                                        </p:cTn>
+                                        <p:tgtEl>
+                                          <p:spTgt spid="5">
+                                            <p:txEl>
+                                              <p:pRg st="3" end="3"/>
+                                            </p:txEl>
+                                          </p:spTgt>
+                                        </p:tgtEl>
+                                        <p:attrNameLst>
+                                          <p:attrName>style.visibility</p:attrName>
+                                        </p:attrNameLst>
+                                      </p:cBhvr>
+                                      <p:to>
+                                        <p:strVal val="visible"/>
+                                      </p:to>
+                                    </p:set>
+                                  </p:childTnLst>
+                                </p:cTn>
+                              </p:par>
+                            </p:childTnLst>
+                          </p:cTn>
+                        </p:par>
+                      </p:childTnLst>
+                    </p:cTn>
+                  </p:par>
+                </p:childTnLst>
+              </p:cTn>
+              <p:prevCondLst>
+                <p:cond evt="onPrev" delay="0">
+                  <p:tgtEl>
+                    <p:sldTgt/>
+                  </p:tgtEl>
+                </p:cond>
+              </p:prevCondLst>
+              <p:nextCondLst>
+                <p:cond evt="onNext" delay="0">
+                  <p:tgtEl>
+                    <p:sldTgt/>
+                  </p:tgtEl>
+                </p:cond>
+              </p:nextCondLst>
+            </p:seq>
+          </p:childTnLst>
+        </p:cTn>
+      </p:par>
+    </p:tnLst>
+  </p:timing>
 </p:sld>
 </file>
 
@@ -9605,7 +10278,118 @@
           <a:bodyPr/>
           <a:lstStyle/>
           <a:p>
-            <a:endParaRPr lang="bg-BG"/>
+            <a:pPr marL="0" marR="0">
+              <a:lnSpc>
+                <a:spcPct val="115000"/>
+              </a:lnSpc>
+              <a:spcBef>
+                <a:spcPts val="400"/>
+              </a:spcBef>
+              <a:spcAft>
+                <a:spcPts val="600"/>
+              </a:spcAft>
+            </a:pPr>
+            <a:r>
+              <a:rPr lang="bg-BG" dirty="0"/>
+              <a:t>Натиснете </a:t>
+            </a:r>
+            <a:r>
+              <a:rPr lang="bg-BG" b="1" dirty="0">
+                <a:hlinkClick r:id="rId2"/>
+              </a:rPr>
+              <a:t>този линк</a:t>
+            </a:r>
+            <a:r>
+              <a:rPr lang="bg-BG" dirty="0"/>
+              <a:t>, чрез който ще инсталирате </a:t>
+            </a:r>
+            <a:r>
+              <a:rPr lang="en-US" dirty="0"/>
+              <a:t>SSMS</a:t>
+            </a:r>
+            <a:r>
+              <a:rPr lang="ru-RU" dirty="0"/>
+              <a:t> </a:t>
+            </a:r>
+          </a:p>
+          <a:p>
+            <a:pPr marR="0"/>
+            <a:r>
+              <a:rPr lang="bg-BG" dirty="0"/>
+              <a:t>Натиснете </a:t>
+            </a:r>
+            <a:r>
+              <a:rPr lang="bg-BG" b="1" dirty="0">
+                <a:solidFill>
+                  <a:schemeClr val="bg1"/>
+                </a:solidFill>
+              </a:rPr>
+              <a:t>линка</a:t>
+            </a:r>
+            <a:r>
+              <a:rPr lang="bg-BG" dirty="0"/>
+              <a:t> с </a:t>
+            </a:r>
+            <a:r>
+              <a:rPr lang="bg-BG" b="1" dirty="0">
+                <a:solidFill>
+                  <a:schemeClr val="bg1"/>
+                </a:solidFill>
+              </a:rPr>
+              <a:t>име</a:t>
+            </a:r>
+            <a:r>
+              <a:rPr lang="ru-RU" dirty="0"/>
+              <a:t> "</a:t>
+            </a:r>
+            <a:r>
+              <a:rPr lang="en-US" b="1" dirty="0"/>
+              <a:t>Free Download for SQL Server Management Studio</a:t>
+            </a:r>
+            <a:r>
+              <a:rPr lang="ru-RU" b="1" dirty="0"/>
+              <a:t> (</a:t>
+            </a:r>
+            <a:r>
+              <a:rPr lang="en-US" b="1" dirty="0"/>
+              <a:t>SSMS</a:t>
+            </a:r>
+            <a:r>
+              <a:rPr lang="ru-RU" b="1" dirty="0"/>
+              <a:t>)</a:t>
+            </a:r>
+            <a:r>
+              <a:rPr lang="ru-RU" dirty="0"/>
+              <a:t>" (трябва да е </a:t>
+            </a:r>
+            <a:r>
+              <a:rPr lang="ru-RU" b="1" dirty="0"/>
+              <a:t>под</a:t>
+            </a:r>
+            <a:r>
+              <a:rPr lang="ru-RU" dirty="0"/>
+              <a:t> заглавието </a:t>
+            </a:r>
+            <a:r>
+              <a:rPr lang="bg-BG" dirty="0"/>
+              <a:t>"</a:t>
+            </a:r>
+            <a:r>
+              <a:rPr lang="en-US" b="1" dirty="0"/>
+              <a:t>Download SSMS</a:t>
+            </a:r>
+            <a:r>
+              <a:rPr lang="bg-BG" dirty="0"/>
+              <a:t>"</a:t>
+            </a:r>
+            <a:r>
+              <a:rPr lang="ru-RU" dirty="0"/>
+              <a:t>)</a:t>
+            </a:r>
+            <a:endParaRPr lang="en-US" dirty="0"/>
+          </a:p>
+          <a:p>
+            <a:endParaRPr lang="bg-BG" dirty="0"/>
           </a:p>
         </p:txBody>
       </p:sp>
@@ -9631,21 +10415,57 @@
           <a:lstStyle/>
           <a:p>
             <a:r>
-              <a:rPr lang="en-US" dirty="0">
-                <a:highlight>
-                  <a:srgbClr val="FFFF00"/>
-                </a:highlight>
-              </a:rPr>
-              <a:t>TODO: How to install SSMS</a:t>
-            </a:r>
-            <a:endParaRPr lang="bg-BG" dirty="0">
-              <a:highlight>
-                <a:srgbClr val="FFFF00"/>
-              </a:highlight>
-            </a:endParaRPr>
+              <a:rPr lang="bg-BG" dirty="0"/>
+              <a:t>Инсталация на </a:t>
+            </a:r>
+            <a:r>
+              <a:rPr lang="en-US" dirty="0"/>
+              <a:t>SSMS</a:t>
+            </a:r>
+            <a:r>
+              <a:rPr lang="bg-BG" dirty="0"/>
+              <a:t> (1)</a:t>
+            </a:r>
           </a:p>
         </p:txBody>
       </p:sp>
+      <p:pic>
+        <p:nvPicPr>
+          <p:cNvPr id="5" name="Picture 4" descr="A screen shot of a computer&#10;&#10;Description automatically generated">
+            <a:extLst>
+              <a:ext uri="{FF2B5EF4-FFF2-40B4-BE49-F238E27FC236}">
+                <a16:creationId xmlns:a16="http://schemas.microsoft.com/office/drawing/2014/main" id="{ED344CEB-0A38-4ED8-95CE-368CFAD2F4A1}"/>
+              </a:ext>
+            </a:extLst>
+          </p:cNvPr>
+          <p:cNvPicPr>
+            <a:picLocks noChangeAspect="1"/>
+          </p:cNvPicPr>
+          <p:nvPr/>
+        </p:nvPicPr>
+        <p:blipFill>
+          <a:blip r:embed="rId3"/>
+          <a:stretch>
+            <a:fillRect/>
+          </a:stretch>
+        </p:blipFill>
+        <p:spPr>
+          <a:xfrm>
+            <a:off x="1880015" y="4329000"/>
+            <a:ext cx="8431970" cy="1754270"/>
+          </a:xfrm>
+          <a:prstGeom prst="rect">
+            <a:avLst/>
+          </a:prstGeom>
+          <a:ln>
+            <a:solidFill>
+              <a:schemeClr val="bg1">
+                <a:lumMod val="75000"/>
+              </a:schemeClr>
+            </a:solidFill>
+          </a:ln>
+        </p:spPr>
+      </p:pic>
     </p:spTree>
     <p:extLst>
       <p:ext uri="{BB962C8B-B14F-4D97-AF65-F5344CB8AC3E}">
@@ -9664,10 +10484,427 @@
       <p:transition spd="slow" advClick="0" advTm="5000"/>
     </mc:Fallback>
   </mc:AlternateContent>
+  <p:timing>
+    <p:tnLst>
+      <p:par>
+        <p:cTn id="1" dur="indefinite" restart="never" nodeType="tmRoot">
+          <p:childTnLst>
+            <p:seq concurrent="1" nextAc="seek">
+              <p:cTn id="2" dur="indefinite" nodeType="mainSeq">
+                <p:childTnLst>
+                  <p:par>
+                    <p:cTn id="3" fill="hold">
+                      <p:stCondLst>
+                        <p:cond delay="indefinite"/>
+                      </p:stCondLst>
+                      <p:childTnLst>
+                        <p:par>
+                          <p:cTn id="4" fill="hold">
+                            <p:stCondLst>
+                              <p:cond delay="0"/>
+                            </p:stCondLst>
+                            <p:childTnLst>
+                              <p:par>
+                                <p:cTn id="5" presetID="1" presetClass="entr" presetSubtype="0" fill="hold" nodeType="clickEffect">
+                                  <p:stCondLst>
+                                    <p:cond delay="0"/>
+                                  </p:stCondLst>
+                                  <p:childTnLst>
+                                    <p:set>
+                                      <p:cBhvr>
+                                        <p:cTn id="6" dur="1" fill="hold">
+                                          <p:stCondLst>
+                                            <p:cond delay="0"/>
+                                          </p:stCondLst>
+                                        </p:cTn>
+                                        <p:tgtEl>
+                                          <p:spTgt spid="3">
+                                            <p:txEl>
+                                              <p:pRg st="1" end="1"/>
+                                            </p:txEl>
+                                          </p:spTgt>
+                                        </p:tgtEl>
+                                        <p:attrNameLst>
+                                          <p:attrName>style.visibility</p:attrName>
+                                        </p:attrNameLst>
+                                      </p:cBhvr>
+                                      <p:to>
+                                        <p:strVal val="visible"/>
+                                      </p:to>
+                                    </p:set>
+                                  </p:childTnLst>
+                                </p:cTn>
+                              </p:par>
+                              <p:par>
+                                <p:cTn id="7" presetID="1" presetClass="entr" presetSubtype="0" fill="hold" nodeType="withEffect">
+                                  <p:stCondLst>
+                                    <p:cond delay="0"/>
+                                  </p:stCondLst>
+                                  <p:childTnLst>
+                                    <p:set>
+                                      <p:cBhvr>
+                                        <p:cTn id="8" dur="1" fill="hold">
+                                          <p:stCondLst>
+                                            <p:cond delay="0"/>
+                                          </p:stCondLst>
+                                        </p:cTn>
+                                        <p:tgtEl>
+                                          <p:spTgt spid="5"/>
+                                        </p:tgtEl>
+                                        <p:attrNameLst>
+                                          <p:attrName>style.visibility</p:attrName>
+                                        </p:attrNameLst>
+                                      </p:cBhvr>
+                                      <p:to>
+                                        <p:strVal val="visible"/>
+                                      </p:to>
+                                    </p:set>
+                                  </p:childTnLst>
+                                </p:cTn>
+                              </p:par>
+                            </p:childTnLst>
+                          </p:cTn>
+                        </p:par>
+                      </p:childTnLst>
+                    </p:cTn>
+                  </p:par>
+                </p:childTnLst>
+              </p:cTn>
+              <p:prevCondLst>
+                <p:cond evt="onPrev" delay="0">
+                  <p:tgtEl>
+                    <p:sldTgt/>
+                  </p:tgtEl>
+                </p:cond>
+              </p:prevCondLst>
+              <p:nextCondLst>
+                <p:cond evt="onNext" delay="0">
+                  <p:tgtEl>
+                    <p:sldTgt/>
+                  </p:tgtEl>
+                </p:cond>
+              </p:nextCondLst>
+            </p:seq>
+          </p:childTnLst>
+        </p:cTn>
+      </p:par>
+    </p:tnLst>
+  </p:timing>
 </p:sld>
 </file>
 
 <file path=ppt/slides/slide18.xml><?xml version="1.0" encoding="utf-8"?>
+<p:sld xmlns:a="http://schemas.openxmlformats.org/drawingml/2006/main" xmlns:r="http://schemas.openxmlformats.org/officeDocument/2006/relationships" xmlns:p="http://schemas.openxmlformats.org/presentationml/2006/main">
+  <p:cSld>
+    <p:spTree>
+      <p:nvGrpSpPr>
+        <p:cNvPr id="1" name=""/>
+        <p:cNvGrpSpPr/>
+        <p:nvPr/>
+      </p:nvGrpSpPr>
+      <p:grpSpPr>
+        <a:xfrm>
+          <a:off x="0" y="0"/>
+          <a:ext cx="0" cy="0"/>
+          <a:chOff x="0" y="0"/>
+          <a:chExt cx="0" cy="0"/>
+        </a:xfrm>
+      </p:grpSpPr>
+      <p:sp>
+        <p:nvSpPr>
+          <p:cNvPr id="2" name="Slide Number Placeholder 1">
+            <a:extLst>
+              <a:ext uri="{FF2B5EF4-FFF2-40B4-BE49-F238E27FC236}">
+                <a16:creationId xmlns:a16="http://schemas.microsoft.com/office/drawing/2014/main" id="{3C3AA1D6-B2D9-CE68-6008-754F0EC34ADC}"/>
+              </a:ext>
+            </a:extLst>
+          </p:cNvPr>
+          <p:cNvSpPr>
+            <a:spLocks noGrp="1"/>
+          </p:cNvSpPr>
+          <p:nvPr>
+            <p:ph type="sldNum" sz="quarter" idx="5"/>
+          </p:nvPr>
+        </p:nvSpPr>
+        <p:spPr/>
+        <p:txBody>
+          <a:bodyPr/>
+          <a:lstStyle/>
+          <a:p>
+            <a:fld id="{2BF067CD-8E6B-4360-9AA8-C5DF2A48A6D1}" type="slidenum">
+              <a:rPr lang="en-US" noProof="0" smtClean="0"/>
+              <a:pPr/>
+              <a:t>18</a:t>
+            </a:fld>
+            <a:endParaRPr lang="en-US" noProof="0" dirty="0"/>
+          </a:p>
+        </p:txBody>
+      </p:sp>
+      <p:sp>
+        <p:nvSpPr>
+          <p:cNvPr id="3" name="Text Placeholder 2">
+            <a:extLst>
+              <a:ext uri="{FF2B5EF4-FFF2-40B4-BE49-F238E27FC236}">
+                <a16:creationId xmlns:a16="http://schemas.microsoft.com/office/drawing/2014/main" id="{23E2F6E2-5B0D-74BA-F46C-ED827719559B}"/>
+              </a:ext>
+            </a:extLst>
+          </p:cNvPr>
+          <p:cNvSpPr>
+            <a:spLocks noGrp="1"/>
+          </p:cNvSpPr>
+          <p:nvPr>
+            <p:ph type="body" sz="quarter" idx="10"/>
+          </p:nvPr>
+        </p:nvSpPr>
+        <p:spPr/>
+        <p:txBody>
+          <a:bodyPr/>
+          <a:lstStyle/>
+          <a:p>
+            <a:r>
+              <a:rPr lang="ru-RU" dirty="0"/>
+              <a:t>Отворете </a:t>
+            </a:r>
+            <a:r>
+              <a:rPr lang="ru-RU" b="1" dirty="0"/>
+              <a:t>изтегления</a:t>
+            </a:r>
+            <a:r>
+              <a:rPr lang="ru-RU" dirty="0"/>
+              <a:t> файл</a:t>
+            </a:r>
+            <a:r>
+              <a:rPr lang="en-US" dirty="0"/>
+              <a:t>. </a:t>
+            </a:r>
+            <a:r>
+              <a:rPr lang="en-US" dirty="0" err="1"/>
+              <a:t>Сега</a:t>
+            </a:r>
+            <a:r>
+              <a:rPr lang="en-US" dirty="0"/>
+              <a:t> </a:t>
+            </a:r>
+            <a:r>
+              <a:rPr lang="en-US" dirty="0" err="1"/>
+              <a:t>трябва</a:t>
+            </a:r>
+            <a:r>
+              <a:rPr lang="en-US" dirty="0"/>
+              <a:t> </a:t>
+            </a:r>
+            <a:r>
+              <a:rPr lang="en-US" dirty="0" err="1"/>
+              <a:t>да</a:t>
+            </a:r>
+            <a:r>
+              <a:rPr lang="en-US" dirty="0"/>
+              <a:t> </a:t>
+            </a:r>
+            <a:r>
+              <a:rPr lang="en-US" dirty="0" err="1"/>
+              <a:t>видите</a:t>
+            </a:r>
+            <a:r>
+              <a:rPr lang="en-US" dirty="0"/>
+              <a:t> </a:t>
+            </a:r>
+            <a:r>
+              <a:rPr lang="en-US" b="1" dirty="0" err="1">
+                <a:solidFill>
+                  <a:schemeClr val="bg1"/>
+                </a:solidFill>
+              </a:rPr>
+              <a:t>екрана</a:t>
+            </a:r>
+            <a:r>
+              <a:rPr lang="en-US" dirty="0"/>
+              <a:t> </a:t>
+            </a:r>
+            <a:r>
+              <a:rPr lang="en-US" dirty="0" err="1"/>
+              <a:t>за</a:t>
+            </a:r>
+            <a:r>
+              <a:rPr lang="en-US" dirty="0"/>
+              <a:t> </a:t>
+            </a:r>
+            <a:r>
+              <a:rPr lang="en-US" b="1" dirty="0" err="1">
+                <a:solidFill>
+                  <a:schemeClr val="bg1"/>
+                </a:solidFill>
+              </a:rPr>
+              <a:t>инсталиране</a:t>
+            </a:r>
+            <a:r>
+              <a:rPr lang="en-US" dirty="0"/>
+              <a:t> </a:t>
+            </a:r>
+            <a:r>
+              <a:rPr lang="en-US" dirty="0" err="1"/>
+              <a:t>на</a:t>
+            </a:r>
+            <a:r>
+              <a:rPr lang="en-US" dirty="0"/>
+              <a:t> </a:t>
+            </a:r>
+            <a:r>
+              <a:rPr lang="en-US" b="1" dirty="0"/>
+              <a:t>Microsoft SQL Server Management Studio</a:t>
+            </a:r>
+            <a:r>
+              <a:rPr lang="en-US" dirty="0"/>
+              <a:t> </a:t>
+            </a:r>
+            <a:r>
+              <a:rPr lang="en-US" b="1" dirty="0"/>
+              <a:t>with</a:t>
+            </a:r>
+            <a:r>
+              <a:rPr lang="en-US" dirty="0"/>
+              <a:t> </a:t>
+            </a:r>
+            <a:r>
+              <a:rPr lang="en-US" b="1" dirty="0"/>
+              <a:t>Azure Data Studio</a:t>
+            </a:r>
+            <a:r>
+              <a:rPr lang="en-US" dirty="0"/>
+              <a:t>:</a:t>
+            </a:r>
+            <a:endParaRPr lang="bg-BG" dirty="0"/>
+          </a:p>
+          <a:p>
+            <a:r>
+              <a:rPr lang="bg-BG" dirty="0"/>
+              <a:t>Натиснете </a:t>
+            </a:r>
+            <a:r>
+              <a:rPr lang="en-US" dirty="0"/>
+              <a:t>[</a:t>
+            </a:r>
+            <a:r>
+              <a:rPr lang="en-US" b="1" dirty="0"/>
+              <a:t>Install</a:t>
+            </a:r>
+            <a:r>
+              <a:rPr lang="en-US" dirty="0"/>
+              <a:t>]</a:t>
+            </a:r>
+          </a:p>
+          <a:p>
+            <a:endParaRPr lang="en-US" dirty="0"/>
+          </a:p>
+          <a:p>
+            <a:endParaRPr lang="en-US" dirty="0"/>
+          </a:p>
+        </p:txBody>
+      </p:sp>
+      <p:sp>
+        <p:nvSpPr>
+          <p:cNvPr id="4" name="Title 3">
+            <a:extLst>
+              <a:ext uri="{FF2B5EF4-FFF2-40B4-BE49-F238E27FC236}">
+                <a16:creationId xmlns:a16="http://schemas.microsoft.com/office/drawing/2014/main" id="{151EEFF8-2B22-740E-2639-6BC40813D177}"/>
+              </a:ext>
+            </a:extLst>
+          </p:cNvPr>
+          <p:cNvSpPr>
+            <a:spLocks noGrp="1"/>
+          </p:cNvSpPr>
+          <p:nvPr>
+            <p:ph type="title"/>
+          </p:nvPr>
+        </p:nvSpPr>
+        <p:spPr/>
+        <p:txBody>
+          <a:bodyPr/>
+          <a:lstStyle/>
+          <a:p>
+            <a:r>
+              <a:rPr lang="bg-BG" dirty="0"/>
+              <a:t>Инсталация на </a:t>
+            </a:r>
+            <a:r>
+              <a:rPr lang="en-US" dirty="0"/>
+              <a:t>SSMS</a:t>
+            </a:r>
+            <a:r>
+              <a:rPr lang="bg-BG" dirty="0"/>
+              <a:t> (2)</a:t>
+            </a:r>
+            <a:endParaRPr lang="en-US" dirty="0"/>
+          </a:p>
+        </p:txBody>
+      </p:sp>
+      <p:pic>
+        <p:nvPicPr>
+          <p:cNvPr id="5" name="Picture 4" descr="A screenshot of a computer&#10;&#10;Description automatically generated">
+            <a:extLst>
+              <a:ext uri="{FF2B5EF4-FFF2-40B4-BE49-F238E27FC236}">
+                <a16:creationId xmlns:a16="http://schemas.microsoft.com/office/drawing/2014/main" id="{1D1C6808-368C-B822-3020-DF8D77011B49}"/>
+              </a:ext>
+            </a:extLst>
+          </p:cNvPr>
+          <p:cNvPicPr>
+            <a:picLocks noChangeAspect="1"/>
+          </p:cNvPicPr>
+          <p:nvPr/>
+        </p:nvPicPr>
+        <p:blipFill>
+          <a:blip r:embed="rId3" cstate="print">
+            <a:extLst>
+              <a:ext uri="{28A0092B-C50C-407E-A947-70E740481C1C}">
+                <a14:useLocalDpi xmlns:a14="http://schemas.microsoft.com/office/drawing/2010/main" val="0"/>
+              </a:ext>
+            </a:extLst>
+          </a:blip>
+          <a:srcRect/>
+          <a:stretch>
+            <a:fillRect/>
+          </a:stretch>
+        </p:blipFill>
+        <p:spPr bwMode="auto">
+          <a:xfrm>
+            <a:off x="5969328" y="2620879"/>
+            <a:ext cx="4500000" cy="3886121"/>
+          </a:xfrm>
+          <a:prstGeom prst="rect">
+            <a:avLst/>
+          </a:prstGeom>
+          <a:noFill/>
+          <a:ln>
+            <a:solidFill>
+              <a:schemeClr val="bg1">
+                <a:lumMod val="75000"/>
+              </a:schemeClr>
+            </a:solidFill>
+          </a:ln>
+        </p:spPr>
+      </p:pic>
+    </p:spTree>
+    <p:extLst>
+      <p:ext uri="{BB962C8B-B14F-4D97-AF65-F5344CB8AC3E}">
+        <p14:creationId xmlns:p14="http://schemas.microsoft.com/office/powerpoint/2010/main" val="2782550842"/>
+      </p:ext>
+    </p:extLst>
+  </p:cSld>
+  <p:clrMapOvr>
+    <a:masterClrMapping/>
+  </p:clrMapOvr>
+  <mc:AlternateContent xmlns:mc="http://schemas.openxmlformats.org/markup-compatibility/2006" xmlns:p14="http://schemas.microsoft.com/office/powerpoint/2010/main">
+    <mc:Choice Requires="p14">
+      <p:transition spd="slow" p14:dur="2000" advClick="0" advTm="5000"/>
+    </mc:Choice>
+    <mc:Fallback xmlns="">
+      <p:transition spd="slow" advClick="0" advTm="5000"/>
+    </mc:Fallback>
+  </mc:AlternateContent>
+</p:sld>
+</file>
+
+<file path=ppt/slides/slide19.xml><?xml version="1.0" encoding="utf-8"?>
 <p:sld xmlns:a="http://schemas.openxmlformats.org/drawingml/2006/main" xmlns:r="http://schemas.openxmlformats.org/officeDocument/2006/relationships" xmlns:p="http://schemas.openxmlformats.org/presentationml/2006/main">
   <p:cSld>
     <p:spTree>
@@ -9814,7 +11051,7 @@
             <a:fld id="{2BF067CD-8E6B-4360-9AA8-C5DF2A48A6D1}" type="slidenum">
               <a:rPr lang="en-US" noProof="0" smtClean="0"/>
               <a:pPr/>
-              <a:t>18</a:t>
+              <a:t>19</a:t>
             </a:fld>
             <a:endParaRPr lang="en-US" noProof="0" dirty="0"/>
           </a:p>
@@ -9954,161 +11191,6 @@
       </p:par>
     </p:tnLst>
   </p:timing>
-</p:sld>
-</file>
-
-<file path=ppt/slides/slide19.xml><?xml version="1.0" encoding="utf-8"?>
-<p:sld xmlns:a="http://schemas.openxmlformats.org/drawingml/2006/main" xmlns:r="http://schemas.openxmlformats.org/officeDocument/2006/relationships" xmlns:p="http://schemas.openxmlformats.org/presentationml/2006/main">
-  <p:cSld>
-    <p:spTree>
-      <p:nvGrpSpPr>
-        <p:cNvPr id="1" name=""/>
-        <p:cNvGrpSpPr/>
-        <p:nvPr/>
-      </p:nvGrpSpPr>
-      <p:grpSpPr>
-        <a:xfrm>
-          <a:off x="0" y="0"/>
-          <a:ext cx="0" cy="0"/>
-          <a:chOff x="0" y="0"/>
-          <a:chExt cx="0" cy="0"/>
-        </a:xfrm>
-      </p:grpSpPr>
-      <p:pic>
-        <p:nvPicPr>
-          <p:cNvPr id="10242" name="Picture 2" descr="Ð¡Ð²ÑÑÐ·Ð°Ð½Ð¾ Ð¸Ð·Ð¾Ð±ÑÐ°Ð¶ÐµÐ½Ð¸Ðµ">
-            <a:extLst>
-              <a:ext uri="{FF2B5EF4-FFF2-40B4-BE49-F238E27FC236}">
-                <a16:creationId xmlns:a16="http://schemas.microsoft.com/office/drawing/2014/main" id="{46988513-1D55-4D43-8BD2-8B974E29494B}"/>
-              </a:ext>
-            </a:extLst>
-          </p:cNvPr>
-          <p:cNvPicPr>
-            <a:picLocks noChangeAspect="1" noChangeArrowheads="1"/>
-          </p:cNvPicPr>
-          <p:nvPr/>
-        </p:nvPicPr>
-        <p:blipFill>
-          <a:blip r:embed="rId2" cstate="print">
-            <a:extLst>
-              <a:ext uri="{28A0092B-C50C-407E-A947-70E740481C1C}">
-                <a14:useLocalDpi xmlns:a14="http://schemas.microsoft.com/office/drawing/2010/main" val="0"/>
-              </a:ext>
-            </a:extLst>
-          </a:blip>
-          <a:srcRect/>
-          <a:stretch>
-            <a:fillRect/>
-          </a:stretch>
-        </p:blipFill>
-        <p:spPr bwMode="auto">
-          <a:xfrm>
-            <a:off x="4670771" y="1428629"/>
-            <a:ext cx="3248025" cy="2438400"/>
-          </a:xfrm>
-          <a:prstGeom prst="rect">
-            <a:avLst/>
-          </a:prstGeom>
-          <a:noFill/>
-          <a:extLst>
-            <a:ext uri="{909E8E84-426E-40DD-AFC4-6F175D3DCCD1}">
-              <a14:hiddenFill xmlns:a14="http://schemas.microsoft.com/office/drawing/2010/main">
-                <a:solidFill>
-                  <a:srgbClr val="FFFFFF"/>
-                </a:solidFill>
-              </a14:hiddenFill>
-            </a:ext>
-          </a:extLst>
-        </p:spPr>
-      </p:pic>
-      <p:sp>
-        <p:nvSpPr>
-          <p:cNvPr id="3" name="Заглавие 2">
-            <a:extLst>
-              <a:ext uri="{FF2B5EF4-FFF2-40B4-BE49-F238E27FC236}">
-                <a16:creationId xmlns:a16="http://schemas.microsoft.com/office/drawing/2014/main" id="{9C446E2D-1FF1-C4E3-130A-59AAA669FD5E}"/>
-              </a:ext>
-            </a:extLst>
-          </p:cNvPr>
-          <p:cNvSpPr>
-            <a:spLocks noGrp="1"/>
-          </p:cNvSpPr>
-          <p:nvPr>
-            <p:ph type="title" sz="quarter" idx="10"/>
-          </p:nvPr>
-        </p:nvSpPr>
-        <p:spPr>
-          <a:xfrm>
-            <a:off x="381000" y="4704825"/>
-            <a:ext cx="11520000" cy="768084"/>
-          </a:xfrm>
-        </p:spPr>
-        <p:txBody>
-          <a:bodyPr/>
-          <a:lstStyle/>
-          <a:p>
-            <a:r>
-              <a:rPr lang="ru-RU" sz="4500" dirty="0"/>
-              <a:t>Работа с </a:t>
-            </a:r>
-            <a:r>
-              <a:rPr lang="bg-BG" sz="4500" dirty="0"/>
-              <a:t>таблици и </a:t>
-            </a:r>
-            <a:r>
-              <a:rPr lang="ru-RU" sz="4500" dirty="0"/>
-              <a:t>данни в MS SQL Server</a:t>
-            </a:r>
-            <a:endParaRPr lang="bg-BG" sz="4500" dirty="0"/>
-          </a:p>
-        </p:txBody>
-      </p:sp>
-      <p:sp>
-        <p:nvSpPr>
-          <p:cNvPr id="6" name="Подзаглавие 5">
-            <a:extLst>
-              <a:ext uri="{FF2B5EF4-FFF2-40B4-BE49-F238E27FC236}">
-                <a16:creationId xmlns:a16="http://schemas.microsoft.com/office/drawing/2014/main" id="{4FEEF286-3CA8-D1D2-713C-0C36FE833DBA}"/>
-              </a:ext>
-            </a:extLst>
-          </p:cNvPr>
-          <p:cNvSpPr>
-            <a:spLocks noGrp="1"/>
-          </p:cNvSpPr>
-          <p:nvPr>
-            <p:ph type="subTitle" sz="quarter" idx="11"/>
-          </p:nvPr>
-        </p:nvSpPr>
-        <p:spPr/>
-        <p:txBody>
-          <a:bodyPr/>
-          <a:lstStyle/>
-          <a:p>
-            <a:r>
-              <a:rPr lang="bg-BG" dirty="0"/>
-              <a:t>Добавяне, разглеждане и редактиране на данни</a:t>
-            </a:r>
-          </a:p>
-        </p:txBody>
-      </p:sp>
-    </p:spTree>
-    <p:extLst>
-      <p:ext uri="{BB962C8B-B14F-4D97-AF65-F5344CB8AC3E}">
-        <p14:creationId xmlns:p14="http://schemas.microsoft.com/office/powerpoint/2010/main" val="1807864910"/>
-      </p:ext>
-    </p:extLst>
-  </p:cSld>
-  <p:clrMapOvr>
-    <a:masterClrMapping/>
-  </p:clrMapOvr>
-  <mc:AlternateContent xmlns:mc="http://schemas.openxmlformats.org/markup-compatibility/2006" xmlns:p14="http://schemas.microsoft.com/office/powerpoint/2010/main">
-    <mc:Choice Requires="p14">
-      <p:transition spd="slow" p14:dur="2000" advClick="0" advTm="5000"/>
-    </mc:Choice>
-    <mc:Fallback xmlns="">
-      <p:transition spd="slow" advClick="0" advTm="5000"/>
-    </mc:Fallback>
-  </mc:AlternateContent>
 </p:sld>
 </file>
 
@@ -10605,12 +11687,59 @@
           <a:chExt cx="0" cy="0"/>
         </a:xfrm>
       </p:grpSpPr>
+      <p:pic>
+        <p:nvPicPr>
+          <p:cNvPr id="10242" name="Picture 2" descr="Ð¡Ð²ÑÑÐ·Ð°Ð½Ð¾ Ð¸Ð·Ð¾Ð±ÑÐ°Ð¶ÐµÐ½Ð¸Ðµ">
+            <a:extLst>
+              <a:ext uri="{FF2B5EF4-FFF2-40B4-BE49-F238E27FC236}">
+                <a16:creationId xmlns:a16="http://schemas.microsoft.com/office/drawing/2014/main" id="{46988513-1D55-4D43-8BD2-8B974E29494B}"/>
+              </a:ext>
+            </a:extLst>
+          </p:cNvPr>
+          <p:cNvPicPr>
+            <a:picLocks noChangeAspect="1" noChangeArrowheads="1"/>
+          </p:cNvPicPr>
+          <p:nvPr/>
+        </p:nvPicPr>
+        <p:blipFill>
+          <a:blip r:embed="rId2" cstate="print">
+            <a:extLst>
+              <a:ext uri="{28A0092B-C50C-407E-A947-70E740481C1C}">
+                <a14:useLocalDpi xmlns:a14="http://schemas.microsoft.com/office/drawing/2010/main" val="0"/>
+              </a:ext>
+            </a:extLst>
+          </a:blip>
+          <a:srcRect/>
+          <a:stretch>
+            <a:fillRect/>
+          </a:stretch>
+        </p:blipFill>
+        <p:spPr bwMode="auto">
+          <a:xfrm>
+            <a:off x="4670771" y="1428629"/>
+            <a:ext cx="3248025" cy="2438400"/>
+          </a:xfrm>
+          <a:prstGeom prst="rect">
+            <a:avLst/>
+          </a:prstGeom>
+          <a:noFill/>
+          <a:extLst>
+            <a:ext uri="{909E8E84-426E-40DD-AFC4-6F175D3DCCD1}">
+              <a14:hiddenFill xmlns:a14="http://schemas.microsoft.com/office/drawing/2010/main">
+                <a:solidFill>
+                  <a:srgbClr val="FFFFFF"/>
+                </a:solidFill>
+              </a14:hiddenFill>
+            </a:ext>
+          </a:extLst>
+        </p:spPr>
+      </p:pic>
       <p:sp>
         <p:nvSpPr>
-          <p:cNvPr id="5" name="Text Placeholder 4">
+          <p:cNvPr id="3" name="Заглавие 2">
             <a:extLst>
               <a:ext uri="{FF2B5EF4-FFF2-40B4-BE49-F238E27FC236}">
-                <a16:creationId xmlns:a16="http://schemas.microsoft.com/office/drawing/2014/main" id="{81979E28-BEDC-C6E3-40A5-B026D2838CAA}"/>
+                <a16:creationId xmlns:a16="http://schemas.microsoft.com/office/drawing/2014/main" id="{9C446E2D-1FF1-C4E3-130A-59AAA669FD5E}"/>
               </a:ext>
             </a:extLst>
           </p:cNvPr>
@@ -10618,24 +11747,41 @@
             <a:spLocks noGrp="1"/>
           </p:cNvSpPr>
           <p:nvPr>
-            <p:ph type="body" sz="quarter" idx="10"/>
+            <p:ph type="title" sz="quarter" idx="10"/>
           </p:nvPr>
         </p:nvSpPr>
-        <p:spPr/>
+        <p:spPr>
+          <a:xfrm>
+            <a:off x="381000" y="4704825"/>
+            <a:ext cx="11520000" cy="768084"/>
+          </a:xfrm>
+        </p:spPr>
         <p:txBody>
           <a:bodyPr/>
           <a:lstStyle/>
           <a:p>
-            <a:endParaRPr lang="bg-BG"/>
+            <a:r>
+              <a:rPr lang="ru-RU" sz="4500" dirty="0"/>
+              <a:t>Работа с </a:t>
+            </a:r>
+            <a:r>
+              <a:rPr lang="bg-BG" sz="4500" dirty="0"/>
+              <a:t>таблици и </a:t>
+            </a:r>
+            <a:r>
+              <a:rPr lang="ru-RU" sz="4500" dirty="0"/>
+              <a:t>данни в MS SQL Server</a:t>
+            </a:r>
+            <a:endParaRPr lang="bg-BG" sz="4500" dirty="0"/>
           </a:p>
         </p:txBody>
       </p:sp>
       <p:sp>
         <p:nvSpPr>
-          <p:cNvPr id="4" name="Title 3">
+          <p:cNvPr id="6" name="Подзаглавие 5">
             <a:extLst>
               <a:ext uri="{FF2B5EF4-FFF2-40B4-BE49-F238E27FC236}">
-                <a16:creationId xmlns:a16="http://schemas.microsoft.com/office/drawing/2014/main" id="{D64EE715-CE86-254F-40D0-54C014C32C2E}"/>
+                <a16:creationId xmlns:a16="http://schemas.microsoft.com/office/drawing/2014/main" id="{4FEEF286-3CA8-D1D2-713C-0C36FE833DBA}"/>
               </a:ext>
             </a:extLst>
           </p:cNvPr>
@@ -10643,7 +11789,7 @@
             <a:spLocks noGrp="1"/>
           </p:cNvSpPr>
           <p:nvPr>
-            <p:ph type="title"/>
+            <p:ph type="subTitle" sz="quarter" idx="11"/>
           </p:nvPr>
         </p:nvSpPr>
         <p:spPr/>
@@ -10652,25 +11798,16 @@
           <a:lstStyle/>
           <a:p>
             <a:r>
-              <a:rPr lang="en-US" dirty="0">
-                <a:highlight>
-                  <a:srgbClr val="FFFF00"/>
-                </a:highlight>
-              </a:rPr>
-              <a:t>TODO: How to create a DB through SSMS</a:t>
-            </a:r>
-            <a:endParaRPr lang="bg-BG" dirty="0">
-              <a:highlight>
-                <a:srgbClr val="FFFF00"/>
-              </a:highlight>
-            </a:endParaRPr>
+              <a:rPr lang="bg-BG" dirty="0"/>
+              <a:t>Добавяне, разглеждане и редактиране на данни</a:t>
+            </a:r>
           </a:p>
         </p:txBody>
       </p:sp>
     </p:spTree>
     <p:extLst>
       <p:ext uri="{BB962C8B-B14F-4D97-AF65-F5344CB8AC3E}">
-        <p14:creationId xmlns:p14="http://schemas.microsoft.com/office/powerpoint/2010/main" val="1009419672"/>
+        <p14:creationId xmlns:p14="http://schemas.microsoft.com/office/powerpoint/2010/main" val="1807864910"/>
       </p:ext>
     </p:extLst>
   </p:cSld>
@@ -10726,7 +11863,72 @@
           <a:bodyPr/>
           <a:lstStyle/>
           <a:p>
-            <a:endParaRPr lang="bg-BG"/>
+            <a:r>
+              <a:rPr lang="bg-BG" dirty="0"/>
+              <a:t>Натиснете </a:t>
+            </a:r>
+            <a:r>
+              <a:rPr lang="bg-BG" b="1" dirty="0"/>
+              <a:t>десен</a:t>
+            </a:r>
+            <a:r>
+              <a:rPr lang="bg-BG" dirty="0"/>
+              <a:t> </a:t>
+            </a:r>
+            <a:r>
+              <a:rPr lang="bg-BG" b="1" dirty="0"/>
+              <a:t>бутон</a:t>
+            </a:r>
+            <a:r>
+              <a:rPr lang="bg-BG" dirty="0"/>
+              <a:t> върху </a:t>
+            </a:r>
+            <a:r>
+              <a:rPr lang="en-US" b="1" dirty="0">
+                <a:latin typeface="Consolas" panose="020B0609020204030204" pitchFamily="49" charset="0"/>
+              </a:rPr>
+              <a:t>Databases</a:t>
+            </a:r>
+            <a:r>
+              <a:rPr lang="en-US" dirty="0"/>
+              <a:t> </a:t>
+            </a:r>
+            <a:r>
+              <a:rPr lang="bg-BG" dirty="0"/>
+              <a:t>и изберете </a:t>
+            </a:r>
+            <a:r>
+              <a:rPr lang="en-US" dirty="0"/>
+              <a:t>[</a:t>
+            </a:r>
+            <a:r>
+              <a:rPr lang="en-US" b="1" dirty="0">
+                <a:latin typeface="Consolas" panose="020B0609020204030204" pitchFamily="49" charset="0"/>
+              </a:rPr>
+              <a:t>New Database…</a:t>
+            </a:r>
+            <a:r>
+              <a:rPr lang="en-US" dirty="0"/>
+              <a:t>]</a:t>
+            </a:r>
+          </a:p>
+          <a:p>
+            <a:endParaRPr lang="en-US" dirty="0"/>
+          </a:p>
+          <a:p>
+            <a:endParaRPr lang="en-US" dirty="0"/>
+          </a:p>
+          <a:p>
+            <a:endParaRPr lang="en-US" dirty="0"/>
+          </a:p>
+          <a:p>
+            <a:endParaRPr lang="en-US" dirty="0"/>
+          </a:p>
+          <a:p>
+            <a:endParaRPr lang="en-US" dirty="0"/>
+          </a:p>
+          <a:p>
+            <a:endParaRPr lang="bg-BG" dirty="0"/>
           </a:p>
         </p:txBody>
       </p:sp>
@@ -10752,21 +11954,499 @@
           <a:lstStyle/>
           <a:p>
             <a:r>
-              <a:rPr lang="en-US" dirty="0">
-                <a:highlight>
-                  <a:srgbClr val="FFFF00"/>
-                </a:highlight>
-              </a:rPr>
-              <a:t>TODO: How to create a table through SSMS</a:t>
-            </a:r>
-            <a:endParaRPr lang="bg-BG" dirty="0">
-              <a:highlight>
-                <a:srgbClr val="FFFF00"/>
-              </a:highlight>
-            </a:endParaRPr>
+              <a:rPr lang="bg-BG" dirty="0"/>
+              <a:t>Създаване на база данни</a:t>
+            </a:r>
+            <a:r>
+              <a:rPr lang="en-US" dirty="0"/>
+              <a:t> (1)</a:t>
+            </a:r>
+            <a:endParaRPr lang="bg-BG" dirty="0"/>
           </a:p>
         </p:txBody>
       </p:sp>
+      <p:pic>
+        <p:nvPicPr>
+          <p:cNvPr id="2" name="Picture 1" descr="Graphical user interface, text, application&#10;&#10;Description automatically generated">
+            <a:extLst>
+              <a:ext uri="{FF2B5EF4-FFF2-40B4-BE49-F238E27FC236}">
+                <a16:creationId xmlns:a16="http://schemas.microsoft.com/office/drawing/2014/main" id="{FE4F9540-A48F-F86B-3D99-CEB4CED769E5}"/>
+              </a:ext>
+            </a:extLst>
+          </p:cNvPr>
+          <p:cNvPicPr>
+            <a:picLocks noChangeAspect="1"/>
+          </p:cNvPicPr>
+          <p:nvPr/>
+        </p:nvPicPr>
+        <p:blipFill>
+          <a:blip r:embed="rId3" cstate="print">
+            <a:extLst>
+              <a:ext uri="{28A0092B-C50C-407E-A947-70E740481C1C}">
+                <a14:useLocalDpi xmlns:a14="http://schemas.microsoft.com/office/drawing/2010/main" val="0"/>
+              </a:ext>
+            </a:extLst>
+          </a:blip>
+          <a:srcRect/>
+          <a:stretch>
+            <a:fillRect/>
+          </a:stretch>
+        </p:blipFill>
+        <p:spPr bwMode="auto">
+          <a:xfrm>
+            <a:off x="3701958" y="2889000"/>
+            <a:ext cx="4788084" cy="3105000"/>
+          </a:xfrm>
+          <a:prstGeom prst="rect">
+            <a:avLst/>
+          </a:prstGeom>
+          <a:noFill/>
+          <a:ln>
+            <a:solidFill>
+              <a:schemeClr val="bg1">
+                <a:lumMod val="75000"/>
+              </a:schemeClr>
+            </a:solidFill>
+          </a:ln>
+        </p:spPr>
+      </p:pic>
+    </p:spTree>
+    <p:extLst>
+      <p:ext uri="{BB962C8B-B14F-4D97-AF65-F5344CB8AC3E}">
+        <p14:creationId xmlns:p14="http://schemas.microsoft.com/office/powerpoint/2010/main" val="1009419672"/>
+      </p:ext>
+    </p:extLst>
+  </p:cSld>
+  <p:clrMapOvr>
+    <a:masterClrMapping/>
+  </p:clrMapOvr>
+  <mc:AlternateContent xmlns:mc="http://schemas.openxmlformats.org/markup-compatibility/2006" xmlns:p14="http://schemas.microsoft.com/office/powerpoint/2010/main">
+    <mc:Choice Requires="p14">
+      <p:transition spd="slow" p14:dur="2000" advClick="0" advTm="5000"/>
+    </mc:Choice>
+    <mc:Fallback xmlns="">
+      <p:transition spd="slow" advClick="0" advTm="5000"/>
+    </mc:Fallback>
+  </mc:AlternateContent>
+</p:sld>
+</file>
+
+<file path=ppt/slides/slide22.xml><?xml version="1.0" encoding="utf-8"?>
+<p:sld xmlns:a="http://schemas.openxmlformats.org/drawingml/2006/main" xmlns:r="http://schemas.openxmlformats.org/officeDocument/2006/relationships" xmlns:p="http://schemas.openxmlformats.org/presentationml/2006/main">
+  <p:cSld>
+    <p:spTree>
+      <p:nvGrpSpPr>
+        <p:cNvPr id="1" name=""/>
+        <p:cNvGrpSpPr/>
+        <p:nvPr/>
+      </p:nvGrpSpPr>
+      <p:grpSpPr>
+        <a:xfrm>
+          <a:off x="0" y="0"/>
+          <a:ext cx="0" cy="0"/>
+          <a:chOff x="0" y="0"/>
+          <a:chExt cx="0" cy="0"/>
+        </a:xfrm>
+      </p:grpSpPr>
+      <p:sp>
+        <p:nvSpPr>
+          <p:cNvPr id="2" name="Slide Number Placeholder 1">
+            <a:extLst>
+              <a:ext uri="{FF2B5EF4-FFF2-40B4-BE49-F238E27FC236}">
+                <a16:creationId xmlns:a16="http://schemas.microsoft.com/office/drawing/2014/main" id="{12EA5908-B60E-CCA7-20F7-64DF23E62B03}"/>
+              </a:ext>
+            </a:extLst>
+          </p:cNvPr>
+          <p:cNvSpPr>
+            <a:spLocks noGrp="1"/>
+          </p:cNvSpPr>
+          <p:nvPr>
+            <p:ph type="sldNum" sz="quarter" idx="5"/>
+          </p:nvPr>
+        </p:nvSpPr>
+        <p:spPr/>
+        <p:txBody>
+          <a:bodyPr/>
+          <a:lstStyle/>
+          <a:p>
+            <a:fld id="{2BF067CD-8E6B-4360-9AA8-C5DF2A48A6D1}" type="slidenum">
+              <a:rPr lang="en-US" noProof="0" smtClean="0"/>
+              <a:pPr/>
+              <a:t>22</a:t>
+            </a:fld>
+            <a:endParaRPr lang="en-US" noProof="0" dirty="0"/>
+          </a:p>
+        </p:txBody>
+      </p:sp>
+      <p:sp>
+        <p:nvSpPr>
+          <p:cNvPr id="3" name="Text Placeholder 2">
+            <a:extLst>
+              <a:ext uri="{FF2B5EF4-FFF2-40B4-BE49-F238E27FC236}">
+                <a16:creationId xmlns:a16="http://schemas.microsoft.com/office/drawing/2014/main" id="{E5C804C4-C482-0DC8-4690-993986072712}"/>
+              </a:ext>
+            </a:extLst>
+          </p:cNvPr>
+          <p:cNvSpPr>
+            <a:spLocks noGrp="1"/>
+          </p:cNvSpPr>
+          <p:nvPr>
+            <p:ph type="body" sz="quarter" idx="10"/>
+          </p:nvPr>
+        </p:nvSpPr>
+        <p:spPr/>
+        <p:txBody>
+          <a:bodyPr/>
+          <a:lstStyle/>
+          <a:p>
+            <a:r>
+              <a:rPr lang="bg-BG" dirty="0"/>
+              <a:t>Въведете </a:t>
+            </a:r>
+            <a:r>
+              <a:rPr lang="bg-BG" b="1" dirty="0"/>
+              <a:t>името</a:t>
+            </a:r>
+            <a:r>
+              <a:rPr lang="bg-BG" dirty="0"/>
+              <a:t> на базата данни и натиснете </a:t>
+            </a:r>
+            <a:r>
+              <a:rPr lang="ru-RU" dirty="0"/>
+              <a:t>[</a:t>
+            </a:r>
+            <a:r>
+              <a:rPr lang="bg-BG" b="1" dirty="0">
+                <a:latin typeface="Consolas" panose="020B0609020204030204" pitchFamily="49" charset="0"/>
+              </a:rPr>
+              <a:t>OK</a:t>
+            </a:r>
+            <a:r>
+              <a:rPr lang="ru-RU" dirty="0"/>
+              <a:t>]</a:t>
+            </a:r>
+            <a:r>
+              <a:rPr lang="bg-BG" dirty="0"/>
+              <a:t>. Това ще </a:t>
+            </a:r>
+            <a:r>
+              <a:rPr lang="bg-BG" b="1" dirty="0">
+                <a:solidFill>
+                  <a:schemeClr val="bg1"/>
+                </a:solidFill>
+              </a:rPr>
+              <a:t>създаде</a:t>
+            </a:r>
+            <a:r>
+              <a:rPr lang="bg-BG" dirty="0"/>
+              <a:t> вашата </a:t>
+            </a:r>
+            <a:r>
+              <a:rPr lang="bg-BG" b="1" dirty="0">
+                <a:solidFill>
+                  <a:schemeClr val="bg1"/>
+                </a:solidFill>
+              </a:rPr>
+              <a:t>база данни</a:t>
+            </a:r>
+            <a:endParaRPr lang="en-US" b="1" dirty="0">
+              <a:solidFill>
+                <a:schemeClr val="bg1"/>
+              </a:solidFill>
+            </a:endParaRPr>
+          </a:p>
+          <a:p>
+            <a:endParaRPr lang="en-US" dirty="0"/>
+          </a:p>
+        </p:txBody>
+      </p:sp>
+      <p:sp>
+        <p:nvSpPr>
+          <p:cNvPr id="4" name="Title 3">
+            <a:extLst>
+              <a:ext uri="{FF2B5EF4-FFF2-40B4-BE49-F238E27FC236}">
+                <a16:creationId xmlns:a16="http://schemas.microsoft.com/office/drawing/2014/main" id="{AAEA84F1-B32E-11CD-F7C4-3C4F0F63FA18}"/>
+              </a:ext>
+            </a:extLst>
+          </p:cNvPr>
+          <p:cNvSpPr>
+            <a:spLocks noGrp="1"/>
+          </p:cNvSpPr>
+          <p:nvPr>
+            <p:ph type="title"/>
+          </p:nvPr>
+        </p:nvSpPr>
+        <p:spPr/>
+        <p:txBody>
+          <a:bodyPr/>
+          <a:lstStyle/>
+          <a:p>
+            <a:r>
+              <a:rPr lang="bg-BG" dirty="0"/>
+              <a:t>Създаване на база данни</a:t>
+            </a:r>
+            <a:r>
+              <a:rPr lang="en-US" dirty="0"/>
+              <a:t> (2)</a:t>
+            </a:r>
+          </a:p>
+        </p:txBody>
+      </p:sp>
+      <p:pic>
+        <p:nvPicPr>
+          <p:cNvPr id="5" name="Picture 4">
+            <a:extLst>
+              <a:ext uri="{FF2B5EF4-FFF2-40B4-BE49-F238E27FC236}">
+                <a16:creationId xmlns:a16="http://schemas.microsoft.com/office/drawing/2014/main" id="{B2DCC8E3-2484-196A-C7AB-E4B12A0A021F}"/>
+              </a:ext>
+            </a:extLst>
+          </p:cNvPr>
+          <p:cNvPicPr>
+            <a:picLocks noChangeAspect="1"/>
+          </p:cNvPicPr>
+          <p:nvPr/>
+        </p:nvPicPr>
+        <p:blipFill>
+          <a:blip r:embed="rId2" cstate="print">
+            <a:extLst>
+              <a:ext uri="{28A0092B-C50C-407E-A947-70E740481C1C}">
+                <a14:useLocalDpi xmlns:a14="http://schemas.microsoft.com/office/drawing/2010/main" val="0"/>
+              </a:ext>
+            </a:extLst>
+          </a:blip>
+          <a:srcRect/>
+          <a:stretch>
+            <a:fillRect/>
+          </a:stretch>
+        </p:blipFill>
+        <p:spPr bwMode="auto">
+          <a:xfrm>
+            <a:off x="3828525" y="2439306"/>
+            <a:ext cx="4534950" cy="4083144"/>
+          </a:xfrm>
+          <a:prstGeom prst="rect">
+            <a:avLst/>
+          </a:prstGeom>
+          <a:noFill/>
+          <a:ln>
+            <a:solidFill>
+              <a:schemeClr val="bg2">
+                <a:lumMod val="75000"/>
+              </a:schemeClr>
+            </a:solidFill>
+          </a:ln>
+        </p:spPr>
+      </p:pic>
+    </p:spTree>
+    <p:extLst>
+      <p:ext uri="{BB962C8B-B14F-4D97-AF65-F5344CB8AC3E}">
+        <p14:creationId xmlns:p14="http://schemas.microsoft.com/office/powerpoint/2010/main" val="3387155494"/>
+      </p:ext>
+    </p:extLst>
+  </p:cSld>
+  <p:clrMapOvr>
+    <a:masterClrMapping/>
+  </p:clrMapOvr>
+  <mc:AlternateContent xmlns:mc="http://schemas.openxmlformats.org/markup-compatibility/2006" xmlns:p14="http://schemas.microsoft.com/office/powerpoint/2010/main">
+    <mc:Choice Requires="p14">
+      <p:transition spd="slow" p14:dur="2000" advClick="0" advTm="5000"/>
+    </mc:Choice>
+    <mc:Fallback xmlns="">
+      <p:transition spd="slow" advClick="0" advTm="5000"/>
+    </mc:Fallback>
+  </mc:AlternateContent>
+</p:sld>
+</file>
+
+<file path=ppt/slides/slide23.xml><?xml version="1.0" encoding="utf-8"?>
+<p:sld xmlns:a="http://schemas.openxmlformats.org/drawingml/2006/main" xmlns:r="http://schemas.openxmlformats.org/officeDocument/2006/relationships" xmlns:p="http://schemas.openxmlformats.org/presentationml/2006/main">
+  <p:cSld>
+    <p:spTree>
+      <p:nvGrpSpPr>
+        <p:cNvPr id="1" name=""/>
+        <p:cNvGrpSpPr/>
+        <p:nvPr/>
+      </p:nvGrpSpPr>
+      <p:grpSpPr>
+        <a:xfrm>
+          <a:off x="0" y="0"/>
+          <a:ext cx="0" cy="0"/>
+          <a:chOff x="0" y="0"/>
+          <a:chExt cx="0" cy="0"/>
+        </a:xfrm>
+      </p:grpSpPr>
+      <p:sp>
+        <p:nvSpPr>
+          <p:cNvPr id="5" name="Text Placeholder 4">
+            <a:extLst>
+              <a:ext uri="{FF2B5EF4-FFF2-40B4-BE49-F238E27FC236}">
+                <a16:creationId xmlns:a16="http://schemas.microsoft.com/office/drawing/2014/main" id="{81979E28-BEDC-C6E3-40A5-B026D2838CAA}"/>
+              </a:ext>
+            </a:extLst>
+          </p:cNvPr>
+          <p:cNvSpPr>
+            <a:spLocks noGrp="1"/>
+          </p:cNvSpPr>
+          <p:nvPr>
+            <p:ph type="body" sz="quarter" idx="10"/>
+          </p:nvPr>
+        </p:nvSpPr>
+        <p:spPr/>
+        <p:txBody>
+          <a:bodyPr/>
+          <a:lstStyle/>
+          <a:p>
+            <a:r>
+              <a:rPr lang="bg-BG" dirty="0"/>
+              <a:t>Натиснете върху </a:t>
+            </a:r>
+            <a:r>
+              <a:rPr lang="en-US" dirty="0"/>
+              <a:t>[</a:t>
+            </a:r>
+            <a:r>
+              <a:rPr lang="en-US" b="1" dirty="0">
+                <a:latin typeface="Consolas" panose="020B0609020204030204" pitchFamily="49" charset="0"/>
+              </a:rPr>
+              <a:t>+</a:t>
+            </a:r>
+            <a:r>
+              <a:rPr lang="en-US" dirty="0"/>
+              <a:t>] </a:t>
+            </a:r>
+            <a:r>
+              <a:rPr lang="bg-BG" dirty="0"/>
+              <a:t>до името на базата данни, която се визуализира в листа с бази данни</a:t>
+            </a:r>
+            <a:endParaRPr lang="en-US" dirty="0"/>
+          </a:p>
+          <a:p>
+            <a:r>
+              <a:rPr lang="bg-BG" dirty="0"/>
+              <a:t>Натиснете с </a:t>
+            </a:r>
+            <a:r>
+              <a:rPr lang="bg-BG" b="1" dirty="0"/>
+              <a:t>десен бутон </a:t>
+            </a:r>
+            <a:r>
+              <a:rPr lang="bg-BG" dirty="0"/>
+              <a:t>върху </a:t>
+            </a:r>
+            <a:r>
+              <a:rPr lang="en-US" dirty="0"/>
+              <a:t>Tables </a:t>
+            </a:r>
+            <a:r>
+              <a:rPr lang="bg-BG" dirty="0"/>
+              <a:t>и изберете</a:t>
+            </a:r>
+            <a:r>
+              <a:rPr lang="en-US" dirty="0"/>
+              <a:t> [</a:t>
+            </a:r>
+            <a:r>
+              <a:rPr lang="en-US" b="1" dirty="0">
+                <a:latin typeface="Consolas" panose="020B0609020204030204" pitchFamily="49" charset="0"/>
+              </a:rPr>
+              <a:t>New</a:t>
+            </a:r>
+            <a:r>
+              <a:rPr lang="en-US" dirty="0"/>
+              <a:t>] -&gt;</a:t>
+            </a:r>
+            <a:r>
+              <a:rPr lang="bg-BG" dirty="0"/>
+              <a:t> </a:t>
+            </a:r>
+            <a:r>
+              <a:rPr lang="en-US" dirty="0"/>
+              <a:t>[</a:t>
+            </a:r>
+            <a:r>
+              <a:rPr lang="en-US" b="1" dirty="0">
+                <a:latin typeface="Consolas" panose="020B0609020204030204" pitchFamily="49" charset="0"/>
+              </a:rPr>
+              <a:t>Table…</a:t>
+            </a:r>
+            <a:r>
+              <a:rPr lang="en-US" dirty="0"/>
+              <a:t>]</a:t>
+            </a:r>
+            <a:endParaRPr lang="bg-BG" dirty="0"/>
+          </a:p>
+        </p:txBody>
+      </p:sp>
+      <p:sp>
+        <p:nvSpPr>
+          <p:cNvPr id="4" name="Title 3">
+            <a:extLst>
+              <a:ext uri="{FF2B5EF4-FFF2-40B4-BE49-F238E27FC236}">
+                <a16:creationId xmlns:a16="http://schemas.microsoft.com/office/drawing/2014/main" id="{D64EE715-CE86-254F-40D0-54C014C32C2E}"/>
+              </a:ext>
+            </a:extLst>
+          </p:cNvPr>
+          <p:cNvSpPr>
+            <a:spLocks noGrp="1"/>
+          </p:cNvSpPr>
+          <p:nvPr>
+            <p:ph type="title"/>
+          </p:nvPr>
+        </p:nvSpPr>
+        <p:spPr/>
+        <p:txBody>
+          <a:bodyPr/>
+          <a:lstStyle/>
+          <a:p>
+            <a:r>
+              <a:rPr lang="bg-BG" dirty="0"/>
+              <a:t>Създаване на таблица</a:t>
+            </a:r>
+            <a:r>
+              <a:rPr lang="en-US" dirty="0"/>
+              <a:t> (1)</a:t>
+            </a:r>
+            <a:endParaRPr lang="bg-BG" dirty="0"/>
+          </a:p>
+        </p:txBody>
+      </p:sp>
+      <p:pic>
+        <p:nvPicPr>
+          <p:cNvPr id="6" name="Picture 5">
+            <a:extLst>
+              <a:ext uri="{FF2B5EF4-FFF2-40B4-BE49-F238E27FC236}">
+                <a16:creationId xmlns:a16="http://schemas.microsoft.com/office/drawing/2014/main" id="{9183BBCB-CB93-6695-9D6F-47E99FCB0357}"/>
+              </a:ext>
+            </a:extLst>
+          </p:cNvPr>
+          <p:cNvPicPr>
+            <a:picLocks noChangeAspect="1"/>
+          </p:cNvPicPr>
+          <p:nvPr/>
+        </p:nvPicPr>
+        <p:blipFill>
+          <a:blip r:embed="rId2"/>
+          <a:stretch>
+            <a:fillRect/>
+          </a:stretch>
+        </p:blipFill>
+        <p:spPr>
+          <a:xfrm>
+            <a:off x="3531000" y="3807746"/>
+            <a:ext cx="4486901" cy="1867161"/>
+          </a:xfrm>
+          <a:prstGeom prst="rect">
+            <a:avLst/>
+          </a:prstGeom>
+          <a:ln>
+            <a:solidFill>
+              <a:schemeClr val="bg2">
+                <a:lumMod val="75000"/>
+              </a:schemeClr>
+            </a:solidFill>
+          </a:ln>
+        </p:spPr>
+      </p:pic>
     </p:spTree>
     <p:extLst>
       <p:ext uri="{BB962C8B-B14F-4D97-AF65-F5344CB8AC3E}">
@@ -10777,18 +12457,551 @@
   <p:clrMapOvr>
     <a:masterClrMapping/>
   </p:clrMapOvr>
-  <mc:AlternateContent xmlns:mc="http://schemas.openxmlformats.org/markup-compatibility/2006">
-    <mc:Choice xmlns:p14="http://schemas.microsoft.com/office/powerpoint/2010/main" Requires="p14">
+  <mc:AlternateContent xmlns:mc="http://schemas.openxmlformats.org/markup-compatibility/2006" xmlns:p14="http://schemas.microsoft.com/office/powerpoint/2010/main">
+    <mc:Choice Requires="p14">
       <p:transition spd="slow" p14:dur="2000" advClick="0" advTm="5000"/>
     </mc:Choice>
-    <mc:Fallback>
+    <mc:Fallback xmlns="">
       <p:transition spd="slow" advClick="0" advTm="5000"/>
     </mc:Fallback>
   </mc:AlternateContent>
+  <p:timing>
+    <p:tnLst>
+      <p:par>
+        <p:cTn id="1" dur="indefinite" restart="never" nodeType="tmRoot">
+          <p:childTnLst>
+            <p:seq concurrent="1" nextAc="seek">
+              <p:cTn id="2" dur="indefinite" nodeType="mainSeq">
+                <p:childTnLst>
+                  <p:par>
+                    <p:cTn id="3" fill="hold">
+                      <p:stCondLst>
+                        <p:cond delay="indefinite"/>
+                      </p:stCondLst>
+                      <p:childTnLst>
+                        <p:par>
+                          <p:cTn id="4" fill="hold">
+                            <p:stCondLst>
+                              <p:cond delay="0"/>
+                            </p:stCondLst>
+                            <p:childTnLst>
+                              <p:par>
+                                <p:cTn id="5" presetID="1" presetClass="entr" presetSubtype="0" fill="hold" nodeType="clickEffect">
+                                  <p:stCondLst>
+                                    <p:cond delay="0"/>
+                                  </p:stCondLst>
+                                  <p:childTnLst>
+                                    <p:set>
+                                      <p:cBhvr>
+                                        <p:cTn id="6" dur="1" fill="hold">
+                                          <p:stCondLst>
+                                            <p:cond delay="0"/>
+                                          </p:stCondLst>
+                                        </p:cTn>
+                                        <p:tgtEl>
+                                          <p:spTgt spid="5">
+                                            <p:txEl>
+                                              <p:pRg st="1" end="1"/>
+                                            </p:txEl>
+                                          </p:spTgt>
+                                        </p:tgtEl>
+                                        <p:attrNameLst>
+                                          <p:attrName>style.visibility</p:attrName>
+                                        </p:attrNameLst>
+                                      </p:cBhvr>
+                                      <p:to>
+                                        <p:strVal val="visible"/>
+                                      </p:to>
+                                    </p:set>
+                                  </p:childTnLst>
+                                </p:cTn>
+                              </p:par>
+                              <p:par>
+                                <p:cTn id="7" presetID="1" presetClass="entr" presetSubtype="0" fill="hold" nodeType="withEffect">
+                                  <p:stCondLst>
+                                    <p:cond delay="0"/>
+                                  </p:stCondLst>
+                                  <p:childTnLst>
+                                    <p:set>
+                                      <p:cBhvr>
+                                        <p:cTn id="8" dur="1" fill="hold">
+                                          <p:stCondLst>
+                                            <p:cond delay="0"/>
+                                          </p:stCondLst>
+                                        </p:cTn>
+                                        <p:tgtEl>
+                                          <p:spTgt spid="6"/>
+                                        </p:tgtEl>
+                                        <p:attrNameLst>
+                                          <p:attrName>style.visibility</p:attrName>
+                                        </p:attrNameLst>
+                                      </p:cBhvr>
+                                      <p:to>
+                                        <p:strVal val="visible"/>
+                                      </p:to>
+                                    </p:set>
+                                  </p:childTnLst>
+                                </p:cTn>
+                              </p:par>
+                            </p:childTnLst>
+                          </p:cTn>
+                        </p:par>
+                      </p:childTnLst>
+                    </p:cTn>
+                  </p:par>
+                </p:childTnLst>
+              </p:cTn>
+              <p:prevCondLst>
+                <p:cond evt="onPrev" delay="0">
+                  <p:tgtEl>
+                    <p:sldTgt/>
+                  </p:tgtEl>
+                </p:cond>
+              </p:prevCondLst>
+              <p:nextCondLst>
+                <p:cond evt="onNext" delay="0">
+                  <p:tgtEl>
+                    <p:sldTgt/>
+                  </p:tgtEl>
+                </p:cond>
+              </p:nextCondLst>
+            </p:seq>
+          </p:childTnLst>
+        </p:cTn>
+      </p:par>
+    </p:tnLst>
+  </p:timing>
 </p:sld>
 </file>
 
-<file path=ppt/slides/slide22.xml><?xml version="1.0" encoding="utf-8"?>
+<file path=ppt/slides/slide24.xml><?xml version="1.0" encoding="utf-8"?>
+<p:sld xmlns:a="http://schemas.openxmlformats.org/drawingml/2006/main" xmlns:r="http://schemas.openxmlformats.org/officeDocument/2006/relationships" xmlns:p="http://schemas.openxmlformats.org/presentationml/2006/main">
+  <p:cSld>
+    <p:spTree>
+      <p:nvGrpSpPr>
+        <p:cNvPr id="1" name=""/>
+        <p:cNvGrpSpPr/>
+        <p:nvPr/>
+      </p:nvGrpSpPr>
+      <p:grpSpPr>
+        <a:xfrm>
+          <a:off x="0" y="0"/>
+          <a:ext cx="0" cy="0"/>
+          <a:chOff x="0" y="0"/>
+          <a:chExt cx="0" cy="0"/>
+        </a:xfrm>
+      </p:grpSpPr>
+      <p:sp>
+        <p:nvSpPr>
+          <p:cNvPr id="2" name="Slide Number Placeholder 1">
+            <a:extLst>
+              <a:ext uri="{FF2B5EF4-FFF2-40B4-BE49-F238E27FC236}">
+                <a16:creationId xmlns:a16="http://schemas.microsoft.com/office/drawing/2014/main" id="{E1E6F4EC-680B-E0A2-7C9C-EBCC0873ED75}"/>
+              </a:ext>
+            </a:extLst>
+          </p:cNvPr>
+          <p:cNvSpPr>
+            <a:spLocks noGrp="1"/>
+          </p:cNvSpPr>
+          <p:nvPr>
+            <p:ph type="sldNum" sz="quarter" idx="5"/>
+          </p:nvPr>
+        </p:nvSpPr>
+        <p:spPr/>
+        <p:txBody>
+          <a:bodyPr/>
+          <a:lstStyle/>
+          <a:p>
+            <a:fld id="{2BF067CD-8E6B-4360-9AA8-C5DF2A48A6D1}" type="slidenum">
+              <a:rPr lang="en-US" noProof="0" smtClean="0"/>
+              <a:pPr/>
+              <a:t>24</a:t>
+            </a:fld>
+            <a:endParaRPr lang="en-US" noProof="0" dirty="0"/>
+          </a:p>
+        </p:txBody>
+      </p:sp>
+      <p:sp>
+        <p:nvSpPr>
+          <p:cNvPr id="3" name="Text Placeholder 2">
+            <a:extLst>
+              <a:ext uri="{FF2B5EF4-FFF2-40B4-BE49-F238E27FC236}">
+                <a16:creationId xmlns:a16="http://schemas.microsoft.com/office/drawing/2014/main" id="{A9CEF402-8C74-A96D-47A1-63147DE41021}"/>
+              </a:ext>
+            </a:extLst>
+          </p:cNvPr>
+          <p:cNvSpPr>
+            <a:spLocks noGrp="1"/>
+          </p:cNvSpPr>
+          <p:nvPr>
+            <p:ph type="body" sz="quarter" idx="10"/>
+          </p:nvPr>
+        </p:nvSpPr>
+        <p:spPr/>
+        <p:txBody>
+          <a:bodyPr/>
+          <a:lstStyle/>
+          <a:p>
+            <a:r>
+              <a:rPr lang="bg-BG" dirty="0"/>
+              <a:t>Създайте </a:t>
+            </a:r>
+            <a:r>
+              <a:rPr lang="bg-BG" b="1" dirty="0">
+                <a:solidFill>
+                  <a:schemeClr val="bg1"/>
+                </a:solidFill>
+              </a:rPr>
+              <a:t>колони</a:t>
+            </a:r>
+            <a:r>
+              <a:rPr lang="bg-BG" dirty="0"/>
+              <a:t> и им задайте </a:t>
+            </a:r>
+            <a:r>
+              <a:rPr lang="bg-BG" b="1" dirty="0">
+                <a:solidFill>
+                  <a:schemeClr val="bg1"/>
+                </a:solidFill>
+              </a:rPr>
+              <a:t>тип</a:t>
+            </a:r>
+            <a:r>
+              <a:rPr lang="bg-BG" dirty="0"/>
+              <a:t> на </a:t>
+            </a:r>
+            <a:r>
+              <a:rPr lang="bg-BG" b="1" dirty="0">
+                <a:solidFill>
+                  <a:schemeClr val="bg1"/>
+                </a:solidFill>
+              </a:rPr>
+              <a:t>данните</a:t>
+            </a:r>
+            <a:endParaRPr lang="en-US" b="1" dirty="0">
+              <a:solidFill>
+                <a:schemeClr val="bg1"/>
+              </a:solidFill>
+            </a:endParaRPr>
+          </a:p>
+          <a:p>
+            <a:endParaRPr lang="en-US" b="1" dirty="0">
+              <a:solidFill>
+                <a:schemeClr val="bg1"/>
+              </a:solidFill>
+            </a:endParaRPr>
+          </a:p>
+          <a:p>
+            <a:endParaRPr lang="en-US" b="1" dirty="0">
+              <a:solidFill>
+                <a:schemeClr val="bg1"/>
+              </a:solidFill>
+            </a:endParaRPr>
+          </a:p>
+          <a:p>
+            <a:endParaRPr lang="en-US" b="1" dirty="0">
+              <a:solidFill>
+                <a:schemeClr val="bg1"/>
+              </a:solidFill>
+            </a:endParaRPr>
+          </a:p>
+          <a:p>
+            <a:pPr>
+              <a:buClr>
+                <a:schemeClr val="tx1"/>
+              </a:buClr>
+            </a:pPr>
+            <a:r>
+              <a:rPr lang="bg-BG" dirty="0"/>
+              <a:t>Натиснете </a:t>
+            </a:r>
+            <a:r>
+              <a:rPr lang="en-US" b="1" dirty="0"/>
+              <a:t>Ctrl</a:t>
+            </a:r>
+            <a:r>
+              <a:rPr lang="ru-RU" b="1" dirty="0"/>
+              <a:t> + </a:t>
+            </a:r>
+            <a:r>
+              <a:rPr lang="en-US" b="1" dirty="0"/>
+              <a:t>S </a:t>
+            </a:r>
+            <a:r>
+              <a:rPr lang="bg-BG" dirty="0"/>
+              <a:t>и задайте име на таблицата. Натиснете </a:t>
+            </a:r>
+            <a:r>
+              <a:rPr lang="en-US" dirty="0"/>
+              <a:t>[</a:t>
+            </a:r>
+            <a:r>
+              <a:rPr lang="en-US" b="1" dirty="0">
+                <a:latin typeface="Consolas" panose="020B0609020204030204" pitchFamily="49" charset="0"/>
+              </a:rPr>
+              <a:t>OK</a:t>
+            </a:r>
+            <a:r>
+              <a:rPr lang="en-US" dirty="0"/>
+              <a:t>]</a:t>
+            </a:r>
+          </a:p>
+          <a:p>
+            <a:pPr>
+              <a:buClr>
+                <a:schemeClr val="tx1"/>
+              </a:buClr>
+            </a:pPr>
+            <a:endParaRPr lang="en-US" b="1" dirty="0">
+              <a:solidFill>
+                <a:schemeClr val="bg1"/>
+              </a:solidFill>
+            </a:endParaRPr>
+          </a:p>
+        </p:txBody>
+      </p:sp>
+      <p:sp>
+        <p:nvSpPr>
+          <p:cNvPr id="4" name="Title 3">
+            <a:extLst>
+              <a:ext uri="{FF2B5EF4-FFF2-40B4-BE49-F238E27FC236}">
+                <a16:creationId xmlns:a16="http://schemas.microsoft.com/office/drawing/2014/main" id="{0EEFD29A-ED48-09DF-CBB6-101521CEE227}"/>
+              </a:ext>
+            </a:extLst>
+          </p:cNvPr>
+          <p:cNvSpPr>
+            <a:spLocks noGrp="1"/>
+          </p:cNvSpPr>
+          <p:nvPr>
+            <p:ph type="title"/>
+          </p:nvPr>
+        </p:nvSpPr>
+        <p:spPr/>
+        <p:txBody>
+          <a:bodyPr/>
+          <a:lstStyle/>
+          <a:p>
+            <a:r>
+              <a:rPr lang="bg-BG" dirty="0"/>
+              <a:t>Създаване на таблица</a:t>
+            </a:r>
+            <a:r>
+              <a:rPr lang="en-US" dirty="0"/>
+              <a:t> (2)</a:t>
+            </a:r>
+          </a:p>
+        </p:txBody>
+      </p:sp>
+      <p:pic>
+        <p:nvPicPr>
+          <p:cNvPr id="5" name="Picture 4" descr="Graphical user interface, table&#10;&#10;Description automatically generated">
+            <a:extLst>
+              <a:ext uri="{FF2B5EF4-FFF2-40B4-BE49-F238E27FC236}">
+                <a16:creationId xmlns:a16="http://schemas.microsoft.com/office/drawing/2014/main" id="{225EA626-1E9D-3B38-C4F2-7EEF6BB149D3}"/>
+              </a:ext>
+            </a:extLst>
+          </p:cNvPr>
+          <p:cNvPicPr>
+            <a:picLocks noChangeAspect="1"/>
+          </p:cNvPicPr>
+          <p:nvPr/>
+        </p:nvPicPr>
+        <p:blipFill>
+          <a:blip r:embed="rId2" cstate="print">
+            <a:extLst>
+              <a:ext uri="{28A0092B-C50C-407E-A947-70E740481C1C}">
+                <a14:useLocalDpi xmlns:a14="http://schemas.microsoft.com/office/drawing/2010/main" val="0"/>
+              </a:ext>
+            </a:extLst>
+          </a:blip>
+          <a:srcRect/>
+          <a:stretch>
+            <a:fillRect/>
+          </a:stretch>
+        </p:blipFill>
+        <p:spPr bwMode="auto">
+          <a:xfrm>
+            <a:off x="3823500" y="2214000"/>
+            <a:ext cx="4545000" cy="1665000"/>
+          </a:xfrm>
+          <a:prstGeom prst="rect">
+            <a:avLst/>
+          </a:prstGeom>
+          <a:noFill/>
+          <a:ln>
+            <a:solidFill>
+              <a:schemeClr val="bg2">
+                <a:lumMod val="75000"/>
+              </a:schemeClr>
+            </a:solidFill>
+          </a:ln>
+        </p:spPr>
+      </p:pic>
+      <p:pic>
+        <p:nvPicPr>
+          <p:cNvPr id="8" name="Picture 7" descr="A screenshot of a computer&#10;&#10;Description automatically generated">
+            <a:extLst>
+              <a:ext uri="{FF2B5EF4-FFF2-40B4-BE49-F238E27FC236}">
+                <a16:creationId xmlns:a16="http://schemas.microsoft.com/office/drawing/2014/main" id="{49E1BE6E-1D59-F1EE-784E-19D63543F954}"/>
+              </a:ext>
+            </a:extLst>
+          </p:cNvPr>
+          <p:cNvPicPr>
+            <a:picLocks noChangeAspect="1"/>
+          </p:cNvPicPr>
+          <p:nvPr/>
+        </p:nvPicPr>
+        <p:blipFill>
+          <a:blip r:embed="rId3"/>
+          <a:stretch>
+            <a:fillRect/>
+          </a:stretch>
+        </p:blipFill>
+        <p:spPr>
+          <a:xfrm>
+            <a:off x="4848823" y="4896875"/>
+            <a:ext cx="2494354" cy="1502125"/>
+          </a:xfrm>
+          <a:prstGeom prst="rect">
+            <a:avLst/>
+          </a:prstGeom>
+          <a:ln>
+            <a:solidFill>
+              <a:schemeClr val="bg2">
+                <a:lumMod val="75000"/>
+              </a:schemeClr>
+            </a:solidFill>
+          </a:ln>
+        </p:spPr>
+      </p:pic>
+    </p:spTree>
+    <p:extLst>
+      <p:ext uri="{BB962C8B-B14F-4D97-AF65-F5344CB8AC3E}">
+        <p14:creationId xmlns:p14="http://schemas.microsoft.com/office/powerpoint/2010/main" val="828165436"/>
+      </p:ext>
+    </p:extLst>
+  </p:cSld>
+  <p:clrMapOvr>
+    <a:masterClrMapping/>
+  </p:clrMapOvr>
+  <mc:AlternateContent xmlns:mc="http://schemas.openxmlformats.org/markup-compatibility/2006" xmlns:p14="http://schemas.microsoft.com/office/powerpoint/2010/main">
+    <mc:Choice Requires="p14">
+      <p:transition spd="slow" p14:dur="2000" advClick="0" advTm="5000"/>
+    </mc:Choice>
+    <mc:Fallback xmlns="">
+      <p:transition spd="slow" advClick="0" advTm="5000"/>
+    </mc:Fallback>
+  </mc:AlternateContent>
+  <p:timing>
+    <p:tnLst>
+      <p:par>
+        <p:cTn id="1" dur="indefinite" restart="never" nodeType="tmRoot">
+          <p:childTnLst>
+            <p:seq concurrent="1" nextAc="seek">
+              <p:cTn id="2" dur="indefinite" nodeType="mainSeq">
+                <p:childTnLst>
+                  <p:par>
+                    <p:cTn id="3" fill="hold">
+                      <p:stCondLst>
+                        <p:cond delay="indefinite"/>
+                      </p:stCondLst>
+                      <p:childTnLst>
+                        <p:par>
+                          <p:cTn id="4" fill="hold">
+                            <p:stCondLst>
+                              <p:cond delay="0"/>
+                            </p:stCondLst>
+                            <p:childTnLst>
+                              <p:par>
+                                <p:cTn id="5" presetID="1" presetClass="entr" presetSubtype="0" fill="hold" nodeType="clickEffect">
+                                  <p:stCondLst>
+                                    <p:cond delay="0"/>
+                                  </p:stCondLst>
+                                  <p:childTnLst>
+                                    <p:set>
+                                      <p:cBhvr>
+                                        <p:cTn id="6" dur="1" fill="hold">
+                                          <p:stCondLst>
+                                            <p:cond delay="0"/>
+                                          </p:stCondLst>
+                                        </p:cTn>
+                                        <p:tgtEl>
+                                          <p:spTgt spid="3">
+                                            <p:txEl>
+                                              <p:pRg st="4" end="4"/>
+                                            </p:txEl>
+                                          </p:spTgt>
+                                        </p:tgtEl>
+                                        <p:attrNameLst>
+                                          <p:attrName>style.visibility</p:attrName>
+                                        </p:attrNameLst>
+                                      </p:cBhvr>
+                                      <p:to>
+                                        <p:strVal val="visible"/>
+                                      </p:to>
+                                    </p:set>
+                                  </p:childTnLst>
+                                </p:cTn>
+                              </p:par>
+                              <p:par>
+                                <p:cTn id="7" presetID="1" presetClass="entr" presetSubtype="0" fill="hold" nodeType="withEffect">
+                                  <p:stCondLst>
+                                    <p:cond delay="0"/>
+                                  </p:stCondLst>
+                                  <p:childTnLst>
+                                    <p:set>
+                                      <p:cBhvr>
+                                        <p:cTn id="8" dur="1" fill="hold">
+                                          <p:stCondLst>
+                                            <p:cond delay="0"/>
+                                          </p:stCondLst>
+                                        </p:cTn>
+                                        <p:tgtEl>
+                                          <p:spTgt spid="8"/>
+                                        </p:tgtEl>
+                                        <p:attrNameLst>
+                                          <p:attrName>style.visibility</p:attrName>
+                                        </p:attrNameLst>
+                                      </p:cBhvr>
+                                      <p:to>
+                                        <p:strVal val="visible"/>
+                                      </p:to>
+                                    </p:set>
+                                  </p:childTnLst>
+                                </p:cTn>
+                              </p:par>
+                            </p:childTnLst>
+                          </p:cTn>
+                        </p:par>
+                      </p:childTnLst>
+                    </p:cTn>
+                  </p:par>
+                </p:childTnLst>
+              </p:cTn>
+              <p:prevCondLst>
+                <p:cond evt="onPrev" delay="0">
+                  <p:tgtEl>
+                    <p:sldTgt/>
+                  </p:tgtEl>
+                </p:cond>
+              </p:prevCondLst>
+              <p:nextCondLst>
+                <p:cond evt="onNext" delay="0">
+                  <p:tgtEl>
+                    <p:sldTgt/>
+                  </p:tgtEl>
+                </p:cond>
+              </p:nextCondLst>
+            </p:seq>
+          </p:childTnLst>
+        </p:cTn>
+      </p:par>
+    </p:tnLst>
+  </p:timing>
+</p:sld>
+</file>
+
+<file path=ppt/slides/slide25.xml><?xml version="1.0" encoding="utf-8"?>
 <p:sld xmlns:a="http://schemas.openxmlformats.org/drawingml/2006/main" xmlns:r="http://schemas.openxmlformats.org/officeDocument/2006/relationships" xmlns:p="http://schemas.openxmlformats.org/presentationml/2006/main">
   <p:cSld>
     <p:spTree>
@@ -11176,7 +13389,7 @@
             <a:fld id="{2BF067CD-8E6B-4360-9AA8-C5DF2A48A6D1}" type="slidenum">
               <a:rPr lang="en-US" noProof="0" smtClean="0"/>
               <a:pPr/>
-              <a:t>22</a:t>
+              <a:t>25</a:t>
             </a:fld>
             <a:endParaRPr lang="en-US" noProof="0" dirty="0"/>
           </a:p>
@@ -11448,7 +13661,7 @@
 </p:sld>
 </file>
 
-<file path=ppt/slides/slide23.xml><?xml version="1.0" encoding="utf-8"?>
+<file path=ppt/slides/slide26.xml><?xml version="1.0" encoding="utf-8"?>
 <p:sld xmlns:a="http://schemas.openxmlformats.org/drawingml/2006/main" xmlns:r="http://schemas.openxmlformats.org/officeDocument/2006/relationships" xmlns:p="http://schemas.openxmlformats.org/presentationml/2006/main">
   <p:cSld>
     <p:spTree>
@@ -11747,7 +13960,7 @@
             <a:fld id="{2BF067CD-8E6B-4360-9AA8-C5DF2A48A6D1}" type="slidenum">
               <a:rPr lang="en-US" noProof="0" smtClean="0"/>
               <a:pPr/>
-              <a:t>23</a:t>
+              <a:t>26</a:t>
             </a:fld>
             <a:endParaRPr lang="en-US" noProof="0" dirty="0"/>
           </a:p>
@@ -12233,7 +14446,7 @@
 </p:sld>
 </file>
 
-<file path=ppt/slides/slide24.xml><?xml version="1.0" encoding="utf-8"?>
+<file path=ppt/slides/slide27.xml><?xml version="1.0" encoding="utf-8"?>
 <p:sld xmlns:a="http://schemas.openxmlformats.org/drawingml/2006/main" xmlns:r="http://schemas.openxmlformats.org/officeDocument/2006/relationships" xmlns:p="http://schemas.openxmlformats.org/presentationml/2006/main">
   <p:cSld>
     <p:spTree>
@@ -12604,7 +14817,7 @@
             <a:fld id="{2BF067CD-8E6B-4360-9AA8-C5DF2A48A6D1}" type="slidenum">
               <a:rPr lang="en-US" noProof="0" smtClean="0"/>
               <a:pPr/>
-              <a:t>24</a:t>
+              <a:t>27</a:t>
             </a:fld>
             <a:endParaRPr lang="en-US" noProof="0" dirty="0"/>
           </a:p>
@@ -12858,7 +15071,7 @@
 </p:sld>
 </file>
 
-<file path=ppt/slides/slide25.xml><?xml version="1.0" encoding="utf-8"?>
+<file path=ppt/slides/slide28.xml><?xml version="1.0" encoding="utf-8"?>
 <p:sld xmlns:a="http://schemas.openxmlformats.org/drawingml/2006/main" xmlns:r="http://schemas.openxmlformats.org/officeDocument/2006/relationships" xmlns:p="http://schemas.openxmlformats.org/presentationml/2006/main">
   <p:cSld>
     <p:spTree>
@@ -12899,7 +15112,7 @@
             <a:fld id="{2BF067CD-8E6B-4360-9AA8-C5DF2A48A6D1}" type="slidenum">
               <a:rPr lang="en-US" noProof="0" smtClean="0"/>
               <a:pPr/>
-              <a:t>25</a:t>
+              <a:t>28</a:t>
             </a:fld>
             <a:endParaRPr lang="en-US" noProof="0" dirty="0"/>
           </a:p>
@@ -13766,7 +15979,7 @@
 </p:sld>
 </file>
 
-<file path=ppt/slides/slide26.xml><?xml version="1.0" encoding="utf-8"?>
+<file path=ppt/slides/slide29.xml><?xml version="1.0" encoding="utf-8"?>
 <p:sld xmlns:a="http://schemas.openxmlformats.org/drawingml/2006/main" xmlns:r="http://schemas.openxmlformats.org/officeDocument/2006/relationships" xmlns:p="http://schemas.openxmlformats.org/presentationml/2006/main">
   <p:cSld>
     <p:spTree>
@@ -13895,7 +16108,166 @@
 </p:sld>
 </file>
 
-<file path=ppt/slides/slide27.xml><?xml version="1.0" encoding="utf-8"?>
+<file path=ppt/slides/slide3.xml><?xml version="1.0" encoding="utf-8"?>
+<p:sld xmlns:a="http://schemas.openxmlformats.org/drawingml/2006/main" xmlns:r="http://schemas.openxmlformats.org/officeDocument/2006/relationships" xmlns:p="http://schemas.openxmlformats.org/presentationml/2006/main">
+  <p:cSld>
+    <p:spTree>
+      <p:nvGrpSpPr>
+        <p:cNvPr id="1" name=""/>
+        <p:cNvGrpSpPr/>
+        <p:nvPr/>
+      </p:nvGrpSpPr>
+      <p:grpSpPr>
+        <a:xfrm>
+          <a:off x="0" y="0"/>
+          <a:ext cx="0" cy="0"/>
+          <a:chOff x="0" y="0"/>
+          <a:chExt cx="0" cy="0"/>
+        </a:xfrm>
+      </p:grpSpPr>
+      <p:pic>
+        <p:nvPicPr>
+          <p:cNvPr id="6" name="Picture 4" descr="Ð ÐµÐ·ÑÐ»ÑÐ°Ñ Ñ Ð¸Ð·Ð¾Ð±ÑÐ°Ð¶ÐµÐ½Ð¸Ðµ Ð·Ð° sql server express png">
+            <a:extLst>
+              <a:ext uri="{FF2B5EF4-FFF2-40B4-BE49-F238E27FC236}">
+                <a16:creationId xmlns:a16="http://schemas.microsoft.com/office/drawing/2014/main" id="{ABA81264-79EA-4C61-B859-F609E78C6876}"/>
+              </a:ext>
+            </a:extLst>
+          </p:cNvPr>
+          <p:cNvPicPr>
+            <a:picLocks noChangeAspect="1" noChangeArrowheads="1"/>
+          </p:cNvPicPr>
+          <p:nvPr/>
+        </p:nvPicPr>
+        <p:blipFill>
+          <a:blip r:embed="rId2" cstate="print">
+            <a:extLst>
+              <a:ext uri="{28A0092B-C50C-407E-A947-70E740481C1C}">
+                <a14:useLocalDpi xmlns:a14="http://schemas.microsoft.com/office/drawing/2010/main" val="0"/>
+              </a:ext>
+            </a:extLst>
+          </a:blip>
+          <a:srcRect/>
+          <a:stretch>
+            <a:fillRect/>
+          </a:stretch>
+        </p:blipFill>
+        <p:spPr bwMode="auto">
+          <a:xfrm>
+            <a:off x="4675658" y="1384495"/>
+            <a:ext cx="2840683" cy="2305483"/>
+          </a:xfrm>
+          <a:prstGeom prst="rect">
+            <a:avLst/>
+          </a:prstGeom>
+          <a:noFill/>
+          <a:extLst>
+            <a:ext uri="{909E8E84-426E-40DD-AFC4-6F175D3DCCD1}">
+              <a14:hiddenFill xmlns:a14="http://schemas.microsoft.com/office/drawing/2010/main">
+                <a:solidFill>
+                  <a:srgbClr val="FFFFFF"/>
+                </a:solidFill>
+              </a14:hiddenFill>
+            </a:ext>
+          </a:extLst>
+        </p:spPr>
+      </p:pic>
+      <p:sp>
+        <p:nvSpPr>
+          <p:cNvPr id="5" name="Подзаглавие 4">
+            <a:extLst>
+              <a:ext uri="{FF2B5EF4-FFF2-40B4-BE49-F238E27FC236}">
+                <a16:creationId xmlns:a16="http://schemas.microsoft.com/office/drawing/2014/main" id="{8AE6A1FD-951B-BB4F-EC39-C1D0F100F2CE}"/>
+              </a:ext>
+            </a:extLst>
+          </p:cNvPr>
+          <p:cNvSpPr>
+            <a:spLocks noGrp="1"/>
+          </p:cNvSpPr>
+          <p:nvPr>
+            <p:ph type="subTitle" sz="quarter" idx="11"/>
+          </p:nvPr>
+        </p:nvSpPr>
+        <p:spPr/>
+        <p:txBody>
+          <a:bodyPr/>
+          <a:lstStyle/>
+          <a:p>
+            <a:r>
+              <a:rPr lang="bg-BG" dirty="0"/>
+              <a:t>Същност и архитектура</a:t>
+            </a:r>
+          </a:p>
+        </p:txBody>
+      </p:sp>
+      <p:sp>
+        <p:nvSpPr>
+          <p:cNvPr id="8" name="Заглавие 7">
+            <a:extLst>
+              <a:ext uri="{FF2B5EF4-FFF2-40B4-BE49-F238E27FC236}">
+                <a16:creationId xmlns:a16="http://schemas.microsoft.com/office/drawing/2014/main" id="{28CC101B-D563-EFCE-ADE9-2241D6CCD10D}"/>
+              </a:ext>
+            </a:extLst>
+          </p:cNvPr>
+          <p:cNvSpPr>
+            <a:spLocks noGrp="1"/>
+          </p:cNvSpPr>
+          <p:nvPr>
+            <p:ph type="title" sz="quarter" idx="10"/>
+          </p:nvPr>
+        </p:nvSpPr>
+        <p:spPr>
+          <a:xfrm>
+            <a:off x="615109" y="4730916"/>
+            <a:ext cx="10961783" cy="768084"/>
+          </a:xfrm>
+        </p:spPr>
+        <p:txBody>
+          <a:bodyPr/>
+          <a:lstStyle/>
+          <a:p>
+            <a:r>
+              <a:rPr lang="bg-BG" dirty="0"/>
+              <a:t>Запознаване с </a:t>
+            </a:r>
+            <a:r>
+              <a:rPr lang="en-US" dirty="0"/>
+              <a:t>SQL Server</a:t>
+            </a:r>
+            <a:r>
+              <a:rPr lang="bg-BG" dirty="0"/>
+              <a:t> и</a:t>
+            </a:r>
+            <a:r>
+              <a:rPr lang="en-US" dirty="0"/>
+              <a:t> LocalDB</a:t>
+            </a:r>
+            <a:endParaRPr lang="bg-BG" dirty="0"/>
+          </a:p>
+        </p:txBody>
+      </p:sp>
+    </p:spTree>
+    <p:extLst>
+      <p:ext uri="{BB962C8B-B14F-4D97-AF65-F5344CB8AC3E}">
+        <p14:creationId xmlns:p14="http://schemas.microsoft.com/office/powerpoint/2010/main" val="1198903873"/>
+      </p:ext>
+    </p:extLst>
+  </p:cSld>
+  <p:clrMapOvr>
+    <a:masterClrMapping/>
+  </p:clrMapOvr>
+  <mc:AlternateContent xmlns:mc="http://schemas.openxmlformats.org/markup-compatibility/2006" xmlns:p14="http://schemas.microsoft.com/office/powerpoint/2010/main">
+    <mc:Choice Requires="p14">
+      <p:transition spd="slow" p14:dur="2000" advClick="0" advTm="5000"/>
+    </mc:Choice>
+    <mc:Fallback xmlns="">
+      <p:transition spd="slow" advClick="0" advTm="5000"/>
+    </mc:Fallback>
+  </mc:AlternateContent>
+</p:sld>
+</file>
+
+<file path=ppt/slides/slide30.xml><?xml version="1.0" encoding="utf-8"?>
 <p:sld xmlns:a="http://schemas.openxmlformats.org/drawingml/2006/main" xmlns:r="http://schemas.openxmlformats.org/officeDocument/2006/relationships" xmlns:p="http://schemas.openxmlformats.org/presentationml/2006/main">
   <p:cSld>
     <p:spTree>
@@ -14152,7 +16524,7 @@
             <a:fld id="{2BF067CD-8E6B-4360-9AA8-C5DF2A48A6D1}" type="slidenum">
               <a:rPr lang="en-US" noProof="0" smtClean="0"/>
               <a:pPr/>
-              <a:t>27</a:t>
+              <a:t>30</a:t>
             </a:fld>
             <a:endParaRPr lang="en-US" noProof="0" dirty="0"/>
           </a:p>
@@ -14356,7 +16728,7 @@
 </p:sld>
 </file>
 
-<file path=ppt/slides/slide28.xml><?xml version="1.0" encoding="utf-8"?>
+<file path=ppt/slides/slide31.xml><?xml version="1.0" encoding="utf-8"?>
 <p:sld xmlns:a="http://schemas.openxmlformats.org/drawingml/2006/main" xmlns:r="http://schemas.openxmlformats.org/officeDocument/2006/relationships" xmlns:p="http://schemas.openxmlformats.org/presentationml/2006/main">
   <p:cSld>
     <p:spTree>
@@ -15593,7 +17965,7 @@
             <a:fld id="{2BF067CD-8E6B-4360-9AA8-C5DF2A48A6D1}" type="slidenum">
               <a:rPr lang="en-US" noProof="0" smtClean="0"/>
               <a:pPr/>
-              <a:t>28</a:t>
+              <a:t>31</a:t>
             </a:fld>
             <a:endParaRPr lang="en-US" noProof="0" dirty="0"/>
           </a:p>
@@ -16290,7 +18662,7 @@
 </p:sld>
 </file>
 
-<file path=ppt/slides/slide29.xml><?xml version="1.0" encoding="utf-8"?>
+<file path=ppt/slides/slide32.xml><?xml version="1.0" encoding="utf-8"?>
 <p:sld xmlns:a="http://schemas.openxmlformats.org/drawingml/2006/main" xmlns:r="http://schemas.openxmlformats.org/officeDocument/2006/relationships" xmlns:p="http://schemas.openxmlformats.org/presentationml/2006/main">
   <p:cSld>
     <p:spTree>
@@ -16774,7 +19146,7 @@
             <a:fld id="{2BF067CD-8E6B-4360-9AA8-C5DF2A48A6D1}" type="slidenum">
               <a:rPr lang="en-US" noProof="0" smtClean="0"/>
               <a:pPr/>
-              <a:t>29</a:t>
+              <a:t>32</a:t>
             </a:fld>
             <a:endParaRPr lang="en-US" noProof="0" dirty="0"/>
           </a:p>
@@ -17054,166 +19426,7 @@
 </p:sld>
 </file>
 
-<file path=ppt/slides/slide3.xml><?xml version="1.0" encoding="utf-8"?>
-<p:sld xmlns:a="http://schemas.openxmlformats.org/drawingml/2006/main" xmlns:r="http://schemas.openxmlformats.org/officeDocument/2006/relationships" xmlns:p="http://schemas.openxmlformats.org/presentationml/2006/main">
-  <p:cSld>
-    <p:spTree>
-      <p:nvGrpSpPr>
-        <p:cNvPr id="1" name=""/>
-        <p:cNvGrpSpPr/>
-        <p:nvPr/>
-      </p:nvGrpSpPr>
-      <p:grpSpPr>
-        <a:xfrm>
-          <a:off x="0" y="0"/>
-          <a:ext cx="0" cy="0"/>
-          <a:chOff x="0" y="0"/>
-          <a:chExt cx="0" cy="0"/>
-        </a:xfrm>
-      </p:grpSpPr>
-      <p:pic>
-        <p:nvPicPr>
-          <p:cNvPr id="6" name="Picture 4" descr="Ð ÐµÐ·ÑÐ»ÑÐ°Ñ Ñ Ð¸Ð·Ð¾Ð±ÑÐ°Ð¶ÐµÐ½Ð¸Ðµ Ð·Ð° sql server express png">
-            <a:extLst>
-              <a:ext uri="{FF2B5EF4-FFF2-40B4-BE49-F238E27FC236}">
-                <a16:creationId xmlns:a16="http://schemas.microsoft.com/office/drawing/2014/main" id="{ABA81264-79EA-4C61-B859-F609E78C6876}"/>
-              </a:ext>
-            </a:extLst>
-          </p:cNvPr>
-          <p:cNvPicPr>
-            <a:picLocks noChangeAspect="1" noChangeArrowheads="1"/>
-          </p:cNvPicPr>
-          <p:nvPr/>
-        </p:nvPicPr>
-        <p:blipFill>
-          <a:blip r:embed="rId2" cstate="print">
-            <a:extLst>
-              <a:ext uri="{28A0092B-C50C-407E-A947-70E740481C1C}">
-                <a14:useLocalDpi xmlns:a14="http://schemas.microsoft.com/office/drawing/2010/main" val="0"/>
-              </a:ext>
-            </a:extLst>
-          </a:blip>
-          <a:srcRect/>
-          <a:stretch>
-            <a:fillRect/>
-          </a:stretch>
-        </p:blipFill>
-        <p:spPr bwMode="auto">
-          <a:xfrm>
-            <a:off x="4675658" y="1384495"/>
-            <a:ext cx="2840683" cy="2305483"/>
-          </a:xfrm>
-          <a:prstGeom prst="rect">
-            <a:avLst/>
-          </a:prstGeom>
-          <a:noFill/>
-          <a:extLst>
-            <a:ext uri="{909E8E84-426E-40DD-AFC4-6F175D3DCCD1}">
-              <a14:hiddenFill xmlns:a14="http://schemas.microsoft.com/office/drawing/2010/main">
-                <a:solidFill>
-                  <a:srgbClr val="FFFFFF"/>
-                </a:solidFill>
-              </a14:hiddenFill>
-            </a:ext>
-          </a:extLst>
-        </p:spPr>
-      </p:pic>
-      <p:sp>
-        <p:nvSpPr>
-          <p:cNvPr id="5" name="Подзаглавие 4">
-            <a:extLst>
-              <a:ext uri="{FF2B5EF4-FFF2-40B4-BE49-F238E27FC236}">
-                <a16:creationId xmlns:a16="http://schemas.microsoft.com/office/drawing/2014/main" id="{8AE6A1FD-951B-BB4F-EC39-C1D0F100F2CE}"/>
-              </a:ext>
-            </a:extLst>
-          </p:cNvPr>
-          <p:cNvSpPr>
-            <a:spLocks noGrp="1"/>
-          </p:cNvSpPr>
-          <p:nvPr>
-            <p:ph type="subTitle" sz="quarter" idx="11"/>
-          </p:nvPr>
-        </p:nvSpPr>
-        <p:spPr/>
-        <p:txBody>
-          <a:bodyPr/>
-          <a:lstStyle/>
-          <a:p>
-            <a:r>
-              <a:rPr lang="bg-BG" dirty="0"/>
-              <a:t>Същност и архитектура</a:t>
-            </a:r>
-          </a:p>
-        </p:txBody>
-      </p:sp>
-      <p:sp>
-        <p:nvSpPr>
-          <p:cNvPr id="8" name="Заглавие 7">
-            <a:extLst>
-              <a:ext uri="{FF2B5EF4-FFF2-40B4-BE49-F238E27FC236}">
-                <a16:creationId xmlns:a16="http://schemas.microsoft.com/office/drawing/2014/main" id="{28CC101B-D563-EFCE-ADE9-2241D6CCD10D}"/>
-              </a:ext>
-            </a:extLst>
-          </p:cNvPr>
-          <p:cNvSpPr>
-            <a:spLocks noGrp="1"/>
-          </p:cNvSpPr>
-          <p:nvPr>
-            <p:ph type="title" sz="quarter" idx="10"/>
-          </p:nvPr>
-        </p:nvSpPr>
-        <p:spPr>
-          <a:xfrm>
-            <a:off x="615109" y="4730916"/>
-            <a:ext cx="10961783" cy="768084"/>
-          </a:xfrm>
-        </p:spPr>
-        <p:txBody>
-          <a:bodyPr/>
-          <a:lstStyle/>
-          <a:p>
-            <a:r>
-              <a:rPr lang="bg-BG" dirty="0"/>
-              <a:t>Запознаване с </a:t>
-            </a:r>
-            <a:r>
-              <a:rPr lang="en-US" dirty="0"/>
-              <a:t>SQL Server</a:t>
-            </a:r>
-            <a:r>
-              <a:rPr lang="bg-BG" dirty="0"/>
-              <a:t> и</a:t>
-            </a:r>
-            <a:r>
-              <a:rPr lang="en-US" dirty="0"/>
-              <a:t> LocalDB</a:t>
-            </a:r>
-            <a:endParaRPr lang="bg-BG" dirty="0"/>
-          </a:p>
-        </p:txBody>
-      </p:sp>
-    </p:spTree>
-    <p:extLst>
-      <p:ext uri="{BB962C8B-B14F-4D97-AF65-F5344CB8AC3E}">
-        <p14:creationId xmlns:p14="http://schemas.microsoft.com/office/powerpoint/2010/main" val="1198903873"/>
-      </p:ext>
-    </p:extLst>
-  </p:cSld>
-  <p:clrMapOvr>
-    <a:masterClrMapping/>
-  </p:clrMapOvr>
-  <mc:AlternateContent xmlns:mc="http://schemas.openxmlformats.org/markup-compatibility/2006" xmlns:p14="http://schemas.microsoft.com/office/powerpoint/2010/main">
-    <mc:Choice Requires="p14">
-      <p:transition spd="slow" p14:dur="2000" advClick="0" advTm="5000"/>
-    </mc:Choice>
-    <mc:Fallback xmlns="">
-      <p:transition spd="slow" advClick="0" advTm="5000"/>
-    </mc:Fallback>
-  </mc:AlternateContent>
-</p:sld>
-</file>
-
-<file path=ppt/slides/slide30.xml><?xml version="1.0" encoding="utf-8"?>
+<file path=ppt/slides/slide33.xml><?xml version="1.0" encoding="utf-8"?>
 <p:sld xmlns:a="http://schemas.openxmlformats.org/drawingml/2006/main" xmlns:r="http://schemas.openxmlformats.org/officeDocument/2006/relationships" xmlns:p="http://schemas.openxmlformats.org/presentationml/2006/main">
   <p:cSld>
     <p:spTree>
@@ -17804,7 +20017,7 @@
             <a:fld id="{2BF067CD-8E6B-4360-9AA8-C5DF2A48A6D1}" type="slidenum">
               <a:rPr lang="en-US" noProof="0" smtClean="0"/>
               <a:pPr/>
-              <a:t>30</a:t>
+              <a:t>33</a:t>
             </a:fld>
             <a:endParaRPr lang="en-US" noProof="0" dirty="0"/>
           </a:p>
@@ -18171,7 +20384,7 @@
 </p:sld>
 </file>
 
-<file path=ppt/slides/slide31.xml><?xml version="1.0" encoding="utf-8"?>
+<file path=ppt/slides/slide34.xml><?xml version="1.0" encoding="utf-8"?>
 <p:sld xmlns:a="http://schemas.openxmlformats.org/drawingml/2006/main" xmlns:r="http://schemas.openxmlformats.org/officeDocument/2006/relationships" xmlns:p="http://schemas.openxmlformats.org/presentationml/2006/main">
   <p:cSld>
     <p:spTree>
@@ -18384,7 +20597,7 @@
             <a:fld id="{2BF067CD-8E6B-4360-9AA8-C5DF2A48A6D1}" type="slidenum">
               <a:rPr lang="en-US" noProof="0" smtClean="0"/>
               <a:pPr/>
-              <a:t>31</a:t>
+              <a:t>34</a:t>
             </a:fld>
             <a:endParaRPr lang="en-US" noProof="0" dirty="0"/>
           </a:p>
@@ -18588,7 +20801,7 @@
 </p:sld>
 </file>
 
-<file path=ppt/slides/slide32.xml><?xml version="1.0" encoding="utf-8"?>
+<file path=ppt/slides/slide35.xml><?xml version="1.0" encoding="utf-8"?>
 <p:sld xmlns:a="http://schemas.openxmlformats.org/drawingml/2006/main" xmlns:r="http://schemas.openxmlformats.org/officeDocument/2006/relationships" xmlns:p="http://schemas.openxmlformats.org/presentationml/2006/main">
   <p:cSld>
     <p:spTree>
@@ -18920,7 +21133,7 @@
             <a:fld id="{2BF067CD-8E6B-4360-9AA8-C5DF2A48A6D1}" type="slidenum">
               <a:rPr lang="en-US" noProof="0" smtClean="0"/>
               <a:pPr/>
-              <a:t>32</a:t>
+              <a:t>35</a:t>
             </a:fld>
             <a:endParaRPr lang="en-US" noProof="0" dirty="0"/>
           </a:p>
@@ -19026,7 +21239,7 @@
 </p:sld>
 </file>
 
-<file path=ppt/slides/slide33.xml><?xml version="1.0" encoding="utf-8"?>
+<file path=ppt/slides/slide36.xml><?xml version="1.0" encoding="utf-8"?>
 <p:sld xmlns:a="http://schemas.openxmlformats.org/drawingml/2006/main" xmlns:r="http://schemas.openxmlformats.org/officeDocument/2006/relationships" xmlns:p="http://schemas.openxmlformats.org/presentationml/2006/main">
   <p:cSld>
     <p:spTree>
@@ -19988,7 +22201,7 @@
             <a:fld id="{2BF067CD-8E6B-4360-9AA8-C5DF2A48A6D1}" type="slidenum">
               <a:rPr lang="en-US" noProof="0" smtClean="0"/>
               <a:pPr/>
-              <a:t>33</a:t>
+              <a:t>36</a:t>
             </a:fld>
             <a:endParaRPr lang="en-US" noProof="0" dirty="0"/>
           </a:p>
@@ -20143,7 +22356,7 @@
 </p:sld>
 </file>
 
-<file path=ppt/slides/slide34.xml><?xml version="1.0" encoding="utf-8"?>
+<file path=ppt/slides/slide37.xml><?xml version="1.0" encoding="utf-8"?>
 <p:sld xmlns:a="http://schemas.openxmlformats.org/drawingml/2006/main" xmlns:r="http://schemas.openxmlformats.org/officeDocument/2006/relationships" xmlns:p="http://schemas.openxmlformats.org/presentationml/2006/main">
   <p:cSld>
     <p:spTree>
@@ -20333,7 +22546,7 @@
 </p:sld>
 </file>
 
-<file path=ppt/slides/slide35.xml><?xml version="1.0" encoding="utf-8"?>
+<file path=ppt/slides/slide38.xml><?xml version="1.0" encoding="utf-8"?>
 <p:sld xmlns:a="http://schemas.openxmlformats.org/drawingml/2006/main" xmlns:r="http://schemas.openxmlformats.org/officeDocument/2006/relationships" xmlns:p="http://schemas.openxmlformats.org/presentationml/2006/main" show="0">
   <p:cSld>
     <p:spTree>
@@ -20689,7 +22902,7 @@
             <a:fld id="{2BF067CD-8E6B-4360-9AA8-C5DF2A48A6D1}" type="slidenum">
               <a:rPr lang="en-US" noProof="0" smtClean="0"/>
               <a:pPr/>
-              <a:t>35</a:t>
+              <a:t>38</a:t>
             </a:fld>
             <a:endParaRPr lang="en-US" noProof="0" dirty="0"/>
           </a:p>

--- a/Courses/Software-Sciences/Module-3-Databases-New/03-Intro-to-MS-SQL-Server/03-Intro-to-MS-SQL-Server.pptx
+++ b/Courses/Software-Sciences/Module-3-Databases-New/03-Intro-to-MS-SQL-Server/03-Intro-to-MS-SQL-Server.pptx
@@ -413,7 +413,7 @@
           <a:p>
             <a:fld id="{4E087215-0C8F-4762-A664-737A353EC9A4}" type="datetimeFigureOut">
               <a:rPr lang="bg-BG" smtClean="0"/>
-              <a:t>14.7.2024 г.</a:t>
+              <a:t>15.07.24 г.</a:t>
             </a:fld>
             <a:endParaRPr lang="bg-BG"/>
           </a:p>
@@ -609,7 +609,7 @@
           <a:p>
             <a:fld id="{72D84649-876A-46C9-8472-14CB09C070D8}" type="datetimeFigureOut">
               <a:rPr lang="en-US" smtClean="0"/>
-              <a:t>7/14/2024</a:t>
+              <a:t>7/15/24</a:t>
             </a:fld>
             <a:endParaRPr lang="en-US"/>
           </a:p>
@@ -9115,6 +9115,55 @@
                                           </p:stCondLst>
                                         </p:cTn>
                                         <p:tgtEl>
+                                          <p:spTgt spid="3">
+                                            <p:txEl>
+                                              <p:pRg st="1" end="1"/>
+                                            </p:txEl>
+                                          </p:spTgt>
+                                        </p:tgtEl>
+                                        <p:attrNameLst>
+                                          <p:attrName>style.visibility</p:attrName>
+                                        </p:attrNameLst>
+                                      </p:cBhvr>
+                                      <p:to>
+                                        <p:strVal val="visible"/>
+                                      </p:to>
+                                    </p:set>
+                                  </p:childTnLst>
+                                </p:cTn>
+                              </p:par>
+                            </p:childTnLst>
+                          </p:cTn>
+                        </p:par>
+                      </p:childTnLst>
+                    </p:cTn>
+                  </p:par>
+                  <p:par>
+                    <p:cTn id="7" fill="hold">
+                      <p:stCondLst>
+                        <p:cond delay="indefinite"/>
+                      </p:stCondLst>
+                      <p:childTnLst>
+                        <p:par>
+                          <p:cTn id="8" fill="hold">
+                            <p:stCondLst>
+                              <p:cond delay="0"/>
+                            </p:stCondLst>
+                            <p:childTnLst>
+                              <p:par>
+                                <p:cTn id="9" presetID="1" presetClass="entr" presetSubtype="0" fill="hold" nodeType="clickEffect">
+                                  <p:stCondLst>
+                                    <p:cond delay="0"/>
+                                  </p:stCondLst>
+                                  <p:childTnLst>
+                                    <p:set>
+                                      <p:cBhvr>
+                                        <p:cTn id="10" dur="1" fill="hold">
+                                          <p:stCondLst>
+                                            <p:cond delay="0"/>
+                                          </p:stCondLst>
+                                        </p:cTn>
+                                        <p:tgtEl>
                                           <p:spTgt spid="4098"/>
                                         </p:tgtEl>
                                         <p:attrNameLst>
@@ -10677,95 +10726,53 @@
               <a:rPr lang="en-US" dirty="0"/>
               <a:t>. </a:t>
             </a:r>
-            <a:r>
-              <a:rPr lang="en-US" dirty="0" err="1"/>
-              <a:t>Сега</a:t>
+          </a:p>
+          <a:p>
+            <a:r>
+              <a:rPr lang="en-US" dirty="0"/>
+              <a:t>Сега трябва да видите </a:t>
+            </a:r>
+            <a:r>
+              <a:rPr lang="en-US" b="1" dirty="0">
+                <a:solidFill>
+                  <a:schemeClr val="bg1"/>
+                </a:solidFill>
+              </a:rPr>
+              <a:t>екрана</a:t>
+            </a:r>
+            <a:r>
+              <a:rPr lang="en-US" dirty="0"/>
+              <a:t> за </a:t>
+            </a:r>
+            <a:r>
+              <a:rPr lang="en-US" b="1" dirty="0">
+                <a:solidFill>
+                  <a:schemeClr val="bg1"/>
+                </a:solidFill>
+              </a:rPr>
+              <a:t>инсталиране</a:t>
+            </a:r>
+            <a:r>
+              <a:rPr lang="en-US" dirty="0"/>
+              <a:t> на </a:t>
+            </a:r>
+            <a:r>
+              <a:rPr lang="en-US" b="1" dirty="0"/>
+              <a:t>Microsoft SQL Server Management Studio</a:t>
             </a:r>
             <a:r>
               <a:rPr lang="en-US" dirty="0"/>
               <a:t> </a:t>
             </a:r>
             <a:r>
-              <a:rPr lang="en-US" dirty="0" err="1"/>
-              <a:t>трябва</a:t>
+              <a:rPr lang="en-US" b="1" dirty="0"/>
+              <a:t>with</a:t>
             </a:r>
             <a:r>
               <a:rPr lang="en-US" dirty="0"/>
               <a:t> </a:t>
             </a:r>
             <a:r>
-              <a:rPr lang="en-US" dirty="0" err="1"/>
-              <a:t>да</a:t>
-            </a:r>
-            <a:r>
-              <a:rPr lang="en-US" dirty="0"/>
-              <a:t> </a:t>
-            </a:r>
-            <a:r>
-              <a:rPr lang="en-US" dirty="0" err="1"/>
-              <a:t>видите</a:t>
-            </a:r>
-            <a:r>
-              <a:rPr lang="en-US" dirty="0"/>
-              <a:t> </a:t>
-            </a:r>
-            <a:r>
-              <a:rPr lang="en-US" b="1" dirty="0" err="1">
-                <a:solidFill>
-                  <a:schemeClr val="bg1"/>
-                </a:solidFill>
-              </a:rPr>
-              <a:t>екрана</a:t>
-            </a:r>
-            <a:r>
-              <a:rPr lang="en-US" dirty="0"/>
-              <a:t> </a:t>
-            </a:r>
-            <a:r>
-              <a:rPr lang="en-US" dirty="0" err="1"/>
-              <a:t>за</a:t>
-            </a:r>
-            <a:r>
-              <a:rPr lang="en-US" dirty="0"/>
-              <a:t> </a:t>
-            </a:r>
-            <a:r>
-              <a:rPr lang="en-US" b="1" dirty="0" err="1">
-                <a:solidFill>
-                  <a:schemeClr val="bg1"/>
-                </a:solidFill>
-              </a:rPr>
-              <a:t>инсталиране</a:t>
-            </a:r>
-            <a:r>
-              <a:rPr lang="en-US" dirty="0"/>
-              <a:t> </a:t>
-            </a:r>
-            <a:r>
-              <a:rPr lang="en-US" dirty="0" err="1"/>
-              <a:t>на</a:t>
-            </a:r>
-            <a:r>
-              <a:rPr lang="en-US" dirty="0"/>
-              <a:t> </a:t>
-            </a:r>
-            <a:r>
-              <a:rPr lang="en-US" b="1" dirty="0"/>
-              <a:t>Microsoft SQL Server Management Studio</a:t>
-            </a:r>
-            <a:r>
-              <a:rPr lang="en-US" dirty="0"/>
-              <a:t> </a:t>
-            </a:r>
-            <a:r>
-              <a:rPr lang="en-US" b="1" dirty="0"/>
-              <a:t>with</a:t>
-            </a:r>
-            <a:r>
-              <a:rPr lang="en-US" dirty="0"/>
-              <a:t> </a:t>
-            </a:r>
-            <a:r>
               <a:rPr lang="en-US" b="1" dirty="0"/>
               <a:t>Azure Data Studio</a:t>
             </a:r>
@@ -10792,9 +10799,6 @@
               <a:rPr lang="en-US" dirty="0"/>
               <a:t>]</a:t>
             </a:r>
-          </a:p>
-          <a:p>
-            <a:endParaRPr lang="en-US" dirty="0"/>
           </a:p>
           <a:p>
             <a:endParaRPr lang="en-US" dirty="0"/>
@@ -10852,7 +10856,7 @@
           </p:cNvPicPr>
           <p:nvPr/>
         </p:nvPicPr>
-        <p:blipFill>
+        <p:blipFill rotWithShape="1">
           <a:blip r:embed="rId3" cstate="print">
             <a:extLst>
               <a:ext uri="{28A0092B-C50C-407E-A947-70E740481C1C}">
@@ -10860,15 +10864,13 @@
               </a:ext>
             </a:extLst>
           </a:blip>
-          <a:srcRect/>
-          <a:stretch>
-            <a:fillRect/>
-          </a:stretch>
+          <a:srcRect t="11763"/>
+          <a:stretch/>
         </p:blipFill>
         <p:spPr bwMode="auto">
           <a:xfrm>
-            <a:off x="5969328" y="2620879"/>
-            <a:ext cx="4500000" cy="3886121"/>
+            <a:off x="6726000" y="3159000"/>
+            <a:ext cx="4500000" cy="3429000"/>
           </a:xfrm>
           <a:prstGeom prst="rect">
             <a:avLst/>
@@ -10901,6 +10903,134 @@
       <p:transition spd="slow" advClick="0" advTm="5000"/>
     </mc:Fallback>
   </mc:AlternateContent>
+  <p:timing>
+    <p:tnLst>
+      <p:par>
+        <p:cTn id="1" dur="indefinite" restart="never" nodeType="tmRoot">
+          <p:childTnLst>
+            <p:seq concurrent="1" nextAc="seek">
+              <p:cTn id="2" dur="indefinite" nodeType="mainSeq">
+                <p:childTnLst>
+                  <p:par>
+                    <p:cTn id="3" fill="hold">
+                      <p:stCondLst>
+                        <p:cond delay="indefinite"/>
+                      </p:stCondLst>
+                      <p:childTnLst>
+                        <p:par>
+                          <p:cTn id="4" fill="hold">
+                            <p:stCondLst>
+                              <p:cond delay="0"/>
+                            </p:stCondLst>
+                            <p:childTnLst>
+                              <p:par>
+                                <p:cTn id="5" presetID="1" presetClass="entr" presetSubtype="0" fill="hold" nodeType="clickEffect">
+                                  <p:stCondLst>
+                                    <p:cond delay="0"/>
+                                  </p:stCondLst>
+                                  <p:childTnLst>
+                                    <p:set>
+                                      <p:cBhvr>
+                                        <p:cTn id="6" dur="1" fill="hold">
+                                          <p:stCondLst>
+                                            <p:cond delay="0"/>
+                                          </p:stCondLst>
+                                        </p:cTn>
+                                        <p:tgtEl>
+                                          <p:spTgt spid="3">
+                                            <p:txEl>
+                                              <p:pRg st="1" end="1"/>
+                                            </p:txEl>
+                                          </p:spTgt>
+                                        </p:tgtEl>
+                                        <p:attrNameLst>
+                                          <p:attrName>style.visibility</p:attrName>
+                                        </p:attrNameLst>
+                                      </p:cBhvr>
+                                      <p:to>
+                                        <p:strVal val="visible"/>
+                                      </p:to>
+                                    </p:set>
+                                  </p:childTnLst>
+                                </p:cTn>
+                              </p:par>
+                            </p:childTnLst>
+                          </p:cTn>
+                        </p:par>
+                      </p:childTnLst>
+                    </p:cTn>
+                  </p:par>
+                  <p:par>
+                    <p:cTn id="7" fill="hold">
+                      <p:stCondLst>
+                        <p:cond delay="indefinite"/>
+                      </p:stCondLst>
+                      <p:childTnLst>
+                        <p:par>
+                          <p:cTn id="8" fill="hold">
+                            <p:stCondLst>
+                              <p:cond delay="0"/>
+                            </p:stCondLst>
+                            <p:childTnLst>
+                              <p:par>
+                                <p:cTn id="9" presetID="1" presetClass="entr" presetSubtype="0" fill="hold" nodeType="clickEffect">
+                                  <p:stCondLst>
+                                    <p:cond delay="0"/>
+                                  </p:stCondLst>
+                                  <p:childTnLst>
+                                    <p:set>
+                                      <p:cBhvr>
+                                        <p:cTn id="10" dur="1" fill="hold">
+                                          <p:stCondLst>
+                                            <p:cond delay="0"/>
+                                          </p:stCondLst>
+                                        </p:cTn>
+                                        <p:tgtEl>
+                                          <p:spTgt spid="3">
+                                            <p:txEl>
+                                              <p:pRg st="2" end="2"/>
+                                            </p:txEl>
+                                          </p:spTgt>
+                                        </p:tgtEl>
+                                        <p:attrNameLst>
+                                          <p:attrName>style.visibility</p:attrName>
+                                        </p:attrNameLst>
+                                      </p:cBhvr>
+                                      <p:to>
+                                        <p:strVal val="visible"/>
+                                      </p:to>
+                                    </p:set>
+                                  </p:childTnLst>
+                                </p:cTn>
+                              </p:par>
+                            </p:childTnLst>
+                          </p:cTn>
+                        </p:par>
+                      </p:childTnLst>
+                    </p:cTn>
+                  </p:par>
+                </p:childTnLst>
+              </p:cTn>
+              <p:prevCondLst>
+                <p:cond evt="onPrev" delay="0">
+                  <p:tgtEl>
+                    <p:sldTgt/>
+                  </p:tgtEl>
+                </p:cond>
+              </p:prevCondLst>
+              <p:nextCondLst>
+                <p:cond evt="onNext" delay="0">
+                  <p:tgtEl>
+                    <p:sldTgt/>
+                  </p:tgtEl>
+                </p:cond>
+              </p:nextCondLst>
+            </p:seq>
+          </p:childTnLst>
+        </p:cTn>
+      </p:par>
+    </p:tnLst>
+  </p:timing>
 </p:sld>
 </file>
 
@@ -10982,6 +11112,10 @@
               <a:t>Натиснете </a:t>
             </a:r>
             <a:r>
+              <a:rPr lang="en-US" dirty="0"/>
+              <a:t>[</a:t>
+            </a:r>
+            <a:r>
               <a:rPr lang="en-US" b="1" dirty="0">
                 <a:solidFill>
                   <a:schemeClr val="bg1"/>
@@ -10989,6 +11123,15 @@
               </a:rPr>
               <a:t>Connect</a:t>
             </a:r>
+            <a:r>
+              <a:rPr lang="en-US" dirty="0"/>
+              <a:t>]</a:t>
+            </a:r>
+            <a:endParaRPr lang="en-US" b="1" dirty="0">
+              <a:solidFill>
+                <a:schemeClr val="bg1"/>
+              </a:solidFill>
+            </a:endParaRPr>
           </a:p>
         </p:txBody>
       </p:sp>
@@ -12316,7 +12459,7 @@
             </a:r>
             <a:r>
               <a:rPr lang="bg-BG" dirty="0"/>
-              <a:t>до името на базата данни, която се визуализира в листа с бази данни</a:t>
+              <a:t>до името на базата данни, която се визуализира в списъка с бази данни</a:t>
             </a:r>
             <a:endParaRPr lang="en-US" dirty="0"/>
           </a:p>
@@ -12343,7 +12486,7 @@
             </a:r>
             <a:r>
               <a:rPr lang="en-US" dirty="0"/>
-              <a:t> [</a:t>
+              <a:t> </a:t>
             </a:r>
             <a:r>
               <a:rPr lang="en-US" b="1" dirty="0">
@@ -12353,7 +12496,7 @@
             </a:r>
             <a:r>
               <a:rPr lang="en-US" dirty="0"/>
-              <a:t>] -&gt;</a:t>
+              <a:t> -&gt;</a:t>
             </a:r>
             <a:r>
               <a:rPr lang="bg-BG" dirty="0"/>
@@ -12432,8 +12575,8 @@
         </p:blipFill>
         <p:spPr>
           <a:xfrm>
-            <a:off x="3531000" y="3807746"/>
-            <a:ext cx="4486901" cy="1867161"/>
+            <a:off x="3216000" y="3413891"/>
+            <a:ext cx="6865501" cy="2856982"/>
           </a:xfrm>
           <a:prstGeom prst="rect">
             <a:avLst/>
@@ -12821,8 +12964,8 @@
         </p:blipFill>
         <p:spPr bwMode="auto">
           <a:xfrm>
-            <a:off x="3823500" y="2214000"/>
-            <a:ext cx="4545000" cy="1665000"/>
+            <a:off x="3407250" y="1907511"/>
+            <a:ext cx="5377500" cy="1969975"/>
           </a:xfrm>
           <a:prstGeom prst="rect">
             <a:avLst/>
@@ -12859,8 +13002,8 @@
         </p:blipFill>
         <p:spPr>
           <a:xfrm>
-            <a:off x="4848823" y="4896875"/>
-            <a:ext cx="2494354" cy="1502125"/>
+            <a:off x="4459911" y="4588872"/>
+            <a:ext cx="3272177" cy="1970538"/>
           </a:xfrm>
           <a:prstGeom prst="rect">
             <a:avLst/>
@@ -13831,8 +13974,8 @@
         </p:blipFill>
         <p:spPr>
           <a:xfrm>
-            <a:off x="1101000" y="2441901"/>
-            <a:ext cx="3194761" cy="2652099"/>
+            <a:off x="750536" y="2229180"/>
+            <a:ext cx="3554761" cy="2950949"/>
           </a:xfrm>
           <a:prstGeom prst="rect">
             <a:avLst/>
@@ -13854,7 +13997,7 @@
         </p:nvSpPr>
         <p:spPr>
           <a:xfrm>
-            <a:off x="4865431" y="3747114"/>
+            <a:off x="4693426" y="3537218"/>
             <a:ext cx="571361" cy="461464"/>
           </a:xfrm>
           <a:prstGeom prst="rightArrow">
@@ -14066,7 +14209,7 @@
         </p:nvSpPr>
         <p:spPr bwMode="auto">
           <a:xfrm>
-            <a:off x="3531000" y="5192949"/>
+            <a:off x="3531000" y="5222769"/>
             <a:ext cx="4320000" cy="546231"/>
           </a:xfrm>
           <a:prstGeom prst="wedgeRoundRectCallout">

--- a/Courses/Software-Sciences/Module-3-Databases-New/03-Intro-to-MS-SQL-Server/03-Intro-to-MS-SQL-Server.pptx
+++ b/Courses/Software-Sciences/Module-3-Databases-New/03-Intro-to-MS-SQL-Server/03-Intro-to-MS-SQL-Server.pptx
@@ -5,10 +5,10 @@
     <p:sldMasterId id="2147483675" r:id="rId1"/>
   </p:sldMasterIdLst>
   <p:notesMasterIdLst>
-    <p:notesMasterId r:id="rId40"/>
+    <p:notesMasterId r:id="rId42"/>
   </p:notesMasterIdLst>
   <p:handoutMasterIdLst>
-    <p:handoutMasterId r:id="rId41"/>
+    <p:handoutMasterId r:id="rId43"/>
   </p:handoutMasterIdLst>
   <p:sldIdLst>
     <p:sldId id="1176" r:id="rId2"/>
@@ -30,25 +30,27 @@
     <p:sldId id="1225" r:id="rId18"/>
     <p:sldId id="1228" r:id="rId19"/>
     <p:sldId id="1212" r:id="rId20"/>
-    <p:sldId id="1193" r:id="rId21"/>
-    <p:sldId id="1226" r:id="rId22"/>
-    <p:sldId id="1229" r:id="rId23"/>
-    <p:sldId id="1227" r:id="rId24"/>
-    <p:sldId id="1230" r:id="rId25"/>
-    <p:sldId id="1199" r:id="rId26"/>
-    <p:sldId id="1200" r:id="rId27"/>
-    <p:sldId id="1201" r:id="rId28"/>
-    <p:sldId id="1223" r:id="rId29"/>
-    <p:sldId id="1205" r:id="rId30"/>
-    <p:sldId id="1191" r:id="rId31"/>
-    <p:sldId id="1192" r:id="rId32"/>
-    <p:sldId id="1208" r:id="rId33"/>
-    <p:sldId id="1206" r:id="rId34"/>
-    <p:sldId id="1207" r:id="rId35"/>
-    <p:sldId id="1209" r:id="rId36"/>
-    <p:sldId id="1127" r:id="rId37"/>
-    <p:sldId id="504" r:id="rId38"/>
-    <p:sldId id="505" r:id="rId39"/>
+    <p:sldId id="1231" r:id="rId21"/>
+    <p:sldId id="1232" r:id="rId22"/>
+    <p:sldId id="1193" r:id="rId23"/>
+    <p:sldId id="1226" r:id="rId24"/>
+    <p:sldId id="1229" r:id="rId25"/>
+    <p:sldId id="1227" r:id="rId26"/>
+    <p:sldId id="1230" r:id="rId27"/>
+    <p:sldId id="1199" r:id="rId28"/>
+    <p:sldId id="1200" r:id="rId29"/>
+    <p:sldId id="1201" r:id="rId30"/>
+    <p:sldId id="1223" r:id="rId31"/>
+    <p:sldId id="1205" r:id="rId32"/>
+    <p:sldId id="1191" r:id="rId33"/>
+    <p:sldId id="1192" r:id="rId34"/>
+    <p:sldId id="1208" r:id="rId35"/>
+    <p:sldId id="1206" r:id="rId36"/>
+    <p:sldId id="1207" r:id="rId37"/>
+    <p:sldId id="1209" r:id="rId38"/>
+    <p:sldId id="1127" r:id="rId39"/>
+    <p:sldId id="504" r:id="rId40"/>
+    <p:sldId id="505" r:id="rId41"/>
   </p:sldIdLst>
   <p:sldSz cx="12192000" cy="6858000"/>
   <p:notesSz cx="6858000" cy="9144000"/>
@@ -179,6 +181,12 @@
             <p14:sldId id="1225"/>
             <p14:sldId id="1228"/>
             <p14:sldId id="1212"/>
+          </p14:sldIdLst>
+        </p14:section>
+        <p14:section name="База данни от SQL скрипт" id="{2765B4D4-0E2C-426A-ACBD-1C7BBCA0BC7B}">
+          <p14:sldIdLst>
+            <p14:sldId id="1231"/>
+            <p14:sldId id="1232"/>
           </p14:sldIdLst>
         </p14:section>
         <p14:section name="Разглеждане и редактиране на данни" id="{DBA90160-B823-4EFE-B4A9-27949C4FDFFF}">
@@ -413,7 +421,7 @@
           <a:p>
             <a:fld id="{4E087215-0C8F-4762-A664-737A353EC9A4}" type="datetimeFigureOut">
               <a:rPr lang="bg-BG" smtClean="0"/>
-              <a:t>15.07.24 г.</a:t>
+              <a:t>15.7.2024 г.</a:t>
             </a:fld>
             <a:endParaRPr lang="bg-BG"/>
           </a:p>
@@ -609,7 +617,7 @@
           <a:p>
             <a:fld id="{72D84649-876A-46C9-8472-14CB09C070D8}" type="datetimeFigureOut">
               <a:rPr lang="en-US" smtClean="0"/>
-              <a:t>7/15/24</a:t>
+              <a:t>7/15/2024</a:t>
             </a:fld>
             <a:endParaRPr lang="en-US"/>
           </a:p>
@@ -1109,7 +1117,7 @@
             <a:fld id="{2BF067CD-8E6B-4360-9AA8-C5DF2A48A6D1}" type="slidenum">
               <a:rPr lang="en-US" smtClean="0"/>
               <a:pPr/>
-              <a:t>35</a:t>
+              <a:t>37</a:t>
             </a:fld>
             <a:endParaRPr lang="en-US" dirty="0"/>
           </a:p>
@@ -1295,7 +1303,7 @@
                 <a:tabLst/>
                 <a:defRPr/>
               </a:pPr>
-              <a:t>36</a:t>
+              <a:t>38</a:t>
             </a:fld>
             <a:endParaRPr kumimoji="0" lang="en-US" sz="1200" b="0" i="0" u="none" strike="noStrike" kern="1200" cap="none" spc="0" normalizeH="0" baseline="0" noProof="0" dirty="0">
               <a:ln>
@@ -1554,7 +1562,7 @@
             <a:fld id="{3EBA5BD7-F043-4D1B-AA17-CD412FC534DE}" type="slidenum">
               <a:rPr lang="en-US" smtClean="0"/>
               <a:pPr/>
-              <a:t>37</a:t>
+              <a:t>39</a:t>
             </a:fld>
             <a:endParaRPr lang="en-US" dirty="0"/>
           </a:p>
@@ -1800,7 +1808,7 @@
             <a:fld id="{3EBA5BD7-F043-4D1B-AA17-CD412FC534DE}" type="slidenum">
               <a:rPr lang="en-US" smtClean="0"/>
               <a:pPr/>
-              <a:t>38</a:t>
+              <a:t>40</a:t>
             </a:fld>
             <a:endParaRPr lang="en-US" dirty="0"/>
           </a:p>
@@ -2745,7 +2753,7 @@
           <a:p>
             <a:fld id="{2BF067CD-8E6B-4360-9AA8-C5DF2A48A6D1}" type="slidenum">
               <a:rPr lang="en-US" smtClean="0"/>
-              <a:t>21</a:t>
+              <a:t>23</a:t>
             </a:fld>
             <a:endParaRPr lang="en-US" dirty="0"/>
           </a:p>
@@ -2867,7 +2875,7 @@
             <a:fld id="{2BF067CD-8E6B-4360-9AA8-C5DF2A48A6D1}" type="slidenum">
               <a:rPr lang="en-US" smtClean="0"/>
               <a:pPr/>
-              <a:t>31</a:t>
+              <a:t>33</a:t>
             </a:fld>
             <a:endParaRPr lang="en-US" dirty="0"/>
           </a:p>
@@ -9115,55 +9123,6 @@
                                           </p:stCondLst>
                                         </p:cTn>
                                         <p:tgtEl>
-                                          <p:spTgt spid="3">
-                                            <p:txEl>
-                                              <p:pRg st="1" end="1"/>
-                                            </p:txEl>
-                                          </p:spTgt>
-                                        </p:tgtEl>
-                                        <p:attrNameLst>
-                                          <p:attrName>style.visibility</p:attrName>
-                                        </p:attrNameLst>
-                                      </p:cBhvr>
-                                      <p:to>
-                                        <p:strVal val="visible"/>
-                                      </p:to>
-                                    </p:set>
-                                  </p:childTnLst>
-                                </p:cTn>
-                              </p:par>
-                            </p:childTnLst>
-                          </p:cTn>
-                        </p:par>
-                      </p:childTnLst>
-                    </p:cTn>
-                  </p:par>
-                  <p:par>
-                    <p:cTn id="7" fill="hold">
-                      <p:stCondLst>
-                        <p:cond delay="indefinite"/>
-                      </p:stCondLst>
-                      <p:childTnLst>
-                        <p:par>
-                          <p:cTn id="8" fill="hold">
-                            <p:stCondLst>
-                              <p:cond delay="0"/>
-                            </p:stCondLst>
-                            <p:childTnLst>
-                              <p:par>
-                                <p:cTn id="9" presetID="1" presetClass="entr" presetSubtype="0" fill="hold" nodeType="clickEffect">
-                                  <p:stCondLst>
-                                    <p:cond delay="0"/>
-                                  </p:stCondLst>
-                                  <p:childTnLst>
-                                    <p:set>
-                                      <p:cBhvr>
-                                        <p:cTn id="10" dur="1" fill="hold">
-                                          <p:stCondLst>
-                                            <p:cond delay="0"/>
-                                          </p:stCondLst>
-                                        </p:cTn>
-                                        <p:tgtEl>
                                           <p:spTgt spid="4098"/>
                                         </p:tgtEl>
                                         <p:attrNameLst>
@@ -10726,14 +10685,40 @@
               <a:rPr lang="en-US" dirty="0"/>
               <a:t>. </a:t>
             </a:r>
-          </a:p>
-          <a:p>
+            <a:r>
+              <a:rPr lang="en-US" dirty="0" err="1"/>
+              <a:t>Сега</a:t>
+            </a:r>
             <a:r>
               <a:rPr lang="en-US" dirty="0"/>
-              <a:t>Сега трябва да видите </a:t>
-            </a:r>
-            <a:r>
-              <a:rPr lang="en-US" b="1" dirty="0">
+              <a:t> </a:t>
+            </a:r>
+            <a:r>
+              <a:rPr lang="en-US" dirty="0" err="1"/>
+              <a:t>трябва</a:t>
+            </a:r>
+            <a:r>
+              <a:rPr lang="en-US" dirty="0"/>
+              <a:t> </a:t>
+            </a:r>
+            <a:r>
+              <a:rPr lang="en-US" dirty="0" err="1"/>
+              <a:t>да</a:t>
+            </a:r>
+            <a:r>
+              <a:rPr lang="en-US" dirty="0"/>
+              <a:t> </a:t>
+            </a:r>
+            <a:r>
+              <a:rPr lang="en-US" dirty="0" err="1"/>
+              <a:t>видите</a:t>
+            </a:r>
+            <a:r>
+              <a:rPr lang="en-US" dirty="0"/>
+              <a:t> </a:t>
+            </a:r>
+            <a:r>
+              <a:rPr lang="en-US" b="1" dirty="0" err="1">
                 <a:solidFill>
                   <a:schemeClr val="bg1"/>
                 </a:solidFill>
@@ -10742,10 +10727,18 @@
             </a:r>
             <a:r>
               <a:rPr lang="en-US" dirty="0"/>
-              <a:t> за </a:t>
-            </a:r>
-            <a:r>
-              <a:rPr lang="en-US" b="1" dirty="0">
+              <a:t> </a:t>
+            </a:r>
+            <a:r>
+              <a:rPr lang="en-US" dirty="0" err="1"/>
+              <a:t>за</a:t>
+            </a:r>
+            <a:r>
+              <a:rPr lang="en-US" dirty="0"/>
+              <a:t> </a:t>
+            </a:r>
+            <a:r>
+              <a:rPr lang="en-US" b="1" dirty="0" err="1">
                 <a:solidFill>
                   <a:schemeClr val="bg1"/>
                 </a:solidFill>
@@ -10754,7 +10747,15 @@
             </a:r>
             <a:r>
               <a:rPr lang="en-US" dirty="0"/>
-              <a:t> на </a:t>
+              <a:t> </a:t>
+            </a:r>
+            <a:r>
+              <a:rPr lang="en-US" dirty="0" err="1"/>
+              <a:t>на</a:t>
+            </a:r>
+            <a:r>
+              <a:rPr lang="en-US" dirty="0"/>
+              <a:t> </a:t>
             </a:r>
             <a:r>
               <a:rPr lang="en-US" b="1" dirty="0"/>
@@ -10799,6 +10800,9 @@
               <a:rPr lang="en-US" dirty="0"/>
               <a:t>]</a:t>
             </a:r>
+          </a:p>
+          <a:p>
+            <a:endParaRPr lang="en-US" dirty="0"/>
           </a:p>
           <a:p>
             <a:endParaRPr lang="en-US" dirty="0"/>
@@ -10856,7 +10860,7 @@
           </p:cNvPicPr>
           <p:nvPr/>
         </p:nvPicPr>
-        <p:blipFill rotWithShape="1">
+        <p:blipFill>
           <a:blip r:embed="rId3" cstate="print">
             <a:extLst>
               <a:ext uri="{28A0092B-C50C-407E-A947-70E740481C1C}">
@@ -10864,13 +10868,15 @@
               </a:ext>
             </a:extLst>
           </a:blip>
-          <a:srcRect t="11763"/>
-          <a:stretch/>
+          <a:srcRect/>
+          <a:stretch>
+            <a:fillRect/>
+          </a:stretch>
         </p:blipFill>
         <p:spPr bwMode="auto">
           <a:xfrm>
-            <a:off x="6726000" y="3159000"/>
-            <a:ext cx="4500000" cy="3429000"/>
+            <a:off x="5969328" y="2620879"/>
+            <a:ext cx="4500000" cy="3886121"/>
           </a:xfrm>
           <a:prstGeom prst="rect">
             <a:avLst/>
@@ -10903,134 +10909,6 @@
       <p:transition spd="slow" advClick="0" advTm="5000"/>
     </mc:Fallback>
   </mc:AlternateContent>
-  <p:timing>
-    <p:tnLst>
-      <p:par>
-        <p:cTn id="1" dur="indefinite" restart="never" nodeType="tmRoot">
-          <p:childTnLst>
-            <p:seq concurrent="1" nextAc="seek">
-              <p:cTn id="2" dur="indefinite" nodeType="mainSeq">
-                <p:childTnLst>
-                  <p:par>
-                    <p:cTn id="3" fill="hold">
-                      <p:stCondLst>
-                        <p:cond delay="indefinite"/>
-                      </p:stCondLst>
-                      <p:childTnLst>
-                        <p:par>
-                          <p:cTn id="4" fill="hold">
-                            <p:stCondLst>
-                              <p:cond delay="0"/>
-                            </p:stCondLst>
-                            <p:childTnLst>
-                              <p:par>
-                                <p:cTn id="5" presetID="1" presetClass="entr" presetSubtype="0" fill="hold" nodeType="clickEffect">
-                                  <p:stCondLst>
-                                    <p:cond delay="0"/>
-                                  </p:stCondLst>
-                                  <p:childTnLst>
-                                    <p:set>
-                                      <p:cBhvr>
-                                        <p:cTn id="6" dur="1" fill="hold">
-                                          <p:stCondLst>
-                                            <p:cond delay="0"/>
-                                          </p:stCondLst>
-                                        </p:cTn>
-                                        <p:tgtEl>
-                                          <p:spTgt spid="3">
-                                            <p:txEl>
-                                              <p:pRg st="1" end="1"/>
-                                            </p:txEl>
-                                          </p:spTgt>
-                                        </p:tgtEl>
-                                        <p:attrNameLst>
-                                          <p:attrName>style.visibility</p:attrName>
-                                        </p:attrNameLst>
-                                      </p:cBhvr>
-                                      <p:to>
-                                        <p:strVal val="visible"/>
-                                      </p:to>
-                                    </p:set>
-                                  </p:childTnLst>
-                                </p:cTn>
-                              </p:par>
-                            </p:childTnLst>
-                          </p:cTn>
-                        </p:par>
-                      </p:childTnLst>
-                    </p:cTn>
-                  </p:par>
-                  <p:par>
-                    <p:cTn id="7" fill="hold">
-                      <p:stCondLst>
-                        <p:cond delay="indefinite"/>
-                      </p:stCondLst>
-                      <p:childTnLst>
-                        <p:par>
-                          <p:cTn id="8" fill="hold">
-                            <p:stCondLst>
-                              <p:cond delay="0"/>
-                            </p:stCondLst>
-                            <p:childTnLst>
-                              <p:par>
-                                <p:cTn id="9" presetID="1" presetClass="entr" presetSubtype="0" fill="hold" nodeType="clickEffect">
-                                  <p:stCondLst>
-                                    <p:cond delay="0"/>
-                                  </p:stCondLst>
-                                  <p:childTnLst>
-                                    <p:set>
-                                      <p:cBhvr>
-                                        <p:cTn id="10" dur="1" fill="hold">
-                                          <p:stCondLst>
-                                            <p:cond delay="0"/>
-                                          </p:stCondLst>
-                                        </p:cTn>
-                                        <p:tgtEl>
-                                          <p:spTgt spid="3">
-                                            <p:txEl>
-                                              <p:pRg st="2" end="2"/>
-                                            </p:txEl>
-                                          </p:spTgt>
-                                        </p:tgtEl>
-                                        <p:attrNameLst>
-                                          <p:attrName>style.visibility</p:attrName>
-                                        </p:attrNameLst>
-                                      </p:cBhvr>
-                                      <p:to>
-                                        <p:strVal val="visible"/>
-                                      </p:to>
-                                    </p:set>
-                                  </p:childTnLst>
-                                </p:cTn>
-                              </p:par>
-                            </p:childTnLst>
-                          </p:cTn>
-                        </p:par>
-                      </p:childTnLst>
-                    </p:cTn>
-                  </p:par>
-                </p:childTnLst>
-              </p:cTn>
-              <p:prevCondLst>
-                <p:cond evt="onPrev" delay="0">
-                  <p:tgtEl>
-                    <p:sldTgt/>
-                  </p:tgtEl>
-                </p:cond>
-              </p:prevCondLst>
-              <p:nextCondLst>
-                <p:cond evt="onNext" delay="0">
-                  <p:tgtEl>
-                    <p:sldTgt/>
-                  </p:tgtEl>
-                </p:cond>
-              </p:nextCondLst>
-            </p:seq>
-          </p:childTnLst>
-        </p:cTn>
-      </p:par>
-    </p:tnLst>
-  </p:timing>
 </p:sld>
 </file>
 
@@ -11112,10 +10990,6 @@
               <a:t>Натиснете </a:t>
             </a:r>
             <a:r>
-              <a:rPr lang="en-US" dirty="0"/>
-              <a:t>[</a:t>
-            </a:r>
-            <a:r>
               <a:rPr lang="en-US" b="1" dirty="0">
                 <a:solidFill>
                   <a:schemeClr val="bg1"/>
@@ -11123,15 +10997,6 @@
               </a:rPr>
               <a:t>Connect</a:t>
             </a:r>
-            <a:r>
-              <a:rPr lang="en-US" dirty="0"/>
-              <a:t>]</a:t>
-            </a:r>
-            <a:endParaRPr lang="en-US" b="1" dirty="0">
-              <a:solidFill>
-                <a:schemeClr val="bg1"/>
-              </a:solidFill>
-            </a:endParaRPr>
           </a:p>
         </p:txBody>
       </p:sp>
@@ -11832,6 +11697,1015 @@
       </p:grpSpPr>
       <p:pic>
         <p:nvPicPr>
+          <p:cNvPr id="1026" name="Picture 2" descr="Connect, connect to database, data plugin, database connection, database  plugin, plugin icon - Download on Iconfinder"/>
+          <p:cNvPicPr>
+            <a:picLocks noChangeAspect="1" noChangeArrowheads="1"/>
+          </p:cNvPicPr>
+          <p:nvPr/>
+        </p:nvPicPr>
+        <p:blipFill>
+          <a:blip r:embed="rId2" cstate="print">
+            <a:duotone>
+              <a:prstClr val="black"/>
+              <a:schemeClr val="bg2">
+                <a:tint val="45000"/>
+                <a:satMod val="400000"/>
+              </a:schemeClr>
+            </a:duotone>
+            <a:extLst>
+              <a:ext uri="{BEBA8EAE-BF5A-486C-A8C5-ECC9F3942E4B}">
+                <a14:imgProps xmlns:a14="http://schemas.microsoft.com/office/drawing/2010/main">
+                  <a14:imgLayer r:embed="rId3">
+                    <a14:imgEffect>
+                      <a14:brightnessContrast bright="100000"/>
+                    </a14:imgEffect>
+                  </a14:imgLayer>
+                </a14:imgProps>
+              </a:ext>
+            </a:extLst>
+          </a:blip>
+          <a:srcRect/>
+          <a:stretch>
+            <a:fillRect/>
+          </a:stretch>
+        </p:blipFill>
+        <p:spPr bwMode="auto">
+          <a:xfrm>
+            <a:off x="5061000" y="1494000"/>
+            <a:ext cx="2266800" cy="2266801"/>
+          </a:xfrm>
+          <a:prstGeom prst="rect">
+            <a:avLst/>
+          </a:prstGeom>
+          <a:noFill/>
+        </p:spPr>
+      </p:pic>
+      <p:sp>
+        <p:nvSpPr>
+          <p:cNvPr id="3" name="Subtitle 2">
+            <a:extLst>
+              <a:ext uri="{FF2B5EF4-FFF2-40B4-BE49-F238E27FC236}">
+                <a16:creationId xmlns:a16="http://schemas.microsoft.com/office/drawing/2014/main" id="{5B2D393E-A98F-8BFF-B779-0A47671F389F}"/>
+              </a:ext>
+            </a:extLst>
+          </p:cNvPr>
+          <p:cNvSpPr>
+            <a:spLocks noGrp="1"/>
+          </p:cNvSpPr>
+          <p:nvPr>
+            <p:ph type="subTitle" sz="quarter" idx="11"/>
+          </p:nvPr>
+        </p:nvSpPr>
+        <p:spPr/>
+        <p:txBody>
+          <a:bodyPr/>
+          <a:lstStyle/>
+          <a:p>
+            <a:r>
+              <a:rPr lang="bg-BG" dirty="0"/>
+              <a:t>Писане на скрипт</a:t>
+            </a:r>
+            <a:endParaRPr lang="en-US" dirty="0"/>
+          </a:p>
+        </p:txBody>
+      </p:sp>
+      <p:sp>
+        <p:nvSpPr>
+          <p:cNvPr id="4" name="Заглавие 3">
+            <a:extLst>
+              <a:ext uri="{FF2B5EF4-FFF2-40B4-BE49-F238E27FC236}">
+                <a16:creationId xmlns:a16="http://schemas.microsoft.com/office/drawing/2014/main" id="{FD052661-2CA9-EC6A-3130-1D23E7EB7138}"/>
+              </a:ext>
+            </a:extLst>
+          </p:cNvPr>
+          <p:cNvSpPr>
+            <a:spLocks noGrp="1"/>
+          </p:cNvSpPr>
+          <p:nvPr>
+            <p:ph type="title" sz="quarter" idx="10"/>
+          </p:nvPr>
+        </p:nvSpPr>
+        <p:spPr>
+          <a:xfrm>
+            <a:off x="615109" y="4704825"/>
+            <a:ext cx="10961783" cy="768084"/>
+          </a:xfrm>
+        </p:spPr>
+        <p:txBody>
+          <a:bodyPr/>
+          <a:lstStyle/>
+          <a:p>
+            <a:r>
+              <a:rPr lang="bg-BG" dirty="0"/>
+              <a:t>Създаване на база данни чрез </a:t>
+            </a:r>
+            <a:r>
+              <a:rPr lang="en-US" dirty="0"/>
+              <a:t>SQL</a:t>
+            </a:r>
+            <a:endParaRPr lang="bg-BG" dirty="0"/>
+          </a:p>
+        </p:txBody>
+      </p:sp>
+    </p:spTree>
+    <p:extLst>
+      <p:ext uri="{BB962C8B-B14F-4D97-AF65-F5344CB8AC3E}">
+        <p14:creationId xmlns:p14="http://schemas.microsoft.com/office/powerpoint/2010/main" val="3375183721"/>
+      </p:ext>
+    </p:extLst>
+  </p:cSld>
+  <p:clrMapOvr>
+    <a:masterClrMapping/>
+  </p:clrMapOvr>
+  <mc:AlternateContent xmlns:mc="http://schemas.openxmlformats.org/markup-compatibility/2006" xmlns:p14="http://schemas.microsoft.com/office/powerpoint/2010/main">
+    <mc:Choice Requires="p14">
+      <p:transition spd="slow" p14:dur="2000" advClick="0" advTm="5000"/>
+    </mc:Choice>
+    <mc:Fallback xmlns="">
+      <p:transition spd="slow" advClick="0" advTm="5000"/>
+    </mc:Fallback>
+  </mc:AlternateContent>
+</p:sld>
+</file>
+
+<file path=ppt/slides/slide21.xml><?xml version="1.0" encoding="utf-8"?>
+<p:sld xmlns:a="http://schemas.openxmlformats.org/drawingml/2006/main" xmlns:r="http://schemas.openxmlformats.org/officeDocument/2006/relationships" xmlns:p="http://schemas.openxmlformats.org/presentationml/2006/main">
+  <p:cSld>
+    <p:spTree>
+      <p:nvGrpSpPr>
+        <p:cNvPr id="1" name=""/>
+        <p:cNvGrpSpPr/>
+        <p:nvPr/>
+      </p:nvGrpSpPr>
+      <p:grpSpPr>
+        <a:xfrm>
+          <a:off x="0" y="0"/>
+          <a:ext cx="0" cy="0"/>
+          <a:chOff x="0" y="0"/>
+          <a:chExt cx="0" cy="0"/>
+        </a:xfrm>
+      </p:grpSpPr>
+      <p:sp>
+        <p:nvSpPr>
+          <p:cNvPr id="3" name="Text Placeholder 2"/>
+          <p:cNvSpPr>
+            <a:spLocks noGrp="1"/>
+          </p:cNvSpPr>
+          <p:nvPr>
+            <p:ph type="body" sz="quarter" idx="10"/>
+          </p:nvPr>
+        </p:nvSpPr>
+        <p:spPr/>
+        <p:txBody>
+          <a:bodyPr/>
+          <a:lstStyle/>
+          <a:p>
+            <a:pPr>
+              <a:spcAft>
+                <a:spcPts val="25200"/>
+              </a:spcAft>
+            </a:pPr>
+            <a:r>
+              <a:rPr lang="bg-BG" dirty="0"/>
+              <a:t>За да се </a:t>
+            </a:r>
+            <a:r>
+              <a:rPr lang="bg-BG" b="1" dirty="0">
+                <a:solidFill>
+                  <a:schemeClr val="bg1"/>
+                </a:solidFill>
+              </a:rPr>
+              <a:t>създаде</a:t>
+            </a:r>
+            <a:r>
+              <a:rPr lang="bg-BG" dirty="0"/>
+              <a:t> една </a:t>
+            </a:r>
+            <a:r>
+              <a:rPr lang="bg-BG" b="1" dirty="0"/>
+              <a:t>база данни </a:t>
+            </a:r>
+            <a:r>
+              <a:rPr lang="bg-BG" dirty="0"/>
+              <a:t>чрез </a:t>
+            </a:r>
+            <a:r>
+              <a:rPr lang="en-US" b="1" dirty="0">
+                <a:solidFill>
+                  <a:schemeClr val="bg1"/>
+                </a:solidFill>
+              </a:rPr>
+              <a:t>SQL</a:t>
+            </a:r>
+            <a:r>
+              <a:rPr lang="en-US" dirty="0"/>
+              <a:t> </a:t>
+            </a:r>
+            <a:r>
+              <a:rPr lang="bg-BG" dirty="0"/>
+              <a:t>скрипт е необходимо той да бъде </a:t>
+            </a:r>
+            <a:r>
+              <a:rPr lang="bg-BG" b="1" dirty="0"/>
+              <a:t>структуриран</a:t>
+            </a:r>
+            <a:r>
+              <a:rPr lang="bg-BG" dirty="0"/>
+              <a:t> по следния начин:</a:t>
+            </a:r>
+            <a:br>
+              <a:rPr lang="bg-BG" dirty="0"/>
+            </a:br>
+            <a:br>
+              <a:rPr lang="bg-BG" dirty="0"/>
+            </a:br>
+            <a:endParaRPr lang="en-US" b="1" dirty="0">
+              <a:solidFill>
+                <a:schemeClr val="bg1"/>
+              </a:solidFill>
+            </a:endParaRPr>
+          </a:p>
+        </p:txBody>
+      </p:sp>
+      <p:sp>
+        <p:nvSpPr>
+          <p:cNvPr id="4" name="Title 3"/>
+          <p:cNvSpPr>
+            <a:spLocks noGrp="1"/>
+          </p:cNvSpPr>
+          <p:nvPr>
+            <p:ph type="title"/>
+          </p:nvPr>
+        </p:nvSpPr>
+        <p:spPr/>
+        <p:txBody>
+          <a:bodyPr/>
+          <a:lstStyle/>
+          <a:p>
+            <a:r>
+              <a:rPr lang="en-US" dirty="0"/>
+              <a:t>SQL </a:t>
+            </a:r>
+            <a:r>
+              <a:rPr lang="bg-BG" dirty="0"/>
+              <a:t>скрипт</a:t>
+            </a:r>
+            <a:endParaRPr lang="en-US" dirty="0"/>
+          </a:p>
+        </p:txBody>
+      </p:sp>
+      <p:sp>
+        <p:nvSpPr>
+          <p:cNvPr id="5" name="Slide Number">
+            <a:extLst>
+              <a:ext uri="{FF2B5EF4-FFF2-40B4-BE49-F238E27FC236}">
+                <a16:creationId xmlns:a16="http://schemas.microsoft.com/office/drawing/2014/main" id="{F94DA94C-7474-9E47-A544-0AE72CBC0B18}"/>
+              </a:ext>
+            </a:extLst>
+          </p:cNvPr>
+          <p:cNvSpPr>
+            <a:spLocks noGrp="1"/>
+          </p:cNvSpPr>
+          <p:nvPr>
+            <p:ph type="sldNum" sz="quarter" idx="5"/>
+          </p:nvPr>
+        </p:nvSpPr>
+        <p:spPr>
+          <a:xfrm>
+            <a:off x="11753030" y="6507000"/>
+            <a:ext cx="367414" cy="297000"/>
+          </a:xfrm>
+          <a:prstGeom prst="rect">
+            <a:avLst/>
+          </a:prstGeom>
+        </p:spPr>
+        <p:txBody>
+          <a:bodyPr vert="horz" lIns="91440" tIns="45720" rIns="91440" bIns="45720" rtlCol="0" anchor="b"/>
+          <a:lstStyle>
+            <a:lvl1pPr algn="r">
+              <a:defRPr sz="1000"/>
+            </a:lvl1pPr>
+          </a:lstStyle>
+          <a:p>
+            <a:fld id="{2BF067CD-8E6B-4360-9AA8-C5DF2A48A6D1}" type="slidenum">
+              <a:rPr lang="en-US" noProof="0" smtClean="0"/>
+              <a:pPr/>
+              <a:t>21</a:t>
+            </a:fld>
+            <a:endParaRPr lang="en-US" noProof="0" dirty="0"/>
+          </a:p>
+        </p:txBody>
+      </p:sp>
+      <p:sp>
+        <p:nvSpPr>
+          <p:cNvPr id="6" name="Rectangle 5">
+            <a:hlinkClick r:id="rId2"/>
+            <a:extLst>
+              <a:ext uri="{FF2B5EF4-FFF2-40B4-BE49-F238E27FC236}">
+                <a16:creationId xmlns:a16="http://schemas.microsoft.com/office/drawing/2014/main" id="{FCFFBFB8-3759-ED51-D833-ED782D0B77AE}"/>
+              </a:ext>
+            </a:extLst>
+          </p:cNvPr>
+          <p:cNvSpPr>
+            <a:spLocks noChangeArrowheads="1"/>
+          </p:cNvSpPr>
+          <p:nvPr/>
+        </p:nvSpPr>
+        <p:spPr bwMode="auto">
+          <a:xfrm>
+            <a:off x="2153203" y="2815990"/>
+            <a:ext cx="6345000" cy="3691010"/>
+          </a:xfrm>
+          <a:prstGeom prst="rect">
+            <a:avLst/>
+          </a:prstGeom>
+          <a:solidFill>
+            <a:schemeClr val="accent5">
+              <a:lumMod val="40000"/>
+              <a:lumOff val="60000"/>
+              <a:alpha val="20000"/>
+            </a:schemeClr>
+          </a:solidFill>
+          <a:ln w="12700">
+            <a:solidFill>
+              <a:schemeClr val="accent5">
+                <a:lumMod val="60000"/>
+                <a:lumOff val="40000"/>
+              </a:schemeClr>
+            </a:solidFill>
+          </a:ln>
+        </p:spPr>
+        <p:txBody>
+          <a:bodyPr wrap="square">
+            <a:spAutoFit/>
+          </a:bodyPr>
+          <a:lstStyle/>
+          <a:p>
+            <a:pPr>
+              <a:lnSpc>
+                <a:spcPct val="105000"/>
+              </a:lnSpc>
+            </a:pPr>
+            <a:r>
+              <a:rPr lang="en-US" sz="2800" b="1" noProof="1">
+                <a:solidFill>
+                  <a:schemeClr val="bg1"/>
+                </a:solidFill>
+                <a:latin typeface="Consolas" panose="020B0609020204030204" pitchFamily="49" charset="0"/>
+                <a:cs typeface="Arial" panose="020B0604020202020204" pitchFamily="34" charset="0"/>
+              </a:rPr>
+              <a:t>CREATE DATABASE </a:t>
+            </a:r>
+            <a:r>
+              <a:rPr lang="en-US" sz="2800" b="1" noProof="1">
+                <a:latin typeface="Consolas" panose="020B0609020204030204" pitchFamily="49" charset="0"/>
+                <a:cs typeface="Arial" panose="020B0604020202020204" pitchFamily="34" charset="0"/>
+              </a:rPr>
+              <a:t>TravelCompany;</a:t>
+            </a:r>
+          </a:p>
+          <a:p>
+            <a:pPr>
+              <a:lnSpc>
+                <a:spcPct val="105000"/>
+              </a:lnSpc>
+            </a:pPr>
+            <a:endParaRPr lang="en-US" sz="2800" b="1" noProof="1">
+              <a:latin typeface="Consolas" panose="020B0609020204030204" pitchFamily="49" charset="0"/>
+              <a:cs typeface="Arial" panose="020B0604020202020204" pitchFamily="34" charset="0"/>
+            </a:endParaRPr>
+          </a:p>
+          <a:p>
+            <a:pPr>
+              <a:lnSpc>
+                <a:spcPct val="105000"/>
+              </a:lnSpc>
+            </a:pPr>
+            <a:r>
+              <a:rPr lang="en-US" sz="2800" b="1" noProof="1">
+                <a:solidFill>
+                  <a:schemeClr val="bg1"/>
+                </a:solidFill>
+                <a:latin typeface="Consolas" panose="020B0609020204030204" pitchFamily="49" charset="0"/>
+                <a:cs typeface="Arial" panose="020B0604020202020204" pitchFamily="34" charset="0"/>
+              </a:rPr>
+              <a:t>USE</a:t>
+            </a:r>
+            <a:r>
+              <a:rPr lang="en-US" sz="2800" b="1" noProof="1">
+                <a:latin typeface="Consolas" panose="020B0609020204030204" pitchFamily="49" charset="0"/>
+                <a:cs typeface="Arial" panose="020B0604020202020204" pitchFamily="34" charset="0"/>
+              </a:rPr>
+              <a:t> TravelCompany</a:t>
+            </a:r>
+          </a:p>
+          <a:p>
+            <a:pPr>
+              <a:lnSpc>
+                <a:spcPct val="105000"/>
+              </a:lnSpc>
+            </a:pPr>
+            <a:endParaRPr lang="en-US" sz="2800" b="1" noProof="1">
+              <a:latin typeface="Consolas" panose="020B0609020204030204" pitchFamily="49" charset="0"/>
+              <a:cs typeface="Arial" panose="020B0604020202020204" pitchFamily="34" charset="0"/>
+            </a:endParaRPr>
+          </a:p>
+          <a:p>
+            <a:pPr>
+              <a:lnSpc>
+                <a:spcPct val="105000"/>
+              </a:lnSpc>
+            </a:pPr>
+            <a:r>
+              <a:rPr lang="en-US" sz="2800" b="1" noProof="1">
+                <a:solidFill>
+                  <a:schemeClr val="bg1"/>
+                </a:solidFill>
+                <a:latin typeface="Consolas" panose="020B0609020204030204" pitchFamily="49" charset="0"/>
+                <a:cs typeface="Arial" panose="020B0604020202020204" pitchFamily="34" charset="0"/>
+              </a:rPr>
+              <a:t>CREATE TABLE </a:t>
+            </a:r>
+            <a:r>
+              <a:rPr lang="en-US" sz="2800" b="1" noProof="1">
+                <a:latin typeface="Consolas" panose="020B0609020204030204" pitchFamily="49" charset="0"/>
+                <a:cs typeface="Arial" panose="020B0604020202020204" pitchFamily="34" charset="0"/>
+              </a:rPr>
+              <a:t>Customers (</a:t>
+            </a:r>
+          </a:p>
+          <a:p>
+            <a:pPr>
+              <a:lnSpc>
+                <a:spcPct val="105000"/>
+              </a:lnSpc>
+            </a:pPr>
+            <a:r>
+              <a:rPr lang="en-US" sz="2800" b="1" noProof="1">
+                <a:latin typeface="Consolas" panose="020B0609020204030204" pitchFamily="49" charset="0"/>
+                <a:cs typeface="Arial" panose="020B0604020202020204" pitchFamily="34" charset="0"/>
+              </a:rPr>
+              <a:t>	…</a:t>
+            </a:r>
+          </a:p>
+          <a:p>
+            <a:pPr>
+              <a:lnSpc>
+                <a:spcPct val="105000"/>
+              </a:lnSpc>
+            </a:pPr>
+            <a:r>
+              <a:rPr lang="en-US" sz="2800" b="1" noProof="1">
+                <a:latin typeface="Consolas" panose="020B0609020204030204" pitchFamily="49" charset="0"/>
+                <a:cs typeface="Arial" panose="020B0604020202020204" pitchFamily="34" charset="0"/>
+              </a:rPr>
+              <a:t>);</a:t>
+            </a:r>
+          </a:p>
+          <a:p>
+            <a:pPr>
+              <a:lnSpc>
+                <a:spcPct val="105000"/>
+              </a:lnSpc>
+            </a:pPr>
+            <a:r>
+              <a:rPr lang="en-US" sz="2800" b="1" noProof="1">
+                <a:latin typeface="Consolas" panose="020B0609020204030204" pitchFamily="49" charset="0"/>
+                <a:cs typeface="Arial" panose="020B0604020202020204" pitchFamily="34" charset="0"/>
+              </a:rPr>
+              <a:t>…</a:t>
+            </a:r>
+          </a:p>
+        </p:txBody>
+      </p:sp>
+      <p:sp>
+        <p:nvSpPr>
+          <p:cNvPr id="8" name="AutoShape 5">
+            <a:extLst>
+              <a:ext uri="{FF2B5EF4-FFF2-40B4-BE49-F238E27FC236}">
+                <a16:creationId xmlns:a16="http://schemas.microsoft.com/office/drawing/2014/main" id="{5AE817D0-F70B-DA7A-07F1-C6D349E46BAC}"/>
+              </a:ext>
+            </a:extLst>
+          </p:cNvPr>
+          <p:cNvSpPr>
+            <a:spLocks noChangeArrowheads="1"/>
+          </p:cNvSpPr>
+          <p:nvPr/>
+        </p:nvSpPr>
+        <p:spPr bwMode="auto">
+          <a:xfrm>
+            <a:off x="8463797" y="2882769"/>
+            <a:ext cx="3150000" cy="546231"/>
+          </a:xfrm>
+          <a:prstGeom prst="wedgeRoundRectCallout">
+            <a:avLst>
+              <a:gd name="adj1" fmla="val -59139"/>
+              <a:gd name="adj2" fmla="val -5226"/>
+              <a:gd name="adj3" fmla="val 16667"/>
+            </a:avLst>
+          </a:prstGeom>
+          <a:solidFill>
+            <a:schemeClr val="tx1">
+              <a:alpha val="80000"/>
+            </a:schemeClr>
+          </a:solidFill>
+          <a:ln w="19050">
+            <a:solidFill>
+              <a:schemeClr val="tx1">
+                <a:alpha val="80000"/>
+              </a:schemeClr>
+            </a:solidFill>
+          </a:ln>
+          <a:effectLst/>
+        </p:spPr>
+        <p:style>
+          <a:lnRef idx="2">
+            <a:schemeClr val="accent1">
+              <a:shade val="50000"/>
+            </a:schemeClr>
+          </a:lnRef>
+          <a:fillRef idx="1001">
+            <a:schemeClr val="dk2"/>
+          </a:fillRef>
+          <a:effectRef idx="0">
+            <a:schemeClr val="accent1"/>
+          </a:effectRef>
+          <a:fontRef idx="minor">
+            <a:schemeClr val="lt1"/>
+          </a:fontRef>
+        </p:style>
+        <p:txBody>
+          <a:bodyPr rot="0" spcFirstLastPara="0" vertOverflow="overflow" horzOverflow="overflow" vert="horz" wrap="square" lIns="91440" tIns="45720" rIns="91440" bIns="45720" numCol="1" spcCol="0" rtlCol="0" fromWordArt="0" anchor="ctr" anchorCtr="0" forceAA="0" compatLnSpc="1">
+            <a:prstTxWarp prst="textNoShape">
+              <a:avLst/>
+            </a:prstTxWarp>
+            <a:noAutofit/>
+          </a:bodyPr>
+          <a:lstStyle/>
+          <a:p>
+            <a:pPr algn="ctr"/>
+            <a:r>
+              <a:rPr lang="bg-BG" sz="2400" b="1" dirty="0">
+                <a:solidFill>
+                  <a:srgbClr val="FFFFFF"/>
+                </a:solidFill>
+                <a:effectLst>
+                  <a:outerShdw blurRad="38100" dist="38100" dir="2700000" algn="tl">
+                    <a:srgbClr val="000000">
+                      <a:alpha val="43137"/>
+                    </a:srgbClr>
+                  </a:outerShdw>
+                </a:effectLst>
+              </a:rPr>
+              <a:t>Име на базата данни</a:t>
+            </a:r>
+          </a:p>
+        </p:txBody>
+      </p:sp>
+      <p:sp>
+        <p:nvSpPr>
+          <p:cNvPr id="9" name="AutoShape 5">
+            <a:extLst>
+              <a:ext uri="{FF2B5EF4-FFF2-40B4-BE49-F238E27FC236}">
+                <a16:creationId xmlns:a16="http://schemas.microsoft.com/office/drawing/2014/main" id="{0C2EBE44-DE6D-C743-8C9B-D621CDF0BF2F}"/>
+              </a:ext>
+            </a:extLst>
+          </p:cNvPr>
+          <p:cNvSpPr>
+            <a:spLocks noChangeArrowheads="1"/>
+          </p:cNvSpPr>
+          <p:nvPr/>
+        </p:nvSpPr>
+        <p:spPr bwMode="auto">
+          <a:xfrm>
+            <a:off x="5976816" y="3620841"/>
+            <a:ext cx="4500000" cy="945000"/>
+          </a:xfrm>
+          <a:prstGeom prst="wedgeRoundRectCallout">
+            <a:avLst>
+              <a:gd name="adj1" fmla="val -56817"/>
+              <a:gd name="adj2" fmla="val -15270"/>
+              <a:gd name="adj3" fmla="val 16667"/>
+            </a:avLst>
+          </a:prstGeom>
+          <a:solidFill>
+            <a:schemeClr val="tx1">
+              <a:alpha val="80000"/>
+            </a:schemeClr>
+          </a:solidFill>
+          <a:ln w="19050">
+            <a:solidFill>
+              <a:schemeClr val="tx1">
+                <a:alpha val="80000"/>
+              </a:schemeClr>
+            </a:solidFill>
+          </a:ln>
+          <a:effectLst/>
+        </p:spPr>
+        <p:style>
+          <a:lnRef idx="2">
+            <a:schemeClr val="accent1">
+              <a:shade val="50000"/>
+            </a:schemeClr>
+          </a:lnRef>
+          <a:fillRef idx="1001">
+            <a:schemeClr val="dk2"/>
+          </a:fillRef>
+          <a:effectRef idx="0">
+            <a:schemeClr val="accent1"/>
+          </a:effectRef>
+          <a:fontRef idx="minor">
+            <a:schemeClr val="lt1"/>
+          </a:fontRef>
+        </p:style>
+        <p:txBody>
+          <a:bodyPr rot="0" spcFirstLastPara="0" vertOverflow="overflow" horzOverflow="overflow" vert="horz" wrap="square" lIns="91440" tIns="45720" rIns="91440" bIns="45720" numCol="1" spcCol="0" rtlCol="0" fromWordArt="0" anchor="ctr" anchorCtr="0" forceAA="0" compatLnSpc="1">
+            <a:prstTxWarp prst="textNoShape">
+              <a:avLst/>
+            </a:prstTxWarp>
+            <a:noAutofit/>
+          </a:bodyPr>
+          <a:lstStyle/>
+          <a:p>
+            <a:pPr algn="ctr"/>
+            <a:r>
+              <a:rPr lang="bg-BG" sz="2400" b="1" dirty="0">
+                <a:solidFill>
+                  <a:srgbClr val="FFFFFF"/>
+                </a:solidFill>
+                <a:effectLst>
+                  <a:outerShdw blurRad="38100" dist="38100" dir="2700000" algn="tl">
+                    <a:srgbClr val="000000">
+                      <a:alpha val="43137"/>
+                    </a:srgbClr>
+                  </a:outerShdw>
+                </a:effectLst>
+              </a:rPr>
+              <a:t>Посочваме, че ще </a:t>
+            </a:r>
+            <a:r>
+              <a:rPr lang="bg-BG" sz="2400" b="1" dirty="0">
+                <a:solidFill>
+                  <a:schemeClr val="bg1">
+                    <a:lumMod val="60000"/>
+                    <a:lumOff val="40000"/>
+                  </a:schemeClr>
+                </a:solidFill>
+                <a:effectLst>
+                  <a:outerShdw blurRad="38100" dist="38100" dir="2700000" algn="tl">
+                    <a:srgbClr val="000000">
+                      <a:alpha val="43137"/>
+                    </a:srgbClr>
+                  </a:outerShdw>
+                </a:effectLst>
+              </a:rPr>
+              <a:t>използваме</a:t>
+            </a:r>
+            <a:r>
+              <a:rPr lang="bg-BG" sz="2400" b="1" dirty="0">
+                <a:solidFill>
+                  <a:srgbClr val="FFFFFF"/>
+                </a:solidFill>
+                <a:effectLst>
+                  <a:outerShdw blurRad="38100" dist="38100" dir="2700000" algn="tl">
+                    <a:srgbClr val="000000">
+                      <a:alpha val="43137"/>
+                    </a:srgbClr>
+                  </a:outerShdw>
+                </a:effectLst>
+              </a:rPr>
+              <a:t> </a:t>
+            </a:r>
+            <a:r>
+              <a:rPr lang="bg-BG" sz="2400" b="1" dirty="0">
+                <a:solidFill>
+                  <a:schemeClr val="bg1">
+                    <a:lumMod val="60000"/>
+                    <a:lumOff val="40000"/>
+                  </a:schemeClr>
+                </a:solidFill>
+                <a:effectLst>
+                  <a:outerShdw blurRad="38100" dist="38100" dir="2700000" algn="tl">
+                    <a:srgbClr val="000000">
+                      <a:alpha val="43137"/>
+                    </a:srgbClr>
+                  </a:outerShdw>
+                </a:effectLst>
+              </a:rPr>
+              <a:t>новосъздадената</a:t>
+            </a:r>
+            <a:r>
+              <a:rPr lang="bg-BG" sz="2400" b="1" dirty="0">
+                <a:solidFill>
+                  <a:srgbClr val="FFFFFF"/>
+                </a:solidFill>
+                <a:effectLst>
+                  <a:outerShdw blurRad="38100" dist="38100" dir="2700000" algn="tl">
+                    <a:srgbClr val="000000">
+                      <a:alpha val="43137"/>
+                    </a:srgbClr>
+                  </a:outerShdw>
+                </a:effectLst>
+              </a:rPr>
+              <a:t> база данни</a:t>
+            </a:r>
+          </a:p>
+        </p:txBody>
+      </p:sp>
+      <p:sp>
+        <p:nvSpPr>
+          <p:cNvPr id="10" name="AutoShape 5">
+            <a:extLst>
+              <a:ext uri="{FF2B5EF4-FFF2-40B4-BE49-F238E27FC236}">
+                <a16:creationId xmlns:a16="http://schemas.microsoft.com/office/drawing/2014/main" id="{8E867AC2-3131-92BE-A6D9-9C384876972C}"/>
+              </a:ext>
+            </a:extLst>
+          </p:cNvPr>
+          <p:cNvSpPr>
+            <a:spLocks noChangeArrowheads="1"/>
+          </p:cNvSpPr>
+          <p:nvPr/>
+        </p:nvSpPr>
+        <p:spPr bwMode="auto">
+          <a:xfrm>
+            <a:off x="5520701" y="5437427"/>
+            <a:ext cx="3320299" cy="556573"/>
+          </a:xfrm>
+          <a:prstGeom prst="wedgeRoundRectCallout">
+            <a:avLst>
+              <a:gd name="adj1" fmla="val -34713"/>
+              <a:gd name="adj2" fmla="val -80936"/>
+              <a:gd name="adj3" fmla="val 16667"/>
+            </a:avLst>
+          </a:prstGeom>
+          <a:solidFill>
+            <a:schemeClr val="tx1">
+              <a:alpha val="80000"/>
+            </a:schemeClr>
+          </a:solidFill>
+          <a:ln w="19050">
+            <a:solidFill>
+              <a:schemeClr val="tx1">
+                <a:alpha val="80000"/>
+              </a:schemeClr>
+            </a:solidFill>
+          </a:ln>
+          <a:effectLst/>
+        </p:spPr>
+        <p:style>
+          <a:lnRef idx="2">
+            <a:schemeClr val="accent1">
+              <a:shade val="50000"/>
+            </a:schemeClr>
+          </a:lnRef>
+          <a:fillRef idx="1001">
+            <a:schemeClr val="dk2"/>
+          </a:fillRef>
+          <a:effectRef idx="0">
+            <a:schemeClr val="accent1"/>
+          </a:effectRef>
+          <a:fontRef idx="minor">
+            <a:schemeClr val="lt1"/>
+          </a:fontRef>
+        </p:style>
+        <p:txBody>
+          <a:bodyPr rot="0" spcFirstLastPara="0" vertOverflow="overflow" horzOverflow="overflow" vert="horz" wrap="square" lIns="91440" tIns="45720" rIns="91440" bIns="45720" numCol="1" spcCol="0" rtlCol="0" fromWordArt="0" anchor="ctr" anchorCtr="0" forceAA="0" compatLnSpc="1">
+            <a:prstTxWarp prst="textNoShape">
+              <a:avLst/>
+            </a:prstTxWarp>
+            <a:noAutofit/>
+          </a:bodyPr>
+          <a:lstStyle/>
+          <a:p>
+            <a:pPr algn="ctr"/>
+            <a:r>
+              <a:rPr lang="bg-BG" sz="2400" b="1" dirty="0">
+                <a:solidFill>
+                  <a:srgbClr val="FFFFFF"/>
+                </a:solidFill>
+                <a:effectLst>
+                  <a:outerShdw blurRad="38100" dist="38100" dir="2700000" algn="tl">
+                    <a:srgbClr val="000000">
+                      <a:alpha val="43137"/>
+                    </a:srgbClr>
+                  </a:outerShdw>
+                </a:effectLst>
+              </a:rPr>
+              <a:t>Създаване на таблици</a:t>
+            </a:r>
+          </a:p>
+        </p:txBody>
+      </p:sp>
+    </p:spTree>
+    <p:extLst>
+      <p:ext uri="{BB962C8B-B14F-4D97-AF65-F5344CB8AC3E}">
+        <p14:creationId xmlns:p14="http://schemas.microsoft.com/office/powerpoint/2010/main" val="115927302"/>
+      </p:ext>
+    </p:extLst>
+  </p:cSld>
+  <p:clrMapOvr>
+    <a:masterClrMapping/>
+  </p:clrMapOvr>
+  <mc:AlternateContent xmlns:mc="http://schemas.openxmlformats.org/markup-compatibility/2006" xmlns:p14="http://schemas.microsoft.com/office/powerpoint/2010/main">
+    <mc:Choice Requires="p14">
+      <p:transition spd="slow" p14:dur="2000" advClick="0" advTm="5000"/>
+    </mc:Choice>
+    <mc:Fallback xmlns="">
+      <p:transition spd="slow" advClick="0" advTm="5000"/>
+    </mc:Fallback>
+  </mc:AlternateContent>
+  <p:timing>
+    <p:tnLst>
+      <p:par>
+        <p:cTn id="1" dur="indefinite" restart="never" nodeType="tmRoot">
+          <p:childTnLst>
+            <p:seq concurrent="1" nextAc="seek">
+              <p:cTn id="2" dur="indefinite" nodeType="mainSeq">
+                <p:childTnLst>
+                  <p:par>
+                    <p:cTn id="3" fill="hold">
+                      <p:stCondLst>
+                        <p:cond delay="indefinite"/>
+                      </p:stCondLst>
+                      <p:childTnLst>
+                        <p:par>
+                          <p:cTn id="4" fill="hold">
+                            <p:stCondLst>
+                              <p:cond delay="0"/>
+                            </p:stCondLst>
+                            <p:childTnLst>
+                              <p:par>
+                                <p:cTn id="5" presetID="1" presetClass="entr" presetSubtype="0" fill="hold" grpId="0" nodeType="clickEffect">
+                                  <p:stCondLst>
+                                    <p:cond delay="0"/>
+                                  </p:stCondLst>
+                                  <p:childTnLst>
+                                    <p:set>
+                                      <p:cBhvr>
+                                        <p:cTn id="6" dur="1" fill="hold">
+                                          <p:stCondLst>
+                                            <p:cond delay="0"/>
+                                          </p:stCondLst>
+                                        </p:cTn>
+                                        <p:tgtEl>
+                                          <p:spTgt spid="8"/>
+                                        </p:tgtEl>
+                                        <p:attrNameLst>
+                                          <p:attrName>style.visibility</p:attrName>
+                                        </p:attrNameLst>
+                                      </p:cBhvr>
+                                      <p:to>
+                                        <p:strVal val="visible"/>
+                                      </p:to>
+                                    </p:set>
+                                  </p:childTnLst>
+                                </p:cTn>
+                              </p:par>
+                            </p:childTnLst>
+                          </p:cTn>
+                        </p:par>
+                      </p:childTnLst>
+                    </p:cTn>
+                  </p:par>
+                  <p:par>
+                    <p:cTn id="7" fill="hold">
+                      <p:stCondLst>
+                        <p:cond delay="indefinite"/>
+                      </p:stCondLst>
+                      <p:childTnLst>
+                        <p:par>
+                          <p:cTn id="8" fill="hold">
+                            <p:stCondLst>
+                              <p:cond delay="0"/>
+                            </p:stCondLst>
+                            <p:childTnLst>
+                              <p:par>
+                                <p:cTn id="9" presetID="1" presetClass="entr" presetSubtype="0" fill="hold" grpId="0" nodeType="clickEffect">
+                                  <p:stCondLst>
+                                    <p:cond delay="0"/>
+                                  </p:stCondLst>
+                                  <p:childTnLst>
+                                    <p:set>
+                                      <p:cBhvr>
+                                        <p:cTn id="10" dur="1" fill="hold">
+                                          <p:stCondLst>
+                                            <p:cond delay="0"/>
+                                          </p:stCondLst>
+                                        </p:cTn>
+                                        <p:tgtEl>
+                                          <p:spTgt spid="9"/>
+                                        </p:tgtEl>
+                                        <p:attrNameLst>
+                                          <p:attrName>style.visibility</p:attrName>
+                                        </p:attrNameLst>
+                                      </p:cBhvr>
+                                      <p:to>
+                                        <p:strVal val="visible"/>
+                                      </p:to>
+                                    </p:set>
+                                  </p:childTnLst>
+                                </p:cTn>
+                              </p:par>
+                            </p:childTnLst>
+                          </p:cTn>
+                        </p:par>
+                      </p:childTnLst>
+                    </p:cTn>
+                  </p:par>
+                  <p:par>
+                    <p:cTn id="11" fill="hold">
+                      <p:stCondLst>
+                        <p:cond delay="indefinite"/>
+                      </p:stCondLst>
+                      <p:childTnLst>
+                        <p:par>
+                          <p:cTn id="12" fill="hold">
+                            <p:stCondLst>
+                              <p:cond delay="0"/>
+                            </p:stCondLst>
+                            <p:childTnLst>
+                              <p:par>
+                                <p:cTn id="13" presetID="1" presetClass="entr" presetSubtype="0" fill="hold" grpId="0" nodeType="clickEffect">
+                                  <p:stCondLst>
+                                    <p:cond delay="0"/>
+                                  </p:stCondLst>
+                                  <p:childTnLst>
+                                    <p:set>
+                                      <p:cBhvr>
+                                        <p:cTn id="14" dur="1" fill="hold">
+                                          <p:stCondLst>
+                                            <p:cond delay="0"/>
+                                          </p:stCondLst>
+                                        </p:cTn>
+                                        <p:tgtEl>
+                                          <p:spTgt spid="10"/>
+                                        </p:tgtEl>
+                                        <p:attrNameLst>
+                                          <p:attrName>style.visibility</p:attrName>
+                                        </p:attrNameLst>
+                                      </p:cBhvr>
+                                      <p:to>
+                                        <p:strVal val="visible"/>
+                                      </p:to>
+                                    </p:set>
+                                  </p:childTnLst>
+                                </p:cTn>
+                              </p:par>
+                            </p:childTnLst>
+                          </p:cTn>
+                        </p:par>
+                      </p:childTnLst>
+                    </p:cTn>
+                  </p:par>
+                </p:childTnLst>
+              </p:cTn>
+              <p:prevCondLst>
+                <p:cond evt="onPrev" delay="0">
+                  <p:tgtEl>
+                    <p:sldTgt/>
+                  </p:tgtEl>
+                </p:cond>
+              </p:prevCondLst>
+              <p:nextCondLst>
+                <p:cond evt="onNext" delay="0">
+                  <p:tgtEl>
+                    <p:sldTgt/>
+                  </p:tgtEl>
+                </p:cond>
+              </p:nextCondLst>
+            </p:seq>
+          </p:childTnLst>
+        </p:cTn>
+      </p:par>
+    </p:tnLst>
+    <p:bldLst>
+      <p:bldP spid="8" grpId="0" animBg="1"/>
+      <p:bldP spid="9" grpId="0" animBg="1"/>
+      <p:bldP spid="10" grpId="0" animBg="1"/>
+    </p:bldLst>
+  </p:timing>
+</p:sld>
+</file>
+
+<file path=ppt/slides/slide22.xml><?xml version="1.0" encoding="utf-8"?>
+<p:sld xmlns:a="http://schemas.openxmlformats.org/drawingml/2006/main" xmlns:r="http://schemas.openxmlformats.org/officeDocument/2006/relationships" xmlns:p="http://schemas.openxmlformats.org/presentationml/2006/main">
+  <p:cSld>
+    <p:spTree>
+      <p:nvGrpSpPr>
+        <p:cNvPr id="1" name=""/>
+        <p:cNvGrpSpPr/>
+        <p:nvPr/>
+      </p:nvGrpSpPr>
+      <p:grpSpPr>
+        <a:xfrm>
+          <a:off x="0" y="0"/>
+          <a:ext cx="0" cy="0"/>
+          <a:chOff x="0" y="0"/>
+          <a:chExt cx="0" cy="0"/>
+        </a:xfrm>
+      </p:grpSpPr>
+      <p:pic>
+        <p:nvPicPr>
           <p:cNvPr id="10242" name="Picture 2" descr="Ð¡Ð²ÑÑÐ·Ð°Ð½Ð¾ Ð¸Ð·Ð¾Ð±ÑÐ°Ð¶ÐµÐ½Ð¸Ðµ">
             <a:extLst>
               <a:ext uri="{FF2B5EF4-FFF2-40B4-BE49-F238E27FC236}">
@@ -11968,7 +12842,7 @@
 </p:sld>
 </file>
 
-<file path=ppt/slides/slide21.xml><?xml version="1.0" encoding="utf-8"?>
+<file path=ppt/slides/slide23.xml><?xml version="1.0" encoding="utf-8"?>
 <p:sld xmlns:a="http://schemas.openxmlformats.org/drawingml/2006/main" xmlns:r="http://schemas.openxmlformats.org/officeDocument/2006/relationships" xmlns:p="http://schemas.openxmlformats.org/presentationml/2006/main">
   <p:cSld>
     <p:spTree>
@@ -12174,7 +13048,7 @@
 </p:sld>
 </file>
 
-<file path=ppt/slides/slide22.xml><?xml version="1.0" encoding="utf-8"?>
+<file path=ppt/slides/slide24.xml><?xml version="1.0" encoding="utf-8"?>
 <p:sld xmlns:a="http://schemas.openxmlformats.org/drawingml/2006/main" xmlns:r="http://schemas.openxmlformats.org/officeDocument/2006/relationships" xmlns:p="http://schemas.openxmlformats.org/presentationml/2006/main">
   <p:cSld>
     <p:spTree>
@@ -12215,7 +13089,7 @@
             <a:fld id="{2BF067CD-8E6B-4360-9AA8-C5DF2A48A6D1}" type="slidenum">
               <a:rPr lang="en-US" noProof="0" smtClean="0"/>
               <a:pPr/>
-              <a:t>22</a:t>
+              <a:t>24</a:t>
             </a:fld>
             <a:endParaRPr lang="en-US" noProof="0" dirty="0"/>
           </a:p>
@@ -12401,7 +13275,7 @@
 </p:sld>
 </file>
 
-<file path=ppt/slides/slide23.xml><?xml version="1.0" encoding="utf-8"?>
+<file path=ppt/slides/slide25.xml><?xml version="1.0" encoding="utf-8"?>
 <p:sld xmlns:a="http://schemas.openxmlformats.org/drawingml/2006/main" xmlns:r="http://schemas.openxmlformats.org/officeDocument/2006/relationships" xmlns:p="http://schemas.openxmlformats.org/presentationml/2006/main">
   <p:cSld>
     <p:spTree>
@@ -12459,7 +13333,7 @@
             </a:r>
             <a:r>
               <a:rPr lang="bg-BG" dirty="0"/>
-              <a:t>до името на базата данни, която се визуализира в списъка с бази данни</a:t>
+              <a:t>до името на базата данни, която се визуализира в листа с бази данни</a:t>
             </a:r>
             <a:endParaRPr lang="en-US" dirty="0"/>
           </a:p>
@@ -12486,7 +13360,7 @@
             </a:r>
             <a:r>
               <a:rPr lang="en-US" dirty="0"/>
-              <a:t> </a:t>
+              <a:t> [</a:t>
             </a:r>
             <a:r>
               <a:rPr lang="en-US" b="1" dirty="0">
@@ -12496,7 +13370,7 @@
             </a:r>
             <a:r>
               <a:rPr lang="en-US" dirty="0"/>
-              <a:t> -&gt;</a:t>
+              <a:t>] -&gt;</a:t>
             </a:r>
             <a:r>
               <a:rPr lang="bg-BG" dirty="0"/>
@@ -12575,8 +13449,8 @@
         </p:blipFill>
         <p:spPr>
           <a:xfrm>
-            <a:off x="3216000" y="3413891"/>
-            <a:ext cx="6865501" cy="2856982"/>
+            <a:off x="3531000" y="3807746"/>
+            <a:ext cx="4486901" cy="1867161"/>
           </a:xfrm>
           <a:prstGeom prst="rect">
             <a:avLst/>
@@ -12717,7 +13591,7 @@
 </p:sld>
 </file>
 
-<file path=ppt/slides/slide24.xml><?xml version="1.0" encoding="utf-8"?>
+<file path=ppt/slides/slide26.xml><?xml version="1.0" encoding="utf-8"?>
 <p:sld xmlns:a="http://schemas.openxmlformats.org/drawingml/2006/main" xmlns:r="http://schemas.openxmlformats.org/officeDocument/2006/relationships" xmlns:p="http://schemas.openxmlformats.org/presentationml/2006/main">
   <p:cSld>
     <p:spTree>
@@ -12758,7 +13632,7 @@
             <a:fld id="{2BF067CD-8E6B-4360-9AA8-C5DF2A48A6D1}" type="slidenum">
               <a:rPr lang="en-US" noProof="0" smtClean="0"/>
               <a:pPr/>
-              <a:t>24</a:t>
+              <a:t>26</a:t>
             </a:fld>
             <a:endParaRPr lang="en-US" noProof="0" dirty="0"/>
           </a:p>
@@ -12964,8 +13838,8 @@
         </p:blipFill>
         <p:spPr bwMode="auto">
           <a:xfrm>
-            <a:off x="3407250" y="1907511"/>
-            <a:ext cx="5377500" cy="1969975"/>
+            <a:off x="3823500" y="2214000"/>
+            <a:ext cx="4545000" cy="1665000"/>
           </a:xfrm>
           <a:prstGeom prst="rect">
             <a:avLst/>
@@ -13002,8 +13876,8 @@
         </p:blipFill>
         <p:spPr>
           <a:xfrm>
-            <a:off x="4459911" y="4588872"/>
-            <a:ext cx="3272177" cy="1970538"/>
+            <a:off x="4848823" y="4896875"/>
+            <a:ext cx="2494354" cy="1502125"/>
           </a:xfrm>
           <a:prstGeom prst="rect">
             <a:avLst/>
@@ -13144,7 +14018,7 @@
 </p:sld>
 </file>
 
-<file path=ppt/slides/slide25.xml><?xml version="1.0" encoding="utf-8"?>
+<file path=ppt/slides/slide27.xml><?xml version="1.0" encoding="utf-8"?>
 <p:sld xmlns:a="http://schemas.openxmlformats.org/drawingml/2006/main" xmlns:r="http://schemas.openxmlformats.org/officeDocument/2006/relationships" xmlns:p="http://schemas.openxmlformats.org/presentationml/2006/main">
   <p:cSld>
     <p:spTree>
@@ -13532,7 +14406,7 @@
             <a:fld id="{2BF067CD-8E6B-4360-9AA8-C5DF2A48A6D1}" type="slidenum">
               <a:rPr lang="en-US" noProof="0" smtClean="0"/>
               <a:pPr/>
-              <a:t>25</a:t>
+              <a:t>27</a:t>
             </a:fld>
             <a:endParaRPr lang="en-US" noProof="0" dirty="0"/>
           </a:p>
@@ -13804,7 +14678,7 @@
 </p:sld>
 </file>
 
-<file path=ppt/slides/slide26.xml><?xml version="1.0" encoding="utf-8"?>
+<file path=ppt/slides/slide28.xml><?xml version="1.0" encoding="utf-8"?>
 <p:sld xmlns:a="http://schemas.openxmlformats.org/drawingml/2006/main" xmlns:r="http://schemas.openxmlformats.org/officeDocument/2006/relationships" xmlns:p="http://schemas.openxmlformats.org/presentationml/2006/main">
   <p:cSld>
     <p:spTree>
@@ -13974,8 +14848,8 @@
         </p:blipFill>
         <p:spPr>
           <a:xfrm>
-            <a:off x="750536" y="2229180"/>
-            <a:ext cx="3554761" cy="2950949"/>
+            <a:off x="1101000" y="2441901"/>
+            <a:ext cx="3194761" cy="2652099"/>
           </a:xfrm>
           <a:prstGeom prst="rect">
             <a:avLst/>
@@ -13997,7 +14871,7 @@
         </p:nvSpPr>
         <p:spPr>
           <a:xfrm>
-            <a:off x="4693426" y="3537218"/>
+            <a:off x="4865431" y="3747114"/>
             <a:ext cx="571361" cy="461464"/>
           </a:xfrm>
           <a:prstGeom prst="rightArrow">
@@ -14103,7 +14977,7 @@
             <a:fld id="{2BF067CD-8E6B-4360-9AA8-C5DF2A48A6D1}" type="slidenum">
               <a:rPr lang="en-US" noProof="0" smtClean="0"/>
               <a:pPr/>
-              <a:t>26</a:t>
+              <a:t>28</a:t>
             </a:fld>
             <a:endParaRPr lang="en-US" noProof="0" dirty="0"/>
           </a:p>
@@ -14209,7 +15083,7 @@
         </p:nvSpPr>
         <p:spPr bwMode="auto">
           <a:xfrm>
-            <a:off x="3531000" y="5222769"/>
+            <a:off x="3531000" y="5192949"/>
             <a:ext cx="4320000" cy="546231"/>
           </a:xfrm>
           <a:prstGeom prst="wedgeRoundRectCallout">
@@ -14589,7 +15463,7 @@
 </p:sld>
 </file>
 
-<file path=ppt/slides/slide27.xml><?xml version="1.0" encoding="utf-8"?>
+<file path=ppt/slides/slide29.xml><?xml version="1.0" encoding="utf-8"?>
 <p:sld xmlns:a="http://schemas.openxmlformats.org/drawingml/2006/main" xmlns:r="http://schemas.openxmlformats.org/officeDocument/2006/relationships" xmlns:p="http://schemas.openxmlformats.org/presentationml/2006/main">
   <p:cSld>
     <p:spTree>
@@ -14960,7 +15834,7 @@
             <a:fld id="{2BF067CD-8E6B-4360-9AA8-C5DF2A48A6D1}" type="slidenum">
               <a:rPr lang="en-US" noProof="0" smtClean="0"/>
               <a:pPr/>
-              <a:t>27</a:t>
+              <a:t>29</a:t>
             </a:fld>
             <a:endParaRPr lang="en-US" noProof="0" dirty="0"/>
           </a:p>
@@ -15214,7 +16088,166 @@
 </p:sld>
 </file>
 
-<file path=ppt/slides/slide28.xml><?xml version="1.0" encoding="utf-8"?>
+<file path=ppt/slides/slide3.xml><?xml version="1.0" encoding="utf-8"?>
+<p:sld xmlns:a="http://schemas.openxmlformats.org/drawingml/2006/main" xmlns:r="http://schemas.openxmlformats.org/officeDocument/2006/relationships" xmlns:p="http://schemas.openxmlformats.org/presentationml/2006/main">
+  <p:cSld>
+    <p:spTree>
+      <p:nvGrpSpPr>
+        <p:cNvPr id="1" name=""/>
+        <p:cNvGrpSpPr/>
+        <p:nvPr/>
+      </p:nvGrpSpPr>
+      <p:grpSpPr>
+        <a:xfrm>
+          <a:off x="0" y="0"/>
+          <a:ext cx="0" cy="0"/>
+          <a:chOff x="0" y="0"/>
+          <a:chExt cx="0" cy="0"/>
+        </a:xfrm>
+      </p:grpSpPr>
+      <p:pic>
+        <p:nvPicPr>
+          <p:cNvPr id="6" name="Picture 4" descr="Ð ÐµÐ·ÑÐ»ÑÐ°Ñ Ñ Ð¸Ð·Ð¾Ð±ÑÐ°Ð¶ÐµÐ½Ð¸Ðµ Ð·Ð° sql server express png">
+            <a:extLst>
+              <a:ext uri="{FF2B5EF4-FFF2-40B4-BE49-F238E27FC236}">
+                <a16:creationId xmlns:a16="http://schemas.microsoft.com/office/drawing/2014/main" id="{ABA81264-79EA-4C61-B859-F609E78C6876}"/>
+              </a:ext>
+            </a:extLst>
+          </p:cNvPr>
+          <p:cNvPicPr>
+            <a:picLocks noChangeAspect="1" noChangeArrowheads="1"/>
+          </p:cNvPicPr>
+          <p:nvPr/>
+        </p:nvPicPr>
+        <p:blipFill>
+          <a:blip r:embed="rId2" cstate="print">
+            <a:extLst>
+              <a:ext uri="{28A0092B-C50C-407E-A947-70E740481C1C}">
+                <a14:useLocalDpi xmlns:a14="http://schemas.microsoft.com/office/drawing/2010/main" val="0"/>
+              </a:ext>
+            </a:extLst>
+          </a:blip>
+          <a:srcRect/>
+          <a:stretch>
+            <a:fillRect/>
+          </a:stretch>
+        </p:blipFill>
+        <p:spPr bwMode="auto">
+          <a:xfrm>
+            <a:off x="4675658" y="1384495"/>
+            <a:ext cx="2840683" cy="2305483"/>
+          </a:xfrm>
+          <a:prstGeom prst="rect">
+            <a:avLst/>
+          </a:prstGeom>
+          <a:noFill/>
+          <a:extLst>
+            <a:ext uri="{909E8E84-426E-40DD-AFC4-6F175D3DCCD1}">
+              <a14:hiddenFill xmlns:a14="http://schemas.microsoft.com/office/drawing/2010/main">
+                <a:solidFill>
+                  <a:srgbClr val="FFFFFF"/>
+                </a:solidFill>
+              </a14:hiddenFill>
+            </a:ext>
+          </a:extLst>
+        </p:spPr>
+      </p:pic>
+      <p:sp>
+        <p:nvSpPr>
+          <p:cNvPr id="5" name="Подзаглавие 4">
+            <a:extLst>
+              <a:ext uri="{FF2B5EF4-FFF2-40B4-BE49-F238E27FC236}">
+                <a16:creationId xmlns:a16="http://schemas.microsoft.com/office/drawing/2014/main" id="{8AE6A1FD-951B-BB4F-EC39-C1D0F100F2CE}"/>
+              </a:ext>
+            </a:extLst>
+          </p:cNvPr>
+          <p:cNvSpPr>
+            <a:spLocks noGrp="1"/>
+          </p:cNvSpPr>
+          <p:nvPr>
+            <p:ph type="subTitle" sz="quarter" idx="11"/>
+          </p:nvPr>
+        </p:nvSpPr>
+        <p:spPr/>
+        <p:txBody>
+          <a:bodyPr/>
+          <a:lstStyle/>
+          <a:p>
+            <a:r>
+              <a:rPr lang="bg-BG" dirty="0"/>
+              <a:t>Същност и архитектура</a:t>
+            </a:r>
+          </a:p>
+        </p:txBody>
+      </p:sp>
+      <p:sp>
+        <p:nvSpPr>
+          <p:cNvPr id="8" name="Заглавие 7">
+            <a:extLst>
+              <a:ext uri="{FF2B5EF4-FFF2-40B4-BE49-F238E27FC236}">
+                <a16:creationId xmlns:a16="http://schemas.microsoft.com/office/drawing/2014/main" id="{28CC101B-D563-EFCE-ADE9-2241D6CCD10D}"/>
+              </a:ext>
+            </a:extLst>
+          </p:cNvPr>
+          <p:cNvSpPr>
+            <a:spLocks noGrp="1"/>
+          </p:cNvSpPr>
+          <p:nvPr>
+            <p:ph type="title" sz="quarter" idx="10"/>
+          </p:nvPr>
+        </p:nvSpPr>
+        <p:spPr>
+          <a:xfrm>
+            <a:off x="615109" y="4730916"/>
+            <a:ext cx="10961783" cy="768084"/>
+          </a:xfrm>
+        </p:spPr>
+        <p:txBody>
+          <a:bodyPr/>
+          <a:lstStyle/>
+          <a:p>
+            <a:r>
+              <a:rPr lang="bg-BG" dirty="0"/>
+              <a:t>Запознаване с </a:t>
+            </a:r>
+            <a:r>
+              <a:rPr lang="en-US" dirty="0"/>
+              <a:t>SQL Server</a:t>
+            </a:r>
+            <a:r>
+              <a:rPr lang="bg-BG" dirty="0"/>
+              <a:t> и</a:t>
+            </a:r>
+            <a:r>
+              <a:rPr lang="en-US" dirty="0"/>
+              <a:t> LocalDB</a:t>
+            </a:r>
+            <a:endParaRPr lang="bg-BG" dirty="0"/>
+          </a:p>
+        </p:txBody>
+      </p:sp>
+    </p:spTree>
+    <p:extLst>
+      <p:ext uri="{BB962C8B-B14F-4D97-AF65-F5344CB8AC3E}">
+        <p14:creationId xmlns:p14="http://schemas.microsoft.com/office/powerpoint/2010/main" val="1198903873"/>
+      </p:ext>
+    </p:extLst>
+  </p:cSld>
+  <p:clrMapOvr>
+    <a:masterClrMapping/>
+  </p:clrMapOvr>
+  <mc:AlternateContent xmlns:mc="http://schemas.openxmlformats.org/markup-compatibility/2006" xmlns:p14="http://schemas.microsoft.com/office/powerpoint/2010/main">
+    <mc:Choice Requires="p14">
+      <p:transition spd="slow" p14:dur="2000" advClick="0" advTm="5000"/>
+    </mc:Choice>
+    <mc:Fallback xmlns="">
+      <p:transition spd="slow" advClick="0" advTm="5000"/>
+    </mc:Fallback>
+  </mc:AlternateContent>
+</p:sld>
+</file>
+
+<file path=ppt/slides/slide30.xml><?xml version="1.0" encoding="utf-8"?>
 <p:sld xmlns:a="http://schemas.openxmlformats.org/drawingml/2006/main" xmlns:r="http://schemas.openxmlformats.org/officeDocument/2006/relationships" xmlns:p="http://schemas.openxmlformats.org/presentationml/2006/main">
   <p:cSld>
     <p:spTree>
@@ -15255,7 +16288,7 @@
             <a:fld id="{2BF067CD-8E6B-4360-9AA8-C5DF2A48A6D1}" type="slidenum">
               <a:rPr lang="en-US" noProof="0" smtClean="0"/>
               <a:pPr/>
-              <a:t>28</a:t>
+              <a:t>30</a:t>
             </a:fld>
             <a:endParaRPr lang="en-US" noProof="0" dirty="0"/>
           </a:p>
@@ -16122,7 +17155,7 @@
 </p:sld>
 </file>
 
-<file path=ppt/slides/slide29.xml><?xml version="1.0" encoding="utf-8"?>
+<file path=ppt/slides/slide31.xml><?xml version="1.0" encoding="utf-8"?>
 <p:sld xmlns:a="http://schemas.openxmlformats.org/drawingml/2006/main" xmlns:r="http://schemas.openxmlformats.org/officeDocument/2006/relationships" xmlns:p="http://schemas.openxmlformats.org/presentationml/2006/main">
   <p:cSld>
     <p:spTree>
@@ -16251,166 +17284,7 @@
 </p:sld>
 </file>
 
-<file path=ppt/slides/slide3.xml><?xml version="1.0" encoding="utf-8"?>
-<p:sld xmlns:a="http://schemas.openxmlformats.org/drawingml/2006/main" xmlns:r="http://schemas.openxmlformats.org/officeDocument/2006/relationships" xmlns:p="http://schemas.openxmlformats.org/presentationml/2006/main">
-  <p:cSld>
-    <p:spTree>
-      <p:nvGrpSpPr>
-        <p:cNvPr id="1" name=""/>
-        <p:cNvGrpSpPr/>
-        <p:nvPr/>
-      </p:nvGrpSpPr>
-      <p:grpSpPr>
-        <a:xfrm>
-          <a:off x="0" y="0"/>
-          <a:ext cx="0" cy="0"/>
-          <a:chOff x="0" y="0"/>
-          <a:chExt cx="0" cy="0"/>
-        </a:xfrm>
-      </p:grpSpPr>
-      <p:pic>
-        <p:nvPicPr>
-          <p:cNvPr id="6" name="Picture 4" descr="Ð ÐµÐ·ÑÐ»ÑÐ°Ñ Ñ Ð¸Ð·Ð¾Ð±ÑÐ°Ð¶ÐµÐ½Ð¸Ðµ Ð·Ð° sql server express png">
-            <a:extLst>
-              <a:ext uri="{FF2B5EF4-FFF2-40B4-BE49-F238E27FC236}">
-                <a16:creationId xmlns:a16="http://schemas.microsoft.com/office/drawing/2014/main" id="{ABA81264-79EA-4C61-B859-F609E78C6876}"/>
-              </a:ext>
-            </a:extLst>
-          </p:cNvPr>
-          <p:cNvPicPr>
-            <a:picLocks noChangeAspect="1" noChangeArrowheads="1"/>
-          </p:cNvPicPr>
-          <p:nvPr/>
-        </p:nvPicPr>
-        <p:blipFill>
-          <a:blip r:embed="rId2" cstate="print">
-            <a:extLst>
-              <a:ext uri="{28A0092B-C50C-407E-A947-70E740481C1C}">
-                <a14:useLocalDpi xmlns:a14="http://schemas.microsoft.com/office/drawing/2010/main" val="0"/>
-              </a:ext>
-            </a:extLst>
-          </a:blip>
-          <a:srcRect/>
-          <a:stretch>
-            <a:fillRect/>
-          </a:stretch>
-        </p:blipFill>
-        <p:spPr bwMode="auto">
-          <a:xfrm>
-            <a:off x="4675658" y="1384495"/>
-            <a:ext cx="2840683" cy="2305483"/>
-          </a:xfrm>
-          <a:prstGeom prst="rect">
-            <a:avLst/>
-          </a:prstGeom>
-          <a:noFill/>
-          <a:extLst>
-            <a:ext uri="{909E8E84-426E-40DD-AFC4-6F175D3DCCD1}">
-              <a14:hiddenFill xmlns:a14="http://schemas.microsoft.com/office/drawing/2010/main">
-                <a:solidFill>
-                  <a:srgbClr val="FFFFFF"/>
-                </a:solidFill>
-              </a14:hiddenFill>
-            </a:ext>
-          </a:extLst>
-        </p:spPr>
-      </p:pic>
-      <p:sp>
-        <p:nvSpPr>
-          <p:cNvPr id="5" name="Подзаглавие 4">
-            <a:extLst>
-              <a:ext uri="{FF2B5EF4-FFF2-40B4-BE49-F238E27FC236}">
-                <a16:creationId xmlns:a16="http://schemas.microsoft.com/office/drawing/2014/main" id="{8AE6A1FD-951B-BB4F-EC39-C1D0F100F2CE}"/>
-              </a:ext>
-            </a:extLst>
-          </p:cNvPr>
-          <p:cNvSpPr>
-            <a:spLocks noGrp="1"/>
-          </p:cNvSpPr>
-          <p:nvPr>
-            <p:ph type="subTitle" sz="quarter" idx="11"/>
-          </p:nvPr>
-        </p:nvSpPr>
-        <p:spPr/>
-        <p:txBody>
-          <a:bodyPr/>
-          <a:lstStyle/>
-          <a:p>
-            <a:r>
-              <a:rPr lang="bg-BG" dirty="0"/>
-              <a:t>Същност и архитектура</a:t>
-            </a:r>
-          </a:p>
-        </p:txBody>
-      </p:sp>
-      <p:sp>
-        <p:nvSpPr>
-          <p:cNvPr id="8" name="Заглавие 7">
-            <a:extLst>
-              <a:ext uri="{FF2B5EF4-FFF2-40B4-BE49-F238E27FC236}">
-                <a16:creationId xmlns:a16="http://schemas.microsoft.com/office/drawing/2014/main" id="{28CC101B-D563-EFCE-ADE9-2241D6CCD10D}"/>
-              </a:ext>
-            </a:extLst>
-          </p:cNvPr>
-          <p:cNvSpPr>
-            <a:spLocks noGrp="1"/>
-          </p:cNvSpPr>
-          <p:nvPr>
-            <p:ph type="title" sz="quarter" idx="10"/>
-          </p:nvPr>
-        </p:nvSpPr>
-        <p:spPr>
-          <a:xfrm>
-            <a:off x="615109" y="4730916"/>
-            <a:ext cx="10961783" cy="768084"/>
-          </a:xfrm>
-        </p:spPr>
-        <p:txBody>
-          <a:bodyPr/>
-          <a:lstStyle/>
-          <a:p>
-            <a:r>
-              <a:rPr lang="bg-BG" dirty="0"/>
-              <a:t>Запознаване с </a:t>
-            </a:r>
-            <a:r>
-              <a:rPr lang="en-US" dirty="0"/>
-              <a:t>SQL Server</a:t>
-            </a:r>
-            <a:r>
-              <a:rPr lang="bg-BG" dirty="0"/>
-              <a:t> и</a:t>
-            </a:r>
-            <a:r>
-              <a:rPr lang="en-US" dirty="0"/>
-              <a:t> LocalDB</a:t>
-            </a:r>
-            <a:endParaRPr lang="bg-BG" dirty="0"/>
-          </a:p>
-        </p:txBody>
-      </p:sp>
-    </p:spTree>
-    <p:extLst>
-      <p:ext uri="{BB962C8B-B14F-4D97-AF65-F5344CB8AC3E}">
-        <p14:creationId xmlns:p14="http://schemas.microsoft.com/office/powerpoint/2010/main" val="1198903873"/>
-      </p:ext>
-    </p:extLst>
-  </p:cSld>
-  <p:clrMapOvr>
-    <a:masterClrMapping/>
-  </p:clrMapOvr>
-  <mc:AlternateContent xmlns:mc="http://schemas.openxmlformats.org/markup-compatibility/2006" xmlns:p14="http://schemas.microsoft.com/office/powerpoint/2010/main">
-    <mc:Choice Requires="p14">
-      <p:transition spd="slow" p14:dur="2000" advClick="0" advTm="5000"/>
-    </mc:Choice>
-    <mc:Fallback xmlns="">
-      <p:transition spd="slow" advClick="0" advTm="5000"/>
-    </mc:Fallback>
-  </mc:AlternateContent>
-</p:sld>
-</file>
-
-<file path=ppt/slides/slide30.xml><?xml version="1.0" encoding="utf-8"?>
+<file path=ppt/slides/slide32.xml><?xml version="1.0" encoding="utf-8"?>
 <p:sld xmlns:a="http://schemas.openxmlformats.org/drawingml/2006/main" xmlns:r="http://schemas.openxmlformats.org/officeDocument/2006/relationships" xmlns:p="http://schemas.openxmlformats.org/presentationml/2006/main">
   <p:cSld>
     <p:spTree>
@@ -16667,7 +17541,7 @@
             <a:fld id="{2BF067CD-8E6B-4360-9AA8-C5DF2A48A6D1}" type="slidenum">
               <a:rPr lang="en-US" noProof="0" smtClean="0"/>
               <a:pPr/>
-              <a:t>30</a:t>
+              <a:t>32</a:t>
             </a:fld>
             <a:endParaRPr lang="en-US" noProof="0" dirty="0"/>
           </a:p>
@@ -16871,7 +17745,7 @@
 </p:sld>
 </file>
 
-<file path=ppt/slides/slide31.xml><?xml version="1.0" encoding="utf-8"?>
+<file path=ppt/slides/slide33.xml><?xml version="1.0" encoding="utf-8"?>
 <p:sld xmlns:a="http://schemas.openxmlformats.org/drawingml/2006/main" xmlns:r="http://schemas.openxmlformats.org/officeDocument/2006/relationships" xmlns:p="http://schemas.openxmlformats.org/presentationml/2006/main">
   <p:cSld>
     <p:spTree>
@@ -18108,7 +18982,7 @@
             <a:fld id="{2BF067CD-8E6B-4360-9AA8-C5DF2A48A6D1}" type="slidenum">
               <a:rPr lang="en-US" noProof="0" smtClean="0"/>
               <a:pPr/>
-              <a:t>31</a:t>
+              <a:t>33</a:t>
             </a:fld>
             <a:endParaRPr lang="en-US" noProof="0" dirty="0"/>
           </a:p>
@@ -18805,7 +19679,7 @@
 </p:sld>
 </file>
 
-<file path=ppt/slides/slide32.xml><?xml version="1.0" encoding="utf-8"?>
+<file path=ppt/slides/slide34.xml><?xml version="1.0" encoding="utf-8"?>
 <p:sld xmlns:a="http://schemas.openxmlformats.org/drawingml/2006/main" xmlns:r="http://schemas.openxmlformats.org/officeDocument/2006/relationships" xmlns:p="http://schemas.openxmlformats.org/presentationml/2006/main">
   <p:cSld>
     <p:spTree>
@@ -19289,7 +20163,7 @@
             <a:fld id="{2BF067CD-8E6B-4360-9AA8-C5DF2A48A6D1}" type="slidenum">
               <a:rPr lang="en-US" noProof="0" smtClean="0"/>
               <a:pPr/>
-              <a:t>32</a:t>
+              <a:t>34</a:t>
             </a:fld>
             <a:endParaRPr lang="en-US" noProof="0" dirty="0"/>
           </a:p>
@@ -19569,7 +20443,7 @@
 </p:sld>
 </file>
 
-<file path=ppt/slides/slide33.xml><?xml version="1.0" encoding="utf-8"?>
+<file path=ppt/slides/slide35.xml><?xml version="1.0" encoding="utf-8"?>
 <p:sld xmlns:a="http://schemas.openxmlformats.org/drawingml/2006/main" xmlns:r="http://schemas.openxmlformats.org/officeDocument/2006/relationships" xmlns:p="http://schemas.openxmlformats.org/presentationml/2006/main">
   <p:cSld>
     <p:spTree>
@@ -20160,7 +21034,7 @@
             <a:fld id="{2BF067CD-8E6B-4360-9AA8-C5DF2A48A6D1}" type="slidenum">
               <a:rPr lang="en-US" noProof="0" smtClean="0"/>
               <a:pPr/>
-              <a:t>33</a:t>
+              <a:t>35</a:t>
             </a:fld>
             <a:endParaRPr lang="en-US" noProof="0" dirty="0"/>
           </a:p>
@@ -20527,7 +21401,7 @@
 </p:sld>
 </file>
 
-<file path=ppt/slides/slide34.xml><?xml version="1.0" encoding="utf-8"?>
+<file path=ppt/slides/slide36.xml><?xml version="1.0" encoding="utf-8"?>
 <p:sld xmlns:a="http://schemas.openxmlformats.org/drawingml/2006/main" xmlns:r="http://schemas.openxmlformats.org/officeDocument/2006/relationships" xmlns:p="http://schemas.openxmlformats.org/presentationml/2006/main">
   <p:cSld>
     <p:spTree>
@@ -20740,7 +21614,7 @@
             <a:fld id="{2BF067CD-8E6B-4360-9AA8-C5DF2A48A6D1}" type="slidenum">
               <a:rPr lang="en-US" noProof="0" smtClean="0"/>
               <a:pPr/>
-              <a:t>34</a:t>
+              <a:t>36</a:t>
             </a:fld>
             <a:endParaRPr lang="en-US" noProof="0" dirty="0"/>
           </a:p>
@@ -20944,7 +21818,7 @@
 </p:sld>
 </file>
 
-<file path=ppt/slides/slide35.xml><?xml version="1.0" encoding="utf-8"?>
+<file path=ppt/slides/slide37.xml><?xml version="1.0" encoding="utf-8"?>
 <p:sld xmlns:a="http://schemas.openxmlformats.org/drawingml/2006/main" xmlns:r="http://schemas.openxmlformats.org/officeDocument/2006/relationships" xmlns:p="http://schemas.openxmlformats.org/presentationml/2006/main">
   <p:cSld>
     <p:spTree>
@@ -21276,7 +22150,7 @@
             <a:fld id="{2BF067CD-8E6B-4360-9AA8-C5DF2A48A6D1}" type="slidenum">
               <a:rPr lang="en-US" noProof="0" smtClean="0"/>
               <a:pPr/>
-              <a:t>35</a:t>
+              <a:t>37</a:t>
             </a:fld>
             <a:endParaRPr lang="en-US" noProof="0" dirty="0"/>
           </a:p>
@@ -21382,7 +22256,7 @@
 </p:sld>
 </file>
 
-<file path=ppt/slides/slide36.xml><?xml version="1.0" encoding="utf-8"?>
+<file path=ppt/slides/slide38.xml><?xml version="1.0" encoding="utf-8"?>
 <p:sld xmlns:a="http://schemas.openxmlformats.org/drawingml/2006/main" xmlns:r="http://schemas.openxmlformats.org/officeDocument/2006/relationships" xmlns:p="http://schemas.openxmlformats.org/presentationml/2006/main">
   <p:cSld>
     <p:spTree>
@@ -22344,7 +23218,7 @@
             <a:fld id="{2BF067CD-8E6B-4360-9AA8-C5DF2A48A6D1}" type="slidenum">
               <a:rPr lang="en-US" noProof="0" smtClean="0"/>
               <a:pPr/>
-              <a:t>36</a:t>
+              <a:t>38</a:t>
             </a:fld>
             <a:endParaRPr lang="en-US" noProof="0" dirty="0"/>
           </a:p>
@@ -22499,7 +23373,7 @@
 </p:sld>
 </file>
 
-<file path=ppt/slides/slide37.xml><?xml version="1.0" encoding="utf-8"?>
+<file path=ppt/slides/slide39.xml><?xml version="1.0" encoding="utf-8"?>
 <p:sld xmlns:a="http://schemas.openxmlformats.org/drawingml/2006/main" xmlns:r="http://schemas.openxmlformats.org/officeDocument/2006/relationships" xmlns:p="http://schemas.openxmlformats.org/presentationml/2006/main">
   <p:cSld>
     <p:spTree>
@@ -22672,389 +23546,6 @@
     <p:extLst>
       <p:ext uri="{BB962C8B-B14F-4D97-AF65-F5344CB8AC3E}">
         <p14:creationId xmlns:p14="http://schemas.microsoft.com/office/powerpoint/2010/main" val="3744296604"/>
-      </p:ext>
-    </p:extLst>
-  </p:cSld>
-  <p:clrMapOvr>
-    <a:masterClrMapping/>
-  </p:clrMapOvr>
-  <mc:AlternateContent xmlns:mc="http://schemas.openxmlformats.org/markup-compatibility/2006" xmlns:p14="http://schemas.microsoft.com/office/powerpoint/2010/main">
-    <mc:Choice Requires="p14">
-      <p:transition spd="slow" p14:dur="2000" advClick="0" advTm="5000"/>
-    </mc:Choice>
-    <mc:Fallback xmlns="">
-      <p:transition spd="slow" advClick="0" advTm="5000"/>
-    </mc:Fallback>
-  </mc:AlternateContent>
-</p:sld>
-</file>
-
-<file path=ppt/slides/slide38.xml><?xml version="1.0" encoding="utf-8"?>
-<p:sld xmlns:a="http://schemas.openxmlformats.org/drawingml/2006/main" xmlns:r="http://schemas.openxmlformats.org/officeDocument/2006/relationships" xmlns:p="http://schemas.openxmlformats.org/presentationml/2006/main" show="0">
-  <p:cSld>
-    <p:spTree>
-      <p:nvGrpSpPr>
-        <p:cNvPr id="1" name=""/>
-        <p:cNvGrpSpPr/>
-        <p:nvPr/>
-      </p:nvGrpSpPr>
-      <p:grpSpPr>
-        <a:xfrm>
-          <a:off x="0" y="0"/>
-          <a:ext cx="0" cy="0"/>
-          <a:chOff x="0" y="0"/>
-          <a:chExt cx="0" cy="0"/>
-        </a:xfrm>
-      </p:grpSpPr>
-      <p:sp>
-        <p:nvSpPr>
-          <p:cNvPr id="2" name="Slide Body">
-            <a:extLst>
-              <a:ext uri="{FF2B5EF4-FFF2-40B4-BE49-F238E27FC236}">
-                <a16:creationId xmlns:a16="http://schemas.microsoft.com/office/drawing/2014/main" id="{980F49B1-E4BE-4389-A747-7AB9B71AD920}"/>
-              </a:ext>
-            </a:extLst>
-          </p:cNvPr>
-          <p:cNvSpPr>
-            <a:spLocks noGrp="1"/>
-          </p:cNvSpPr>
-          <p:nvPr>
-            <p:ph type="body" sz="quarter" idx="10"/>
-          </p:nvPr>
-        </p:nvSpPr>
-        <p:spPr>
-          <a:xfrm>
-            <a:off x="190402" y="1269001"/>
-            <a:ext cx="9865598" cy="2474999"/>
-          </a:xfrm>
-        </p:spPr>
-        <p:txBody>
-          <a:bodyPr>
-            <a:normAutofit/>
-          </a:bodyPr>
-          <a:lstStyle/>
-          <a:p>
-            <a:pPr>
-              <a:lnSpc>
-                <a:spcPct val="120000"/>
-              </a:lnSpc>
-            </a:pPr>
-            <a:r>
-              <a:rPr lang="bg-BG" sz="3200" dirty="0"/>
-              <a:t>Този курс</a:t>
-            </a:r>
-            <a:r>
-              <a:rPr lang="en-US" sz="3200" dirty="0"/>
-              <a:t> (</a:t>
-            </a:r>
-            <a:r>
-              <a:rPr lang="bg-BG" sz="3200" dirty="0"/>
-              <a:t>презентации, примери, демонстрационен код, упражнения, домашни, видео и други активи</a:t>
-            </a:r>
-            <a:r>
-              <a:rPr lang="en-US" sz="3200" dirty="0"/>
-              <a:t>) </a:t>
-            </a:r>
-            <a:r>
-              <a:rPr lang="bg-BG" sz="3200" dirty="0"/>
-              <a:t>представлява</a:t>
-            </a:r>
-            <a:r>
-              <a:rPr lang="en-US" sz="3200" dirty="0"/>
-              <a:t> </a:t>
-            </a:r>
-            <a:r>
-              <a:rPr lang="bg-BG" sz="3200" b="1" dirty="0"/>
-              <a:t>свободно учебно съдържание </a:t>
-            </a:r>
-            <a:r>
-              <a:rPr lang="bg-BG" sz="3200" dirty="0"/>
-              <a:t>и се разпространява под свободен лиценз </a:t>
-            </a:r>
-            <a:r>
-              <a:rPr lang="en-US" sz="3200" b="1" dirty="0"/>
-              <a:t>CC-BY-NC-SA</a:t>
-            </a:r>
-            <a:endParaRPr lang="bg-BG" sz="3200" dirty="0"/>
-          </a:p>
-        </p:txBody>
-      </p:sp>
-      <p:pic>
-        <p:nvPicPr>
-          <p:cNvPr id="6" name="Picture License" descr="License">
-            <a:extLst>
-              <a:ext uri="{FF2B5EF4-FFF2-40B4-BE49-F238E27FC236}">
-                <a16:creationId xmlns:a16="http://schemas.microsoft.com/office/drawing/2014/main" id="{82BA520F-A037-4E01-AA18-27D9F1E930A6}"/>
-              </a:ext>
-            </a:extLst>
-          </p:cNvPr>
-          <p:cNvPicPr>
-            <a:picLocks noChangeAspect="1"/>
-          </p:cNvPicPr>
-          <p:nvPr/>
-        </p:nvPicPr>
-        <p:blipFill>
-          <a:blip r:embed="rId3">
-            <a:clrChange>
-              <a:clrFrom>
-                <a:srgbClr val="FFFFFF"/>
-              </a:clrFrom>
-              <a:clrTo>
-                <a:srgbClr val="FFFFFF">
-                  <a:alpha val="0"/>
-                </a:srgbClr>
-              </a:clrTo>
-            </a:clrChange>
-          </a:blip>
-          <a:stretch>
-            <a:fillRect/>
-          </a:stretch>
-        </p:blipFill>
-        <p:spPr>
-          <a:xfrm>
-            <a:off x="10226175" y="1440120"/>
-            <a:ext cx="1198986" cy="1268880"/>
-          </a:xfrm>
-          <a:prstGeom prst="rect">
-            <a:avLst/>
-          </a:prstGeom>
-        </p:spPr>
-      </p:pic>
-      <p:sp>
-        <p:nvSpPr>
-          <p:cNvPr id="3" name="Slide Title">
-            <a:extLst>
-              <a:ext uri="{FF2B5EF4-FFF2-40B4-BE49-F238E27FC236}">
-                <a16:creationId xmlns:a16="http://schemas.microsoft.com/office/drawing/2014/main" id="{E5F1FB41-80C3-4816-BC47-CCC50632E6E8}"/>
-              </a:ext>
-            </a:extLst>
-          </p:cNvPr>
-          <p:cNvSpPr>
-            <a:spLocks noGrp="1"/>
-          </p:cNvSpPr>
-          <p:nvPr>
-            <p:ph type="title"/>
-          </p:nvPr>
-        </p:nvSpPr>
-        <p:spPr/>
-        <p:txBody>
-          <a:bodyPr/>
-          <a:lstStyle/>
-          <a:p>
-            <a:r>
-              <a:rPr lang="bg-BG" dirty="0"/>
-              <a:t>Лиценз</a:t>
-            </a:r>
-          </a:p>
-        </p:txBody>
-      </p:sp>
-      <p:sp>
-        <p:nvSpPr>
-          <p:cNvPr id="11" name="TextBox 10">
-            <a:extLst>
-              <a:ext uri="{FF2B5EF4-FFF2-40B4-BE49-F238E27FC236}">
-                <a16:creationId xmlns:a16="http://schemas.microsoft.com/office/drawing/2014/main" id="{0C18DF19-B750-4C88-975B-661A6BF61F5E}"/>
-              </a:ext>
-            </a:extLst>
-          </p:cNvPr>
-          <p:cNvSpPr txBox="1"/>
-          <p:nvPr/>
-        </p:nvSpPr>
-        <p:spPr>
-          <a:xfrm>
-            <a:off x="190401" y="3927519"/>
-            <a:ext cx="11710599" cy="1979644"/>
-          </a:xfrm>
-          <a:prstGeom prst="rect">
-            <a:avLst/>
-          </a:prstGeom>
-          <a:noFill/>
-          <a:ln w="12700">
-            <a:noFill/>
-          </a:ln>
-        </p:spPr>
-        <p:txBody>
-          <a:bodyPr wrap="square">
-            <a:spAutoFit/>
-          </a:bodyPr>
-          <a:lstStyle/>
-          <a:p>
-            <a:pPr marL="360363" indent="-360363" defTabSz="1218438">
-              <a:lnSpc>
-                <a:spcPct val="120000"/>
-              </a:lnSpc>
-              <a:spcBef>
-                <a:spcPts val="600"/>
-              </a:spcBef>
-              <a:spcAft>
-                <a:spcPts val="600"/>
-              </a:spcAft>
-              <a:buFont typeface="Wingdings" panose="05000000000000000000" pitchFamily="2" charset="2"/>
-              <a:buChar char="§"/>
-              <a:defRPr/>
-            </a:pPr>
-            <a:r>
-              <a:rPr lang="bg-BG" sz="3200" dirty="0"/>
-              <a:t>Проект "</a:t>
-            </a:r>
-            <a:r>
-              <a:rPr lang="bg-BG" sz="3200" b="1" dirty="0"/>
-              <a:t>Отворено учебно съдържание по програмиране и ИТ</a:t>
-            </a:r>
-            <a:r>
-              <a:rPr lang="bg-BG" sz="3200" dirty="0"/>
-              <a:t>" към Фондация "Софтуерен университет"</a:t>
-            </a:r>
-            <a:r>
-              <a:rPr lang="en-US" sz="3200" dirty="0"/>
-              <a:t>:</a:t>
-            </a:r>
-            <a:endParaRPr lang="bg-BG" sz="3200" dirty="0"/>
-          </a:p>
-          <a:p>
-            <a:pPr marL="817563" lvl="1" indent="-360363" defTabSz="1218438">
-              <a:lnSpc>
-                <a:spcPct val="120000"/>
-              </a:lnSpc>
-              <a:spcBef>
-                <a:spcPts val="600"/>
-              </a:spcBef>
-              <a:spcAft>
-                <a:spcPts val="600"/>
-              </a:spcAft>
-              <a:buFont typeface="Wingdings" panose="05000000000000000000" pitchFamily="2" charset="2"/>
-              <a:buChar char="§"/>
-              <a:defRPr/>
-            </a:pPr>
-            <a:r>
-              <a:rPr kumimoji="0" lang="en-US" sz="3200" b="0" i="0" u="none" strike="noStrike" kern="1200" cap="none" spc="0" normalizeH="0" baseline="0" noProof="0" dirty="0">
-                <a:ln>
-                  <a:noFill/>
-                </a:ln>
-                <a:solidFill>
-                  <a:srgbClr val="234465"/>
-                </a:solidFill>
-                <a:effectLst/>
-                <a:uLnTx/>
-                <a:uFillTx/>
-                <a:latin typeface="Calibri"/>
-                <a:ea typeface="+mn-ea"/>
-                <a:cs typeface="+mn-cs"/>
-                <a:hlinkClick r:id="rId4"/>
-              </a:rPr>
-              <a:t>https://github.com/BG-IT-Edu</a:t>
-            </a:r>
-            <a:endParaRPr kumimoji="0" lang="bg-BG" sz="3200" b="0" i="0" u="none" strike="noStrike" kern="1200" cap="none" spc="0" normalizeH="0" baseline="0" noProof="0" dirty="0">
-              <a:ln>
-                <a:noFill/>
-              </a:ln>
-              <a:solidFill>
-                <a:srgbClr val="234465"/>
-              </a:solidFill>
-              <a:effectLst/>
-              <a:uLnTx/>
-              <a:uFillTx/>
-              <a:latin typeface="Calibri"/>
-              <a:ea typeface="+mn-ea"/>
-              <a:cs typeface="+mn-cs"/>
-            </a:endParaRPr>
-          </a:p>
-        </p:txBody>
-      </p:sp>
-      <p:pic>
-        <p:nvPicPr>
-          <p:cNvPr id="7" name="Picture 6" title="CC-BY-NC-SA License">
-            <a:hlinkClick r:id="rId5" tooltip="This work is licensed under the &quot;Creative Commons Attribution-NonCommercial-ShareAlike 4.0 International&quot; license"/>
-            <a:extLst>
-              <a:ext uri="{FF2B5EF4-FFF2-40B4-BE49-F238E27FC236}">
-                <a16:creationId xmlns:a16="http://schemas.microsoft.com/office/drawing/2014/main" id="{F6C77C47-F7D8-A176-5C69-7FDE5C7E8003}"/>
-              </a:ext>
-            </a:extLst>
-          </p:cNvPr>
-          <p:cNvPicPr>
-            <a:picLocks noChangeAspect="1" noChangeArrowheads="1"/>
-          </p:cNvPicPr>
-          <p:nvPr/>
-        </p:nvPicPr>
-        <p:blipFill>
-          <a:blip r:embed="rId6">
-            <a:extLst>
-              <a:ext uri="{28A0092B-C50C-407E-A947-70E740481C1C}">
-                <a14:useLocalDpi xmlns:a14="http://schemas.microsoft.com/office/drawing/2010/main"/>
-              </a:ext>
-            </a:extLst>
-          </a:blip>
-          <a:srcRect/>
-          <a:stretch>
-            <a:fillRect/>
-          </a:stretch>
-        </p:blipFill>
-        <p:spPr bwMode="auto">
-          <a:xfrm>
-            <a:off x="9831000" y="2908593"/>
-            <a:ext cx="1989336" cy="696022"/>
-          </a:xfrm>
-          <a:prstGeom prst="roundRect">
-            <a:avLst>
-              <a:gd name="adj" fmla="val 3940"/>
-            </a:avLst>
-          </a:prstGeom>
-          <a:solidFill>
-            <a:srgbClr val="231F20">
-              <a:alpha val="50000"/>
-            </a:srgbClr>
-          </a:solidFill>
-          <a:ln>
-            <a:noFill/>
-          </a:ln>
-        </p:spPr>
-      </p:pic>
-      <p:sp>
-        <p:nvSpPr>
-          <p:cNvPr id="4" name="Slide Number">
-            <a:extLst>
-              <a:ext uri="{FF2B5EF4-FFF2-40B4-BE49-F238E27FC236}">
-                <a16:creationId xmlns:a16="http://schemas.microsoft.com/office/drawing/2014/main" id="{2CB317F0-EC16-0294-FD1E-38391255A4A9}"/>
-              </a:ext>
-            </a:extLst>
-          </p:cNvPr>
-          <p:cNvSpPr>
-            <a:spLocks noGrp="1"/>
-          </p:cNvSpPr>
-          <p:nvPr>
-            <p:ph type="sldNum" sz="quarter" idx="5"/>
-          </p:nvPr>
-        </p:nvSpPr>
-        <p:spPr>
-          <a:xfrm>
-            <a:off x="11753030" y="6507000"/>
-            <a:ext cx="367414" cy="297000"/>
-          </a:xfrm>
-          <a:prstGeom prst="rect">
-            <a:avLst/>
-          </a:prstGeom>
-        </p:spPr>
-        <p:txBody>
-          <a:bodyPr vert="horz" lIns="91440" tIns="45720" rIns="91440" bIns="45720" rtlCol="0" anchor="b"/>
-          <a:lstStyle>
-            <a:lvl1pPr algn="r">
-              <a:defRPr sz="1000"/>
-            </a:lvl1pPr>
-          </a:lstStyle>
-          <a:p>
-            <a:fld id="{2BF067CD-8E6B-4360-9AA8-C5DF2A48A6D1}" type="slidenum">
-              <a:rPr lang="en-US" noProof="0" smtClean="0"/>
-              <a:pPr/>
-              <a:t>38</a:t>
-            </a:fld>
-            <a:endParaRPr lang="en-US" noProof="0" dirty="0"/>
-          </a:p>
-        </p:txBody>
-      </p:sp>
-    </p:spTree>
-    <p:extLst>
-      <p:ext uri="{BB962C8B-B14F-4D97-AF65-F5344CB8AC3E}">
-        <p14:creationId xmlns:p14="http://schemas.microsoft.com/office/powerpoint/2010/main" val="1219563496"/>
       </p:ext>
     </p:extLst>
   </p:cSld>
@@ -23570,6 +24061,389 @@
       </p:par>
     </p:tnLst>
   </p:timing>
+</p:sld>
+</file>
+
+<file path=ppt/slides/slide40.xml><?xml version="1.0" encoding="utf-8"?>
+<p:sld xmlns:a="http://schemas.openxmlformats.org/drawingml/2006/main" xmlns:r="http://schemas.openxmlformats.org/officeDocument/2006/relationships" xmlns:p="http://schemas.openxmlformats.org/presentationml/2006/main" show="0">
+  <p:cSld>
+    <p:spTree>
+      <p:nvGrpSpPr>
+        <p:cNvPr id="1" name=""/>
+        <p:cNvGrpSpPr/>
+        <p:nvPr/>
+      </p:nvGrpSpPr>
+      <p:grpSpPr>
+        <a:xfrm>
+          <a:off x="0" y="0"/>
+          <a:ext cx="0" cy="0"/>
+          <a:chOff x="0" y="0"/>
+          <a:chExt cx="0" cy="0"/>
+        </a:xfrm>
+      </p:grpSpPr>
+      <p:sp>
+        <p:nvSpPr>
+          <p:cNvPr id="2" name="Slide Body">
+            <a:extLst>
+              <a:ext uri="{FF2B5EF4-FFF2-40B4-BE49-F238E27FC236}">
+                <a16:creationId xmlns:a16="http://schemas.microsoft.com/office/drawing/2014/main" id="{980F49B1-E4BE-4389-A747-7AB9B71AD920}"/>
+              </a:ext>
+            </a:extLst>
+          </p:cNvPr>
+          <p:cNvSpPr>
+            <a:spLocks noGrp="1"/>
+          </p:cNvSpPr>
+          <p:nvPr>
+            <p:ph type="body" sz="quarter" idx="10"/>
+          </p:nvPr>
+        </p:nvSpPr>
+        <p:spPr>
+          <a:xfrm>
+            <a:off x="190402" y="1269001"/>
+            <a:ext cx="9865598" cy="2474999"/>
+          </a:xfrm>
+        </p:spPr>
+        <p:txBody>
+          <a:bodyPr>
+            <a:normAutofit/>
+          </a:bodyPr>
+          <a:lstStyle/>
+          <a:p>
+            <a:pPr>
+              <a:lnSpc>
+                <a:spcPct val="120000"/>
+              </a:lnSpc>
+            </a:pPr>
+            <a:r>
+              <a:rPr lang="bg-BG" sz="3200" dirty="0"/>
+              <a:t>Този курс</a:t>
+            </a:r>
+            <a:r>
+              <a:rPr lang="en-US" sz="3200" dirty="0"/>
+              <a:t> (</a:t>
+            </a:r>
+            <a:r>
+              <a:rPr lang="bg-BG" sz="3200" dirty="0"/>
+              <a:t>презентации, примери, демонстрационен код, упражнения, домашни, видео и други активи</a:t>
+            </a:r>
+            <a:r>
+              <a:rPr lang="en-US" sz="3200" dirty="0"/>
+              <a:t>) </a:t>
+            </a:r>
+            <a:r>
+              <a:rPr lang="bg-BG" sz="3200" dirty="0"/>
+              <a:t>представлява</a:t>
+            </a:r>
+            <a:r>
+              <a:rPr lang="en-US" sz="3200" dirty="0"/>
+              <a:t> </a:t>
+            </a:r>
+            <a:r>
+              <a:rPr lang="bg-BG" sz="3200" b="1" dirty="0"/>
+              <a:t>свободно учебно съдържание </a:t>
+            </a:r>
+            <a:r>
+              <a:rPr lang="bg-BG" sz="3200" dirty="0"/>
+              <a:t>и се разпространява под свободен лиценз </a:t>
+            </a:r>
+            <a:r>
+              <a:rPr lang="en-US" sz="3200" b="1" dirty="0"/>
+              <a:t>CC-BY-NC-SA</a:t>
+            </a:r>
+            <a:endParaRPr lang="bg-BG" sz="3200" dirty="0"/>
+          </a:p>
+        </p:txBody>
+      </p:sp>
+      <p:pic>
+        <p:nvPicPr>
+          <p:cNvPr id="6" name="Picture License" descr="License">
+            <a:extLst>
+              <a:ext uri="{FF2B5EF4-FFF2-40B4-BE49-F238E27FC236}">
+                <a16:creationId xmlns:a16="http://schemas.microsoft.com/office/drawing/2014/main" id="{82BA520F-A037-4E01-AA18-27D9F1E930A6}"/>
+              </a:ext>
+            </a:extLst>
+          </p:cNvPr>
+          <p:cNvPicPr>
+            <a:picLocks noChangeAspect="1"/>
+          </p:cNvPicPr>
+          <p:nvPr/>
+        </p:nvPicPr>
+        <p:blipFill>
+          <a:blip r:embed="rId3">
+            <a:clrChange>
+              <a:clrFrom>
+                <a:srgbClr val="FFFFFF"/>
+              </a:clrFrom>
+              <a:clrTo>
+                <a:srgbClr val="FFFFFF">
+                  <a:alpha val="0"/>
+                </a:srgbClr>
+              </a:clrTo>
+            </a:clrChange>
+          </a:blip>
+          <a:stretch>
+            <a:fillRect/>
+          </a:stretch>
+        </p:blipFill>
+        <p:spPr>
+          <a:xfrm>
+            <a:off x="10226175" y="1440120"/>
+            <a:ext cx="1198986" cy="1268880"/>
+          </a:xfrm>
+          <a:prstGeom prst="rect">
+            <a:avLst/>
+          </a:prstGeom>
+        </p:spPr>
+      </p:pic>
+      <p:sp>
+        <p:nvSpPr>
+          <p:cNvPr id="3" name="Slide Title">
+            <a:extLst>
+              <a:ext uri="{FF2B5EF4-FFF2-40B4-BE49-F238E27FC236}">
+                <a16:creationId xmlns:a16="http://schemas.microsoft.com/office/drawing/2014/main" id="{E5F1FB41-80C3-4816-BC47-CCC50632E6E8}"/>
+              </a:ext>
+            </a:extLst>
+          </p:cNvPr>
+          <p:cNvSpPr>
+            <a:spLocks noGrp="1"/>
+          </p:cNvSpPr>
+          <p:nvPr>
+            <p:ph type="title"/>
+          </p:nvPr>
+        </p:nvSpPr>
+        <p:spPr/>
+        <p:txBody>
+          <a:bodyPr/>
+          <a:lstStyle/>
+          <a:p>
+            <a:r>
+              <a:rPr lang="bg-BG" dirty="0"/>
+              <a:t>Лиценз</a:t>
+            </a:r>
+          </a:p>
+        </p:txBody>
+      </p:sp>
+      <p:sp>
+        <p:nvSpPr>
+          <p:cNvPr id="11" name="TextBox 10">
+            <a:extLst>
+              <a:ext uri="{FF2B5EF4-FFF2-40B4-BE49-F238E27FC236}">
+                <a16:creationId xmlns:a16="http://schemas.microsoft.com/office/drawing/2014/main" id="{0C18DF19-B750-4C88-975B-661A6BF61F5E}"/>
+              </a:ext>
+            </a:extLst>
+          </p:cNvPr>
+          <p:cNvSpPr txBox="1"/>
+          <p:nvPr/>
+        </p:nvSpPr>
+        <p:spPr>
+          <a:xfrm>
+            <a:off x="190401" y="3927519"/>
+            <a:ext cx="11710599" cy="1979644"/>
+          </a:xfrm>
+          <a:prstGeom prst="rect">
+            <a:avLst/>
+          </a:prstGeom>
+          <a:noFill/>
+          <a:ln w="12700">
+            <a:noFill/>
+          </a:ln>
+        </p:spPr>
+        <p:txBody>
+          <a:bodyPr wrap="square">
+            <a:spAutoFit/>
+          </a:bodyPr>
+          <a:lstStyle/>
+          <a:p>
+            <a:pPr marL="360363" indent="-360363" defTabSz="1218438">
+              <a:lnSpc>
+                <a:spcPct val="120000"/>
+              </a:lnSpc>
+              <a:spcBef>
+                <a:spcPts val="600"/>
+              </a:spcBef>
+              <a:spcAft>
+                <a:spcPts val="600"/>
+              </a:spcAft>
+              <a:buFont typeface="Wingdings" panose="05000000000000000000" pitchFamily="2" charset="2"/>
+              <a:buChar char="§"/>
+              <a:defRPr/>
+            </a:pPr>
+            <a:r>
+              <a:rPr lang="bg-BG" sz="3200" dirty="0"/>
+              <a:t>Проект "</a:t>
+            </a:r>
+            <a:r>
+              <a:rPr lang="bg-BG" sz="3200" b="1" dirty="0"/>
+              <a:t>Отворено учебно съдържание по програмиране и ИТ</a:t>
+            </a:r>
+            <a:r>
+              <a:rPr lang="bg-BG" sz="3200" dirty="0"/>
+              <a:t>" към Фондация "Софтуерен университет"</a:t>
+            </a:r>
+            <a:r>
+              <a:rPr lang="en-US" sz="3200" dirty="0"/>
+              <a:t>:</a:t>
+            </a:r>
+            <a:endParaRPr lang="bg-BG" sz="3200" dirty="0"/>
+          </a:p>
+          <a:p>
+            <a:pPr marL="817563" lvl="1" indent="-360363" defTabSz="1218438">
+              <a:lnSpc>
+                <a:spcPct val="120000"/>
+              </a:lnSpc>
+              <a:spcBef>
+                <a:spcPts val="600"/>
+              </a:spcBef>
+              <a:spcAft>
+                <a:spcPts val="600"/>
+              </a:spcAft>
+              <a:buFont typeface="Wingdings" panose="05000000000000000000" pitchFamily="2" charset="2"/>
+              <a:buChar char="§"/>
+              <a:defRPr/>
+            </a:pPr>
+            <a:r>
+              <a:rPr kumimoji="0" lang="en-US" sz="3200" b="0" i="0" u="none" strike="noStrike" kern="1200" cap="none" spc="0" normalizeH="0" baseline="0" noProof="0" dirty="0">
+                <a:ln>
+                  <a:noFill/>
+                </a:ln>
+                <a:solidFill>
+                  <a:srgbClr val="234465"/>
+                </a:solidFill>
+                <a:effectLst/>
+                <a:uLnTx/>
+                <a:uFillTx/>
+                <a:latin typeface="Calibri"/>
+                <a:ea typeface="+mn-ea"/>
+                <a:cs typeface="+mn-cs"/>
+                <a:hlinkClick r:id="rId4"/>
+              </a:rPr>
+              <a:t>https://github.com/BG-IT-Edu</a:t>
+            </a:r>
+            <a:endParaRPr kumimoji="0" lang="bg-BG" sz="3200" b="0" i="0" u="none" strike="noStrike" kern="1200" cap="none" spc="0" normalizeH="0" baseline="0" noProof="0" dirty="0">
+              <a:ln>
+                <a:noFill/>
+              </a:ln>
+              <a:solidFill>
+                <a:srgbClr val="234465"/>
+              </a:solidFill>
+              <a:effectLst/>
+              <a:uLnTx/>
+              <a:uFillTx/>
+              <a:latin typeface="Calibri"/>
+              <a:ea typeface="+mn-ea"/>
+              <a:cs typeface="+mn-cs"/>
+            </a:endParaRPr>
+          </a:p>
+        </p:txBody>
+      </p:sp>
+      <p:pic>
+        <p:nvPicPr>
+          <p:cNvPr id="7" name="Picture 6" title="CC-BY-NC-SA License">
+            <a:hlinkClick r:id="rId5" tooltip="This work is licensed under the &quot;Creative Commons Attribution-NonCommercial-ShareAlike 4.0 International&quot; license"/>
+            <a:extLst>
+              <a:ext uri="{FF2B5EF4-FFF2-40B4-BE49-F238E27FC236}">
+                <a16:creationId xmlns:a16="http://schemas.microsoft.com/office/drawing/2014/main" id="{F6C77C47-F7D8-A176-5C69-7FDE5C7E8003}"/>
+              </a:ext>
+            </a:extLst>
+          </p:cNvPr>
+          <p:cNvPicPr>
+            <a:picLocks noChangeAspect="1" noChangeArrowheads="1"/>
+          </p:cNvPicPr>
+          <p:nvPr/>
+        </p:nvPicPr>
+        <p:blipFill>
+          <a:blip r:embed="rId6">
+            <a:extLst>
+              <a:ext uri="{28A0092B-C50C-407E-A947-70E740481C1C}">
+                <a14:useLocalDpi xmlns:a14="http://schemas.microsoft.com/office/drawing/2010/main"/>
+              </a:ext>
+            </a:extLst>
+          </a:blip>
+          <a:srcRect/>
+          <a:stretch>
+            <a:fillRect/>
+          </a:stretch>
+        </p:blipFill>
+        <p:spPr bwMode="auto">
+          <a:xfrm>
+            <a:off x="9831000" y="2908593"/>
+            <a:ext cx="1989336" cy="696022"/>
+          </a:xfrm>
+          <a:prstGeom prst="roundRect">
+            <a:avLst>
+              <a:gd name="adj" fmla="val 3940"/>
+            </a:avLst>
+          </a:prstGeom>
+          <a:solidFill>
+            <a:srgbClr val="231F20">
+              <a:alpha val="50000"/>
+            </a:srgbClr>
+          </a:solidFill>
+          <a:ln>
+            <a:noFill/>
+          </a:ln>
+        </p:spPr>
+      </p:pic>
+      <p:sp>
+        <p:nvSpPr>
+          <p:cNvPr id="4" name="Slide Number">
+            <a:extLst>
+              <a:ext uri="{FF2B5EF4-FFF2-40B4-BE49-F238E27FC236}">
+                <a16:creationId xmlns:a16="http://schemas.microsoft.com/office/drawing/2014/main" id="{2CB317F0-EC16-0294-FD1E-38391255A4A9}"/>
+              </a:ext>
+            </a:extLst>
+          </p:cNvPr>
+          <p:cNvSpPr>
+            <a:spLocks noGrp="1"/>
+          </p:cNvSpPr>
+          <p:nvPr>
+            <p:ph type="sldNum" sz="quarter" idx="5"/>
+          </p:nvPr>
+        </p:nvSpPr>
+        <p:spPr>
+          <a:xfrm>
+            <a:off x="11753030" y="6507000"/>
+            <a:ext cx="367414" cy="297000"/>
+          </a:xfrm>
+          <a:prstGeom prst="rect">
+            <a:avLst/>
+          </a:prstGeom>
+        </p:spPr>
+        <p:txBody>
+          <a:bodyPr vert="horz" lIns="91440" tIns="45720" rIns="91440" bIns="45720" rtlCol="0" anchor="b"/>
+          <a:lstStyle>
+            <a:lvl1pPr algn="r">
+              <a:defRPr sz="1000"/>
+            </a:lvl1pPr>
+          </a:lstStyle>
+          <a:p>
+            <a:fld id="{2BF067CD-8E6B-4360-9AA8-C5DF2A48A6D1}" type="slidenum">
+              <a:rPr lang="en-US" noProof="0" smtClean="0"/>
+              <a:pPr/>
+              <a:t>40</a:t>
+            </a:fld>
+            <a:endParaRPr lang="en-US" noProof="0" dirty="0"/>
+          </a:p>
+        </p:txBody>
+      </p:sp>
+    </p:spTree>
+    <p:extLst>
+      <p:ext uri="{BB962C8B-B14F-4D97-AF65-F5344CB8AC3E}">
+        <p14:creationId xmlns:p14="http://schemas.microsoft.com/office/powerpoint/2010/main" val="1219563496"/>
+      </p:ext>
+    </p:extLst>
+  </p:cSld>
+  <p:clrMapOvr>
+    <a:masterClrMapping/>
+  </p:clrMapOvr>
+  <mc:AlternateContent xmlns:mc="http://schemas.openxmlformats.org/markup-compatibility/2006" xmlns:p14="http://schemas.microsoft.com/office/powerpoint/2010/main">
+    <mc:Choice Requires="p14">
+      <p:transition spd="slow" p14:dur="2000" advClick="0" advTm="5000"/>
+    </mc:Choice>
+    <mc:Fallback xmlns="">
+      <p:transition spd="slow" advClick="0" advTm="5000"/>
+    </mc:Fallback>
+  </mc:AlternateContent>
 </p:sld>
 </file>
 

--- a/Courses/Software-Sciences/Module-3-Databases-New/03-Intro-to-MS-SQL-Server/03-Intro-to-MS-SQL-Server.pptx
+++ b/Courses/Software-Sciences/Module-3-Databases-New/03-Intro-to-MS-SQL-Server/03-Intro-to-MS-SQL-Server.pptx
@@ -5,10 +5,10 @@
     <p:sldMasterId id="2147483675" r:id="rId1"/>
   </p:sldMasterIdLst>
   <p:notesMasterIdLst>
-    <p:notesMasterId r:id="rId42"/>
+    <p:notesMasterId r:id="rId44"/>
   </p:notesMasterIdLst>
   <p:handoutMasterIdLst>
-    <p:handoutMasterId r:id="rId43"/>
+    <p:handoutMasterId r:id="rId45"/>
   </p:handoutMasterIdLst>
   <p:sldIdLst>
     <p:sldId id="1176" r:id="rId2"/>
@@ -30,27 +30,29 @@
     <p:sldId id="1225" r:id="rId18"/>
     <p:sldId id="1228" r:id="rId19"/>
     <p:sldId id="1212" r:id="rId20"/>
-    <p:sldId id="1231" r:id="rId21"/>
-    <p:sldId id="1232" r:id="rId22"/>
-    <p:sldId id="1193" r:id="rId23"/>
-    <p:sldId id="1226" r:id="rId24"/>
-    <p:sldId id="1229" r:id="rId25"/>
-    <p:sldId id="1227" r:id="rId26"/>
-    <p:sldId id="1230" r:id="rId27"/>
-    <p:sldId id="1199" r:id="rId28"/>
-    <p:sldId id="1200" r:id="rId29"/>
-    <p:sldId id="1201" r:id="rId30"/>
-    <p:sldId id="1223" r:id="rId31"/>
-    <p:sldId id="1205" r:id="rId32"/>
-    <p:sldId id="1191" r:id="rId33"/>
-    <p:sldId id="1192" r:id="rId34"/>
-    <p:sldId id="1208" r:id="rId35"/>
-    <p:sldId id="1206" r:id="rId36"/>
-    <p:sldId id="1207" r:id="rId37"/>
-    <p:sldId id="1209" r:id="rId38"/>
-    <p:sldId id="1127" r:id="rId39"/>
-    <p:sldId id="504" r:id="rId40"/>
-    <p:sldId id="505" r:id="rId41"/>
+    <p:sldId id="1193" r:id="rId21"/>
+    <p:sldId id="1226" r:id="rId22"/>
+    <p:sldId id="1229" r:id="rId23"/>
+    <p:sldId id="1227" r:id="rId24"/>
+    <p:sldId id="1230" r:id="rId25"/>
+    <p:sldId id="1199" r:id="rId26"/>
+    <p:sldId id="1200" r:id="rId27"/>
+    <p:sldId id="1201" r:id="rId28"/>
+    <p:sldId id="1223" r:id="rId29"/>
+    <p:sldId id="1205" r:id="rId30"/>
+    <p:sldId id="1191" r:id="rId31"/>
+    <p:sldId id="1192" r:id="rId32"/>
+    <p:sldId id="1208" r:id="rId33"/>
+    <p:sldId id="1206" r:id="rId34"/>
+    <p:sldId id="1207" r:id="rId35"/>
+    <p:sldId id="1209" r:id="rId36"/>
+    <p:sldId id="1231" r:id="rId37"/>
+    <p:sldId id="1232" r:id="rId38"/>
+    <p:sldId id="1233" r:id="rId39"/>
+    <p:sldId id="1234" r:id="rId40"/>
+    <p:sldId id="1127" r:id="rId41"/>
+    <p:sldId id="504" r:id="rId42"/>
+    <p:sldId id="505" r:id="rId43"/>
   </p:sldIdLst>
   <p:sldSz cx="12192000" cy="6858000"/>
   <p:notesSz cx="6858000" cy="9144000"/>
@@ -183,12 +185,6 @@
             <p14:sldId id="1212"/>
           </p14:sldIdLst>
         </p14:section>
-        <p14:section name="База данни от SQL скрипт" id="{2765B4D4-0E2C-426A-ACBD-1C7BBCA0BC7B}">
-          <p14:sldIdLst>
-            <p14:sldId id="1231"/>
-            <p14:sldId id="1232"/>
-          </p14:sldIdLst>
-        </p14:section>
         <p14:section name="Разглеждане и редактиране на данни" id="{DBA90160-B823-4EFE-B4A9-27949C4FDFFF}">
           <p14:sldIdLst>
             <p14:sldId id="1193"/>
@@ -211,6 +207,14 @@
             <p14:sldId id="1206"/>
             <p14:sldId id="1207"/>
             <p14:sldId id="1209"/>
+          </p14:sldIdLst>
+        </p14:section>
+        <p14:section name="База данни от SQL скрипт" id="{2765B4D4-0E2C-426A-ACBD-1C7BBCA0BC7B}">
+          <p14:sldIdLst>
+            <p14:sldId id="1231"/>
+            <p14:sldId id="1232"/>
+            <p14:sldId id="1233"/>
+            <p14:sldId id="1234"/>
           </p14:sldIdLst>
         </p14:section>
         <p14:section name="Обобщение" id="{25AB800D-F6EE-474E-A6F3-5101941FF8BC}">
@@ -421,7 +425,7 @@
           <a:p>
             <a:fld id="{4E087215-0C8F-4762-A664-737A353EC9A4}" type="datetimeFigureOut">
               <a:rPr lang="bg-BG" smtClean="0"/>
-              <a:t>15.7.2024 г.</a:t>
+              <a:t>16.07.24 г.</a:t>
             </a:fld>
             <a:endParaRPr lang="bg-BG"/>
           </a:p>
@@ -617,7 +621,7 @@
           <a:p>
             <a:fld id="{72D84649-876A-46C9-8472-14CB09C070D8}" type="datetimeFigureOut">
               <a:rPr lang="en-US" smtClean="0"/>
-              <a:t>7/15/2024</a:t>
+              <a:t>7/16/24</a:t>
             </a:fld>
             <a:endParaRPr lang="en-US"/>
           </a:p>
@@ -1117,7 +1121,7 @@
             <a:fld id="{2BF067CD-8E6B-4360-9AA8-C5DF2A48A6D1}" type="slidenum">
               <a:rPr lang="en-US" smtClean="0"/>
               <a:pPr/>
-              <a:t>37</a:t>
+              <a:t>35</a:t>
             </a:fld>
             <a:endParaRPr lang="en-US" dirty="0"/>
           </a:p>
@@ -1303,7 +1307,7 @@
                 <a:tabLst/>
                 <a:defRPr/>
               </a:pPr>
-              <a:t>38</a:t>
+              <a:t>40</a:t>
             </a:fld>
             <a:endParaRPr kumimoji="0" lang="en-US" sz="1200" b="0" i="0" u="none" strike="noStrike" kern="1200" cap="none" spc="0" normalizeH="0" baseline="0" noProof="0" dirty="0">
               <a:ln>
@@ -1562,7 +1566,7 @@
             <a:fld id="{3EBA5BD7-F043-4D1B-AA17-CD412FC534DE}" type="slidenum">
               <a:rPr lang="en-US" smtClean="0"/>
               <a:pPr/>
-              <a:t>39</a:t>
+              <a:t>41</a:t>
             </a:fld>
             <a:endParaRPr lang="en-US" dirty="0"/>
           </a:p>
@@ -1808,7 +1812,7 @@
             <a:fld id="{3EBA5BD7-F043-4D1B-AA17-CD412FC534DE}" type="slidenum">
               <a:rPr lang="en-US" smtClean="0"/>
               <a:pPr/>
-              <a:t>40</a:t>
+              <a:t>42</a:t>
             </a:fld>
             <a:endParaRPr lang="en-US" dirty="0"/>
           </a:p>
@@ -2753,7 +2757,7 @@
           <a:p>
             <a:fld id="{2BF067CD-8E6B-4360-9AA8-C5DF2A48A6D1}" type="slidenum">
               <a:rPr lang="en-US" smtClean="0"/>
-              <a:t>23</a:t>
+              <a:t>21</a:t>
             </a:fld>
             <a:endParaRPr lang="en-US" dirty="0"/>
           </a:p>
@@ -2875,7 +2879,7 @@
             <a:fld id="{2BF067CD-8E6B-4360-9AA8-C5DF2A48A6D1}" type="slidenum">
               <a:rPr lang="en-US" smtClean="0"/>
               <a:pPr/>
-              <a:t>33</a:t>
+              <a:t>31</a:t>
             </a:fld>
             <a:endParaRPr lang="en-US" dirty="0"/>
           </a:p>
@@ -11697,1015 +11701,6 @@
       </p:grpSpPr>
       <p:pic>
         <p:nvPicPr>
-          <p:cNvPr id="1026" name="Picture 2" descr="Connect, connect to database, data plugin, database connection, database  plugin, plugin icon - Download on Iconfinder"/>
-          <p:cNvPicPr>
-            <a:picLocks noChangeAspect="1" noChangeArrowheads="1"/>
-          </p:cNvPicPr>
-          <p:nvPr/>
-        </p:nvPicPr>
-        <p:blipFill>
-          <a:blip r:embed="rId2" cstate="print">
-            <a:duotone>
-              <a:prstClr val="black"/>
-              <a:schemeClr val="bg2">
-                <a:tint val="45000"/>
-                <a:satMod val="400000"/>
-              </a:schemeClr>
-            </a:duotone>
-            <a:extLst>
-              <a:ext uri="{BEBA8EAE-BF5A-486C-A8C5-ECC9F3942E4B}">
-                <a14:imgProps xmlns:a14="http://schemas.microsoft.com/office/drawing/2010/main">
-                  <a14:imgLayer r:embed="rId3">
-                    <a14:imgEffect>
-                      <a14:brightnessContrast bright="100000"/>
-                    </a14:imgEffect>
-                  </a14:imgLayer>
-                </a14:imgProps>
-              </a:ext>
-            </a:extLst>
-          </a:blip>
-          <a:srcRect/>
-          <a:stretch>
-            <a:fillRect/>
-          </a:stretch>
-        </p:blipFill>
-        <p:spPr bwMode="auto">
-          <a:xfrm>
-            <a:off x="5061000" y="1494000"/>
-            <a:ext cx="2266800" cy="2266801"/>
-          </a:xfrm>
-          <a:prstGeom prst="rect">
-            <a:avLst/>
-          </a:prstGeom>
-          <a:noFill/>
-        </p:spPr>
-      </p:pic>
-      <p:sp>
-        <p:nvSpPr>
-          <p:cNvPr id="3" name="Subtitle 2">
-            <a:extLst>
-              <a:ext uri="{FF2B5EF4-FFF2-40B4-BE49-F238E27FC236}">
-                <a16:creationId xmlns:a16="http://schemas.microsoft.com/office/drawing/2014/main" id="{5B2D393E-A98F-8BFF-B779-0A47671F389F}"/>
-              </a:ext>
-            </a:extLst>
-          </p:cNvPr>
-          <p:cNvSpPr>
-            <a:spLocks noGrp="1"/>
-          </p:cNvSpPr>
-          <p:nvPr>
-            <p:ph type="subTitle" sz="quarter" idx="11"/>
-          </p:nvPr>
-        </p:nvSpPr>
-        <p:spPr/>
-        <p:txBody>
-          <a:bodyPr/>
-          <a:lstStyle/>
-          <a:p>
-            <a:r>
-              <a:rPr lang="bg-BG" dirty="0"/>
-              <a:t>Писане на скрипт</a:t>
-            </a:r>
-            <a:endParaRPr lang="en-US" dirty="0"/>
-          </a:p>
-        </p:txBody>
-      </p:sp>
-      <p:sp>
-        <p:nvSpPr>
-          <p:cNvPr id="4" name="Заглавие 3">
-            <a:extLst>
-              <a:ext uri="{FF2B5EF4-FFF2-40B4-BE49-F238E27FC236}">
-                <a16:creationId xmlns:a16="http://schemas.microsoft.com/office/drawing/2014/main" id="{FD052661-2CA9-EC6A-3130-1D23E7EB7138}"/>
-              </a:ext>
-            </a:extLst>
-          </p:cNvPr>
-          <p:cNvSpPr>
-            <a:spLocks noGrp="1"/>
-          </p:cNvSpPr>
-          <p:nvPr>
-            <p:ph type="title" sz="quarter" idx="10"/>
-          </p:nvPr>
-        </p:nvSpPr>
-        <p:spPr>
-          <a:xfrm>
-            <a:off x="615109" y="4704825"/>
-            <a:ext cx="10961783" cy="768084"/>
-          </a:xfrm>
-        </p:spPr>
-        <p:txBody>
-          <a:bodyPr/>
-          <a:lstStyle/>
-          <a:p>
-            <a:r>
-              <a:rPr lang="bg-BG" dirty="0"/>
-              <a:t>Създаване на база данни чрез </a:t>
-            </a:r>
-            <a:r>
-              <a:rPr lang="en-US" dirty="0"/>
-              <a:t>SQL</a:t>
-            </a:r>
-            <a:endParaRPr lang="bg-BG" dirty="0"/>
-          </a:p>
-        </p:txBody>
-      </p:sp>
-    </p:spTree>
-    <p:extLst>
-      <p:ext uri="{BB962C8B-B14F-4D97-AF65-F5344CB8AC3E}">
-        <p14:creationId xmlns:p14="http://schemas.microsoft.com/office/powerpoint/2010/main" val="3375183721"/>
-      </p:ext>
-    </p:extLst>
-  </p:cSld>
-  <p:clrMapOvr>
-    <a:masterClrMapping/>
-  </p:clrMapOvr>
-  <mc:AlternateContent xmlns:mc="http://schemas.openxmlformats.org/markup-compatibility/2006" xmlns:p14="http://schemas.microsoft.com/office/powerpoint/2010/main">
-    <mc:Choice Requires="p14">
-      <p:transition spd="slow" p14:dur="2000" advClick="0" advTm="5000"/>
-    </mc:Choice>
-    <mc:Fallback xmlns="">
-      <p:transition spd="slow" advClick="0" advTm="5000"/>
-    </mc:Fallback>
-  </mc:AlternateContent>
-</p:sld>
-</file>
-
-<file path=ppt/slides/slide21.xml><?xml version="1.0" encoding="utf-8"?>
-<p:sld xmlns:a="http://schemas.openxmlformats.org/drawingml/2006/main" xmlns:r="http://schemas.openxmlformats.org/officeDocument/2006/relationships" xmlns:p="http://schemas.openxmlformats.org/presentationml/2006/main">
-  <p:cSld>
-    <p:spTree>
-      <p:nvGrpSpPr>
-        <p:cNvPr id="1" name=""/>
-        <p:cNvGrpSpPr/>
-        <p:nvPr/>
-      </p:nvGrpSpPr>
-      <p:grpSpPr>
-        <a:xfrm>
-          <a:off x="0" y="0"/>
-          <a:ext cx="0" cy="0"/>
-          <a:chOff x="0" y="0"/>
-          <a:chExt cx="0" cy="0"/>
-        </a:xfrm>
-      </p:grpSpPr>
-      <p:sp>
-        <p:nvSpPr>
-          <p:cNvPr id="3" name="Text Placeholder 2"/>
-          <p:cNvSpPr>
-            <a:spLocks noGrp="1"/>
-          </p:cNvSpPr>
-          <p:nvPr>
-            <p:ph type="body" sz="quarter" idx="10"/>
-          </p:nvPr>
-        </p:nvSpPr>
-        <p:spPr/>
-        <p:txBody>
-          <a:bodyPr/>
-          <a:lstStyle/>
-          <a:p>
-            <a:pPr>
-              <a:spcAft>
-                <a:spcPts val="25200"/>
-              </a:spcAft>
-            </a:pPr>
-            <a:r>
-              <a:rPr lang="bg-BG" dirty="0"/>
-              <a:t>За да се </a:t>
-            </a:r>
-            <a:r>
-              <a:rPr lang="bg-BG" b="1" dirty="0">
-                <a:solidFill>
-                  <a:schemeClr val="bg1"/>
-                </a:solidFill>
-              </a:rPr>
-              <a:t>създаде</a:t>
-            </a:r>
-            <a:r>
-              <a:rPr lang="bg-BG" dirty="0"/>
-              <a:t> една </a:t>
-            </a:r>
-            <a:r>
-              <a:rPr lang="bg-BG" b="1" dirty="0"/>
-              <a:t>база данни </a:t>
-            </a:r>
-            <a:r>
-              <a:rPr lang="bg-BG" dirty="0"/>
-              <a:t>чрез </a:t>
-            </a:r>
-            <a:r>
-              <a:rPr lang="en-US" b="1" dirty="0">
-                <a:solidFill>
-                  <a:schemeClr val="bg1"/>
-                </a:solidFill>
-              </a:rPr>
-              <a:t>SQL</a:t>
-            </a:r>
-            <a:r>
-              <a:rPr lang="en-US" dirty="0"/>
-              <a:t> </a:t>
-            </a:r>
-            <a:r>
-              <a:rPr lang="bg-BG" dirty="0"/>
-              <a:t>скрипт е необходимо той да бъде </a:t>
-            </a:r>
-            <a:r>
-              <a:rPr lang="bg-BG" b="1" dirty="0"/>
-              <a:t>структуриран</a:t>
-            </a:r>
-            <a:r>
-              <a:rPr lang="bg-BG" dirty="0"/>
-              <a:t> по следния начин:</a:t>
-            </a:r>
-            <a:br>
-              <a:rPr lang="bg-BG" dirty="0"/>
-            </a:br>
-            <a:br>
-              <a:rPr lang="bg-BG" dirty="0"/>
-            </a:br>
-            <a:endParaRPr lang="en-US" b="1" dirty="0">
-              <a:solidFill>
-                <a:schemeClr val="bg1"/>
-              </a:solidFill>
-            </a:endParaRPr>
-          </a:p>
-        </p:txBody>
-      </p:sp>
-      <p:sp>
-        <p:nvSpPr>
-          <p:cNvPr id="4" name="Title 3"/>
-          <p:cNvSpPr>
-            <a:spLocks noGrp="1"/>
-          </p:cNvSpPr>
-          <p:nvPr>
-            <p:ph type="title"/>
-          </p:nvPr>
-        </p:nvSpPr>
-        <p:spPr/>
-        <p:txBody>
-          <a:bodyPr/>
-          <a:lstStyle/>
-          <a:p>
-            <a:r>
-              <a:rPr lang="en-US" dirty="0"/>
-              <a:t>SQL </a:t>
-            </a:r>
-            <a:r>
-              <a:rPr lang="bg-BG" dirty="0"/>
-              <a:t>скрипт</a:t>
-            </a:r>
-            <a:endParaRPr lang="en-US" dirty="0"/>
-          </a:p>
-        </p:txBody>
-      </p:sp>
-      <p:sp>
-        <p:nvSpPr>
-          <p:cNvPr id="5" name="Slide Number">
-            <a:extLst>
-              <a:ext uri="{FF2B5EF4-FFF2-40B4-BE49-F238E27FC236}">
-                <a16:creationId xmlns:a16="http://schemas.microsoft.com/office/drawing/2014/main" id="{F94DA94C-7474-9E47-A544-0AE72CBC0B18}"/>
-              </a:ext>
-            </a:extLst>
-          </p:cNvPr>
-          <p:cNvSpPr>
-            <a:spLocks noGrp="1"/>
-          </p:cNvSpPr>
-          <p:nvPr>
-            <p:ph type="sldNum" sz="quarter" idx="5"/>
-          </p:nvPr>
-        </p:nvSpPr>
-        <p:spPr>
-          <a:xfrm>
-            <a:off x="11753030" y="6507000"/>
-            <a:ext cx="367414" cy="297000"/>
-          </a:xfrm>
-          <a:prstGeom prst="rect">
-            <a:avLst/>
-          </a:prstGeom>
-        </p:spPr>
-        <p:txBody>
-          <a:bodyPr vert="horz" lIns="91440" tIns="45720" rIns="91440" bIns="45720" rtlCol="0" anchor="b"/>
-          <a:lstStyle>
-            <a:lvl1pPr algn="r">
-              <a:defRPr sz="1000"/>
-            </a:lvl1pPr>
-          </a:lstStyle>
-          <a:p>
-            <a:fld id="{2BF067CD-8E6B-4360-9AA8-C5DF2A48A6D1}" type="slidenum">
-              <a:rPr lang="en-US" noProof="0" smtClean="0"/>
-              <a:pPr/>
-              <a:t>21</a:t>
-            </a:fld>
-            <a:endParaRPr lang="en-US" noProof="0" dirty="0"/>
-          </a:p>
-        </p:txBody>
-      </p:sp>
-      <p:sp>
-        <p:nvSpPr>
-          <p:cNvPr id="6" name="Rectangle 5">
-            <a:hlinkClick r:id="rId2"/>
-            <a:extLst>
-              <a:ext uri="{FF2B5EF4-FFF2-40B4-BE49-F238E27FC236}">
-                <a16:creationId xmlns:a16="http://schemas.microsoft.com/office/drawing/2014/main" id="{FCFFBFB8-3759-ED51-D833-ED782D0B77AE}"/>
-              </a:ext>
-            </a:extLst>
-          </p:cNvPr>
-          <p:cNvSpPr>
-            <a:spLocks noChangeArrowheads="1"/>
-          </p:cNvSpPr>
-          <p:nvPr/>
-        </p:nvSpPr>
-        <p:spPr bwMode="auto">
-          <a:xfrm>
-            <a:off x="2153203" y="2815990"/>
-            <a:ext cx="6345000" cy="3691010"/>
-          </a:xfrm>
-          <a:prstGeom prst="rect">
-            <a:avLst/>
-          </a:prstGeom>
-          <a:solidFill>
-            <a:schemeClr val="accent5">
-              <a:lumMod val="40000"/>
-              <a:lumOff val="60000"/>
-              <a:alpha val="20000"/>
-            </a:schemeClr>
-          </a:solidFill>
-          <a:ln w="12700">
-            <a:solidFill>
-              <a:schemeClr val="accent5">
-                <a:lumMod val="60000"/>
-                <a:lumOff val="40000"/>
-              </a:schemeClr>
-            </a:solidFill>
-          </a:ln>
-        </p:spPr>
-        <p:txBody>
-          <a:bodyPr wrap="square">
-            <a:spAutoFit/>
-          </a:bodyPr>
-          <a:lstStyle/>
-          <a:p>
-            <a:pPr>
-              <a:lnSpc>
-                <a:spcPct val="105000"/>
-              </a:lnSpc>
-            </a:pPr>
-            <a:r>
-              <a:rPr lang="en-US" sz="2800" b="1" noProof="1">
-                <a:solidFill>
-                  <a:schemeClr val="bg1"/>
-                </a:solidFill>
-                <a:latin typeface="Consolas" panose="020B0609020204030204" pitchFamily="49" charset="0"/>
-                <a:cs typeface="Arial" panose="020B0604020202020204" pitchFamily="34" charset="0"/>
-              </a:rPr>
-              <a:t>CREATE DATABASE </a:t>
-            </a:r>
-            <a:r>
-              <a:rPr lang="en-US" sz="2800" b="1" noProof="1">
-                <a:latin typeface="Consolas" panose="020B0609020204030204" pitchFamily="49" charset="0"/>
-                <a:cs typeface="Arial" panose="020B0604020202020204" pitchFamily="34" charset="0"/>
-              </a:rPr>
-              <a:t>TravelCompany;</a:t>
-            </a:r>
-          </a:p>
-          <a:p>
-            <a:pPr>
-              <a:lnSpc>
-                <a:spcPct val="105000"/>
-              </a:lnSpc>
-            </a:pPr>
-            <a:endParaRPr lang="en-US" sz="2800" b="1" noProof="1">
-              <a:latin typeface="Consolas" panose="020B0609020204030204" pitchFamily="49" charset="0"/>
-              <a:cs typeface="Arial" panose="020B0604020202020204" pitchFamily="34" charset="0"/>
-            </a:endParaRPr>
-          </a:p>
-          <a:p>
-            <a:pPr>
-              <a:lnSpc>
-                <a:spcPct val="105000"/>
-              </a:lnSpc>
-            </a:pPr>
-            <a:r>
-              <a:rPr lang="en-US" sz="2800" b="1" noProof="1">
-                <a:solidFill>
-                  <a:schemeClr val="bg1"/>
-                </a:solidFill>
-                <a:latin typeface="Consolas" panose="020B0609020204030204" pitchFamily="49" charset="0"/>
-                <a:cs typeface="Arial" panose="020B0604020202020204" pitchFamily="34" charset="0"/>
-              </a:rPr>
-              <a:t>USE</a:t>
-            </a:r>
-            <a:r>
-              <a:rPr lang="en-US" sz="2800" b="1" noProof="1">
-                <a:latin typeface="Consolas" panose="020B0609020204030204" pitchFamily="49" charset="0"/>
-                <a:cs typeface="Arial" panose="020B0604020202020204" pitchFamily="34" charset="0"/>
-              </a:rPr>
-              <a:t> TravelCompany</a:t>
-            </a:r>
-          </a:p>
-          <a:p>
-            <a:pPr>
-              <a:lnSpc>
-                <a:spcPct val="105000"/>
-              </a:lnSpc>
-            </a:pPr>
-            <a:endParaRPr lang="en-US" sz="2800" b="1" noProof="1">
-              <a:latin typeface="Consolas" panose="020B0609020204030204" pitchFamily="49" charset="0"/>
-              <a:cs typeface="Arial" panose="020B0604020202020204" pitchFamily="34" charset="0"/>
-            </a:endParaRPr>
-          </a:p>
-          <a:p>
-            <a:pPr>
-              <a:lnSpc>
-                <a:spcPct val="105000"/>
-              </a:lnSpc>
-            </a:pPr>
-            <a:r>
-              <a:rPr lang="en-US" sz="2800" b="1" noProof="1">
-                <a:solidFill>
-                  <a:schemeClr val="bg1"/>
-                </a:solidFill>
-                <a:latin typeface="Consolas" panose="020B0609020204030204" pitchFamily="49" charset="0"/>
-                <a:cs typeface="Arial" panose="020B0604020202020204" pitchFamily="34" charset="0"/>
-              </a:rPr>
-              <a:t>CREATE TABLE </a:t>
-            </a:r>
-            <a:r>
-              <a:rPr lang="en-US" sz="2800" b="1" noProof="1">
-                <a:latin typeface="Consolas" panose="020B0609020204030204" pitchFamily="49" charset="0"/>
-                <a:cs typeface="Arial" panose="020B0604020202020204" pitchFamily="34" charset="0"/>
-              </a:rPr>
-              <a:t>Customers (</a:t>
-            </a:r>
-          </a:p>
-          <a:p>
-            <a:pPr>
-              <a:lnSpc>
-                <a:spcPct val="105000"/>
-              </a:lnSpc>
-            </a:pPr>
-            <a:r>
-              <a:rPr lang="en-US" sz="2800" b="1" noProof="1">
-                <a:latin typeface="Consolas" panose="020B0609020204030204" pitchFamily="49" charset="0"/>
-                <a:cs typeface="Arial" panose="020B0604020202020204" pitchFamily="34" charset="0"/>
-              </a:rPr>
-              <a:t>	…</a:t>
-            </a:r>
-          </a:p>
-          <a:p>
-            <a:pPr>
-              <a:lnSpc>
-                <a:spcPct val="105000"/>
-              </a:lnSpc>
-            </a:pPr>
-            <a:r>
-              <a:rPr lang="en-US" sz="2800" b="1" noProof="1">
-                <a:latin typeface="Consolas" panose="020B0609020204030204" pitchFamily="49" charset="0"/>
-                <a:cs typeface="Arial" panose="020B0604020202020204" pitchFamily="34" charset="0"/>
-              </a:rPr>
-              <a:t>);</a:t>
-            </a:r>
-          </a:p>
-          <a:p>
-            <a:pPr>
-              <a:lnSpc>
-                <a:spcPct val="105000"/>
-              </a:lnSpc>
-            </a:pPr>
-            <a:r>
-              <a:rPr lang="en-US" sz="2800" b="1" noProof="1">
-                <a:latin typeface="Consolas" panose="020B0609020204030204" pitchFamily="49" charset="0"/>
-                <a:cs typeface="Arial" panose="020B0604020202020204" pitchFamily="34" charset="0"/>
-              </a:rPr>
-              <a:t>…</a:t>
-            </a:r>
-          </a:p>
-        </p:txBody>
-      </p:sp>
-      <p:sp>
-        <p:nvSpPr>
-          <p:cNvPr id="8" name="AutoShape 5">
-            <a:extLst>
-              <a:ext uri="{FF2B5EF4-FFF2-40B4-BE49-F238E27FC236}">
-                <a16:creationId xmlns:a16="http://schemas.microsoft.com/office/drawing/2014/main" id="{5AE817D0-F70B-DA7A-07F1-C6D349E46BAC}"/>
-              </a:ext>
-            </a:extLst>
-          </p:cNvPr>
-          <p:cNvSpPr>
-            <a:spLocks noChangeArrowheads="1"/>
-          </p:cNvSpPr>
-          <p:nvPr/>
-        </p:nvSpPr>
-        <p:spPr bwMode="auto">
-          <a:xfrm>
-            <a:off x="8463797" y="2882769"/>
-            <a:ext cx="3150000" cy="546231"/>
-          </a:xfrm>
-          <a:prstGeom prst="wedgeRoundRectCallout">
-            <a:avLst>
-              <a:gd name="adj1" fmla="val -59139"/>
-              <a:gd name="adj2" fmla="val -5226"/>
-              <a:gd name="adj3" fmla="val 16667"/>
-            </a:avLst>
-          </a:prstGeom>
-          <a:solidFill>
-            <a:schemeClr val="tx1">
-              <a:alpha val="80000"/>
-            </a:schemeClr>
-          </a:solidFill>
-          <a:ln w="19050">
-            <a:solidFill>
-              <a:schemeClr val="tx1">
-                <a:alpha val="80000"/>
-              </a:schemeClr>
-            </a:solidFill>
-          </a:ln>
-          <a:effectLst/>
-        </p:spPr>
-        <p:style>
-          <a:lnRef idx="2">
-            <a:schemeClr val="accent1">
-              <a:shade val="50000"/>
-            </a:schemeClr>
-          </a:lnRef>
-          <a:fillRef idx="1001">
-            <a:schemeClr val="dk2"/>
-          </a:fillRef>
-          <a:effectRef idx="0">
-            <a:schemeClr val="accent1"/>
-          </a:effectRef>
-          <a:fontRef idx="minor">
-            <a:schemeClr val="lt1"/>
-          </a:fontRef>
-        </p:style>
-        <p:txBody>
-          <a:bodyPr rot="0" spcFirstLastPara="0" vertOverflow="overflow" horzOverflow="overflow" vert="horz" wrap="square" lIns="91440" tIns="45720" rIns="91440" bIns="45720" numCol="1" spcCol="0" rtlCol="0" fromWordArt="0" anchor="ctr" anchorCtr="0" forceAA="0" compatLnSpc="1">
-            <a:prstTxWarp prst="textNoShape">
-              <a:avLst/>
-            </a:prstTxWarp>
-            <a:noAutofit/>
-          </a:bodyPr>
-          <a:lstStyle/>
-          <a:p>
-            <a:pPr algn="ctr"/>
-            <a:r>
-              <a:rPr lang="bg-BG" sz="2400" b="1" dirty="0">
-                <a:solidFill>
-                  <a:srgbClr val="FFFFFF"/>
-                </a:solidFill>
-                <a:effectLst>
-                  <a:outerShdw blurRad="38100" dist="38100" dir="2700000" algn="tl">
-                    <a:srgbClr val="000000">
-                      <a:alpha val="43137"/>
-                    </a:srgbClr>
-                  </a:outerShdw>
-                </a:effectLst>
-              </a:rPr>
-              <a:t>Име на базата данни</a:t>
-            </a:r>
-          </a:p>
-        </p:txBody>
-      </p:sp>
-      <p:sp>
-        <p:nvSpPr>
-          <p:cNvPr id="9" name="AutoShape 5">
-            <a:extLst>
-              <a:ext uri="{FF2B5EF4-FFF2-40B4-BE49-F238E27FC236}">
-                <a16:creationId xmlns:a16="http://schemas.microsoft.com/office/drawing/2014/main" id="{0C2EBE44-DE6D-C743-8C9B-D621CDF0BF2F}"/>
-              </a:ext>
-            </a:extLst>
-          </p:cNvPr>
-          <p:cNvSpPr>
-            <a:spLocks noChangeArrowheads="1"/>
-          </p:cNvSpPr>
-          <p:nvPr/>
-        </p:nvSpPr>
-        <p:spPr bwMode="auto">
-          <a:xfrm>
-            <a:off x="5976816" y="3620841"/>
-            <a:ext cx="4500000" cy="945000"/>
-          </a:xfrm>
-          <a:prstGeom prst="wedgeRoundRectCallout">
-            <a:avLst>
-              <a:gd name="adj1" fmla="val -56817"/>
-              <a:gd name="adj2" fmla="val -15270"/>
-              <a:gd name="adj3" fmla="val 16667"/>
-            </a:avLst>
-          </a:prstGeom>
-          <a:solidFill>
-            <a:schemeClr val="tx1">
-              <a:alpha val="80000"/>
-            </a:schemeClr>
-          </a:solidFill>
-          <a:ln w="19050">
-            <a:solidFill>
-              <a:schemeClr val="tx1">
-                <a:alpha val="80000"/>
-              </a:schemeClr>
-            </a:solidFill>
-          </a:ln>
-          <a:effectLst/>
-        </p:spPr>
-        <p:style>
-          <a:lnRef idx="2">
-            <a:schemeClr val="accent1">
-              <a:shade val="50000"/>
-            </a:schemeClr>
-          </a:lnRef>
-          <a:fillRef idx="1001">
-            <a:schemeClr val="dk2"/>
-          </a:fillRef>
-          <a:effectRef idx="0">
-            <a:schemeClr val="accent1"/>
-          </a:effectRef>
-          <a:fontRef idx="minor">
-            <a:schemeClr val="lt1"/>
-          </a:fontRef>
-        </p:style>
-        <p:txBody>
-          <a:bodyPr rot="0" spcFirstLastPara="0" vertOverflow="overflow" horzOverflow="overflow" vert="horz" wrap="square" lIns="91440" tIns="45720" rIns="91440" bIns="45720" numCol="1" spcCol="0" rtlCol="0" fromWordArt="0" anchor="ctr" anchorCtr="0" forceAA="0" compatLnSpc="1">
-            <a:prstTxWarp prst="textNoShape">
-              <a:avLst/>
-            </a:prstTxWarp>
-            <a:noAutofit/>
-          </a:bodyPr>
-          <a:lstStyle/>
-          <a:p>
-            <a:pPr algn="ctr"/>
-            <a:r>
-              <a:rPr lang="bg-BG" sz="2400" b="1" dirty="0">
-                <a:solidFill>
-                  <a:srgbClr val="FFFFFF"/>
-                </a:solidFill>
-                <a:effectLst>
-                  <a:outerShdw blurRad="38100" dist="38100" dir="2700000" algn="tl">
-                    <a:srgbClr val="000000">
-                      <a:alpha val="43137"/>
-                    </a:srgbClr>
-                  </a:outerShdw>
-                </a:effectLst>
-              </a:rPr>
-              <a:t>Посочваме, че ще </a:t>
-            </a:r>
-            <a:r>
-              <a:rPr lang="bg-BG" sz="2400" b="1" dirty="0">
-                <a:solidFill>
-                  <a:schemeClr val="bg1">
-                    <a:lumMod val="60000"/>
-                    <a:lumOff val="40000"/>
-                  </a:schemeClr>
-                </a:solidFill>
-                <a:effectLst>
-                  <a:outerShdw blurRad="38100" dist="38100" dir="2700000" algn="tl">
-                    <a:srgbClr val="000000">
-                      <a:alpha val="43137"/>
-                    </a:srgbClr>
-                  </a:outerShdw>
-                </a:effectLst>
-              </a:rPr>
-              <a:t>използваме</a:t>
-            </a:r>
-            <a:r>
-              <a:rPr lang="bg-BG" sz="2400" b="1" dirty="0">
-                <a:solidFill>
-                  <a:srgbClr val="FFFFFF"/>
-                </a:solidFill>
-                <a:effectLst>
-                  <a:outerShdw blurRad="38100" dist="38100" dir="2700000" algn="tl">
-                    <a:srgbClr val="000000">
-                      <a:alpha val="43137"/>
-                    </a:srgbClr>
-                  </a:outerShdw>
-                </a:effectLst>
-              </a:rPr>
-              <a:t> </a:t>
-            </a:r>
-            <a:r>
-              <a:rPr lang="bg-BG" sz="2400" b="1" dirty="0">
-                <a:solidFill>
-                  <a:schemeClr val="bg1">
-                    <a:lumMod val="60000"/>
-                    <a:lumOff val="40000"/>
-                  </a:schemeClr>
-                </a:solidFill>
-                <a:effectLst>
-                  <a:outerShdw blurRad="38100" dist="38100" dir="2700000" algn="tl">
-                    <a:srgbClr val="000000">
-                      <a:alpha val="43137"/>
-                    </a:srgbClr>
-                  </a:outerShdw>
-                </a:effectLst>
-              </a:rPr>
-              <a:t>новосъздадената</a:t>
-            </a:r>
-            <a:r>
-              <a:rPr lang="bg-BG" sz="2400" b="1" dirty="0">
-                <a:solidFill>
-                  <a:srgbClr val="FFFFFF"/>
-                </a:solidFill>
-                <a:effectLst>
-                  <a:outerShdw blurRad="38100" dist="38100" dir="2700000" algn="tl">
-                    <a:srgbClr val="000000">
-                      <a:alpha val="43137"/>
-                    </a:srgbClr>
-                  </a:outerShdw>
-                </a:effectLst>
-              </a:rPr>
-              <a:t> база данни</a:t>
-            </a:r>
-          </a:p>
-        </p:txBody>
-      </p:sp>
-      <p:sp>
-        <p:nvSpPr>
-          <p:cNvPr id="10" name="AutoShape 5">
-            <a:extLst>
-              <a:ext uri="{FF2B5EF4-FFF2-40B4-BE49-F238E27FC236}">
-                <a16:creationId xmlns:a16="http://schemas.microsoft.com/office/drawing/2014/main" id="{8E867AC2-3131-92BE-A6D9-9C384876972C}"/>
-              </a:ext>
-            </a:extLst>
-          </p:cNvPr>
-          <p:cNvSpPr>
-            <a:spLocks noChangeArrowheads="1"/>
-          </p:cNvSpPr>
-          <p:nvPr/>
-        </p:nvSpPr>
-        <p:spPr bwMode="auto">
-          <a:xfrm>
-            <a:off x="5520701" y="5437427"/>
-            <a:ext cx="3320299" cy="556573"/>
-          </a:xfrm>
-          <a:prstGeom prst="wedgeRoundRectCallout">
-            <a:avLst>
-              <a:gd name="adj1" fmla="val -34713"/>
-              <a:gd name="adj2" fmla="val -80936"/>
-              <a:gd name="adj3" fmla="val 16667"/>
-            </a:avLst>
-          </a:prstGeom>
-          <a:solidFill>
-            <a:schemeClr val="tx1">
-              <a:alpha val="80000"/>
-            </a:schemeClr>
-          </a:solidFill>
-          <a:ln w="19050">
-            <a:solidFill>
-              <a:schemeClr val="tx1">
-                <a:alpha val="80000"/>
-              </a:schemeClr>
-            </a:solidFill>
-          </a:ln>
-          <a:effectLst/>
-        </p:spPr>
-        <p:style>
-          <a:lnRef idx="2">
-            <a:schemeClr val="accent1">
-              <a:shade val="50000"/>
-            </a:schemeClr>
-          </a:lnRef>
-          <a:fillRef idx="1001">
-            <a:schemeClr val="dk2"/>
-          </a:fillRef>
-          <a:effectRef idx="0">
-            <a:schemeClr val="accent1"/>
-          </a:effectRef>
-          <a:fontRef idx="minor">
-            <a:schemeClr val="lt1"/>
-          </a:fontRef>
-        </p:style>
-        <p:txBody>
-          <a:bodyPr rot="0" spcFirstLastPara="0" vertOverflow="overflow" horzOverflow="overflow" vert="horz" wrap="square" lIns="91440" tIns="45720" rIns="91440" bIns="45720" numCol="1" spcCol="0" rtlCol="0" fromWordArt="0" anchor="ctr" anchorCtr="0" forceAA="0" compatLnSpc="1">
-            <a:prstTxWarp prst="textNoShape">
-              <a:avLst/>
-            </a:prstTxWarp>
-            <a:noAutofit/>
-          </a:bodyPr>
-          <a:lstStyle/>
-          <a:p>
-            <a:pPr algn="ctr"/>
-            <a:r>
-              <a:rPr lang="bg-BG" sz="2400" b="1" dirty="0">
-                <a:solidFill>
-                  <a:srgbClr val="FFFFFF"/>
-                </a:solidFill>
-                <a:effectLst>
-                  <a:outerShdw blurRad="38100" dist="38100" dir="2700000" algn="tl">
-                    <a:srgbClr val="000000">
-                      <a:alpha val="43137"/>
-                    </a:srgbClr>
-                  </a:outerShdw>
-                </a:effectLst>
-              </a:rPr>
-              <a:t>Създаване на таблици</a:t>
-            </a:r>
-          </a:p>
-        </p:txBody>
-      </p:sp>
-    </p:spTree>
-    <p:extLst>
-      <p:ext uri="{BB962C8B-B14F-4D97-AF65-F5344CB8AC3E}">
-        <p14:creationId xmlns:p14="http://schemas.microsoft.com/office/powerpoint/2010/main" val="115927302"/>
-      </p:ext>
-    </p:extLst>
-  </p:cSld>
-  <p:clrMapOvr>
-    <a:masterClrMapping/>
-  </p:clrMapOvr>
-  <mc:AlternateContent xmlns:mc="http://schemas.openxmlformats.org/markup-compatibility/2006" xmlns:p14="http://schemas.microsoft.com/office/powerpoint/2010/main">
-    <mc:Choice Requires="p14">
-      <p:transition spd="slow" p14:dur="2000" advClick="0" advTm="5000"/>
-    </mc:Choice>
-    <mc:Fallback xmlns="">
-      <p:transition spd="slow" advClick="0" advTm="5000"/>
-    </mc:Fallback>
-  </mc:AlternateContent>
-  <p:timing>
-    <p:tnLst>
-      <p:par>
-        <p:cTn id="1" dur="indefinite" restart="never" nodeType="tmRoot">
-          <p:childTnLst>
-            <p:seq concurrent="1" nextAc="seek">
-              <p:cTn id="2" dur="indefinite" nodeType="mainSeq">
-                <p:childTnLst>
-                  <p:par>
-                    <p:cTn id="3" fill="hold">
-                      <p:stCondLst>
-                        <p:cond delay="indefinite"/>
-                      </p:stCondLst>
-                      <p:childTnLst>
-                        <p:par>
-                          <p:cTn id="4" fill="hold">
-                            <p:stCondLst>
-                              <p:cond delay="0"/>
-                            </p:stCondLst>
-                            <p:childTnLst>
-                              <p:par>
-                                <p:cTn id="5" presetID="1" presetClass="entr" presetSubtype="0" fill="hold" grpId="0" nodeType="clickEffect">
-                                  <p:stCondLst>
-                                    <p:cond delay="0"/>
-                                  </p:stCondLst>
-                                  <p:childTnLst>
-                                    <p:set>
-                                      <p:cBhvr>
-                                        <p:cTn id="6" dur="1" fill="hold">
-                                          <p:stCondLst>
-                                            <p:cond delay="0"/>
-                                          </p:stCondLst>
-                                        </p:cTn>
-                                        <p:tgtEl>
-                                          <p:spTgt spid="8"/>
-                                        </p:tgtEl>
-                                        <p:attrNameLst>
-                                          <p:attrName>style.visibility</p:attrName>
-                                        </p:attrNameLst>
-                                      </p:cBhvr>
-                                      <p:to>
-                                        <p:strVal val="visible"/>
-                                      </p:to>
-                                    </p:set>
-                                  </p:childTnLst>
-                                </p:cTn>
-                              </p:par>
-                            </p:childTnLst>
-                          </p:cTn>
-                        </p:par>
-                      </p:childTnLst>
-                    </p:cTn>
-                  </p:par>
-                  <p:par>
-                    <p:cTn id="7" fill="hold">
-                      <p:stCondLst>
-                        <p:cond delay="indefinite"/>
-                      </p:stCondLst>
-                      <p:childTnLst>
-                        <p:par>
-                          <p:cTn id="8" fill="hold">
-                            <p:stCondLst>
-                              <p:cond delay="0"/>
-                            </p:stCondLst>
-                            <p:childTnLst>
-                              <p:par>
-                                <p:cTn id="9" presetID="1" presetClass="entr" presetSubtype="0" fill="hold" grpId="0" nodeType="clickEffect">
-                                  <p:stCondLst>
-                                    <p:cond delay="0"/>
-                                  </p:stCondLst>
-                                  <p:childTnLst>
-                                    <p:set>
-                                      <p:cBhvr>
-                                        <p:cTn id="10" dur="1" fill="hold">
-                                          <p:stCondLst>
-                                            <p:cond delay="0"/>
-                                          </p:stCondLst>
-                                        </p:cTn>
-                                        <p:tgtEl>
-                                          <p:spTgt spid="9"/>
-                                        </p:tgtEl>
-                                        <p:attrNameLst>
-                                          <p:attrName>style.visibility</p:attrName>
-                                        </p:attrNameLst>
-                                      </p:cBhvr>
-                                      <p:to>
-                                        <p:strVal val="visible"/>
-                                      </p:to>
-                                    </p:set>
-                                  </p:childTnLst>
-                                </p:cTn>
-                              </p:par>
-                            </p:childTnLst>
-                          </p:cTn>
-                        </p:par>
-                      </p:childTnLst>
-                    </p:cTn>
-                  </p:par>
-                  <p:par>
-                    <p:cTn id="11" fill="hold">
-                      <p:stCondLst>
-                        <p:cond delay="indefinite"/>
-                      </p:stCondLst>
-                      <p:childTnLst>
-                        <p:par>
-                          <p:cTn id="12" fill="hold">
-                            <p:stCondLst>
-                              <p:cond delay="0"/>
-                            </p:stCondLst>
-                            <p:childTnLst>
-                              <p:par>
-                                <p:cTn id="13" presetID="1" presetClass="entr" presetSubtype="0" fill="hold" grpId="0" nodeType="clickEffect">
-                                  <p:stCondLst>
-                                    <p:cond delay="0"/>
-                                  </p:stCondLst>
-                                  <p:childTnLst>
-                                    <p:set>
-                                      <p:cBhvr>
-                                        <p:cTn id="14" dur="1" fill="hold">
-                                          <p:stCondLst>
-                                            <p:cond delay="0"/>
-                                          </p:stCondLst>
-                                        </p:cTn>
-                                        <p:tgtEl>
-                                          <p:spTgt spid="10"/>
-                                        </p:tgtEl>
-                                        <p:attrNameLst>
-                                          <p:attrName>style.visibility</p:attrName>
-                                        </p:attrNameLst>
-                                      </p:cBhvr>
-                                      <p:to>
-                                        <p:strVal val="visible"/>
-                                      </p:to>
-                                    </p:set>
-                                  </p:childTnLst>
-                                </p:cTn>
-                              </p:par>
-                            </p:childTnLst>
-                          </p:cTn>
-                        </p:par>
-                      </p:childTnLst>
-                    </p:cTn>
-                  </p:par>
-                </p:childTnLst>
-              </p:cTn>
-              <p:prevCondLst>
-                <p:cond evt="onPrev" delay="0">
-                  <p:tgtEl>
-                    <p:sldTgt/>
-                  </p:tgtEl>
-                </p:cond>
-              </p:prevCondLst>
-              <p:nextCondLst>
-                <p:cond evt="onNext" delay="0">
-                  <p:tgtEl>
-                    <p:sldTgt/>
-                  </p:tgtEl>
-                </p:cond>
-              </p:nextCondLst>
-            </p:seq>
-          </p:childTnLst>
-        </p:cTn>
-      </p:par>
-    </p:tnLst>
-    <p:bldLst>
-      <p:bldP spid="8" grpId="0" animBg="1"/>
-      <p:bldP spid="9" grpId="0" animBg="1"/>
-      <p:bldP spid="10" grpId="0" animBg="1"/>
-    </p:bldLst>
-  </p:timing>
-</p:sld>
-</file>
-
-<file path=ppt/slides/slide22.xml><?xml version="1.0" encoding="utf-8"?>
-<p:sld xmlns:a="http://schemas.openxmlformats.org/drawingml/2006/main" xmlns:r="http://schemas.openxmlformats.org/officeDocument/2006/relationships" xmlns:p="http://schemas.openxmlformats.org/presentationml/2006/main">
-  <p:cSld>
-    <p:spTree>
-      <p:nvGrpSpPr>
-        <p:cNvPr id="1" name=""/>
-        <p:cNvGrpSpPr/>
-        <p:nvPr/>
-      </p:nvGrpSpPr>
-      <p:grpSpPr>
-        <a:xfrm>
-          <a:off x="0" y="0"/>
-          <a:ext cx="0" cy="0"/>
-          <a:chOff x="0" y="0"/>
-          <a:chExt cx="0" cy="0"/>
-        </a:xfrm>
-      </p:grpSpPr>
-      <p:pic>
-        <p:nvPicPr>
           <p:cNvPr id="10242" name="Picture 2" descr="Ð¡Ð²ÑÑÐ·Ð°Ð½Ð¾ Ð¸Ð·Ð¾Ð±ÑÐ°Ð¶ÐµÐ½Ð¸Ðµ">
             <a:extLst>
               <a:ext uri="{FF2B5EF4-FFF2-40B4-BE49-F238E27FC236}">
@@ -12842,7 +11837,7 @@
 </p:sld>
 </file>
 
-<file path=ppt/slides/slide23.xml><?xml version="1.0" encoding="utf-8"?>
+<file path=ppt/slides/slide21.xml><?xml version="1.0" encoding="utf-8"?>
 <p:sld xmlns:a="http://schemas.openxmlformats.org/drawingml/2006/main" xmlns:r="http://schemas.openxmlformats.org/officeDocument/2006/relationships" xmlns:p="http://schemas.openxmlformats.org/presentationml/2006/main">
   <p:cSld>
     <p:spTree>
@@ -13048,7 +12043,7 @@
 </p:sld>
 </file>
 
-<file path=ppt/slides/slide24.xml><?xml version="1.0" encoding="utf-8"?>
+<file path=ppt/slides/slide22.xml><?xml version="1.0" encoding="utf-8"?>
 <p:sld xmlns:a="http://schemas.openxmlformats.org/drawingml/2006/main" xmlns:r="http://schemas.openxmlformats.org/officeDocument/2006/relationships" xmlns:p="http://schemas.openxmlformats.org/presentationml/2006/main">
   <p:cSld>
     <p:spTree>
@@ -13089,7 +12084,7 @@
             <a:fld id="{2BF067CD-8E6B-4360-9AA8-C5DF2A48A6D1}" type="slidenum">
               <a:rPr lang="en-US" noProof="0" smtClean="0"/>
               <a:pPr/>
-              <a:t>24</a:t>
+              <a:t>22</a:t>
             </a:fld>
             <a:endParaRPr lang="en-US" noProof="0" dirty="0"/>
           </a:p>
@@ -13275,7 +12270,7 @@
 </p:sld>
 </file>
 
-<file path=ppt/slides/slide25.xml><?xml version="1.0" encoding="utf-8"?>
+<file path=ppt/slides/slide23.xml><?xml version="1.0" encoding="utf-8"?>
 <p:sld xmlns:a="http://schemas.openxmlformats.org/drawingml/2006/main" xmlns:r="http://schemas.openxmlformats.org/officeDocument/2006/relationships" xmlns:p="http://schemas.openxmlformats.org/presentationml/2006/main">
   <p:cSld>
     <p:spTree>
@@ -13591,7 +12586,7 @@
 </p:sld>
 </file>
 
-<file path=ppt/slides/slide26.xml><?xml version="1.0" encoding="utf-8"?>
+<file path=ppt/slides/slide24.xml><?xml version="1.0" encoding="utf-8"?>
 <p:sld xmlns:a="http://schemas.openxmlformats.org/drawingml/2006/main" xmlns:r="http://schemas.openxmlformats.org/officeDocument/2006/relationships" xmlns:p="http://schemas.openxmlformats.org/presentationml/2006/main">
   <p:cSld>
     <p:spTree>
@@ -13632,7 +12627,7 @@
             <a:fld id="{2BF067CD-8E6B-4360-9AA8-C5DF2A48A6D1}" type="slidenum">
               <a:rPr lang="en-US" noProof="0" smtClean="0"/>
               <a:pPr/>
-              <a:t>26</a:t>
+              <a:t>24</a:t>
             </a:fld>
             <a:endParaRPr lang="en-US" noProof="0" dirty="0"/>
           </a:p>
@@ -14018,7 +13013,7 @@
 </p:sld>
 </file>
 
-<file path=ppt/slides/slide27.xml><?xml version="1.0" encoding="utf-8"?>
+<file path=ppt/slides/slide25.xml><?xml version="1.0" encoding="utf-8"?>
 <p:sld xmlns:a="http://schemas.openxmlformats.org/drawingml/2006/main" xmlns:r="http://schemas.openxmlformats.org/officeDocument/2006/relationships" xmlns:p="http://schemas.openxmlformats.org/presentationml/2006/main">
   <p:cSld>
     <p:spTree>
@@ -14406,7 +13401,7 @@
             <a:fld id="{2BF067CD-8E6B-4360-9AA8-C5DF2A48A6D1}" type="slidenum">
               <a:rPr lang="en-US" noProof="0" smtClean="0"/>
               <a:pPr/>
-              <a:t>27</a:t>
+              <a:t>25</a:t>
             </a:fld>
             <a:endParaRPr lang="en-US" noProof="0" dirty="0"/>
           </a:p>
@@ -14678,7 +13673,7 @@
 </p:sld>
 </file>
 
-<file path=ppt/slides/slide28.xml><?xml version="1.0" encoding="utf-8"?>
+<file path=ppt/slides/slide26.xml><?xml version="1.0" encoding="utf-8"?>
 <p:sld xmlns:a="http://schemas.openxmlformats.org/drawingml/2006/main" xmlns:r="http://schemas.openxmlformats.org/officeDocument/2006/relationships" xmlns:p="http://schemas.openxmlformats.org/presentationml/2006/main">
   <p:cSld>
     <p:spTree>
@@ -14723,7 +13718,7 @@
             </a:r>
             <a:r>
               <a:rPr lang="en-US" sz="3700" dirty="0"/>
-              <a:t>, </a:t>
+              <a:t> </a:t>
             </a:r>
             <a:r>
               <a:rPr lang="bg-BG" sz="3700" dirty="0"/>
@@ -14977,7 +13972,7 @@
             <a:fld id="{2BF067CD-8E6B-4360-9AA8-C5DF2A48A6D1}" type="slidenum">
               <a:rPr lang="en-US" noProof="0" smtClean="0"/>
               <a:pPr/>
-              <a:t>28</a:t>
+              <a:t>26</a:t>
             </a:fld>
             <a:endParaRPr lang="en-US" noProof="0" dirty="0"/>
           </a:p>
@@ -15463,7 +14458,7 @@
 </p:sld>
 </file>
 
-<file path=ppt/slides/slide29.xml><?xml version="1.0" encoding="utf-8"?>
+<file path=ppt/slides/slide27.xml><?xml version="1.0" encoding="utf-8"?>
 <p:sld xmlns:a="http://schemas.openxmlformats.org/drawingml/2006/main" xmlns:r="http://schemas.openxmlformats.org/officeDocument/2006/relationships" xmlns:p="http://schemas.openxmlformats.org/presentationml/2006/main">
   <p:cSld>
     <p:spTree>
@@ -15834,7 +14829,7 @@
             <a:fld id="{2BF067CD-8E6B-4360-9AA8-C5DF2A48A6D1}" type="slidenum">
               <a:rPr lang="en-US" noProof="0" smtClean="0"/>
               <a:pPr/>
-              <a:t>29</a:t>
+              <a:t>27</a:t>
             </a:fld>
             <a:endParaRPr lang="en-US" noProof="0" dirty="0"/>
           </a:p>
@@ -16088,166 +15083,7 @@
 </p:sld>
 </file>
 
-<file path=ppt/slides/slide3.xml><?xml version="1.0" encoding="utf-8"?>
-<p:sld xmlns:a="http://schemas.openxmlformats.org/drawingml/2006/main" xmlns:r="http://schemas.openxmlformats.org/officeDocument/2006/relationships" xmlns:p="http://schemas.openxmlformats.org/presentationml/2006/main">
-  <p:cSld>
-    <p:spTree>
-      <p:nvGrpSpPr>
-        <p:cNvPr id="1" name=""/>
-        <p:cNvGrpSpPr/>
-        <p:nvPr/>
-      </p:nvGrpSpPr>
-      <p:grpSpPr>
-        <a:xfrm>
-          <a:off x="0" y="0"/>
-          <a:ext cx="0" cy="0"/>
-          <a:chOff x="0" y="0"/>
-          <a:chExt cx="0" cy="0"/>
-        </a:xfrm>
-      </p:grpSpPr>
-      <p:pic>
-        <p:nvPicPr>
-          <p:cNvPr id="6" name="Picture 4" descr="Ð ÐµÐ·ÑÐ»ÑÐ°Ñ Ñ Ð¸Ð·Ð¾Ð±ÑÐ°Ð¶ÐµÐ½Ð¸Ðµ Ð·Ð° sql server express png">
-            <a:extLst>
-              <a:ext uri="{FF2B5EF4-FFF2-40B4-BE49-F238E27FC236}">
-                <a16:creationId xmlns:a16="http://schemas.microsoft.com/office/drawing/2014/main" id="{ABA81264-79EA-4C61-B859-F609E78C6876}"/>
-              </a:ext>
-            </a:extLst>
-          </p:cNvPr>
-          <p:cNvPicPr>
-            <a:picLocks noChangeAspect="1" noChangeArrowheads="1"/>
-          </p:cNvPicPr>
-          <p:nvPr/>
-        </p:nvPicPr>
-        <p:blipFill>
-          <a:blip r:embed="rId2" cstate="print">
-            <a:extLst>
-              <a:ext uri="{28A0092B-C50C-407E-A947-70E740481C1C}">
-                <a14:useLocalDpi xmlns:a14="http://schemas.microsoft.com/office/drawing/2010/main" val="0"/>
-              </a:ext>
-            </a:extLst>
-          </a:blip>
-          <a:srcRect/>
-          <a:stretch>
-            <a:fillRect/>
-          </a:stretch>
-        </p:blipFill>
-        <p:spPr bwMode="auto">
-          <a:xfrm>
-            <a:off x="4675658" y="1384495"/>
-            <a:ext cx="2840683" cy="2305483"/>
-          </a:xfrm>
-          <a:prstGeom prst="rect">
-            <a:avLst/>
-          </a:prstGeom>
-          <a:noFill/>
-          <a:extLst>
-            <a:ext uri="{909E8E84-426E-40DD-AFC4-6F175D3DCCD1}">
-              <a14:hiddenFill xmlns:a14="http://schemas.microsoft.com/office/drawing/2010/main">
-                <a:solidFill>
-                  <a:srgbClr val="FFFFFF"/>
-                </a:solidFill>
-              </a14:hiddenFill>
-            </a:ext>
-          </a:extLst>
-        </p:spPr>
-      </p:pic>
-      <p:sp>
-        <p:nvSpPr>
-          <p:cNvPr id="5" name="Подзаглавие 4">
-            <a:extLst>
-              <a:ext uri="{FF2B5EF4-FFF2-40B4-BE49-F238E27FC236}">
-                <a16:creationId xmlns:a16="http://schemas.microsoft.com/office/drawing/2014/main" id="{8AE6A1FD-951B-BB4F-EC39-C1D0F100F2CE}"/>
-              </a:ext>
-            </a:extLst>
-          </p:cNvPr>
-          <p:cNvSpPr>
-            <a:spLocks noGrp="1"/>
-          </p:cNvSpPr>
-          <p:nvPr>
-            <p:ph type="subTitle" sz="quarter" idx="11"/>
-          </p:nvPr>
-        </p:nvSpPr>
-        <p:spPr/>
-        <p:txBody>
-          <a:bodyPr/>
-          <a:lstStyle/>
-          <a:p>
-            <a:r>
-              <a:rPr lang="bg-BG" dirty="0"/>
-              <a:t>Същност и архитектура</a:t>
-            </a:r>
-          </a:p>
-        </p:txBody>
-      </p:sp>
-      <p:sp>
-        <p:nvSpPr>
-          <p:cNvPr id="8" name="Заглавие 7">
-            <a:extLst>
-              <a:ext uri="{FF2B5EF4-FFF2-40B4-BE49-F238E27FC236}">
-                <a16:creationId xmlns:a16="http://schemas.microsoft.com/office/drawing/2014/main" id="{28CC101B-D563-EFCE-ADE9-2241D6CCD10D}"/>
-              </a:ext>
-            </a:extLst>
-          </p:cNvPr>
-          <p:cNvSpPr>
-            <a:spLocks noGrp="1"/>
-          </p:cNvSpPr>
-          <p:nvPr>
-            <p:ph type="title" sz="quarter" idx="10"/>
-          </p:nvPr>
-        </p:nvSpPr>
-        <p:spPr>
-          <a:xfrm>
-            <a:off x="615109" y="4730916"/>
-            <a:ext cx="10961783" cy="768084"/>
-          </a:xfrm>
-        </p:spPr>
-        <p:txBody>
-          <a:bodyPr/>
-          <a:lstStyle/>
-          <a:p>
-            <a:r>
-              <a:rPr lang="bg-BG" dirty="0"/>
-              <a:t>Запознаване с </a:t>
-            </a:r>
-            <a:r>
-              <a:rPr lang="en-US" dirty="0"/>
-              <a:t>SQL Server</a:t>
-            </a:r>
-            <a:r>
-              <a:rPr lang="bg-BG" dirty="0"/>
-              <a:t> и</a:t>
-            </a:r>
-            <a:r>
-              <a:rPr lang="en-US" dirty="0"/>
-              <a:t> LocalDB</a:t>
-            </a:r>
-            <a:endParaRPr lang="bg-BG" dirty="0"/>
-          </a:p>
-        </p:txBody>
-      </p:sp>
-    </p:spTree>
-    <p:extLst>
-      <p:ext uri="{BB962C8B-B14F-4D97-AF65-F5344CB8AC3E}">
-        <p14:creationId xmlns:p14="http://schemas.microsoft.com/office/powerpoint/2010/main" val="1198903873"/>
-      </p:ext>
-    </p:extLst>
-  </p:cSld>
-  <p:clrMapOvr>
-    <a:masterClrMapping/>
-  </p:clrMapOvr>
-  <mc:AlternateContent xmlns:mc="http://schemas.openxmlformats.org/markup-compatibility/2006" xmlns:p14="http://schemas.microsoft.com/office/powerpoint/2010/main">
-    <mc:Choice Requires="p14">
-      <p:transition spd="slow" p14:dur="2000" advClick="0" advTm="5000"/>
-    </mc:Choice>
-    <mc:Fallback xmlns="">
-      <p:transition spd="slow" advClick="0" advTm="5000"/>
-    </mc:Fallback>
-  </mc:AlternateContent>
-</p:sld>
-</file>
-
-<file path=ppt/slides/slide30.xml><?xml version="1.0" encoding="utf-8"?>
+<file path=ppt/slides/slide28.xml><?xml version="1.0" encoding="utf-8"?>
 <p:sld xmlns:a="http://schemas.openxmlformats.org/drawingml/2006/main" xmlns:r="http://schemas.openxmlformats.org/officeDocument/2006/relationships" xmlns:p="http://schemas.openxmlformats.org/presentationml/2006/main">
   <p:cSld>
     <p:spTree>
@@ -16288,7 +15124,7 @@
             <a:fld id="{2BF067CD-8E6B-4360-9AA8-C5DF2A48A6D1}" type="slidenum">
               <a:rPr lang="en-US" noProof="0" smtClean="0"/>
               <a:pPr/>
-              <a:t>30</a:t>
+              <a:t>28</a:t>
             </a:fld>
             <a:endParaRPr lang="en-US" noProof="0" dirty="0"/>
           </a:p>
@@ -17155,7 +15991,7 @@
 </p:sld>
 </file>
 
-<file path=ppt/slides/slide31.xml><?xml version="1.0" encoding="utf-8"?>
+<file path=ppt/slides/slide29.xml><?xml version="1.0" encoding="utf-8"?>
 <p:sld xmlns:a="http://schemas.openxmlformats.org/drawingml/2006/main" xmlns:r="http://schemas.openxmlformats.org/officeDocument/2006/relationships" xmlns:p="http://schemas.openxmlformats.org/presentationml/2006/main">
   <p:cSld>
     <p:spTree>
@@ -17284,7 +16120,166 @@
 </p:sld>
 </file>
 
-<file path=ppt/slides/slide32.xml><?xml version="1.0" encoding="utf-8"?>
+<file path=ppt/slides/slide3.xml><?xml version="1.0" encoding="utf-8"?>
+<p:sld xmlns:a="http://schemas.openxmlformats.org/drawingml/2006/main" xmlns:r="http://schemas.openxmlformats.org/officeDocument/2006/relationships" xmlns:p="http://schemas.openxmlformats.org/presentationml/2006/main">
+  <p:cSld>
+    <p:spTree>
+      <p:nvGrpSpPr>
+        <p:cNvPr id="1" name=""/>
+        <p:cNvGrpSpPr/>
+        <p:nvPr/>
+      </p:nvGrpSpPr>
+      <p:grpSpPr>
+        <a:xfrm>
+          <a:off x="0" y="0"/>
+          <a:ext cx="0" cy="0"/>
+          <a:chOff x="0" y="0"/>
+          <a:chExt cx="0" cy="0"/>
+        </a:xfrm>
+      </p:grpSpPr>
+      <p:pic>
+        <p:nvPicPr>
+          <p:cNvPr id="6" name="Picture 4" descr="Ð ÐµÐ·ÑÐ»ÑÐ°Ñ Ñ Ð¸Ð·Ð¾Ð±ÑÐ°Ð¶ÐµÐ½Ð¸Ðµ Ð·Ð° sql server express png">
+            <a:extLst>
+              <a:ext uri="{FF2B5EF4-FFF2-40B4-BE49-F238E27FC236}">
+                <a16:creationId xmlns:a16="http://schemas.microsoft.com/office/drawing/2014/main" id="{ABA81264-79EA-4C61-B859-F609E78C6876}"/>
+              </a:ext>
+            </a:extLst>
+          </p:cNvPr>
+          <p:cNvPicPr>
+            <a:picLocks noChangeAspect="1" noChangeArrowheads="1"/>
+          </p:cNvPicPr>
+          <p:nvPr/>
+        </p:nvPicPr>
+        <p:blipFill>
+          <a:blip r:embed="rId2" cstate="print">
+            <a:extLst>
+              <a:ext uri="{28A0092B-C50C-407E-A947-70E740481C1C}">
+                <a14:useLocalDpi xmlns:a14="http://schemas.microsoft.com/office/drawing/2010/main" val="0"/>
+              </a:ext>
+            </a:extLst>
+          </a:blip>
+          <a:srcRect/>
+          <a:stretch>
+            <a:fillRect/>
+          </a:stretch>
+        </p:blipFill>
+        <p:spPr bwMode="auto">
+          <a:xfrm>
+            <a:off x="4675658" y="1384495"/>
+            <a:ext cx="2840683" cy="2305483"/>
+          </a:xfrm>
+          <a:prstGeom prst="rect">
+            <a:avLst/>
+          </a:prstGeom>
+          <a:noFill/>
+          <a:extLst>
+            <a:ext uri="{909E8E84-426E-40DD-AFC4-6F175D3DCCD1}">
+              <a14:hiddenFill xmlns:a14="http://schemas.microsoft.com/office/drawing/2010/main">
+                <a:solidFill>
+                  <a:srgbClr val="FFFFFF"/>
+                </a:solidFill>
+              </a14:hiddenFill>
+            </a:ext>
+          </a:extLst>
+        </p:spPr>
+      </p:pic>
+      <p:sp>
+        <p:nvSpPr>
+          <p:cNvPr id="5" name="Подзаглавие 4">
+            <a:extLst>
+              <a:ext uri="{FF2B5EF4-FFF2-40B4-BE49-F238E27FC236}">
+                <a16:creationId xmlns:a16="http://schemas.microsoft.com/office/drawing/2014/main" id="{8AE6A1FD-951B-BB4F-EC39-C1D0F100F2CE}"/>
+              </a:ext>
+            </a:extLst>
+          </p:cNvPr>
+          <p:cNvSpPr>
+            <a:spLocks noGrp="1"/>
+          </p:cNvSpPr>
+          <p:nvPr>
+            <p:ph type="subTitle" sz="quarter" idx="11"/>
+          </p:nvPr>
+        </p:nvSpPr>
+        <p:spPr/>
+        <p:txBody>
+          <a:bodyPr/>
+          <a:lstStyle/>
+          <a:p>
+            <a:r>
+              <a:rPr lang="bg-BG" dirty="0"/>
+              <a:t>Същност и архитектура</a:t>
+            </a:r>
+          </a:p>
+        </p:txBody>
+      </p:sp>
+      <p:sp>
+        <p:nvSpPr>
+          <p:cNvPr id="8" name="Заглавие 7">
+            <a:extLst>
+              <a:ext uri="{FF2B5EF4-FFF2-40B4-BE49-F238E27FC236}">
+                <a16:creationId xmlns:a16="http://schemas.microsoft.com/office/drawing/2014/main" id="{28CC101B-D563-EFCE-ADE9-2241D6CCD10D}"/>
+              </a:ext>
+            </a:extLst>
+          </p:cNvPr>
+          <p:cNvSpPr>
+            <a:spLocks noGrp="1"/>
+          </p:cNvSpPr>
+          <p:nvPr>
+            <p:ph type="title" sz="quarter" idx="10"/>
+          </p:nvPr>
+        </p:nvSpPr>
+        <p:spPr>
+          <a:xfrm>
+            <a:off x="615109" y="4730916"/>
+            <a:ext cx="10961783" cy="768084"/>
+          </a:xfrm>
+        </p:spPr>
+        <p:txBody>
+          <a:bodyPr/>
+          <a:lstStyle/>
+          <a:p>
+            <a:r>
+              <a:rPr lang="bg-BG" dirty="0"/>
+              <a:t>Запознаване с </a:t>
+            </a:r>
+            <a:r>
+              <a:rPr lang="en-US" dirty="0"/>
+              <a:t>SQL Server</a:t>
+            </a:r>
+            <a:r>
+              <a:rPr lang="bg-BG" dirty="0"/>
+              <a:t> и</a:t>
+            </a:r>
+            <a:r>
+              <a:rPr lang="en-US" dirty="0"/>
+              <a:t> LocalDB</a:t>
+            </a:r>
+            <a:endParaRPr lang="bg-BG" dirty="0"/>
+          </a:p>
+        </p:txBody>
+      </p:sp>
+    </p:spTree>
+    <p:extLst>
+      <p:ext uri="{BB962C8B-B14F-4D97-AF65-F5344CB8AC3E}">
+        <p14:creationId xmlns:p14="http://schemas.microsoft.com/office/powerpoint/2010/main" val="1198903873"/>
+      </p:ext>
+    </p:extLst>
+  </p:cSld>
+  <p:clrMapOvr>
+    <a:masterClrMapping/>
+  </p:clrMapOvr>
+  <mc:AlternateContent xmlns:mc="http://schemas.openxmlformats.org/markup-compatibility/2006" xmlns:p14="http://schemas.microsoft.com/office/powerpoint/2010/main">
+    <mc:Choice Requires="p14">
+      <p:transition spd="slow" p14:dur="2000" advClick="0" advTm="5000"/>
+    </mc:Choice>
+    <mc:Fallback xmlns="">
+      <p:transition spd="slow" advClick="0" advTm="5000"/>
+    </mc:Fallback>
+  </mc:AlternateContent>
+</p:sld>
+</file>
+
+<file path=ppt/slides/slide30.xml><?xml version="1.0" encoding="utf-8"?>
 <p:sld xmlns:a="http://schemas.openxmlformats.org/drawingml/2006/main" xmlns:r="http://schemas.openxmlformats.org/officeDocument/2006/relationships" xmlns:p="http://schemas.openxmlformats.org/presentationml/2006/main">
   <p:cSld>
     <p:spTree>
@@ -17541,7 +16536,7 @@
             <a:fld id="{2BF067CD-8E6B-4360-9AA8-C5DF2A48A6D1}" type="slidenum">
               <a:rPr lang="en-US" noProof="0" smtClean="0"/>
               <a:pPr/>
-              <a:t>32</a:t>
+              <a:t>30</a:t>
             </a:fld>
             <a:endParaRPr lang="en-US" noProof="0" dirty="0"/>
           </a:p>
@@ -17745,7 +16740,7 @@
 </p:sld>
 </file>
 
-<file path=ppt/slides/slide33.xml><?xml version="1.0" encoding="utf-8"?>
+<file path=ppt/slides/slide31.xml><?xml version="1.0" encoding="utf-8"?>
 <p:sld xmlns:a="http://schemas.openxmlformats.org/drawingml/2006/main" xmlns:r="http://schemas.openxmlformats.org/officeDocument/2006/relationships" xmlns:p="http://schemas.openxmlformats.org/presentationml/2006/main">
   <p:cSld>
     <p:spTree>
@@ -18982,7 +17977,7 @@
             <a:fld id="{2BF067CD-8E6B-4360-9AA8-C5DF2A48A6D1}" type="slidenum">
               <a:rPr lang="en-US" noProof="0" smtClean="0"/>
               <a:pPr/>
-              <a:t>33</a:t>
+              <a:t>31</a:t>
             </a:fld>
             <a:endParaRPr lang="en-US" noProof="0" dirty="0"/>
           </a:p>
@@ -19679,7 +18674,7 @@
 </p:sld>
 </file>
 
-<file path=ppt/slides/slide34.xml><?xml version="1.0" encoding="utf-8"?>
+<file path=ppt/slides/slide32.xml><?xml version="1.0" encoding="utf-8"?>
 <p:sld xmlns:a="http://schemas.openxmlformats.org/drawingml/2006/main" xmlns:r="http://schemas.openxmlformats.org/officeDocument/2006/relationships" xmlns:p="http://schemas.openxmlformats.org/presentationml/2006/main">
   <p:cSld>
     <p:spTree>
@@ -20163,7 +19158,7 @@
             <a:fld id="{2BF067CD-8E6B-4360-9AA8-C5DF2A48A6D1}" type="slidenum">
               <a:rPr lang="en-US" noProof="0" smtClean="0"/>
               <a:pPr/>
-              <a:t>34</a:t>
+              <a:t>32</a:t>
             </a:fld>
             <a:endParaRPr lang="en-US" noProof="0" dirty="0"/>
           </a:p>
@@ -20443,7 +19438,7 @@
 </p:sld>
 </file>
 
-<file path=ppt/slides/slide35.xml><?xml version="1.0" encoding="utf-8"?>
+<file path=ppt/slides/slide33.xml><?xml version="1.0" encoding="utf-8"?>
 <p:sld xmlns:a="http://schemas.openxmlformats.org/drawingml/2006/main" xmlns:r="http://schemas.openxmlformats.org/officeDocument/2006/relationships" xmlns:p="http://schemas.openxmlformats.org/presentationml/2006/main">
   <p:cSld>
     <p:spTree>
@@ -21034,7 +20029,7 @@
             <a:fld id="{2BF067CD-8E6B-4360-9AA8-C5DF2A48A6D1}" type="slidenum">
               <a:rPr lang="en-US" noProof="0" smtClean="0"/>
               <a:pPr/>
-              <a:t>35</a:t>
+              <a:t>33</a:t>
             </a:fld>
             <a:endParaRPr lang="en-US" noProof="0" dirty="0"/>
           </a:p>
@@ -21401,7 +20396,7 @@
 </p:sld>
 </file>
 
-<file path=ppt/slides/slide36.xml><?xml version="1.0" encoding="utf-8"?>
+<file path=ppt/slides/slide34.xml><?xml version="1.0" encoding="utf-8"?>
 <p:sld xmlns:a="http://schemas.openxmlformats.org/drawingml/2006/main" xmlns:r="http://schemas.openxmlformats.org/officeDocument/2006/relationships" xmlns:p="http://schemas.openxmlformats.org/presentationml/2006/main">
   <p:cSld>
     <p:spTree>
@@ -21614,7 +20609,7 @@
             <a:fld id="{2BF067CD-8E6B-4360-9AA8-C5DF2A48A6D1}" type="slidenum">
               <a:rPr lang="en-US" noProof="0" smtClean="0"/>
               <a:pPr/>
-              <a:t>36</a:t>
+              <a:t>34</a:t>
             </a:fld>
             <a:endParaRPr lang="en-US" noProof="0" dirty="0"/>
           </a:p>
@@ -21818,7 +20813,7 @@
 </p:sld>
 </file>
 
-<file path=ppt/slides/slide37.xml><?xml version="1.0" encoding="utf-8"?>
+<file path=ppt/slides/slide35.xml><?xml version="1.0" encoding="utf-8"?>
 <p:sld xmlns:a="http://schemas.openxmlformats.org/drawingml/2006/main" xmlns:r="http://schemas.openxmlformats.org/officeDocument/2006/relationships" xmlns:p="http://schemas.openxmlformats.org/presentationml/2006/main">
   <p:cSld>
     <p:spTree>
@@ -22150,7 +21145,7 @@
             <a:fld id="{2BF067CD-8E6B-4360-9AA8-C5DF2A48A6D1}" type="slidenum">
               <a:rPr lang="en-US" noProof="0" smtClean="0"/>
               <a:pPr/>
-              <a:t>37</a:t>
+              <a:t>35</a:t>
             </a:fld>
             <a:endParaRPr lang="en-US" noProof="0" dirty="0"/>
           </a:p>
@@ -22256,7 +21251,128 @@
 </p:sld>
 </file>
 
-<file path=ppt/slides/slide38.xml><?xml version="1.0" encoding="utf-8"?>
+<file path=ppt/slides/slide36.xml><?xml version="1.0" encoding="utf-8"?>
+<p:sld xmlns:a="http://schemas.openxmlformats.org/drawingml/2006/main" xmlns:r="http://schemas.openxmlformats.org/officeDocument/2006/relationships" xmlns:p="http://schemas.openxmlformats.org/presentationml/2006/main">
+  <p:cSld>
+    <p:spTree>
+      <p:nvGrpSpPr>
+        <p:cNvPr id="1" name=""/>
+        <p:cNvGrpSpPr/>
+        <p:nvPr/>
+      </p:nvGrpSpPr>
+      <p:grpSpPr>
+        <a:xfrm>
+          <a:off x="0" y="0"/>
+          <a:ext cx="0" cy="0"/>
+          <a:chOff x="0" y="0"/>
+          <a:chExt cx="0" cy="0"/>
+        </a:xfrm>
+      </p:grpSpPr>
+      <p:pic>
+        <p:nvPicPr>
+          <p:cNvPr id="1026" name="Picture 2" descr="Connect, connect to database, data plugin, database connection, database  plugin, plugin icon - Download on Iconfinder"/>
+          <p:cNvPicPr>
+            <a:picLocks noChangeAspect="1" noChangeArrowheads="1"/>
+          </p:cNvPicPr>
+          <p:nvPr/>
+        </p:nvPicPr>
+        <p:blipFill>
+          <a:blip r:embed="rId2" cstate="print">
+            <a:duotone>
+              <a:prstClr val="black"/>
+              <a:schemeClr val="bg2">
+                <a:tint val="45000"/>
+                <a:satMod val="400000"/>
+              </a:schemeClr>
+            </a:duotone>
+            <a:extLst>
+              <a:ext uri="{BEBA8EAE-BF5A-486C-A8C5-ECC9F3942E4B}">
+                <a14:imgProps xmlns:a14="http://schemas.microsoft.com/office/drawing/2010/main">
+                  <a14:imgLayer r:embed="rId3">
+                    <a14:imgEffect>
+                      <a14:brightnessContrast bright="100000"/>
+                    </a14:imgEffect>
+                  </a14:imgLayer>
+                </a14:imgProps>
+              </a:ext>
+            </a:extLst>
+          </a:blip>
+          <a:srcRect/>
+          <a:stretch>
+            <a:fillRect/>
+          </a:stretch>
+        </p:blipFill>
+        <p:spPr bwMode="auto">
+          <a:xfrm>
+            <a:off x="5061000" y="1494000"/>
+            <a:ext cx="2266800" cy="2266801"/>
+          </a:xfrm>
+          <a:prstGeom prst="rect">
+            <a:avLst/>
+          </a:prstGeom>
+          <a:noFill/>
+        </p:spPr>
+      </p:pic>
+      <p:sp>
+        <p:nvSpPr>
+          <p:cNvPr id="4" name="Заглавие 3">
+            <a:extLst>
+              <a:ext uri="{FF2B5EF4-FFF2-40B4-BE49-F238E27FC236}">
+                <a16:creationId xmlns:a16="http://schemas.microsoft.com/office/drawing/2014/main" id="{FD052661-2CA9-EC6A-3130-1D23E7EB7138}"/>
+              </a:ext>
+            </a:extLst>
+          </p:cNvPr>
+          <p:cNvSpPr>
+            <a:spLocks noGrp="1"/>
+          </p:cNvSpPr>
+          <p:nvPr>
+            <p:ph type="title" sz="quarter" idx="10"/>
+          </p:nvPr>
+        </p:nvSpPr>
+        <p:spPr>
+          <a:xfrm>
+            <a:off x="615109" y="4704824"/>
+            <a:ext cx="10961783" cy="2153175"/>
+          </a:xfrm>
+        </p:spPr>
+        <p:txBody>
+          <a:bodyPr/>
+          <a:lstStyle/>
+          <a:p>
+            <a:r>
+              <a:rPr lang="bg-BG" dirty="0"/>
+              <a:t>Импортиране на база данни в </a:t>
+            </a:r>
+            <a:r>
+              <a:rPr lang="en-US" dirty="0"/>
+              <a:t>SSMS</a:t>
+            </a:r>
+            <a:endParaRPr lang="bg-BG" dirty="0"/>
+          </a:p>
+        </p:txBody>
+      </p:sp>
+    </p:spTree>
+    <p:extLst>
+      <p:ext uri="{BB962C8B-B14F-4D97-AF65-F5344CB8AC3E}">
+        <p14:creationId xmlns:p14="http://schemas.microsoft.com/office/powerpoint/2010/main" val="3375183721"/>
+      </p:ext>
+    </p:extLst>
+  </p:cSld>
+  <p:clrMapOvr>
+    <a:masterClrMapping/>
+  </p:clrMapOvr>
+  <mc:AlternateContent xmlns:mc="http://schemas.openxmlformats.org/markup-compatibility/2006" xmlns:p14="http://schemas.microsoft.com/office/powerpoint/2010/main">
+    <mc:Choice Requires="p14">
+      <p:transition spd="slow" p14:dur="2000" advClick="0" advTm="5000"/>
+    </mc:Choice>
+    <mc:Fallback xmlns="">
+      <p:transition spd="slow" advClick="0" advTm="5000"/>
+    </mc:Fallback>
+  </mc:AlternateContent>
+</p:sld>
+</file>
+
+<file path=ppt/slides/slide37.xml><?xml version="1.0" encoding="utf-8"?>
 <p:sld xmlns:a="http://schemas.openxmlformats.org/drawingml/2006/main" xmlns:r="http://schemas.openxmlformats.org/officeDocument/2006/relationships" xmlns:p="http://schemas.openxmlformats.org/presentationml/2006/main">
   <p:cSld>
     <p:spTree>
@@ -22275,13 +21391,7 @@
       </p:grpSpPr>
       <p:sp>
         <p:nvSpPr>
-          <p:cNvPr id="14" name="Text Placeholder 4">
-            <a:extLst>
-              <a:ext uri="{FF2B5EF4-FFF2-40B4-BE49-F238E27FC236}">
-                <a16:creationId xmlns:a16="http://schemas.microsoft.com/office/drawing/2014/main" id="{0E49D336-45B6-44D3-97C4-E28F8DEA2022}"/>
-              </a:ext>
-            </a:extLst>
-          </p:cNvPr>
+          <p:cNvPr id="3" name="Text Placeholder 2"/>
           <p:cNvSpPr>
             <a:spLocks noGrp="1"/>
           </p:cNvSpPr>
@@ -22291,85 +21401,106 @@
         </p:nvSpPr>
         <p:spPr>
           <a:xfrm>
-            <a:off x="869725" y="1656226"/>
-            <a:ext cx="7581212" cy="4772369"/>
+            <a:off x="190402" y="1196125"/>
+            <a:ext cx="11818096" cy="5561125"/>
           </a:xfrm>
         </p:spPr>
         <p:txBody>
           <a:bodyPr/>
-          <a:lstStyle>
-            <a:lvl1pPr marL="514350" indent="-514350">
-              <a:buFont typeface="Wingdings" panose="05000000000000000000" pitchFamily="2" charset="2"/>
-              <a:buChar char="§"/>
-              <a:defRPr>
-                <a:solidFill>
-                  <a:schemeClr val="bg2"/>
-                </a:solidFill>
-              </a:defRPr>
-            </a:lvl1pPr>
-            <a:lvl2pPr marL="1123935" indent="-514350">
-              <a:buFont typeface="Wingdings" panose="05000000000000000000" pitchFamily="2" charset="2"/>
-              <a:buChar char="§"/>
-              <a:defRPr>
-                <a:solidFill>
-                  <a:schemeClr val="tx1"/>
-                </a:solidFill>
-              </a:defRPr>
-            </a:lvl2pPr>
-            <a:lvl3pPr marL="1733520" indent="-514350">
-              <a:buFont typeface="Wingdings" panose="05000000000000000000" pitchFamily="2" charset="2"/>
-              <a:buChar char="§"/>
-              <a:defRPr>
-                <a:solidFill>
-                  <a:schemeClr val="tx1"/>
-                </a:solidFill>
-              </a:defRPr>
-            </a:lvl3pPr>
-            <a:lvl4pPr marL="2343105" indent="-514350">
-              <a:buFont typeface="Wingdings" panose="05000000000000000000" pitchFamily="2" charset="2"/>
-              <a:buChar char="§"/>
-              <a:defRPr>
-                <a:solidFill>
-                  <a:schemeClr val="tx1"/>
-                </a:solidFill>
-              </a:defRPr>
-            </a:lvl4pPr>
-            <a:lvl5pPr marL="2952689" indent="-514350">
-              <a:buFont typeface="Wingdings" panose="05000000000000000000" pitchFamily="2" charset="2"/>
-              <a:buChar char="§"/>
-              <a:defRPr>
-                <a:solidFill>
-                  <a:schemeClr val="tx1"/>
-                </a:solidFill>
-              </a:defRPr>
-            </a:lvl5pPr>
-          </a:lstStyle>
-          <a:p>
-            <a:pPr lvl="0"/>
+          <a:lstStyle/>
+          <a:p>
+            <a:r>
+              <a:rPr lang="bg-BG" dirty="0"/>
+              <a:t>В </a:t>
+            </a:r>
+            <a:r>
+              <a:rPr lang="en-US" b="1" dirty="0"/>
+              <a:t>SSMS</a:t>
+            </a:r>
             <a:r>
               <a:rPr lang="en-US" dirty="0"/>
-              <a:t>…</a:t>
-            </a:r>
-          </a:p>
-          <a:p>
-            <a:pPr lvl="0"/>
-            <a:r>
-              <a:rPr lang="en-GB" dirty="0"/>
-              <a:t>…</a:t>
-            </a:r>
-            <a:endParaRPr lang="en-US" dirty="0"/>
-          </a:p>
-          <a:p>
-            <a:pPr lvl="0"/>
-            <a:r>
-              <a:rPr lang="en-GB" dirty="0"/>
-              <a:t>…</a:t>
-            </a:r>
-            <a:endParaRPr lang="en-US" dirty="0"/>
-          </a:p>
-          <a:p>
-            <a:pPr lvl="0"/>
-            <a:endParaRPr lang="en-US" dirty="0"/>
+              <a:t> </a:t>
+            </a:r>
+            <a:r>
+              <a:rPr lang="bg-BG" dirty="0"/>
+              <a:t>имаме опцията да </a:t>
+            </a:r>
+            <a:r>
+              <a:rPr lang="bg-BG" b="1" dirty="0">
+                <a:solidFill>
+                  <a:schemeClr val="bg1"/>
+                </a:solidFill>
+              </a:rPr>
+              <a:t>импортираме готов скрипт </a:t>
+            </a:r>
+            <a:r>
+              <a:rPr lang="bg-BG" dirty="0"/>
+              <a:t>за база данни</a:t>
+            </a:r>
+            <a:r>
+              <a:rPr lang="en-US" dirty="0"/>
+              <a:t>:</a:t>
+            </a:r>
+          </a:p>
+          <a:p>
+            <a:pPr marL="957262" lvl="1" indent="-514350">
+              <a:buFont typeface="+mj-lt"/>
+              <a:buAutoNum type="arabicPeriod"/>
+            </a:pPr>
+            <a:r>
+              <a:rPr lang="en-US" dirty="0"/>
+              <a:t>͏</a:t>
+            </a:r>
+            <a:r>
+              <a:rPr lang="bg-BG" b="1" dirty="0"/>
+              <a:t>Копираме скрипта</a:t>
+            </a:r>
+            <a:r>
+              <a:rPr lang="bg-BG" dirty="0"/>
+              <a:t>, който искаме да изпълним, от предоставения файл</a:t>
+            </a:r>
+          </a:p>
+          <a:p>
+            <a:pPr marL="957262" lvl="1" indent="-514350">
+              <a:buFont typeface="+mj-lt"/>
+              <a:buAutoNum type="arabicPeriod"/>
+            </a:pPr>
+            <a:r>
+              <a:rPr lang="bg-BG" dirty="0"/>
+              <a:t>В </a:t>
+            </a:r>
+            <a:r>
+              <a:rPr lang="en-US" dirty="0"/>
+              <a:t>SSMS </a:t>
+            </a:r>
+            <a:r>
+              <a:rPr lang="bg-BG" dirty="0"/>
+              <a:t>кликаме с </a:t>
+            </a:r>
+            <a:r>
+              <a:rPr lang="bg-BG" b="1" dirty="0"/>
+              <a:t>десен бутон</a:t>
+            </a:r>
+            <a:r>
+              <a:rPr lang="bg-BG" dirty="0"/>
+              <a:t> върху инстанцията на сървъра и избираме </a:t>
+            </a:r>
+            <a:r>
+              <a:rPr lang="en-US" dirty="0"/>
+              <a:t>[</a:t>
+            </a:r>
+            <a:r>
+              <a:rPr lang="en-US" b="1" dirty="0">
+                <a:solidFill>
+                  <a:schemeClr val="bg1"/>
+                </a:solidFill>
+              </a:rPr>
+              <a:t>New query</a:t>
+            </a:r>
+            <a:r>
+              <a:rPr lang="en-US" dirty="0"/>
+              <a:t>]</a:t>
+            </a:r>
           </a:p>
         </p:txBody>
       </p:sp>
@@ -22385,809 +21516,31 @@
         </p:nvSpPr>
         <p:spPr/>
         <p:txBody>
-          <a:bodyPr>
-            <a:normAutofit/>
-          </a:bodyPr>
+          <a:bodyPr/>
           <a:lstStyle/>
           <a:p>
             <a:r>
               <a:rPr lang="bg-BG" dirty="0"/>
-              <a:t>Обобщение</a:t>
+              <a:t>Импортване на </a:t>
+            </a:r>
+            <a:r>
+              <a:rPr lang="en-US" dirty="0"/>
+              <a:t>SQL </a:t>
+            </a:r>
+            <a:r>
+              <a:rPr lang="bg-BG" dirty="0"/>
+              <a:t>скрипт (1)</a:t>
             </a:r>
             <a:endParaRPr lang="en-US" dirty="0"/>
-          </a:p>
-        </p:txBody>
-      </p:sp>
-      <p:grpSp>
-        <p:nvGrpSpPr>
-          <p:cNvPr id="9" name="Group 8">
-            <a:extLst>
-              <a:ext uri="{FF2B5EF4-FFF2-40B4-BE49-F238E27FC236}">
-                <a16:creationId xmlns:a16="http://schemas.microsoft.com/office/drawing/2014/main" id="{EBAFE522-EB7D-4931-A015-9A7E8A98517D}"/>
-              </a:ext>
-            </a:extLst>
-          </p:cNvPr>
-          <p:cNvGrpSpPr/>
-          <p:nvPr/>
-        </p:nvGrpSpPr>
-        <p:grpSpPr>
-          <a:xfrm>
-            <a:off x="191942" y="1419750"/>
-            <a:ext cx="9302704" cy="5300339"/>
-            <a:chOff x="472011" y="1508786"/>
-            <a:chExt cx="3799787" cy="4865561"/>
-          </a:xfrm>
-        </p:grpSpPr>
-        <p:sp>
-          <p:nvSpPr>
-            <p:cNvPr id="10" name="Rounded Rectangle 10">
-              <a:extLst>
-                <a:ext uri="{FF2B5EF4-FFF2-40B4-BE49-F238E27FC236}">
-                  <a16:creationId xmlns:a16="http://schemas.microsoft.com/office/drawing/2014/main" id="{18F78F23-3D09-4B63-8DF9-D49CFBB145EE}"/>
-                </a:ext>
-              </a:extLst>
-            </p:cNvPr>
-            <p:cNvSpPr/>
-            <p:nvPr/>
-          </p:nvSpPr>
-          <p:spPr>
-            <a:xfrm>
-              <a:off x="472011" y="1508786"/>
-              <a:ext cx="3799787" cy="4865561"/>
-            </a:xfrm>
-            <a:prstGeom prst="roundRect">
-              <a:avLst>
-                <a:gd name="adj" fmla="val 3968"/>
-              </a:avLst>
-            </a:prstGeom>
-            <a:solidFill>
-              <a:schemeClr val="tx2"/>
-            </a:solidFill>
-            <a:ln>
-              <a:noFill/>
-            </a:ln>
-          </p:spPr>
-          <p:style>
-            <a:lnRef idx="2">
-              <a:schemeClr val="accent1">
-                <a:shade val="50000"/>
-              </a:schemeClr>
-            </a:lnRef>
-            <a:fillRef idx="1">
-              <a:schemeClr val="accent1"/>
-            </a:fillRef>
-            <a:effectRef idx="0">
-              <a:schemeClr val="accent1"/>
-            </a:effectRef>
-            <a:fontRef idx="minor">
-              <a:schemeClr val="lt1"/>
-            </a:fontRef>
-          </p:style>
-          <p:txBody>
-            <a:bodyPr rtlCol="0" anchor="ctr"/>
-            <a:lstStyle/>
-            <a:p>
-              <a:pPr marL="0" marR="0" lvl="0" indent="0" algn="ctr" defTabSz="914400" rtl="0" eaLnBrk="1" fontAlgn="auto" latinLnBrk="0" hangingPunct="1">
-                <a:lnSpc>
-                  <a:spcPct val="100000"/>
-                </a:lnSpc>
-                <a:spcBef>
-                  <a:spcPts val="0"/>
-                </a:spcBef>
-                <a:spcAft>
-                  <a:spcPts val="0"/>
-                </a:spcAft>
-                <a:buClrTx/>
-                <a:buSzTx/>
-                <a:buFontTx/>
-                <a:buNone/>
-                <a:tabLst/>
-                <a:defRPr/>
-              </a:pPr>
-              <a:endParaRPr kumimoji="0" lang="ko-KR" altLang="en-US" sz="2399" b="0" i="0" u="none" strike="noStrike" kern="1200" cap="none" spc="0" normalizeH="0" baseline="0" noProof="0" dirty="0">
-                <a:ln>
-                  <a:noFill/>
-                </a:ln>
-                <a:solidFill>
-                  <a:srgbClr val="FFA000"/>
-                </a:solidFill>
-                <a:effectLst/>
-                <a:uLnTx/>
-                <a:uFillTx/>
-                <a:latin typeface="Calibri" panose="020F0502020204030204"/>
-                <a:ea typeface="맑은 고딕" panose="020B0503020000020004" pitchFamily="34" charset="-127"/>
-                <a:cs typeface="+mn-cs"/>
-              </a:endParaRPr>
-            </a:p>
-          </p:txBody>
-        </p:sp>
-        <p:sp>
-          <p:nvSpPr>
-            <p:cNvPr id="11" name="Rounded Rectangle 16">
-              <a:extLst>
-                <a:ext uri="{FF2B5EF4-FFF2-40B4-BE49-F238E27FC236}">
-                  <a16:creationId xmlns:a16="http://schemas.microsoft.com/office/drawing/2014/main" id="{F12C06CE-2BBE-46C2-B718-813794C58DF9}"/>
-                </a:ext>
-              </a:extLst>
-            </p:cNvPr>
-            <p:cNvSpPr/>
-            <p:nvPr/>
-          </p:nvSpPr>
-          <p:spPr>
-            <a:xfrm>
-              <a:off x="540767" y="1781251"/>
-              <a:ext cx="85794" cy="4320631"/>
-            </a:xfrm>
-            <a:prstGeom prst="roundRect">
-              <a:avLst>
-                <a:gd name="adj" fmla="val 50000"/>
-              </a:avLst>
-            </a:prstGeom>
-            <a:solidFill>
-              <a:schemeClr val="bg2">
-                <a:alpha val="41000"/>
-              </a:schemeClr>
-            </a:solidFill>
-            <a:ln>
-              <a:noFill/>
-            </a:ln>
-          </p:spPr>
-          <p:style>
-            <a:lnRef idx="2">
-              <a:schemeClr val="accent1">
-                <a:shade val="50000"/>
-              </a:schemeClr>
-            </a:lnRef>
-            <a:fillRef idx="1">
-              <a:schemeClr val="accent1"/>
-            </a:fillRef>
-            <a:effectRef idx="0">
-              <a:schemeClr val="accent1"/>
-            </a:effectRef>
-            <a:fontRef idx="minor">
-              <a:schemeClr val="lt1"/>
-            </a:fontRef>
-          </p:style>
-          <p:txBody>
-            <a:bodyPr rtlCol="0" anchor="ctr"/>
-            <a:lstStyle/>
-            <a:p>
-              <a:pPr marL="0" marR="0" lvl="0" indent="0" algn="ctr" defTabSz="914400" rtl="0" eaLnBrk="1" fontAlgn="auto" latinLnBrk="0" hangingPunct="1">
-                <a:lnSpc>
-                  <a:spcPct val="100000"/>
-                </a:lnSpc>
-                <a:spcBef>
-                  <a:spcPts val="0"/>
-                </a:spcBef>
-                <a:spcAft>
-                  <a:spcPts val="0"/>
-                </a:spcAft>
-                <a:buClrTx/>
-                <a:buSzTx/>
-                <a:buFontTx/>
-                <a:buNone/>
-                <a:tabLst/>
-                <a:defRPr/>
-              </a:pPr>
-              <a:endParaRPr kumimoji="0" lang="ko-KR" altLang="en-US" sz="2399" b="0" i="0" u="none" strike="noStrike" kern="1200" cap="none" spc="0" normalizeH="0" baseline="0" noProof="0">
-                <a:ln>
-                  <a:noFill/>
-                </a:ln>
-                <a:solidFill>
-                  <a:srgbClr val="FFA000"/>
-                </a:solidFill>
-                <a:effectLst/>
-                <a:uLnTx/>
-                <a:uFillTx/>
-                <a:latin typeface="Calibri" panose="020F0502020204030204"/>
-                <a:ea typeface="맑은 고딕" panose="020B0503020000020004" pitchFamily="34" charset="-127"/>
-                <a:cs typeface="+mn-cs"/>
-              </a:endParaRPr>
-            </a:p>
-          </p:txBody>
-        </p:sp>
-        <p:sp>
-          <p:nvSpPr>
-            <p:cNvPr id="12" name="Half Frame 11">
-              <a:extLst>
-                <a:ext uri="{FF2B5EF4-FFF2-40B4-BE49-F238E27FC236}">
-                  <a16:creationId xmlns:a16="http://schemas.microsoft.com/office/drawing/2014/main" id="{66CDBB1E-AF3C-43FC-9F34-2DD691F81726}"/>
-                </a:ext>
-              </a:extLst>
-            </p:cNvPr>
-            <p:cNvSpPr/>
-            <p:nvPr/>
-          </p:nvSpPr>
-          <p:spPr>
-            <a:xfrm rot="5400000">
-              <a:off x="3762569" y="1912372"/>
-              <a:ext cx="669775" cy="238503"/>
-            </a:xfrm>
-            <a:prstGeom prst="halfFrame">
-              <a:avLst>
-                <a:gd name="adj1" fmla="val 23728"/>
-                <a:gd name="adj2" fmla="val 24642"/>
-              </a:avLst>
-            </a:prstGeom>
-            <a:solidFill>
-              <a:schemeClr val="bg2">
-                <a:alpha val="23000"/>
-              </a:schemeClr>
-            </a:solidFill>
-            <a:ln>
-              <a:noFill/>
-            </a:ln>
-          </p:spPr>
-          <p:style>
-            <a:lnRef idx="2">
-              <a:schemeClr val="accent1">
-                <a:shade val="50000"/>
-              </a:schemeClr>
-            </a:lnRef>
-            <a:fillRef idx="1">
-              <a:schemeClr val="accent1"/>
-            </a:fillRef>
-            <a:effectRef idx="0">
-              <a:schemeClr val="accent1"/>
-            </a:effectRef>
-            <a:fontRef idx="minor">
-              <a:schemeClr val="lt1"/>
-            </a:fontRef>
-          </p:style>
-          <p:txBody>
-            <a:bodyPr rtlCol="0" anchor="ctr"/>
-            <a:lstStyle/>
-            <a:p>
-              <a:pPr marL="0" marR="0" lvl="0" indent="0" algn="ctr" defTabSz="914400" rtl="0" eaLnBrk="1" fontAlgn="auto" latinLnBrk="0" hangingPunct="1">
-                <a:lnSpc>
-                  <a:spcPct val="100000"/>
-                </a:lnSpc>
-                <a:spcBef>
-                  <a:spcPts val="0"/>
-                </a:spcBef>
-                <a:spcAft>
-                  <a:spcPts val="0"/>
-                </a:spcAft>
-                <a:buClrTx/>
-                <a:buSzTx/>
-                <a:buFontTx/>
-                <a:buNone/>
-                <a:tabLst/>
-                <a:defRPr/>
-              </a:pPr>
-              <a:endParaRPr kumimoji="0" lang="ko-KR" altLang="en-US" sz="2399" b="0" i="0" u="none" strike="noStrike" kern="1200" cap="none" spc="0" normalizeH="0" baseline="0" noProof="0">
-                <a:ln>
-                  <a:noFill/>
-                </a:ln>
-                <a:solidFill>
-                  <a:srgbClr val="234465"/>
-                </a:solidFill>
-                <a:effectLst/>
-                <a:uLnTx/>
-                <a:uFillTx/>
-                <a:latin typeface="Calibri" panose="020F0502020204030204"/>
-                <a:ea typeface="맑은 고딕" panose="020B0503020000020004" pitchFamily="34" charset="-127"/>
-                <a:cs typeface="+mn-cs"/>
-              </a:endParaRPr>
-            </a:p>
-          </p:txBody>
-        </p:sp>
-      </p:grpSp>
-      <p:pic>
-        <p:nvPicPr>
-          <p:cNvPr id="13" name="Picture 12">
-            <a:extLst>
-              <a:ext uri="{FF2B5EF4-FFF2-40B4-BE49-F238E27FC236}">
-                <a16:creationId xmlns:a16="http://schemas.microsoft.com/office/drawing/2014/main" id="{CCC3A316-993C-4741-8826-E104F27650A3}"/>
-              </a:ext>
-            </a:extLst>
-          </p:cNvPr>
-          <p:cNvPicPr>
-            <a:picLocks noChangeAspect="1"/>
-          </p:cNvPicPr>
-          <p:nvPr/>
-        </p:nvPicPr>
-        <p:blipFill rotWithShape="1">
-          <a:blip r:embed="rId3" cstate="print">
-            <a:extLst>
-              <a:ext uri="{28A0092B-C50C-407E-A947-70E740481C1C}">
-                <a14:useLocalDpi xmlns:a14="http://schemas.microsoft.com/office/drawing/2010/main" val="0"/>
-              </a:ext>
-            </a:extLst>
-          </a:blip>
-          <a:srcRect/>
-          <a:stretch/>
-        </p:blipFill>
-        <p:spPr>
-          <a:xfrm flipH="1">
-            <a:off x="9634833" y="4105075"/>
-            <a:ext cx="2118197" cy="2292422"/>
-          </a:xfrm>
-          <a:prstGeom prst="rect">
-            <a:avLst/>
-          </a:prstGeom>
-        </p:spPr>
-      </p:pic>
-      <p:sp>
-        <p:nvSpPr>
-          <p:cNvPr id="15" name="Content Placeholder 4">
-            <a:extLst>
-              <a:ext uri="{FF2B5EF4-FFF2-40B4-BE49-F238E27FC236}">
-                <a16:creationId xmlns:a16="http://schemas.microsoft.com/office/drawing/2014/main" id="{B96A0DF8-27E7-4DC8-BBE3-7238AAAEB845}"/>
-              </a:ext>
-            </a:extLst>
-          </p:cNvPr>
-          <p:cNvSpPr txBox="1">
-            <a:spLocks/>
-          </p:cNvSpPr>
-          <p:nvPr/>
-        </p:nvSpPr>
-        <p:spPr>
-          <a:xfrm>
-            <a:off x="445613" y="1606714"/>
-            <a:ext cx="11815018" cy="5201066"/>
-          </a:xfrm>
-          <a:prstGeom prst="rect">
-            <a:avLst/>
-          </a:prstGeom>
-        </p:spPr>
-        <p:txBody>
-          <a:bodyPr vert="horz" lIns="108000" tIns="36000" rIns="108000" bIns="36000" rtlCol="0">
-            <a:normAutofit/>
-          </a:bodyPr>
-          <a:lstStyle>
-            <a:lvl1pPr marL="456915" indent="-456915" algn="l" defTabSz="1218438" rtl="0" eaLnBrk="1" latinLnBrk="1" hangingPunct="1">
-              <a:lnSpc>
-                <a:spcPct val="105000"/>
-              </a:lnSpc>
-              <a:spcBef>
-                <a:spcPts val="600"/>
-              </a:spcBef>
-              <a:spcAft>
-                <a:spcPts val="600"/>
-              </a:spcAft>
-              <a:buFont typeface="Wingdings" panose="05000000000000000000" pitchFamily="2" charset="2"/>
-              <a:buChar char="§"/>
-              <a:defRPr sz="3398" kern="1200">
-                <a:solidFill>
-                  <a:schemeClr val="tx1"/>
-                </a:solidFill>
-                <a:latin typeface="+mn-lt"/>
-                <a:ea typeface="+mn-ea"/>
-                <a:cs typeface="+mn-cs"/>
-              </a:defRPr>
-            </a:lvl1pPr>
-            <a:lvl2pPr marL="989981" indent="-380762" algn="l" defTabSz="1218438" rtl="0" eaLnBrk="1" latinLnBrk="1" hangingPunct="1">
-              <a:lnSpc>
-                <a:spcPct val="105000"/>
-              </a:lnSpc>
-              <a:spcBef>
-                <a:spcPts val="600"/>
-              </a:spcBef>
-              <a:spcAft>
-                <a:spcPts val="600"/>
-              </a:spcAft>
-              <a:buFont typeface="Wingdings" panose="05000000000000000000" pitchFamily="2" charset="2"/>
-              <a:buChar char="§"/>
-              <a:defRPr sz="3198" kern="1200">
-                <a:solidFill>
-                  <a:schemeClr val="tx1"/>
-                </a:solidFill>
-                <a:latin typeface="+mn-lt"/>
-                <a:ea typeface="+mn-ea"/>
-                <a:cs typeface="+mn-cs"/>
-              </a:defRPr>
-            </a:lvl2pPr>
-            <a:lvl3pPr marL="1523048" indent="-304610" algn="l" defTabSz="1218438" rtl="0" eaLnBrk="1" latinLnBrk="1" hangingPunct="1">
-              <a:lnSpc>
-                <a:spcPct val="105000"/>
-              </a:lnSpc>
-              <a:spcBef>
-                <a:spcPts val="600"/>
-              </a:spcBef>
-              <a:spcAft>
-                <a:spcPts val="600"/>
-              </a:spcAft>
-              <a:buFont typeface="Wingdings" panose="05000000000000000000" pitchFamily="2" charset="2"/>
-              <a:buChar char="§"/>
-              <a:defRPr sz="2998" kern="1200">
-                <a:solidFill>
-                  <a:schemeClr val="tx1"/>
-                </a:solidFill>
-                <a:latin typeface="+mn-lt"/>
-                <a:ea typeface="+mn-ea"/>
-                <a:cs typeface="+mn-cs"/>
-              </a:defRPr>
-            </a:lvl3pPr>
-            <a:lvl4pPr marL="2132267" indent="-304610" algn="l" defTabSz="1218438" rtl="0" eaLnBrk="1" latinLnBrk="1" hangingPunct="1">
-              <a:lnSpc>
-                <a:spcPct val="105000"/>
-              </a:lnSpc>
-              <a:spcBef>
-                <a:spcPts val="600"/>
-              </a:spcBef>
-              <a:spcAft>
-                <a:spcPts val="600"/>
-              </a:spcAft>
-              <a:buFont typeface="Wingdings" panose="05000000000000000000" pitchFamily="2" charset="2"/>
-              <a:buChar char="§"/>
-              <a:defRPr sz="2798" kern="1200">
-                <a:solidFill>
-                  <a:schemeClr val="tx1"/>
-                </a:solidFill>
-                <a:latin typeface="+mn-lt"/>
-                <a:ea typeface="+mn-ea"/>
-                <a:cs typeface="+mn-cs"/>
-              </a:defRPr>
-            </a:lvl4pPr>
-            <a:lvl5pPr marL="2741485" indent="-304610" algn="l" defTabSz="1218438" rtl="0" eaLnBrk="1" latinLnBrk="1" hangingPunct="1">
-              <a:lnSpc>
-                <a:spcPct val="105000"/>
-              </a:lnSpc>
-              <a:spcBef>
-                <a:spcPts val="600"/>
-              </a:spcBef>
-              <a:spcAft>
-                <a:spcPts val="600"/>
-              </a:spcAft>
-              <a:buFont typeface="Wingdings" panose="05000000000000000000" pitchFamily="2" charset="2"/>
-              <a:buChar char="§"/>
-              <a:defRPr sz="2598" kern="1200">
-                <a:solidFill>
-                  <a:schemeClr val="tx1"/>
-                </a:solidFill>
-                <a:latin typeface="+mn-lt"/>
-                <a:ea typeface="+mn-ea"/>
-                <a:cs typeface="+mn-cs"/>
-              </a:defRPr>
-            </a:lvl5pPr>
-            <a:lvl6pPr marL="3350704" indent="-304610" algn="l" defTabSz="1218438" rtl="0" eaLnBrk="1" latinLnBrk="1" hangingPunct="1">
-              <a:spcBef>
-                <a:spcPct val="20000"/>
-              </a:spcBef>
-              <a:buFont typeface="Arial" pitchFamily="34" charset="0"/>
-              <a:buChar char="•"/>
-              <a:defRPr sz="2665" kern="1200">
-                <a:solidFill>
-                  <a:schemeClr val="tx1"/>
-                </a:solidFill>
-                <a:latin typeface="+mn-lt"/>
-                <a:ea typeface="+mn-ea"/>
-                <a:cs typeface="+mn-cs"/>
-              </a:defRPr>
-            </a:lvl6pPr>
-            <a:lvl7pPr marL="3959924" indent="-304610" algn="l" defTabSz="1218438" rtl="0" eaLnBrk="1" latinLnBrk="1" hangingPunct="1">
-              <a:spcBef>
-                <a:spcPct val="20000"/>
-              </a:spcBef>
-              <a:buFont typeface="Arial" pitchFamily="34" charset="0"/>
-              <a:buChar char="•"/>
-              <a:defRPr sz="2665" kern="1200">
-                <a:solidFill>
-                  <a:schemeClr val="tx1"/>
-                </a:solidFill>
-                <a:latin typeface="+mn-lt"/>
-                <a:ea typeface="+mn-ea"/>
-                <a:cs typeface="+mn-cs"/>
-              </a:defRPr>
-            </a:lvl7pPr>
-            <a:lvl8pPr marL="4569143" indent="-304610" algn="l" defTabSz="1218438" rtl="0" eaLnBrk="1" latinLnBrk="1" hangingPunct="1">
-              <a:spcBef>
-                <a:spcPct val="20000"/>
-              </a:spcBef>
-              <a:buFont typeface="Arial" pitchFamily="34" charset="0"/>
-              <a:buChar char="•"/>
-              <a:defRPr sz="2665" kern="1200">
-                <a:solidFill>
-                  <a:schemeClr val="tx1"/>
-                </a:solidFill>
-                <a:latin typeface="+mn-lt"/>
-                <a:ea typeface="+mn-ea"/>
-                <a:cs typeface="+mn-cs"/>
-              </a:defRPr>
-            </a:lvl8pPr>
-            <a:lvl9pPr marL="5178362" indent="-304610" algn="l" defTabSz="1218438" rtl="0" eaLnBrk="1" latinLnBrk="1" hangingPunct="1">
-              <a:spcBef>
-                <a:spcPct val="20000"/>
-              </a:spcBef>
-              <a:buFont typeface="Arial" pitchFamily="34" charset="0"/>
-              <a:buChar char="•"/>
-              <a:defRPr sz="2665" kern="1200">
-                <a:solidFill>
-                  <a:schemeClr val="tx1"/>
-                </a:solidFill>
-                <a:latin typeface="+mn-lt"/>
-                <a:ea typeface="+mn-ea"/>
-                <a:cs typeface="+mn-cs"/>
-              </a:defRPr>
-            </a:lvl9pPr>
-          </a:lstStyle>
-          <a:p>
-            <a:pPr marL="456915" marR="0" lvl="0" indent="-456915" algn="l" defTabSz="1218438" rtl="0" eaLnBrk="1" fontAlgn="auto" latinLnBrk="1" hangingPunct="1">
-              <a:lnSpc>
-                <a:spcPct val="100000"/>
-              </a:lnSpc>
-              <a:spcBef>
-                <a:spcPts val="600"/>
-              </a:spcBef>
-              <a:spcAft>
-                <a:spcPts val="600"/>
-              </a:spcAft>
-              <a:buClr>
-                <a:srgbClr val="FFFFFF"/>
-              </a:buClr>
-              <a:buSzTx/>
-              <a:buFont typeface="Wingdings" panose="05000000000000000000" pitchFamily="2" charset="2"/>
-              <a:buChar char="§"/>
-              <a:tabLst/>
-              <a:defRPr/>
-            </a:pPr>
-            <a:endParaRPr kumimoji="0" lang="en-US" sz="2800" b="0" i="0" u="none" strike="noStrike" kern="1200" cap="none" spc="0" normalizeH="0" baseline="0" noProof="0" dirty="0">
-              <a:ln>
-                <a:noFill/>
-              </a:ln>
-              <a:solidFill>
-                <a:schemeClr val="bg2"/>
-              </a:solidFill>
-              <a:effectLst/>
-              <a:uLnTx/>
-              <a:uFillTx/>
-              <a:latin typeface="Calibri" panose="020F0502020204030204"/>
-              <a:ea typeface="+mn-ea"/>
-              <a:cs typeface="+mn-cs"/>
-            </a:endParaRPr>
           </a:p>
         </p:txBody>
       </p:sp>
       <p:sp>
         <p:nvSpPr>
-          <p:cNvPr id="2" name="Rectangle 1"/>
-          <p:cNvSpPr/>
-          <p:nvPr/>
-        </p:nvSpPr>
-        <p:spPr>
-          <a:xfrm>
-            <a:off x="561000" y="1719000"/>
-            <a:ext cx="8795363" cy="4689425"/>
-          </a:xfrm>
-          <a:prstGeom prst="rect">
-            <a:avLst/>
-          </a:prstGeom>
-        </p:spPr>
-        <p:txBody>
-          <a:bodyPr wrap="square">
-            <a:spAutoFit/>
-          </a:bodyPr>
-          <a:lstStyle/>
-          <a:p>
-            <a:pPr marL="457200" indent="-457200">
-              <a:spcAft>
-                <a:spcPts val="600"/>
-              </a:spcAft>
-              <a:buClr>
-                <a:schemeClr val="bg2"/>
-              </a:buClr>
-              <a:buFont typeface="Wingdings" panose="05000000000000000000" pitchFamily="2" charset="2"/>
-              <a:buChar char="§"/>
-            </a:pPr>
-            <a:r>
-              <a:rPr lang="bg-BG" sz="3400" b="1" dirty="0">
-                <a:solidFill>
-                  <a:schemeClr val="bg1">
-                    <a:lumMod val="40000"/>
-                    <a:lumOff val="60000"/>
-                  </a:schemeClr>
-                </a:solidFill>
-              </a:rPr>
-              <a:t>M</a:t>
-            </a:r>
-            <a:r>
-              <a:rPr lang="en-US" sz="3400" b="1" dirty="0">
-                <a:solidFill>
-                  <a:schemeClr val="bg1">
-                    <a:lumMod val="40000"/>
-                    <a:lumOff val="60000"/>
-                  </a:schemeClr>
-                </a:solidFill>
-              </a:rPr>
-              <a:t>S SQL Server</a:t>
-            </a:r>
-            <a:r>
-              <a:rPr lang="en-US" sz="3400" dirty="0">
-                <a:solidFill>
-                  <a:schemeClr val="bg1">
-                    <a:lumMod val="40000"/>
-                    <a:lumOff val="60000"/>
-                  </a:schemeClr>
-                </a:solidFill>
-              </a:rPr>
-              <a:t> == </a:t>
-            </a:r>
-            <a:r>
-              <a:rPr lang="bg-BG" sz="3400" dirty="0">
-                <a:solidFill>
-                  <a:schemeClr val="bg2"/>
-                </a:solidFill>
-              </a:rPr>
-              <a:t>система за управление на големи обеми от данни</a:t>
-            </a:r>
-          </a:p>
-          <a:p>
-            <a:pPr marL="457200" indent="-457200">
-              <a:spcAft>
-                <a:spcPts val="600"/>
-              </a:spcAft>
-              <a:buClr>
-                <a:schemeClr val="bg2"/>
-              </a:buClr>
-              <a:buFont typeface="Wingdings" panose="05000000000000000000" pitchFamily="2" charset="2"/>
-              <a:buChar char="§"/>
-            </a:pPr>
-            <a:r>
-              <a:rPr lang="en-US" sz="3400" b="1" dirty="0">
-                <a:solidFill>
-                  <a:schemeClr val="bg1">
-                    <a:lumMod val="40000"/>
-                    <a:lumOff val="60000"/>
-                  </a:schemeClr>
-                </a:solidFill>
-              </a:rPr>
-              <a:t>SQL Server Express LocalDB</a:t>
-            </a:r>
-            <a:r>
-              <a:rPr lang="bg-BG" sz="3400" b="1" dirty="0">
-                <a:solidFill>
-                  <a:schemeClr val="bg1">
-                    <a:lumMod val="40000"/>
-                    <a:lumOff val="60000"/>
-                  </a:schemeClr>
-                </a:solidFill>
-              </a:rPr>
-              <a:t> == </a:t>
-            </a:r>
-            <a:r>
-              <a:rPr lang="bg-BG" sz="3400" dirty="0">
-                <a:solidFill>
-                  <a:schemeClr val="bg2"/>
-                </a:solidFill>
-              </a:rPr>
-              <a:t>опростена версия на Microsoft SQL Server</a:t>
-            </a:r>
-          </a:p>
-          <a:p>
-            <a:pPr marL="457200" indent="-457200">
-              <a:lnSpc>
-                <a:spcPct val="100000"/>
-              </a:lnSpc>
-              <a:spcAft>
-                <a:spcPts val="600"/>
-              </a:spcAft>
-              <a:buFont typeface="Wingdings" panose="05000000000000000000" pitchFamily="2" charset="2"/>
-              <a:buChar char="§"/>
-            </a:pPr>
-            <a:r>
-              <a:rPr lang="bg-BG" sz="3400" dirty="0">
-                <a:solidFill>
-                  <a:schemeClr val="bg2"/>
-                </a:solidFill>
-              </a:rPr>
-              <a:t>Чрез </a:t>
-            </a:r>
-            <a:r>
-              <a:rPr lang="en-US" sz="3400" dirty="0">
-                <a:solidFill>
-                  <a:schemeClr val="bg2"/>
-                </a:solidFill>
-              </a:rPr>
-              <a:t>SQL </a:t>
-            </a:r>
-            <a:r>
-              <a:rPr lang="bg-BG" sz="3400" dirty="0">
-                <a:solidFill>
-                  <a:schemeClr val="bg2"/>
-                </a:solidFill>
-              </a:rPr>
-              <a:t>можем да </a:t>
-            </a:r>
-            <a:r>
-              <a:rPr lang="bg-BG" sz="3400" b="1" dirty="0">
-                <a:solidFill>
-                  <a:schemeClr val="bg1">
-                    <a:lumMod val="40000"/>
-                    <a:lumOff val="60000"/>
-                  </a:schemeClr>
-                </a:solidFill>
-              </a:rPr>
-              <a:t>създаваме таблици</a:t>
-            </a:r>
-            <a:r>
-              <a:rPr lang="bg-BG" sz="3400" dirty="0">
-                <a:solidFill>
-                  <a:schemeClr val="bg2"/>
-                </a:solidFill>
-              </a:rPr>
-              <a:t>, да </a:t>
-            </a:r>
-            <a:r>
-              <a:rPr lang="bg-BG" sz="3400" b="1" dirty="0">
-                <a:solidFill>
-                  <a:schemeClr val="bg1">
-                    <a:lumMod val="40000"/>
-                    <a:lumOff val="60000"/>
-                  </a:schemeClr>
-                </a:solidFill>
-              </a:rPr>
-              <a:t>вмъкваме</a:t>
-            </a:r>
-            <a:r>
-              <a:rPr lang="bg-BG" sz="3400" dirty="0">
-                <a:solidFill>
-                  <a:schemeClr val="bg2"/>
-                </a:solidFill>
-              </a:rPr>
-              <a:t> и </a:t>
-            </a:r>
-            <a:r>
-              <a:rPr lang="bg-BG" sz="3400" b="1" dirty="0">
-                <a:solidFill>
-                  <a:schemeClr val="bg1">
-                    <a:lumMod val="40000"/>
-                    <a:lumOff val="60000"/>
-                  </a:schemeClr>
-                </a:solidFill>
-              </a:rPr>
-              <a:t>редактираме</a:t>
-            </a:r>
-            <a:r>
-              <a:rPr lang="bg-BG" sz="3400" dirty="0">
-                <a:solidFill>
-                  <a:schemeClr val="bg2"/>
-                </a:solidFill>
-              </a:rPr>
-              <a:t> данни</a:t>
-            </a:r>
-            <a:endParaRPr lang="en-US" sz="3400" dirty="0">
-              <a:solidFill>
-                <a:schemeClr val="bg2"/>
-              </a:solidFill>
-            </a:endParaRPr>
-          </a:p>
-          <a:p>
-            <a:pPr marL="457200" indent="-457200">
-              <a:lnSpc>
-                <a:spcPct val="100000"/>
-              </a:lnSpc>
-              <a:buFont typeface="Wingdings" panose="05000000000000000000" pitchFamily="2" charset="2"/>
-              <a:buChar char="§"/>
-            </a:pPr>
-            <a:endParaRPr lang="en-US" sz="3400" dirty="0">
-              <a:solidFill>
-                <a:schemeClr val="bg2"/>
-              </a:solidFill>
-            </a:endParaRPr>
-          </a:p>
-          <a:p>
-            <a:pPr marL="457200" indent="-457200">
-              <a:lnSpc>
-                <a:spcPct val="150000"/>
-              </a:lnSpc>
-              <a:buFont typeface="Wingdings" panose="05000000000000000000" pitchFamily="2" charset="2"/>
-              <a:buChar char="§"/>
-            </a:pPr>
-            <a:endParaRPr lang="en-US" sz="3400" b="1" dirty="0">
-              <a:solidFill>
-                <a:schemeClr val="bg2"/>
-              </a:solidFill>
-            </a:endParaRPr>
-          </a:p>
-        </p:txBody>
-      </p:sp>
-      <p:sp>
-        <p:nvSpPr>
-          <p:cNvPr id="3" name="Slide Number">
+          <p:cNvPr id="5" name="Slide Number">
             <a:extLst>
               <a:ext uri="{FF2B5EF4-FFF2-40B4-BE49-F238E27FC236}">
-                <a16:creationId xmlns:a16="http://schemas.microsoft.com/office/drawing/2014/main" id="{D56998D3-96AE-97F0-0C9A-4B9BC889D15C}"/>
+                <a16:creationId xmlns:a16="http://schemas.microsoft.com/office/drawing/2014/main" id="{F94DA94C-7474-9E47-A544-0AE72CBC0B18}"/>
               </a:ext>
             </a:extLst>
           </p:cNvPr>
@@ -23218,16 +21571,46 @@
             <a:fld id="{2BF067CD-8E6B-4360-9AA8-C5DF2A48A6D1}" type="slidenum">
               <a:rPr lang="en-US" noProof="0" smtClean="0"/>
               <a:pPr/>
-              <a:t>38</a:t>
+              <a:t>37</a:t>
             </a:fld>
             <a:endParaRPr lang="en-US" noProof="0" dirty="0"/>
           </a:p>
         </p:txBody>
       </p:sp>
+      <p:pic>
+        <p:nvPicPr>
+          <p:cNvPr id="2" name="Picture 1">
+            <a:extLst>
+              <a:ext uri="{FF2B5EF4-FFF2-40B4-BE49-F238E27FC236}">
+                <a16:creationId xmlns:a16="http://schemas.microsoft.com/office/drawing/2014/main" id="{4EF9F300-B7B8-420D-7AD6-ED210B8D6A54}"/>
+              </a:ext>
+            </a:extLst>
+          </p:cNvPr>
+          <p:cNvPicPr>
+            <a:picLocks noChangeAspect="1"/>
+          </p:cNvPicPr>
+          <p:nvPr/>
+        </p:nvPicPr>
+        <p:blipFill>
+          <a:blip r:embed="rId2"/>
+          <a:stretch>
+            <a:fillRect/>
+          </a:stretch>
+        </p:blipFill>
+        <p:spPr>
+          <a:xfrm>
+            <a:off x="6276000" y="4329000"/>
+            <a:ext cx="3898900" cy="2286000"/>
+          </a:xfrm>
+          <a:prstGeom prst="rect">
+            <a:avLst/>
+          </a:prstGeom>
+        </p:spPr>
+      </p:pic>
     </p:spTree>
     <p:extLst>
       <p:ext uri="{BB962C8B-B14F-4D97-AF65-F5344CB8AC3E}">
-        <p14:creationId xmlns:p14="http://schemas.microsoft.com/office/powerpoint/2010/main" val="2357972623"/>
+        <p14:creationId xmlns:p14="http://schemas.microsoft.com/office/powerpoint/2010/main" val="115927302"/>
       </p:ext>
     </p:extLst>
   </p:cSld>
@@ -23276,7 +21659,7 @@
                                           </p:stCondLst>
                                         </p:cTn>
                                         <p:tgtEl>
-                                          <p:spTgt spid="2">
+                                          <p:spTgt spid="3">
                                             <p:txEl>
                                               <p:pRg st="1" end="1"/>
                                             </p:txEl>
@@ -23325,11 +21708,38 @@
                                           </p:stCondLst>
                                         </p:cTn>
                                         <p:tgtEl>
-                                          <p:spTgt spid="2">
+                                          <p:spTgt spid="3">
                                             <p:txEl>
                                               <p:pRg st="2" end="2"/>
                                             </p:txEl>
                                           </p:spTgt>
+                                        </p:tgtEl>
+                                        <p:attrNameLst>
+                                          <p:attrName>style.visibility</p:attrName>
+                                        </p:attrNameLst>
+                                      </p:cBhvr>
+                                      <p:to>
+                                        <p:strVal val="visible"/>
+                                      </p:to>
+                                    </p:set>
+                                  </p:childTnLst>
+                                </p:cTn>
+                              </p:par>
+                              <p:par>
+                                <p:cTn id="11" presetID="1" presetClass="entr" presetSubtype="0" fill="hold" nodeType="withEffect">
+                                  <p:stCondLst>
+                                    <p:cond delay="0"/>
+                                  </p:stCondLst>
+                                  <p:childTnLst>
+                                    <p:set>
+                                      <p:cBhvr>
+                                        <p:cTn id="12" dur="1" fill="hold">
+                                          <p:stCondLst>
+                                            <p:cond delay="0"/>
+                                          </p:stCondLst>
+                                        </p:cTn>
+                                        <p:tgtEl>
+                                          <p:spTgt spid="2"/>
                                         </p:tgtEl>
                                         <p:attrNameLst>
                                           <p:attrName>style.visibility</p:attrName>
@@ -23373,6 +21783,185 @@
 </p:sld>
 </file>
 
+<file path=ppt/slides/slide38.xml><?xml version="1.0" encoding="utf-8"?>
+<p:sld xmlns:a="http://schemas.openxmlformats.org/drawingml/2006/main" xmlns:r="http://schemas.openxmlformats.org/officeDocument/2006/relationships" xmlns:p="http://schemas.openxmlformats.org/presentationml/2006/main">
+  <p:cSld>
+    <p:spTree>
+      <p:nvGrpSpPr>
+        <p:cNvPr id="1" name=""/>
+        <p:cNvGrpSpPr/>
+        <p:nvPr/>
+      </p:nvGrpSpPr>
+      <p:grpSpPr>
+        <a:xfrm>
+          <a:off x="0" y="0"/>
+          <a:ext cx="0" cy="0"/>
+          <a:chOff x="0" y="0"/>
+          <a:chExt cx="0" cy="0"/>
+        </a:xfrm>
+      </p:grpSpPr>
+      <p:pic>
+        <p:nvPicPr>
+          <p:cNvPr id="6" name="Picture 5">
+            <a:extLst>
+              <a:ext uri="{FF2B5EF4-FFF2-40B4-BE49-F238E27FC236}">
+                <a16:creationId xmlns:a16="http://schemas.microsoft.com/office/drawing/2014/main" id="{C4AC0ADD-0776-1BD5-5D56-7F0C426DE0EA}"/>
+              </a:ext>
+            </a:extLst>
+          </p:cNvPr>
+          <p:cNvPicPr>
+            <a:picLocks noChangeAspect="1"/>
+          </p:cNvPicPr>
+          <p:nvPr/>
+        </p:nvPicPr>
+        <p:blipFill rotWithShape="1">
+          <a:blip r:embed="rId2"/>
+          <a:srcRect b="28228"/>
+          <a:stretch/>
+        </p:blipFill>
+        <p:spPr>
+          <a:xfrm>
+            <a:off x="1970400" y="1899000"/>
+            <a:ext cx="8251200" cy="4681667"/>
+          </a:xfrm>
+          <a:prstGeom prst="rect">
+            <a:avLst/>
+          </a:prstGeom>
+          <a:ln>
+            <a:solidFill>
+              <a:schemeClr val="bg2">
+                <a:lumMod val="75000"/>
+              </a:schemeClr>
+            </a:solidFill>
+          </a:ln>
+        </p:spPr>
+      </p:pic>
+      <p:sp>
+        <p:nvSpPr>
+          <p:cNvPr id="3" name="Text Placeholder 2"/>
+          <p:cNvSpPr>
+            <a:spLocks noGrp="1"/>
+          </p:cNvSpPr>
+          <p:nvPr>
+            <p:ph type="body" sz="quarter" idx="10"/>
+          </p:nvPr>
+        </p:nvSpPr>
+        <p:spPr>
+          <a:xfrm>
+            <a:off x="190402" y="1196125"/>
+            <a:ext cx="11818096" cy="612875"/>
+          </a:xfrm>
+        </p:spPr>
+        <p:txBody>
+          <a:bodyPr/>
+          <a:lstStyle/>
+          <a:p>
+            <a:pPr marL="514350" indent="-514350">
+              <a:buFont typeface="+mj-lt"/>
+              <a:buAutoNum type="arabicPeriod" startAt="3"/>
+            </a:pPr>
+            <a:r>
+              <a:rPr lang="bg-BG" dirty="0"/>
+              <a:t>Поставяме скрипта в отворилия се прозорец</a:t>
+            </a:r>
+            <a:endParaRPr lang="en-US" dirty="0"/>
+          </a:p>
+        </p:txBody>
+      </p:sp>
+      <p:sp>
+        <p:nvSpPr>
+          <p:cNvPr id="4" name="Title 3"/>
+          <p:cNvSpPr>
+            <a:spLocks noGrp="1"/>
+          </p:cNvSpPr>
+          <p:nvPr>
+            <p:ph type="title"/>
+          </p:nvPr>
+        </p:nvSpPr>
+        <p:spPr/>
+        <p:txBody>
+          <a:bodyPr/>
+          <a:lstStyle/>
+          <a:p>
+            <a:r>
+              <a:rPr lang="bg-BG" dirty="0"/>
+              <a:t>Импортване на </a:t>
+            </a:r>
+            <a:r>
+              <a:rPr lang="en-US" dirty="0"/>
+              <a:t>SQL </a:t>
+            </a:r>
+            <a:r>
+              <a:rPr lang="bg-BG" dirty="0"/>
+              <a:t>скрипт (2)</a:t>
+            </a:r>
+            <a:endParaRPr lang="en-US" dirty="0"/>
+          </a:p>
+        </p:txBody>
+      </p:sp>
+      <p:sp>
+        <p:nvSpPr>
+          <p:cNvPr id="5" name="Slide Number">
+            <a:extLst>
+              <a:ext uri="{FF2B5EF4-FFF2-40B4-BE49-F238E27FC236}">
+                <a16:creationId xmlns:a16="http://schemas.microsoft.com/office/drawing/2014/main" id="{F94DA94C-7474-9E47-A544-0AE72CBC0B18}"/>
+              </a:ext>
+            </a:extLst>
+          </p:cNvPr>
+          <p:cNvSpPr>
+            <a:spLocks noGrp="1"/>
+          </p:cNvSpPr>
+          <p:nvPr>
+            <p:ph type="sldNum" sz="quarter" idx="5"/>
+          </p:nvPr>
+        </p:nvSpPr>
+        <p:spPr>
+          <a:xfrm>
+            <a:off x="11753030" y="6507000"/>
+            <a:ext cx="367414" cy="297000"/>
+          </a:xfrm>
+          <a:prstGeom prst="rect">
+            <a:avLst/>
+          </a:prstGeom>
+        </p:spPr>
+        <p:txBody>
+          <a:bodyPr vert="horz" lIns="91440" tIns="45720" rIns="91440" bIns="45720" rtlCol="0" anchor="b"/>
+          <a:lstStyle>
+            <a:lvl1pPr algn="r">
+              <a:defRPr sz="1000"/>
+            </a:lvl1pPr>
+          </a:lstStyle>
+          <a:p>
+            <a:fld id="{2BF067CD-8E6B-4360-9AA8-C5DF2A48A6D1}" type="slidenum">
+              <a:rPr lang="en-US" noProof="0" smtClean="0"/>
+              <a:pPr/>
+              <a:t>38</a:t>
+            </a:fld>
+            <a:endParaRPr lang="en-US" noProof="0" dirty="0"/>
+          </a:p>
+        </p:txBody>
+      </p:sp>
+    </p:spTree>
+    <p:extLst>
+      <p:ext uri="{BB962C8B-B14F-4D97-AF65-F5344CB8AC3E}">
+        <p14:creationId xmlns:p14="http://schemas.microsoft.com/office/powerpoint/2010/main" val="2046742459"/>
+      </p:ext>
+    </p:extLst>
+  </p:cSld>
+  <p:clrMapOvr>
+    <a:masterClrMapping/>
+  </p:clrMapOvr>
+  <mc:AlternateContent xmlns:mc="http://schemas.openxmlformats.org/markup-compatibility/2006">
+    <mc:Choice xmlns:p14="http://schemas.microsoft.com/office/powerpoint/2010/main" Requires="p14">
+      <p:transition spd="slow" p14:dur="2000" advClick="0" advTm="5000"/>
+    </mc:Choice>
+    <mc:Fallback>
+      <p:transition spd="slow" advClick="0" advTm="5000"/>
+    </mc:Fallback>
+  </mc:AlternateContent>
+</p:sld>
+</file>
+
 <file path=ppt/slides/slide39.xml><?xml version="1.0" encoding="utf-8"?>
 <p:sld xmlns:a="http://schemas.openxmlformats.org/drawingml/2006/main" xmlns:r="http://schemas.openxmlformats.org/officeDocument/2006/relationships" xmlns:p="http://schemas.openxmlformats.org/presentationml/2006/main">
   <p:cSld>
@@ -23392,13 +21981,138 @@
       </p:grpSpPr>
       <p:sp>
         <p:nvSpPr>
-          <p:cNvPr id="5" name="Slide Title">
-            <a:extLst>
-              <a:ext uri="{FF2B5EF4-FFF2-40B4-BE49-F238E27FC236}">
-                <a16:creationId xmlns:a16="http://schemas.microsoft.com/office/drawing/2014/main" id="{FA0703FC-0F8F-4C80-A615-E4B381EC0E0C}"/>
-              </a:ext>
-            </a:extLst>
-          </p:cNvPr>
+          <p:cNvPr id="3" name="Text Placeholder 2"/>
+          <p:cNvSpPr>
+            <a:spLocks noGrp="1"/>
+          </p:cNvSpPr>
+          <p:nvPr>
+            <p:ph type="body" sz="quarter" idx="10"/>
+          </p:nvPr>
+        </p:nvSpPr>
+        <p:spPr>
+          <a:xfrm>
+            <a:off x="190402" y="1196125"/>
+            <a:ext cx="11818096" cy="4122875"/>
+          </a:xfrm>
+        </p:spPr>
+        <p:txBody>
+          <a:bodyPr/>
+          <a:lstStyle/>
+          <a:p>
+            <a:pPr marL="514350" indent="-514350">
+              <a:buFont typeface="+mj-lt"/>
+              <a:buAutoNum type="arabicPeriod" startAt="4"/>
+            </a:pPr>
+            <a:r>
+              <a:rPr lang="bg-BG" dirty="0"/>
+              <a:t>Избираме </a:t>
+            </a:r>
+            <a:r>
+              <a:rPr lang="en-US" dirty="0"/>
+              <a:t>[</a:t>
+            </a:r>
+            <a:r>
+              <a:rPr lang="en-US" b="1" dirty="0">
+                <a:solidFill>
+                  <a:schemeClr val="bg1"/>
+                </a:solidFill>
+              </a:rPr>
+              <a:t>Execute</a:t>
+            </a:r>
+            <a:r>
+              <a:rPr lang="en-US" dirty="0"/>
+              <a:t>]</a:t>
+            </a:r>
+            <a:r>
+              <a:rPr lang="bg-BG" dirty="0"/>
+              <a:t>, за да </a:t>
+            </a:r>
+            <a:r>
+              <a:rPr lang="bg-BG" b="1" dirty="0">
+                <a:solidFill>
+                  <a:schemeClr val="bg1"/>
+                </a:solidFill>
+              </a:rPr>
+              <a:t>изпълним скрипта</a:t>
+            </a:r>
+            <a:r>
+              <a:rPr lang="bg-BG" dirty="0"/>
+              <a:t>, който ще </a:t>
+            </a:r>
+            <a:r>
+              <a:rPr lang="bg-BG" b="1" dirty="0"/>
+              <a:t>създаде</a:t>
+            </a:r>
+            <a:r>
+              <a:rPr lang="bg-BG" dirty="0"/>
+              <a:t> нашата </a:t>
+            </a:r>
+            <a:r>
+              <a:rPr lang="bg-BG" b="1" dirty="0"/>
+              <a:t>БД</a:t>
+            </a:r>
+            <a:r>
+              <a:rPr lang="bg-BG" dirty="0"/>
+              <a:t> и необходимите </a:t>
+            </a:r>
+            <a:r>
+              <a:rPr lang="bg-BG" b="1" dirty="0"/>
+              <a:t>таблици</a:t>
+            </a:r>
+          </a:p>
+          <a:p>
+            <a:pPr marL="514350" indent="-514350">
+              <a:buFont typeface="+mj-lt"/>
+              <a:buAutoNum type="arabicPeriod" startAt="4"/>
+            </a:pPr>
+            <a:endParaRPr lang="bg-BG" dirty="0"/>
+          </a:p>
+          <a:p>
+            <a:pPr marL="514350" indent="-514350">
+              <a:buFont typeface="+mj-lt"/>
+              <a:buAutoNum type="arabicPeriod" startAt="4"/>
+            </a:pPr>
+            <a:endParaRPr lang="bg-BG" dirty="0"/>
+          </a:p>
+          <a:p>
+            <a:pPr marL="514350" indent="-514350">
+              <a:buFont typeface="+mj-lt"/>
+              <a:buAutoNum type="arabicPeriod" startAt="4"/>
+            </a:pPr>
+            <a:endParaRPr lang="bg-BG" dirty="0"/>
+          </a:p>
+          <a:p>
+            <a:pPr marL="514350" indent="-514350">
+              <a:buFont typeface="+mj-lt"/>
+              <a:buAutoNum type="arabicPeriod" startAt="4"/>
+            </a:pPr>
+            <a:r>
+              <a:rPr lang="bg-BG" dirty="0"/>
+              <a:t>При </a:t>
+            </a:r>
+            <a:r>
+              <a:rPr lang="en-US" b="1" dirty="0">
+                <a:solidFill>
+                  <a:schemeClr val="bg1"/>
+                </a:solidFill>
+              </a:rPr>
+              <a:t>refresh</a:t>
+            </a:r>
+            <a:r>
+              <a:rPr lang="bg-BG" dirty="0"/>
+              <a:t> можем да видим </a:t>
+            </a:r>
+            <a:r>
+              <a:rPr lang="bg-BG" b="1" dirty="0"/>
+              <a:t>импортираната база данни</a:t>
+            </a:r>
+            <a:endParaRPr lang="en-US" b="1" dirty="0"/>
+          </a:p>
+        </p:txBody>
+      </p:sp>
+      <p:sp>
+        <p:nvSpPr>
+          <p:cNvPr id="4" name="Title 3"/>
           <p:cNvSpPr>
             <a:spLocks noGrp="1"/>
           </p:cNvSpPr>
@@ -23413,153 +22127,258 @@
           <a:p>
             <a:r>
               <a:rPr lang="bg-BG" dirty="0"/>
-              <a:t>Въпроси</a:t>
+              <a:t>Импортване на </a:t>
             </a:r>
             <a:r>
               <a:rPr lang="en-US" dirty="0"/>
-              <a:t>?</a:t>
-            </a:r>
+              <a:t>SQL </a:t>
+            </a:r>
+            <a:r>
+              <a:rPr lang="bg-BG" dirty="0"/>
+              <a:t>скрипт (3)</a:t>
+            </a:r>
+            <a:endParaRPr lang="en-US" dirty="0"/>
           </a:p>
         </p:txBody>
       </p:sp>
       <p:sp>
         <p:nvSpPr>
-          <p:cNvPr id="2" name="Rectangle Bottom Copyright">
+          <p:cNvPr id="5" name="Slide Number">
             <a:extLst>
               <a:ext uri="{FF2B5EF4-FFF2-40B4-BE49-F238E27FC236}">
-                <a16:creationId xmlns:a16="http://schemas.microsoft.com/office/drawing/2014/main" id="{664812A4-2991-44D1-BFE9-32E55AADF8A5}"/>
+                <a16:creationId xmlns:a16="http://schemas.microsoft.com/office/drawing/2014/main" id="{F94DA94C-7474-9E47-A544-0AE72CBC0B18}"/>
               </a:ext>
             </a:extLst>
           </p:cNvPr>
-          <p:cNvSpPr/>
-          <p:nvPr/>
+          <p:cNvSpPr>
+            <a:spLocks noGrp="1"/>
+          </p:cNvSpPr>
+          <p:nvPr>
+            <p:ph type="sldNum" sz="quarter" idx="5"/>
+          </p:nvPr>
         </p:nvSpPr>
         <p:spPr>
           <a:xfrm>
-            <a:off x="111000" y="6454758"/>
-            <a:ext cx="11970000" cy="304242"/>
+            <a:off x="11753030" y="6507000"/>
+            <a:ext cx="367414" cy="297000"/>
           </a:xfrm>
           <a:prstGeom prst="rect">
             <a:avLst/>
           </a:prstGeom>
         </p:spPr>
         <p:txBody>
-          <a:bodyPr wrap="square">
-            <a:noAutofit/>
-          </a:bodyPr>
-          <a:lstStyle/>
-          <a:p>
-            <a:pPr algn="ctr">
-              <a:lnSpc>
-                <a:spcPct val="100000"/>
-              </a:lnSpc>
-              <a:spcBef>
-                <a:spcPts val="0"/>
-              </a:spcBef>
-              <a:spcAft>
-                <a:spcPts val="0"/>
-              </a:spcAft>
-            </a:pPr>
-            <a:r>
-              <a:rPr lang="bg-BG" sz="1600" dirty="0">
-                <a:solidFill>
-                  <a:schemeClr val="bg2"/>
-                </a:solidFill>
-                <a:effectLst/>
-                <a:latin typeface="Calibri" panose="020F0502020204030204" pitchFamily="34" charset="0"/>
-                <a:ea typeface="Calibri" panose="020F0502020204030204" pitchFamily="34" charset="0"/>
-                <a:cs typeface="Arial" panose="020B0604020202020204" pitchFamily="34" charset="0"/>
-              </a:rPr>
-              <a:t>Проект "</a:t>
-            </a:r>
-            <a:r>
-              <a:rPr lang="bg-BG" sz="1600" dirty="0">
-                <a:solidFill>
-                  <a:schemeClr val="bg1">
-                    <a:lumMod val="20000"/>
-                    <a:lumOff val="80000"/>
-                  </a:schemeClr>
-                </a:solidFill>
-                <a:effectLst/>
-                <a:latin typeface="Calibri" panose="020F0502020204030204" pitchFamily="34" charset="0"/>
-                <a:ea typeface="Calibri" panose="020F0502020204030204" pitchFamily="34" charset="0"/>
-                <a:cs typeface="Arial" panose="020B0604020202020204" pitchFamily="34" charset="0"/>
-                <a:hlinkClick r:id="rId3">
-                  <a:extLst>
-                    <a:ext uri="{A12FA001-AC4F-418D-AE19-62706E023703}">
-                      <ahyp:hlinkClr xmlns:ahyp="http://schemas.microsoft.com/office/drawing/2018/hyperlinkcolor" val="tx"/>
-                    </a:ext>
-                  </a:extLst>
-                </a:hlinkClick>
-              </a:rPr>
-              <a:t>Отворено учебно съдържание по програмиране и ИТ</a:t>
-            </a:r>
-            <a:r>
-              <a:rPr lang="bg-BG" sz="1600" dirty="0">
-                <a:solidFill>
-                  <a:schemeClr val="bg2"/>
-                </a:solidFill>
-                <a:effectLst/>
-                <a:latin typeface="Calibri" panose="020F0502020204030204" pitchFamily="34" charset="0"/>
-                <a:ea typeface="Calibri" panose="020F0502020204030204" pitchFamily="34" charset="0"/>
-                <a:cs typeface="Arial" panose="020B0604020202020204" pitchFamily="34" charset="0"/>
-              </a:rPr>
-              <a:t>", СофтУни Фондация (лиценз </a:t>
-            </a:r>
-            <a:r>
-              <a:rPr lang="en-US" sz="1600" dirty="0">
-                <a:solidFill>
-                  <a:schemeClr val="bg2"/>
-                </a:solidFill>
-                <a:effectLst/>
-                <a:latin typeface="Calibri" panose="020F0502020204030204" pitchFamily="34" charset="0"/>
-                <a:ea typeface="Calibri" panose="020F0502020204030204" pitchFamily="34" charset="0"/>
-                <a:cs typeface="Arial" panose="020B0604020202020204" pitchFamily="34" charset="0"/>
-              </a:rPr>
-              <a:t>CC-BY-NC-SA</a:t>
-            </a:r>
-            <a:r>
-              <a:rPr lang="bg-BG" sz="1600" dirty="0">
-                <a:solidFill>
-                  <a:schemeClr val="bg2"/>
-                </a:solidFill>
-                <a:effectLst/>
-                <a:latin typeface="Calibri" panose="020F0502020204030204" pitchFamily="34" charset="0"/>
-                <a:ea typeface="Calibri" panose="020F0502020204030204" pitchFamily="34" charset="0"/>
-                <a:cs typeface="Arial" panose="020B0604020202020204" pitchFamily="34" charset="0"/>
-              </a:rPr>
-              <a:t>)</a:t>
-            </a:r>
-            <a:endParaRPr lang="bg-BG" sz="2400" dirty="0">
-              <a:solidFill>
-                <a:schemeClr val="bg2"/>
-              </a:solidFill>
-              <a:effectLst/>
-              <a:latin typeface="Calibri" panose="020F0502020204030204" pitchFamily="34" charset="0"/>
-              <a:ea typeface="Calibri" panose="020F0502020204030204" pitchFamily="34" charset="0"/>
-              <a:cs typeface="Arial" panose="020B0604020202020204" pitchFamily="34" charset="0"/>
-            </a:endParaRPr>
+          <a:bodyPr vert="horz" lIns="91440" tIns="45720" rIns="91440" bIns="45720" rtlCol="0" anchor="b"/>
+          <a:lstStyle>
+            <a:lvl1pPr algn="r">
+              <a:defRPr sz="1000"/>
+            </a:lvl1pPr>
+          </a:lstStyle>
+          <a:p>
+            <a:fld id="{2BF067CD-8E6B-4360-9AA8-C5DF2A48A6D1}" type="slidenum">
+              <a:rPr lang="en-US" noProof="0" smtClean="0"/>
+              <a:pPr/>
+              <a:t>39</a:t>
+            </a:fld>
+            <a:endParaRPr lang="en-US" noProof="0" dirty="0"/>
           </a:p>
         </p:txBody>
       </p:sp>
+      <p:pic>
+        <p:nvPicPr>
+          <p:cNvPr id="2" name="Picture 1">
+            <a:extLst>
+              <a:ext uri="{FF2B5EF4-FFF2-40B4-BE49-F238E27FC236}">
+                <a16:creationId xmlns:a16="http://schemas.microsoft.com/office/drawing/2014/main" id="{3DF55DD9-1EE7-28D9-2397-01CA2706741D}"/>
+              </a:ext>
+            </a:extLst>
+          </p:cNvPr>
+          <p:cNvPicPr>
+            <a:picLocks noChangeAspect="1"/>
+          </p:cNvPicPr>
+          <p:nvPr/>
+        </p:nvPicPr>
+        <p:blipFill rotWithShape="1">
+          <a:blip r:embed="rId2"/>
+          <a:srcRect r="36684"/>
+          <a:stretch/>
+        </p:blipFill>
+        <p:spPr>
+          <a:xfrm>
+            <a:off x="2856000" y="2626726"/>
+            <a:ext cx="6480000" cy="1475310"/>
+          </a:xfrm>
+          <a:prstGeom prst="rect">
+            <a:avLst/>
+          </a:prstGeom>
+          <a:ln>
+            <a:solidFill>
+              <a:schemeClr val="bg2">
+                <a:lumMod val="75000"/>
+              </a:schemeClr>
+            </a:solidFill>
+          </a:ln>
+        </p:spPr>
+      </p:pic>
+      <p:pic>
+        <p:nvPicPr>
+          <p:cNvPr id="7" name="Picture 6">
+            <a:extLst>
+              <a:ext uri="{FF2B5EF4-FFF2-40B4-BE49-F238E27FC236}">
+                <a16:creationId xmlns:a16="http://schemas.microsoft.com/office/drawing/2014/main" id="{D160CE20-5DB8-76CE-139D-DD4719A14036}"/>
+              </a:ext>
+            </a:extLst>
+          </p:cNvPr>
+          <p:cNvPicPr>
+            <a:picLocks noChangeAspect="1"/>
+          </p:cNvPicPr>
+          <p:nvPr/>
+        </p:nvPicPr>
+        <p:blipFill rotWithShape="1">
+          <a:blip r:embed="rId3"/>
+          <a:srcRect t="5086" b="7292"/>
+          <a:stretch/>
+        </p:blipFill>
+        <p:spPr>
+          <a:xfrm>
+            <a:off x="4476000" y="5283000"/>
+            <a:ext cx="3240000" cy="1260001"/>
+          </a:xfrm>
+          <a:prstGeom prst="rect">
+            <a:avLst/>
+          </a:prstGeom>
+          <a:ln>
+            <a:solidFill>
+              <a:schemeClr val="bg2">
+                <a:lumMod val="75000"/>
+              </a:schemeClr>
+            </a:solidFill>
+          </a:ln>
+        </p:spPr>
+      </p:pic>
     </p:spTree>
     <p:extLst>
       <p:ext uri="{BB962C8B-B14F-4D97-AF65-F5344CB8AC3E}">
-        <p14:creationId xmlns:p14="http://schemas.microsoft.com/office/powerpoint/2010/main" val="3744296604"/>
+        <p14:creationId xmlns:p14="http://schemas.microsoft.com/office/powerpoint/2010/main" val="3633449943"/>
       </p:ext>
     </p:extLst>
   </p:cSld>
   <p:clrMapOvr>
     <a:masterClrMapping/>
   </p:clrMapOvr>
-  <mc:AlternateContent xmlns:mc="http://schemas.openxmlformats.org/markup-compatibility/2006" xmlns:p14="http://schemas.microsoft.com/office/powerpoint/2010/main">
-    <mc:Choice Requires="p14">
+  <mc:AlternateContent xmlns:mc="http://schemas.openxmlformats.org/markup-compatibility/2006">
+    <mc:Choice xmlns:p14="http://schemas.microsoft.com/office/powerpoint/2010/main" Requires="p14">
       <p:transition spd="slow" p14:dur="2000" advClick="0" advTm="5000"/>
     </mc:Choice>
-    <mc:Fallback xmlns="">
+    <mc:Fallback>
       <p:transition spd="slow" advClick="0" advTm="5000"/>
     </mc:Fallback>
   </mc:AlternateContent>
+  <p:timing>
+    <p:tnLst>
+      <p:par>
+        <p:cTn id="1" dur="indefinite" restart="never" nodeType="tmRoot">
+          <p:childTnLst>
+            <p:seq concurrent="1" nextAc="seek">
+              <p:cTn id="2" dur="indefinite" nodeType="mainSeq">
+                <p:childTnLst>
+                  <p:par>
+                    <p:cTn id="3" fill="hold">
+                      <p:stCondLst>
+                        <p:cond delay="indefinite"/>
+                      </p:stCondLst>
+                      <p:childTnLst>
+                        <p:par>
+                          <p:cTn id="4" fill="hold">
+                            <p:stCondLst>
+                              <p:cond delay="0"/>
+                            </p:stCondLst>
+                            <p:childTnLst>
+                              <p:par>
+                                <p:cTn id="5" presetID="1" presetClass="entr" presetSubtype="0" fill="hold" nodeType="clickEffect">
+                                  <p:stCondLst>
+                                    <p:cond delay="0"/>
+                                  </p:stCondLst>
+                                  <p:childTnLst>
+                                    <p:set>
+                                      <p:cBhvr>
+                                        <p:cTn id="6" dur="1" fill="hold">
+                                          <p:stCondLst>
+                                            <p:cond delay="0"/>
+                                          </p:stCondLst>
+                                        </p:cTn>
+                                        <p:tgtEl>
+                                          <p:spTgt spid="3">
+                                            <p:txEl>
+                                              <p:pRg st="4" end="4"/>
+                                            </p:txEl>
+                                          </p:spTgt>
+                                        </p:tgtEl>
+                                        <p:attrNameLst>
+                                          <p:attrName>style.visibility</p:attrName>
+                                        </p:attrNameLst>
+                                      </p:cBhvr>
+                                      <p:to>
+                                        <p:strVal val="visible"/>
+                                      </p:to>
+                                    </p:set>
+                                  </p:childTnLst>
+                                </p:cTn>
+                              </p:par>
+                              <p:par>
+                                <p:cTn id="7" presetID="1" presetClass="entr" presetSubtype="0" fill="hold" nodeType="withEffect">
+                                  <p:stCondLst>
+                                    <p:cond delay="0"/>
+                                  </p:stCondLst>
+                                  <p:childTnLst>
+                                    <p:set>
+                                      <p:cBhvr>
+                                        <p:cTn id="8" dur="1" fill="hold">
+                                          <p:stCondLst>
+                                            <p:cond delay="0"/>
+                                          </p:stCondLst>
+                                        </p:cTn>
+                                        <p:tgtEl>
+                                          <p:spTgt spid="7"/>
+                                        </p:tgtEl>
+                                        <p:attrNameLst>
+                                          <p:attrName>style.visibility</p:attrName>
+                                        </p:attrNameLst>
+                                      </p:cBhvr>
+                                      <p:to>
+                                        <p:strVal val="visible"/>
+                                      </p:to>
+                                    </p:set>
+                                  </p:childTnLst>
+                                </p:cTn>
+                              </p:par>
+                            </p:childTnLst>
+                          </p:cTn>
+                        </p:par>
+                      </p:childTnLst>
+                    </p:cTn>
+                  </p:par>
+                </p:childTnLst>
+              </p:cTn>
+              <p:prevCondLst>
+                <p:cond evt="onPrev" delay="0">
+                  <p:tgtEl>
+                    <p:sldTgt/>
+                  </p:tgtEl>
+                </p:cond>
+              </p:prevCondLst>
+              <p:nextCondLst>
+                <p:cond evt="onNext" delay="0">
+                  <p:tgtEl>
+                    <p:sldTgt/>
+                  </p:tgtEl>
+                </p:cond>
+              </p:nextCondLst>
+            </p:seq>
+          </p:childTnLst>
+        </p:cTn>
+      </p:par>
+    </p:tnLst>
+  </p:timing>
 </p:sld>
 </file>
 
@@ -24065,6 +22884,1313 @@
 </file>
 
 <file path=ppt/slides/slide40.xml><?xml version="1.0" encoding="utf-8"?>
+<p:sld xmlns:a="http://schemas.openxmlformats.org/drawingml/2006/main" xmlns:r="http://schemas.openxmlformats.org/officeDocument/2006/relationships" xmlns:p="http://schemas.openxmlformats.org/presentationml/2006/main">
+  <p:cSld>
+    <p:spTree>
+      <p:nvGrpSpPr>
+        <p:cNvPr id="1" name=""/>
+        <p:cNvGrpSpPr/>
+        <p:nvPr/>
+      </p:nvGrpSpPr>
+      <p:grpSpPr>
+        <a:xfrm>
+          <a:off x="0" y="0"/>
+          <a:ext cx="0" cy="0"/>
+          <a:chOff x="0" y="0"/>
+          <a:chExt cx="0" cy="0"/>
+        </a:xfrm>
+      </p:grpSpPr>
+      <p:sp>
+        <p:nvSpPr>
+          <p:cNvPr id="14" name="Text Placeholder 4">
+            <a:extLst>
+              <a:ext uri="{FF2B5EF4-FFF2-40B4-BE49-F238E27FC236}">
+                <a16:creationId xmlns:a16="http://schemas.microsoft.com/office/drawing/2014/main" id="{0E49D336-45B6-44D3-97C4-E28F8DEA2022}"/>
+              </a:ext>
+            </a:extLst>
+          </p:cNvPr>
+          <p:cNvSpPr>
+            <a:spLocks noGrp="1"/>
+          </p:cNvSpPr>
+          <p:nvPr>
+            <p:ph type="body" sz="quarter" idx="10"/>
+          </p:nvPr>
+        </p:nvSpPr>
+        <p:spPr>
+          <a:xfrm>
+            <a:off x="869725" y="1656226"/>
+            <a:ext cx="7581212" cy="4772369"/>
+          </a:xfrm>
+        </p:spPr>
+        <p:txBody>
+          <a:bodyPr/>
+          <a:lstStyle>
+            <a:lvl1pPr marL="514350" indent="-514350">
+              <a:buFont typeface="Wingdings" panose="05000000000000000000" pitchFamily="2" charset="2"/>
+              <a:buChar char="§"/>
+              <a:defRPr>
+                <a:solidFill>
+                  <a:schemeClr val="bg2"/>
+                </a:solidFill>
+              </a:defRPr>
+            </a:lvl1pPr>
+            <a:lvl2pPr marL="1123935" indent="-514350">
+              <a:buFont typeface="Wingdings" panose="05000000000000000000" pitchFamily="2" charset="2"/>
+              <a:buChar char="§"/>
+              <a:defRPr>
+                <a:solidFill>
+                  <a:schemeClr val="tx1"/>
+                </a:solidFill>
+              </a:defRPr>
+            </a:lvl2pPr>
+            <a:lvl3pPr marL="1733520" indent="-514350">
+              <a:buFont typeface="Wingdings" panose="05000000000000000000" pitchFamily="2" charset="2"/>
+              <a:buChar char="§"/>
+              <a:defRPr>
+                <a:solidFill>
+                  <a:schemeClr val="tx1"/>
+                </a:solidFill>
+              </a:defRPr>
+            </a:lvl3pPr>
+            <a:lvl4pPr marL="2343105" indent="-514350">
+              <a:buFont typeface="Wingdings" panose="05000000000000000000" pitchFamily="2" charset="2"/>
+              <a:buChar char="§"/>
+              <a:defRPr>
+                <a:solidFill>
+                  <a:schemeClr val="tx1"/>
+                </a:solidFill>
+              </a:defRPr>
+            </a:lvl4pPr>
+            <a:lvl5pPr marL="2952689" indent="-514350">
+              <a:buFont typeface="Wingdings" panose="05000000000000000000" pitchFamily="2" charset="2"/>
+              <a:buChar char="§"/>
+              <a:defRPr>
+                <a:solidFill>
+                  <a:schemeClr val="tx1"/>
+                </a:solidFill>
+              </a:defRPr>
+            </a:lvl5pPr>
+          </a:lstStyle>
+          <a:p>
+            <a:pPr lvl="0"/>
+            <a:r>
+              <a:rPr lang="en-US" dirty="0"/>
+              <a:t>…</a:t>
+            </a:r>
+          </a:p>
+          <a:p>
+            <a:pPr lvl="0"/>
+            <a:r>
+              <a:rPr lang="en-GB" dirty="0"/>
+              <a:t>…</a:t>
+            </a:r>
+            <a:endParaRPr lang="en-US" dirty="0"/>
+          </a:p>
+          <a:p>
+            <a:pPr lvl="0"/>
+            <a:r>
+              <a:rPr lang="en-GB" dirty="0"/>
+              <a:t>…</a:t>
+            </a:r>
+            <a:endParaRPr lang="en-US" dirty="0"/>
+          </a:p>
+          <a:p>
+            <a:pPr lvl="0"/>
+            <a:endParaRPr lang="en-US" dirty="0"/>
+          </a:p>
+        </p:txBody>
+      </p:sp>
+      <p:sp>
+        <p:nvSpPr>
+          <p:cNvPr id="4" name="Title 3"/>
+          <p:cNvSpPr>
+            <a:spLocks noGrp="1"/>
+          </p:cNvSpPr>
+          <p:nvPr>
+            <p:ph type="title"/>
+          </p:nvPr>
+        </p:nvSpPr>
+        <p:spPr/>
+        <p:txBody>
+          <a:bodyPr>
+            <a:normAutofit/>
+          </a:bodyPr>
+          <a:lstStyle/>
+          <a:p>
+            <a:r>
+              <a:rPr lang="bg-BG" dirty="0"/>
+              <a:t>Обобщение</a:t>
+            </a:r>
+            <a:endParaRPr lang="en-US" dirty="0"/>
+          </a:p>
+        </p:txBody>
+      </p:sp>
+      <p:grpSp>
+        <p:nvGrpSpPr>
+          <p:cNvPr id="9" name="Group 8">
+            <a:extLst>
+              <a:ext uri="{FF2B5EF4-FFF2-40B4-BE49-F238E27FC236}">
+                <a16:creationId xmlns:a16="http://schemas.microsoft.com/office/drawing/2014/main" id="{EBAFE522-EB7D-4931-A015-9A7E8A98517D}"/>
+              </a:ext>
+            </a:extLst>
+          </p:cNvPr>
+          <p:cNvGrpSpPr/>
+          <p:nvPr/>
+        </p:nvGrpSpPr>
+        <p:grpSpPr>
+          <a:xfrm>
+            <a:off x="191942" y="1419750"/>
+            <a:ext cx="9302704" cy="5300339"/>
+            <a:chOff x="472011" y="1508786"/>
+            <a:chExt cx="3799787" cy="4865561"/>
+          </a:xfrm>
+        </p:grpSpPr>
+        <p:sp>
+          <p:nvSpPr>
+            <p:cNvPr id="10" name="Rounded Rectangle 10">
+              <a:extLst>
+                <a:ext uri="{FF2B5EF4-FFF2-40B4-BE49-F238E27FC236}">
+                  <a16:creationId xmlns:a16="http://schemas.microsoft.com/office/drawing/2014/main" id="{18F78F23-3D09-4B63-8DF9-D49CFBB145EE}"/>
+                </a:ext>
+              </a:extLst>
+            </p:cNvPr>
+            <p:cNvSpPr/>
+            <p:nvPr/>
+          </p:nvSpPr>
+          <p:spPr>
+            <a:xfrm>
+              <a:off x="472011" y="1508786"/>
+              <a:ext cx="3799787" cy="4865561"/>
+            </a:xfrm>
+            <a:prstGeom prst="roundRect">
+              <a:avLst>
+                <a:gd name="adj" fmla="val 3968"/>
+              </a:avLst>
+            </a:prstGeom>
+            <a:solidFill>
+              <a:schemeClr val="tx2"/>
+            </a:solidFill>
+            <a:ln>
+              <a:noFill/>
+            </a:ln>
+          </p:spPr>
+          <p:style>
+            <a:lnRef idx="2">
+              <a:schemeClr val="accent1">
+                <a:shade val="50000"/>
+              </a:schemeClr>
+            </a:lnRef>
+            <a:fillRef idx="1">
+              <a:schemeClr val="accent1"/>
+            </a:fillRef>
+            <a:effectRef idx="0">
+              <a:schemeClr val="accent1"/>
+            </a:effectRef>
+            <a:fontRef idx="minor">
+              <a:schemeClr val="lt1"/>
+            </a:fontRef>
+          </p:style>
+          <p:txBody>
+            <a:bodyPr rtlCol="0" anchor="ctr"/>
+            <a:lstStyle/>
+            <a:p>
+              <a:pPr marL="0" marR="0" lvl="0" indent="0" algn="ctr" defTabSz="914400" rtl="0" eaLnBrk="1" fontAlgn="auto" latinLnBrk="0" hangingPunct="1">
+                <a:lnSpc>
+                  <a:spcPct val="100000"/>
+                </a:lnSpc>
+                <a:spcBef>
+                  <a:spcPts val="0"/>
+                </a:spcBef>
+                <a:spcAft>
+                  <a:spcPts val="0"/>
+                </a:spcAft>
+                <a:buClrTx/>
+                <a:buSzTx/>
+                <a:buFontTx/>
+                <a:buNone/>
+                <a:tabLst/>
+                <a:defRPr/>
+              </a:pPr>
+              <a:endParaRPr kumimoji="0" lang="ko-KR" altLang="en-US" sz="2399" b="0" i="0" u="none" strike="noStrike" kern="1200" cap="none" spc="0" normalizeH="0" baseline="0" noProof="0" dirty="0">
+                <a:ln>
+                  <a:noFill/>
+                </a:ln>
+                <a:solidFill>
+                  <a:srgbClr val="FFA000"/>
+                </a:solidFill>
+                <a:effectLst/>
+                <a:uLnTx/>
+                <a:uFillTx/>
+                <a:latin typeface="Calibri" panose="020F0502020204030204"/>
+                <a:ea typeface="맑은 고딕" panose="020B0503020000020004" pitchFamily="34" charset="-127"/>
+                <a:cs typeface="+mn-cs"/>
+              </a:endParaRPr>
+            </a:p>
+          </p:txBody>
+        </p:sp>
+        <p:sp>
+          <p:nvSpPr>
+            <p:cNvPr id="11" name="Rounded Rectangle 16">
+              <a:extLst>
+                <a:ext uri="{FF2B5EF4-FFF2-40B4-BE49-F238E27FC236}">
+                  <a16:creationId xmlns:a16="http://schemas.microsoft.com/office/drawing/2014/main" id="{F12C06CE-2BBE-46C2-B718-813794C58DF9}"/>
+                </a:ext>
+              </a:extLst>
+            </p:cNvPr>
+            <p:cNvSpPr/>
+            <p:nvPr/>
+          </p:nvSpPr>
+          <p:spPr>
+            <a:xfrm>
+              <a:off x="540767" y="1781251"/>
+              <a:ext cx="85794" cy="4320631"/>
+            </a:xfrm>
+            <a:prstGeom prst="roundRect">
+              <a:avLst>
+                <a:gd name="adj" fmla="val 50000"/>
+              </a:avLst>
+            </a:prstGeom>
+            <a:solidFill>
+              <a:schemeClr val="bg2">
+                <a:alpha val="41000"/>
+              </a:schemeClr>
+            </a:solidFill>
+            <a:ln>
+              <a:noFill/>
+            </a:ln>
+          </p:spPr>
+          <p:style>
+            <a:lnRef idx="2">
+              <a:schemeClr val="accent1">
+                <a:shade val="50000"/>
+              </a:schemeClr>
+            </a:lnRef>
+            <a:fillRef idx="1">
+              <a:schemeClr val="accent1"/>
+            </a:fillRef>
+            <a:effectRef idx="0">
+              <a:schemeClr val="accent1"/>
+            </a:effectRef>
+            <a:fontRef idx="minor">
+              <a:schemeClr val="lt1"/>
+            </a:fontRef>
+          </p:style>
+          <p:txBody>
+            <a:bodyPr rtlCol="0" anchor="ctr"/>
+            <a:lstStyle/>
+            <a:p>
+              <a:pPr marL="0" marR="0" lvl="0" indent="0" algn="ctr" defTabSz="914400" rtl="0" eaLnBrk="1" fontAlgn="auto" latinLnBrk="0" hangingPunct="1">
+                <a:lnSpc>
+                  <a:spcPct val="100000"/>
+                </a:lnSpc>
+                <a:spcBef>
+                  <a:spcPts val="0"/>
+                </a:spcBef>
+                <a:spcAft>
+                  <a:spcPts val="0"/>
+                </a:spcAft>
+                <a:buClrTx/>
+                <a:buSzTx/>
+                <a:buFontTx/>
+                <a:buNone/>
+                <a:tabLst/>
+                <a:defRPr/>
+              </a:pPr>
+              <a:endParaRPr kumimoji="0" lang="ko-KR" altLang="en-US" sz="2399" b="0" i="0" u="none" strike="noStrike" kern="1200" cap="none" spc="0" normalizeH="0" baseline="0" noProof="0">
+                <a:ln>
+                  <a:noFill/>
+                </a:ln>
+                <a:solidFill>
+                  <a:srgbClr val="FFA000"/>
+                </a:solidFill>
+                <a:effectLst/>
+                <a:uLnTx/>
+                <a:uFillTx/>
+                <a:latin typeface="Calibri" panose="020F0502020204030204"/>
+                <a:ea typeface="맑은 고딕" panose="020B0503020000020004" pitchFamily="34" charset="-127"/>
+                <a:cs typeface="+mn-cs"/>
+              </a:endParaRPr>
+            </a:p>
+          </p:txBody>
+        </p:sp>
+        <p:sp>
+          <p:nvSpPr>
+            <p:cNvPr id="12" name="Half Frame 11">
+              <a:extLst>
+                <a:ext uri="{FF2B5EF4-FFF2-40B4-BE49-F238E27FC236}">
+                  <a16:creationId xmlns:a16="http://schemas.microsoft.com/office/drawing/2014/main" id="{66CDBB1E-AF3C-43FC-9F34-2DD691F81726}"/>
+                </a:ext>
+              </a:extLst>
+            </p:cNvPr>
+            <p:cNvSpPr/>
+            <p:nvPr/>
+          </p:nvSpPr>
+          <p:spPr>
+            <a:xfrm rot="5400000">
+              <a:off x="3762569" y="1912372"/>
+              <a:ext cx="669775" cy="238503"/>
+            </a:xfrm>
+            <a:prstGeom prst="halfFrame">
+              <a:avLst>
+                <a:gd name="adj1" fmla="val 23728"/>
+                <a:gd name="adj2" fmla="val 24642"/>
+              </a:avLst>
+            </a:prstGeom>
+            <a:solidFill>
+              <a:schemeClr val="bg2">
+                <a:alpha val="23000"/>
+              </a:schemeClr>
+            </a:solidFill>
+            <a:ln>
+              <a:noFill/>
+            </a:ln>
+          </p:spPr>
+          <p:style>
+            <a:lnRef idx="2">
+              <a:schemeClr val="accent1">
+                <a:shade val="50000"/>
+              </a:schemeClr>
+            </a:lnRef>
+            <a:fillRef idx="1">
+              <a:schemeClr val="accent1"/>
+            </a:fillRef>
+            <a:effectRef idx="0">
+              <a:schemeClr val="accent1"/>
+            </a:effectRef>
+            <a:fontRef idx="minor">
+              <a:schemeClr val="lt1"/>
+            </a:fontRef>
+          </p:style>
+          <p:txBody>
+            <a:bodyPr rtlCol="0" anchor="ctr"/>
+            <a:lstStyle/>
+            <a:p>
+              <a:pPr marL="0" marR="0" lvl="0" indent="0" algn="ctr" defTabSz="914400" rtl="0" eaLnBrk="1" fontAlgn="auto" latinLnBrk="0" hangingPunct="1">
+                <a:lnSpc>
+                  <a:spcPct val="100000"/>
+                </a:lnSpc>
+                <a:spcBef>
+                  <a:spcPts val="0"/>
+                </a:spcBef>
+                <a:spcAft>
+                  <a:spcPts val="0"/>
+                </a:spcAft>
+                <a:buClrTx/>
+                <a:buSzTx/>
+                <a:buFontTx/>
+                <a:buNone/>
+                <a:tabLst/>
+                <a:defRPr/>
+              </a:pPr>
+              <a:endParaRPr kumimoji="0" lang="ko-KR" altLang="en-US" sz="2399" b="0" i="0" u="none" strike="noStrike" kern="1200" cap="none" spc="0" normalizeH="0" baseline="0" noProof="0">
+                <a:ln>
+                  <a:noFill/>
+                </a:ln>
+                <a:solidFill>
+                  <a:srgbClr val="234465"/>
+                </a:solidFill>
+                <a:effectLst/>
+                <a:uLnTx/>
+                <a:uFillTx/>
+                <a:latin typeface="Calibri" panose="020F0502020204030204"/>
+                <a:ea typeface="맑은 고딕" panose="020B0503020000020004" pitchFamily="34" charset="-127"/>
+                <a:cs typeface="+mn-cs"/>
+              </a:endParaRPr>
+            </a:p>
+          </p:txBody>
+        </p:sp>
+      </p:grpSp>
+      <p:pic>
+        <p:nvPicPr>
+          <p:cNvPr id="13" name="Picture 12">
+            <a:extLst>
+              <a:ext uri="{FF2B5EF4-FFF2-40B4-BE49-F238E27FC236}">
+                <a16:creationId xmlns:a16="http://schemas.microsoft.com/office/drawing/2014/main" id="{CCC3A316-993C-4741-8826-E104F27650A3}"/>
+              </a:ext>
+            </a:extLst>
+          </p:cNvPr>
+          <p:cNvPicPr>
+            <a:picLocks noChangeAspect="1"/>
+          </p:cNvPicPr>
+          <p:nvPr/>
+        </p:nvPicPr>
+        <p:blipFill rotWithShape="1">
+          <a:blip r:embed="rId3" cstate="print">
+            <a:extLst>
+              <a:ext uri="{28A0092B-C50C-407E-A947-70E740481C1C}">
+                <a14:useLocalDpi xmlns:a14="http://schemas.microsoft.com/office/drawing/2010/main" val="0"/>
+              </a:ext>
+            </a:extLst>
+          </a:blip>
+          <a:srcRect/>
+          <a:stretch/>
+        </p:blipFill>
+        <p:spPr>
+          <a:xfrm flipH="1">
+            <a:off x="9634833" y="4105075"/>
+            <a:ext cx="2118197" cy="2292422"/>
+          </a:xfrm>
+          <a:prstGeom prst="rect">
+            <a:avLst/>
+          </a:prstGeom>
+        </p:spPr>
+      </p:pic>
+      <p:sp>
+        <p:nvSpPr>
+          <p:cNvPr id="15" name="Content Placeholder 4">
+            <a:extLst>
+              <a:ext uri="{FF2B5EF4-FFF2-40B4-BE49-F238E27FC236}">
+                <a16:creationId xmlns:a16="http://schemas.microsoft.com/office/drawing/2014/main" id="{B96A0DF8-27E7-4DC8-BBE3-7238AAAEB845}"/>
+              </a:ext>
+            </a:extLst>
+          </p:cNvPr>
+          <p:cNvSpPr txBox="1">
+            <a:spLocks/>
+          </p:cNvSpPr>
+          <p:nvPr/>
+        </p:nvSpPr>
+        <p:spPr>
+          <a:xfrm>
+            <a:off x="445613" y="1606714"/>
+            <a:ext cx="11815018" cy="5201066"/>
+          </a:xfrm>
+          <a:prstGeom prst="rect">
+            <a:avLst/>
+          </a:prstGeom>
+        </p:spPr>
+        <p:txBody>
+          <a:bodyPr vert="horz" lIns="108000" tIns="36000" rIns="108000" bIns="36000" rtlCol="0">
+            <a:normAutofit/>
+          </a:bodyPr>
+          <a:lstStyle>
+            <a:lvl1pPr marL="456915" indent="-456915" algn="l" defTabSz="1218438" rtl="0" eaLnBrk="1" latinLnBrk="1" hangingPunct="1">
+              <a:lnSpc>
+                <a:spcPct val="105000"/>
+              </a:lnSpc>
+              <a:spcBef>
+                <a:spcPts val="600"/>
+              </a:spcBef>
+              <a:spcAft>
+                <a:spcPts val="600"/>
+              </a:spcAft>
+              <a:buFont typeface="Wingdings" panose="05000000000000000000" pitchFamily="2" charset="2"/>
+              <a:buChar char="§"/>
+              <a:defRPr sz="3398" kern="1200">
+                <a:solidFill>
+                  <a:schemeClr val="tx1"/>
+                </a:solidFill>
+                <a:latin typeface="+mn-lt"/>
+                <a:ea typeface="+mn-ea"/>
+                <a:cs typeface="+mn-cs"/>
+              </a:defRPr>
+            </a:lvl1pPr>
+            <a:lvl2pPr marL="989981" indent="-380762" algn="l" defTabSz="1218438" rtl="0" eaLnBrk="1" latinLnBrk="1" hangingPunct="1">
+              <a:lnSpc>
+                <a:spcPct val="105000"/>
+              </a:lnSpc>
+              <a:spcBef>
+                <a:spcPts val="600"/>
+              </a:spcBef>
+              <a:spcAft>
+                <a:spcPts val="600"/>
+              </a:spcAft>
+              <a:buFont typeface="Wingdings" panose="05000000000000000000" pitchFamily="2" charset="2"/>
+              <a:buChar char="§"/>
+              <a:defRPr sz="3198" kern="1200">
+                <a:solidFill>
+                  <a:schemeClr val="tx1"/>
+                </a:solidFill>
+                <a:latin typeface="+mn-lt"/>
+                <a:ea typeface="+mn-ea"/>
+                <a:cs typeface="+mn-cs"/>
+              </a:defRPr>
+            </a:lvl2pPr>
+            <a:lvl3pPr marL="1523048" indent="-304610" algn="l" defTabSz="1218438" rtl="0" eaLnBrk="1" latinLnBrk="1" hangingPunct="1">
+              <a:lnSpc>
+                <a:spcPct val="105000"/>
+              </a:lnSpc>
+              <a:spcBef>
+                <a:spcPts val="600"/>
+              </a:spcBef>
+              <a:spcAft>
+                <a:spcPts val="600"/>
+              </a:spcAft>
+              <a:buFont typeface="Wingdings" panose="05000000000000000000" pitchFamily="2" charset="2"/>
+              <a:buChar char="§"/>
+              <a:defRPr sz="2998" kern="1200">
+                <a:solidFill>
+                  <a:schemeClr val="tx1"/>
+                </a:solidFill>
+                <a:latin typeface="+mn-lt"/>
+                <a:ea typeface="+mn-ea"/>
+                <a:cs typeface="+mn-cs"/>
+              </a:defRPr>
+            </a:lvl3pPr>
+            <a:lvl4pPr marL="2132267" indent="-304610" algn="l" defTabSz="1218438" rtl="0" eaLnBrk="1" latinLnBrk="1" hangingPunct="1">
+              <a:lnSpc>
+                <a:spcPct val="105000"/>
+              </a:lnSpc>
+              <a:spcBef>
+                <a:spcPts val="600"/>
+              </a:spcBef>
+              <a:spcAft>
+                <a:spcPts val="600"/>
+              </a:spcAft>
+              <a:buFont typeface="Wingdings" panose="05000000000000000000" pitchFamily="2" charset="2"/>
+              <a:buChar char="§"/>
+              <a:defRPr sz="2798" kern="1200">
+                <a:solidFill>
+                  <a:schemeClr val="tx1"/>
+                </a:solidFill>
+                <a:latin typeface="+mn-lt"/>
+                <a:ea typeface="+mn-ea"/>
+                <a:cs typeface="+mn-cs"/>
+              </a:defRPr>
+            </a:lvl4pPr>
+            <a:lvl5pPr marL="2741485" indent="-304610" algn="l" defTabSz="1218438" rtl="0" eaLnBrk="1" latinLnBrk="1" hangingPunct="1">
+              <a:lnSpc>
+                <a:spcPct val="105000"/>
+              </a:lnSpc>
+              <a:spcBef>
+                <a:spcPts val="600"/>
+              </a:spcBef>
+              <a:spcAft>
+                <a:spcPts val="600"/>
+              </a:spcAft>
+              <a:buFont typeface="Wingdings" panose="05000000000000000000" pitchFamily="2" charset="2"/>
+              <a:buChar char="§"/>
+              <a:defRPr sz="2598" kern="1200">
+                <a:solidFill>
+                  <a:schemeClr val="tx1"/>
+                </a:solidFill>
+                <a:latin typeface="+mn-lt"/>
+                <a:ea typeface="+mn-ea"/>
+                <a:cs typeface="+mn-cs"/>
+              </a:defRPr>
+            </a:lvl5pPr>
+            <a:lvl6pPr marL="3350704" indent="-304610" algn="l" defTabSz="1218438" rtl="0" eaLnBrk="1" latinLnBrk="1" hangingPunct="1">
+              <a:spcBef>
+                <a:spcPct val="20000"/>
+              </a:spcBef>
+              <a:buFont typeface="Arial" pitchFamily="34" charset="0"/>
+              <a:buChar char="•"/>
+              <a:defRPr sz="2665" kern="1200">
+                <a:solidFill>
+                  <a:schemeClr val="tx1"/>
+                </a:solidFill>
+                <a:latin typeface="+mn-lt"/>
+                <a:ea typeface="+mn-ea"/>
+                <a:cs typeface="+mn-cs"/>
+              </a:defRPr>
+            </a:lvl6pPr>
+            <a:lvl7pPr marL="3959924" indent="-304610" algn="l" defTabSz="1218438" rtl="0" eaLnBrk="1" latinLnBrk="1" hangingPunct="1">
+              <a:spcBef>
+                <a:spcPct val="20000"/>
+              </a:spcBef>
+              <a:buFont typeface="Arial" pitchFamily="34" charset="0"/>
+              <a:buChar char="•"/>
+              <a:defRPr sz="2665" kern="1200">
+                <a:solidFill>
+                  <a:schemeClr val="tx1"/>
+                </a:solidFill>
+                <a:latin typeface="+mn-lt"/>
+                <a:ea typeface="+mn-ea"/>
+                <a:cs typeface="+mn-cs"/>
+              </a:defRPr>
+            </a:lvl7pPr>
+            <a:lvl8pPr marL="4569143" indent="-304610" algn="l" defTabSz="1218438" rtl="0" eaLnBrk="1" latinLnBrk="1" hangingPunct="1">
+              <a:spcBef>
+                <a:spcPct val="20000"/>
+              </a:spcBef>
+              <a:buFont typeface="Arial" pitchFamily="34" charset="0"/>
+              <a:buChar char="•"/>
+              <a:defRPr sz="2665" kern="1200">
+                <a:solidFill>
+                  <a:schemeClr val="tx1"/>
+                </a:solidFill>
+                <a:latin typeface="+mn-lt"/>
+                <a:ea typeface="+mn-ea"/>
+                <a:cs typeface="+mn-cs"/>
+              </a:defRPr>
+            </a:lvl8pPr>
+            <a:lvl9pPr marL="5178362" indent="-304610" algn="l" defTabSz="1218438" rtl="0" eaLnBrk="1" latinLnBrk="1" hangingPunct="1">
+              <a:spcBef>
+                <a:spcPct val="20000"/>
+              </a:spcBef>
+              <a:buFont typeface="Arial" pitchFamily="34" charset="0"/>
+              <a:buChar char="•"/>
+              <a:defRPr sz="2665" kern="1200">
+                <a:solidFill>
+                  <a:schemeClr val="tx1"/>
+                </a:solidFill>
+                <a:latin typeface="+mn-lt"/>
+                <a:ea typeface="+mn-ea"/>
+                <a:cs typeface="+mn-cs"/>
+              </a:defRPr>
+            </a:lvl9pPr>
+          </a:lstStyle>
+          <a:p>
+            <a:pPr marL="456915" marR="0" lvl="0" indent="-456915" algn="l" defTabSz="1218438" rtl="0" eaLnBrk="1" fontAlgn="auto" latinLnBrk="1" hangingPunct="1">
+              <a:lnSpc>
+                <a:spcPct val="100000"/>
+              </a:lnSpc>
+              <a:spcBef>
+                <a:spcPts val="600"/>
+              </a:spcBef>
+              <a:spcAft>
+                <a:spcPts val="600"/>
+              </a:spcAft>
+              <a:buClr>
+                <a:srgbClr val="FFFFFF"/>
+              </a:buClr>
+              <a:buSzTx/>
+              <a:buFont typeface="Wingdings" panose="05000000000000000000" pitchFamily="2" charset="2"/>
+              <a:buChar char="§"/>
+              <a:tabLst/>
+              <a:defRPr/>
+            </a:pPr>
+            <a:endParaRPr kumimoji="0" lang="en-US" sz="2800" b="0" i="0" u="none" strike="noStrike" kern="1200" cap="none" spc="0" normalizeH="0" baseline="0" noProof="0" dirty="0">
+              <a:ln>
+                <a:noFill/>
+              </a:ln>
+              <a:solidFill>
+                <a:schemeClr val="bg2"/>
+              </a:solidFill>
+              <a:effectLst/>
+              <a:uLnTx/>
+              <a:uFillTx/>
+              <a:latin typeface="Calibri" panose="020F0502020204030204"/>
+              <a:ea typeface="+mn-ea"/>
+              <a:cs typeface="+mn-cs"/>
+            </a:endParaRPr>
+          </a:p>
+        </p:txBody>
+      </p:sp>
+      <p:sp>
+        <p:nvSpPr>
+          <p:cNvPr id="2" name="Rectangle 1"/>
+          <p:cNvSpPr/>
+          <p:nvPr/>
+        </p:nvSpPr>
+        <p:spPr>
+          <a:xfrm>
+            <a:off x="561000" y="1719000"/>
+            <a:ext cx="8795363" cy="4689425"/>
+          </a:xfrm>
+          <a:prstGeom prst="rect">
+            <a:avLst/>
+          </a:prstGeom>
+        </p:spPr>
+        <p:txBody>
+          <a:bodyPr wrap="square">
+            <a:spAutoFit/>
+          </a:bodyPr>
+          <a:lstStyle/>
+          <a:p>
+            <a:pPr marL="457200" indent="-457200">
+              <a:spcAft>
+                <a:spcPts val="600"/>
+              </a:spcAft>
+              <a:buClr>
+                <a:schemeClr val="bg2"/>
+              </a:buClr>
+              <a:buFont typeface="Wingdings" panose="05000000000000000000" pitchFamily="2" charset="2"/>
+              <a:buChar char="§"/>
+            </a:pPr>
+            <a:r>
+              <a:rPr lang="bg-BG" sz="3400" b="1" dirty="0">
+                <a:solidFill>
+                  <a:schemeClr val="bg1">
+                    <a:lumMod val="40000"/>
+                    <a:lumOff val="60000"/>
+                  </a:schemeClr>
+                </a:solidFill>
+              </a:rPr>
+              <a:t>M</a:t>
+            </a:r>
+            <a:r>
+              <a:rPr lang="en-US" sz="3400" b="1" dirty="0">
+                <a:solidFill>
+                  <a:schemeClr val="bg1">
+                    <a:lumMod val="40000"/>
+                    <a:lumOff val="60000"/>
+                  </a:schemeClr>
+                </a:solidFill>
+              </a:rPr>
+              <a:t>S SQL Server</a:t>
+            </a:r>
+            <a:r>
+              <a:rPr lang="en-US" sz="3400" dirty="0">
+                <a:solidFill>
+                  <a:schemeClr val="bg1">
+                    <a:lumMod val="40000"/>
+                    <a:lumOff val="60000"/>
+                  </a:schemeClr>
+                </a:solidFill>
+              </a:rPr>
+              <a:t> == </a:t>
+            </a:r>
+            <a:r>
+              <a:rPr lang="bg-BG" sz="3400" dirty="0">
+                <a:solidFill>
+                  <a:schemeClr val="bg2"/>
+                </a:solidFill>
+              </a:rPr>
+              <a:t>система за управление на големи обеми от данни</a:t>
+            </a:r>
+          </a:p>
+          <a:p>
+            <a:pPr marL="457200" indent="-457200">
+              <a:spcAft>
+                <a:spcPts val="600"/>
+              </a:spcAft>
+              <a:buClr>
+                <a:schemeClr val="bg2"/>
+              </a:buClr>
+              <a:buFont typeface="Wingdings" panose="05000000000000000000" pitchFamily="2" charset="2"/>
+              <a:buChar char="§"/>
+            </a:pPr>
+            <a:r>
+              <a:rPr lang="en-US" sz="3400" b="1" dirty="0">
+                <a:solidFill>
+                  <a:schemeClr val="bg1">
+                    <a:lumMod val="40000"/>
+                    <a:lumOff val="60000"/>
+                  </a:schemeClr>
+                </a:solidFill>
+              </a:rPr>
+              <a:t>SQL Server Express LocalDB</a:t>
+            </a:r>
+            <a:r>
+              <a:rPr lang="bg-BG" sz="3400" b="1" dirty="0">
+                <a:solidFill>
+                  <a:schemeClr val="bg1">
+                    <a:lumMod val="40000"/>
+                    <a:lumOff val="60000"/>
+                  </a:schemeClr>
+                </a:solidFill>
+              </a:rPr>
+              <a:t> == </a:t>
+            </a:r>
+            <a:r>
+              <a:rPr lang="bg-BG" sz="3400" dirty="0">
+                <a:solidFill>
+                  <a:schemeClr val="bg2"/>
+                </a:solidFill>
+              </a:rPr>
+              <a:t>опростена версия на Microsoft SQL Server</a:t>
+            </a:r>
+          </a:p>
+          <a:p>
+            <a:pPr marL="457200" indent="-457200">
+              <a:lnSpc>
+                <a:spcPct val="100000"/>
+              </a:lnSpc>
+              <a:spcAft>
+                <a:spcPts val="600"/>
+              </a:spcAft>
+              <a:buFont typeface="Wingdings" panose="05000000000000000000" pitchFamily="2" charset="2"/>
+              <a:buChar char="§"/>
+            </a:pPr>
+            <a:r>
+              <a:rPr lang="bg-BG" sz="3400" dirty="0">
+                <a:solidFill>
+                  <a:schemeClr val="bg2"/>
+                </a:solidFill>
+              </a:rPr>
+              <a:t>Чрез </a:t>
+            </a:r>
+            <a:r>
+              <a:rPr lang="en-US" sz="3400" dirty="0">
+                <a:solidFill>
+                  <a:schemeClr val="bg2"/>
+                </a:solidFill>
+              </a:rPr>
+              <a:t>SQL </a:t>
+            </a:r>
+            <a:r>
+              <a:rPr lang="bg-BG" sz="3400" dirty="0">
+                <a:solidFill>
+                  <a:schemeClr val="bg2"/>
+                </a:solidFill>
+              </a:rPr>
+              <a:t>можем да </a:t>
+            </a:r>
+            <a:r>
+              <a:rPr lang="bg-BG" sz="3400" b="1" dirty="0">
+                <a:solidFill>
+                  <a:schemeClr val="bg1">
+                    <a:lumMod val="40000"/>
+                    <a:lumOff val="60000"/>
+                  </a:schemeClr>
+                </a:solidFill>
+              </a:rPr>
+              <a:t>създаваме таблици</a:t>
+            </a:r>
+            <a:r>
+              <a:rPr lang="bg-BG" sz="3400" dirty="0">
+                <a:solidFill>
+                  <a:schemeClr val="bg2"/>
+                </a:solidFill>
+              </a:rPr>
+              <a:t>, да </a:t>
+            </a:r>
+            <a:r>
+              <a:rPr lang="bg-BG" sz="3400" b="1" dirty="0">
+                <a:solidFill>
+                  <a:schemeClr val="bg1">
+                    <a:lumMod val="40000"/>
+                    <a:lumOff val="60000"/>
+                  </a:schemeClr>
+                </a:solidFill>
+              </a:rPr>
+              <a:t>вмъкваме</a:t>
+            </a:r>
+            <a:r>
+              <a:rPr lang="bg-BG" sz="3400" dirty="0">
+                <a:solidFill>
+                  <a:schemeClr val="bg2"/>
+                </a:solidFill>
+              </a:rPr>
+              <a:t> и </a:t>
+            </a:r>
+            <a:r>
+              <a:rPr lang="bg-BG" sz="3400" b="1" dirty="0">
+                <a:solidFill>
+                  <a:schemeClr val="bg1">
+                    <a:lumMod val="40000"/>
+                    <a:lumOff val="60000"/>
+                  </a:schemeClr>
+                </a:solidFill>
+              </a:rPr>
+              <a:t>редактираме</a:t>
+            </a:r>
+            <a:r>
+              <a:rPr lang="bg-BG" sz="3400" dirty="0">
+                <a:solidFill>
+                  <a:schemeClr val="bg2"/>
+                </a:solidFill>
+              </a:rPr>
+              <a:t> данни</a:t>
+            </a:r>
+            <a:endParaRPr lang="en-US" sz="3400" dirty="0">
+              <a:solidFill>
+                <a:schemeClr val="bg2"/>
+              </a:solidFill>
+            </a:endParaRPr>
+          </a:p>
+          <a:p>
+            <a:pPr marL="457200" indent="-457200">
+              <a:lnSpc>
+                <a:spcPct val="100000"/>
+              </a:lnSpc>
+              <a:buFont typeface="Wingdings" panose="05000000000000000000" pitchFamily="2" charset="2"/>
+              <a:buChar char="§"/>
+            </a:pPr>
+            <a:endParaRPr lang="en-US" sz="3400" dirty="0">
+              <a:solidFill>
+                <a:schemeClr val="bg2"/>
+              </a:solidFill>
+            </a:endParaRPr>
+          </a:p>
+          <a:p>
+            <a:pPr marL="457200" indent="-457200">
+              <a:lnSpc>
+                <a:spcPct val="150000"/>
+              </a:lnSpc>
+              <a:buFont typeface="Wingdings" panose="05000000000000000000" pitchFamily="2" charset="2"/>
+              <a:buChar char="§"/>
+            </a:pPr>
+            <a:endParaRPr lang="en-US" sz="3400" b="1" dirty="0">
+              <a:solidFill>
+                <a:schemeClr val="bg2"/>
+              </a:solidFill>
+            </a:endParaRPr>
+          </a:p>
+        </p:txBody>
+      </p:sp>
+      <p:sp>
+        <p:nvSpPr>
+          <p:cNvPr id="3" name="Slide Number">
+            <a:extLst>
+              <a:ext uri="{FF2B5EF4-FFF2-40B4-BE49-F238E27FC236}">
+                <a16:creationId xmlns:a16="http://schemas.microsoft.com/office/drawing/2014/main" id="{D56998D3-96AE-97F0-0C9A-4B9BC889D15C}"/>
+              </a:ext>
+            </a:extLst>
+          </p:cNvPr>
+          <p:cNvSpPr>
+            <a:spLocks noGrp="1"/>
+          </p:cNvSpPr>
+          <p:nvPr>
+            <p:ph type="sldNum" sz="quarter" idx="5"/>
+          </p:nvPr>
+        </p:nvSpPr>
+        <p:spPr>
+          <a:xfrm>
+            <a:off x="11753030" y="6507000"/>
+            <a:ext cx="367414" cy="297000"/>
+          </a:xfrm>
+          <a:prstGeom prst="rect">
+            <a:avLst/>
+          </a:prstGeom>
+        </p:spPr>
+        <p:txBody>
+          <a:bodyPr vert="horz" lIns="91440" tIns="45720" rIns="91440" bIns="45720" rtlCol="0" anchor="b"/>
+          <a:lstStyle>
+            <a:lvl1pPr algn="r">
+              <a:defRPr sz="1000"/>
+            </a:lvl1pPr>
+          </a:lstStyle>
+          <a:p>
+            <a:fld id="{2BF067CD-8E6B-4360-9AA8-C5DF2A48A6D1}" type="slidenum">
+              <a:rPr lang="en-US" noProof="0" smtClean="0"/>
+              <a:pPr/>
+              <a:t>40</a:t>
+            </a:fld>
+            <a:endParaRPr lang="en-US" noProof="0" dirty="0"/>
+          </a:p>
+        </p:txBody>
+      </p:sp>
+    </p:spTree>
+    <p:extLst>
+      <p:ext uri="{BB962C8B-B14F-4D97-AF65-F5344CB8AC3E}">
+        <p14:creationId xmlns:p14="http://schemas.microsoft.com/office/powerpoint/2010/main" val="2357972623"/>
+      </p:ext>
+    </p:extLst>
+  </p:cSld>
+  <p:clrMapOvr>
+    <a:masterClrMapping/>
+  </p:clrMapOvr>
+  <mc:AlternateContent xmlns:mc="http://schemas.openxmlformats.org/markup-compatibility/2006" xmlns:p14="http://schemas.microsoft.com/office/powerpoint/2010/main">
+    <mc:Choice Requires="p14">
+      <p:transition spd="slow" p14:dur="2000" advClick="0" advTm="5000"/>
+    </mc:Choice>
+    <mc:Fallback xmlns="">
+      <p:transition spd="slow" advClick="0" advTm="5000"/>
+    </mc:Fallback>
+  </mc:AlternateContent>
+  <p:timing>
+    <p:tnLst>
+      <p:par>
+        <p:cTn id="1" dur="indefinite" restart="never" nodeType="tmRoot">
+          <p:childTnLst>
+            <p:seq concurrent="1" nextAc="seek">
+              <p:cTn id="2" dur="indefinite" nodeType="mainSeq">
+                <p:childTnLst>
+                  <p:par>
+                    <p:cTn id="3" fill="hold">
+                      <p:stCondLst>
+                        <p:cond delay="indefinite"/>
+                      </p:stCondLst>
+                      <p:childTnLst>
+                        <p:par>
+                          <p:cTn id="4" fill="hold">
+                            <p:stCondLst>
+                              <p:cond delay="0"/>
+                            </p:stCondLst>
+                            <p:childTnLst>
+                              <p:par>
+                                <p:cTn id="5" presetID="1" presetClass="entr" presetSubtype="0" fill="hold" nodeType="clickEffect">
+                                  <p:stCondLst>
+                                    <p:cond delay="0"/>
+                                  </p:stCondLst>
+                                  <p:childTnLst>
+                                    <p:set>
+                                      <p:cBhvr>
+                                        <p:cTn id="6" dur="1" fill="hold">
+                                          <p:stCondLst>
+                                            <p:cond delay="0"/>
+                                          </p:stCondLst>
+                                        </p:cTn>
+                                        <p:tgtEl>
+                                          <p:spTgt spid="2">
+                                            <p:txEl>
+                                              <p:pRg st="1" end="1"/>
+                                            </p:txEl>
+                                          </p:spTgt>
+                                        </p:tgtEl>
+                                        <p:attrNameLst>
+                                          <p:attrName>style.visibility</p:attrName>
+                                        </p:attrNameLst>
+                                      </p:cBhvr>
+                                      <p:to>
+                                        <p:strVal val="visible"/>
+                                      </p:to>
+                                    </p:set>
+                                  </p:childTnLst>
+                                </p:cTn>
+                              </p:par>
+                            </p:childTnLst>
+                          </p:cTn>
+                        </p:par>
+                      </p:childTnLst>
+                    </p:cTn>
+                  </p:par>
+                  <p:par>
+                    <p:cTn id="7" fill="hold">
+                      <p:stCondLst>
+                        <p:cond delay="indefinite"/>
+                      </p:stCondLst>
+                      <p:childTnLst>
+                        <p:par>
+                          <p:cTn id="8" fill="hold">
+                            <p:stCondLst>
+                              <p:cond delay="0"/>
+                            </p:stCondLst>
+                            <p:childTnLst>
+                              <p:par>
+                                <p:cTn id="9" presetID="1" presetClass="entr" presetSubtype="0" fill="hold" nodeType="clickEffect">
+                                  <p:stCondLst>
+                                    <p:cond delay="0"/>
+                                  </p:stCondLst>
+                                  <p:childTnLst>
+                                    <p:set>
+                                      <p:cBhvr>
+                                        <p:cTn id="10" dur="1" fill="hold">
+                                          <p:stCondLst>
+                                            <p:cond delay="0"/>
+                                          </p:stCondLst>
+                                        </p:cTn>
+                                        <p:tgtEl>
+                                          <p:spTgt spid="2">
+                                            <p:txEl>
+                                              <p:pRg st="2" end="2"/>
+                                            </p:txEl>
+                                          </p:spTgt>
+                                        </p:tgtEl>
+                                        <p:attrNameLst>
+                                          <p:attrName>style.visibility</p:attrName>
+                                        </p:attrNameLst>
+                                      </p:cBhvr>
+                                      <p:to>
+                                        <p:strVal val="visible"/>
+                                      </p:to>
+                                    </p:set>
+                                  </p:childTnLst>
+                                </p:cTn>
+                              </p:par>
+                            </p:childTnLst>
+                          </p:cTn>
+                        </p:par>
+                      </p:childTnLst>
+                    </p:cTn>
+                  </p:par>
+                </p:childTnLst>
+              </p:cTn>
+              <p:prevCondLst>
+                <p:cond evt="onPrev" delay="0">
+                  <p:tgtEl>
+                    <p:sldTgt/>
+                  </p:tgtEl>
+                </p:cond>
+              </p:prevCondLst>
+              <p:nextCondLst>
+                <p:cond evt="onNext" delay="0">
+                  <p:tgtEl>
+                    <p:sldTgt/>
+                  </p:tgtEl>
+                </p:cond>
+              </p:nextCondLst>
+            </p:seq>
+          </p:childTnLst>
+        </p:cTn>
+      </p:par>
+    </p:tnLst>
+  </p:timing>
+</p:sld>
+</file>
+
+<file path=ppt/slides/slide41.xml><?xml version="1.0" encoding="utf-8"?>
+<p:sld xmlns:a="http://schemas.openxmlformats.org/drawingml/2006/main" xmlns:r="http://schemas.openxmlformats.org/officeDocument/2006/relationships" xmlns:p="http://schemas.openxmlformats.org/presentationml/2006/main">
+  <p:cSld>
+    <p:spTree>
+      <p:nvGrpSpPr>
+        <p:cNvPr id="1" name=""/>
+        <p:cNvGrpSpPr/>
+        <p:nvPr/>
+      </p:nvGrpSpPr>
+      <p:grpSpPr>
+        <a:xfrm>
+          <a:off x="0" y="0"/>
+          <a:ext cx="0" cy="0"/>
+          <a:chOff x="0" y="0"/>
+          <a:chExt cx="0" cy="0"/>
+        </a:xfrm>
+      </p:grpSpPr>
+      <p:sp>
+        <p:nvSpPr>
+          <p:cNvPr id="5" name="Slide Title">
+            <a:extLst>
+              <a:ext uri="{FF2B5EF4-FFF2-40B4-BE49-F238E27FC236}">
+                <a16:creationId xmlns:a16="http://schemas.microsoft.com/office/drawing/2014/main" id="{FA0703FC-0F8F-4C80-A615-E4B381EC0E0C}"/>
+              </a:ext>
+            </a:extLst>
+          </p:cNvPr>
+          <p:cNvSpPr>
+            <a:spLocks noGrp="1"/>
+          </p:cNvSpPr>
+          <p:nvPr>
+            <p:ph type="title"/>
+          </p:nvPr>
+        </p:nvSpPr>
+        <p:spPr/>
+        <p:txBody>
+          <a:bodyPr/>
+          <a:lstStyle/>
+          <a:p>
+            <a:r>
+              <a:rPr lang="bg-BG" dirty="0"/>
+              <a:t>Въпроси</a:t>
+            </a:r>
+            <a:r>
+              <a:rPr lang="en-US" dirty="0"/>
+              <a:t>?</a:t>
+            </a:r>
+          </a:p>
+        </p:txBody>
+      </p:sp>
+      <p:sp>
+        <p:nvSpPr>
+          <p:cNvPr id="2" name="Rectangle Bottom Copyright">
+            <a:extLst>
+              <a:ext uri="{FF2B5EF4-FFF2-40B4-BE49-F238E27FC236}">
+                <a16:creationId xmlns:a16="http://schemas.microsoft.com/office/drawing/2014/main" id="{664812A4-2991-44D1-BFE9-32E55AADF8A5}"/>
+              </a:ext>
+            </a:extLst>
+          </p:cNvPr>
+          <p:cNvSpPr/>
+          <p:nvPr/>
+        </p:nvSpPr>
+        <p:spPr>
+          <a:xfrm>
+            <a:off x="111000" y="6454758"/>
+            <a:ext cx="11970000" cy="304242"/>
+          </a:xfrm>
+          <a:prstGeom prst="rect">
+            <a:avLst/>
+          </a:prstGeom>
+        </p:spPr>
+        <p:txBody>
+          <a:bodyPr wrap="square">
+            <a:noAutofit/>
+          </a:bodyPr>
+          <a:lstStyle/>
+          <a:p>
+            <a:pPr algn="ctr">
+              <a:lnSpc>
+                <a:spcPct val="100000"/>
+              </a:lnSpc>
+              <a:spcBef>
+                <a:spcPts val="0"/>
+              </a:spcBef>
+              <a:spcAft>
+                <a:spcPts val="0"/>
+              </a:spcAft>
+            </a:pPr>
+            <a:r>
+              <a:rPr lang="bg-BG" sz="1600" dirty="0">
+                <a:solidFill>
+                  <a:schemeClr val="bg2"/>
+                </a:solidFill>
+                <a:effectLst/>
+                <a:latin typeface="Calibri" panose="020F0502020204030204" pitchFamily="34" charset="0"/>
+                <a:ea typeface="Calibri" panose="020F0502020204030204" pitchFamily="34" charset="0"/>
+                <a:cs typeface="Arial" panose="020B0604020202020204" pitchFamily="34" charset="0"/>
+              </a:rPr>
+              <a:t>Проект "</a:t>
+            </a:r>
+            <a:r>
+              <a:rPr lang="bg-BG" sz="1600" dirty="0">
+                <a:solidFill>
+                  <a:schemeClr val="bg1">
+                    <a:lumMod val="20000"/>
+                    <a:lumOff val="80000"/>
+                  </a:schemeClr>
+                </a:solidFill>
+                <a:effectLst/>
+                <a:latin typeface="Calibri" panose="020F0502020204030204" pitchFamily="34" charset="0"/>
+                <a:ea typeface="Calibri" panose="020F0502020204030204" pitchFamily="34" charset="0"/>
+                <a:cs typeface="Arial" panose="020B0604020202020204" pitchFamily="34" charset="0"/>
+                <a:hlinkClick r:id="rId3">
+                  <a:extLst>
+                    <a:ext uri="{A12FA001-AC4F-418D-AE19-62706E023703}">
+                      <ahyp:hlinkClr xmlns:ahyp="http://schemas.microsoft.com/office/drawing/2018/hyperlinkcolor" val="tx"/>
+                    </a:ext>
+                  </a:extLst>
+                </a:hlinkClick>
+              </a:rPr>
+              <a:t>Отворено учебно съдържание по програмиране и ИТ</a:t>
+            </a:r>
+            <a:r>
+              <a:rPr lang="bg-BG" sz="1600" dirty="0">
+                <a:solidFill>
+                  <a:schemeClr val="bg2"/>
+                </a:solidFill>
+                <a:effectLst/>
+                <a:latin typeface="Calibri" panose="020F0502020204030204" pitchFamily="34" charset="0"/>
+                <a:ea typeface="Calibri" panose="020F0502020204030204" pitchFamily="34" charset="0"/>
+                <a:cs typeface="Arial" panose="020B0604020202020204" pitchFamily="34" charset="0"/>
+              </a:rPr>
+              <a:t>", СофтУни Фондация (лиценз </a:t>
+            </a:r>
+            <a:r>
+              <a:rPr lang="en-US" sz="1600" dirty="0">
+                <a:solidFill>
+                  <a:schemeClr val="bg2"/>
+                </a:solidFill>
+                <a:effectLst/>
+                <a:latin typeface="Calibri" panose="020F0502020204030204" pitchFamily="34" charset="0"/>
+                <a:ea typeface="Calibri" panose="020F0502020204030204" pitchFamily="34" charset="0"/>
+                <a:cs typeface="Arial" panose="020B0604020202020204" pitchFamily="34" charset="0"/>
+              </a:rPr>
+              <a:t>CC-BY-NC-SA</a:t>
+            </a:r>
+            <a:r>
+              <a:rPr lang="bg-BG" sz="1600" dirty="0">
+                <a:solidFill>
+                  <a:schemeClr val="bg2"/>
+                </a:solidFill>
+                <a:effectLst/>
+                <a:latin typeface="Calibri" panose="020F0502020204030204" pitchFamily="34" charset="0"/>
+                <a:ea typeface="Calibri" panose="020F0502020204030204" pitchFamily="34" charset="0"/>
+                <a:cs typeface="Arial" panose="020B0604020202020204" pitchFamily="34" charset="0"/>
+              </a:rPr>
+              <a:t>)</a:t>
+            </a:r>
+            <a:endParaRPr lang="bg-BG" sz="2400" dirty="0">
+              <a:solidFill>
+                <a:schemeClr val="bg2"/>
+              </a:solidFill>
+              <a:effectLst/>
+              <a:latin typeface="Calibri" panose="020F0502020204030204" pitchFamily="34" charset="0"/>
+              <a:ea typeface="Calibri" panose="020F0502020204030204" pitchFamily="34" charset="0"/>
+              <a:cs typeface="Arial" panose="020B0604020202020204" pitchFamily="34" charset="0"/>
+            </a:endParaRPr>
+          </a:p>
+        </p:txBody>
+      </p:sp>
+    </p:spTree>
+    <p:extLst>
+      <p:ext uri="{BB962C8B-B14F-4D97-AF65-F5344CB8AC3E}">
+        <p14:creationId xmlns:p14="http://schemas.microsoft.com/office/powerpoint/2010/main" val="3744296604"/>
+      </p:ext>
+    </p:extLst>
+  </p:cSld>
+  <p:clrMapOvr>
+    <a:masterClrMapping/>
+  </p:clrMapOvr>
+  <mc:AlternateContent xmlns:mc="http://schemas.openxmlformats.org/markup-compatibility/2006" xmlns:p14="http://schemas.microsoft.com/office/powerpoint/2010/main">
+    <mc:Choice Requires="p14">
+      <p:transition spd="slow" p14:dur="2000" advClick="0" advTm="5000"/>
+    </mc:Choice>
+    <mc:Fallback xmlns="">
+      <p:transition spd="slow" advClick="0" advTm="5000"/>
+    </mc:Fallback>
+  </mc:AlternateContent>
+</p:sld>
+</file>
+
+<file path=ppt/slides/slide42.xml><?xml version="1.0" encoding="utf-8"?>
 <p:sld xmlns:a="http://schemas.openxmlformats.org/drawingml/2006/main" xmlns:r="http://schemas.openxmlformats.org/officeDocument/2006/relationships" xmlns:p="http://schemas.openxmlformats.org/presentationml/2006/main" show="0">
   <p:cSld>
     <p:spTree>
@@ -24420,7 +24546,7 @@
             <a:fld id="{2BF067CD-8E6B-4360-9AA8-C5DF2A48A6D1}" type="slidenum">
               <a:rPr lang="en-US" noProof="0" smtClean="0"/>
               <a:pPr/>
-              <a:t>40</a:t>
+              <a:t>42</a:t>
             </a:fld>
             <a:endParaRPr lang="en-US" noProof="0" dirty="0"/>
           </a:p>

--- a/Courses/Software-Sciences/Module-3-Databases-New/03-Intro-to-MS-SQL-Server/03-Intro-to-MS-SQL-Server.pptx
+++ b/Courses/Software-Sciences/Module-3-Databases-New/03-Intro-to-MS-SQL-Server/03-Intro-to-MS-SQL-Server.pptx
@@ -8195,7 +8195,7 @@
       </p:pic>
       <p:pic>
         <p:nvPicPr>
-          <p:cNvPr id="7" name="Picture 6" descr="A yellow and blue sign with white text&#10;&#10;Description automatically generated">
+          <p:cNvPr id="7" name="Picture 6">
             <a:extLst>
               <a:ext uri="{FF2B5EF4-FFF2-40B4-BE49-F238E27FC236}">
                 <a16:creationId xmlns:a16="http://schemas.microsoft.com/office/drawing/2014/main" id="{8CBF6564-C51A-FA86-6F8E-FCDE3B5B9B88}"/>
@@ -8215,14 +8215,13 @@
               </a:ext>
             </a:extLst>
           </a:blip>
-          <a:stretch>
-            <a:fillRect/>
-          </a:stretch>
+          <a:srcRect/>
+          <a:stretch/>
         </p:blipFill>
         <p:spPr>
           <a:xfrm>
-            <a:off x="584311" y="3001428"/>
-            <a:ext cx="1956689" cy="877572"/>
+            <a:off x="584311" y="3002368"/>
+            <a:ext cx="1956689" cy="875691"/>
           </a:xfrm>
           <a:prstGeom prst="rect">
             <a:avLst/>
@@ -21951,11 +21950,11 @@
   <p:clrMapOvr>
     <a:masterClrMapping/>
   </p:clrMapOvr>
-  <mc:AlternateContent xmlns:mc="http://schemas.openxmlformats.org/markup-compatibility/2006">
-    <mc:Choice xmlns:p14="http://schemas.microsoft.com/office/powerpoint/2010/main" Requires="p14">
+  <mc:AlternateContent xmlns:mc="http://schemas.openxmlformats.org/markup-compatibility/2006" xmlns:p14="http://schemas.microsoft.com/office/powerpoint/2010/main">
+    <mc:Choice Requires="p14">
       <p:transition spd="slow" p14:dur="2000" advClick="0" advTm="5000"/>
     </mc:Choice>
-    <mc:Fallback>
+    <mc:Fallback xmlns="">
       <p:transition spd="slow" advClick="0" advTm="5000"/>
     </mc:Fallback>
   </mc:AlternateContent>
@@ -22265,11 +22264,11 @@
   <p:clrMapOvr>
     <a:masterClrMapping/>
   </p:clrMapOvr>
-  <mc:AlternateContent xmlns:mc="http://schemas.openxmlformats.org/markup-compatibility/2006">
-    <mc:Choice xmlns:p14="http://schemas.microsoft.com/office/powerpoint/2010/main" Requires="p14">
+  <mc:AlternateContent xmlns:mc="http://schemas.openxmlformats.org/markup-compatibility/2006" xmlns:p14="http://schemas.microsoft.com/office/powerpoint/2010/main">
+    <mc:Choice Requires="p14">
       <p:transition spd="slow" p14:dur="2000" advClick="0" advTm="5000"/>
     </mc:Choice>
-    <mc:Fallback>
+    <mc:Fallback xmlns="">
       <p:transition spd="slow" advClick="0" advTm="5000"/>
     </mc:Fallback>
   </mc:AlternateContent>

--- a/Courses/Software-Sciences/Module-3-Databases-New/03-Intro-to-MS-SQL-Server/03-Intro-to-MS-SQL-Server.pptx
+++ b/Courses/Software-Sciences/Module-3-Databases-New/03-Intro-to-MS-SQL-Server/03-Intro-to-MS-SQL-Server.pptx
@@ -11263,19 +11263,28 @@
           <a:p>
             <a:r>
               <a:rPr lang="ru-RU" dirty="0"/>
+              <a:t>Разглеждане и редактиране на данни в таблица</a:t>
+            </a:r>
+          </a:p>
+          <a:p>
+            <a:r>
+              <a:rPr lang="ru-RU" dirty="0"/>
+              <a:t>Изпълнение на заявки (предварително </a:t>
+            </a:r>
+            <a:r>
+              <a:rPr lang="ru-RU" dirty="0" err="1"/>
+              <a:t>написани</a:t>
+            </a:r>
+            <a:r>
+              <a:rPr lang="ru-RU" dirty="0"/>
+              <a:t>)</a:t>
+            </a:r>
+            <a:endParaRPr lang="en-US" dirty="0"/>
+          </a:p>
+          <a:p>
+            <a:r>
+              <a:rPr lang="ru-RU" dirty="0"/>
               <a:t>Импортиране на база данни от SQL скрипт</a:t>
-            </a:r>
-          </a:p>
-          <a:p>
-            <a:r>
-              <a:rPr lang="ru-RU" dirty="0"/>
-              <a:t>Разглеждане и редактиране на данни в таблица</a:t>
-            </a:r>
-          </a:p>
-          <a:p>
-            <a:r>
-              <a:rPr lang="ru-RU" dirty="0"/>
-              <a:t>Изпълнение на заявки (предварително написани)</a:t>
             </a:r>
           </a:p>
         </p:txBody>

--- a/Courses/Software-Sciences/Module-3-Databases-New/03-Intro-to-MS-SQL-Server/03-Intro-to-MS-SQL-Server.pptx
+++ b/Courses/Software-Sciences/Module-3-Databases-New/03-Intro-to-MS-SQL-Server/03-Intro-to-MS-SQL-Server.pptx
@@ -5,10 +5,10 @@
     <p:sldMasterId id="2147483675" r:id="rId1"/>
   </p:sldMasterIdLst>
   <p:notesMasterIdLst>
-    <p:notesMasterId r:id="rId44"/>
+    <p:notesMasterId r:id="rId42"/>
   </p:notesMasterIdLst>
   <p:handoutMasterIdLst>
-    <p:handoutMasterId r:id="rId45"/>
+    <p:handoutMasterId r:id="rId43"/>
   </p:handoutMasterIdLst>
   <p:sldIdLst>
     <p:sldId id="1176" r:id="rId2"/>
@@ -43,16 +43,14 @@
     <p:sldId id="1191" r:id="rId31"/>
     <p:sldId id="1192" r:id="rId32"/>
     <p:sldId id="1208" r:id="rId33"/>
-    <p:sldId id="1206" r:id="rId34"/>
-    <p:sldId id="1207" r:id="rId35"/>
-    <p:sldId id="1209" r:id="rId36"/>
-    <p:sldId id="1231" r:id="rId37"/>
-    <p:sldId id="1232" r:id="rId38"/>
-    <p:sldId id="1233" r:id="rId39"/>
-    <p:sldId id="1234" r:id="rId40"/>
-    <p:sldId id="1127" r:id="rId41"/>
-    <p:sldId id="504" r:id="rId42"/>
-    <p:sldId id="505" r:id="rId43"/>
+    <p:sldId id="1209" r:id="rId34"/>
+    <p:sldId id="1231" r:id="rId35"/>
+    <p:sldId id="1232" r:id="rId36"/>
+    <p:sldId id="1233" r:id="rId37"/>
+    <p:sldId id="1234" r:id="rId38"/>
+    <p:sldId id="1127" r:id="rId39"/>
+    <p:sldId id="504" r:id="rId40"/>
+    <p:sldId id="505" r:id="rId41"/>
   </p:sldIdLst>
   <p:sldSz cx="12192000" cy="6858000"/>
   <p:notesSz cx="6858000" cy="9144000"/>
@@ -204,8 +202,6 @@
             <p14:sldId id="1191"/>
             <p14:sldId id="1192"/>
             <p14:sldId id="1208"/>
-            <p14:sldId id="1206"/>
-            <p14:sldId id="1207"/>
             <p14:sldId id="1209"/>
           </p14:sldIdLst>
         </p14:section>
@@ -425,7 +421,7 @@
           <a:p>
             <a:fld id="{4E087215-0C8F-4762-A664-737A353EC9A4}" type="datetimeFigureOut">
               <a:rPr lang="bg-BG" smtClean="0"/>
-              <a:t>16.07.24 г.</a:t>
+              <a:t>24.8.2024 г.</a:t>
             </a:fld>
             <a:endParaRPr lang="bg-BG"/>
           </a:p>
@@ -621,7 +617,7 @@
           <a:p>
             <a:fld id="{72D84649-876A-46C9-8472-14CB09C070D8}" type="datetimeFigureOut">
               <a:rPr lang="en-US" smtClean="0"/>
-              <a:t>7/16/24</a:t>
+              <a:t>8/24/2024</a:t>
             </a:fld>
             <a:endParaRPr lang="en-US"/>
           </a:p>
@@ -1121,7 +1117,7 @@
             <a:fld id="{2BF067CD-8E6B-4360-9AA8-C5DF2A48A6D1}" type="slidenum">
               <a:rPr lang="en-US" smtClean="0"/>
               <a:pPr/>
-              <a:t>35</a:t>
+              <a:t>33</a:t>
             </a:fld>
             <a:endParaRPr lang="en-US" dirty="0"/>
           </a:p>
@@ -1307,7 +1303,7 @@
                 <a:tabLst/>
                 <a:defRPr/>
               </a:pPr>
-              <a:t>40</a:t>
+              <a:t>38</a:t>
             </a:fld>
             <a:endParaRPr kumimoji="0" lang="en-US" sz="1200" b="0" i="0" u="none" strike="noStrike" kern="1200" cap="none" spc="0" normalizeH="0" baseline="0" noProof="0" dirty="0">
               <a:ln>
@@ -1566,7 +1562,7 @@
             <a:fld id="{3EBA5BD7-F043-4D1B-AA17-CD412FC534DE}" type="slidenum">
               <a:rPr lang="en-US" smtClean="0"/>
               <a:pPr/>
-              <a:t>41</a:t>
+              <a:t>39</a:t>
             </a:fld>
             <a:endParaRPr lang="en-US" dirty="0"/>
           </a:p>
@@ -1812,7 +1808,7 @@
             <a:fld id="{3EBA5BD7-F043-4D1B-AA17-CD412FC534DE}" type="slidenum">
               <a:rPr lang="en-US" smtClean="0"/>
               <a:pPr/>
-              <a:t>42</a:t>
+              <a:t>40</a:t>
             </a:fld>
             <a:endParaRPr lang="en-US" dirty="0"/>
           </a:p>
@@ -19465,1381 +19461,6 @@
       </p:grpSpPr>
       <p:sp>
         <p:nvSpPr>
-          <p:cNvPr id="4" name="Title 3"/>
-          <p:cNvSpPr>
-            <a:spLocks noGrp="1"/>
-          </p:cNvSpPr>
-          <p:nvPr>
-            <p:ph type="title"/>
-          </p:nvPr>
-        </p:nvSpPr>
-        <p:spPr/>
-        <p:txBody>
-          <a:bodyPr/>
-          <a:lstStyle/>
-          <a:p>
-            <a:r>
-              <a:rPr lang="bg-BG" dirty="0"/>
-              <a:t>Вмъкване на данни чрез </a:t>
-            </a:r>
-            <a:r>
-              <a:rPr lang="en-US" dirty="0"/>
-              <a:t>SQL (1)</a:t>
-            </a:r>
-            <a:endParaRPr lang="bg-BG" dirty="0"/>
-          </a:p>
-        </p:txBody>
-      </p:sp>
-      <p:sp>
-        <p:nvSpPr>
-          <p:cNvPr id="6" name="Content Placeholder 5"/>
-          <p:cNvSpPr>
-            <a:spLocks noGrp="1" noChangeArrowheads="1"/>
-          </p:cNvSpPr>
-          <p:nvPr>
-            <p:ph idx="4294967295"/>
-          </p:nvPr>
-        </p:nvSpPr>
-        <p:spPr bwMode="auto">
-          <a:xfrm>
-            <a:off x="921000" y="2079000"/>
-            <a:ext cx="10440000" cy="2690023"/>
-          </a:xfrm>
-          <a:prstGeom prst="rect">
-            <a:avLst/>
-          </a:prstGeom>
-          <a:solidFill>
-            <a:schemeClr val="accent5">
-              <a:lumMod val="40000"/>
-              <a:lumOff val="60000"/>
-              <a:alpha val="20000"/>
-            </a:schemeClr>
-          </a:solidFill>
-          <a:ln w="12700">
-            <a:solidFill>
-              <a:schemeClr val="accent5">
-                <a:lumMod val="60000"/>
-                <a:lumOff val="40000"/>
-              </a:schemeClr>
-            </a:solidFill>
-          </a:ln>
-        </p:spPr>
-        <p:txBody>
-          <a:bodyPr wrap="square">
-            <a:spAutoFit/>
-          </a:bodyPr>
-          <a:lstStyle/>
-          <a:p>
-            <a:pPr marL="0" indent="0">
-              <a:spcBef>
-                <a:spcPts val="0"/>
-              </a:spcBef>
-              <a:spcAft>
-                <a:spcPts val="0"/>
-              </a:spcAft>
-              <a:buNone/>
-            </a:pPr>
-            <a:r>
-              <a:rPr lang="en-US" sz="3200" b="1" noProof="1">
-                <a:solidFill>
-                  <a:schemeClr val="bg1"/>
-                </a:solidFill>
-                <a:latin typeface="Consolas" panose="020B0609020204030204" pitchFamily="49" charset="0"/>
-                <a:cs typeface="Arial" panose="020B0604020202020204" pitchFamily="34" charset="0"/>
-              </a:rPr>
-              <a:t>INSERT INTO </a:t>
-            </a:r>
-            <a:r>
-              <a:rPr lang="en-US" sz="3200" b="1" noProof="1">
-                <a:solidFill>
-                  <a:schemeClr val="tx2"/>
-                </a:solidFill>
-                <a:latin typeface="Consolas" panose="020B0609020204030204" pitchFamily="49" charset="0"/>
-                <a:cs typeface="Arial" panose="020B0604020202020204" pitchFamily="34" charset="0"/>
-              </a:rPr>
-              <a:t>People (</a:t>
-            </a:r>
-            <a:r>
-              <a:rPr lang="en-US" sz="3200" b="1" dirty="0"/>
-              <a:t>Id, Email, </a:t>
-            </a:r>
-            <a:r>
-              <a:rPr lang="en-US" sz="3200" b="1" dirty="0" err="1"/>
-              <a:t>FirstName</a:t>
-            </a:r>
-            <a:r>
-              <a:rPr lang="en-US" sz="3200" b="1" dirty="0"/>
-              <a:t>, </a:t>
-            </a:r>
-            <a:r>
-              <a:rPr lang="en-US" sz="3200" b="1" dirty="0" err="1"/>
-              <a:t>LastName</a:t>
-            </a:r>
-            <a:r>
-              <a:rPr lang="en-US" sz="3200" b="1" noProof="1">
-                <a:solidFill>
-                  <a:schemeClr val="tx2"/>
-                </a:solidFill>
-                <a:latin typeface="Consolas" panose="020B0609020204030204" pitchFamily="49" charset="0"/>
-                <a:cs typeface="Arial" panose="020B0604020202020204" pitchFamily="34" charset="0"/>
-              </a:rPr>
-              <a:t>)</a:t>
-            </a:r>
-          </a:p>
-          <a:p>
-            <a:pPr marL="0" indent="0">
-              <a:spcBef>
-                <a:spcPts val="0"/>
-              </a:spcBef>
-              <a:spcAft>
-                <a:spcPts val="0"/>
-              </a:spcAft>
-              <a:buNone/>
-            </a:pPr>
-            <a:r>
-              <a:rPr lang="en-US" sz="3200" b="1" noProof="1">
-                <a:solidFill>
-                  <a:schemeClr val="tx2"/>
-                </a:solidFill>
-                <a:latin typeface="Consolas" panose="020B0609020204030204" pitchFamily="49" charset="0"/>
-                <a:cs typeface="Arial" panose="020B0604020202020204" pitchFamily="34" charset="0"/>
-              </a:rPr>
-              <a:t>VALUES</a:t>
-            </a:r>
-            <a:endParaRPr lang="bg-BG" sz="3200" b="1" noProof="1">
-              <a:solidFill>
-                <a:schemeClr val="tx2"/>
-              </a:solidFill>
-              <a:latin typeface="Consolas" panose="020B0609020204030204" pitchFamily="49" charset="0"/>
-              <a:cs typeface="Arial" panose="020B0604020202020204" pitchFamily="34" charset="0"/>
-            </a:endParaRPr>
-          </a:p>
-          <a:p>
-            <a:pPr marL="0" indent="0">
-              <a:spcBef>
-                <a:spcPts val="0"/>
-              </a:spcBef>
-              <a:spcAft>
-                <a:spcPts val="0"/>
-              </a:spcAft>
-              <a:buNone/>
-            </a:pPr>
-            <a:r>
-              <a:rPr lang="bg-BG" sz="3200" b="1" noProof="1">
-                <a:solidFill>
-                  <a:schemeClr val="tx2"/>
-                </a:solidFill>
-                <a:latin typeface="Consolas" panose="020B0609020204030204" pitchFamily="49" charset="0"/>
-                <a:cs typeface="Arial" panose="020B0604020202020204" pitchFamily="34" charset="0"/>
-              </a:rPr>
-              <a:t>  </a:t>
-            </a:r>
-            <a:r>
-              <a:rPr lang="en-US" sz="3200" b="1" dirty="0"/>
-              <a:t>(1, 'john@example.com', 'John', 'Doe'),</a:t>
-            </a:r>
-            <a:endParaRPr lang="bg-BG" sz="3200" b="1" noProof="1">
-              <a:solidFill>
-                <a:schemeClr val="tx2"/>
-              </a:solidFill>
-              <a:latin typeface="Consolas" panose="020B0609020204030204" pitchFamily="49" charset="0"/>
-              <a:cs typeface="Arial" panose="020B0604020202020204" pitchFamily="34" charset="0"/>
-            </a:endParaRPr>
-          </a:p>
-          <a:p>
-            <a:pPr marL="0" indent="0">
-              <a:spcBef>
-                <a:spcPts val="0"/>
-              </a:spcBef>
-              <a:spcAft>
-                <a:spcPts val="0"/>
-              </a:spcAft>
-              <a:buNone/>
-            </a:pPr>
-            <a:r>
-              <a:rPr lang="bg-BG" sz="3200" b="1" noProof="1">
-                <a:solidFill>
-                  <a:schemeClr val="tx2"/>
-                </a:solidFill>
-                <a:latin typeface="Consolas" panose="020B0609020204030204" pitchFamily="49" charset="0"/>
-                <a:cs typeface="Arial" panose="020B0604020202020204" pitchFamily="34" charset="0"/>
-              </a:rPr>
-              <a:t>  </a:t>
-            </a:r>
-            <a:r>
-              <a:rPr lang="en-US" sz="3200" b="1" dirty="0"/>
-              <a:t>(2, 'jane@example.com', 'Jane', 'Smith'),</a:t>
-            </a:r>
-            <a:endParaRPr lang="bg-BG" sz="3200" b="1" dirty="0"/>
-          </a:p>
-          <a:p>
-            <a:pPr marL="0" indent="0">
-              <a:spcBef>
-                <a:spcPts val="0"/>
-              </a:spcBef>
-              <a:spcAft>
-                <a:spcPts val="0"/>
-              </a:spcAft>
-              <a:buNone/>
-            </a:pPr>
-            <a:r>
-              <a:rPr lang="bg-BG" sz="3200" dirty="0"/>
-              <a:t>     </a:t>
-            </a:r>
-            <a:r>
-              <a:rPr lang="en-US" sz="3200" b="1" dirty="0"/>
-              <a:t>(3, 'mike@example.com', 'Mike', 'Johnson')</a:t>
-            </a:r>
-            <a:endParaRPr lang="en-US" sz="3200" b="1" noProof="1">
-              <a:solidFill>
-                <a:schemeClr val="tx2"/>
-              </a:solidFill>
-              <a:latin typeface="Consolas" panose="020B0609020204030204" pitchFamily="49" charset="0"/>
-              <a:cs typeface="Arial" panose="020B0604020202020204" pitchFamily="34" charset="0"/>
-            </a:endParaRPr>
-          </a:p>
-        </p:txBody>
-      </p:sp>
-      <p:sp>
-        <p:nvSpPr>
-          <p:cNvPr id="20" name="AutoShape 5"/>
-          <p:cNvSpPr>
-            <a:spLocks noChangeArrowheads="1"/>
-          </p:cNvSpPr>
-          <p:nvPr/>
-        </p:nvSpPr>
-        <p:spPr bwMode="auto">
-          <a:xfrm>
-            <a:off x="9696000" y="3069000"/>
-            <a:ext cx="1861008" cy="585000"/>
-          </a:xfrm>
-          <a:prstGeom prst="wedgeRoundRectCallout">
-            <a:avLst>
-              <a:gd name="adj1" fmla="val -48930"/>
-              <a:gd name="adj2" fmla="val -125812"/>
-              <a:gd name="adj3" fmla="val 16667"/>
-            </a:avLst>
-          </a:prstGeom>
-          <a:solidFill>
-            <a:schemeClr val="tx1">
-              <a:alpha val="80000"/>
-            </a:schemeClr>
-          </a:solidFill>
-          <a:ln w="19050">
-            <a:solidFill>
-              <a:schemeClr val="tx1">
-                <a:alpha val="80000"/>
-              </a:schemeClr>
-            </a:solidFill>
-          </a:ln>
-          <a:effectLst/>
-        </p:spPr>
-        <p:style>
-          <a:lnRef idx="2">
-            <a:schemeClr val="accent1">
-              <a:shade val="50000"/>
-            </a:schemeClr>
-          </a:lnRef>
-          <a:fillRef idx="1001">
-            <a:schemeClr val="dk2"/>
-          </a:fillRef>
-          <a:effectRef idx="0">
-            <a:schemeClr val="accent1"/>
-          </a:effectRef>
-          <a:fontRef idx="minor">
-            <a:schemeClr val="lt1"/>
-          </a:fontRef>
-        </p:style>
-        <p:txBody>
-          <a:bodyPr rot="0" spcFirstLastPara="0" vertOverflow="overflow" horzOverflow="overflow" vert="horz" wrap="square" lIns="91440" tIns="45720" rIns="91440" bIns="45720" numCol="1" spcCol="0" rtlCol="0" fromWordArt="0" anchor="ctr" anchorCtr="0" forceAA="0" compatLnSpc="1">
-            <a:prstTxWarp prst="textNoShape">
-              <a:avLst/>
-            </a:prstTxWarp>
-            <a:noAutofit/>
-          </a:bodyPr>
-          <a:lstStyle/>
-          <a:p>
-            <a:pPr algn="ctr"/>
-            <a:r>
-              <a:rPr lang="bg-BG" sz="3000" b="1" dirty="0">
-                <a:solidFill>
-                  <a:srgbClr val="FFFFFF"/>
-                </a:solidFill>
-                <a:effectLst>
-                  <a:outerShdw blurRad="38100" dist="38100" dir="2700000" algn="tl">
-                    <a:srgbClr val="000000">
-                      <a:alpha val="43137"/>
-                    </a:srgbClr>
-                  </a:outerShdw>
-                </a:effectLst>
-              </a:rPr>
-              <a:t>Колони</a:t>
-            </a:r>
-          </a:p>
-        </p:txBody>
-      </p:sp>
-      <p:sp>
-        <p:nvSpPr>
-          <p:cNvPr id="21" name="AutoShape 5"/>
-          <p:cNvSpPr>
-            <a:spLocks noChangeArrowheads="1"/>
-          </p:cNvSpPr>
-          <p:nvPr/>
-        </p:nvSpPr>
-        <p:spPr bwMode="auto">
-          <a:xfrm>
-            <a:off x="4746000" y="5615620"/>
-            <a:ext cx="1845000" cy="603379"/>
-          </a:xfrm>
-          <a:prstGeom prst="wedgeRoundRectCallout">
-            <a:avLst>
-              <a:gd name="adj1" fmla="val -16533"/>
-              <a:gd name="adj2" fmla="val -207855"/>
-              <a:gd name="adj3" fmla="val 16667"/>
-            </a:avLst>
-          </a:prstGeom>
-          <a:solidFill>
-            <a:schemeClr val="tx1">
-              <a:alpha val="80000"/>
-            </a:schemeClr>
-          </a:solidFill>
-          <a:ln w="19050">
-            <a:solidFill>
-              <a:schemeClr val="tx1">
-                <a:alpha val="80000"/>
-              </a:schemeClr>
-            </a:solidFill>
-          </a:ln>
-          <a:effectLst/>
-        </p:spPr>
-        <p:style>
-          <a:lnRef idx="2">
-            <a:schemeClr val="accent1">
-              <a:shade val="50000"/>
-            </a:schemeClr>
-          </a:lnRef>
-          <a:fillRef idx="1001">
-            <a:schemeClr val="dk2"/>
-          </a:fillRef>
-          <a:effectRef idx="0">
-            <a:schemeClr val="accent1"/>
-          </a:effectRef>
-          <a:fontRef idx="minor">
-            <a:schemeClr val="lt1"/>
-          </a:fontRef>
-        </p:style>
-        <p:txBody>
-          <a:bodyPr rot="0" spcFirstLastPara="0" vertOverflow="overflow" horzOverflow="overflow" vert="horz" wrap="square" lIns="91440" tIns="45720" rIns="91440" bIns="45720" numCol="1" spcCol="0" rtlCol="0" fromWordArt="0" anchor="ctr" anchorCtr="0" forceAA="0" compatLnSpc="1">
-            <a:prstTxWarp prst="textNoShape">
-              <a:avLst/>
-            </a:prstTxWarp>
-            <a:noAutofit/>
-          </a:bodyPr>
-          <a:lstStyle/>
-          <a:p>
-            <a:pPr algn="ctr"/>
-            <a:r>
-              <a:rPr lang="bg-BG" sz="3200" b="1" dirty="0">
-                <a:solidFill>
-                  <a:srgbClr val="FFFFFF"/>
-                </a:solidFill>
-                <a:effectLst>
-                  <a:outerShdw blurRad="38100" dist="38100" dir="2700000" algn="tl">
-                    <a:srgbClr val="000000">
-                      <a:alpha val="43137"/>
-                    </a:srgbClr>
-                  </a:outerShdw>
-                </a:effectLst>
-              </a:rPr>
-              <a:t>Данни</a:t>
-            </a:r>
-          </a:p>
-        </p:txBody>
-      </p:sp>
-      <p:sp>
-        <p:nvSpPr>
-          <p:cNvPr id="24" name="Rectangle: Rounded Corners 12">
-            <a:extLst>
-              <a:ext uri="{FF2B5EF4-FFF2-40B4-BE49-F238E27FC236}">
-                <a16:creationId xmlns:a16="http://schemas.microsoft.com/office/drawing/2014/main" id="{9DA28A83-547E-448D-9FBA-384C606E5B39}"/>
-              </a:ext>
-            </a:extLst>
-          </p:cNvPr>
-          <p:cNvSpPr/>
-          <p:nvPr/>
-        </p:nvSpPr>
-        <p:spPr>
-          <a:xfrm>
-            <a:off x="3627090" y="2088728"/>
-            <a:ext cx="1508760" cy="567347"/>
-          </a:xfrm>
-          <a:prstGeom prst="roundRect">
-            <a:avLst>
-              <a:gd name="adj" fmla="val 5385"/>
-            </a:avLst>
-          </a:prstGeom>
-          <a:noFill/>
-          <a:ln w="57150">
-            <a:solidFill>
-              <a:schemeClr val="tx1"/>
-            </a:solidFill>
-            <a:prstDash val="sysDash"/>
-          </a:ln>
-        </p:spPr>
-        <p:style>
-          <a:lnRef idx="2">
-            <a:schemeClr val="accent1">
-              <a:shade val="50000"/>
-            </a:schemeClr>
-          </a:lnRef>
-          <a:fillRef idx="1">
-            <a:schemeClr val="accent1"/>
-          </a:fillRef>
-          <a:effectRef idx="0">
-            <a:schemeClr val="accent1"/>
-          </a:effectRef>
-          <a:fontRef idx="minor">
-            <a:schemeClr val="lt1"/>
-          </a:fontRef>
-        </p:style>
-        <p:txBody>
-          <a:bodyPr rtlCol="0" anchor="ctr"/>
-          <a:lstStyle/>
-          <a:p>
-            <a:pPr algn="ctr"/>
-            <a:endParaRPr lang="en-US" sz="2800" b="1" dirty="0">
-              <a:solidFill>
-                <a:srgbClr val="FBEEDC"/>
-              </a:solidFill>
-              <a:effectLst>
-                <a:outerShdw blurRad="38100" dist="38100" dir="2700000" algn="tl">
-                  <a:srgbClr val="000000">
-                    <a:alpha val="43137"/>
-                  </a:srgbClr>
-                </a:outerShdw>
-              </a:effectLst>
-              <a:latin typeface="Consolas" panose="020B0609020204030204" pitchFamily="49" charset="0"/>
-            </a:endParaRPr>
-          </a:p>
-        </p:txBody>
-      </p:sp>
-      <p:sp>
-        <p:nvSpPr>
-          <p:cNvPr id="18" name="AutoShape 5"/>
-          <p:cNvSpPr>
-            <a:spLocks noChangeArrowheads="1"/>
-          </p:cNvSpPr>
-          <p:nvPr/>
-        </p:nvSpPr>
-        <p:spPr bwMode="auto">
-          <a:xfrm>
-            <a:off x="4971000" y="1359000"/>
-            <a:ext cx="3240000" cy="585000"/>
-          </a:xfrm>
-          <a:prstGeom prst="wedgeRoundRectCallout">
-            <a:avLst>
-              <a:gd name="adj1" fmla="val -41025"/>
-              <a:gd name="adj2" fmla="val 93239"/>
-              <a:gd name="adj3" fmla="val 16667"/>
-            </a:avLst>
-          </a:prstGeom>
-          <a:solidFill>
-            <a:schemeClr val="tx1">
-              <a:alpha val="80000"/>
-            </a:schemeClr>
-          </a:solidFill>
-          <a:ln w="19050">
-            <a:solidFill>
-              <a:schemeClr val="tx1">
-                <a:alpha val="80000"/>
-              </a:schemeClr>
-            </a:solidFill>
-          </a:ln>
-          <a:effectLst/>
-        </p:spPr>
-        <p:style>
-          <a:lnRef idx="2">
-            <a:schemeClr val="accent1">
-              <a:shade val="50000"/>
-            </a:schemeClr>
-          </a:lnRef>
-          <a:fillRef idx="1001">
-            <a:schemeClr val="dk2"/>
-          </a:fillRef>
-          <a:effectRef idx="0">
-            <a:schemeClr val="accent1"/>
-          </a:effectRef>
-          <a:fontRef idx="minor">
-            <a:schemeClr val="lt1"/>
-          </a:fontRef>
-        </p:style>
-        <p:txBody>
-          <a:bodyPr rot="0" spcFirstLastPara="0" vertOverflow="overflow" horzOverflow="overflow" vert="horz" wrap="square" lIns="91440" tIns="45720" rIns="91440" bIns="45720" numCol="1" spcCol="0" rtlCol="0" fromWordArt="0" anchor="ctr" anchorCtr="0" forceAA="0" compatLnSpc="1">
-            <a:prstTxWarp prst="textNoShape">
-              <a:avLst/>
-            </a:prstTxWarp>
-            <a:noAutofit/>
-          </a:bodyPr>
-          <a:lstStyle/>
-          <a:p>
-            <a:pPr algn="ctr"/>
-            <a:r>
-              <a:rPr lang="bg-BG" sz="3000" b="1" dirty="0">
-                <a:solidFill>
-                  <a:srgbClr val="FFFFFF"/>
-                </a:solidFill>
-                <a:effectLst>
-                  <a:outerShdw blurRad="38100" dist="38100" dir="2700000" algn="tl">
-                    <a:srgbClr val="000000">
-                      <a:alpha val="43137"/>
-                    </a:srgbClr>
-                  </a:outerShdw>
-                </a:effectLst>
-              </a:rPr>
-              <a:t>Име на таблица</a:t>
-            </a:r>
-          </a:p>
-        </p:txBody>
-      </p:sp>
-      <p:sp>
-        <p:nvSpPr>
-          <p:cNvPr id="2" name="Slide Number">
-            <a:extLst>
-              <a:ext uri="{FF2B5EF4-FFF2-40B4-BE49-F238E27FC236}">
-                <a16:creationId xmlns:a16="http://schemas.microsoft.com/office/drawing/2014/main" id="{EE055C4A-1126-5B8E-3347-7A34EFDF14FA}"/>
-              </a:ext>
-            </a:extLst>
-          </p:cNvPr>
-          <p:cNvSpPr>
-            <a:spLocks noGrp="1"/>
-          </p:cNvSpPr>
-          <p:nvPr>
-            <p:ph type="sldNum" sz="quarter" idx="5"/>
-          </p:nvPr>
-        </p:nvSpPr>
-        <p:spPr>
-          <a:xfrm>
-            <a:off x="11753030" y="6507000"/>
-            <a:ext cx="367414" cy="297000"/>
-          </a:xfrm>
-          <a:prstGeom prst="rect">
-            <a:avLst/>
-          </a:prstGeom>
-        </p:spPr>
-        <p:txBody>
-          <a:bodyPr vert="horz" lIns="91440" tIns="45720" rIns="91440" bIns="45720" rtlCol="0" anchor="b"/>
-          <a:lstStyle>
-            <a:lvl1pPr algn="r">
-              <a:defRPr sz="1000"/>
-            </a:lvl1pPr>
-          </a:lstStyle>
-          <a:p>
-            <a:fld id="{2BF067CD-8E6B-4360-9AA8-C5DF2A48A6D1}" type="slidenum">
-              <a:rPr lang="en-US" noProof="0" smtClean="0"/>
-              <a:pPr/>
-              <a:t>33</a:t>
-            </a:fld>
-            <a:endParaRPr lang="en-US" noProof="0" dirty="0"/>
-          </a:p>
-        </p:txBody>
-      </p:sp>
-    </p:spTree>
-    <p:extLst>
-      <p:ext uri="{BB962C8B-B14F-4D97-AF65-F5344CB8AC3E}">
-        <p14:creationId xmlns:p14="http://schemas.microsoft.com/office/powerpoint/2010/main" val="2452943065"/>
-      </p:ext>
-    </p:extLst>
-  </p:cSld>
-  <p:clrMapOvr>
-    <a:masterClrMapping/>
-  </p:clrMapOvr>
-  <mc:AlternateContent xmlns:mc="http://schemas.openxmlformats.org/markup-compatibility/2006" xmlns:p14="http://schemas.microsoft.com/office/powerpoint/2010/main">
-    <mc:Choice Requires="p14">
-      <p:transition spd="slow" p14:dur="2000" advClick="0" advTm="5000"/>
-    </mc:Choice>
-    <mc:Fallback xmlns="">
-      <p:transition spd="slow" advClick="0" advTm="5000"/>
-    </mc:Fallback>
-  </mc:AlternateContent>
-  <p:timing>
-    <p:tnLst>
-      <p:par>
-        <p:cTn id="1" dur="indefinite" restart="never" nodeType="tmRoot">
-          <p:childTnLst>
-            <p:seq concurrent="1" nextAc="seek">
-              <p:cTn id="2" dur="indefinite" nodeType="mainSeq">
-                <p:childTnLst>
-                  <p:par>
-                    <p:cTn id="3" fill="hold">
-                      <p:stCondLst>
-                        <p:cond delay="indefinite"/>
-                      </p:stCondLst>
-                      <p:childTnLst>
-                        <p:par>
-                          <p:cTn id="4" fill="hold">
-                            <p:stCondLst>
-                              <p:cond delay="0"/>
-                            </p:stCondLst>
-                            <p:childTnLst>
-                              <p:par>
-                                <p:cTn id="5" presetID="1" presetClass="entr" presetSubtype="0" fill="hold" grpId="0" nodeType="clickEffect">
-                                  <p:stCondLst>
-                                    <p:cond delay="0"/>
-                                  </p:stCondLst>
-                                  <p:childTnLst>
-                                    <p:set>
-                                      <p:cBhvr>
-                                        <p:cTn id="6" dur="1" fill="hold">
-                                          <p:stCondLst>
-                                            <p:cond delay="0"/>
-                                          </p:stCondLst>
-                                        </p:cTn>
-                                        <p:tgtEl>
-                                          <p:spTgt spid="18"/>
-                                        </p:tgtEl>
-                                        <p:attrNameLst>
-                                          <p:attrName>style.visibility</p:attrName>
-                                        </p:attrNameLst>
-                                      </p:cBhvr>
-                                      <p:to>
-                                        <p:strVal val="visible"/>
-                                      </p:to>
-                                    </p:set>
-                                  </p:childTnLst>
-                                </p:cTn>
-                              </p:par>
-                              <p:par>
-                                <p:cTn id="7" presetID="1" presetClass="entr" presetSubtype="0" fill="hold" grpId="0" nodeType="withEffect">
-                                  <p:stCondLst>
-                                    <p:cond delay="0"/>
-                                  </p:stCondLst>
-                                  <p:childTnLst>
-                                    <p:set>
-                                      <p:cBhvr>
-                                        <p:cTn id="8" dur="1" fill="hold">
-                                          <p:stCondLst>
-                                            <p:cond delay="0"/>
-                                          </p:stCondLst>
-                                        </p:cTn>
-                                        <p:tgtEl>
-                                          <p:spTgt spid="24"/>
-                                        </p:tgtEl>
-                                        <p:attrNameLst>
-                                          <p:attrName>style.visibility</p:attrName>
-                                        </p:attrNameLst>
-                                      </p:cBhvr>
-                                      <p:to>
-                                        <p:strVal val="visible"/>
-                                      </p:to>
-                                    </p:set>
-                                  </p:childTnLst>
-                                </p:cTn>
-                              </p:par>
-                            </p:childTnLst>
-                          </p:cTn>
-                        </p:par>
-                      </p:childTnLst>
-                    </p:cTn>
-                  </p:par>
-                  <p:par>
-                    <p:cTn id="9" fill="hold">
-                      <p:stCondLst>
-                        <p:cond delay="indefinite"/>
-                      </p:stCondLst>
-                      <p:childTnLst>
-                        <p:par>
-                          <p:cTn id="10" fill="hold">
-                            <p:stCondLst>
-                              <p:cond delay="0"/>
-                            </p:stCondLst>
-                            <p:childTnLst>
-                              <p:par>
-                                <p:cTn id="11" presetID="1" presetClass="entr" presetSubtype="0" fill="hold" grpId="0" nodeType="clickEffect">
-                                  <p:stCondLst>
-                                    <p:cond delay="0"/>
-                                  </p:stCondLst>
-                                  <p:childTnLst>
-                                    <p:set>
-                                      <p:cBhvr>
-                                        <p:cTn id="12" dur="1" fill="hold">
-                                          <p:stCondLst>
-                                            <p:cond delay="0"/>
-                                          </p:stCondLst>
-                                        </p:cTn>
-                                        <p:tgtEl>
-                                          <p:spTgt spid="20"/>
-                                        </p:tgtEl>
-                                        <p:attrNameLst>
-                                          <p:attrName>style.visibility</p:attrName>
-                                        </p:attrNameLst>
-                                      </p:cBhvr>
-                                      <p:to>
-                                        <p:strVal val="visible"/>
-                                      </p:to>
-                                    </p:set>
-                                  </p:childTnLst>
-                                </p:cTn>
-                              </p:par>
-                            </p:childTnLst>
-                          </p:cTn>
-                        </p:par>
-                      </p:childTnLst>
-                    </p:cTn>
-                  </p:par>
-                  <p:par>
-                    <p:cTn id="13" fill="hold">
-                      <p:stCondLst>
-                        <p:cond delay="indefinite"/>
-                      </p:stCondLst>
-                      <p:childTnLst>
-                        <p:par>
-                          <p:cTn id="14" fill="hold">
-                            <p:stCondLst>
-                              <p:cond delay="0"/>
-                            </p:stCondLst>
-                            <p:childTnLst>
-                              <p:par>
-                                <p:cTn id="15" presetID="1" presetClass="entr" presetSubtype="0" fill="hold" nodeType="clickEffect">
-                                  <p:stCondLst>
-                                    <p:cond delay="0"/>
-                                  </p:stCondLst>
-                                  <p:childTnLst>
-                                    <p:set>
-                                      <p:cBhvr>
-                                        <p:cTn id="16" dur="1" fill="hold">
-                                          <p:stCondLst>
-                                            <p:cond delay="0"/>
-                                          </p:stCondLst>
-                                        </p:cTn>
-                                        <p:tgtEl>
-                                          <p:spTgt spid="6">
-                                            <p:txEl>
-                                              <p:pRg st="1" end="1"/>
-                                            </p:txEl>
-                                          </p:spTgt>
-                                        </p:tgtEl>
-                                        <p:attrNameLst>
-                                          <p:attrName>style.visibility</p:attrName>
-                                        </p:attrNameLst>
-                                      </p:cBhvr>
-                                      <p:to>
-                                        <p:strVal val="visible"/>
-                                      </p:to>
-                                    </p:set>
-                                  </p:childTnLst>
-                                </p:cTn>
-                              </p:par>
-                              <p:par>
-                                <p:cTn id="17" presetID="1" presetClass="entr" presetSubtype="0" fill="hold" nodeType="withEffect">
-                                  <p:stCondLst>
-                                    <p:cond delay="0"/>
-                                  </p:stCondLst>
-                                  <p:childTnLst>
-                                    <p:set>
-                                      <p:cBhvr>
-                                        <p:cTn id="18" dur="1" fill="hold">
-                                          <p:stCondLst>
-                                            <p:cond delay="0"/>
-                                          </p:stCondLst>
-                                        </p:cTn>
-                                        <p:tgtEl>
-                                          <p:spTgt spid="6">
-                                            <p:txEl>
-                                              <p:pRg st="2" end="2"/>
-                                            </p:txEl>
-                                          </p:spTgt>
-                                        </p:tgtEl>
-                                        <p:attrNameLst>
-                                          <p:attrName>style.visibility</p:attrName>
-                                        </p:attrNameLst>
-                                      </p:cBhvr>
-                                      <p:to>
-                                        <p:strVal val="visible"/>
-                                      </p:to>
-                                    </p:set>
-                                  </p:childTnLst>
-                                </p:cTn>
-                              </p:par>
-                              <p:par>
-                                <p:cTn id="19" presetID="1" presetClass="entr" presetSubtype="0" fill="hold" nodeType="withEffect">
-                                  <p:stCondLst>
-                                    <p:cond delay="0"/>
-                                  </p:stCondLst>
-                                  <p:childTnLst>
-                                    <p:set>
-                                      <p:cBhvr>
-                                        <p:cTn id="20" dur="1" fill="hold">
-                                          <p:stCondLst>
-                                            <p:cond delay="0"/>
-                                          </p:stCondLst>
-                                        </p:cTn>
-                                        <p:tgtEl>
-                                          <p:spTgt spid="6">
-                                            <p:txEl>
-                                              <p:pRg st="3" end="3"/>
-                                            </p:txEl>
-                                          </p:spTgt>
-                                        </p:tgtEl>
-                                        <p:attrNameLst>
-                                          <p:attrName>style.visibility</p:attrName>
-                                        </p:attrNameLst>
-                                      </p:cBhvr>
-                                      <p:to>
-                                        <p:strVal val="visible"/>
-                                      </p:to>
-                                    </p:set>
-                                  </p:childTnLst>
-                                </p:cTn>
-                              </p:par>
-                              <p:par>
-                                <p:cTn id="21" presetID="1" presetClass="entr" presetSubtype="0" fill="hold" nodeType="withEffect">
-                                  <p:stCondLst>
-                                    <p:cond delay="0"/>
-                                  </p:stCondLst>
-                                  <p:childTnLst>
-                                    <p:set>
-                                      <p:cBhvr>
-                                        <p:cTn id="22" dur="1" fill="hold">
-                                          <p:stCondLst>
-                                            <p:cond delay="0"/>
-                                          </p:stCondLst>
-                                        </p:cTn>
-                                        <p:tgtEl>
-                                          <p:spTgt spid="6">
-                                            <p:txEl>
-                                              <p:pRg st="4" end="4"/>
-                                            </p:txEl>
-                                          </p:spTgt>
-                                        </p:tgtEl>
-                                        <p:attrNameLst>
-                                          <p:attrName>style.visibility</p:attrName>
-                                        </p:attrNameLst>
-                                      </p:cBhvr>
-                                      <p:to>
-                                        <p:strVal val="visible"/>
-                                      </p:to>
-                                    </p:set>
-                                  </p:childTnLst>
-                                </p:cTn>
-                              </p:par>
-                            </p:childTnLst>
-                          </p:cTn>
-                        </p:par>
-                      </p:childTnLst>
-                    </p:cTn>
-                  </p:par>
-                  <p:par>
-                    <p:cTn id="23" fill="hold">
-                      <p:stCondLst>
-                        <p:cond delay="indefinite"/>
-                      </p:stCondLst>
-                      <p:childTnLst>
-                        <p:par>
-                          <p:cTn id="24" fill="hold">
-                            <p:stCondLst>
-                              <p:cond delay="0"/>
-                            </p:stCondLst>
-                            <p:childTnLst>
-                              <p:par>
-                                <p:cTn id="25" presetID="1" presetClass="entr" presetSubtype="0" fill="hold" grpId="0" nodeType="clickEffect">
-                                  <p:stCondLst>
-                                    <p:cond delay="0"/>
-                                  </p:stCondLst>
-                                  <p:childTnLst>
-                                    <p:set>
-                                      <p:cBhvr>
-                                        <p:cTn id="26" dur="1" fill="hold">
-                                          <p:stCondLst>
-                                            <p:cond delay="0"/>
-                                          </p:stCondLst>
-                                        </p:cTn>
-                                        <p:tgtEl>
-                                          <p:spTgt spid="21"/>
-                                        </p:tgtEl>
-                                        <p:attrNameLst>
-                                          <p:attrName>style.visibility</p:attrName>
-                                        </p:attrNameLst>
-                                      </p:cBhvr>
-                                      <p:to>
-                                        <p:strVal val="visible"/>
-                                      </p:to>
-                                    </p:set>
-                                  </p:childTnLst>
-                                </p:cTn>
-                              </p:par>
-                            </p:childTnLst>
-                          </p:cTn>
-                        </p:par>
-                      </p:childTnLst>
-                    </p:cTn>
-                  </p:par>
-                </p:childTnLst>
-              </p:cTn>
-              <p:prevCondLst>
-                <p:cond evt="onPrev" delay="0">
-                  <p:tgtEl>
-                    <p:sldTgt/>
-                  </p:tgtEl>
-                </p:cond>
-              </p:prevCondLst>
-              <p:nextCondLst>
-                <p:cond evt="onNext" delay="0">
-                  <p:tgtEl>
-                    <p:sldTgt/>
-                  </p:tgtEl>
-                </p:cond>
-              </p:nextCondLst>
-            </p:seq>
-          </p:childTnLst>
-        </p:cTn>
-      </p:par>
-    </p:tnLst>
-    <p:bldLst>
-      <p:bldP spid="20" grpId="0" animBg="1"/>
-      <p:bldP spid="21" grpId="0" animBg="1"/>
-      <p:bldP spid="24" grpId="0" animBg="1"/>
-      <p:bldP spid="18" grpId="0" animBg="1"/>
-    </p:bldLst>
-  </p:timing>
-</p:sld>
-</file>
-
-<file path=ppt/slides/slide34.xml><?xml version="1.0" encoding="utf-8"?>
-<p:sld xmlns:a="http://schemas.openxmlformats.org/drawingml/2006/main" xmlns:r="http://schemas.openxmlformats.org/officeDocument/2006/relationships" xmlns:p="http://schemas.openxmlformats.org/presentationml/2006/main">
-  <p:cSld>
-    <p:spTree>
-      <p:nvGrpSpPr>
-        <p:cNvPr id="1" name=""/>
-        <p:cNvGrpSpPr/>
-        <p:nvPr/>
-      </p:nvGrpSpPr>
-      <p:grpSpPr>
-        <a:xfrm>
-          <a:off x="0" y="0"/>
-          <a:ext cx="0" cy="0"/>
-          <a:chOff x="0" y="0"/>
-          <a:chExt cx="0" cy="0"/>
-        </a:xfrm>
-      </p:grpSpPr>
-      <p:sp>
-        <p:nvSpPr>
-          <p:cNvPr id="3" name="Text Placeholder 2"/>
-          <p:cNvSpPr>
-            <a:spLocks noGrp="1"/>
-          </p:cNvSpPr>
-          <p:nvPr>
-            <p:ph type="body" sz="quarter" idx="10"/>
-          </p:nvPr>
-        </p:nvSpPr>
-        <p:spPr/>
-        <p:txBody>
-          <a:bodyPr/>
-          <a:lstStyle/>
-          <a:p>
-            <a:r>
-              <a:rPr lang="ru-RU" dirty="0"/>
-              <a:t>Операторът </a:t>
-            </a:r>
-            <a:r>
-              <a:rPr lang="en-US" b="1" dirty="0">
-                <a:solidFill>
-                  <a:schemeClr val="bg1"/>
-                </a:solidFill>
-              </a:rPr>
-              <a:t>INSERT INTO </a:t>
-            </a:r>
-            <a:r>
-              <a:rPr lang="ru-RU" dirty="0"/>
-              <a:t>се използва за </a:t>
-            </a:r>
-            <a:r>
-              <a:rPr lang="bg-BG" b="1" dirty="0">
-                <a:solidFill>
-                  <a:schemeClr val="bg1"/>
-                </a:solidFill>
-              </a:rPr>
-              <a:t>добавяне </a:t>
-            </a:r>
-            <a:r>
-              <a:rPr lang="ru-RU" dirty="0"/>
-              <a:t>на нови редове в таблицата </a:t>
-            </a:r>
-            <a:r>
-              <a:rPr lang="en-US" b="1" dirty="0">
-                <a:solidFill>
-                  <a:schemeClr val="bg1"/>
-                </a:solidFill>
-              </a:rPr>
-              <a:t>People</a:t>
-            </a:r>
-            <a:endParaRPr lang="ru-RU" dirty="0"/>
-          </a:p>
-          <a:p>
-            <a:r>
-              <a:rPr lang="ru-RU" dirty="0"/>
-              <a:t>Посочваме </a:t>
-            </a:r>
-            <a:r>
-              <a:rPr lang="bg-BG" b="1" dirty="0">
-                <a:solidFill>
-                  <a:schemeClr val="bg1"/>
-                </a:solidFill>
-              </a:rPr>
-              <a:t>имената на колоните </a:t>
-            </a:r>
-            <a:r>
-              <a:rPr lang="ru-RU" dirty="0"/>
-              <a:t>след името на таблицата, за да сме сигурни, че данните ще се запишат в тях</a:t>
-            </a:r>
-          </a:p>
-          <a:p>
-            <a:r>
-              <a:rPr lang="bg-BG" dirty="0"/>
-              <a:t>Ключовата дума</a:t>
-            </a:r>
-            <a:r>
-              <a:rPr lang="en-US" dirty="0"/>
-              <a:t> </a:t>
-            </a:r>
-            <a:r>
-              <a:rPr lang="en-US" b="1" dirty="0">
-                <a:solidFill>
-                  <a:schemeClr val="bg1"/>
-                </a:solidFill>
-              </a:rPr>
-              <a:t>VALUES </a:t>
-            </a:r>
-            <a:r>
-              <a:rPr lang="bg-BG" dirty="0"/>
-              <a:t>е последвана от набор от скоби, съдържащи </a:t>
-            </a:r>
-            <a:r>
-              <a:rPr lang="bg-BG" b="1" dirty="0">
-                <a:solidFill>
-                  <a:schemeClr val="bg1"/>
-                </a:solidFill>
-              </a:rPr>
-              <a:t>стойностите за всеки ред</a:t>
-            </a:r>
-            <a:r>
-              <a:rPr lang="bg-BG" dirty="0"/>
-              <a:t>, който искаме да добавим</a:t>
-            </a:r>
-            <a:endParaRPr lang="en-US" dirty="0"/>
-          </a:p>
-          <a:p>
-            <a:r>
-              <a:rPr lang="bg-BG" dirty="0"/>
-              <a:t>Всеки набор от стойности съответства</a:t>
-            </a:r>
-            <a:r>
-              <a:rPr lang="en-US" dirty="0"/>
-              <a:t> </a:t>
-            </a:r>
-            <a:r>
-              <a:rPr lang="bg-BG" dirty="0"/>
-              <a:t>на </a:t>
-            </a:r>
-            <a:r>
-              <a:rPr lang="bg-BG" b="1" dirty="0">
-                <a:solidFill>
-                  <a:schemeClr val="bg1"/>
-                </a:solidFill>
-              </a:rPr>
-              <a:t>ред в таблицата</a:t>
-            </a:r>
-            <a:br>
-              <a:rPr lang="ru-RU" dirty="0"/>
-            </a:br>
-            <a:endParaRPr lang="en-US" dirty="0"/>
-          </a:p>
-        </p:txBody>
-      </p:sp>
-      <p:sp>
-        <p:nvSpPr>
-          <p:cNvPr id="4" name="Title 3"/>
-          <p:cNvSpPr>
-            <a:spLocks noGrp="1"/>
-          </p:cNvSpPr>
-          <p:nvPr>
-            <p:ph type="title"/>
-          </p:nvPr>
-        </p:nvSpPr>
-        <p:spPr/>
-        <p:txBody>
-          <a:bodyPr/>
-          <a:lstStyle/>
-          <a:p>
-            <a:r>
-              <a:rPr lang="bg-BG" dirty="0"/>
-              <a:t>Вмъкване на данни чрез </a:t>
-            </a:r>
-            <a:r>
-              <a:rPr lang="en-US" dirty="0"/>
-              <a:t>SQL (2)</a:t>
-            </a:r>
-          </a:p>
-        </p:txBody>
-      </p:sp>
-      <p:sp>
-        <p:nvSpPr>
-          <p:cNvPr id="5" name="Slide Number">
-            <a:extLst>
-              <a:ext uri="{FF2B5EF4-FFF2-40B4-BE49-F238E27FC236}">
-                <a16:creationId xmlns:a16="http://schemas.microsoft.com/office/drawing/2014/main" id="{1DAFA887-93DC-FE06-C7DE-B7D8871708D9}"/>
-              </a:ext>
-            </a:extLst>
-          </p:cNvPr>
-          <p:cNvSpPr>
-            <a:spLocks noGrp="1"/>
-          </p:cNvSpPr>
-          <p:nvPr>
-            <p:ph type="sldNum" sz="quarter" idx="5"/>
-          </p:nvPr>
-        </p:nvSpPr>
-        <p:spPr>
-          <a:xfrm>
-            <a:off x="11753030" y="6507000"/>
-            <a:ext cx="367414" cy="297000"/>
-          </a:xfrm>
-          <a:prstGeom prst="rect">
-            <a:avLst/>
-          </a:prstGeom>
-        </p:spPr>
-        <p:txBody>
-          <a:bodyPr vert="horz" lIns="91440" tIns="45720" rIns="91440" bIns="45720" rtlCol="0" anchor="b"/>
-          <a:lstStyle>
-            <a:lvl1pPr algn="r">
-              <a:defRPr sz="1000"/>
-            </a:lvl1pPr>
-          </a:lstStyle>
-          <a:p>
-            <a:fld id="{2BF067CD-8E6B-4360-9AA8-C5DF2A48A6D1}" type="slidenum">
-              <a:rPr lang="en-US" noProof="0" smtClean="0"/>
-              <a:pPr/>
-              <a:t>34</a:t>
-            </a:fld>
-            <a:endParaRPr lang="en-US" noProof="0" dirty="0"/>
-          </a:p>
-        </p:txBody>
-      </p:sp>
-    </p:spTree>
-    <p:extLst>
-      <p:ext uri="{BB962C8B-B14F-4D97-AF65-F5344CB8AC3E}">
-        <p14:creationId xmlns:p14="http://schemas.microsoft.com/office/powerpoint/2010/main" val="253181009"/>
-      </p:ext>
-    </p:extLst>
-  </p:cSld>
-  <p:clrMapOvr>
-    <a:masterClrMapping/>
-  </p:clrMapOvr>
-  <mc:AlternateContent xmlns:mc="http://schemas.openxmlformats.org/markup-compatibility/2006" xmlns:p14="http://schemas.microsoft.com/office/powerpoint/2010/main">
-    <mc:Choice Requires="p14">
-      <p:transition spd="slow" p14:dur="2000" advClick="0" advTm="5000"/>
-    </mc:Choice>
-    <mc:Fallback xmlns="">
-      <p:transition spd="slow" advClick="0" advTm="5000"/>
-    </mc:Fallback>
-  </mc:AlternateContent>
-  <p:timing>
-    <p:tnLst>
-      <p:par>
-        <p:cTn id="1" dur="indefinite" restart="never" nodeType="tmRoot">
-          <p:childTnLst>
-            <p:seq concurrent="1" nextAc="seek">
-              <p:cTn id="2" dur="indefinite" nodeType="mainSeq">
-                <p:childTnLst>
-                  <p:par>
-                    <p:cTn id="3" fill="hold">
-                      <p:stCondLst>
-                        <p:cond delay="indefinite"/>
-                      </p:stCondLst>
-                      <p:childTnLst>
-                        <p:par>
-                          <p:cTn id="4" fill="hold">
-                            <p:stCondLst>
-                              <p:cond delay="0"/>
-                            </p:stCondLst>
-                            <p:childTnLst>
-                              <p:par>
-                                <p:cTn id="5" presetID="1" presetClass="entr" presetSubtype="0" fill="hold" nodeType="clickEffect">
-                                  <p:stCondLst>
-                                    <p:cond delay="0"/>
-                                  </p:stCondLst>
-                                  <p:childTnLst>
-                                    <p:set>
-                                      <p:cBhvr>
-                                        <p:cTn id="6" dur="1" fill="hold">
-                                          <p:stCondLst>
-                                            <p:cond delay="0"/>
-                                          </p:stCondLst>
-                                        </p:cTn>
-                                        <p:tgtEl>
-                                          <p:spTgt spid="3">
-                                            <p:txEl>
-                                              <p:pRg st="1" end="1"/>
-                                            </p:txEl>
-                                          </p:spTgt>
-                                        </p:tgtEl>
-                                        <p:attrNameLst>
-                                          <p:attrName>style.visibility</p:attrName>
-                                        </p:attrNameLst>
-                                      </p:cBhvr>
-                                      <p:to>
-                                        <p:strVal val="visible"/>
-                                      </p:to>
-                                    </p:set>
-                                  </p:childTnLst>
-                                </p:cTn>
-                              </p:par>
-                            </p:childTnLst>
-                          </p:cTn>
-                        </p:par>
-                      </p:childTnLst>
-                    </p:cTn>
-                  </p:par>
-                  <p:par>
-                    <p:cTn id="7" fill="hold">
-                      <p:stCondLst>
-                        <p:cond delay="indefinite"/>
-                      </p:stCondLst>
-                      <p:childTnLst>
-                        <p:par>
-                          <p:cTn id="8" fill="hold">
-                            <p:stCondLst>
-                              <p:cond delay="0"/>
-                            </p:stCondLst>
-                            <p:childTnLst>
-                              <p:par>
-                                <p:cTn id="9" presetID="1" presetClass="entr" presetSubtype="0" fill="hold" nodeType="clickEffect">
-                                  <p:stCondLst>
-                                    <p:cond delay="0"/>
-                                  </p:stCondLst>
-                                  <p:childTnLst>
-                                    <p:set>
-                                      <p:cBhvr>
-                                        <p:cTn id="10" dur="1" fill="hold">
-                                          <p:stCondLst>
-                                            <p:cond delay="0"/>
-                                          </p:stCondLst>
-                                        </p:cTn>
-                                        <p:tgtEl>
-                                          <p:spTgt spid="3">
-                                            <p:txEl>
-                                              <p:pRg st="2" end="2"/>
-                                            </p:txEl>
-                                          </p:spTgt>
-                                        </p:tgtEl>
-                                        <p:attrNameLst>
-                                          <p:attrName>style.visibility</p:attrName>
-                                        </p:attrNameLst>
-                                      </p:cBhvr>
-                                      <p:to>
-                                        <p:strVal val="visible"/>
-                                      </p:to>
-                                    </p:set>
-                                  </p:childTnLst>
-                                </p:cTn>
-                              </p:par>
-                            </p:childTnLst>
-                          </p:cTn>
-                        </p:par>
-                      </p:childTnLst>
-                    </p:cTn>
-                  </p:par>
-                  <p:par>
-                    <p:cTn id="11" fill="hold">
-                      <p:stCondLst>
-                        <p:cond delay="indefinite"/>
-                      </p:stCondLst>
-                      <p:childTnLst>
-                        <p:par>
-                          <p:cTn id="12" fill="hold">
-                            <p:stCondLst>
-                              <p:cond delay="0"/>
-                            </p:stCondLst>
-                            <p:childTnLst>
-                              <p:par>
-                                <p:cTn id="13" presetID="1" presetClass="entr" presetSubtype="0" fill="hold" nodeType="clickEffect">
-                                  <p:stCondLst>
-                                    <p:cond delay="0"/>
-                                  </p:stCondLst>
-                                  <p:childTnLst>
-                                    <p:set>
-                                      <p:cBhvr>
-                                        <p:cTn id="14" dur="1" fill="hold">
-                                          <p:stCondLst>
-                                            <p:cond delay="0"/>
-                                          </p:stCondLst>
-                                        </p:cTn>
-                                        <p:tgtEl>
-                                          <p:spTgt spid="3">
-                                            <p:txEl>
-                                              <p:pRg st="3" end="3"/>
-                                            </p:txEl>
-                                          </p:spTgt>
-                                        </p:tgtEl>
-                                        <p:attrNameLst>
-                                          <p:attrName>style.visibility</p:attrName>
-                                        </p:attrNameLst>
-                                      </p:cBhvr>
-                                      <p:to>
-                                        <p:strVal val="visible"/>
-                                      </p:to>
-                                    </p:set>
-                                  </p:childTnLst>
-                                </p:cTn>
-                              </p:par>
-                            </p:childTnLst>
-                          </p:cTn>
-                        </p:par>
-                      </p:childTnLst>
-                    </p:cTn>
-                  </p:par>
-                </p:childTnLst>
-              </p:cTn>
-              <p:prevCondLst>
-                <p:cond evt="onPrev" delay="0">
-                  <p:tgtEl>
-                    <p:sldTgt/>
-                  </p:tgtEl>
-                </p:cond>
-              </p:prevCondLst>
-              <p:nextCondLst>
-                <p:cond evt="onNext" delay="0">
-                  <p:tgtEl>
-                    <p:sldTgt/>
-                  </p:tgtEl>
-                </p:cond>
-              </p:nextCondLst>
-            </p:seq>
-          </p:childTnLst>
-        </p:cTn>
-      </p:par>
-    </p:tnLst>
-  </p:timing>
-</p:sld>
-</file>
-
-<file path=ppt/slides/slide35.xml><?xml version="1.0" encoding="utf-8"?>
-<p:sld xmlns:a="http://schemas.openxmlformats.org/drawingml/2006/main" xmlns:r="http://schemas.openxmlformats.org/officeDocument/2006/relationships" xmlns:p="http://schemas.openxmlformats.org/presentationml/2006/main">
-  <p:cSld>
-    <p:spTree>
-      <p:nvGrpSpPr>
-        <p:cNvPr id="1" name=""/>
-        <p:cNvGrpSpPr/>
-        <p:nvPr/>
-      </p:nvGrpSpPr>
-      <p:grpSpPr>
-        <a:xfrm>
-          <a:off x="0" y="0"/>
-          <a:ext cx="0" cy="0"/>
-          <a:chOff x="0" y="0"/>
-          <a:chExt cx="0" cy="0"/>
-        </a:xfrm>
-      </p:grpSpPr>
-      <p:sp>
-        <p:nvSpPr>
           <p:cNvPr id="3" name="Text Placeholder 2"/>
           <p:cNvSpPr>
             <a:spLocks noGrp="1"/>
@@ -21153,7 +19774,7 @@
             <a:fld id="{2BF067CD-8E6B-4360-9AA8-C5DF2A48A6D1}" type="slidenum">
               <a:rPr lang="en-US" noProof="0" smtClean="0"/>
               <a:pPr/>
-              <a:t>35</a:t>
+              <a:t>33</a:t>
             </a:fld>
             <a:endParaRPr lang="en-US" noProof="0" dirty="0"/>
           </a:p>
@@ -21259,7 +19880,7 @@
 </p:sld>
 </file>
 
-<file path=ppt/slides/slide36.xml><?xml version="1.0" encoding="utf-8"?>
+<file path=ppt/slides/slide34.xml><?xml version="1.0" encoding="utf-8"?>
 <p:sld xmlns:a="http://schemas.openxmlformats.org/drawingml/2006/main" xmlns:r="http://schemas.openxmlformats.org/officeDocument/2006/relationships" xmlns:p="http://schemas.openxmlformats.org/presentationml/2006/main">
   <p:cSld>
     <p:spTree>
@@ -21380,7 +20001,7 @@
 </p:sld>
 </file>
 
-<file path=ppt/slides/slide37.xml><?xml version="1.0" encoding="utf-8"?>
+<file path=ppt/slides/slide35.xml><?xml version="1.0" encoding="utf-8"?>
 <p:sld xmlns:a="http://schemas.openxmlformats.org/drawingml/2006/main" xmlns:r="http://schemas.openxmlformats.org/officeDocument/2006/relationships" xmlns:p="http://schemas.openxmlformats.org/presentationml/2006/main">
   <p:cSld>
     <p:spTree>
@@ -21579,7 +20200,7 @@
             <a:fld id="{2BF067CD-8E6B-4360-9AA8-C5DF2A48A6D1}" type="slidenum">
               <a:rPr lang="en-US" noProof="0" smtClean="0"/>
               <a:pPr/>
-              <a:t>37</a:t>
+              <a:t>35</a:t>
             </a:fld>
             <a:endParaRPr lang="en-US" noProof="0" dirty="0"/>
           </a:p>
@@ -21791,7 +20412,7 @@
 </p:sld>
 </file>
 
-<file path=ppt/slides/slide38.xml><?xml version="1.0" encoding="utf-8"?>
+<file path=ppt/slides/slide36.xml><?xml version="1.0" encoding="utf-8"?>
 <p:sld xmlns:a="http://schemas.openxmlformats.org/drawingml/2006/main" xmlns:r="http://schemas.openxmlformats.org/officeDocument/2006/relationships" xmlns:p="http://schemas.openxmlformats.org/presentationml/2006/main">
   <p:cSld>
     <p:spTree>
@@ -21943,7 +20564,7 @@
             <a:fld id="{2BF067CD-8E6B-4360-9AA8-C5DF2A48A6D1}" type="slidenum">
               <a:rPr lang="en-US" noProof="0" smtClean="0"/>
               <a:pPr/>
-              <a:t>38</a:t>
+              <a:t>36</a:t>
             </a:fld>
             <a:endParaRPr lang="en-US" noProof="0" dirty="0"/>
           </a:p>
@@ -21970,7 +20591,7 @@
 </p:sld>
 </file>
 
-<file path=ppt/slides/slide39.xml><?xml version="1.0" encoding="utf-8"?>
+<file path=ppt/slides/slide37.xml><?xml version="1.0" encoding="utf-8"?>
 <p:sld xmlns:a="http://schemas.openxmlformats.org/drawingml/2006/main" xmlns:r="http://schemas.openxmlformats.org/officeDocument/2006/relationships" xmlns:p="http://schemas.openxmlformats.org/presentationml/2006/main">
   <p:cSld>
     <p:spTree>
@@ -22185,7 +20806,7 @@
             <a:fld id="{2BF067CD-8E6B-4360-9AA8-C5DF2A48A6D1}" type="slidenum">
               <a:rPr lang="en-US" noProof="0" smtClean="0"/>
               <a:pPr/>
-              <a:t>39</a:t>
+              <a:t>37</a:t>
             </a:fld>
             <a:endParaRPr lang="en-US" noProof="0" dirty="0"/>
           </a:p>
@@ -22390,6 +21011,1313 @@
 </p:sld>
 </file>
 
+<file path=ppt/slides/slide38.xml><?xml version="1.0" encoding="utf-8"?>
+<p:sld xmlns:a="http://schemas.openxmlformats.org/drawingml/2006/main" xmlns:r="http://schemas.openxmlformats.org/officeDocument/2006/relationships" xmlns:p="http://schemas.openxmlformats.org/presentationml/2006/main">
+  <p:cSld>
+    <p:spTree>
+      <p:nvGrpSpPr>
+        <p:cNvPr id="1" name=""/>
+        <p:cNvGrpSpPr/>
+        <p:nvPr/>
+      </p:nvGrpSpPr>
+      <p:grpSpPr>
+        <a:xfrm>
+          <a:off x="0" y="0"/>
+          <a:ext cx="0" cy="0"/>
+          <a:chOff x="0" y="0"/>
+          <a:chExt cx="0" cy="0"/>
+        </a:xfrm>
+      </p:grpSpPr>
+      <p:sp>
+        <p:nvSpPr>
+          <p:cNvPr id="14" name="Text Placeholder 4">
+            <a:extLst>
+              <a:ext uri="{FF2B5EF4-FFF2-40B4-BE49-F238E27FC236}">
+                <a16:creationId xmlns:a16="http://schemas.microsoft.com/office/drawing/2014/main" id="{0E49D336-45B6-44D3-97C4-E28F8DEA2022}"/>
+              </a:ext>
+            </a:extLst>
+          </p:cNvPr>
+          <p:cNvSpPr>
+            <a:spLocks noGrp="1"/>
+          </p:cNvSpPr>
+          <p:nvPr>
+            <p:ph type="body" sz="quarter" idx="10"/>
+          </p:nvPr>
+        </p:nvSpPr>
+        <p:spPr>
+          <a:xfrm>
+            <a:off x="869725" y="1656226"/>
+            <a:ext cx="7581212" cy="4772369"/>
+          </a:xfrm>
+        </p:spPr>
+        <p:txBody>
+          <a:bodyPr/>
+          <a:lstStyle>
+            <a:lvl1pPr marL="514350" indent="-514350">
+              <a:buFont typeface="Wingdings" panose="05000000000000000000" pitchFamily="2" charset="2"/>
+              <a:buChar char="§"/>
+              <a:defRPr>
+                <a:solidFill>
+                  <a:schemeClr val="bg2"/>
+                </a:solidFill>
+              </a:defRPr>
+            </a:lvl1pPr>
+            <a:lvl2pPr marL="1123935" indent="-514350">
+              <a:buFont typeface="Wingdings" panose="05000000000000000000" pitchFamily="2" charset="2"/>
+              <a:buChar char="§"/>
+              <a:defRPr>
+                <a:solidFill>
+                  <a:schemeClr val="tx1"/>
+                </a:solidFill>
+              </a:defRPr>
+            </a:lvl2pPr>
+            <a:lvl3pPr marL="1733520" indent="-514350">
+              <a:buFont typeface="Wingdings" panose="05000000000000000000" pitchFamily="2" charset="2"/>
+              <a:buChar char="§"/>
+              <a:defRPr>
+                <a:solidFill>
+                  <a:schemeClr val="tx1"/>
+                </a:solidFill>
+              </a:defRPr>
+            </a:lvl3pPr>
+            <a:lvl4pPr marL="2343105" indent="-514350">
+              <a:buFont typeface="Wingdings" panose="05000000000000000000" pitchFamily="2" charset="2"/>
+              <a:buChar char="§"/>
+              <a:defRPr>
+                <a:solidFill>
+                  <a:schemeClr val="tx1"/>
+                </a:solidFill>
+              </a:defRPr>
+            </a:lvl4pPr>
+            <a:lvl5pPr marL="2952689" indent="-514350">
+              <a:buFont typeface="Wingdings" panose="05000000000000000000" pitchFamily="2" charset="2"/>
+              <a:buChar char="§"/>
+              <a:defRPr>
+                <a:solidFill>
+                  <a:schemeClr val="tx1"/>
+                </a:solidFill>
+              </a:defRPr>
+            </a:lvl5pPr>
+          </a:lstStyle>
+          <a:p>
+            <a:pPr lvl="0"/>
+            <a:r>
+              <a:rPr lang="en-US" dirty="0"/>
+              <a:t>…</a:t>
+            </a:r>
+          </a:p>
+          <a:p>
+            <a:pPr lvl="0"/>
+            <a:r>
+              <a:rPr lang="en-GB" dirty="0"/>
+              <a:t>…</a:t>
+            </a:r>
+            <a:endParaRPr lang="en-US" dirty="0"/>
+          </a:p>
+          <a:p>
+            <a:pPr lvl="0"/>
+            <a:r>
+              <a:rPr lang="en-GB" dirty="0"/>
+              <a:t>…</a:t>
+            </a:r>
+            <a:endParaRPr lang="en-US" dirty="0"/>
+          </a:p>
+          <a:p>
+            <a:pPr lvl="0"/>
+            <a:endParaRPr lang="en-US" dirty="0"/>
+          </a:p>
+        </p:txBody>
+      </p:sp>
+      <p:sp>
+        <p:nvSpPr>
+          <p:cNvPr id="4" name="Title 3"/>
+          <p:cNvSpPr>
+            <a:spLocks noGrp="1"/>
+          </p:cNvSpPr>
+          <p:nvPr>
+            <p:ph type="title"/>
+          </p:nvPr>
+        </p:nvSpPr>
+        <p:spPr/>
+        <p:txBody>
+          <a:bodyPr>
+            <a:normAutofit/>
+          </a:bodyPr>
+          <a:lstStyle/>
+          <a:p>
+            <a:r>
+              <a:rPr lang="bg-BG" dirty="0"/>
+              <a:t>Обобщение</a:t>
+            </a:r>
+            <a:endParaRPr lang="en-US" dirty="0"/>
+          </a:p>
+        </p:txBody>
+      </p:sp>
+      <p:grpSp>
+        <p:nvGrpSpPr>
+          <p:cNvPr id="9" name="Group 8">
+            <a:extLst>
+              <a:ext uri="{FF2B5EF4-FFF2-40B4-BE49-F238E27FC236}">
+                <a16:creationId xmlns:a16="http://schemas.microsoft.com/office/drawing/2014/main" id="{EBAFE522-EB7D-4931-A015-9A7E8A98517D}"/>
+              </a:ext>
+            </a:extLst>
+          </p:cNvPr>
+          <p:cNvGrpSpPr/>
+          <p:nvPr/>
+        </p:nvGrpSpPr>
+        <p:grpSpPr>
+          <a:xfrm>
+            <a:off x="191942" y="1419750"/>
+            <a:ext cx="9302704" cy="5300339"/>
+            <a:chOff x="472011" y="1508786"/>
+            <a:chExt cx="3799787" cy="4865561"/>
+          </a:xfrm>
+        </p:grpSpPr>
+        <p:sp>
+          <p:nvSpPr>
+            <p:cNvPr id="10" name="Rounded Rectangle 10">
+              <a:extLst>
+                <a:ext uri="{FF2B5EF4-FFF2-40B4-BE49-F238E27FC236}">
+                  <a16:creationId xmlns:a16="http://schemas.microsoft.com/office/drawing/2014/main" id="{18F78F23-3D09-4B63-8DF9-D49CFBB145EE}"/>
+                </a:ext>
+              </a:extLst>
+            </p:cNvPr>
+            <p:cNvSpPr/>
+            <p:nvPr/>
+          </p:nvSpPr>
+          <p:spPr>
+            <a:xfrm>
+              <a:off x="472011" y="1508786"/>
+              <a:ext cx="3799787" cy="4865561"/>
+            </a:xfrm>
+            <a:prstGeom prst="roundRect">
+              <a:avLst>
+                <a:gd name="adj" fmla="val 3968"/>
+              </a:avLst>
+            </a:prstGeom>
+            <a:solidFill>
+              <a:schemeClr val="tx2"/>
+            </a:solidFill>
+            <a:ln>
+              <a:noFill/>
+            </a:ln>
+          </p:spPr>
+          <p:style>
+            <a:lnRef idx="2">
+              <a:schemeClr val="accent1">
+                <a:shade val="50000"/>
+              </a:schemeClr>
+            </a:lnRef>
+            <a:fillRef idx="1">
+              <a:schemeClr val="accent1"/>
+            </a:fillRef>
+            <a:effectRef idx="0">
+              <a:schemeClr val="accent1"/>
+            </a:effectRef>
+            <a:fontRef idx="minor">
+              <a:schemeClr val="lt1"/>
+            </a:fontRef>
+          </p:style>
+          <p:txBody>
+            <a:bodyPr rtlCol="0" anchor="ctr"/>
+            <a:lstStyle/>
+            <a:p>
+              <a:pPr marL="0" marR="0" lvl="0" indent="0" algn="ctr" defTabSz="914400" rtl="0" eaLnBrk="1" fontAlgn="auto" latinLnBrk="0" hangingPunct="1">
+                <a:lnSpc>
+                  <a:spcPct val="100000"/>
+                </a:lnSpc>
+                <a:spcBef>
+                  <a:spcPts val="0"/>
+                </a:spcBef>
+                <a:spcAft>
+                  <a:spcPts val="0"/>
+                </a:spcAft>
+                <a:buClrTx/>
+                <a:buSzTx/>
+                <a:buFontTx/>
+                <a:buNone/>
+                <a:tabLst/>
+                <a:defRPr/>
+              </a:pPr>
+              <a:endParaRPr kumimoji="0" lang="ko-KR" altLang="en-US" sz="2399" b="0" i="0" u="none" strike="noStrike" kern="1200" cap="none" spc="0" normalizeH="0" baseline="0" noProof="0" dirty="0">
+                <a:ln>
+                  <a:noFill/>
+                </a:ln>
+                <a:solidFill>
+                  <a:srgbClr val="FFA000"/>
+                </a:solidFill>
+                <a:effectLst/>
+                <a:uLnTx/>
+                <a:uFillTx/>
+                <a:latin typeface="Calibri" panose="020F0502020204030204"/>
+                <a:ea typeface="맑은 고딕" panose="020B0503020000020004" pitchFamily="34" charset="-127"/>
+                <a:cs typeface="+mn-cs"/>
+              </a:endParaRPr>
+            </a:p>
+          </p:txBody>
+        </p:sp>
+        <p:sp>
+          <p:nvSpPr>
+            <p:cNvPr id="11" name="Rounded Rectangle 16">
+              <a:extLst>
+                <a:ext uri="{FF2B5EF4-FFF2-40B4-BE49-F238E27FC236}">
+                  <a16:creationId xmlns:a16="http://schemas.microsoft.com/office/drawing/2014/main" id="{F12C06CE-2BBE-46C2-B718-813794C58DF9}"/>
+                </a:ext>
+              </a:extLst>
+            </p:cNvPr>
+            <p:cNvSpPr/>
+            <p:nvPr/>
+          </p:nvSpPr>
+          <p:spPr>
+            <a:xfrm>
+              <a:off x="540767" y="1781251"/>
+              <a:ext cx="85794" cy="4320631"/>
+            </a:xfrm>
+            <a:prstGeom prst="roundRect">
+              <a:avLst>
+                <a:gd name="adj" fmla="val 50000"/>
+              </a:avLst>
+            </a:prstGeom>
+            <a:solidFill>
+              <a:schemeClr val="bg2">
+                <a:alpha val="41000"/>
+              </a:schemeClr>
+            </a:solidFill>
+            <a:ln>
+              <a:noFill/>
+            </a:ln>
+          </p:spPr>
+          <p:style>
+            <a:lnRef idx="2">
+              <a:schemeClr val="accent1">
+                <a:shade val="50000"/>
+              </a:schemeClr>
+            </a:lnRef>
+            <a:fillRef idx="1">
+              <a:schemeClr val="accent1"/>
+            </a:fillRef>
+            <a:effectRef idx="0">
+              <a:schemeClr val="accent1"/>
+            </a:effectRef>
+            <a:fontRef idx="minor">
+              <a:schemeClr val="lt1"/>
+            </a:fontRef>
+          </p:style>
+          <p:txBody>
+            <a:bodyPr rtlCol="0" anchor="ctr"/>
+            <a:lstStyle/>
+            <a:p>
+              <a:pPr marL="0" marR="0" lvl="0" indent="0" algn="ctr" defTabSz="914400" rtl="0" eaLnBrk="1" fontAlgn="auto" latinLnBrk="0" hangingPunct="1">
+                <a:lnSpc>
+                  <a:spcPct val="100000"/>
+                </a:lnSpc>
+                <a:spcBef>
+                  <a:spcPts val="0"/>
+                </a:spcBef>
+                <a:spcAft>
+                  <a:spcPts val="0"/>
+                </a:spcAft>
+                <a:buClrTx/>
+                <a:buSzTx/>
+                <a:buFontTx/>
+                <a:buNone/>
+                <a:tabLst/>
+                <a:defRPr/>
+              </a:pPr>
+              <a:endParaRPr kumimoji="0" lang="ko-KR" altLang="en-US" sz="2399" b="0" i="0" u="none" strike="noStrike" kern="1200" cap="none" spc="0" normalizeH="0" baseline="0" noProof="0">
+                <a:ln>
+                  <a:noFill/>
+                </a:ln>
+                <a:solidFill>
+                  <a:srgbClr val="FFA000"/>
+                </a:solidFill>
+                <a:effectLst/>
+                <a:uLnTx/>
+                <a:uFillTx/>
+                <a:latin typeface="Calibri" panose="020F0502020204030204"/>
+                <a:ea typeface="맑은 고딕" panose="020B0503020000020004" pitchFamily="34" charset="-127"/>
+                <a:cs typeface="+mn-cs"/>
+              </a:endParaRPr>
+            </a:p>
+          </p:txBody>
+        </p:sp>
+        <p:sp>
+          <p:nvSpPr>
+            <p:cNvPr id="12" name="Half Frame 11">
+              <a:extLst>
+                <a:ext uri="{FF2B5EF4-FFF2-40B4-BE49-F238E27FC236}">
+                  <a16:creationId xmlns:a16="http://schemas.microsoft.com/office/drawing/2014/main" id="{66CDBB1E-AF3C-43FC-9F34-2DD691F81726}"/>
+                </a:ext>
+              </a:extLst>
+            </p:cNvPr>
+            <p:cNvSpPr/>
+            <p:nvPr/>
+          </p:nvSpPr>
+          <p:spPr>
+            <a:xfrm rot="5400000">
+              <a:off x="3762569" y="1912372"/>
+              <a:ext cx="669775" cy="238503"/>
+            </a:xfrm>
+            <a:prstGeom prst="halfFrame">
+              <a:avLst>
+                <a:gd name="adj1" fmla="val 23728"/>
+                <a:gd name="adj2" fmla="val 24642"/>
+              </a:avLst>
+            </a:prstGeom>
+            <a:solidFill>
+              <a:schemeClr val="bg2">
+                <a:alpha val="23000"/>
+              </a:schemeClr>
+            </a:solidFill>
+            <a:ln>
+              <a:noFill/>
+            </a:ln>
+          </p:spPr>
+          <p:style>
+            <a:lnRef idx="2">
+              <a:schemeClr val="accent1">
+                <a:shade val="50000"/>
+              </a:schemeClr>
+            </a:lnRef>
+            <a:fillRef idx="1">
+              <a:schemeClr val="accent1"/>
+            </a:fillRef>
+            <a:effectRef idx="0">
+              <a:schemeClr val="accent1"/>
+            </a:effectRef>
+            <a:fontRef idx="minor">
+              <a:schemeClr val="lt1"/>
+            </a:fontRef>
+          </p:style>
+          <p:txBody>
+            <a:bodyPr rtlCol="0" anchor="ctr"/>
+            <a:lstStyle/>
+            <a:p>
+              <a:pPr marL="0" marR="0" lvl="0" indent="0" algn="ctr" defTabSz="914400" rtl="0" eaLnBrk="1" fontAlgn="auto" latinLnBrk="0" hangingPunct="1">
+                <a:lnSpc>
+                  <a:spcPct val="100000"/>
+                </a:lnSpc>
+                <a:spcBef>
+                  <a:spcPts val="0"/>
+                </a:spcBef>
+                <a:spcAft>
+                  <a:spcPts val="0"/>
+                </a:spcAft>
+                <a:buClrTx/>
+                <a:buSzTx/>
+                <a:buFontTx/>
+                <a:buNone/>
+                <a:tabLst/>
+                <a:defRPr/>
+              </a:pPr>
+              <a:endParaRPr kumimoji="0" lang="ko-KR" altLang="en-US" sz="2399" b="0" i="0" u="none" strike="noStrike" kern="1200" cap="none" spc="0" normalizeH="0" baseline="0" noProof="0">
+                <a:ln>
+                  <a:noFill/>
+                </a:ln>
+                <a:solidFill>
+                  <a:srgbClr val="234465"/>
+                </a:solidFill>
+                <a:effectLst/>
+                <a:uLnTx/>
+                <a:uFillTx/>
+                <a:latin typeface="Calibri" panose="020F0502020204030204"/>
+                <a:ea typeface="맑은 고딕" panose="020B0503020000020004" pitchFamily="34" charset="-127"/>
+                <a:cs typeface="+mn-cs"/>
+              </a:endParaRPr>
+            </a:p>
+          </p:txBody>
+        </p:sp>
+      </p:grpSp>
+      <p:pic>
+        <p:nvPicPr>
+          <p:cNvPr id="13" name="Picture 12">
+            <a:extLst>
+              <a:ext uri="{FF2B5EF4-FFF2-40B4-BE49-F238E27FC236}">
+                <a16:creationId xmlns:a16="http://schemas.microsoft.com/office/drawing/2014/main" id="{CCC3A316-993C-4741-8826-E104F27650A3}"/>
+              </a:ext>
+            </a:extLst>
+          </p:cNvPr>
+          <p:cNvPicPr>
+            <a:picLocks noChangeAspect="1"/>
+          </p:cNvPicPr>
+          <p:nvPr/>
+        </p:nvPicPr>
+        <p:blipFill rotWithShape="1">
+          <a:blip r:embed="rId3" cstate="print">
+            <a:extLst>
+              <a:ext uri="{28A0092B-C50C-407E-A947-70E740481C1C}">
+                <a14:useLocalDpi xmlns:a14="http://schemas.microsoft.com/office/drawing/2010/main" val="0"/>
+              </a:ext>
+            </a:extLst>
+          </a:blip>
+          <a:srcRect/>
+          <a:stretch/>
+        </p:blipFill>
+        <p:spPr>
+          <a:xfrm flipH="1">
+            <a:off x="9634833" y="4105075"/>
+            <a:ext cx="2118197" cy="2292422"/>
+          </a:xfrm>
+          <a:prstGeom prst="rect">
+            <a:avLst/>
+          </a:prstGeom>
+        </p:spPr>
+      </p:pic>
+      <p:sp>
+        <p:nvSpPr>
+          <p:cNvPr id="15" name="Content Placeholder 4">
+            <a:extLst>
+              <a:ext uri="{FF2B5EF4-FFF2-40B4-BE49-F238E27FC236}">
+                <a16:creationId xmlns:a16="http://schemas.microsoft.com/office/drawing/2014/main" id="{B96A0DF8-27E7-4DC8-BBE3-7238AAAEB845}"/>
+              </a:ext>
+            </a:extLst>
+          </p:cNvPr>
+          <p:cNvSpPr txBox="1">
+            <a:spLocks/>
+          </p:cNvSpPr>
+          <p:nvPr/>
+        </p:nvSpPr>
+        <p:spPr>
+          <a:xfrm>
+            <a:off x="445613" y="1606714"/>
+            <a:ext cx="11815018" cy="5201066"/>
+          </a:xfrm>
+          <a:prstGeom prst="rect">
+            <a:avLst/>
+          </a:prstGeom>
+        </p:spPr>
+        <p:txBody>
+          <a:bodyPr vert="horz" lIns="108000" tIns="36000" rIns="108000" bIns="36000" rtlCol="0">
+            <a:normAutofit/>
+          </a:bodyPr>
+          <a:lstStyle>
+            <a:lvl1pPr marL="456915" indent="-456915" algn="l" defTabSz="1218438" rtl="0" eaLnBrk="1" latinLnBrk="1" hangingPunct="1">
+              <a:lnSpc>
+                <a:spcPct val="105000"/>
+              </a:lnSpc>
+              <a:spcBef>
+                <a:spcPts val="600"/>
+              </a:spcBef>
+              <a:spcAft>
+                <a:spcPts val="600"/>
+              </a:spcAft>
+              <a:buFont typeface="Wingdings" panose="05000000000000000000" pitchFamily="2" charset="2"/>
+              <a:buChar char="§"/>
+              <a:defRPr sz="3398" kern="1200">
+                <a:solidFill>
+                  <a:schemeClr val="tx1"/>
+                </a:solidFill>
+                <a:latin typeface="+mn-lt"/>
+                <a:ea typeface="+mn-ea"/>
+                <a:cs typeface="+mn-cs"/>
+              </a:defRPr>
+            </a:lvl1pPr>
+            <a:lvl2pPr marL="989981" indent="-380762" algn="l" defTabSz="1218438" rtl="0" eaLnBrk="1" latinLnBrk="1" hangingPunct="1">
+              <a:lnSpc>
+                <a:spcPct val="105000"/>
+              </a:lnSpc>
+              <a:spcBef>
+                <a:spcPts val="600"/>
+              </a:spcBef>
+              <a:spcAft>
+                <a:spcPts val="600"/>
+              </a:spcAft>
+              <a:buFont typeface="Wingdings" panose="05000000000000000000" pitchFamily="2" charset="2"/>
+              <a:buChar char="§"/>
+              <a:defRPr sz="3198" kern="1200">
+                <a:solidFill>
+                  <a:schemeClr val="tx1"/>
+                </a:solidFill>
+                <a:latin typeface="+mn-lt"/>
+                <a:ea typeface="+mn-ea"/>
+                <a:cs typeface="+mn-cs"/>
+              </a:defRPr>
+            </a:lvl2pPr>
+            <a:lvl3pPr marL="1523048" indent="-304610" algn="l" defTabSz="1218438" rtl="0" eaLnBrk="1" latinLnBrk="1" hangingPunct="1">
+              <a:lnSpc>
+                <a:spcPct val="105000"/>
+              </a:lnSpc>
+              <a:spcBef>
+                <a:spcPts val="600"/>
+              </a:spcBef>
+              <a:spcAft>
+                <a:spcPts val="600"/>
+              </a:spcAft>
+              <a:buFont typeface="Wingdings" panose="05000000000000000000" pitchFamily="2" charset="2"/>
+              <a:buChar char="§"/>
+              <a:defRPr sz="2998" kern="1200">
+                <a:solidFill>
+                  <a:schemeClr val="tx1"/>
+                </a:solidFill>
+                <a:latin typeface="+mn-lt"/>
+                <a:ea typeface="+mn-ea"/>
+                <a:cs typeface="+mn-cs"/>
+              </a:defRPr>
+            </a:lvl3pPr>
+            <a:lvl4pPr marL="2132267" indent="-304610" algn="l" defTabSz="1218438" rtl="0" eaLnBrk="1" latinLnBrk="1" hangingPunct="1">
+              <a:lnSpc>
+                <a:spcPct val="105000"/>
+              </a:lnSpc>
+              <a:spcBef>
+                <a:spcPts val="600"/>
+              </a:spcBef>
+              <a:spcAft>
+                <a:spcPts val="600"/>
+              </a:spcAft>
+              <a:buFont typeface="Wingdings" panose="05000000000000000000" pitchFamily="2" charset="2"/>
+              <a:buChar char="§"/>
+              <a:defRPr sz="2798" kern="1200">
+                <a:solidFill>
+                  <a:schemeClr val="tx1"/>
+                </a:solidFill>
+                <a:latin typeface="+mn-lt"/>
+                <a:ea typeface="+mn-ea"/>
+                <a:cs typeface="+mn-cs"/>
+              </a:defRPr>
+            </a:lvl4pPr>
+            <a:lvl5pPr marL="2741485" indent="-304610" algn="l" defTabSz="1218438" rtl="0" eaLnBrk="1" latinLnBrk="1" hangingPunct="1">
+              <a:lnSpc>
+                <a:spcPct val="105000"/>
+              </a:lnSpc>
+              <a:spcBef>
+                <a:spcPts val="600"/>
+              </a:spcBef>
+              <a:spcAft>
+                <a:spcPts val="600"/>
+              </a:spcAft>
+              <a:buFont typeface="Wingdings" panose="05000000000000000000" pitchFamily="2" charset="2"/>
+              <a:buChar char="§"/>
+              <a:defRPr sz="2598" kern="1200">
+                <a:solidFill>
+                  <a:schemeClr val="tx1"/>
+                </a:solidFill>
+                <a:latin typeface="+mn-lt"/>
+                <a:ea typeface="+mn-ea"/>
+                <a:cs typeface="+mn-cs"/>
+              </a:defRPr>
+            </a:lvl5pPr>
+            <a:lvl6pPr marL="3350704" indent="-304610" algn="l" defTabSz="1218438" rtl="0" eaLnBrk="1" latinLnBrk="1" hangingPunct="1">
+              <a:spcBef>
+                <a:spcPct val="20000"/>
+              </a:spcBef>
+              <a:buFont typeface="Arial" pitchFamily="34" charset="0"/>
+              <a:buChar char="•"/>
+              <a:defRPr sz="2665" kern="1200">
+                <a:solidFill>
+                  <a:schemeClr val="tx1"/>
+                </a:solidFill>
+                <a:latin typeface="+mn-lt"/>
+                <a:ea typeface="+mn-ea"/>
+                <a:cs typeface="+mn-cs"/>
+              </a:defRPr>
+            </a:lvl6pPr>
+            <a:lvl7pPr marL="3959924" indent="-304610" algn="l" defTabSz="1218438" rtl="0" eaLnBrk="1" latinLnBrk="1" hangingPunct="1">
+              <a:spcBef>
+                <a:spcPct val="20000"/>
+              </a:spcBef>
+              <a:buFont typeface="Arial" pitchFamily="34" charset="0"/>
+              <a:buChar char="•"/>
+              <a:defRPr sz="2665" kern="1200">
+                <a:solidFill>
+                  <a:schemeClr val="tx1"/>
+                </a:solidFill>
+                <a:latin typeface="+mn-lt"/>
+                <a:ea typeface="+mn-ea"/>
+                <a:cs typeface="+mn-cs"/>
+              </a:defRPr>
+            </a:lvl7pPr>
+            <a:lvl8pPr marL="4569143" indent="-304610" algn="l" defTabSz="1218438" rtl="0" eaLnBrk="1" latinLnBrk="1" hangingPunct="1">
+              <a:spcBef>
+                <a:spcPct val="20000"/>
+              </a:spcBef>
+              <a:buFont typeface="Arial" pitchFamily="34" charset="0"/>
+              <a:buChar char="•"/>
+              <a:defRPr sz="2665" kern="1200">
+                <a:solidFill>
+                  <a:schemeClr val="tx1"/>
+                </a:solidFill>
+                <a:latin typeface="+mn-lt"/>
+                <a:ea typeface="+mn-ea"/>
+                <a:cs typeface="+mn-cs"/>
+              </a:defRPr>
+            </a:lvl8pPr>
+            <a:lvl9pPr marL="5178362" indent="-304610" algn="l" defTabSz="1218438" rtl="0" eaLnBrk="1" latinLnBrk="1" hangingPunct="1">
+              <a:spcBef>
+                <a:spcPct val="20000"/>
+              </a:spcBef>
+              <a:buFont typeface="Arial" pitchFamily="34" charset="0"/>
+              <a:buChar char="•"/>
+              <a:defRPr sz="2665" kern="1200">
+                <a:solidFill>
+                  <a:schemeClr val="tx1"/>
+                </a:solidFill>
+                <a:latin typeface="+mn-lt"/>
+                <a:ea typeface="+mn-ea"/>
+                <a:cs typeface="+mn-cs"/>
+              </a:defRPr>
+            </a:lvl9pPr>
+          </a:lstStyle>
+          <a:p>
+            <a:pPr marL="456915" marR="0" lvl="0" indent="-456915" algn="l" defTabSz="1218438" rtl="0" eaLnBrk="1" fontAlgn="auto" latinLnBrk="1" hangingPunct="1">
+              <a:lnSpc>
+                <a:spcPct val="100000"/>
+              </a:lnSpc>
+              <a:spcBef>
+                <a:spcPts val="600"/>
+              </a:spcBef>
+              <a:spcAft>
+                <a:spcPts val="600"/>
+              </a:spcAft>
+              <a:buClr>
+                <a:srgbClr val="FFFFFF"/>
+              </a:buClr>
+              <a:buSzTx/>
+              <a:buFont typeface="Wingdings" panose="05000000000000000000" pitchFamily="2" charset="2"/>
+              <a:buChar char="§"/>
+              <a:tabLst/>
+              <a:defRPr/>
+            </a:pPr>
+            <a:endParaRPr kumimoji="0" lang="en-US" sz="2800" b="0" i="0" u="none" strike="noStrike" kern="1200" cap="none" spc="0" normalizeH="0" baseline="0" noProof="0" dirty="0">
+              <a:ln>
+                <a:noFill/>
+              </a:ln>
+              <a:solidFill>
+                <a:schemeClr val="bg2"/>
+              </a:solidFill>
+              <a:effectLst/>
+              <a:uLnTx/>
+              <a:uFillTx/>
+              <a:latin typeface="Calibri" panose="020F0502020204030204"/>
+              <a:ea typeface="+mn-ea"/>
+              <a:cs typeface="+mn-cs"/>
+            </a:endParaRPr>
+          </a:p>
+        </p:txBody>
+      </p:sp>
+      <p:sp>
+        <p:nvSpPr>
+          <p:cNvPr id="2" name="Rectangle 1"/>
+          <p:cNvSpPr/>
+          <p:nvPr/>
+        </p:nvSpPr>
+        <p:spPr>
+          <a:xfrm>
+            <a:off x="561000" y="1719000"/>
+            <a:ext cx="8795363" cy="4689425"/>
+          </a:xfrm>
+          <a:prstGeom prst="rect">
+            <a:avLst/>
+          </a:prstGeom>
+        </p:spPr>
+        <p:txBody>
+          <a:bodyPr wrap="square">
+            <a:spAutoFit/>
+          </a:bodyPr>
+          <a:lstStyle/>
+          <a:p>
+            <a:pPr marL="457200" indent="-457200">
+              <a:spcAft>
+                <a:spcPts val="600"/>
+              </a:spcAft>
+              <a:buClr>
+                <a:schemeClr val="bg2"/>
+              </a:buClr>
+              <a:buFont typeface="Wingdings" panose="05000000000000000000" pitchFamily="2" charset="2"/>
+              <a:buChar char="§"/>
+            </a:pPr>
+            <a:r>
+              <a:rPr lang="bg-BG" sz="3400" b="1" dirty="0">
+                <a:solidFill>
+                  <a:schemeClr val="bg1">
+                    <a:lumMod val="40000"/>
+                    <a:lumOff val="60000"/>
+                  </a:schemeClr>
+                </a:solidFill>
+              </a:rPr>
+              <a:t>M</a:t>
+            </a:r>
+            <a:r>
+              <a:rPr lang="en-US" sz="3400" b="1" dirty="0">
+                <a:solidFill>
+                  <a:schemeClr val="bg1">
+                    <a:lumMod val="40000"/>
+                    <a:lumOff val="60000"/>
+                  </a:schemeClr>
+                </a:solidFill>
+              </a:rPr>
+              <a:t>S SQL Server</a:t>
+            </a:r>
+            <a:r>
+              <a:rPr lang="en-US" sz="3400" dirty="0">
+                <a:solidFill>
+                  <a:schemeClr val="bg1">
+                    <a:lumMod val="40000"/>
+                    <a:lumOff val="60000"/>
+                  </a:schemeClr>
+                </a:solidFill>
+              </a:rPr>
+              <a:t> == </a:t>
+            </a:r>
+            <a:r>
+              <a:rPr lang="bg-BG" sz="3400" dirty="0">
+                <a:solidFill>
+                  <a:schemeClr val="bg2"/>
+                </a:solidFill>
+              </a:rPr>
+              <a:t>система за управление на големи обеми от данни</a:t>
+            </a:r>
+          </a:p>
+          <a:p>
+            <a:pPr marL="457200" indent="-457200">
+              <a:spcAft>
+                <a:spcPts val="600"/>
+              </a:spcAft>
+              <a:buClr>
+                <a:schemeClr val="bg2"/>
+              </a:buClr>
+              <a:buFont typeface="Wingdings" panose="05000000000000000000" pitchFamily="2" charset="2"/>
+              <a:buChar char="§"/>
+            </a:pPr>
+            <a:r>
+              <a:rPr lang="en-US" sz="3400" b="1" dirty="0">
+                <a:solidFill>
+                  <a:schemeClr val="bg1">
+                    <a:lumMod val="40000"/>
+                    <a:lumOff val="60000"/>
+                  </a:schemeClr>
+                </a:solidFill>
+              </a:rPr>
+              <a:t>SQL Server Express LocalDB</a:t>
+            </a:r>
+            <a:r>
+              <a:rPr lang="bg-BG" sz="3400" b="1" dirty="0">
+                <a:solidFill>
+                  <a:schemeClr val="bg1">
+                    <a:lumMod val="40000"/>
+                    <a:lumOff val="60000"/>
+                  </a:schemeClr>
+                </a:solidFill>
+              </a:rPr>
+              <a:t> == </a:t>
+            </a:r>
+            <a:r>
+              <a:rPr lang="bg-BG" sz="3400" dirty="0">
+                <a:solidFill>
+                  <a:schemeClr val="bg2"/>
+                </a:solidFill>
+              </a:rPr>
+              <a:t>опростена версия на Microsoft SQL Server</a:t>
+            </a:r>
+          </a:p>
+          <a:p>
+            <a:pPr marL="457200" indent="-457200">
+              <a:lnSpc>
+                <a:spcPct val="100000"/>
+              </a:lnSpc>
+              <a:spcAft>
+                <a:spcPts val="600"/>
+              </a:spcAft>
+              <a:buFont typeface="Wingdings" panose="05000000000000000000" pitchFamily="2" charset="2"/>
+              <a:buChar char="§"/>
+            </a:pPr>
+            <a:r>
+              <a:rPr lang="bg-BG" sz="3400" dirty="0">
+                <a:solidFill>
+                  <a:schemeClr val="bg2"/>
+                </a:solidFill>
+              </a:rPr>
+              <a:t>Чрез </a:t>
+            </a:r>
+            <a:r>
+              <a:rPr lang="en-US" sz="3400" dirty="0">
+                <a:solidFill>
+                  <a:schemeClr val="bg2"/>
+                </a:solidFill>
+              </a:rPr>
+              <a:t>SQL </a:t>
+            </a:r>
+            <a:r>
+              <a:rPr lang="bg-BG" sz="3400" dirty="0">
+                <a:solidFill>
+                  <a:schemeClr val="bg2"/>
+                </a:solidFill>
+              </a:rPr>
+              <a:t>можем да </a:t>
+            </a:r>
+            <a:r>
+              <a:rPr lang="bg-BG" sz="3400" b="1" dirty="0">
+                <a:solidFill>
+                  <a:schemeClr val="bg1">
+                    <a:lumMod val="40000"/>
+                    <a:lumOff val="60000"/>
+                  </a:schemeClr>
+                </a:solidFill>
+              </a:rPr>
+              <a:t>създаваме таблици</a:t>
+            </a:r>
+            <a:r>
+              <a:rPr lang="bg-BG" sz="3400" dirty="0">
+                <a:solidFill>
+                  <a:schemeClr val="bg2"/>
+                </a:solidFill>
+              </a:rPr>
+              <a:t>, да </a:t>
+            </a:r>
+            <a:r>
+              <a:rPr lang="bg-BG" sz="3400" b="1" dirty="0">
+                <a:solidFill>
+                  <a:schemeClr val="bg1">
+                    <a:lumMod val="40000"/>
+                    <a:lumOff val="60000"/>
+                  </a:schemeClr>
+                </a:solidFill>
+              </a:rPr>
+              <a:t>вмъкваме</a:t>
+            </a:r>
+            <a:r>
+              <a:rPr lang="bg-BG" sz="3400" dirty="0">
+                <a:solidFill>
+                  <a:schemeClr val="bg2"/>
+                </a:solidFill>
+              </a:rPr>
+              <a:t> и </a:t>
+            </a:r>
+            <a:r>
+              <a:rPr lang="bg-BG" sz="3400" b="1" dirty="0">
+                <a:solidFill>
+                  <a:schemeClr val="bg1">
+                    <a:lumMod val="40000"/>
+                    <a:lumOff val="60000"/>
+                  </a:schemeClr>
+                </a:solidFill>
+              </a:rPr>
+              <a:t>редактираме</a:t>
+            </a:r>
+            <a:r>
+              <a:rPr lang="bg-BG" sz="3400" dirty="0">
+                <a:solidFill>
+                  <a:schemeClr val="bg2"/>
+                </a:solidFill>
+              </a:rPr>
+              <a:t> данни</a:t>
+            </a:r>
+            <a:endParaRPr lang="en-US" sz="3400" dirty="0">
+              <a:solidFill>
+                <a:schemeClr val="bg2"/>
+              </a:solidFill>
+            </a:endParaRPr>
+          </a:p>
+          <a:p>
+            <a:pPr marL="457200" indent="-457200">
+              <a:lnSpc>
+                <a:spcPct val="100000"/>
+              </a:lnSpc>
+              <a:buFont typeface="Wingdings" panose="05000000000000000000" pitchFamily="2" charset="2"/>
+              <a:buChar char="§"/>
+            </a:pPr>
+            <a:endParaRPr lang="en-US" sz="3400" dirty="0">
+              <a:solidFill>
+                <a:schemeClr val="bg2"/>
+              </a:solidFill>
+            </a:endParaRPr>
+          </a:p>
+          <a:p>
+            <a:pPr marL="457200" indent="-457200">
+              <a:lnSpc>
+                <a:spcPct val="150000"/>
+              </a:lnSpc>
+              <a:buFont typeface="Wingdings" panose="05000000000000000000" pitchFamily="2" charset="2"/>
+              <a:buChar char="§"/>
+            </a:pPr>
+            <a:endParaRPr lang="en-US" sz="3400" b="1" dirty="0">
+              <a:solidFill>
+                <a:schemeClr val="bg2"/>
+              </a:solidFill>
+            </a:endParaRPr>
+          </a:p>
+        </p:txBody>
+      </p:sp>
+      <p:sp>
+        <p:nvSpPr>
+          <p:cNvPr id="3" name="Slide Number">
+            <a:extLst>
+              <a:ext uri="{FF2B5EF4-FFF2-40B4-BE49-F238E27FC236}">
+                <a16:creationId xmlns:a16="http://schemas.microsoft.com/office/drawing/2014/main" id="{D56998D3-96AE-97F0-0C9A-4B9BC889D15C}"/>
+              </a:ext>
+            </a:extLst>
+          </p:cNvPr>
+          <p:cNvSpPr>
+            <a:spLocks noGrp="1"/>
+          </p:cNvSpPr>
+          <p:nvPr>
+            <p:ph type="sldNum" sz="quarter" idx="5"/>
+          </p:nvPr>
+        </p:nvSpPr>
+        <p:spPr>
+          <a:xfrm>
+            <a:off x="11753030" y="6507000"/>
+            <a:ext cx="367414" cy="297000"/>
+          </a:xfrm>
+          <a:prstGeom prst="rect">
+            <a:avLst/>
+          </a:prstGeom>
+        </p:spPr>
+        <p:txBody>
+          <a:bodyPr vert="horz" lIns="91440" tIns="45720" rIns="91440" bIns="45720" rtlCol="0" anchor="b"/>
+          <a:lstStyle>
+            <a:lvl1pPr algn="r">
+              <a:defRPr sz="1000"/>
+            </a:lvl1pPr>
+          </a:lstStyle>
+          <a:p>
+            <a:fld id="{2BF067CD-8E6B-4360-9AA8-C5DF2A48A6D1}" type="slidenum">
+              <a:rPr lang="en-US" noProof="0" smtClean="0"/>
+              <a:pPr/>
+              <a:t>38</a:t>
+            </a:fld>
+            <a:endParaRPr lang="en-US" noProof="0" dirty="0"/>
+          </a:p>
+        </p:txBody>
+      </p:sp>
+    </p:spTree>
+    <p:extLst>
+      <p:ext uri="{BB962C8B-B14F-4D97-AF65-F5344CB8AC3E}">
+        <p14:creationId xmlns:p14="http://schemas.microsoft.com/office/powerpoint/2010/main" val="2357972623"/>
+      </p:ext>
+    </p:extLst>
+  </p:cSld>
+  <p:clrMapOvr>
+    <a:masterClrMapping/>
+  </p:clrMapOvr>
+  <mc:AlternateContent xmlns:mc="http://schemas.openxmlformats.org/markup-compatibility/2006" xmlns:p14="http://schemas.microsoft.com/office/powerpoint/2010/main">
+    <mc:Choice Requires="p14">
+      <p:transition spd="slow" p14:dur="2000" advClick="0" advTm="5000"/>
+    </mc:Choice>
+    <mc:Fallback xmlns="">
+      <p:transition spd="slow" advClick="0" advTm="5000"/>
+    </mc:Fallback>
+  </mc:AlternateContent>
+  <p:timing>
+    <p:tnLst>
+      <p:par>
+        <p:cTn id="1" dur="indefinite" restart="never" nodeType="tmRoot">
+          <p:childTnLst>
+            <p:seq concurrent="1" nextAc="seek">
+              <p:cTn id="2" dur="indefinite" nodeType="mainSeq">
+                <p:childTnLst>
+                  <p:par>
+                    <p:cTn id="3" fill="hold">
+                      <p:stCondLst>
+                        <p:cond delay="indefinite"/>
+                      </p:stCondLst>
+                      <p:childTnLst>
+                        <p:par>
+                          <p:cTn id="4" fill="hold">
+                            <p:stCondLst>
+                              <p:cond delay="0"/>
+                            </p:stCondLst>
+                            <p:childTnLst>
+                              <p:par>
+                                <p:cTn id="5" presetID="1" presetClass="entr" presetSubtype="0" fill="hold" nodeType="clickEffect">
+                                  <p:stCondLst>
+                                    <p:cond delay="0"/>
+                                  </p:stCondLst>
+                                  <p:childTnLst>
+                                    <p:set>
+                                      <p:cBhvr>
+                                        <p:cTn id="6" dur="1" fill="hold">
+                                          <p:stCondLst>
+                                            <p:cond delay="0"/>
+                                          </p:stCondLst>
+                                        </p:cTn>
+                                        <p:tgtEl>
+                                          <p:spTgt spid="2">
+                                            <p:txEl>
+                                              <p:pRg st="1" end="1"/>
+                                            </p:txEl>
+                                          </p:spTgt>
+                                        </p:tgtEl>
+                                        <p:attrNameLst>
+                                          <p:attrName>style.visibility</p:attrName>
+                                        </p:attrNameLst>
+                                      </p:cBhvr>
+                                      <p:to>
+                                        <p:strVal val="visible"/>
+                                      </p:to>
+                                    </p:set>
+                                  </p:childTnLst>
+                                </p:cTn>
+                              </p:par>
+                            </p:childTnLst>
+                          </p:cTn>
+                        </p:par>
+                      </p:childTnLst>
+                    </p:cTn>
+                  </p:par>
+                  <p:par>
+                    <p:cTn id="7" fill="hold">
+                      <p:stCondLst>
+                        <p:cond delay="indefinite"/>
+                      </p:stCondLst>
+                      <p:childTnLst>
+                        <p:par>
+                          <p:cTn id="8" fill="hold">
+                            <p:stCondLst>
+                              <p:cond delay="0"/>
+                            </p:stCondLst>
+                            <p:childTnLst>
+                              <p:par>
+                                <p:cTn id="9" presetID="1" presetClass="entr" presetSubtype="0" fill="hold" nodeType="clickEffect">
+                                  <p:stCondLst>
+                                    <p:cond delay="0"/>
+                                  </p:stCondLst>
+                                  <p:childTnLst>
+                                    <p:set>
+                                      <p:cBhvr>
+                                        <p:cTn id="10" dur="1" fill="hold">
+                                          <p:stCondLst>
+                                            <p:cond delay="0"/>
+                                          </p:stCondLst>
+                                        </p:cTn>
+                                        <p:tgtEl>
+                                          <p:spTgt spid="2">
+                                            <p:txEl>
+                                              <p:pRg st="2" end="2"/>
+                                            </p:txEl>
+                                          </p:spTgt>
+                                        </p:tgtEl>
+                                        <p:attrNameLst>
+                                          <p:attrName>style.visibility</p:attrName>
+                                        </p:attrNameLst>
+                                      </p:cBhvr>
+                                      <p:to>
+                                        <p:strVal val="visible"/>
+                                      </p:to>
+                                    </p:set>
+                                  </p:childTnLst>
+                                </p:cTn>
+                              </p:par>
+                            </p:childTnLst>
+                          </p:cTn>
+                        </p:par>
+                      </p:childTnLst>
+                    </p:cTn>
+                  </p:par>
+                </p:childTnLst>
+              </p:cTn>
+              <p:prevCondLst>
+                <p:cond evt="onPrev" delay="0">
+                  <p:tgtEl>
+                    <p:sldTgt/>
+                  </p:tgtEl>
+                </p:cond>
+              </p:prevCondLst>
+              <p:nextCondLst>
+                <p:cond evt="onNext" delay="0">
+                  <p:tgtEl>
+                    <p:sldTgt/>
+                  </p:tgtEl>
+                </p:cond>
+              </p:nextCondLst>
+            </p:seq>
+          </p:childTnLst>
+        </p:cTn>
+      </p:par>
+    </p:tnLst>
+  </p:timing>
+</p:sld>
+</file>
+
+<file path=ppt/slides/slide39.xml><?xml version="1.0" encoding="utf-8"?>
+<p:sld xmlns:a="http://schemas.openxmlformats.org/drawingml/2006/main" xmlns:r="http://schemas.openxmlformats.org/officeDocument/2006/relationships" xmlns:p="http://schemas.openxmlformats.org/presentationml/2006/main">
+  <p:cSld>
+    <p:spTree>
+      <p:nvGrpSpPr>
+        <p:cNvPr id="1" name=""/>
+        <p:cNvGrpSpPr/>
+        <p:nvPr/>
+      </p:nvGrpSpPr>
+      <p:grpSpPr>
+        <a:xfrm>
+          <a:off x="0" y="0"/>
+          <a:ext cx="0" cy="0"/>
+          <a:chOff x="0" y="0"/>
+          <a:chExt cx="0" cy="0"/>
+        </a:xfrm>
+      </p:grpSpPr>
+      <p:sp>
+        <p:nvSpPr>
+          <p:cNvPr id="5" name="Slide Title">
+            <a:extLst>
+              <a:ext uri="{FF2B5EF4-FFF2-40B4-BE49-F238E27FC236}">
+                <a16:creationId xmlns:a16="http://schemas.microsoft.com/office/drawing/2014/main" id="{FA0703FC-0F8F-4C80-A615-E4B381EC0E0C}"/>
+              </a:ext>
+            </a:extLst>
+          </p:cNvPr>
+          <p:cNvSpPr>
+            <a:spLocks noGrp="1"/>
+          </p:cNvSpPr>
+          <p:nvPr>
+            <p:ph type="title"/>
+          </p:nvPr>
+        </p:nvSpPr>
+        <p:spPr/>
+        <p:txBody>
+          <a:bodyPr/>
+          <a:lstStyle/>
+          <a:p>
+            <a:r>
+              <a:rPr lang="bg-BG" dirty="0"/>
+              <a:t>Въпроси</a:t>
+            </a:r>
+            <a:r>
+              <a:rPr lang="en-US" dirty="0"/>
+              <a:t>?</a:t>
+            </a:r>
+          </a:p>
+        </p:txBody>
+      </p:sp>
+      <p:sp>
+        <p:nvSpPr>
+          <p:cNvPr id="2" name="Rectangle Bottom Copyright">
+            <a:extLst>
+              <a:ext uri="{FF2B5EF4-FFF2-40B4-BE49-F238E27FC236}">
+                <a16:creationId xmlns:a16="http://schemas.microsoft.com/office/drawing/2014/main" id="{664812A4-2991-44D1-BFE9-32E55AADF8A5}"/>
+              </a:ext>
+            </a:extLst>
+          </p:cNvPr>
+          <p:cNvSpPr/>
+          <p:nvPr/>
+        </p:nvSpPr>
+        <p:spPr>
+          <a:xfrm>
+            <a:off x="111000" y="6454758"/>
+            <a:ext cx="11970000" cy="304242"/>
+          </a:xfrm>
+          <a:prstGeom prst="rect">
+            <a:avLst/>
+          </a:prstGeom>
+        </p:spPr>
+        <p:txBody>
+          <a:bodyPr wrap="square">
+            <a:noAutofit/>
+          </a:bodyPr>
+          <a:lstStyle/>
+          <a:p>
+            <a:pPr algn="ctr">
+              <a:lnSpc>
+                <a:spcPct val="100000"/>
+              </a:lnSpc>
+              <a:spcBef>
+                <a:spcPts val="0"/>
+              </a:spcBef>
+              <a:spcAft>
+                <a:spcPts val="0"/>
+              </a:spcAft>
+            </a:pPr>
+            <a:r>
+              <a:rPr lang="bg-BG" sz="1600" dirty="0">
+                <a:solidFill>
+                  <a:schemeClr val="bg2"/>
+                </a:solidFill>
+                <a:effectLst/>
+                <a:latin typeface="Calibri" panose="020F0502020204030204" pitchFamily="34" charset="0"/>
+                <a:ea typeface="Calibri" panose="020F0502020204030204" pitchFamily="34" charset="0"/>
+                <a:cs typeface="Arial" panose="020B0604020202020204" pitchFamily="34" charset="0"/>
+              </a:rPr>
+              <a:t>Проект "</a:t>
+            </a:r>
+            <a:r>
+              <a:rPr lang="bg-BG" sz="1600" dirty="0">
+                <a:solidFill>
+                  <a:schemeClr val="bg1">
+                    <a:lumMod val="20000"/>
+                    <a:lumOff val="80000"/>
+                  </a:schemeClr>
+                </a:solidFill>
+                <a:effectLst/>
+                <a:latin typeface="Calibri" panose="020F0502020204030204" pitchFamily="34" charset="0"/>
+                <a:ea typeface="Calibri" panose="020F0502020204030204" pitchFamily="34" charset="0"/>
+                <a:cs typeface="Arial" panose="020B0604020202020204" pitchFamily="34" charset="0"/>
+                <a:hlinkClick r:id="rId3">
+                  <a:extLst>
+                    <a:ext uri="{A12FA001-AC4F-418D-AE19-62706E023703}">
+                      <ahyp:hlinkClr xmlns:ahyp="http://schemas.microsoft.com/office/drawing/2018/hyperlinkcolor" val="tx"/>
+                    </a:ext>
+                  </a:extLst>
+                </a:hlinkClick>
+              </a:rPr>
+              <a:t>Отворено учебно съдържание по програмиране и ИТ</a:t>
+            </a:r>
+            <a:r>
+              <a:rPr lang="bg-BG" sz="1600" dirty="0">
+                <a:solidFill>
+                  <a:schemeClr val="bg2"/>
+                </a:solidFill>
+                <a:effectLst/>
+                <a:latin typeface="Calibri" panose="020F0502020204030204" pitchFamily="34" charset="0"/>
+                <a:ea typeface="Calibri" panose="020F0502020204030204" pitchFamily="34" charset="0"/>
+                <a:cs typeface="Arial" panose="020B0604020202020204" pitchFamily="34" charset="0"/>
+              </a:rPr>
+              <a:t>", СофтУни Фондация (лиценз </a:t>
+            </a:r>
+            <a:r>
+              <a:rPr lang="en-US" sz="1600" dirty="0">
+                <a:solidFill>
+                  <a:schemeClr val="bg2"/>
+                </a:solidFill>
+                <a:effectLst/>
+                <a:latin typeface="Calibri" panose="020F0502020204030204" pitchFamily="34" charset="0"/>
+                <a:ea typeface="Calibri" panose="020F0502020204030204" pitchFamily="34" charset="0"/>
+                <a:cs typeface="Arial" panose="020B0604020202020204" pitchFamily="34" charset="0"/>
+              </a:rPr>
+              <a:t>CC-BY-NC-SA</a:t>
+            </a:r>
+            <a:r>
+              <a:rPr lang="bg-BG" sz="1600" dirty="0">
+                <a:solidFill>
+                  <a:schemeClr val="bg2"/>
+                </a:solidFill>
+                <a:effectLst/>
+                <a:latin typeface="Calibri" panose="020F0502020204030204" pitchFamily="34" charset="0"/>
+                <a:ea typeface="Calibri" panose="020F0502020204030204" pitchFamily="34" charset="0"/>
+                <a:cs typeface="Arial" panose="020B0604020202020204" pitchFamily="34" charset="0"/>
+              </a:rPr>
+              <a:t>)</a:t>
+            </a:r>
+            <a:endParaRPr lang="bg-BG" sz="2400" dirty="0">
+              <a:solidFill>
+                <a:schemeClr val="bg2"/>
+              </a:solidFill>
+              <a:effectLst/>
+              <a:latin typeface="Calibri" panose="020F0502020204030204" pitchFamily="34" charset="0"/>
+              <a:ea typeface="Calibri" panose="020F0502020204030204" pitchFamily="34" charset="0"/>
+              <a:cs typeface="Arial" panose="020B0604020202020204" pitchFamily="34" charset="0"/>
+            </a:endParaRPr>
+          </a:p>
+        </p:txBody>
+      </p:sp>
+    </p:spTree>
+    <p:extLst>
+      <p:ext uri="{BB962C8B-B14F-4D97-AF65-F5344CB8AC3E}">
+        <p14:creationId xmlns:p14="http://schemas.microsoft.com/office/powerpoint/2010/main" val="3744296604"/>
+      </p:ext>
+    </p:extLst>
+  </p:cSld>
+  <p:clrMapOvr>
+    <a:masterClrMapping/>
+  </p:clrMapOvr>
+  <mc:AlternateContent xmlns:mc="http://schemas.openxmlformats.org/markup-compatibility/2006" xmlns:p14="http://schemas.microsoft.com/office/powerpoint/2010/main">
+    <mc:Choice Requires="p14">
+      <p:transition spd="slow" p14:dur="2000" advClick="0" advTm="5000"/>
+    </mc:Choice>
+    <mc:Fallback xmlns="">
+      <p:transition spd="slow" advClick="0" advTm="5000"/>
+    </mc:Fallback>
+  </mc:AlternateContent>
+</p:sld>
+</file>
+
 <file path=ppt/slides/slide4.xml><?xml version="1.0" encoding="utf-8"?>
 <p:sld xmlns:a="http://schemas.openxmlformats.org/drawingml/2006/main" xmlns:r="http://schemas.openxmlformats.org/officeDocument/2006/relationships" xmlns:p="http://schemas.openxmlformats.org/presentationml/2006/main">
   <p:cSld>
@@ -22892,1313 +22820,6 @@
 </file>
 
 <file path=ppt/slides/slide40.xml><?xml version="1.0" encoding="utf-8"?>
-<p:sld xmlns:a="http://schemas.openxmlformats.org/drawingml/2006/main" xmlns:r="http://schemas.openxmlformats.org/officeDocument/2006/relationships" xmlns:p="http://schemas.openxmlformats.org/presentationml/2006/main">
-  <p:cSld>
-    <p:spTree>
-      <p:nvGrpSpPr>
-        <p:cNvPr id="1" name=""/>
-        <p:cNvGrpSpPr/>
-        <p:nvPr/>
-      </p:nvGrpSpPr>
-      <p:grpSpPr>
-        <a:xfrm>
-          <a:off x="0" y="0"/>
-          <a:ext cx="0" cy="0"/>
-          <a:chOff x="0" y="0"/>
-          <a:chExt cx="0" cy="0"/>
-        </a:xfrm>
-      </p:grpSpPr>
-      <p:sp>
-        <p:nvSpPr>
-          <p:cNvPr id="14" name="Text Placeholder 4">
-            <a:extLst>
-              <a:ext uri="{FF2B5EF4-FFF2-40B4-BE49-F238E27FC236}">
-                <a16:creationId xmlns:a16="http://schemas.microsoft.com/office/drawing/2014/main" id="{0E49D336-45B6-44D3-97C4-E28F8DEA2022}"/>
-              </a:ext>
-            </a:extLst>
-          </p:cNvPr>
-          <p:cNvSpPr>
-            <a:spLocks noGrp="1"/>
-          </p:cNvSpPr>
-          <p:nvPr>
-            <p:ph type="body" sz="quarter" idx="10"/>
-          </p:nvPr>
-        </p:nvSpPr>
-        <p:spPr>
-          <a:xfrm>
-            <a:off x="869725" y="1656226"/>
-            <a:ext cx="7581212" cy="4772369"/>
-          </a:xfrm>
-        </p:spPr>
-        <p:txBody>
-          <a:bodyPr/>
-          <a:lstStyle>
-            <a:lvl1pPr marL="514350" indent="-514350">
-              <a:buFont typeface="Wingdings" panose="05000000000000000000" pitchFamily="2" charset="2"/>
-              <a:buChar char="§"/>
-              <a:defRPr>
-                <a:solidFill>
-                  <a:schemeClr val="bg2"/>
-                </a:solidFill>
-              </a:defRPr>
-            </a:lvl1pPr>
-            <a:lvl2pPr marL="1123935" indent="-514350">
-              <a:buFont typeface="Wingdings" panose="05000000000000000000" pitchFamily="2" charset="2"/>
-              <a:buChar char="§"/>
-              <a:defRPr>
-                <a:solidFill>
-                  <a:schemeClr val="tx1"/>
-                </a:solidFill>
-              </a:defRPr>
-            </a:lvl2pPr>
-            <a:lvl3pPr marL="1733520" indent="-514350">
-              <a:buFont typeface="Wingdings" panose="05000000000000000000" pitchFamily="2" charset="2"/>
-              <a:buChar char="§"/>
-              <a:defRPr>
-                <a:solidFill>
-                  <a:schemeClr val="tx1"/>
-                </a:solidFill>
-              </a:defRPr>
-            </a:lvl3pPr>
-            <a:lvl4pPr marL="2343105" indent="-514350">
-              <a:buFont typeface="Wingdings" panose="05000000000000000000" pitchFamily="2" charset="2"/>
-              <a:buChar char="§"/>
-              <a:defRPr>
-                <a:solidFill>
-                  <a:schemeClr val="tx1"/>
-                </a:solidFill>
-              </a:defRPr>
-            </a:lvl4pPr>
-            <a:lvl5pPr marL="2952689" indent="-514350">
-              <a:buFont typeface="Wingdings" panose="05000000000000000000" pitchFamily="2" charset="2"/>
-              <a:buChar char="§"/>
-              <a:defRPr>
-                <a:solidFill>
-                  <a:schemeClr val="tx1"/>
-                </a:solidFill>
-              </a:defRPr>
-            </a:lvl5pPr>
-          </a:lstStyle>
-          <a:p>
-            <a:pPr lvl="0"/>
-            <a:r>
-              <a:rPr lang="en-US" dirty="0"/>
-              <a:t>…</a:t>
-            </a:r>
-          </a:p>
-          <a:p>
-            <a:pPr lvl="0"/>
-            <a:r>
-              <a:rPr lang="en-GB" dirty="0"/>
-              <a:t>…</a:t>
-            </a:r>
-            <a:endParaRPr lang="en-US" dirty="0"/>
-          </a:p>
-          <a:p>
-            <a:pPr lvl="0"/>
-            <a:r>
-              <a:rPr lang="en-GB" dirty="0"/>
-              <a:t>…</a:t>
-            </a:r>
-            <a:endParaRPr lang="en-US" dirty="0"/>
-          </a:p>
-          <a:p>
-            <a:pPr lvl="0"/>
-            <a:endParaRPr lang="en-US" dirty="0"/>
-          </a:p>
-        </p:txBody>
-      </p:sp>
-      <p:sp>
-        <p:nvSpPr>
-          <p:cNvPr id="4" name="Title 3"/>
-          <p:cNvSpPr>
-            <a:spLocks noGrp="1"/>
-          </p:cNvSpPr>
-          <p:nvPr>
-            <p:ph type="title"/>
-          </p:nvPr>
-        </p:nvSpPr>
-        <p:spPr/>
-        <p:txBody>
-          <a:bodyPr>
-            <a:normAutofit/>
-          </a:bodyPr>
-          <a:lstStyle/>
-          <a:p>
-            <a:r>
-              <a:rPr lang="bg-BG" dirty="0"/>
-              <a:t>Обобщение</a:t>
-            </a:r>
-            <a:endParaRPr lang="en-US" dirty="0"/>
-          </a:p>
-        </p:txBody>
-      </p:sp>
-      <p:grpSp>
-        <p:nvGrpSpPr>
-          <p:cNvPr id="9" name="Group 8">
-            <a:extLst>
-              <a:ext uri="{FF2B5EF4-FFF2-40B4-BE49-F238E27FC236}">
-                <a16:creationId xmlns:a16="http://schemas.microsoft.com/office/drawing/2014/main" id="{EBAFE522-EB7D-4931-A015-9A7E8A98517D}"/>
-              </a:ext>
-            </a:extLst>
-          </p:cNvPr>
-          <p:cNvGrpSpPr/>
-          <p:nvPr/>
-        </p:nvGrpSpPr>
-        <p:grpSpPr>
-          <a:xfrm>
-            <a:off x="191942" y="1419750"/>
-            <a:ext cx="9302704" cy="5300339"/>
-            <a:chOff x="472011" y="1508786"/>
-            <a:chExt cx="3799787" cy="4865561"/>
-          </a:xfrm>
-        </p:grpSpPr>
-        <p:sp>
-          <p:nvSpPr>
-            <p:cNvPr id="10" name="Rounded Rectangle 10">
-              <a:extLst>
-                <a:ext uri="{FF2B5EF4-FFF2-40B4-BE49-F238E27FC236}">
-                  <a16:creationId xmlns:a16="http://schemas.microsoft.com/office/drawing/2014/main" id="{18F78F23-3D09-4B63-8DF9-D49CFBB145EE}"/>
-                </a:ext>
-              </a:extLst>
-            </p:cNvPr>
-            <p:cNvSpPr/>
-            <p:nvPr/>
-          </p:nvSpPr>
-          <p:spPr>
-            <a:xfrm>
-              <a:off x="472011" y="1508786"/>
-              <a:ext cx="3799787" cy="4865561"/>
-            </a:xfrm>
-            <a:prstGeom prst="roundRect">
-              <a:avLst>
-                <a:gd name="adj" fmla="val 3968"/>
-              </a:avLst>
-            </a:prstGeom>
-            <a:solidFill>
-              <a:schemeClr val="tx2"/>
-            </a:solidFill>
-            <a:ln>
-              <a:noFill/>
-            </a:ln>
-          </p:spPr>
-          <p:style>
-            <a:lnRef idx="2">
-              <a:schemeClr val="accent1">
-                <a:shade val="50000"/>
-              </a:schemeClr>
-            </a:lnRef>
-            <a:fillRef idx="1">
-              <a:schemeClr val="accent1"/>
-            </a:fillRef>
-            <a:effectRef idx="0">
-              <a:schemeClr val="accent1"/>
-            </a:effectRef>
-            <a:fontRef idx="minor">
-              <a:schemeClr val="lt1"/>
-            </a:fontRef>
-          </p:style>
-          <p:txBody>
-            <a:bodyPr rtlCol="0" anchor="ctr"/>
-            <a:lstStyle/>
-            <a:p>
-              <a:pPr marL="0" marR="0" lvl="0" indent="0" algn="ctr" defTabSz="914400" rtl="0" eaLnBrk="1" fontAlgn="auto" latinLnBrk="0" hangingPunct="1">
-                <a:lnSpc>
-                  <a:spcPct val="100000"/>
-                </a:lnSpc>
-                <a:spcBef>
-                  <a:spcPts val="0"/>
-                </a:spcBef>
-                <a:spcAft>
-                  <a:spcPts val="0"/>
-                </a:spcAft>
-                <a:buClrTx/>
-                <a:buSzTx/>
-                <a:buFontTx/>
-                <a:buNone/>
-                <a:tabLst/>
-                <a:defRPr/>
-              </a:pPr>
-              <a:endParaRPr kumimoji="0" lang="ko-KR" altLang="en-US" sz="2399" b="0" i="0" u="none" strike="noStrike" kern="1200" cap="none" spc="0" normalizeH="0" baseline="0" noProof="0" dirty="0">
-                <a:ln>
-                  <a:noFill/>
-                </a:ln>
-                <a:solidFill>
-                  <a:srgbClr val="FFA000"/>
-                </a:solidFill>
-                <a:effectLst/>
-                <a:uLnTx/>
-                <a:uFillTx/>
-                <a:latin typeface="Calibri" panose="020F0502020204030204"/>
-                <a:ea typeface="맑은 고딕" panose="020B0503020000020004" pitchFamily="34" charset="-127"/>
-                <a:cs typeface="+mn-cs"/>
-              </a:endParaRPr>
-            </a:p>
-          </p:txBody>
-        </p:sp>
-        <p:sp>
-          <p:nvSpPr>
-            <p:cNvPr id="11" name="Rounded Rectangle 16">
-              <a:extLst>
-                <a:ext uri="{FF2B5EF4-FFF2-40B4-BE49-F238E27FC236}">
-                  <a16:creationId xmlns:a16="http://schemas.microsoft.com/office/drawing/2014/main" id="{F12C06CE-2BBE-46C2-B718-813794C58DF9}"/>
-                </a:ext>
-              </a:extLst>
-            </p:cNvPr>
-            <p:cNvSpPr/>
-            <p:nvPr/>
-          </p:nvSpPr>
-          <p:spPr>
-            <a:xfrm>
-              <a:off x="540767" y="1781251"/>
-              <a:ext cx="85794" cy="4320631"/>
-            </a:xfrm>
-            <a:prstGeom prst="roundRect">
-              <a:avLst>
-                <a:gd name="adj" fmla="val 50000"/>
-              </a:avLst>
-            </a:prstGeom>
-            <a:solidFill>
-              <a:schemeClr val="bg2">
-                <a:alpha val="41000"/>
-              </a:schemeClr>
-            </a:solidFill>
-            <a:ln>
-              <a:noFill/>
-            </a:ln>
-          </p:spPr>
-          <p:style>
-            <a:lnRef idx="2">
-              <a:schemeClr val="accent1">
-                <a:shade val="50000"/>
-              </a:schemeClr>
-            </a:lnRef>
-            <a:fillRef idx="1">
-              <a:schemeClr val="accent1"/>
-            </a:fillRef>
-            <a:effectRef idx="0">
-              <a:schemeClr val="accent1"/>
-            </a:effectRef>
-            <a:fontRef idx="minor">
-              <a:schemeClr val="lt1"/>
-            </a:fontRef>
-          </p:style>
-          <p:txBody>
-            <a:bodyPr rtlCol="0" anchor="ctr"/>
-            <a:lstStyle/>
-            <a:p>
-              <a:pPr marL="0" marR="0" lvl="0" indent="0" algn="ctr" defTabSz="914400" rtl="0" eaLnBrk="1" fontAlgn="auto" latinLnBrk="0" hangingPunct="1">
-                <a:lnSpc>
-                  <a:spcPct val="100000"/>
-                </a:lnSpc>
-                <a:spcBef>
-                  <a:spcPts val="0"/>
-                </a:spcBef>
-                <a:spcAft>
-                  <a:spcPts val="0"/>
-                </a:spcAft>
-                <a:buClrTx/>
-                <a:buSzTx/>
-                <a:buFontTx/>
-                <a:buNone/>
-                <a:tabLst/>
-                <a:defRPr/>
-              </a:pPr>
-              <a:endParaRPr kumimoji="0" lang="ko-KR" altLang="en-US" sz="2399" b="0" i="0" u="none" strike="noStrike" kern="1200" cap="none" spc="0" normalizeH="0" baseline="0" noProof="0">
-                <a:ln>
-                  <a:noFill/>
-                </a:ln>
-                <a:solidFill>
-                  <a:srgbClr val="FFA000"/>
-                </a:solidFill>
-                <a:effectLst/>
-                <a:uLnTx/>
-                <a:uFillTx/>
-                <a:latin typeface="Calibri" panose="020F0502020204030204"/>
-                <a:ea typeface="맑은 고딕" panose="020B0503020000020004" pitchFamily="34" charset="-127"/>
-                <a:cs typeface="+mn-cs"/>
-              </a:endParaRPr>
-            </a:p>
-          </p:txBody>
-        </p:sp>
-        <p:sp>
-          <p:nvSpPr>
-            <p:cNvPr id="12" name="Half Frame 11">
-              <a:extLst>
-                <a:ext uri="{FF2B5EF4-FFF2-40B4-BE49-F238E27FC236}">
-                  <a16:creationId xmlns:a16="http://schemas.microsoft.com/office/drawing/2014/main" id="{66CDBB1E-AF3C-43FC-9F34-2DD691F81726}"/>
-                </a:ext>
-              </a:extLst>
-            </p:cNvPr>
-            <p:cNvSpPr/>
-            <p:nvPr/>
-          </p:nvSpPr>
-          <p:spPr>
-            <a:xfrm rot="5400000">
-              <a:off x="3762569" y="1912372"/>
-              <a:ext cx="669775" cy="238503"/>
-            </a:xfrm>
-            <a:prstGeom prst="halfFrame">
-              <a:avLst>
-                <a:gd name="adj1" fmla="val 23728"/>
-                <a:gd name="adj2" fmla="val 24642"/>
-              </a:avLst>
-            </a:prstGeom>
-            <a:solidFill>
-              <a:schemeClr val="bg2">
-                <a:alpha val="23000"/>
-              </a:schemeClr>
-            </a:solidFill>
-            <a:ln>
-              <a:noFill/>
-            </a:ln>
-          </p:spPr>
-          <p:style>
-            <a:lnRef idx="2">
-              <a:schemeClr val="accent1">
-                <a:shade val="50000"/>
-              </a:schemeClr>
-            </a:lnRef>
-            <a:fillRef idx="1">
-              <a:schemeClr val="accent1"/>
-            </a:fillRef>
-            <a:effectRef idx="0">
-              <a:schemeClr val="accent1"/>
-            </a:effectRef>
-            <a:fontRef idx="minor">
-              <a:schemeClr val="lt1"/>
-            </a:fontRef>
-          </p:style>
-          <p:txBody>
-            <a:bodyPr rtlCol="0" anchor="ctr"/>
-            <a:lstStyle/>
-            <a:p>
-              <a:pPr marL="0" marR="0" lvl="0" indent="0" algn="ctr" defTabSz="914400" rtl="0" eaLnBrk="1" fontAlgn="auto" latinLnBrk="0" hangingPunct="1">
-                <a:lnSpc>
-                  <a:spcPct val="100000"/>
-                </a:lnSpc>
-                <a:spcBef>
-                  <a:spcPts val="0"/>
-                </a:spcBef>
-                <a:spcAft>
-                  <a:spcPts val="0"/>
-                </a:spcAft>
-                <a:buClrTx/>
-                <a:buSzTx/>
-                <a:buFontTx/>
-                <a:buNone/>
-                <a:tabLst/>
-                <a:defRPr/>
-              </a:pPr>
-              <a:endParaRPr kumimoji="0" lang="ko-KR" altLang="en-US" sz="2399" b="0" i="0" u="none" strike="noStrike" kern="1200" cap="none" spc="0" normalizeH="0" baseline="0" noProof="0">
-                <a:ln>
-                  <a:noFill/>
-                </a:ln>
-                <a:solidFill>
-                  <a:srgbClr val="234465"/>
-                </a:solidFill>
-                <a:effectLst/>
-                <a:uLnTx/>
-                <a:uFillTx/>
-                <a:latin typeface="Calibri" panose="020F0502020204030204"/>
-                <a:ea typeface="맑은 고딕" panose="020B0503020000020004" pitchFamily="34" charset="-127"/>
-                <a:cs typeface="+mn-cs"/>
-              </a:endParaRPr>
-            </a:p>
-          </p:txBody>
-        </p:sp>
-      </p:grpSp>
-      <p:pic>
-        <p:nvPicPr>
-          <p:cNvPr id="13" name="Picture 12">
-            <a:extLst>
-              <a:ext uri="{FF2B5EF4-FFF2-40B4-BE49-F238E27FC236}">
-                <a16:creationId xmlns:a16="http://schemas.microsoft.com/office/drawing/2014/main" id="{CCC3A316-993C-4741-8826-E104F27650A3}"/>
-              </a:ext>
-            </a:extLst>
-          </p:cNvPr>
-          <p:cNvPicPr>
-            <a:picLocks noChangeAspect="1"/>
-          </p:cNvPicPr>
-          <p:nvPr/>
-        </p:nvPicPr>
-        <p:blipFill rotWithShape="1">
-          <a:blip r:embed="rId3" cstate="print">
-            <a:extLst>
-              <a:ext uri="{28A0092B-C50C-407E-A947-70E740481C1C}">
-                <a14:useLocalDpi xmlns:a14="http://schemas.microsoft.com/office/drawing/2010/main" val="0"/>
-              </a:ext>
-            </a:extLst>
-          </a:blip>
-          <a:srcRect/>
-          <a:stretch/>
-        </p:blipFill>
-        <p:spPr>
-          <a:xfrm flipH="1">
-            <a:off x="9634833" y="4105075"/>
-            <a:ext cx="2118197" cy="2292422"/>
-          </a:xfrm>
-          <a:prstGeom prst="rect">
-            <a:avLst/>
-          </a:prstGeom>
-        </p:spPr>
-      </p:pic>
-      <p:sp>
-        <p:nvSpPr>
-          <p:cNvPr id="15" name="Content Placeholder 4">
-            <a:extLst>
-              <a:ext uri="{FF2B5EF4-FFF2-40B4-BE49-F238E27FC236}">
-                <a16:creationId xmlns:a16="http://schemas.microsoft.com/office/drawing/2014/main" id="{B96A0DF8-27E7-4DC8-BBE3-7238AAAEB845}"/>
-              </a:ext>
-            </a:extLst>
-          </p:cNvPr>
-          <p:cNvSpPr txBox="1">
-            <a:spLocks/>
-          </p:cNvSpPr>
-          <p:nvPr/>
-        </p:nvSpPr>
-        <p:spPr>
-          <a:xfrm>
-            <a:off x="445613" y="1606714"/>
-            <a:ext cx="11815018" cy="5201066"/>
-          </a:xfrm>
-          <a:prstGeom prst="rect">
-            <a:avLst/>
-          </a:prstGeom>
-        </p:spPr>
-        <p:txBody>
-          <a:bodyPr vert="horz" lIns="108000" tIns="36000" rIns="108000" bIns="36000" rtlCol="0">
-            <a:normAutofit/>
-          </a:bodyPr>
-          <a:lstStyle>
-            <a:lvl1pPr marL="456915" indent="-456915" algn="l" defTabSz="1218438" rtl="0" eaLnBrk="1" latinLnBrk="1" hangingPunct="1">
-              <a:lnSpc>
-                <a:spcPct val="105000"/>
-              </a:lnSpc>
-              <a:spcBef>
-                <a:spcPts val="600"/>
-              </a:spcBef>
-              <a:spcAft>
-                <a:spcPts val="600"/>
-              </a:spcAft>
-              <a:buFont typeface="Wingdings" panose="05000000000000000000" pitchFamily="2" charset="2"/>
-              <a:buChar char="§"/>
-              <a:defRPr sz="3398" kern="1200">
-                <a:solidFill>
-                  <a:schemeClr val="tx1"/>
-                </a:solidFill>
-                <a:latin typeface="+mn-lt"/>
-                <a:ea typeface="+mn-ea"/>
-                <a:cs typeface="+mn-cs"/>
-              </a:defRPr>
-            </a:lvl1pPr>
-            <a:lvl2pPr marL="989981" indent="-380762" algn="l" defTabSz="1218438" rtl="0" eaLnBrk="1" latinLnBrk="1" hangingPunct="1">
-              <a:lnSpc>
-                <a:spcPct val="105000"/>
-              </a:lnSpc>
-              <a:spcBef>
-                <a:spcPts val="600"/>
-              </a:spcBef>
-              <a:spcAft>
-                <a:spcPts val="600"/>
-              </a:spcAft>
-              <a:buFont typeface="Wingdings" panose="05000000000000000000" pitchFamily="2" charset="2"/>
-              <a:buChar char="§"/>
-              <a:defRPr sz="3198" kern="1200">
-                <a:solidFill>
-                  <a:schemeClr val="tx1"/>
-                </a:solidFill>
-                <a:latin typeface="+mn-lt"/>
-                <a:ea typeface="+mn-ea"/>
-                <a:cs typeface="+mn-cs"/>
-              </a:defRPr>
-            </a:lvl2pPr>
-            <a:lvl3pPr marL="1523048" indent="-304610" algn="l" defTabSz="1218438" rtl="0" eaLnBrk="1" latinLnBrk="1" hangingPunct="1">
-              <a:lnSpc>
-                <a:spcPct val="105000"/>
-              </a:lnSpc>
-              <a:spcBef>
-                <a:spcPts val="600"/>
-              </a:spcBef>
-              <a:spcAft>
-                <a:spcPts val="600"/>
-              </a:spcAft>
-              <a:buFont typeface="Wingdings" panose="05000000000000000000" pitchFamily="2" charset="2"/>
-              <a:buChar char="§"/>
-              <a:defRPr sz="2998" kern="1200">
-                <a:solidFill>
-                  <a:schemeClr val="tx1"/>
-                </a:solidFill>
-                <a:latin typeface="+mn-lt"/>
-                <a:ea typeface="+mn-ea"/>
-                <a:cs typeface="+mn-cs"/>
-              </a:defRPr>
-            </a:lvl3pPr>
-            <a:lvl4pPr marL="2132267" indent="-304610" algn="l" defTabSz="1218438" rtl="0" eaLnBrk="1" latinLnBrk="1" hangingPunct="1">
-              <a:lnSpc>
-                <a:spcPct val="105000"/>
-              </a:lnSpc>
-              <a:spcBef>
-                <a:spcPts val="600"/>
-              </a:spcBef>
-              <a:spcAft>
-                <a:spcPts val="600"/>
-              </a:spcAft>
-              <a:buFont typeface="Wingdings" panose="05000000000000000000" pitchFamily="2" charset="2"/>
-              <a:buChar char="§"/>
-              <a:defRPr sz="2798" kern="1200">
-                <a:solidFill>
-                  <a:schemeClr val="tx1"/>
-                </a:solidFill>
-                <a:latin typeface="+mn-lt"/>
-                <a:ea typeface="+mn-ea"/>
-                <a:cs typeface="+mn-cs"/>
-              </a:defRPr>
-            </a:lvl4pPr>
-            <a:lvl5pPr marL="2741485" indent="-304610" algn="l" defTabSz="1218438" rtl="0" eaLnBrk="1" latinLnBrk="1" hangingPunct="1">
-              <a:lnSpc>
-                <a:spcPct val="105000"/>
-              </a:lnSpc>
-              <a:spcBef>
-                <a:spcPts val="600"/>
-              </a:spcBef>
-              <a:spcAft>
-                <a:spcPts val="600"/>
-              </a:spcAft>
-              <a:buFont typeface="Wingdings" panose="05000000000000000000" pitchFamily="2" charset="2"/>
-              <a:buChar char="§"/>
-              <a:defRPr sz="2598" kern="1200">
-                <a:solidFill>
-                  <a:schemeClr val="tx1"/>
-                </a:solidFill>
-                <a:latin typeface="+mn-lt"/>
-                <a:ea typeface="+mn-ea"/>
-                <a:cs typeface="+mn-cs"/>
-              </a:defRPr>
-            </a:lvl5pPr>
-            <a:lvl6pPr marL="3350704" indent="-304610" algn="l" defTabSz="1218438" rtl="0" eaLnBrk="1" latinLnBrk="1" hangingPunct="1">
-              <a:spcBef>
-                <a:spcPct val="20000"/>
-              </a:spcBef>
-              <a:buFont typeface="Arial" pitchFamily="34" charset="0"/>
-              <a:buChar char="•"/>
-              <a:defRPr sz="2665" kern="1200">
-                <a:solidFill>
-                  <a:schemeClr val="tx1"/>
-                </a:solidFill>
-                <a:latin typeface="+mn-lt"/>
-                <a:ea typeface="+mn-ea"/>
-                <a:cs typeface="+mn-cs"/>
-              </a:defRPr>
-            </a:lvl6pPr>
-            <a:lvl7pPr marL="3959924" indent="-304610" algn="l" defTabSz="1218438" rtl="0" eaLnBrk="1" latinLnBrk="1" hangingPunct="1">
-              <a:spcBef>
-                <a:spcPct val="20000"/>
-              </a:spcBef>
-              <a:buFont typeface="Arial" pitchFamily="34" charset="0"/>
-              <a:buChar char="•"/>
-              <a:defRPr sz="2665" kern="1200">
-                <a:solidFill>
-                  <a:schemeClr val="tx1"/>
-                </a:solidFill>
-                <a:latin typeface="+mn-lt"/>
-                <a:ea typeface="+mn-ea"/>
-                <a:cs typeface="+mn-cs"/>
-              </a:defRPr>
-            </a:lvl7pPr>
-            <a:lvl8pPr marL="4569143" indent="-304610" algn="l" defTabSz="1218438" rtl="0" eaLnBrk="1" latinLnBrk="1" hangingPunct="1">
-              <a:spcBef>
-                <a:spcPct val="20000"/>
-              </a:spcBef>
-              <a:buFont typeface="Arial" pitchFamily="34" charset="0"/>
-              <a:buChar char="•"/>
-              <a:defRPr sz="2665" kern="1200">
-                <a:solidFill>
-                  <a:schemeClr val="tx1"/>
-                </a:solidFill>
-                <a:latin typeface="+mn-lt"/>
-                <a:ea typeface="+mn-ea"/>
-                <a:cs typeface="+mn-cs"/>
-              </a:defRPr>
-            </a:lvl8pPr>
-            <a:lvl9pPr marL="5178362" indent="-304610" algn="l" defTabSz="1218438" rtl="0" eaLnBrk="1" latinLnBrk="1" hangingPunct="1">
-              <a:spcBef>
-                <a:spcPct val="20000"/>
-              </a:spcBef>
-              <a:buFont typeface="Arial" pitchFamily="34" charset="0"/>
-              <a:buChar char="•"/>
-              <a:defRPr sz="2665" kern="1200">
-                <a:solidFill>
-                  <a:schemeClr val="tx1"/>
-                </a:solidFill>
-                <a:latin typeface="+mn-lt"/>
-                <a:ea typeface="+mn-ea"/>
-                <a:cs typeface="+mn-cs"/>
-              </a:defRPr>
-            </a:lvl9pPr>
-          </a:lstStyle>
-          <a:p>
-            <a:pPr marL="456915" marR="0" lvl="0" indent="-456915" algn="l" defTabSz="1218438" rtl="0" eaLnBrk="1" fontAlgn="auto" latinLnBrk="1" hangingPunct="1">
-              <a:lnSpc>
-                <a:spcPct val="100000"/>
-              </a:lnSpc>
-              <a:spcBef>
-                <a:spcPts val="600"/>
-              </a:spcBef>
-              <a:spcAft>
-                <a:spcPts val="600"/>
-              </a:spcAft>
-              <a:buClr>
-                <a:srgbClr val="FFFFFF"/>
-              </a:buClr>
-              <a:buSzTx/>
-              <a:buFont typeface="Wingdings" panose="05000000000000000000" pitchFamily="2" charset="2"/>
-              <a:buChar char="§"/>
-              <a:tabLst/>
-              <a:defRPr/>
-            </a:pPr>
-            <a:endParaRPr kumimoji="0" lang="en-US" sz="2800" b="0" i="0" u="none" strike="noStrike" kern="1200" cap="none" spc="0" normalizeH="0" baseline="0" noProof="0" dirty="0">
-              <a:ln>
-                <a:noFill/>
-              </a:ln>
-              <a:solidFill>
-                <a:schemeClr val="bg2"/>
-              </a:solidFill>
-              <a:effectLst/>
-              <a:uLnTx/>
-              <a:uFillTx/>
-              <a:latin typeface="Calibri" panose="020F0502020204030204"/>
-              <a:ea typeface="+mn-ea"/>
-              <a:cs typeface="+mn-cs"/>
-            </a:endParaRPr>
-          </a:p>
-        </p:txBody>
-      </p:sp>
-      <p:sp>
-        <p:nvSpPr>
-          <p:cNvPr id="2" name="Rectangle 1"/>
-          <p:cNvSpPr/>
-          <p:nvPr/>
-        </p:nvSpPr>
-        <p:spPr>
-          <a:xfrm>
-            <a:off x="561000" y="1719000"/>
-            <a:ext cx="8795363" cy="4689425"/>
-          </a:xfrm>
-          <a:prstGeom prst="rect">
-            <a:avLst/>
-          </a:prstGeom>
-        </p:spPr>
-        <p:txBody>
-          <a:bodyPr wrap="square">
-            <a:spAutoFit/>
-          </a:bodyPr>
-          <a:lstStyle/>
-          <a:p>
-            <a:pPr marL="457200" indent="-457200">
-              <a:spcAft>
-                <a:spcPts val="600"/>
-              </a:spcAft>
-              <a:buClr>
-                <a:schemeClr val="bg2"/>
-              </a:buClr>
-              <a:buFont typeface="Wingdings" panose="05000000000000000000" pitchFamily="2" charset="2"/>
-              <a:buChar char="§"/>
-            </a:pPr>
-            <a:r>
-              <a:rPr lang="bg-BG" sz="3400" b="1" dirty="0">
-                <a:solidFill>
-                  <a:schemeClr val="bg1">
-                    <a:lumMod val="40000"/>
-                    <a:lumOff val="60000"/>
-                  </a:schemeClr>
-                </a:solidFill>
-              </a:rPr>
-              <a:t>M</a:t>
-            </a:r>
-            <a:r>
-              <a:rPr lang="en-US" sz="3400" b="1" dirty="0">
-                <a:solidFill>
-                  <a:schemeClr val="bg1">
-                    <a:lumMod val="40000"/>
-                    <a:lumOff val="60000"/>
-                  </a:schemeClr>
-                </a:solidFill>
-              </a:rPr>
-              <a:t>S SQL Server</a:t>
-            </a:r>
-            <a:r>
-              <a:rPr lang="en-US" sz="3400" dirty="0">
-                <a:solidFill>
-                  <a:schemeClr val="bg1">
-                    <a:lumMod val="40000"/>
-                    <a:lumOff val="60000"/>
-                  </a:schemeClr>
-                </a:solidFill>
-              </a:rPr>
-              <a:t> == </a:t>
-            </a:r>
-            <a:r>
-              <a:rPr lang="bg-BG" sz="3400" dirty="0">
-                <a:solidFill>
-                  <a:schemeClr val="bg2"/>
-                </a:solidFill>
-              </a:rPr>
-              <a:t>система за управление на големи обеми от данни</a:t>
-            </a:r>
-          </a:p>
-          <a:p>
-            <a:pPr marL="457200" indent="-457200">
-              <a:spcAft>
-                <a:spcPts val="600"/>
-              </a:spcAft>
-              <a:buClr>
-                <a:schemeClr val="bg2"/>
-              </a:buClr>
-              <a:buFont typeface="Wingdings" panose="05000000000000000000" pitchFamily="2" charset="2"/>
-              <a:buChar char="§"/>
-            </a:pPr>
-            <a:r>
-              <a:rPr lang="en-US" sz="3400" b="1" dirty="0">
-                <a:solidFill>
-                  <a:schemeClr val="bg1">
-                    <a:lumMod val="40000"/>
-                    <a:lumOff val="60000"/>
-                  </a:schemeClr>
-                </a:solidFill>
-              </a:rPr>
-              <a:t>SQL Server Express LocalDB</a:t>
-            </a:r>
-            <a:r>
-              <a:rPr lang="bg-BG" sz="3400" b="1" dirty="0">
-                <a:solidFill>
-                  <a:schemeClr val="bg1">
-                    <a:lumMod val="40000"/>
-                    <a:lumOff val="60000"/>
-                  </a:schemeClr>
-                </a:solidFill>
-              </a:rPr>
-              <a:t> == </a:t>
-            </a:r>
-            <a:r>
-              <a:rPr lang="bg-BG" sz="3400" dirty="0">
-                <a:solidFill>
-                  <a:schemeClr val="bg2"/>
-                </a:solidFill>
-              </a:rPr>
-              <a:t>опростена версия на Microsoft SQL Server</a:t>
-            </a:r>
-          </a:p>
-          <a:p>
-            <a:pPr marL="457200" indent="-457200">
-              <a:lnSpc>
-                <a:spcPct val="100000"/>
-              </a:lnSpc>
-              <a:spcAft>
-                <a:spcPts val="600"/>
-              </a:spcAft>
-              <a:buFont typeface="Wingdings" panose="05000000000000000000" pitchFamily="2" charset="2"/>
-              <a:buChar char="§"/>
-            </a:pPr>
-            <a:r>
-              <a:rPr lang="bg-BG" sz="3400" dirty="0">
-                <a:solidFill>
-                  <a:schemeClr val="bg2"/>
-                </a:solidFill>
-              </a:rPr>
-              <a:t>Чрез </a:t>
-            </a:r>
-            <a:r>
-              <a:rPr lang="en-US" sz="3400" dirty="0">
-                <a:solidFill>
-                  <a:schemeClr val="bg2"/>
-                </a:solidFill>
-              </a:rPr>
-              <a:t>SQL </a:t>
-            </a:r>
-            <a:r>
-              <a:rPr lang="bg-BG" sz="3400" dirty="0">
-                <a:solidFill>
-                  <a:schemeClr val="bg2"/>
-                </a:solidFill>
-              </a:rPr>
-              <a:t>можем да </a:t>
-            </a:r>
-            <a:r>
-              <a:rPr lang="bg-BG" sz="3400" b="1" dirty="0">
-                <a:solidFill>
-                  <a:schemeClr val="bg1">
-                    <a:lumMod val="40000"/>
-                    <a:lumOff val="60000"/>
-                  </a:schemeClr>
-                </a:solidFill>
-              </a:rPr>
-              <a:t>създаваме таблици</a:t>
-            </a:r>
-            <a:r>
-              <a:rPr lang="bg-BG" sz="3400" dirty="0">
-                <a:solidFill>
-                  <a:schemeClr val="bg2"/>
-                </a:solidFill>
-              </a:rPr>
-              <a:t>, да </a:t>
-            </a:r>
-            <a:r>
-              <a:rPr lang="bg-BG" sz="3400" b="1" dirty="0">
-                <a:solidFill>
-                  <a:schemeClr val="bg1">
-                    <a:lumMod val="40000"/>
-                    <a:lumOff val="60000"/>
-                  </a:schemeClr>
-                </a:solidFill>
-              </a:rPr>
-              <a:t>вмъкваме</a:t>
-            </a:r>
-            <a:r>
-              <a:rPr lang="bg-BG" sz="3400" dirty="0">
-                <a:solidFill>
-                  <a:schemeClr val="bg2"/>
-                </a:solidFill>
-              </a:rPr>
-              <a:t> и </a:t>
-            </a:r>
-            <a:r>
-              <a:rPr lang="bg-BG" sz="3400" b="1" dirty="0">
-                <a:solidFill>
-                  <a:schemeClr val="bg1">
-                    <a:lumMod val="40000"/>
-                    <a:lumOff val="60000"/>
-                  </a:schemeClr>
-                </a:solidFill>
-              </a:rPr>
-              <a:t>редактираме</a:t>
-            </a:r>
-            <a:r>
-              <a:rPr lang="bg-BG" sz="3400" dirty="0">
-                <a:solidFill>
-                  <a:schemeClr val="bg2"/>
-                </a:solidFill>
-              </a:rPr>
-              <a:t> данни</a:t>
-            </a:r>
-            <a:endParaRPr lang="en-US" sz="3400" dirty="0">
-              <a:solidFill>
-                <a:schemeClr val="bg2"/>
-              </a:solidFill>
-            </a:endParaRPr>
-          </a:p>
-          <a:p>
-            <a:pPr marL="457200" indent="-457200">
-              <a:lnSpc>
-                <a:spcPct val="100000"/>
-              </a:lnSpc>
-              <a:buFont typeface="Wingdings" panose="05000000000000000000" pitchFamily="2" charset="2"/>
-              <a:buChar char="§"/>
-            </a:pPr>
-            <a:endParaRPr lang="en-US" sz="3400" dirty="0">
-              <a:solidFill>
-                <a:schemeClr val="bg2"/>
-              </a:solidFill>
-            </a:endParaRPr>
-          </a:p>
-          <a:p>
-            <a:pPr marL="457200" indent="-457200">
-              <a:lnSpc>
-                <a:spcPct val="150000"/>
-              </a:lnSpc>
-              <a:buFont typeface="Wingdings" panose="05000000000000000000" pitchFamily="2" charset="2"/>
-              <a:buChar char="§"/>
-            </a:pPr>
-            <a:endParaRPr lang="en-US" sz="3400" b="1" dirty="0">
-              <a:solidFill>
-                <a:schemeClr val="bg2"/>
-              </a:solidFill>
-            </a:endParaRPr>
-          </a:p>
-        </p:txBody>
-      </p:sp>
-      <p:sp>
-        <p:nvSpPr>
-          <p:cNvPr id="3" name="Slide Number">
-            <a:extLst>
-              <a:ext uri="{FF2B5EF4-FFF2-40B4-BE49-F238E27FC236}">
-                <a16:creationId xmlns:a16="http://schemas.microsoft.com/office/drawing/2014/main" id="{D56998D3-96AE-97F0-0C9A-4B9BC889D15C}"/>
-              </a:ext>
-            </a:extLst>
-          </p:cNvPr>
-          <p:cNvSpPr>
-            <a:spLocks noGrp="1"/>
-          </p:cNvSpPr>
-          <p:nvPr>
-            <p:ph type="sldNum" sz="quarter" idx="5"/>
-          </p:nvPr>
-        </p:nvSpPr>
-        <p:spPr>
-          <a:xfrm>
-            <a:off x="11753030" y="6507000"/>
-            <a:ext cx="367414" cy="297000"/>
-          </a:xfrm>
-          <a:prstGeom prst="rect">
-            <a:avLst/>
-          </a:prstGeom>
-        </p:spPr>
-        <p:txBody>
-          <a:bodyPr vert="horz" lIns="91440" tIns="45720" rIns="91440" bIns="45720" rtlCol="0" anchor="b"/>
-          <a:lstStyle>
-            <a:lvl1pPr algn="r">
-              <a:defRPr sz="1000"/>
-            </a:lvl1pPr>
-          </a:lstStyle>
-          <a:p>
-            <a:fld id="{2BF067CD-8E6B-4360-9AA8-C5DF2A48A6D1}" type="slidenum">
-              <a:rPr lang="en-US" noProof="0" smtClean="0"/>
-              <a:pPr/>
-              <a:t>40</a:t>
-            </a:fld>
-            <a:endParaRPr lang="en-US" noProof="0" dirty="0"/>
-          </a:p>
-        </p:txBody>
-      </p:sp>
-    </p:spTree>
-    <p:extLst>
-      <p:ext uri="{BB962C8B-B14F-4D97-AF65-F5344CB8AC3E}">
-        <p14:creationId xmlns:p14="http://schemas.microsoft.com/office/powerpoint/2010/main" val="2357972623"/>
-      </p:ext>
-    </p:extLst>
-  </p:cSld>
-  <p:clrMapOvr>
-    <a:masterClrMapping/>
-  </p:clrMapOvr>
-  <mc:AlternateContent xmlns:mc="http://schemas.openxmlformats.org/markup-compatibility/2006" xmlns:p14="http://schemas.microsoft.com/office/powerpoint/2010/main">
-    <mc:Choice Requires="p14">
-      <p:transition spd="slow" p14:dur="2000" advClick="0" advTm="5000"/>
-    </mc:Choice>
-    <mc:Fallback xmlns="">
-      <p:transition spd="slow" advClick="0" advTm="5000"/>
-    </mc:Fallback>
-  </mc:AlternateContent>
-  <p:timing>
-    <p:tnLst>
-      <p:par>
-        <p:cTn id="1" dur="indefinite" restart="never" nodeType="tmRoot">
-          <p:childTnLst>
-            <p:seq concurrent="1" nextAc="seek">
-              <p:cTn id="2" dur="indefinite" nodeType="mainSeq">
-                <p:childTnLst>
-                  <p:par>
-                    <p:cTn id="3" fill="hold">
-                      <p:stCondLst>
-                        <p:cond delay="indefinite"/>
-                      </p:stCondLst>
-                      <p:childTnLst>
-                        <p:par>
-                          <p:cTn id="4" fill="hold">
-                            <p:stCondLst>
-                              <p:cond delay="0"/>
-                            </p:stCondLst>
-                            <p:childTnLst>
-                              <p:par>
-                                <p:cTn id="5" presetID="1" presetClass="entr" presetSubtype="0" fill="hold" nodeType="clickEffect">
-                                  <p:stCondLst>
-                                    <p:cond delay="0"/>
-                                  </p:stCondLst>
-                                  <p:childTnLst>
-                                    <p:set>
-                                      <p:cBhvr>
-                                        <p:cTn id="6" dur="1" fill="hold">
-                                          <p:stCondLst>
-                                            <p:cond delay="0"/>
-                                          </p:stCondLst>
-                                        </p:cTn>
-                                        <p:tgtEl>
-                                          <p:spTgt spid="2">
-                                            <p:txEl>
-                                              <p:pRg st="1" end="1"/>
-                                            </p:txEl>
-                                          </p:spTgt>
-                                        </p:tgtEl>
-                                        <p:attrNameLst>
-                                          <p:attrName>style.visibility</p:attrName>
-                                        </p:attrNameLst>
-                                      </p:cBhvr>
-                                      <p:to>
-                                        <p:strVal val="visible"/>
-                                      </p:to>
-                                    </p:set>
-                                  </p:childTnLst>
-                                </p:cTn>
-                              </p:par>
-                            </p:childTnLst>
-                          </p:cTn>
-                        </p:par>
-                      </p:childTnLst>
-                    </p:cTn>
-                  </p:par>
-                  <p:par>
-                    <p:cTn id="7" fill="hold">
-                      <p:stCondLst>
-                        <p:cond delay="indefinite"/>
-                      </p:stCondLst>
-                      <p:childTnLst>
-                        <p:par>
-                          <p:cTn id="8" fill="hold">
-                            <p:stCondLst>
-                              <p:cond delay="0"/>
-                            </p:stCondLst>
-                            <p:childTnLst>
-                              <p:par>
-                                <p:cTn id="9" presetID="1" presetClass="entr" presetSubtype="0" fill="hold" nodeType="clickEffect">
-                                  <p:stCondLst>
-                                    <p:cond delay="0"/>
-                                  </p:stCondLst>
-                                  <p:childTnLst>
-                                    <p:set>
-                                      <p:cBhvr>
-                                        <p:cTn id="10" dur="1" fill="hold">
-                                          <p:stCondLst>
-                                            <p:cond delay="0"/>
-                                          </p:stCondLst>
-                                        </p:cTn>
-                                        <p:tgtEl>
-                                          <p:spTgt spid="2">
-                                            <p:txEl>
-                                              <p:pRg st="2" end="2"/>
-                                            </p:txEl>
-                                          </p:spTgt>
-                                        </p:tgtEl>
-                                        <p:attrNameLst>
-                                          <p:attrName>style.visibility</p:attrName>
-                                        </p:attrNameLst>
-                                      </p:cBhvr>
-                                      <p:to>
-                                        <p:strVal val="visible"/>
-                                      </p:to>
-                                    </p:set>
-                                  </p:childTnLst>
-                                </p:cTn>
-                              </p:par>
-                            </p:childTnLst>
-                          </p:cTn>
-                        </p:par>
-                      </p:childTnLst>
-                    </p:cTn>
-                  </p:par>
-                </p:childTnLst>
-              </p:cTn>
-              <p:prevCondLst>
-                <p:cond evt="onPrev" delay="0">
-                  <p:tgtEl>
-                    <p:sldTgt/>
-                  </p:tgtEl>
-                </p:cond>
-              </p:prevCondLst>
-              <p:nextCondLst>
-                <p:cond evt="onNext" delay="0">
-                  <p:tgtEl>
-                    <p:sldTgt/>
-                  </p:tgtEl>
-                </p:cond>
-              </p:nextCondLst>
-            </p:seq>
-          </p:childTnLst>
-        </p:cTn>
-      </p:par>
-    </p:tnLst>
-  </p:timing>
-</p:sld>
-</file>
-
-<file path=ppt/slides/slide41.xml><?xml version="1.0" encoding="utf-8"?>
-<p:sld xmlns:a="http://schemas.openxmlformats.org/drawingml/2006/main" xmlns:r="http://schemas.openxmlformats.org/officeDocument/2006/relationships" xmlns:p="http://schemas.openxmlformats.org/presentationml/2006/main">
-  <p:cSld>
-    <p:spTree>
-      <p:nvGrpSpPr>
-        <p:cNvPr id="1" name=""/>
-        <p:cNvGrpSpPr/>
-        <p:nvPr/>
-      </p:nvGrpSpPr>
-      <p:grpSpPr>
-        <a:xfrm>
-          <a:off x="0" y="0"/>
-          <a:ext cx="0" cy="0"/>
-          <a:chOff x="0" y="0"/>
-          <a:chExt cx="0" cy="0"/>
-        </a:xfrm>
-      </p:grpSpPr>
-      <p:sp>
-        <p:nvSpPr>
-          <p:cNvPr id="5" name="Slide Title">
-            <a:extLst>
-              <a:ext uri="{FF2B5EF4-FFF2-40B4-BE49-F238E27FC236}">
-                <a16:creationId xmlns:a16="http://schemas.microsoft.com/office/drawing/2014/main" id="{FA0703FC-0F8F-4C80-A615-E4B381EC0E0C}"/>
-              </a:ext>
-            </a:extLst>
-          </p:cNvPr>
-          <p:cNvSpPr>
-            <a:spLocks noGrp="1"/>
-          </p:cNvSpPr>
-          <p:nvPr>
-            <p:ph type="title"/>
-          </p:nvPr>
-        </p:nvSpPr>
-        <p:spPr/>
-        <p:txBody>
-          <a:bodyPr/>
-          <a:lstStyle/>
-          <a:p>
-            <a:r>
-              <a:rPr lang="bg-BG" dirty="0"/>
-              <a:t>Въпроси</a:t>
-            </a:r>
-            <a:r>
-              <a:rPr lang="en-US" dirty="0"/>
-              <a:t>?</a:t>
-            </a:r>
-          </a:p>
-        </p:txBody>
-      </p:sp>
-      <p:sp>
-        <p:nvSpPr>
-          <p:cNvPr id="2" name="Rectangle Bottom Copyright">
-            <a:extLst>
-              <a:ext uri="{FF2B5EF4-FFF2-40B4-BE49-F238E27FC236}">
-                <a16:creationId xmlns:a16="http://schemas.microsoft.com/office/drawing/2014/main" id="{664812A4-2991-44D1-BFE9-32E55AADF8A5}"/>
-              </a:ext>
-            </a:extLst>
-          </p:cNvPr>
-          <p:cNvSpPr/>
-          <p:nvPr/>
-        </p:nvSpPr>
-        <p:spPr>
-          <a:xfrm>
-            <a:off x="111000" y="6454758"/>
-            <a:ext cx="11970000" cy="304242"/>
-          </a:xfrm>
-          <a:prstGeom prst="rect">
-            <a:avLst/>
-          </a:prstGeom>
-        </p:spPr>
-        <p:txBody>
-          <a:bodyPr wrap="square">
-            <a:noAutofit/>
-          </a:bodyPr>
-          <a:lstStyle/>
-          <a:p>
-            <a:pPr algn="ctr">
-              <a:lnSpc>
-                <a:spcPct val="100000"/>
-              </a:lnSpc>
-              <a:spcBef>
-                <a:spcPts val="0"/>
-              </a:spcBef>
-              <a:spcAft>
-                <a:spcPts val="0"/>
-              </a:spcAft>
-            </a:pPr>
-            <a:r>
-              <a:rPr lang="bg-BG" sz="1600" dirty="0">
-                <a:solidFill>
-                  <a:schemeClr val="bg2"/>
-                </a:solidFill>
-                <a:effectLst/>
-                <a:latin typeface="Calibri" panose="020F0502020204030204" pitchFamily="34" charset="0"/>
-                <a:ea typeface="Calibri" panose="020F0502020204030204" pitchFamily="34" charset="0"/>
-                <a:cs typeface="Arial" panose="020B0604020202020204" pitchFamily="34" charset="0"/>
-              </a:rPr>
-              <a:t>Проект "</a:t>
-            </a:r>
-            <a:r>
-              <a:rPr lang="bg-BG" sz="1600" dirty="0">
-                <a:solidFill>
-                  <a:schemeClr val="bg1">
-                    <a:lumMod val="20000"/>
-                    <a:lumOff val="80000"/>
-                  </a:schemeClr>
-                </a:solidFill>
-                <a:effectLst/>
-                <a:latin typeface="Calibri" panose="020F0502020204030204" pitchFamily="34" charset="0"/>
-                <a:ea typeface="Calibri" panose="020F0502020204030204" pitchFamily="34" charset="0"/>
-                <a:cs typeface="Arial" panose="020B0604020202020204" pitchFamily="34" charset="0"/>
-                <a:hlinkClick r:id="rId3">
-                  <a:extLst>
-                    <a:ext uri="{A12FA001-AC4F-418D-AE19-62706E023703}">
-                      <ahyp:hlinkClr xmlns:ahyp="http://schemas.microsoft.com/office/drawing/2018/hyperlinkcolor" val="tx"/>
-                    </a:ext>
-                  </a:extLst>
-                </a:hlinkClick>
-              </a:rPr>
-              <a:t>Отворено учебно съдържание по програмиране и ИТ</a:t>
-            </a:r>
-            <a:r>
-              <a:rPr lang="bg-BG" sz="1600" dirty="0">
-                <a:solidFill>
-                  <a:schemeClr val="bg2"/>
-                </a:solidFill>
-                <a:effectLst/>
-                <a:latin typeface="Calibri" panose="020F0502020204030204" pitchFamily="34" charset="0"/>
-                <a:ea typeface="Calibri" panose="020F0502020204030204" pitchFamily="34" charset="0"/>
-                <a:cs typeface="Arial" panose="020B0604020202020204" pitchFamily="34" charset="0"/>
-              </a:rPr>
-              <a:t>", СофтУни Фондация (лиценз </a:t>
-            </a:r>
-            <a:r>
-              <a:rPr lang="en-US" sz="1600" dirty="0">
-                <a:solidFill>
-                  <a:schemeClr val="bg2"/>
-                </a:solidFill>
-                <a:effectLst/>
-                <a:latin typeface="Calibri" panose="020F0502020204030204" pitchFamily="34" charset="0"/>
-                <a:ea typeface="Calibri" panose="020F0502020204030204" pitchFamily="34" charset="0"/>
-                <a:cs typeface="Arial" panose="020B0604020202020204" pitchFamily="34" charset="0"/>
-              </a:rPr>
-              <a:t>CC-BY-NC-SA</a:t>
-            </a:r>
-            <a:r>
-              <a:rPr lang="bg-BG" sz="1600" dirty="0">
-                <a:solidFill>
-                  <a:schemeClr val="bg2"/>
-                </a:solidFill>
-                <a:effectLst/>
-                <a:latin typeface="Calibri" panose="020F0502020204030204" pitchFamily="34" charset="0"/>
-                <a:ea typeface="Calibri" panose="020F0502020204030204" pitchFamily="34" charset="0"/>
-                <a:cs typeface="Arial" panose="020B0604020202020204" pitchFamily="34" charset="0"/>
-              </a:rPr>
-              <a:t>)</a:t>
-            </a:r>
-            <a:endParaRPr lang="bg-BG" sz="2400" dirty="0">
-              <a:solidFill>
-                <a:schemeClr val="bg2"/>
-              </a:solidFill>
-              <a:effectLst/>
-              <a:latin typeface="Calibri" panose="020F0502020204030204" pitchFamily="34" charset="0"/>
-              <a:ea typeface="Calibri" panose="020F0502020204030204" pitchFamily="34" charset="0"/>
-              <a:cs typeface="Arial" panose="020B0604020202020204" pitchFamily="34" charset="0"/>
-            </a:endParaRPr>
-          </a:p>
-        </p:txBody>
-      </p:sp>
-    </p:spTree>
-    <p:extLst>
-      <p:ext uri="{BB962C8B-B14F-4D97-AF65-F5344CB8AC3E}">
-        <p14:creationId xmlns:p14="http://schemas.microsoft.com/office/powerpoint/2010/main" val="3744296604"/>
-      </p:ext>
-    </p:extLst>
-  </p:cSld>
-  <p:clrMapOvr>
-    <a:masterClrMapping/>
-  </p:clrMapOvr>
-  <mc:AlternateContent xmlns:mc="http://schemas.openxmlformats.org/markup-compatibility/2006" xmlns:p14="http://schemas.microsoft.com/office/powerpoint/2010/main">
-    <mc:Choice Requires="p14">
-      <p:transition spd="slow" p14:dur="2000" advClick="0" advTm="5000"/>
-    </mc:Choice>
-    <mc:Fallback xmlns="">
-      <p:transition spd="slow" advClick="0" advTm="5000"/>
-    </mc:Fallback>
-  </mc:AlternateContent>
-</p:sld>
-</file>
-
-<file path=ppt/slides/slide42.xml><?xml version="1.0" encoding="utf-8"?>
 <p:sld xmlns:a="http://schemas.openxmlformats.org/drawingml/2006/main" xmlns:r="http://schemas.openxmlformats.org/officeDocument/2006/relationships" xmlns:p="http://schemas.openxmlformats.org/presentationml/2006/main" show="0">
   <p:cSld>
     <p:spTree>
@@ -24554,7 +23175,7 @@
             <a:fld id="{2BF067CD-8E6B-4360-9AA8-C5DF2A48A6D1}" type="slidenum">
               <a:rPr lang="en-US" noProof="0" smtClean="0"/>
               <a:pPr/>
-              <a:t>42</a:t>
+              <a:t>40</a:t>
             </a:fld>
             <a:endParaRPr lang="en-US" noProof="0" dirty="0"/>
           </a:p>
